--- a/Document/Testcase/Testcase #1.pptx
+++ b/Document/Testcase/Testcase #1.pptx
@@ -6,30 +6,33 @@
   </p:sldMasterIdLst>
   <p:sldIdLst>
     <p:sldId id="256" r:id="rId2"/>
-    <p:sldId id="257" r:id="rId3"/>
-    <p:sldId id="258" r:id="rId4"/>
-    <p:sldId id="259" r:id="rId5"/>
-    <p:sldId id="260" r:id="rId6"/>
-    <p:sldId id="261" r:id="rId7"/>
-    <p:sldId id="262" r:id="rId8"/>
-    <p:sldId id="266" r:id="rId9"/>
-    <p:sldId id="263" r:id="rId10"/>
-    <p:sldId id="264" r:id="rId11"/>
-    <p:sldId id="265" r:id="rId12"/>
-    <p:sldId id="267" r:id="rId13"/>
-    <p:sldId id="268" r:id="rId14"/>
-    <p:sldId id="269" r:id="rId15"/>
-    <p:sldId id="270" r:id="rId16"/>
-    <p:sldId id="271" r:id="rId17"/>
-    <p:sldId id="272" r:id="rId18"/>
-    <p:sldId id="275" r:id="rId19"/>
-    <p:sldId id="276" r:id="rId20"/>
-    <p:sldId id="277" r:id="rId21"/>
-    <p:sldId id="278" r:id="rId22"/>
-    <p:sldId id="279" r:id="rId23"/>
-    <p:sldId id="273" r:id="rId24"/>
-    <p:sldId id="274" r:id="rId25"/>
-    <p:sldId id="280" r:id="rId26"/>
+    <p:sldId id="281" r:id="rId3"/>
+    <p:sldId id="282" r:id="rId4"/>
+    <p:sldId id="257" r:id="rId5"/>
+    <p:sldId id="258" r:id="rId6"/>
+    <p:sldId id="259" r:id="rId7"/>
+    <p:sldId id="260" r:id="rId8"/>
+    <p:sldId id="261" r:id="rId9"/>
+    <p:sldId id="262" r:id="rId10"/>
+    <p:sldId id="266" r:id="rId11"/>
+    <p:sldId id="263" r:id="rId12"/>
+    <p:sldId id="264" r:id="rId13"/>
+    <p:sldId id="265" r:id="rId14"/>
+    <p:sldId id="267" r:id="rId15"/>
+    <p:sldId id="268" r:id="rId16"/>
+    <p:sldId id="269" r:id="rId17"/>
+    <p:sldId id="270" r:id="rId18"/>
+    <p:sldId id="271" r:id="rId19"/>
+    <p:sldId id="272" r:id="rId20"/>
+    <p:sldId id="275" r:id="rId21"/>
+    <p:sldId id="276" r:id="rId22"/>
+    <p:sldId id="277" r:id="rId23"/>
+    <p:sldId id="278" r:id="rId24"/>
+    <p:sldId id="279" r:id="rId25"/>
+    <p:sldId id="283" r:id="rId26"/>
+    <p:sldId id="273" r:id="rId27"/>
+    <p:sldId id="274" r:id="rId28"/>
+    <p:sldId id="280" r:id="rId29"/>
   </p:sldIdLst>
   <p:sldSz cx="12192000" cy="6858000"/>
   <p:notesSz cx="6858000" cy="9144000"/>
@@ -3567,7 +3570,7 @@
           <p:cNvPr id="2" name="제목 1">
             <a:extLst>
               <a:ext uri="{FF2B5EF4-FFF2-40B4-BE49-F238E27FC236}">
-                <a16:creationId xmlns:a16="http://schemas.microsoft.com/office/drawing/2014/main" id="{37779B94-485B-4DD5-89AC-22B55077DF6F}"/>
+                <a16:creationId xmlns:a16="http://schemas.microsoft.com/office/drawing/2014/main" id="{2E262C1D-1721-4720-B5E4-CEC5D3FD360E}"/>
               </a:ext>
             </a:extLst>
           </p:cNvPr>
@@ -3580,7 +3583,9 @@
         </p:nvSpPr>
         <p:spPr/>
         <p:txBody>
-          <a:bodyPr/>
+          <a:bodyPr>
+            <a:normAutofit fontScale="90000"/>
+          </a:bodyPr>
           <a:lstStyle/>
           <a:p>
             <a:r>
@@ -3589,7 +3594,38 @@
             </a:r>
             <a:r>
               <a:rPr lang="en-US" altLang="ko-KR" dirty="0"/>
-              <a:t>#7 : </a:t>
+              <a:t>#5 : </a:t>
+            </a:r>
+            <a:r>
+              <a:rPr lang="ko-KR" altLang="en-US" dirty="0"/>
+              <a:t>선거가 하나도 생성되지 않은 상태로</a:t>
+            </a:r>
+            <a:r>
+              <a:rPr lang="en-US" altLang="ko-KR" dirty="0"/>
+              <a:t>, </a:t>
+            </a:r>
+            <a:r>
+              <a:rPr lang="ko-KR" altLang="en-US" dirty="0"/>
+              <a:t>관리자가 로그인할 경우 </a:t>
+            </a:r>
+            <a:r>
+              <a:rPr lang="en-US" altLang="ko-KR" dirty="0"/>
+              <a:t>[</a:t>
+            </a:r>
+            <a:r>
+              <a:rPr lang="ko-KR" altLang="en-US" dirty="0"/>
+              <a:t>선거등록</a:t>
+            </a:r>
+            <a:r>
+              <a:rPr lang="en-US" altLang="ko-KR" dirty="0"/>
+              <a:t>]</a:t>
+            </a:r>
+            <a:br>
+              <a:rPr lang="en-US" altLang="ko-KR" dirty="0"/>
+            </a:br>
+            <a:r>
+              <a:rPr lang="en-US" altLang="ko-KR" dirty="0"/>
+              <a:t>[</a:t>
             </a:r>
             <a:r>
               <a:rPr lang="ko-KR" altLang="en-US" dirty="0"/>
@@ -3601,23 +3637,7 @@
             </a:r>
             <a:r>
               <a:rPr lang="ko-KR" altLang="en-US" dirty="0"/>
-              <a:t>개인 선거가 하나가 생성된 상태로</a:t>
-            </a:r>
-            <a:r>
-              <a:rPr lang="en-US" altLang="ko-KR" dirty="0"/>
-              <a:t>, </a:t>
-            </a:r>
-            <a:r>
-              <a:rPr lang="ko-KR" altLang="en-US" dirty="0"/>
-              <a:t>관리자가 </a:t>
-            </a:r>
-            <a:r>
-              <a:rPr lang="en-US" altLang="ko-KR" dirty="0"/>
-              <a:t>[</a:t>
-            </a:r>
-            <a:r>
-              <a:rPr lang="ko-KR" altLang="en-US" dirty="0"/>
-              <a:t>선거관리</a:t>
+              <a:t>개 등록</a:t>
             </a:r>
             <a:r>
               <a:rPr lang="en-US" altLang="ko-KR" dirty="0"/>
@@ -3632,7 +3652,7 @@
           <p:cNvPr id="5" name="내용 개체 틀 4">
             <a:extLst>
               <a:ext uri="{FF2B5EF4-FFF2-40B4-BE49-F238E27FC236}">
-                <a16:creationId xmlns:a16="http://schemas.microsoft.com/office/drawing/2014/main" id="{D4B597ED-1A17-410E-8BBF-115B99AD7C9D}"/>
+                <a16:creationId xmlns:a16="http://schemas.microsoft.com/office/drawing/2014/main" id="{F0980F15-8D80-43F3-A295-FB5BC0FD1FBA}"/>
               </a:ext>
             </a:extLst>
           </p:cNvPr>
@@ -3651,45 +3671,51 @@
         </p:blipFill>
         <p:spPr>
           <a:xfrm>
-            <a:off x="2418228" y="1926292"/>
-            <a:ext cx="2590597" cy="4351338"/>
+            <a:off x="4457700" y="3415506"/>
+            <a:ext cx="3276600" cy="1171575"/>
           </a:xfrm>
         </p:spPr>
       </p:pic>
-      <p:pic>
-        <p:nvPicPr>
-          <p:cNvPr id="7" name="그림 6">
-            <a:extLst>
-              <a:ext uri="{FF2B5EF4-FFF2-40B4-BE49-F238E27FC236}">
-                <a16:creationId xmlns:a16="http://schemas.microsoft.com/office/drawing/2014/main" id="{BB2663E2-DD21-4320-B372-13858A1D525D}"/>
-              </a:ext>
-            </a:extLst>
-          </p:cNvPr>
-          <p:cNvPicPr>
-            <a:picLocks noChangeAspect="1"/>
-          </p:cNvPicPr>
+      <p:sp>
+        <p:nvSpPr>
+          <p:cNvPr id="6" name="TextBox 5">
+            <a:extLst>
+              <a:ext uri="{FF2B5EF4-FFF2-40B4-BE49-F238E27FC236}">
+                <a16:creationId xmlns:a16="http://schemas.microsoft.com/office/drawing/2014/main" id="{450D2C54-1FA2-4E7C-9B51-F71FA401EE65}"/>
+              </a:ext>
+            </a:extLst>
+          </p:cNvPr>
+          <p:cNvSpPr txBox="1"/>
           <p:nvPr/>
-        </p:nvPicPr>
-        <p:blipFill>
-          <a:blip r:embed="rId3"/>
-          <a:stretch>
-            <a:fillRect/>
-          </a:stretch>
-        </p:blipFill>
-        <p:spPr>
-          <a:xfrm>
-            <a:off x="6839474" y="1926292"/>
-            <a:ext cx="2610803" cy="4351339"/>
+        </p:nvSpPr>
+        <p:spPr>
+          <a:xfrm>
+            <a:off x="4457700" y="2944536"/>
+            <a:ext cx="1534394" cy="369332"/>
           </a:xfrm>
           <a:prstGeom prst="rect">
             <a:avLst/>
           </a:prstGeom>
-        </p:spPr>
-      </p:pic>
+          <a:noFill/>
+        </p:spPr>
+        <p:txBody>
+          <a:bodyPr wrap="none" rtlCol="0">
+            <a:spAutoFit/>
+          </a:bodyPr>
+          <a:lstStyle/>
+          <a:p>
+            <a:r>
+              <a:rPr lang="en-US" altLang="ko-KR" dirty="0"/>
+              <a:t>File output : </a:t>
+            </a:r>
+            <a:endParaRPr lang="ko-KR" altLang="en-US" dirty="0"/>
+          </a:p>
+        </p:txBody>
+      </p:sp>
     </p:spTree>
     <p:extLst>
       <p:ext uri="{BB962C8B-B14F-4D97-AF65-F5344CB8AC3E}">
-        <p14:creationId xmlns:p14="http://schemas.microsoft.com/office/powerpoint/2010/main" val="1722058392"/>
+        <p14:creationId xmlns:p14="http://schemas.microsoft.com/office/powerpoint/2010/main" val="1602584790"/>
       </p:ext>
     </p:extLst>
   </p:cSld>
@@ -3721,7 +3747,7 @@
           <p:cNvPr id="2" name="제목 1">
             <a:extLst>
               <a:ext uri="{FF2B5EF4-FFF2-40B4-BE49-F238E27FC236}">
-                <a16:creationId xmlns:a16="http://schemas.microsoft.com/office/drawing/2014/main" id="{D099BBD4-7467-409F-BFFE-1FFA0F937046}"/>
+                <a16:creationId xmlns:a16="http://schemas.microsoft.com/office/drawing/2014/main" id="{759C7C49-78ED-451A-9D8A-9A0E184DED78}"/>
               </a:ext>
             </a:extLst>
           </p:cNvPr>
@@ -3735,7 +3761,7 @@
         <p:spPr/>
         <p:txBody>
           <a:bodyPr>
-            <a:normAutofit fontScale="90000"/>
+            <a:normAutofit/>
           </a:bodyPr>
           <a:lstStyle/>
           <a:p>
@@ -3745,7 +3771,7 @@
             </a:r>
             <a:r>
               <a:rPr lang="en-US" altLang="ko-KR" dirty="0"/>
-              <a:t>#8 : </a:t>
+              <a:t>#6 : </a:t>
             </a:r>
             <a:r>
               <a:rPr lang="ko-KR" altLang="en-US" dirty="0"/>
@@ -3767,32 +3793,13 @@
               <a:rPr lang="ko-KR" altLang="en-US" dirty="0"/>
               <a:t>관리자가 </a:t>
             </a:r>
-            <a:br>
-              <a:rPr lang="en-US" altLang="ko-KR" dirty="0"/>
-            </a:br>
             <a:r>
               <a:rPr lang="en-US" altLang="ko-KR" dirty="0"/>
               <a:t>[</a:t>
             </a:r>
             <a:r>
               <a:rPr lang="ko-KR" altLang="en-US" dirty="0"/>
-              <a:t>선거관리</a:t>
-            </a:r>
-            <a:r>
-              <a:rPr lang="en-US" altLang="ko-KR" dirty="0"/>
-              <a:t>] – [</a:t>
-            </a:r>
-            <a:r>
-              <a:rPr lang="ko-KR" altLang="en-US" dirty="0"/>
-              <a:t>진행중인 선거</a:t>
-            </a:r>
-            <a:r>
-              <a:rPr lang="en-US" altLang="ko-KR" dirty="0"/>
-              <a:t>] – [</a:t>
-            </a:r>
-            <a:r>
-              <a:rPr lang="ko-KR" altLang="en-US" dirty="0"/>
-              <a:t>강제종료</a:t>
+              <a:t>투표율확인</a:t>
             </a:r>
             <a:r>
               <a:rPr lang="en-US" altLang="ko-KR" dirty="0"/>
@@ -3807,7 +3814,7 @@
           <p:cNvPr id="5" name="내용 개체 틀 4">
             <a:extLst>
               <a:ext uri="{FF2B5EF4-FFF2-40B4-BE49-F238E27FC236}">
-                <a16:creationId xmlns:a16="http://schemas.microsoft.com/office/drawing/2014/main" id="{29573B27-8890-49CC-A82B-193064693313}"/>
+                <a16:creationId xmlns:a16="http://schemas.microsoft.com/office/drawing/2014/main" id="{21E7A087-0DE8-4940-B44B-59516C33A319}"/>
               </a:ext>
             </a:extLst>
           </p:cNvPr>
@@ -3826,17 +3833,53 @@
         </p:blipFill>
         <p:spPr>
           <a:xfrm>
-            <a:off x="3471584" y="2043739"/>
-            <a:ext cx="2643942" cy="4351338"/>
+            <a:off x="838200" y="2256995"/>
+            <a:ext cx="7058025" cy="552450"/>
           </a:xfrm>
         </p:spPr>
       </p:pic>
+      <p:sp>
+        <p:nvSpPr>
+          <p:cNvPr id="6" name="TextBox 5">
+            <a:extLst>
+              <a:ext uri="{FF2B5EF4-FFF2-40B4-BE49-F238E27FC236}">
+                <a16:creationId xmlns:a16="http://schemas.microsoft.com/office/drawing/2014/main" id="{D1552C71-10C4-442C-8B69-F404604216D0}"/>
+              </a:ext>
+            </a:extLst>
+          </p:cNvPr>
+          <p:cNvSpPr txBox="1"/>
+          <p:nvPr/>
+        </p:nvSpPr>
+        <p:spPr>
+          <a:xfrm>
+            <a:off x="838200" y="1887663"/>
+            <a:ext cx="1896609" cy="369332"/>
+          </a:xfrm>
+          <a:prstGeom prst="rect">
+            <a:avLst/>
+          </a:prstGeom>
+          <a:noFill/>
+        </p:spPr>
+        <p:txBody>
+          <a:bodyPr wrap="none" rtlCol="0">
+            <a:spAutoFit/>
+          </a:bodyPr>
+          <a:lstStyle/>
+          <a:p>
+            <a:r>
+              <a:rPr lang="en-US" altLang="ko-KR" dirty="0"/>
+              <a:t>Error Message : </a:t>
+            </a:r>
+            <a:endParaRPr lang="ko-KR" altLang="en-US" dirty="0"/>
+          </a:p>
+        </p:txBody>
+      </p:sp>
       <p:pic>
         <p:nvPicPr>
-          <p:cNvPr id="7" name="그림 6">
-            <a:extLst>
-              <a:ext uri="{FF2B5EF4-FFF2-40B4-BE49-F238E27FC236}">
-                <a16:creationId xmlns:a16="http://schemas.microsoft.com/office/drawing/2014/main" id="{75C7404F-9042-4516-92ED-62ACC7FE6101}"/>
+          <p:cNvPr id="8" name="그림 7">
+            <a:extLst>
+              <a:ext uri="{FF2B5EF4-FFF2-40B4-BE49-F238E27FC236}">
+                <a16:creationId xmlns:a16="http://schemas.microsoft.com/office/drawing/2014/main" id="{CCDB1E27-1280-4900-8FCC-295691A6F407}"/>
               </a:ext>
             </a:extLst>
           </p:cNvPr>
@@ -3853,8 +3896,8 @@
         </p:blipFill>
         <p:spPr>
           <a:xfrm>
-            <a:off x="0" y="3429000"/>
-            <a:ext cx="3416001" cy="1207827"/>
+            <a:off x="838200" y="3534206"/>
+            <a:ext cx="7248525" cy="1028700"/>
           </a:xfrm>
           <a:prstGeom prst="rect">
             <a:avLst/>
@@ -3863,10 +3906,10 @@
       </p:pic>
       <p:pic>
         <p:nvPicPr>
-          <p:cNvPr id="9" name="그림 8">
-            <a:extLst>
-              <a:ext uri="{FF2B5EF4-FFF2-40B4-BE49-F238E27FC236}">
-                <a16:creationId xmlns:a16="http://schemas.microsoft.com/office/drawing/2014/main" id="{7CC8A9B3-40BE-4064-AC02-AEF62AF4656F}"/>
+          <p:cNvPr id="10" name="그림 9">
+            <a:extLst>
+              <a:ext uri="{FF2B5EF4-FFF2-40B4-BE49-F238E27FC236}">
+                <a16:creationId xmlns:a16="http://schemas.microsoft.com/office/drawing/2014/main" id="{739568F8-E797-4EAD-9B1A-62D0993153B3}"/>
               </a:ext>
             </a:extLst>
           </p:cNvPr>
@@ -3883,20 +3926,102 @@
         </p:blipFill>
         <p:spPr>
           <a:xfrm>
-            <a:off x="6115526" y="2043739"/>
-            <a:ext cx="2628036" cy="4351338"/>
+            <a:off x="862012" y="5032022"/>
+            <a:ext cx="7200900" cy="971550"/>
           </a:xfrm>
           <a:prstGeom prst="rect">
             <a:avLst/>
           </a:prstGeom>
         </p:spPr>
       </p:pic>
+      <p:sp>
+        <p:nvSpPr>
+          <p:cNvPr id="11" name="화살표: 아래쪽 10">
+            <a:extLst>
+              <a:ext uri="{FF2B5EF4-FFF2-40B4-BE49-F238E27FC236}">
+                <a16:creationId xmlns:a16="http://schemas.microsoft.com/office/drawing/2014/main" id="{EC2444CB-7C61-4E28-8DCC-604F81EF4A4A}"/>
+              </a:ext>
+            </a:extLst>
+          </p:cNvPr>
+          <p:cNvSpPr/>
+          <p:nvPr/>
+        </p:nvSpPr>
+        <p:spPr>
+          <a:xfrm>
+            <a:off x="4068661" y="4562906"/>
+            <a:ext cx="302003" cy="347275"/>
+          </a:xfrm>
+          <a:prstGeom prst="downArrow">
+            <a:avLst/>
+          </a:prstGeom>
+        </p:spPr>
+        <p:style>
+          <a:lnRef idx="2">
+            <a:schemeClr val="accent1">
+              <a:shade val="50000"/>
+            </a:schemeClr>
+          </a:lnRef>
+          <a:fillRef idx="1">
+            <a:schemeClr val="accent1"/>
+          </a:fillRef>
+          <a:effectRef idx="0">
+            <a:schemeClr val="accent1"/>
+          </a:effectRef>
+          <a:fontRef idx="minor">
+            <a:schemeClr val="lt1"/>
+          </a:fontRef>
+        </p:style>
+        <p:txBody>
+          <a:bodyPr rtlCol="0" anchor="ctr"/>
+          <a:lstStyle/>
+          <a:p>
+            <a:pPr algn="ctr"/>
+            <a:endParaRPr lang="ko-KR" altLang="en-US"/>
+          </a:p>
+        </p:txBody>
+      </p:sp>
+      <p:sp>
+        <p:nvSpPr>
+          <p:cNvPr id="12" name="TextBox 11">
+            <a:extLst>
+              <a:ext uri="{FF2B5EF4-FFF2-40B4-BE49-F238E27FC236}">
+                <a16:creationId xmlns:a16="http://schemas.microsoft.com/office/drawing/2014/main" id="{17BE8436-E121-4351-8408-2FD06D8B749C}"/>
+              </a:ext>
+            </a:extLst>
+          </p:cNvPr>
+          <p:cNvSpPr txBox="1"/>
+          <p:nvPr/>
+        </p:nvSpPr>
+        <p:spPr>
+          <a:xfrm>
+            <a:off x="838200" y="3178777"/>
+            <a:ext cx="939360" cy="369332"/>
+          </a:xfrm>
+          <a:prstGeom prst="rect">
+            <a:avLst/>
+          </a:prstGeom>
+          <a:noFill/>
+        </p:spPr>
+        <p:txBody>
+          <a:bodyPr wrap="none" rtlCol="0">
+            <a:spAutoFit/>
+          </a:bodyPr>
+          <a:lstStyle/>
+          <a:p>
+            <a:r>
+              <a:rPr lang="en-US" altLang="ko-KR" dirty="0"/>
+              <a:t>Fixed : </a:t>
+            </a:r>
+            <a:endParaRPr lang="ko-KR" altLang="en-US" dirty="0"/>
+          </a:p>
+        </p:txBody>
+      </p:sp>
       <p:pic>
         <p:nvPicPr>
-          <p:cNvPr id="11" name="그림 10">
-            <a:extLst>
-              <a:ext uri="{FF2B5EF4-FFF2-40B4-BE49-F238E27FC236}">
-                <a16:creationId xmlns:a16="http://schemas.microsoft.com/office/drawing/2014/main" id="{F31B878A-7468-46F2-8B81-11F4062CED36}"/>
+          <p:cNvPr id="14" name="그림 13">
+            <a:extLst>
+              <a:ext uri="{FF2B5EF4-FFF2-40B4-BE49-F238E27FC236}">
+                <a16:creationId xmlns:a16="http://schemas.microsoft.com/office/drawing/2014/main" id="{CFB0DD1B-0746-43F1-96AA-500F165BE442}"/>
               </a:ext>
             </a:extLst>
           </p:cNvPr>
@@ -3913,8 +4038,8 @@
         </p:blipFill>
         <p:spPr>
           <a:xfrm>
-            <a:off x="8886650" y="2808950"/>
-            <a:ext cx="3143250" cy="2447925"/>
+            <a:off x="9155329" y="1793386"/>
+            <a:ext cx="2910718" cy="4819123"/>
           </a:xfrm>
           <a:prstGeom prst="rect">
             <a:avLst/>
@@ -3923,135 +4048,54 @@
       </p:pic>
       <p:sp>
         <p:nvSpPr>
-          <p:cNvPr id="12" name="TextBox 11">
-            <a:extLst>
-              <a:ext uri="{FF2B5EF4-FFF2-40B4-BE49-F238E27FC236}">
-                <a16:creationId xmlns:a16="http://schemas.microsoft.com/office/drawing/2014/main" id="{AE25C2A6-853A-4AD9-9E89-4D042E52C418}"/>
-              </a:ext>
-            </a:extLst>
-          </p:cNvPr>
-          <p:cNvSpPr txBox="1"/>
+          <p:cNvPr id="15" name="화살표: 오른쪽 14">
+            <a:extLst>
+              <a:ext uri="{FF2B5EF4-FFF2-40B4-BE49-F238E27FC236}">
+                <a16:creationId xmlns:a16="http://schemas.microsoft.com/office/drawing/2014/main" id="{507C7F4C-905F-4EA4-A864-E100A3337373}"/>
+              </a:ext>
+            </a:extLst>
+          </p:cNvPr>
+          <p:cNvSpPr/>
           <p:nvPr/>
         </p:nvSpPr>
         <p:spPr>
           <a:xfrm>
-            <a:off x="645952" y="2986481"/>
-            <a:ext cx="2289986" cy="369332"/>
-          </a:xfrm>
-          <a:prstGeom prst="rect">
+            <a:off x="8347046" y="5251508"/>
+            <a:ext cx="679508" cy="570452"/>
+          </a:xfrm>
+          <a:prstGeom prst="rightArrow">
             <a:avLst/>
           </a:prstGeom>
-          <a:noFill/>
-        </p:spPr>
-        <p:txBody>
-          <a:bodyPr wrap="none" rtlCol="0">
-            <a:spAutoFit/>
-          </a:bodyPr>
-          <a:lstStyle/>
-          <a:p>
-            <a:r>
-              <a:rPr lang="ko-KR" altLang="en-US" dirty="0"/>
-              <a:t>삭제 전 </a:t>
-            </a:r>
-            <a:r>
-              <a:rPr lang="en-US" altLang="ko-KR" dirty="0"/>
-              <a:t>world state</a:t>
-            </a:r>
-            <a:endParaRPr lang="ko-KR" altLang="en-US" dirty="0"/>
-          </a:p>
-        </p:txBody>
-      </p:sp>
-      <p:sp>
-        <p:nvSpPr>
-          <p:cNvPr id="14" name="TextBox 13">
-            <a:extLst>
-              <a:ext uri="{FF2B5EF4-FFF2-40B4-BE49-F238E27FC236}">
-                <a16:creationId xmlns:a16="http://schemas.microsoft.com/office/drawing/2014/main" id="{C1A38815-19D6-4FDF-AE51-38759BDED656}"/>
-              </a:ext>
-            </a:extLst>
-          </p:cNvPr>
-          <p:cNvSpPr txBox="1"/>
-          <p:nvPr/>
-        </p:nvSpPr>
-        <p:spPr>
-          <a:xfrm>
-            <a:off x="9313282" y="2439618"/>
-            <a:ext cx="2289986" cy="369332"/>
-          </a:xfrm>
-          <a:prstGeom prst="rect">
-            <a:avLst/>
-          </a:prstGeom>
-          <a:noFill/>
-        </p:spPr>
-        <p:txBody>
-          <a:bodyPr wrap="square">
-            <a:spAutoFit/>
-          </a:bodyPr>
-          <a:lstStyle/>
-          <a:p>
-            <a:r>
-              <a:rPr lang="ko-KR" altLang="en-US" dirty="0"/>
-              <a:t>삭제 후 </a:t>
-            </a:r>
-            <a:r>
-              <a:rPr lang="en-US" altLang="ko-KR" dirty="0"/>
-              <a:t>world state</a:t>
-            </a:r>
-            <a:endParaRPr lang="ko-KR" altLang="en-US" dirty="0"/>
-          </a:p>
-        </p:txBody>
-      </p:sp>
-      <p:sp>
-        <p:nvSpPr>
-          <p:cNvPr id="15" name="TextBox 14">
-            <a:extLst>
-              <a:ext uri="{FF2B5EF4-FFF2-40B4-BE49-F238E27FC236}">
-                <a16:creationId xmlns:a16="http://schemas.microsoft.com/office/drawing/2014/main" id="{5C501038-1F1A-4FB2-96E4-8C48ED123A6B}"/>
-              </a:ext>
-            </a:extLst>
-          </p:cNvPr>
-          <p:cNvSpPr txBox="1"/>
-          <p:nvPr/>
-        </p:nvSpPr>
-        <p:spPr>
-          <a:xfrm>
-            <a:off x="8862242" y="5780015"/>
-            <a:ext cx="3329758" cy="369332"/>
-          </a:xfrm>
-          <a:prstGeom prst="rect">
-            <a:avLst/>
-          </a:prstGeom>
-          <a:noFill/>
-        </p:spPr>
-        <p:txBody>
-          <a:bodyPr wrap="none" rtlCol="0">
-            <a:spAutoFit/>
-          </a:bodyPr>
-          <a:lstStyle/>
-          <a:p>
-            <a:r>
-              <a:rPr lang="en-US" altLang="ko-KR" dirty="0"/>
-              <a:t>File output</a:t>
-            </a:r>
-            <a:r>
-              <a:rPr lang="ko-KR" altLang="en-US" dirty="0"/>
-              <a:t>도 </a:t>
-            </a:r>
-            <a:r>
-              <a:rPr lang="ko-KR" altLang="en-US" dirty="0" err="1"/>
-              <a:t>지워짐을</a:t>
-            </a:r>
-            <a:r>
-              <a:rPr lang="ko-KR" altLang="en-US" dirty="0"/>
-              <a:t> 확인함</a:t>
-            </a:r>
+        </p:spPr>
+        <p:style>
+          <a:lnRef idx="2">
+            <a:schemeClr val="accent1">
+              <a:shade val="50000"/>
+            </a:schemeClr>
+          </a:lnRef>
+          <a:fillRef idx="1">
+            <a:schemeClr val="accent1"/>
+          </a:fillRef>
+          <a:effectRef idx="0">
+            <a:schemeClr val="accent1"/>
+          </a:effectRef>
+          <a:fontRef idx="minor">
+            <a:schemeClr val="lt1"/>
+          </a:fontRef>
+        </p:style>
+        <p:txBody>
+          <a:bodyPr rtlCol="0" anchor="ctr"/>
+          <a:lstStyle/>
+          <a:p>
+            <a:pPr algn="ctr"/>
+            <a:endParaRPr lang="ko-KR" altLang="en-US"/>
           </a:p>
         </p:txBody>
       </p:sp>
     </p:spTree>
     <p:extLst>
       <p:ext uri="{BB962C8B-B14F-4D97-AF65-F5344CB8AC3E}">
-        <p14:creationId xmlns:p14="http://schemas.microsoft.com/office/powerpoint/2010/main" val="3303896958"/>
+        <p14:creationId xmlns:p14="http://schemas.microsoft.com/office/powerpoint/2010/main" val="983145349"/>
       </p:ext>
     </p:extLst>
   </p:cSld>
@@ -4083,7 +4127,7 @@
           <p:cNvPr id="2" name="제목 1">
             <a:extLst>
               <a:ext uri="{FF2B5EF4-FFF2-40B4-BE49-F238E27FC236}">
-                <a16:creationId xmlns:a16="http://schemas.microsoft.com/office/drawing/2014/main" id="{C36F45A4-AA0C-4C37-97F5-EF48AB349366}"/>
+                <a16:creationId xmlns:a16="http://schemas.microsoft.com/office/drawing/2014/main" id="{37779B94-485B-4DD5-89AC-22B55077DF6F}"/>
               </a:ext>
             </a:extLst>
           </p:cNvPr>
@@ -4096,9 +4140,7 @@
         </p:nvSpPr>
         <p:spPr/>
         <p:txBody>
-          <a:bodyPr>
-            <a:normAutofit/>
-          </a:bodyPr>
+          <a:bodyPr/>
           <a:lstStyle/>
           <a:p>
             <a:r>
@@ -4107,7 +4149,7 @@
             </a:r>
             <a:r>
               <a:rPr lang="en-US" altLang="ko-KR" dirty="0"/>
-              <a:t>#9 : </a:t>
+              <a:t>#7 : </a:t>
             </a:r>
             <a:r>
               <a:rPr lang="ko-KR" altLang="en-US" dirty="0"/>
@@ -4127,7 +4169,7 @@
             </a:r>
             <a:r>
               <a:rPr lang="ko-KR" altLang="en-US" dirty="0"/>
-              <a:t>학생이 </a:t>
+              <a:t>관리자가 </a:t>
             </a:r>
             <a:r>
               <a:rPr lang="en-US" altLang="ko-KR" dirty="0"/>
@@ -4135,7 +4177,7 @@
             </a:r>
             <a:r>
               <a:rPr lang="ko-KR" altLang="en-US" dirty="0"/>
-              <a:t>내투표확인</a:t>
+              <a:t>선거관리</a:t>
             </a:r>
             <a:r>
               <a:rPr lang="en-US" altLang="ko-KR" dirty="0"/>
@@ -4150,7 +4192,7 @@
           <p:cNvPr id="5" name="내용 개체 틀 4">
             <a:extLst>
               <a:ext uri="{FF2B5EF4-FFF2-40B4-BE49-F238E27FC236}">
-                <a16:creationId xmlns:a16="http://schemas.microsoft.com/office/drawing/2014/main" id="{C19D0D20-893B-4098-82AE-AFE5467050B6}"/>
+                <a16:creationId xmlns:a16="http://schemas.microsoft.com/office/drawing/2014/main" id="{D4B597ED-1A17-410E-8BBF-115B99AD7C9D}"/>
               </a:ext>
             </a:extLst>
           </p:cNvPr>
@@ -4169,55 +4211,45 @@
         </p:blipFill>
         <p:spPr>
           <a:xfrm>
-            <a:off x="979835" y="1901126"/>
-            <a:ext cx="2615125" cy="4351338"/>
+            <a:off x="2418228" y="1926292"/>
+            <a:ext cx="2590597" cy="4351338"/>
           </a:xfrm>
         </p:spPr>
       </p:pic>
-      <p:sp>
-        <p:nvSpPr>
-          <p:cNvPr id="6" name="TextBox 5">
-            <a:extLst>
-              <a:ext uri="{FF2B5EF4-FFF2-40B4-BE49-F238E27FC236}">
-                <a16:creationId xmlns:a16="http://schemas.microsoft.com/office/drawing/2014/main" id="{EAE42DFA-7ADE-4FB7-9ABD-0643AAE67095}"/>
-              </a:ext>
-            </a:extLst>
-          </p:cNvPr>
-          <p:cNvSpPr txBox="1"/>
+      <p:pic>
+        <p:nvPicPr>
+          <p:cNvPr id="7" name="그림 6">
+            <a:extLst>
+              <a:ext uri="{FF2B5EF4-FFF2-40B4-BE49-F238E27FC236}">
+                <a16:creationId xmlns:a16="http://schemas.microsoft.com/office/drawing/2014/main" id="{BB2663E2-DD21-4320-B372-13858A1D525D}"/>
+              </a:ext>
+            </a:extLst>
+          </p:cNvPr>
+          <p:cNvPicPr>
+            <a:picLocks noChangeAspect="1"/>
+          </p:cNvPicPr>
           <p:nvPr/>
-        </p:nvSpPr>
-        <p:spPr>
-          <a:xfrm>
-            <a:off x="4135772" y="2189527"/>
-            <a:ext cx="5261377" cy="369332"/>
+        </p:nvPicPr>
+        <p:blipFill>
+          <a:blip r:embed="rId3"/>
+          <a:stretch>
+            <a:fillRect/>
+          </a:stretch>
+        </p:blipFill>
+        <p:spPr>
+          <a:xfrm>
+            <a:off x="6839474" y="1926292"/>
+            <a:ext cx="2610803" cy="4351339"/>
           </a:xfrm>
           <a:prstGeom prst="rect">
             <a:avLst/>
           </a:prstGeom>
-          <a:noFill/>
-        </p:spPr>
-        <p:txBody>
-          <a:bodyPr wrap="none" rtlCol="0">
-            <a:spAutoFit/>
-          </a:bodyPr>
-          <a:lstStyle/>
-          <a:p>
-            <a:r>
-              <a:rPr lang="ko-KR" altLang="en-US" dirty="0"/>
-              <a:t>아직 투표에 참여하지 않았으므로 없다고 나온다</a:t>
-            </a:r>
-            <a:r>
-              <a:rPr lang="en-US" altLang="ko-KR" dirty="0"/>
-              <a:t>.</a:t>
-            </a:r>
-            <a:endParaRPr lang="ko-KR" altLang="en-US" dirty="0"/>
-          </a:p>
-        </p:txBody>
-      </p:sp>
+        </p:spPr>
+      </p:pic>
     </p:spTree>
     <p:extLst>
       <p:ext uri="{BB962C8B-B14F-4D97-AF65-F5344CB8AC3E}">
-        <p14:creationId xmlns:p14="http://schemas.microsoft.com/office/powerpoint/2010/main" val="477990737"/>
+        <p14:creationId xmlns:p14="http://schemas.microsoft.com/office/powerpoint/2010/main" val="1722058392"/>
       </p:ext>
     </p:extLst>
   </p:cSld>
@@ -4249,7 +4281,7 @@
           <p:cNvPr id="2" name="제목 1">
             <a:extLst>
               <a:ext uri="{FF2B5EF4-FFF2-40B4-BE49-F238E27FC236}">
-                <a16:creationId xmlns:a16="http://schemas.microsoft.com/office/drawing/2014/main" id="{FEBFEB7C-655B-4FA8-A67D-788C1A492845}"/>
+                <a16:creationId xmlns:a16="http://schemas.microsoft.com/office/drawing/2014/main" id="{D099BBD4-7467-409F-BFFE-1FFA0F937046}"/>
               </a:ext>
             </a:extLst>
           </p:cNvPr>
@@ -4262,7 +4294,9 @@
         </p:nvSpPr>
         <p:spPr/>
         <p:txBody>
-          <a:bodyPr/>
+          <a:bodyPr>
+            <a:normAutofit fontScale="90000"/>
+          </a:bodyPr>
           <a:lstStyle/>
           <a:p>
             <a:r>
@@ -4271,7 +4305,7 @@
             </a:r>
             <a:r>
               <a:rPr lang="en-US" altLang="ko-KR" dirty="0"/>
-              <a:t>#10 : </a:t>
+              <a:t>#8 : </a:t>
             </a:r>
             <a:r>
               <a:rPr lang="ko-KR" altLang="en-US" dirty="0"/>
@@ -4291,15 +4325,34 @@
             </a:r>
             <a:r>
               <a:rPr lang="ko-KR" altLang="en-US" dirty="0"/>
-              <a:t>학생이 </a:t>
-            </a:r>
+              <a:t>관리자가 </a:t>
+            </a:r>
+            <a:br>
+              <a:rPr lang="en-US" altLang="ko-KR" dirty="0"/>
+            </a:br>
             <a:r>
               <a:rPr lang="en-US" altLang="ko-KR" dirty="0"/>
               <a:t>[</a:t>
             </a:r>
             <a:r>
               <a:rPr lang="ko-KR" altLang="en-US" dirty="0"/>
-              <a:t>투표하기</a:t>
+              <a:t>선거관리</a:t>
+            </a:r>
+            <a:r>
+              <a:rPr lang="en-US" altLang="ko-KR" dirty="0"/>
+              <a:t>] – [</a:t>
+            </a:r>
+            <a:r>
+              <a:rPr lang="ko-KR" altLang="en-US" dirty="0"/>
+              <a:t>진행중인 선거</a:t>
+            </a:r>
+            <a:r>
+              <a:rPr lang="en-US" altLang="ko-KR" dirty="0"/>
+              <a:t>] – [</a:t>
+            </a:r>
+            <a:r>
+              <a:rPr lang="ko-KR" altLang="en-US" dirty="0"/>
+              <a:t>강제종료</a:t>
             </a:r>
             <a:r>
               <a:rPr lang="en-US" altLang="ko-KR" dirty="0"/>
@@ -4314,7 +4367,7 @@
           <p:cNvPr id="5" name="내용 개체 틀 4">
             <a:extLst>
               <a:ext uri="{FF2B5EF4-FFF2-40B4-BE49-F238E27FC236}">
-                <a16:creationId xmlns:a16="http://schemas.microsoft.com/office/drawing/2014/main" id="{4CF5C9E1-AF34-4AD7-A46C-74D9649B400D}"/>
+                <a16:creationId xmlns:a16="http://schemas.microsoft.com/office/drawing/2014/main" id="{29573B27-8890-49CC-A82B-193064693313}"/>
               </a:ext>
             </a:extLst>
           </p:cNvPr>
@@ -4333,67 +4386,17 @@
         </p:blipFill>
         <p:spPr>
           <a:xfrm>
-            <a:off x="838200" y="1834014"/>
-            <a:ext cx="2616537" cy="4351338"/>
+            <a:off x="3471584" y="2043739"/>
+            <a:ext cx="2643942" cy="4351338"/>
           </a:xfrm>
         </p:spPr>
       </p:pic>
-      <p:sp>
-        <p:nvSpPr>
-          <p:cNvPr id="6" name="TextBox 5">
-            <a:extLst>
-              <a:ext uri="{FF2B5EF4-FFF2-40B4-BE49-F238E27FC236}">
-                <a16:creationId xmlns:a16="http://schemas.microsoft.com/office/drawing/2014/main" id="{28B53E79-6968-41F8-9B70-FD12B796AEEA}"/>
-              </a:ext>
-            </a:extLst>
-          </p:cNvPr>
-          <p:cNvSpPr txBox="1"/>
-          <p:nvPr/>
-        </p:nvSpPr>
-        <p:spPr>
-          <a:xfrm>
-            <a:off x="3808602" y="2080470"/>
-            <a:ext cx="6823278" cy="646331"/>
-          </a:xfrm>
-          <a:prstGeom prst="rect">
-            <a:avLst/>
-          </a:prstGeom>
-          <a:noFill/>
-        </p:spPr>
-        <p:txBody>
-          <a:bodyPr wrap="none" rtlCol="0">
-            <a:spAutoFit/>
-          </a:bodyPr>
-          <a:lstStyle/>
-          <a:p>
-            <a:r>
-              <a:rPr lang="ko-KR" altLang="en-US" dirty="0"/>
-              <a:t>좌측 화면이 보이는 상태일 때 </a:t>
-            </a:r>
-            <a:r>
-              <a:rPr lang="en-US" altLang="ko-KR" dirty="0"/>
-              <a:t>world state </a:t>
-            </a:r>
-            <a:r>
-              <a:rPr lang="ko-KR" altLang="en-US" dirty="0"/>
-              <a:t>상태를 확인해보았다</a:t>
-            </a:r>
-            <a:r>
-              <a:rPr lang="en-US" altLang="ko-KR" dirty="0"/>
-              <a:t>.</a:t>
-            </a:r>
-          </a:p>
-          <a:p>
-            <a:endParaRPr lang="ko-KR" altLang="en-US" dirty="0"/>
-          </a:p>
-        </p:txBody>
-      </p:sp>
       <p:pic>
         <p:nvPicPr>
-          <p:cNvPr id="8" name="그림 7">
-            <a:extLst>
-              <a:ext uri="{FF2B5EF4-FFF2-40B4-BE49-F238E27FC236}">
-                <a16:creationId xmlns:a16="http://schemas.microsoft.com/office/drawing/2014/main" id="{274D67C7-3967-45B9-B1CD-CD12D8036D30}"/>
+          <p:cNvPr id="7" name="그림 6">
+            <a:extLst>
+              <a:ext uri="{FF2B5EF4-FFF2-40B4-BE49-F238E27FC236}">
+                <a16:creationId xmlns:a16="http://schemas.microsoft.com/office/drawing/2014/main" id="{75C7404F-9042-4516-92ED-62ACC7FE6101}"/>
               </a:ext>
             </a:extLst>
           </p:cNvPr>
@@ -4410,20 +4413,80 @@
         </p:blipFill>
         <p:spPr>
           <a:xfrm>
-            <a:off x="3808602" y="2597092"/>
-            <a:ext cx="4524375" cy="2133600"/>
+            <a:off x="0" y="3429000"/>
+            <a:ext cx="3416001" cy="1207827"/>
           </a:xfrm>
           <a:prstGeom prst="rect">
             <a:avLst/>
           </a:prstGeom>
         </p:spPr>
       </p:pic>
-      <p:sp>
-        <p:nvSpPr>
-          <p:cNvPr id="9" name="TextBox 8">
-            <a:extLst>
-              <a:ext uri="{FF2B5EF4-FFF2-40B4-BE49-F238E27FC236}">
-                <a16:creationId xmlns:a16="http://schemas.microsoft.com/office/drawing/2014/main" id="{C199F71F-25BA-4EBC-A14F-CAC0B3C029C2}"/>
+      <p:pic>
+        <p:nvPicPr>
+          <p:cNvPr id="9" name="그림 8">
+            <a:extLst>
+              <a:ext uri="{FF2B5EF4-FFF2-40B4-BE49-F238E27FC236}">
+                <a16:creationId xmlns:a16="http://schemas.microsoft.com/office/drawing/2014/main" id="{7CC8A9B3-40BE-4064-AC02-AEF62AF4656F}"/>
+              </a:ext>
+            </a:extLst>
+          </p:cNvPr>
+          <p:cNvPicPr>
+            <a:picLocks noChangeAspect="1"/>
+          </p:cNvPicPr>
+          <p:nvPr/>
+        </p:nvPicPr>
+        <p:blipFill>
+          <a:blip r:embed="rId4"/>
+          <a:stretch>
+            <a:fillRect/>
+          </a:stretch>
+        </p:blipFill>
+        <p:spPr>
+          <a:xfrm>
+            <a:off x="6115526" y="2043739"/>
+            <a:ext cx="2628036" cy="4351338"/>
+          </a:xfrm>
+          <a:prstGeom prst="rect">
+            <a:avLst/>
+          </a:prstGeom>
+        </p:spPr>
+      </p:pic>
+      <p:pic>
+        <p:nvPicPr>
+          <p:cNvPr id="11" name="그림 10">
+            <a:extLst>
+              <a:ext uri="{FF2B5EF4-FFF2-40B4-BE49-F238E27FC236}">
+                <a16:creationId xmlns:a16="http://schemas.microsoft.com/office/drawing/2014/main" id="{F31B878A-7468-46F2-8B81-11F4062CED36}"/>
+              </a:ext>
+            </a:extLst>
+          </p:cNvPr>
+          <p:cNvPicPr>
+            <a:picLocks noChangeAspect="1"/>
+          </p:cNvPicPr>
+          <p:nvPr/>
+        </p:nvPicPr>
+        <p:blipFill>
+          <a:blip r:embed="rId5"/>
+          <a:stretch>
+            <a:fillRect/>
+          </a:stretch>
+        </p:blipFill>
+        <p:spPr>
+          <a:xfrm>
+            <a:off x="8886650" y="2808950"/>
+            <a:ext cx="3143250" cy="2447925"/>
+          </a:xfrm>
+          <a:prstGeom prst="rect">
+            <a:avLst/>
+          </a:prstGeom>
+        </p:spPr>
+      </p:pic>
+      <p:sp>
+        <p:nvSpPr>
+          <p:cNvPr id="12" name="TextBox 11">
+            <a:extLst>
+              <a:ext uri="{FF2B5EF4-FFF2-40B4-BE49-F238E27FC236}">
+                <a16:creationId xmlns:a16="http://schemas.microsoft.com/office/drawing/2014/main" id="{AE25C2A6-853A-4AD9-9E89-4D042E52C418}"/>
               </a:ext>
             </a:extLst>
           </p:cNvPr>
@@ -4432,8 +4495,8 @@
         </p:nvSpPr>
         <p:spPr>
           <a:xfrm>
-            <a:off x="8447714" y="4361360"/>
-            <a:ext cx="2792431" cy="369332"/>
+            <a:off x="645952" y="2986481"/>
+            <a:ext cx="2289986" cy="369332"/>
           </a:xfrm>
           <a:prstGeom prst="rect">
             <a:avLst/>
@@ -4447,16 +4510,12 @@
           <a:lstStyle/>
           <a:p>
             <a:r>
-              <a:rPr lang="en-US" altLang="ko-KR" dirty="0"/>
-              <a:t>=&gt; </a:t>
-            </a:r>
-            <a:r>
-              <a:rPr lang="ko-KR" altLang="en-US" dirty="0"/>
-              <a:t>기권 후보</a:t>
-            </a:r>
-            <a:r>
-              <a:rPr lang="en-US" altLang="ko-KR" dirty="0"/>
-              <a:t>(Candidate)</a:t>
+              <a:rPr lang="ko-KR" altLang="en-US" dirty="0"/>
+              <a:t>삭제 전 </a:t>
+            </a:r>
+            <a:r>
+              <a:rPr lang="en-US" altLang="ko-KR" dirty="0"/>
+              <a:t>world state</a:t>
             </a:r>
             <a:endParaRPr lang="ko-KR" altLang="en-US" dirty="0"/>
           </a:p>
@@ -4464,10 +4523,10 @@
       </p:sp>
       <p:sp>
         <p:nvSpPr>
-          <p:cNvPr id="11" name="TextBox 10">
-            <a:extLst>
-              <a:ext uri="{FF2B5EF4-FFF2-40B4-BE49-F238E27FC236}">
-                <a16:creationId xmlns:a16="http://schemas.microsoft.com/office/drawing/2014/main" id="{92699A44-0399-494C-9C97-3A1F899E6F3B}"/>
+          <p:cNvPr id="14" name="TextBox 13">
+            <a:extLst>
+              <a:ext uri="{FF2B5EF4-FFF2-40B4-BE49-F238E27FC236}">
+                <a16:creationId xmlns:a16="http://schemas.microsoft.com/office/drawing/2014/main" id="{C1A38815-19D6-4FDF-AE51-38759BDED656}"/>
               </a:ext>
             </a:extLst>
           </p:cNvPr>
@@ -4476,8 +4535,8 @@
         </p:nvSpPr>
         <p:spPr>
           <a:xfrm>
-            <a:off x="8447713" y="4009683"/>
-            <a:ext cx="3023264" cy="369332"/>
+            <a:off x="9313282" y="2439618"/>
+            <a:ext cx="2289986" cy="369332"/>
           </a:xfrm>
           <a:prstGeom prst="rect">
             <a:avLst/>
@@ -4485,26 +4544,18 @@
           <a:noFill/>
         </p:spPr>
         <p:txBody>
-          <a:bodyPr wrap="none" rtlCol="0">
+          <a:bodyPr wrap="square">
             <a:spAutoFit/>
           </a:bodyPr>
           <a:lstStyle/>
           <a:p>
             <a:r>
-              <a:rPr lang="en-US" altLang="ko-KR" dirty="0"/>
-              <a:t>=&gt; </a:t>
-            </a:r>
-            <a:r>
-              <a:rPr lang="ko-KR" altLang="en-US" dirty="0" err="1"/>
-              <a:t>브릿지</a:t>
-            </a:r>
-            <a:r>
-              <a:rPr lang="ko-KR" altLang="en-US" dirty="0"/>
-              <a:t> 후보</a:t>
-            </a:r>
-            <a:r>
-              <a:rPr lang="en-US" altLang="ko-KR" dirty="0"/>
-              <a:t>(Candidate)</a:t>
+              <a:rPr lang="ko-KR" altLang="en-US" dirty="0"/>
+              <a:t>삭제 후 </a:t>
+            </a:r>
+            <a:r>
+              <a:rPr lang="en-US" altLang="ko-KR" dirty="0"/>
+              <a:t>world state</a:t>
             </a:r>
             <a:endParaRPr lang="ko-KR" altLang="en-US" dirty="0"/>
           </a:p>
@@ -4512,10 +4563,10 @@
       </p:sp>
       <p:sp>
         <p:nvSpPr>
-          <p:cNvPr id="13" name="TextBox 12">
-            <a:extLst>
-              <a:ext uri="{FF2B5EF4-FFF2-40B4-BE49-F238E27FC236}">
-                <a16:creationId xmlns:a16="http://schemas.microsoft.com/office/drawing/2014/main" id="{8C662517-7CF6-4D09-8FF8-511C865ECF09}"/>
+          <p:cNvPr id="15" name="TextBox 14">
+            <a:extLst>
+              <a:ext uri="{FF2B5EF4-FFF2-40B4-BE49-F238E27FC236}">
+                <a16:creationId xmlns:a16="http://schemas.microsoft.com/office/drawing/2014/main" id="{5C501038-1F1A-4FB2-96E4-8C48ED123A6B}"/>
               </a:ext>
             </a:extLst>
           </p:cNvPr>
@@ -4524,8 +4575,8 @@
         </p:nvSpPr>
         <p:spPr>
           <a:xfrm>
-            <a:off x="8447713" y="3279847"/>
-            <a:ext cx="2550698" cy="369332"/>
+            <a:off x="8862242" y="5780015"/>
+            <a:ext cx="3329758" cy="369332"/>
           </a:xfrm>
           <a:prstGeom prst="rect">
             <a:avLst/>
@@ -4540,237 +4591,27 @@
           <a:p>
             <a:r>
               <a:rPr lang="en-US" altLang="ko-KR" dirty="0"/>
-              <a:t>=&gt; </a:t>
-            </a:r>
-            <a:r>
-              <a:rPr lang="ko-KR" altLang="en-US" dirty="0"/>
-              <a:t>선거 정보</a:t>
-            </a:r>
-            <a:r>
-              <a:rPr lang="en-US" altLang="ko-KR" dirty="0"/>
-              <a:t>(Election)</a:t>
-            </a:r>
-            <a:endParaRPr lang="ko-KR" altLang="en-US" dirty="0"/>
-          </a:p>
-        </p:txBody>
-      </p:sp>
-      <p:sp>
-        <p:nvSpPr>
-          <p:cNvPr id="15" name="TextBox 14">
-            <a:extLst>
-              <a:ext uri="{FF2B5EF4-FFF2-40B4-BE49-F238E27FC236}">
-                <a16:creationId xmlns:a16="http://schemas.microsoft.com/office/drawing/2014/main" id="{03E4F409-B7B3-4695-9757-5BCA61A4E1F0}"/>
-              </a:ext>
-            </a:extLst>
-          </p:cNvPr>
-          <p:cNvSpPr txBox="1"/>
-          <p:nvPr/>
-        </p:nvSpPr>
-        <p:spPr>
-          <a:xfrm>
-            <a:off x="8447713" y="3649179"/>
-            <a:ext cx="3606244" cy="461665"/>
-          </a:xfrm>
-          <a:prstGeom prst="rect">
-            <a:avLst/>
-          </a:prstGeom>
-          <a:noFill/>
-        </p:spPr>
-        <p:txBody>
-          <a:bodyPr wrap="none" rtlCol="0">
-            <a:spAutoFit/>
-          </a:bodyPr>
-          <a:lstStyle/>
-          <a:p>
-            <a:pPr marL="171450" indent="-171450">
-              <a:buFont typeface="Symbol" panose="05050102010706020507" pitchFamily="18" charset="2"/>
-              <a:buChar char="Þ"/>
-            </a:pPr>
-            <a:r>
-              <a:rPr lang="en-US" altLang="ko-KR" sz="1200" dirty="0"/>
-              <a:t>g023u…</a:t>
-            </a:r>
-            <a:r>
-              <a:rPr lang="ko-KR" altLang="en-US" sz="1200" dirty="0"/>
-              <a:t> 선거에 대한 학생 </a:t>
-            </a:r>
-            <a:r>
-              <a:rPr lang="en-US" altLang="ko-KR" sz="1200" dirty="0" err="1"/>
-              <a:t>PwVFQ</a:t>
-            </a:r>
-            <a:r>
-              <a:rPr lang="en-US" altLang="ko-KR" sz="1200" dirty="0"/>
-              <a:t>…</a:t>
-            </a:r>
-            <a:r>
-              <a:rPr lang="ko-KR" altLang="en-US" sz="1200" dirty="0"/>
-              <a:t>의 투표용지</a:t>
-            </a:r>
-            <a:endParaRPr lang="en-US" altLang="ko-KR" sz="1200" dirty="0"/>
-          </a:p>
-          <a:p>
-            <a:r>
-              <a:rPr lang="en-US" altLang="ko-KR" sz="1200" dirty="0"/>
-              <a:t>(</a:t>
-            </a:r>
-            <a:r>
-              <a:rPr lang="en-US" altLang="ko-KR" sz="1200" dirty="0" err="1"/>
-              <a:t>VBallot</a:t>
-            </a:r>
-            <a:r>
-              <a:rPr lang="en-US" altLang="ko-KR" sz="1200" dirty="0"/>
-              <a:t>)</a:t>
-            </a:r>
-            <a:endParaRPr lang="ko-KR" altLang="en-US" sz="1200" dirty="0"/>
-          </a:p>
-        </p:txBody>
-      </p:sp>
-      <p:sp>
-        <p:nvSpPr>
-          <p:cNvPr id="17" name="TextBox 16">
-            <a:extLst>
-              <a:ext uri="{FF2B5EF4-FFF2-40B4-BE49-F238E27FC236}">
-                <a16:creationId xmlns:a16="http://schemas.microsoft.com/office/drawing/2014/main" id="{044C1492-1209-4D43-8BD9-9B347B654EC6}"/>
-              </a:ext>
-            </a:extLst>
-          </p:cNvPr>
-          <p:cNvSpPr txBox="1"/>
-          <p:nvPr/>
-        </p:nvSpPr>
-        <p:spPr>
-          <a:xfrm>
-            <a:off x="8447713" y="2823332"/>
-            <a:ext cx="3273653" cy="369332"/>
-          </a:xfrm>
-          <a:prstGeom prst="rect">
-            <a:avLst/>
-          </a:prstGeom>
-          <a:noFill/>
-        </p:spPr>
-        <p:txBody>
-          <a:bodyPr wrap="none" rtlCol="0">
-            <a:spAutoFit/>
-          </a:bodyPr>
-          <a:lstStyle/>
-          <a:p>
-            <a:r>
-              <a:rPr lang="en-US" altLang="ko-KR" dirty="0"/>
-              <a:t>=&gt; </a:t>
-            </a:r>
-            <a:r>
-              <a:rPr lang="ko-KR" altLang="en-US" dirty="0"/>
-              <a:t>학생정보</a:t>
-            </a:r>
-            <a:r>
-              <a:rPr lang="en-US" altLang="ko-KR" dirty="0"/>
-              <a:t>(Student) – slots</a:t>
-            </a:r>
-            <a:endParaRPr lang="ko-KR" altLang="en-US" dirty="0"/>
-          </a:p>
-        </p:txBody>
-      </p:sp>
-      <p:sp>
-        <p:nvSpPr>
-          <p:cNvPr id="18" name="TextBox 17">
-            <a:extLst>
-              <a:ext uri="{FF2B5EF4-FFF2-40B4-BE49-F238E27FC236}">
-                <a16:creationId xmlns:a16="http://schemas.microsoft.com/office/drawing/2014/main" id="{97751041-6108-40E6-9D1D-5A50E03174B3}"/>
-              </a:ext>
-            </a:extLst>
-          </p:cNvPr>
-          <p:cNvSpPr txBox="1"/>
-          <p:nvPr/>
-        </p:nvSpPr>
-        <p:spPr>
-          <a:xfrm>
-            <a:off x="3888336" y="5118931"/>
-            <a:ext cx="7673896" cy="923330"/>
-          </a:xfrm>
-          <a:prstGeom prst="rect">
-            <a:avLst/>
-          </a:prstGeom>
-          <a:noFill/>
-        </p:spPr>
-        <p:txBody>
-          <a:bodyPr wrap="none" rtlCol="0">
-            <a:spAutoFit/>
-          </a:bodyPr>
-          <a:lstStyle/>
-          <a:p>
-            <a:r>
-              <a:rPr lang="ko-KR" altLang="en-US" dirty="0"/>
-              <a:t>즉 </a:t>
-            </a:r>
-            <a:r>
-              <a:rPr lang="en-US" altLang="ko-KR" dirty="0"/>
-              <a:t>[</a:t>
-            </a:r>
-            <a:r>
-              <a:rPr lang="ko-KR" altLang="en-US" dirty="0"/>
-              <a:t>투표하기</a:t>
-            </a:r>
-            <a:r>
-              <a:rPr lang="en-US" altLang="ko-KR" dirty="0"/>
-              <a:t>] </a:t>
-            </a:r>
-            <a:r>
-              <a:rPr lang="ko-KR" altLang="en-US" dirty="0"/>
-              <a:t>버튼을 누르면 </a:t>
-            </a:r>
-            <a:r>
-              <a:rPr lang="en-US" altLang="ko-KR" dirty="0"/>
-              <a:t>[</a:t>
-            </a:r>
-            <a:r>
-              <a:rPr lang="ko-KR" altLang="en-US" dirty="0"/>
-              <a:t>유의사항</a:t>
-            </a:r>
-            <a:r>
-              <a:rPr lang="en-US" altLang="ko-KR" dirty="0"/>
-              <a:t>] </a:t>
-            </a:r>
-            <a:r>
-              <a:rPr lang="ko-KR" altLang="en-US" dirty="0"/>
-              <a:t>페이지로 와지면서 동시에</a:t>
-            </a:r>
-            <a:endParaRPr lang="en-US" altLang="ko-KR" dirty="0"/>
-          </a:p>
-          <a:p>
-            <a:r>
-              <a:rPr lang="en-US" altLang="ko-KR" dirty="0"/>
-              <a:t>[</a:t>
-            </a:r>
-            <a:r>
-              <a:rPr lang="ko-KR" altLang="en-US" dirty="0"/>
-              <a:t>동의함</a:t>
-            </a:r>
-            <a:r>
-              <a:rPr lang="en-US" altLang="ko-KR" dirty="0"/>
-              <a:t>] </a:t>
-            </a:r>
-            <a:r>
-              <a:rPr lang="ko-KR" altLang="en-US" dirty="0"/>
-              <a:t>버튼을 눌렀을 때 나오는 선거의 투표용지를 로그인한 학생에게</a:t>
-            </a:r>
-            <a:endParaRPr lang="en-US" altLang="ko-KR" dirty="0"/>
-          </a:p>
-          <a:p>
-            <a:r>
-              <a:rPr lang="ko-KR" altLang="en-US" dirty="0"/>
-              <a:t>발급한다</a:t>
-            </a:r>
-            <a:r>
-              <a:rPr lang="en-US" altLang="ko-KR" dirty="0"/>
-              <a:t>.</a:t>
-            </a:r>
-            <a:endParaRPr lang="ko-KR" altLang="en-US" dirty="0"/>
+              <a:t>File output</a:t>
+            </a:r>
+            <a:r>
+              <a:rPr lang="ko-KR" altLang="en-US" dirty="0"/>
+              <a:t>도 </a:t>
+            </a:r>
+            <a:r>
+              <a:rPr lang="ko-KR" altLang="en-US" dirty="0" err="1"/>
+              <a:t>지워짐을</a:t>
+            </a:r>
+            <a:r>
+              <a:rPr lang="ko-KR" altLang="en-US" dirty="0"/>
+              <a:t> 확인함</a:t>
+            </a:r>
           </a:p>
         </p:txBody>
       </p:sp>
     </p:spTree>
     <p:extLst>
       <p:ext uri="{BB962C8B-B14F-4D97-AF65-F5344CB8AC3E}">
-        <p14:creationId xmlns:p14="http://schemas.microsoft.com/office/powerpoint/2010/main" val="3248052389"/>
+        <p14:creationId xmlns:p14="http://schemas.microsoft.com/office/powerpoint/2010/main" val="3303896958"/>
       </p:ext>
     </p:extLst>
   </p:cSld>
@@ -4802,7 +4643,7 @@
           <p:cNvPr id="2" name="제목 1">
             <a:extLst>
               <a:ext uri="{FF2B5EF4-FFF2-40B4-BE49-F238E27FC236}">
-                <a16:creationId xmlns:a16="http://schemas.microsoft.com/office/drawing/2014/main" id="{38786624-B7E8-49FE-A3F5-1CC5B428A003}"/>
+                <a16:creationId xmlns:a16="http://schemas.microsoft.com/office/drawing/2014/main" id="{C36F45A4-AA0C-4C37-97F5-EF48AB349366}"/>
               </a:ext>
             </a:extLst>
           </p:cNvPr>
@@ -4815,7 +4656,9 @@
         </p:nvSpPr>
         <p:spPr/>
         <p:txBody>
-          <a:bodyPr/>
+          <a:bodyPr>
+            <a:normAutofit/>
+          </a:bodyPr>
           <a:lstStyle/>
           <a:p>
             <a:r>
@@ -4824,7 +4667,7 @@
             </a:r>
             <a:r>
               <a:rPr lang="en-US" altLang="ko-KR" dirty="0"/>
-              <a:t>#10 : </a:t>
+              <a:t>#9 : </a:t>
             </a:r>
             <a:r>
               <a:rPr lang="ko-KR" altLang="en-US" dirty="0"/>
@@ -4852,7 +4695,7 @@
             </a:r>
             <a:r>
               <a:rPr lang="ko-KR" altLang="en-US" dirty="0"/>
-              <a:t>투표하기</a:t>
+              <a:t>내투표확인</a:t>
             </a:r>
             <a:r>
               <a:rPr lang="en-US" altLang="ko-KR" dirty="0"/>
@@ -4867,7 +4710,7 @@
           <p:cNvPr id="5" name="내용 개체 틀 4">
             <a:extLst>
               <a:ext uri="{FF2B5EF4-FFF2-40B4-BE49-F238E27FC236}">
-                <a16:creationId xmlns:a16="http://schemas.microsoft.com/office/drawing/2014/main" id="{42D6D295-646D-41EC-9EE5-F73420E4B538}"/>
+                <a16:creationId xmlns:a16="http://schemas.microsoft.com/office/drawing/2014/main" id="{C19D0D20-893B-4098-82AE-AFE5467050B6}"/>
               </a:ext>
             </a:extLst>
           </p:cNvPr>
@@ -4886,8 +4729,8 @@
         </p:blipFill>
         <p:spPr>
           <a:xfrm>
-            <a:off x="611697" y="1925980"/>
-            <a:ext cx="7058025" cy="4133850"/>
+            <a:off x="979835" y="1901126"/>
+            <a:ext cx="2615125" cy="4351338"/>
           </a:xfrm>
         </p:spPr>
       </p:pic>
@@ -4896,7 +4739,7 @@
           <p:cNvPr id="6" name="TextBox 5">
             <a:extLst>
               <a:ext uri="{FF2B5EF4-FFF2-40B4-BE49-F238E27FC236}">
-                <a16:creationId xmlns:a16="http://schemas.microsoft.com/office/drawing/2014/main" id="{1AE905EF-3E2A-4DB3-9894-927487E37DE2}"/>
+                <a16:creationId xmlns:a16="http://schemas.microsoft.com/office/drawing/2014/main" id="{EAE42DFA-7ADE-4FB7-9ABD-0643AAE67095}"/>
               </a:ext>
             </a:extLst>
           </p:cNvPr>
@@ -4905,8 +4748,8 @@
         </p:nvSpPr>
         <p:spPr>
           <a:xfrm>
-            <a:off x="7734651" y="2382473"/>
-            <a:ext cx="4457350" cy="3970318"/>
+            <a:off x="4135772" y="2189527"/>
+            <a:ext cx="5261377" cy="369332"/>
           </a:xfrm>
           <a:prstGeom prst="rect">
             <a:avLst/>
@@ -4914,114 +4757,27 @@
           <a:noFill/>
         </p:spPr>
         <p:txBody>
-          <a:bodyPr wrap="square" rtlCol="0">
+          <a:bodyPr wrap="none" rtlCol="0">
             <a:spAutoFit/>
           </a:bodyPr>
           <a:lstStyle/>
           <a:p>
             <a:r>
               <a:rPr lang="ko-KR" altLang="en-US" dirty="0"/>
-              <a:t>첫번째 </a:t>
-            </a:r>
-            <a:r>
-              <a:rPr lang="en-US" altLang="ko-KR" dirty="0"/>
-              <a:t>slot</a:t>
-            </a:r>
-            <a:r>
-              <a:rPr lang="ko-KR" altLang="en-US" dirty="0"/>
-              <a:t>에 총학생회 선거 투표용지가 </a:t>
-            </a:r>
-            <a:endParaRPr lang="en-US" altLang="ko-KR" dirty="0"/>
-          </a:p>
-          <a:p>
-            <a:r>
-              <a:rPr lang="ko-KR" altLang="en-US" dirty="0"/>
-              <a:t>들어갔음</a:t>
-            </a:r>
-            <a:endParaRPr lang="en-US" altLang="ko-KR" dirty="0"/>
-          </a:p>
-          <a:p>
-            <a:endParaRPr lang="en-US" altLang="ko-KR" dirty="0"/>
-          </a:p>
-          <a:p>
-            <a:endParaRPr lang="en-US" altLang="ko-KR" dirty="0"/>
-          </a:p>
-          <a:p>
-            <a:endParaRPr lang="en-US" altLang="ko-KR" dirty="0"/>
-          </a:p>
-          <a:p>
-            <a:endParaRPr lang="en-US" altLang="ko-KR" dirty="0"/>
-          </a:p>
-          <a:p>
-            <a:endParaRPr lang="en-US" altLang="ko-KR" dirty="0"/>
-          </a:p>
-          <a:p>
-            <a:endParaRPr lang="en-US" altLang="ko-KR" dirty="0"/>
-          </a:p>
-          <a:p>
-            <a:endParaRPr lang="en-US" altLang="ko-KR" dirty="0"/>
-          </a:p>
-          <a:p>
-            <a:r>
-              <a:rPr lang="ko-KR" altLang="en-US" dirty="0"/>
-              <a:t>총학생회 선거가 선거 기간인지 확인한다</a:t>
+              <a:t>아직 투표에 참여하지 않았으므로 없다고 나온다</a:t>
             </a:r>
             <a:r>
               <a:rPr lang="en-US" altLang="ko-KR" dirty="0"/>
               <a:t>.</a:t>
             </a:r>
-          </a:p>
-          <a:p>
-            <a:r>
-              <a:rPr lang="ko-KR" altLang="en-US" dirty="0"/>
-              <a:t>선거 기간이면 </a:t>
-            </a:r>
-            <a:r>
-              <a:rPr lang="en-US" altLang="ko-KR" dirty="0"/>
-              <a:t>[</a:t>
-            </a:r>
-            <a:r>
-              <a:rPr lang="ko-KR" altLang="en-US" dirty="0"/>
-              <a:t>유의사항</a:t>
-            </a:r>
-            <a:r>
-              <a:rPr lang="en-US" altLang="ko-KR" dirty="0"/>
-              <a:t>] </a:t>
-            </a:r>
-            <a:r>
-              <a:rPr lang="ko-KR" altLang="en-US" dirty="0"/>
-              <a:t>페이지</a:t>
-            </a:r>
-            <a:r>
-              <a:rPr lang="en-US" altLang="ko-KR" dirty="0"/>
-              <a:t>(</a:t>
-            </a:r>
-            <a:r>
-              <a:rPr lang="ko-KR" altLang="en-US" dirty="0"/>
-              <a:t>개인정보동의 페이지라고도 함</a:t>
-            </a:r>
-            <a:r>
-              <a:rPr lang="en-US" altLang="ko-KR" dirty="0"/>
-              <a:t>)</a:t>
-            </a:r>
-            <a:r>
-              <a:rPr lang="ko-KR" altLang="en-US" dirty="0"/>
-              <a:t>가 나오도록 한다</a:t>
-            </a:r>
-            <a:r>
-              <a:rPr lang="en-US" altLang="ko-KR" dirty="0"/>
-              <a:t>.</a:t>
-            </a:r>
-          </a:p>
-          <a:p>
-            <a:endParaRPr lang="en-US" altLang="ko-KR" dirty="0"/>
+            <a:endParaRPr lang="ko-KR" altLang="en-US" dirty="0"/>
           </a:p>
         </p:txBody>
       </p:sp>
     </p:spTree>
     <p:extLst>
       <p:ext uri="{BB962C8B-B14F-4D97-AF65-F5344CB8AC3E}">
-        <p14:creationId xmlns:p14="http://schemas.microsoft.com/office/powerpoint/2010/main" val="4257089158"/>
+        <p14:creationId xmlns:p14="http://schemas.microsoft.com/office/powerpoint/2010/main" val="477990737"/>
       </p:ext>
     </p:extLst>
   </p:cSld>
@@ -5053,7 +4809,7 @@
           <p:cNvPr id="2" name="제목 1">
             <a:extLst>
               <a:ext uri="{FF2B5EF4-FFF2-40B4-BE49-F238E27FC236}">
-                <a16:creationId xmlns:a16="http://schemas.microsoft.com/office/drawing/2014/main" id="{B1373BEA-8B04-4609-9A10-A9558A48FCD1}"/>
+                <a16:creationId xmlns:a16="http://schemas.microsoft.com/office/drawing/2014/main" id="{FEBFEB7C-655B-4FA8-A67D-788C1A492845}"/>
               </a:ext>
             </a:extLst>
           </p:cNvPr>
@@ -5118,7 +4874,7 @@
           <p:cNvPr id="5" name="내용 개체 틀 4">
             <a:extLst>
               <a:ext uri="{FF2B5EF4-FFF2-40B4-BE49-F238E27FC236}">
-                <a16:creationId xmlns:a16="http://schemas.microsoft.com/office/drawing/2014/main" id="{6C631E38-F8E9-4C6C-BF2F-84A869D0BC15}"/>
+                <a16:creationId xmlns:a16="http://schemas.microsoft.com/office/drawing/2014/main" id="{4CF5C9E1-AF34-4AD7-A46C-74D9649B400D}"/>
               </a:ext>
             </a:extLst>
           </p:cNvPr>
@@ -5137,8 +4893,8 @@
         </p:blipFill>
         <p:spPr>
           <a:xfrm>
-            <a:off x="838200" y="1943071"/>
-            <a:ext cx="2631041" cy="4351338"/>
+            <a:off x="838200" y="1834014"/>
+            <a:ext cx="2616537" cy="4351338"/>
           </a:xfrm>
         </p:spPr>
       </p:pic>
@@ -5147,7 +4903,7 @@
           <p:cNvPr id="6" name="TextBox 5">
             <a:extLst>
               <a:ext uri="{FF2B5EF4-FFF2-40B4-BE49-F238E27FC236}">
-                <a16:creationId xmlns:a16="http://schemas.microsoft.com/office/drawing/2014/main" id="{DE64CE7B-FFB8-49B5-AC4C-019C8E0FE0DB}"/>
+                <a16:creationId xmlns:a16="http://schemas.microsoft.com/office/drawing/2014/main" id="{28B53E79-6968-41F8-9B70-FD12B796AEEA}"/>
               </a:ext>
             </a:extLst>
           </p:cNvPr>
@@ -5156,8 +4912,8 @@
         </p:nvSpPr>
         <p:spPr>
           <a:xfrm>
-            <a:off x="3691156" y="1943071"/>
-            <a:ext cx="3966150" cy="369332"/>
+            <a:off x="3808602" y="2080470"/>
+            <a:ext cx="6823278" cy="646331"/>
           </a:xfrm>
           <a:prstGeom prst="rect">
             <a:avLst/>
@@ -5171,21 +4927,24 @@
           <a:lstStyle/>
           <a:p>
             <a:r>
-              <a:rPr lang="en-US" altLang="ko-KR" dirty="0"/>
-              <a:t>[</a:t>
-            </a:r>
-            <a:r>
-              <a:rPr lang="ko-KR" altLang="en-US" dirty="0"/>
-              <a:t>동의함</a:t>
-            </a:r>
-            <a:r>
-              <a:rPr lang="en-US" altLang="ko-KR" dirty="0"/>
-              <a:t>] </a:t>
-            </a:r>
-            <a:r>
-              <a:rPr lang="ko-KR" altLang="en-US" dirty="0"/>
-              <a:t>버튼 누르면 나오는 페이지</a:t>
-            </a:r>
+              <a:rPr lang="ko-KR" altLang="en-US" dirty="0"/>
+              <a:t>좌측 화면이 보이는 상태일 때 </a:t>
+            </a:r>
+            <a:r>
+              <a:rPr lang="en-US" altLang="ko-KR" dirty="0"/>
+              <a:t>world state </a:t>
+            </a:r>
+            <a:r>
+              <a:rPr lang="ko-KR" altLang="en-US" dirty="0"/>
+              <a:t>상태를 확인해보았다</a:t>
+            </a:r>
+            <a:r>
+              <a:rPr lang="en-US" altLang="ko-KR" dirty="0"/>
+              <a:t>.</a:t>
+            </a:r>
+          </a:p>
+          <a:p>
+            <a:endParaRPr lang="ko-KR" altLang="en-US" dirty="0"/>
           </a:p>
         </p:txBody>
       </p:sp>
@@ -5194,7 +4953,7 @@
           <p:cNvPr id="8" name="그림 7">
             <a:extLst>
               <a:ext uri="{FF2B5EF4-FFF2-40B4-BE49-F238E27FC236}">
-                <a16:creationId xmlns:a16="http://schemas.microsoft.com/office/drawing/2014/main" id="{A2A8E9F1-B3AF-413D-B2A6-A8721FD2E5DC}"/>
+                <a16:creationId xmlns:a16="http://schemas.microsoft.com/office/drawing/2014/main" id="{274D67C7-3967-45B9-B1CD-CD12D8036D30}"/>
               </a:ext>
             </a:extLst>
           </p:cNvPr>
@@ -5211,8 +4970,8 @@
         </p:blipFill>
         <p:spPr>
           <a:xfrm>
-            <a:off x="3787804" y="2345711"/>
-            <a:ext cx="6210300" cy="219075"/>
+            <a:off x="3808602" y="2597092"/>
+            <a:ext cx="4524375" cy="2133600"/>
           </a:xfrm>
           <a:prstGeom prst="rect">
             <a:avLst/>
@@ -5224,7 +4983,7 @@
           <p:cNvPr id="9" name="TextBox 8">
             <a:extLst>
               <a:ext uri="{FF2B5EF4-FFF2-40B4-BE49-F238E27FC236}">
-                <a16:creationId xmlns:a16="http://schemas.microsoft.com/office/drawing/2014/main" id="{A4EA4A03-541E-4E89-9596-4A7B57BF9D39}"/>
+                <a16:creationId xmlns:a16="http://schemas.microsoft.com/office/drawing/2014/main" id="{C199F71F-25BA-4EBC-A14F-CAC0B3C029C2}"/>
               </a:ext>
             </a:extLst>
           </p:cNvPr>
@@ -5233,8 +4992,8 @@
         </p:nvSpPr>
         <p:spPr>
           <a:xfrm>
-            <a:off x="3787804" y="2768367"/>
-            <a:ext cx="7016344" cy="369332"/>
+            <a:off x="8447714" y="4361360"/>
+            <a:ext cx="2792431" cy="369332"/>
           </a:xfrm>
           <a:prstGeom prst="rect">
             <a:avLst/>
@@ -5248,16 +5007,317 @@
           <a:lstStyle/>
           <a:p>
             <a:r>
-              <a:rPr lang="en-US" altLang="ko-KR" dirty="0" err="1"/>
-              <a:t>getCandidateInfo</a:t>
-            </a:r>
-            <a:r>
-              <a:rPr lang="en-US" altLang="ko-KR" dirty="0"/>
-              <a:t> </a:t>
-            </a:r>
-            <a:r>
-              <a:rPr lang="ko-KR" altLang="en-US" dirty="0"/>
-              <a:t>체인코드로부터 선거의 후보들 정보를 불러온다</a:t>
+              <a:rPr lang="en-US" altLang="ko-KR" dirty="0"/>
+              <a:t>=&gt; </a:t>
+            </a:r>
+            <a:r>
+              <a:rPr lang="ko-KR" altLang="en-US" dirty="0"/>
+              <a:t>기권 후보</a:t>
+            </a:r>
+            <a:r>
+              <a:rPr lang="en-US" altLang="ko-KR" dirty="0"/>
+              <a:t>(Candidate)</a:t>
+            </a:r>
+            <a:endParaRPr lang="ko-KR" altLang="en-US" dirty="0"/>
+          </a:p>
+        </p:txBody>
+      </p:sp>
+      <p:sp>
+        <p:nvSpPr>
+          <p:cNvPr id="11" name="TextBox 10">
+            <a:extLst>
+              <a:ext uri="{FF2B5EF4-FFF2-40B4-BE49-F238E27FC236}">
+                <a16:creationId xmlns:a16="http://schemas.microsoft.com/office/drawing/2014/main" id="{92699A44-0399-494C-9C97-3A1F899E6F3B}"/>
+              </a:ext>
+            </a:extLst>
+          </p:cNvPr>
+          <p:cNvSpPr txBox="1"/>
+          <p:nvPr/>
+        </p:nvSpPr>
+        <p:spPr>
+          <a:xfrm>
+            <a:off x="8447713" y="4009683"/>
+            <a:ext cx="3023264" cy="369332"/>
+          </a:xfrm>
+          <a:prstGeom prst="rect">
+            <a:avLst/>
+          </a:prstGeom>
+          <a:noFill/>
+        </p:spPr>
+        <p:txBody>
+          <a:bodyPr wrap="none" rtlCol="0">
+            <a:spAutoFit/>
+          </a:bodyPr>
+          <a:lstStyle/>
+          <a:p>
+            <a:r>
+              <a:rPr lang="en-US" altLang="ko-KR" dirty="0"/>
+              <a:t>=&gt; </a:t>
+            </a:r>
+            <a:r>
+              <a:rPr lang="ko-KR" altLang="en-US" dirty="0" err="1"/>
+              <a:t>브릿지</a:t>
+            </a:r>
+            <a:r>
+              <a:rPr lang="ko-KR" altLang="en-US" dirty="0"/>
+              <a:t> 후보</a:t>
+            </a:r>
+            <a:r>
+              <a:rPr lang="en-US" altLang="ko-KR" dirty="0"/>
+              <a:t>(Candidate)</a:t>
+            </a:r>
+            <a:endParaRPr lang="ko-KR" altLang="en-US" dirty="0"/>
+          </a:p>
+        </p:txBody>
+      </p:sp>
+      <p:sp>
+        <p:nvSpPr>
+          <p:cNvPr id="13" name="TextBox 12">
+            <a:extLst>
+              <a:ext uri="{FF2B5EF4-FFF2-40B4-BE49-F238E27FC236}">
+                <a16:creationId xmlns:a16="http://schemas.microsoft.com/office/drawing/2014/main" id="{8C662517-7CF6-4D09-8FF8-511C865ECF09}"/>
+              </a:ext>
+            </a:extLst>
+          </p:cNvPr>
+          <p:cNvSpPr txBox="1"/>
+          <p:nvPr/>
+        </p:nvSpPr>
+        <p:spPr>
+          <a:xfrm>
+            <a:off x="8447713" y="3279847"/>
+            <a:ext cx="2550698" cy="369332"/>
+          </a:xfrm>
+          <a:prstGeom prst="rect">
+            <a:avLst/>
+          </a:prstGeom>
+          <a:noFill/>
+        </p:spPr>
+        <p:txBody>
+          <a:bodyPr wrap="none" rtlCol="0">
+            <a:spAutoFit/>
+          </a:bodyPr>
+          <a:lstStyle/>
+          <a:p>
+            <a:r>
+              <a:rPr lang="en-US" altLang="ko-KR" dirty="0"/>
+              <a:t>=&gt; </a:t>
+            </a:r>
+            <a:r>
+              <a:rPr lang="ko-KR" altLang="en-US" dirty="0"/>
+              <a:t>선거 정보</a:t>
+            </a:r>
+            <a:r>
+              <a:rPr lang="en-US" altLang="ko-KR" dirty="0"/>
+              <a:t>(Election)</a:t>
+            </a:r>
+            <a:endParaRPr lang="ko-KR" altLang="en-US" dirty="0"/>
+          </a:p>
+        </p:txBody>
+      </p:sp>
+      <p:sp>
+        <p:nvSpPr>
+          <p:cNvPr id="15" name="TextBox 14">
+            <a:extLst>
+              <a:ext uri="{FF2B5EF4-FFF2-40B4-BE49-F238E27FC236}">
+                <a16:creationId xmlns:a16="http://schemas.microsoft.com/office/drawing/2014/main" id="{03E4F409-B7B3-4695-9757-5BCA61A4E1F0}"/>
+              </a:ext>
+            </a:extLst>
+          </p:cNvPr>
+          <p:cNvSpPr txBox="1"/>
+          <p:nvPr/>
+        </p:nvSpPr>
+        <p:spPr>
+          <a:xfrm>
+            <a:off x="8447713" y="3649179"/>
+            <a:ext cx="3606244" cy="461665"/>
+          </a:xfrm>
+          <a:prstGeom prst="rect">
+            <a:avLst/>
+          </a:prstGeom>
+          <a:noFill/>
+        </p:spPr>
+        <p:txBody>
+          <a:bodyPr wrap="none" rtlCol="0">
+            <a:spAutoFit/>
+          </a:bodyPr>
+          <a:lstStyle/>
+          <a:p>
+            <a:pPr marL="171450" indent="-171450">
+              <a:buFont typeface="Symbol" panose="05050102010706020507" pitchFamily="18" charset="2"/>
+              <a:buChar char="Þ"/>
+            </a:pPr>
+            <a:r>
+              <a:rPr lang="en-US" altLang="ko-KR" sz="1200" dirty="0"/>
+              <a:t>g023u…</a:t>
+            </a:r>
+            <a:r>
+              <a:rPr lang="ko-KR" altLang="en-US" sz="1200" dirty="0"/>
+              <a:t> 선거에 대한 학생 </a:t>
+            </a:r>
+            <a:r>
+              <a:rPr lang="en-US" altLang="ko-KR" sz="1200" dirty="0" err="1"/>
+              <a:t>PwVFQ</a:t>
+            </a:r>
+            <a:r>
+              <a:rPr lang="en-US" altLang="ko-KR" sz="1200" dirty="0"/>
+              <a:t>…</a:t>
+            </a:r>
+            <a:r>
+              <a:rPr lang="ko-KR" altLang="en-US" sz="1200" dirty="0"/>
+              <a:t>의 투표용지</a:t>
+            </a:r>
+            <a:endParaRPr lang="en-US" altLang="ko-KR" sz="1200" dirty="0"/>
+          </a:p>
+          <a:p>
+            <a:r>
+              <a:rPr lang="en-US" altLang="ko-KR" sz="1200" dirty="0"/>
+              <a:t>(</a:t>
+            </a:r>
+            <a:r>
+              <a:rPr lang="en-US" altLang="ko-KR" sz="1200" dirty="0" err="1"/>
+              <a:t>VBallot</a:t>
+            </a:r>
+            <a:r>
+              <a:rPr lang="en-US" altLang="ko-KR" sz="1200" dirty="0"/>
+              <a:t>)</a:t>
+            </a:r>
+            <a:endParaRPr lang="ko-KR" altLang="en-US" sz="1200" dirty="0"/>
+          </a:p>
+        </p:txBody>
+      </p:sp>
+      <p:sp>
+        <p:nvSpPr>
+          <p:cNvPr id="17" name="TextBox 16">
+            <a:extLst>
+              <a:ext uri="{FF2B5EF4-FFF2-40B4-BE49-F238E27FC236}">
+                <a16:creationId xmlns:a16="http://schemas.microsoft.com/office/drawing/2014/main" id="{044C1492-1209-4D43-8BD9-9B347B654EC6}"/>
+              </a:ext>
+            </a:extLst>
+          </p:cNvPr>
+          <p:cNvSpPr txBox="1"/>
+          <p:nvPr/>
+        </p:nvSpPr>
+        <p:spPr>
+          <a:xfrm>
+            <a:off x="8447713" y="2823332"/>
+            <a:ext cx="3273653" cy="369332"/>
+          </a:xfrm>
+          <a:prstGeom prst="rect">
+            <a:avLst/>
+          </a:prstGeom>
+          <a:noFill/>
+        </p:spPr>
+        <p:txBody>
+          <a:bodyPr wrap="none" rtlCol="0">
+            <a:spAutoFit/>
+          </a:bodyPr>
+          <a:lstStyle/>
+          <a:p>
+            <a:r>
+              <a:rPr lang="en-US" altLang="ko-KR" dirty="0"/>
+              <a:t>=&gt; </a:t>
+            </a:r>
+            <a:r>
+              <a:rPr lang="ko-KR" altLang="en-US" dirty="0"/>
+              <a:t>학생정보</a:t>
+            </a:r>
+            <a:r>
+              <a:rPr lang="en-US" altLang="ko-KR" dirty="0"/>
+              <a:t>(Student) – slots</a:t>
+            </a:r>
+            <a:endParaRPr lang="ko-KR" altLang="en-US" dirty="0"/>
+          </a:p>
+        </p:txBody>
+      </p:sp>
+      <p:sp>
+        <p:nvSpPr>
+          <p:cNvPr id="18" name="TextBox 17">
+            <a:extLst>
+              <a:ext uri="{FF2B5EF4-FFF2-40B4-BE49-F238E27FC236}">
+                <a16:creationId xmlns:a16="http://schemas.microsoft.com/office/drawing/2014/main" id="{97751041-6108-40E6-9D1D-5A50E03174B3}"/>
+              </a:ext>
+            </a:extLst>
+          </p:cNvPr>
+          <p:cNvSpPr txBox="1"/>
+          <p:nvPr/>
+        </p:nvSpPr>
+        <p:spPr>
+          <a:xfrm>
+            <a:off x="3888336" y="5118931"/>
+            <a:ext cx="7673896" cy="923330"/>
+          </a:xfrm>
+          <a:prstGeom prst="rect">
+            <a:avLst/>
+          </a:prstGeom>
+          <a:noFill/>
+        </p:spPr>
+        <p:txBody>
+          <a:bodyPr wrap="none" rtlCol="0">
+            <a:spAutoFit/>
+          </a:bodyPr>
+          <a:lstStyle/>
+          <a:p>
+            <a:r>
+              <a:rPr lang="ko-KR" altLang="en-US" dirty="0"/>
+              <a:t>즉 </a:t>
+            </a:r>
+            <a:r>
+              <a:rPr lang="en-US" altLang="ko-KR" dirty="0"/>
+              <a:t>[</a:t>
+            </a:r>
+            <a:r>
+              <a:rPr lang="ko-KR" altLang="en-US" dirty="0"/>
+              <a:t>투표하기</a:t>
+            </a:r>
+            <a:r>
+              <a:rPr lang="en-US" altLang="ko-KR" dirty="0"/>
+              <a:t>] </a:t>
+            </a:r>
+            <a:r>
+              <a:rPr lang="ko-KR" altLang="en-US" dirty="0"/>
+              <a:t>버튼을 누르면 </a:t>
+            </a:r>
+            <a:r>
+              <a:rPr lang="en-US" altLang="ko-KR" dirty="0"/>
+              <a:t>[</a:t>
+            </a:r>
+            <a:r>
+              <a:rPr lang="ko-KR" altLang="en-US" dirty="0"/>
+              <a:t>유의사항</a:t>
+            </a:r>
+            <a:r>
+              <a:rPr lang="en-US" altLang="ko-KR" dirty="0"/>
+              <a:t>] </a:t>
+            </a:r>
+            <a:r>
+              <a:rPr lang="ko-KR" altLang="en-US" dirty="0"/>
+              <a:t>페이지로 와지면서 동시에</a:t>
+            </a:r>
+            <a:endParaRPr lang="en-US" altLang="ko-KR" dirty="0"/>
+          </a:p>
+          <a:p>
+            <a:r>
+              <a:rPr lang="en-US" altLang="ko-KR" dirty="0"/>
+              <a:t>[</a:t>
+            </a:r>
+            <a:r>
+              <a:rPr lang="ko-KR" altLang="en-US" dirty="0"/>
+              <a:t>동의함</a:t>
+            </a:r>
+            <a:r>
+              <a:rPr lang="en-US" altLang="ko-KR" dirty="0"/>
+              <a:t>] </a:t>
+            </a:r>
+            <a:r>
+              <a:rPr lang="ko-KR" altLang="en-US" dirty="0"/>
+              <a:t>버튼을 눌렀을 때 나오는 선거의 투표용지를 로그인한 학생에게</a:t>
+            </a:r>
+            <a:endParaRPr lang="en-US" altLang="ko-KR" dirty="0"/>
+          </a:p>
+          <a:p>
+            <a:r>
+              <a:rPr lang="ko-KR" altLang="en-US" dirty="0"/>
+              <a:t>발급한다</a:t>
             </a:r>
             <a:r>
               <a:rPr lang="en-US" altLang="ko-KR" dirty="0"/>
@@ -5270,7 +5330,7 @@
     </p:spTree>
     <p:extLst>
       <p:ext uri="{BB962C8B-B14F-4D97-AF65-F5344CB8AC3E}">
-        <p14:creationId xmlns:p14="http://schemas.microsoft.com/office/powerpoint/2010/main" val="879161823"/>
+        <p14:creationId xmlns:p14="http://schemas.microsoft.com/office/powerpoint/2010/main" val="3248052389"/>
       </p:ext>
     </p:extLst>
   </p:cSld>
@@ -5302,7 +5362,7 @@
           <p:cNvPr id="2" name="제목 1">
             <a:extLst>
               <a:ext uri="{FF2B5EF4-FFF2-40B4-BE49-F238E27FC236}">
-                <a16:creationId xmlns:a16="http://schemas.microsoft.com/office/drawing/2014/main" id="{5982CC75-238A-4902-88E3-8569A9F23AE8}"/>
+                <a16:creationId xmlns:a16="http://schemas.microsoft.com/office/drawing/2014/main" id="{38786624-B7E8-49FE-A3F5-1CC5B428A003}"/>
               </a:ext>
             </a:extLst>
           </p:cNvPr>
@@ -5367,7 +5427,7 @@
           <p:cNvPr id="5" name="내용 개체 틀 4">
             <a:extLst>
               <a:ext uri="{FF2B5EF4-FFF2-40B4-BE49-F238E27FC236}">
-                <a16:creationId xmlns:a16="http://schemas.microsoft.com/office/drawing/2014/main" id="{1219CCC4-D078-4636-B679-9A8108ED5B29}"/>
+                <a16:creationId xmlns:a16="http://schemas.microsoft.com/office/drawing/2014/main" id="{42D6D295-646D-41EC-9EE5-F73420E4B538}"/>
               </a:ext>
             </a:extLst>
           </p:cNvPr>
@@ -5386,8 +5446,8 @@
         </p:blipFill>
         <p:spPr>
           <a:xfrm>
-            <a:off x="3981668" y="2336092"/>
-            <a:ext cx="2635419" cy="4351338"/>
+            <a:off x="611697" y="1925980"/>
+            <a:ext cx="7058025" cy="4133850"/>
           </a:xfrm>
         </p:spPr>
       </p:pic>
@@ -5396,7 +5456,7 @@
           <p:cNvPr id="6" name="TextBox 5">
             <a:extLst>
               <a:ext uri="{FF2B5EF4-FFF2-40B4-BE49-F238E27FC236}">
-                <a16:creationId xmlns:a16="http://schemas.microsoft.com/office/drawing/2014/main" id="{834AE55A-C3CC-493C-AAA7-2F4FA3980E61}"/>
+                <a16:creationId xmlns:a16="http://schemas.microsoft.com/office/drawing/2014/main" id="{1AE905EF-3E2A-4DB3-9894-927487E37DE2}"/>
               </a:ext>
             </a:extLst>
           </p:cNvPr>
@@ -5405,8 +5465,8 @@
         </p:nvSpPr>
         <p:spPr>
           <a:xfrm>
-            <a:off x="2711829" y="1966760"/>
-            <a:ext cx="6527749" cy="369332"/>
+            <a:off x="7734651" y="2382473"/>
+            <a:ext cx="4457350" cy="3970318"/>
           </a:xfrm>
           <a:prstGeom prst="rect">
             <a:avLst/>
@@ -5414,144 +5474,114 @@
           <a:noFill/>
         </p:spPr>
         <p:txBody>
-          <a:bodyPr wrap="none" rtlCol="0">
+          <a:bodyPr wrap="square" rtlCol="0">
             <a:spAutoFit/>
           </a:bodyPr>
           <a:lstStyle/>
           <a:p>
             <a:r>
               <a:rPr lang="ko-KR" altLang="en-US" dirty="0"/>
-              <a:t>좌측의 투표하기 버튼을 누르면 후보자 선택 페이지가 나온다</a:t>
+              <a:t>첫번째 </a:t>
+            </a:r>
+            <a:r>
+              <a:rPr lang="en-US" altLang="ko-KR" dirty="0"/>
+              <a:t>slot</a:t>
+            </a:r>
+            <a:r>
+              <a:rPr lang="ko-KR" altLang="en-US" dirty="0"/>
+              <a:t>에 총학생회 선거 투표용지가 </a:t>
+            </a:r>
+            <a:endParaRPr lang="en-US" altLang="ko-KR" dirty="0"/>
+          </a:p>
+          <a:p>
+            <a:r>
+              <a:rPr lang="ko-KR" altLang="en-US" dirty="0"/>
+              <a:t>들어갔음</a:t>
+            </a:r>
+            <a:endParaRPr lang="en-US" altLang="ko-KR" dirty="0"/>
+          </a:p>
+          <a:p>
+            <a:endParaRPr lang="en-US" altLang="ko-KR" dirty="0"/>
+          </a:p>
+          <a:p>
+            <a:endParaRPr lang="en-US" altLang="ko-KR" dirty="0"/>
+          </a:p>
+          <a:p>
+            <a:endParaRPr lang="en-US" altLang="ko-KR" dirty="0"/>
+          </a:p>
+          <a:p>
+            <a:endParaRPr lang="en-US" altLang="ko-KR" dirty="0"/>
+          </a:p>
+          <a:p>
+            <a:endParaRPr lang="en-US" altLang="ko-KR" dirty="0"/>
+          </a:p>
+          <a:p>
+            <a:endParaRPr lang="en-US" altLang="ko-KR" dirty="0"/>
+          </a:p>
+          <a:p>
+            <a:endParaRPr lang="en-US" altLang="ko-KR" dirty="0"/>
+          </a:p>
+          <a:p>
+            <a:r>
+              <a:rPr lang="ko-KR" altLang="en-US" dirty="0"/>
+              <a:t>총학생회 선거가 선거 기간인지 확인한다</a:t>
             </a:r>
             <a:r>
               <a:rPr lang="en-US" altLang="ko-KR" dirty="0"/>
               <a:t>.</a:t>
             </a:r>
-            <a:endParaRPr lang="ko-KR" altLang="en-US" dirty="0"/>
-          </a:p>
-        </p:txBody>
-      </p:sp>
-      <p:pic>
-        <p:nvPicPr>
-          <p:cNvPr id="7" name="내용 개체 틀 4">
-            <a:extLst>
-              <a:ext uri="{FF2B5EF4-FFF2-40B4-BE49-F238E27FC236}">
-                <a16:creationId xmlns:a16="http://schemas.microsoft.com/office/drawing/2014/main" id="{0AD77909-4289-40CC-AC19-8BCB60FABABE}"/>
-              </a:ext>
-            </a:extLst>
-          </p:cNvPr>
-          <p:cNvPicPr>
-            <a:picLocks noChangeAspect="1"/>
-          </p:cNvPicPr>
-          <p:nvPr/>
-        </p:nvPicPr>
-        <p:blipFill>
-          <a:blip r:embed="rId3"/>
-          <a:stretch>
-            <a:fillRect/>
-          </a:stretch>
-        </p:blipFill>
-        <p:spPr>
-          <a:xfrm>
-            <a:off x="0" y="1993405"/>
-            <a:ext cx="2631041" cy="4351338"/>
-          </a:xfrm>
-          <a:prstGeom prst="rect">
-            <a:avLst/>
-          </a:prstGeom>
-        </p:spPr>
-      </p:pic>
-      <p:cxnSp>
-        <p:nvCxnSpPr>
-          <p:cNvPr id="9" name="직선 화살표 연결선 8">
-            <a:extLst>
-              <a:ext uri="{FF2B5EF4-FFF2-40B4-BE49-F238E27FC236}">
-                <a16:creationId xmlns:a16="http://schemas.microsoft.com/office/drawing/2014/main" id="{40DCC5AF-0B5C-4B56-964C-DDB65E3578A3}"/>
-              </a:ext>
-            </a:extLst>
-          </p:cNvPr>
-          <p:cNvCxnSpPr>
-            <a:cxnSpLocks/>
-          </p:cNvCxnSpPr>
-          <p:nvPr/>
-        </p:nvCxnSpPr>
-        <p:spPr>
-          <a:xfrm flipH="1">
-            <a:off x="1929469" y="2336092"/>
-            <a:ext cx="1753298" cy="3628480"/>
-          </a:xfrm>
-          <a:prstGeom prst="straightConnector1">
-            <a:avLst/>
-          </a:prstGeom>
-          <a:ln>
-            <a:tailEnd type="triangle"/>
-          </a:ln>
-        </p:spPr>
-        <p:style>
-          <a:lnRef idx="1">
-            <a:schemeClr val="accent2"/>
-          </a:lnRef>
-          <a:fillRef idx="0">
-            <a:schemeClr val="accent2"/>
-          </a:fillRef>
-          <a:effectRef idx="0">
-            <a:schemeClr val="accent2"/>
-          </a:effectRef>
-          <a:fontRef idx="minor">
-            <a:schemeClr val="tx1"/>
-          </a:fontRef>
-        </p:style>
-      </p:cxnSp>
-      <p:sp>
-        <p:nvSpPr>
-          <p:cNvPr id="12" name="화살표: 오른쪽 11">
-            <a:extLst>
-              <a:ext uri="{FF2B5EF4-FFF2-40B4-BE49-F238E27FC236}">
-                <a16:creationId xmlns:a16="http://schemas.microsoft.com/office/drawing/2014/main" id="{318AA02B-8884-4B29-89E5-6C28822ABBC9}"/>
-              </a:ext>
-            </a:extLst>
-          </p:cNvPr>
-          <p:cNvSpPr/>
-          <p:nvPr/>
-        </p:nvSpPr>
-        <p:spPr>
-          <a:xfrm>
-            <a:off x="2986481" y="4412609"/>
-            <a:ext cx="696286" cy="385894"/>
-          </a:xfrm>
-          <a:prstGeom prst="rightArrow">
-            <a:avLst/>
-          </a:prstGeom>
-        </p:spPr>
-        <p:style>
-          <a:lnRef idx="2">
-            <a:schemeClr val="accent1">
-              <a:shade val="50000"/>
-            </a:schemeClr>
-          </a:lnRef>
-          <a:fillRef idx="1">
-            <a:schemeClr val="accent1"/>
-          </a:fillRef>
-          <a:effectRef idx="0">
-            <a:schemeClr val="accent1"/>
-          </a:effectRef>
-          <a:fontRef idx="minor">
-            <a:schemeClr val="lt1"/>
-          </a:fontRef>
-        </p:style>
-        <p:txBody>
-          <a:bodyPr rtlCol="0" anchor="ctr"/>
-          <a:lstStyle/>
-          <a:p>
-            <a:pPr algn="ctr"/>
-            <a:endParaRPr lang="ko-KR" altLang="en-US"/>
+          </a:p>
+          <a:p>
+            <a:r>
+              <a:rPr lang="ko-KR" altLang="en-US" dirty="0"/>
+              <a:t>선거 기간이면 </a:t>
+            </a:r>
+            <a:r>
+              <a:rPr lang="en-US" altLang="ko-KR" dirty="0"/>
+              <a:t>[</a:t>
+            </a:r>
+            <a:r>
+              <a:rPr lang="ko-KR" altLang="en-US" dirty="0"/>
+              <a:t>유의사항</a:t>
+            </a:r>
+            <a:r>
+              <a:rPr lang="en-US" altLang="ko-KR" dirty="0"/>
+              <a:t>] </a:t>
+            </a:r>
+            <a:r>
+              <a:rPr lang="ko-KR" altLang="en-US" dirty="0"/>
+              <a:t>페이지</a:t>
+            </a:r>
+            <a:r>
+              <a:rPr lang="en-US" altLang="ko-KR" dirty="0"/>
+              <a:t>(</a:t>
+            </a:r>
+            <a:r>
+              <a:rPr lang="ko-KR" altLang="en-US" dirty="0"/>
+              <a:t>개인정보동의 페이지라고도 함</a:t>
+            </a:r>
+            <a:r>
+              <a:rPr lang="en-US" altLang="ko-KR" dirty="0"/>
+              <a:t>)</a:t>
+            </a:r>
+            <a:r>
+              <a:rPr lang="ko-KR" altLang="en-US" dirty="0"/>
+              <a:t>가 나오도록 한다</a:t>
+            </a:r>
+            <a:r>
+              <a:rPr lang="en-US" altLang="ko-KR" dirty="0"/>
+              <a:t>.</a:t>
+            </a:r>
+          </a:p>
+          <a:p>
+            <a:endParaRPr lang="en-US" altLang="ko-KR" dirty="0"/>
           </a:p>
         </p:txBody>
       </p:sp>
     </p:spTree>
     <p:extLst>
       <p:ext uri="{BB962C8B-B14F-4D97-AF65-F5344CB8AC3E}">
-        <p14:creationId xmlns:p14="http://schemas.microsoft.com/office/powerpoint/2010/main" val="619092787"/>
+        <p14:creationId xmlns:p14="http://schemas.microsoft.com/office/powerpoint/2010/main" val="4257089158"/>
       </p:ext>
     </p:extLst>
   </p:cSld>
@@ -5583,7 +5613,7 @@
           <p:cNvPr id="2" name="제목 1">
             <a:extLst>
               <a:ext uri="{FF2B5EF4-FFF2-40B4-BE49-F238E27FC236}">
-                <a16:creationId xmlns:a16="http://schemas.microsoft.com/office/drawing/2014/main" id="{5161C77A-4C1B-4D44-ADC6-02FEF05B6D5F}"/>
+                <a16:creationId xmlns:a16="http://schemas.microsoft.com/office/drawing/2014/main" id="{B1373BEA-8B04-4609-9A10-A9558A48FCD1}"/>
               </a:ext>
             </a:extLst>
           </p:cNvPr>
@@ -5596,9 +5626,7 @@
         </p:nvSpPr>
         <p:spPr/>
         <p:txBody>
-          <a:bodyPr>
-            <a:normAutofit fontScale="90000"/>
-          </a:bodyPr>
+          <a:bodyPr/>
           <a:lstStyle/>
           <a:p>
             <a:r>
@@ -5607,7 +5635,7 @@
             </a:r>
             <a:r>
               <a:rPr lang="en-US" altLang="ko-KR" dirty="0"/>
-              <a:t>#11 : </a:t>
+              <a:t>#10 : </a:t>
             </a:r>
             <a:r>
               <a:rPr lang="ko-KR" altLang="en-US" dirty="0"/>
@@ -5629,9 +5657,6 @@
               <a:rPr lang="ko-KR" altLang="en-US" dirty="0"/>
               <a:t>학생이 </a:t>
             </a:r>
-            <a:br>
-              <a:rPr lang="en-US" altLang="ko-KR" dirty="0"/>
-            </a:br>
             <a:r>
               <a:rPr lang="en-US" altLang="ko-KR" dirty="0"/>
               <a:t>[</a:t>
@@ -5639,30 +5664,6 @@
             <a:r>
               <a:rPr lang="ko-KR" altLang="en-US" dirty="0"/>
               <a:t>투표하기</a:t>
-            </a:r>
-            <a:r>
-              <a:rPr lang="en-US" altLang="ko-KR" dirty="0"/>
-              <a:t>] -&gt; [</a:t>
-            </a:r>
-            <a:r>
-              <a:rPr lang="ko-KR" altLang="en-US" dirty="0"/>
-              <a:t>기호 </a:t>
-            </a:r>
-            <a:r>
-              <a:rPr lang="en-US" altLang="ko-KR" dirty="0"/>
-              <a:t>1</a:t>
-            </a:r>
-            <a:r>
-              <a:rPr lang="ko-KR" altLang="en-US" dirty="0"/>
-              <a:t>번 </a:t>
-            </a:r>
-            <a:r>
-              <a:rPr lang="ko-KR" altLang="en-US" dirty="0" err="1"/>
-              <a:t>브릿지에</a:t>
-            </a:r>
-            <a:r>
-              <a:rPr lang="ko-KR" altLang="en-US" dirty="0"/>
-              <a:t> 투표</a:t>
             </a:r>
             <a:r>
               <a:rPr lang="en-US" altLang="ko-KR" dirty="0"/>
@@ -5677,7 +5678,7 @@
           <p:cNvPr id="5" name="내용 개체 틀 4">
             <a:extLst>
               <a:ext uri="{FF2B5EF4-FFF2-40B4-BE49-F238E27FC236}">
-                <a16:creationId xmlns:a16="http://schemas.microsoft.com/office/drawing/2014/main" id="{DB907C34-2AFC-45D1-936B-F7A05E8368AC}"/>
+                <a16:creationId xmlns:a16="http://schemas.microsoft.com/office/drawing/2014/main" id="{6C631E38-F8E9-4C6C-BF2F-84A869D0BC15}"/>
               </a:ext>
             </a:extLst>
           </p:cNvPr>
@@ -5696,17 +5697,64 @@
         </p:blipFill>
         <p:spPr>
           <a:xfrm>
-            <a:off x="3346508" y="2052128"/>
-            <a:ext cx="2629379" cy="4351338"/>
+            <a:off x="838200" y="1943071"/>
+            <a:ext cx="2631041" cy="4351338"/>
           </a:xfrm>
         </p:spPr>
       </p:pic>
+      <p:sp>
+        <p:nvSpPr>
+          <p:cNvPr id="6" name="TextBox 5">
+            <a:extLst>
+              <a:ext uri="{FF2B5EF4-FFF2-40B4-BE49-F238E27FC236}">
+                <a16:creationId xmlns:a16="http://schemas.microsoft.com/office/drawing/2014/main" id="{DE64CE7B-FFB8-49B5-AC4C-019C8E0FE0DB}"/>
+              </a:ext>
+            </a:extLst>
+          </p:cNvPr>
+          <p:cNvSpPr txBox="1"/>
+          <p:nvPr/>
+        </p:nvSpPr>
+        <p:spPr>
+          <a:xfrm>
+            <a:off x="3691156" y="1943071"/>
+            <a:ext cx="3966150" cy="369332"/>
+          </a:xfrm>
+          <a:prstGeom prst="rect">
+            <a:avLst/>
+          </a:prstGeom>
+          <a:noFill/>
+        </p:spPr>
+        <p:txBody>
+          <a:bodyPr wrap="none" rtlCol="0">
+            <a:spAutoFit/>
+          </a:bodyPr>
+          <a:lstStyle/>
+          <a:p>
+            <a:r>
+              <a:rPr lang="en-US" altLang="ko-KR" dirty="0"/>
+              <a:t>[</a:t>
+            </a:r>
+            <a:r>
+              <a:rPr lang="ko-KR" altLang="en-US" dirty="0"/>
+              <a:t>동의함</a:t>
+            </a:r>
+            <a:r>
+              <a:rPr lang="en-US" altLang="ko-KR" dirty="0"/>
+              <a:t>] </a:t>
+            </a:r>
+            <a:r>
+              <a:rPr lang="ko-KR" altLang="en-US" dirty="0"/>
+              <a:t>버튼 누르면 나오는 페이지</a:t>
+            </a:r>
+          </a:p>
+        </p:txBody>
+      </p:sp>
       <p:pic>
         <p:nvPicPr>
-          <p:cNvPr id="10" name="그림 9">
-            <a:extLst>
-              <a:ext uri="{FF2B5EF4-FFF2-40B4-BE49-F238E27FC236}">
-                <a16:creationId xmlns:a16="http://schemas.microsoft.com/office/drawing/2014/main" id="{9F9F4595-683B-4150-9E03-71242FF969F8}"/>
+          <p:cNvPr id="8" name="그림 7">
+            <a:extLst>
+              <a:ext uri="{FF2B5EF4-FFF2-40B4-BE49-F238E27FC236}">
+                <a16:creationId xmlns:a16="http://schemas.microsoft.com/office/drawing/2014/main" id="{A2A8E9F1-B3AF-413D-B2A6-A8721FD2E5DC}"/>
               </a:ext>
             </a:extLst>
           </p:cNvPr>
@@ -5723,8 +5771,8 @@
         </p:blipFill>
         <p:spPr>
           <a:xfrm>
-            <a:off x="6291939" y="3699286"/>
-            <a:ext cx="2840876" cy="951131"/>
+            <a:off x="3787804" y="2345711"/>
+            <a:ext cx="6210300" cy="219075"/>
           </a:xfrm>
           <a:prstGeom prst="rect">
             <a:avLst/>
@@ -5733,54 +5781,56 @@
       </p:pic>
       <p:sp>
         <p:nvSpPr>
-          <p:cNvPr id="11" name="화살표: 오른쪽 10">
-            <a:extLst>
-              <a:ext uri="{FF2B5EF4-FFF2-40B4-BE49-F238E27FC236}">
-                <a16:creationId xmlns:a16="http://schemas.microsoft.com/office/drawing/2014/main" id="{E56BD828-AC89-4A0D-AC34-8E44DA0196CA}"/>
-              </a:ext>
-            </a:extLst>
-          </p:cNvPr>
-          <p:cNvSpPr/>
+          <p:cNvPr id="9" name="TextBox 8">
+            <a:extLst>
+              <a:ext uri="{FF2B5EF4-FFF2-40B4-BE49-F238E27FC236}">
+                <a16:creationId xmlns:a16="http://schemas.microsoft.com/office/drawing/2014/main" id="{A4EA4A03-541E-4E89-9596-4A7B57BF9D39}"/>
+              </a:ext>
+            </a:extLst>
+          </p:cNvPr>
+          <p:cNvSpPr txBox="1"/>
           <p:nvPr/>
         </p:nvSpPr>
         <p:spPr>
-          <a:xfrm rot="19163133">
-            <a:off x="6128287" y="5176007"/>
-            <a:ext cx="612655" cy="201336"/>
-          </a:xfrm>
-          <a:prstGeom prst="rightArrow">
+          <a:xfrm>
+            <a:off x="3787804" y="2768367"/>
+            <a:ext cx="7016344" cy="369332"/>
+          </a:xfrm>
+          <a:prstGeom prst="rect">
             <a:avLst/>
           </a:prstGeom>
-        </p:spPr>
-        <p:style>
-          <a:lnRef idx="2">
-            <a:schemeClr val="accent1">
-              <a:shade val="50000"/>
-            </a:schemeClr>
-          </a:lnRef>
-          <a:fillRef idx="1">
-            <a:schemeClr val="accent1"/>
-          </a:fillRef>
-          <a:effectRef idx="0">
-            <a:schemeClr val="accent1"/>
-          </a:effectRef>
-          <a:fontRef idx="minor">
-            <a:schemeClr val="lt1"/>
-          </a:fontRef>
-        </p:style>
-        <p:txBody>
-          <a:bodyPr rtlCol="0" anchor="ctr"/>
-          <a:lstStyle/>
-          <a:p>
-            <a:pPr algn="ctr"/>
-            <a:endParaRPr lang="ko-KR" altLang="en-US"/>
+          <a:noFill/>
+        </p:spPr>
+        <p:txBody>
+          <a:bodyPr wrap="none" rtlCol="0">
+            <a:spAutoFit/>
+          </a:bodyPr>
+          <a:lstStyle/>
+          <a:p>
+            <a:r>
+              <a:rPr lang="en-US" altLang="ko-KR" dirty="0" err="1"/>
+              <a:t>getCandidateInfo</a:t>
+            </a:r>
+            <a:r>
+              <a:rPr lang="en-US" altLang="ko-KR" dirty="0"/>
+              <a:t> </a:t>
+            </a:r>
+            <a:r>
+              <a:rPr lang="ko-KR" altLang="en-US" dirty="0"/>
+              <a:t>체인코드로부터 선거의 후보들 정보를 불러온다</a:t>
+            </a:r>
+            <a:r>
+              <a:rPr lang="en-US" altLang="ko-KR" dirty="0"/>
+              <a:t>.</a:t>
+            </a:r>
+            <a:endParaRPr lang="ko-KR" altLang="en-US" dirty="0"/>
           </a:p>
         </p:txBody>
       </p:sp>
     </p:spTree>
     <p:extLst>
       <p:ext uri="{BB962C8B-B14F-4D97-AF65-F5344CB8AC3E}">
-        <p14:creationId xmlns:p14="http://schemas.microsoft.com/office/powerpoint/2010/main" val="3483118518"/>
+        <p14:creationId xmlns:p14="http://schemas.microsoft.com/office/powerpoint/2010/main" val="879161823"/>
       </p:ext>
     </p:extLst>
   </p:cSld>
@@ -5812,7 +5862,7 @@
           <p:cNvPr id="2" name="제목 1">
             <a:extLst>
               <a:ext uri="{FF2B5EF4-FFF2-40B4-BE49-F238E27FC236}">
-                <a16:creationId xmlns:a16="http://schemas.microsoft.com/office/drawing/2014/main" id="{92393006-E773-49DE-B49C-681D7225DE88}"/>
+                <a16:creationId xmlns:a16="http://schemas.microsoft.com/office/drawing/2014/main" id="{5982CC75-238A-4902-88E3-8569A9F23AE8}"/>
               </a:ext>
             </a:extLst>
           </p:cNvPr>
@@ -5825,9 +5875,7 @@
         </p:nvSpPr>
         <p:spPr/>
         <p:txBody>
-          <a:bodyPr>
-            <a:normAutofit fontScale="90000"/>
-          </a:bodyPr>
+          <a:bodyPr/>
           <a:lstStyle/>
           <a:p>
             <a:r>
@@ -5836,7 +5884,7 @@
             </a:r>
             <a:r>
               <a:rPr lang="en-US" altLang="ko-KR" dirty="0"/>
-              <a:t>#11 : </a:t>
+              <a:t>#10 : </a:t>
             </a:r>
             <a:r>
               <a:rPr lang="ko-KR" altLang="en-US" dirty="0"/>
@@ -5858,9 +5906,6 @@
               <a:rPr lang="ko-KR" altLang="en-US" dirty="0"/>
               <a:t>학생이 </a:t>
             </a:r>
-            <a:br>
-              <a:rPr lang="en-US" altLang="ko-KR" dirty="0"/>
-            </a:br>
             <a:r>
               <a:rPr lang="en-US" altLang="ko-KR" dirty="0"/>
               <a:t>[</a:t>
@@ -5868,30 +5913,6 @@
             <a:r>
               <a:rPr lang="ko-KR" altLang="en-US" dirty="0"/>
               <a:t>투표하기</a:t>
-            </a:r>
-            <a:r>
-              <a:rPr lang="en-US" altLang="ko-KR" dirty="0"/>
-              <a:t>] -&gt; [</a:t>
-            </a:r>
-            <a:r>
-              <a:rPr lang="ko-KR" altLang="en-US" dirty="0"/>
-              <a:t>기호 </a:t>
-            </a:r>
-            <a:r>
-              <a:rPr lang="en-US" altLang="ko-KR" dirty="0"/>
-              <a:t>1</a:t>
-            </a:r>
-            <a:r>
-              <a:rPr lang="ko-KR" altLang="en-US" dirty="0"/>
-              <a:t>번 </a:t>
-            </a:r>
-            <a:r>
-              <a:rPr lang="ko-KR" altLang="en-US" dirty="0" err="1"/>
-              <a:t>브릿지에</a:t>
-            </a:r>
-            <a:r>
-              <a:rPr lang="ko-KR" altLang="en-US" dirty="0"/>
-              <a:t> 투표</a:t>
             </a:r>
             <a:r>
               <a:rPr lang="en-US" altLang="ko-KR" dirty="0"/>
@@ -5903,17 +5924,19 @@
       </p:sp>
       <p:pic>
         <p:nvPicPr>
-          <p:cNvPr id="5" name="그림 4">
-            <a:extLst>
-              <a:ext uri="{FF2B5EF4-FFF2-40B4-BE49-F238E27FC236}">
-                <a16:creationId xmlns:a16="http://schemas.microsoft.com/office/drawing/2014/main" id="{F3A183DF-0AE7-48D4-9FE1-748EF2E6AD76}"/>
+          <p:cNvPr id="5" name="내용 개체 틀 4">
+            <a:extLst>
+              <a:ext uri="{FF2B5EF4-FFF2-40B4-BE49-F238E27FC236}">
+                <a16:creationId xmlns:a16="http://schemas.microsoft.com/office/drawing/2014/main" id="{1219CCC4-D078-4636-B679-9A8108ED5B29}"/>
               </a:ext>
             </a:extLst>
           </p:cNvPr>
           <p:cNvPicPr>
-            <a:picLocks noChangeAspect="1"/>
+            <a:picLocks noGrp="1" noChangeAspect="1"/>
           </p:cNvPicPr>
-          <p:nvPr/>
+          <p:nvPr>
+            <p:ph idx="1"/>
+          </p:nvPr>
         </p:nvPicPr>
         <p:blipFill>
           <a:blip r:embed="rId2"/>
@@ -5923,20 +5946,17 @@
         </p:blipFill>
         <p:spPr>
           <a:xfrm>
-            <a:off x="838200" y="2528029"/>
-            <a:ext cx="4638675" cy="3590925"/>
-          </a:xfrm>
-          <a:prstGeom prst="rect">
-            <a:avLst/>
-          </a:prstGeom>
+            <a:off x="5684633" y="2285758"/>
+            <a:ext cx="2635419" cy="4351338"/>
+          </a:xfrm>
         </p:spPr>
       </p:pic>
       <p:sp>
         <p:nvSpPr>
-          <p:cNvPr id="7" name="TextBox 6">
-            <a:extLst>
-              <a:ext uri="{FF2B5EF4-FFF2-40B4-BE49-F238E27FC236}">
-                <a16:creationId xmlns:a16="http://schemas.microsoft.com/office/drawing/2014/main" id="{9E22BD5F-5006-4DE8-A60B-A0D0B29F183A}"/>
+          <p:cNvPr id="6" name="TextBox 5">
+            <a:extLst>
+              <a:ext uri="{FF2B5EF4-FFF2-40B4-BE49-F238E27FC236}">
+                <a16:creationId xmlns:a16="http://schemas.microsoft.com/office/drawing/2014/main" id="{834AE55A-C3CC-493C-AAA7-2F4FA3980E61}"/>
               </a:ext>
             </a:extLst>
           </p:cNvPr>
@@ -5945,8 +5965,8 @@
         </p:nvSpPr>
         <p:spPr>
           <a:xfrm>
-            <a:off x="838200" y="2158697"/>
-            <a:ext cx="1771639" cy="369332"/>
+            <a:off x="4414794" y="1916426"/>
+            <a:ext cx="6527749" cy="369332"/>
           </a:xfrm>
           <a:prstGeom prst="rect">
             <a:avLst/>
@@ -5961,11 +5981,11 @@
           <a:p>
             <a:r>
               <a:rPr lang="ko-KR" altLang="en-US" dirty="0"/>
-              <a:t>투표 전 </a:t>
-            </a:r>
-            <a:r>
-              <a:rPr lang="en-US" altLang="ko-KR" dirty="0" err="1"/>
-              <a:t>VBallot</a:t>
+              <a:t>좌측의 투표하기 버튼을 누르면 후보자 선택 페이지가 나온다</a:t>
+            </a:r>
+            <a:r>
+              <a:rPr lang="en-US" altLang="ko-KR" dirty="0"/>
+              <a:t>.</a:t>
             </a:r>
             <a:endParaRPr lang="ko-KR" altLang="en-US" dirty="0"/>
           </a:p>
@@ -5973,10 +5993,10 @@
       </p:sp>
       <p:pic>
         <p:nvPicPr>
-          <p:cNvPr id="9" name="그림 8">
-            <a:extLst>
-              <a:ext uri="{FF2B5EF4-FFF2-40B4-BE49-F238E27FC236}">
-                <a16:creationId xmlns:a16="http://schemas.microsoft.com/office/drawing/2014/main" id="{3F76F660-3D95-4E9B-B67C-1A68FEF17232}"/>
+          <p:cNvPr id="7" name="내용 개체 틀 4">
+            <a:extLst>
+              <a:ext uri="{FF2B5EF4-FFF2-40B4-BE49-F238E27FC236}">
+                <a16:creationId xmlns:a16="http://schemas.microsoft.com/office/drawing/2014/main" id="{0AD77909-4289-40CC-AC19-8BCB60FABABE}"/>
               </a:ext>
             </a:extLst>
           </p:cNvPr>
@@ -5993,60 +6013,61 @@
         </p:blipFill>
         <p:spPr>
           <a:xfrm>
-            <a:off x="6539131" y="2518504"/>
-            <a:ext cx="4667250" cy="3600450"/>
+            <a:off x="1702965" y="1943071"/>
+            <a:ext cx="2631041" cy="4351338"/>
           </a:xfrm>
           <a:prstGeom prst="rect">
             <a:avLst/>
           </a:prstGeom>
         </p:spPr>
       </p:pic>
-      <p:sp>
-        <p:nvSpPr>
-          <p:cNvPr id="11" name="TextBox 10">
-            <a:extLst>
-              <a:ext uri="{FF2B5EF4-FFF2-40B4-BE49-F238E27FC236}">
-                <a16:creationId xmlns:a16="http://schemas.microsoft.com/office/drawing/2014/main" id="{3A517C24-8FEC-4095-B7A0-C00144C375EE}"/>
-              </a:ext>
-            </a:extLst>
-          </p:cNvPr>
-          <p:cNvSpPr txBox="1"/>
+      <p:cxnSp>
+        <p:nvCxnSpPr>
+          <p:cNvPr id="9" name="직선 화살표 연결선 8">
+            <a:extLst>
+              <a:ext uri="{FF2B5EF4-FFF2-40B4-BE49-F238E27FC236}">
+                <a16:creationId xmlns:a16="http://schemas.microsoft.com/office/drawing/2014/main" id="{40DCC5AF-0B5C-4B56-964C-DDB65E3578A3}"/>
+              </a:ext>
+            </a:extLst>
+          </p:cNvPr>
+          <p:cNvCxnSpPr>
+            <a:cxnSpLocks/>
+          </p:cNvCxnSpPr>
           <p:nvPr/>
-        </p:nvSpPr>
-        <p:spPr>
-          <a:xfrm>
-            <a:off x="6409888" y="2158697"/>
-            <a:ext cx="1771639" cy="369332"/>
-          </a:xfrm>
-          <a:prstGeom prst="rect">
+        </p:nvCxnSpPr>
+        <p:spPr>
+          <a:xfrm flipH="1">
+            <a:off x="3632434" y="2285758"/>
+            <a:ext cx="1753298" cy="3628480"/>
+          </a:xfrm>
+          <a:prstGeom prst="straightConnector1">
             <a:avLst/>
           </a:prstGeom>
-          <a:noFill/>
-        </p:spPr>
-        <p:txBody>
-          <a:bodyPr wrap="none" rtlCol="0">
-            <a:spAutoFit/>
-          </a:bodyPr>
-          <a:lstStyle/>
-          <a:p>
-            <a:r>
-              <a:rPr lang="ko-KR" altLang="en-US" dirty="0"/>
-              <a:t>투표 후 </a:t>
-            </a:r>
-            <a:r>
-              <a:rPr lang="en-US" altLang="ko-KR" dirty="0" err="1"/>
-              <a:t>VBallot</a:t>
-            </a:r>
-            <a:endParaRPr lang="ko-KR" altLang="en-US" dirty="0"/>
-          </a:p>
-        </p:txBody>
-      </p:sp>
-      <p:sp>
-        <p:nvSpPr>
-          <p:cNvPr id="12" name="직사각형 11">
-            <a:extLst>
-              <a:ext uri="{FF2B5EF4-FFF2-40B4-BE49-F238E27FC236}">
-                <a16:creationId xmlns:a16="http://schemas.microsoft.com/office/drawing/2014/main" id="{77048591-D947-4BAE-89D5-741ED18A8DC8}"/>
+          <a:ln>
+            <a:tailEnd type="triangle"/>
+          </a:ln>
+        </p:spPr>
+        <p:style>
+          <a:lnRef idx="1">
+            <a:schemeClr val="accent2"/>
+          </a:lnRef>
+          <a:fillRef idx="0">
+            <a:schemeClr val="accent2"/>
+          </a:fillRef>
+          <a:effectRef idx="0">
+            <a:schemeClr val="accent2"/>
+          </a:effectRef>
+          <a:fontRef idx="minor">
+            <a:schemeClr val="tx1"/>
+          </a:fontRef>
+        </p:style>
+      </p:cxnSp>
+      <p:sp>
+        <p:nvSpPr>
+          <p:cNvPr id="12" name="화살표: 오른쪽 11">
+            <a:extLst>
+              <a:ext uri="{FF2B5EF4-FFF2-40B4-BE49-F238E27FC236}">
+                <a16:creationId xmlns:a16="http://schemas.microsoft.com/office/drawing/2014/main" id="{318AA02B-8884-4B29-89E5-6C28822ABBC9}"/>
               </a:ext>
             </a:extLst>
           </p:cNvPr>
@@ -6055,18 +6076,12 @@
         </p:nvSpPr>
         <p:spPr>
           <a:xfrm>
-            <a:off x="7038363" y="4815281"/>
-            <a:ext cx="1392573" cy="176169"/>
-          </a:xfrm>
-          <a:prstGeom prst="rect">
+            <a:off x="4689446" y="4362275"/>
+            <a:ext cx="696286" cy="385894"/>
+          </a:xfrm>
+          <a:prstGeom prst="rightArrow">
             <a:avLst/>
           </a:prstGeom>
-          <a:noFill/>
-          <a:ln w="28575">
-            <a:solidFill>
-              <a:srgbClr val="FF0000"/>
-            </a:solidFill>
-          </a:ln>
         </p:spPr>
         <p:style>
           <a:lnRef idx="2">
@@ -6089,14 +6104,14 @@
           <a:lstStyle/>
           <a:p>
             <a:pPr algn="ctr"/>
-            <a:endParaRPr lang="ko-KR" altLang="en-US" dirty="0"/>
+            <a:endParaRPr lang="ko-KR" altLang="en-US"/>
           </a:p>
         </p:txBody>
       </p:sp>
     </p:spTree>
     <p:extLst>
       <p:ext uri="{BB962C8B-B14F-4D97-AF65-F5344CB8AC3E}">
-        <p14:creationId xmlns:p14="http://schemas.microsoft.com/office/powerpoint/2010/main" val="543413633"/>
+        <p14:creationId xmlns:p14="http://schemas.microsoft.com/office/powerpoint/2010/main" val="619092787"/>
       </p:ext>
     </p:extLst>
   </p:cSld>
@@ -6128,7 +6143,7 @@
           <p:cNvPr id="2" name="제목 1">
             <a:extLst>
               <a:ext uri="{FF2B5EF4-FFF2-40B4-BE49-F238E27FC236}">
-                <a16:creationId xmlns:a16="http://schemas.microsoft.com/office/drawing/2014/main" id="{562E1B65-0316-45CF-83E0-4DAD88A39B4C}"/>
+                <a16:creationId xmlns:a16="http://schemas.microsoft.com/office/drawing/2014/main" id="{5161C77A-4C1B-4D44-ADC6-02FEF05B6D5F}"/>
               </a:ext>
             </a:extLst>
           </p:cNvPr>
@@ -6142,83 +6157,78 @@
         <p:spPr/>
         <p:txBody>
           <a:bodyPr>
-            <a:noAutofit/>
+            <a:normAutofit fontScale="90000"/>
           </a:bodyPr>
           <a:lstStyle/>
           <a:p>
             <a:r>
-              <a:rPr lang="ko-KR" altLang="en-US" sz="2800" dirty="0"/>
+              <a:rPr lang="ko-KR" altLang="en-US" dirty="0"/>
               <a:t>시나리오</a:t>
             </a:r>
             <a:r>
-              <a:rPr lang="en-US" altLang="ko-KR" sz="2800" dirty="0"/>
-              <a:t>#12 : </a:t>
-            </a:r>
-            <a:r>
-              <a:rPr lang="ko-KR" altLang="en-US" sz="2800" dirty="0"/>
+              <a:rPr lang="en-US" altLang="ko-KR" dirty="0"/>
+              <a:t>#11 : </a:t>
+            </a:r>
+            <a:r>
+              <a:rPr lang="ko-KR" altLang="en-US" dirty="0"/>
               <a:t>후보자 </a:t>
             </a:r>
             <a:r>
-              <a:rPr lang="en-US" altLang="ko-KR" sz="2800" dirty="0"/>
+              <a:rPr lang="en-US" altLang="ko-KR" dirty="0"/>
               <a:t>1</a:t>
             </a:r>
             <a:r>
-              <a:rPr lang="ko-KR" altLang="en-US" sz="2800" dirty="0"/>
+              <a:rPr lang="ko-KR" altLang="en-US" dirty="0"/>
               <a:t>개인 선거가 하나가 생성된 상태로</a:t>
             </a:r>
             <a:r>
-              <a:rPr lang="en-US" altLang="ko-KR" sz="2800" dirty="0"/>
+              <a:rPr lang="en-US" altLang="ko-KR" dirty="0"/>
               <a:t>, </a:t>
             </a:r>
             <a:r>
-              <a:rPr lang="ko-KR" altLang="en-US" sz="2800" dirty="0"/>
+              <a:rPr lang="ko-KR" altLang="en-US" dirty="0"/>
               <a:t>학생이 </a:t>
             </a:r>
-            <a:r>
-              <a:rPr lang="en-US" altLang="ko-KR" sz="2800" dirty="0"/>
+            <a:br>
+              <a:rPr lang="en-US" altLang="ko-KR" dirty="0"/>
+            </a:br>
+            <a:r>
+              <a:rPr lang="en-US" altLang="ko-KR" dirty="0"/>
               <a:t>[</a:t>
             </a:r>
             <a:r>
-              <a:rPr lang="ko-KR" altLang="en-US" sz="2800" dirty="0"/>
+              <a:rPr lang="ko-KR" altLang="en-US" dirty="0"/>
               <a:t>투표하기</a:t>
             </a:r>
             <a:r>
-              <a:rPr lang="en-US" altLang="ko-KR" sz="2800" dirty="0"/>
+              <a:rPr lang="en-US" altLang="ko-KR" dirty="0"/>
               <a:t>] -&gt; [</a:t>
             </a:r>
             <a:r>
-              <a:rPr lang="ko-KR" altLang="en-US" sz="2800" dirty="0"/>
+              <a:rPr lang="ko-KR" altLang="en-US" dirty="0"/>
               <a:t>기호 </a:t>
             </a:r>
             <a:r>
-              <a:rPr lang="en-US" altLang="ko-KR" sz="2800" dirty="0"/>
+              <a:rPr lang="en-US" altLang="ko-KR" dirty="0"/>
               <a:t>1</a:t>
             </a:r>
             <a:r>
-              <a:rPr lang="ko-KR" altLang="en-US" sz="2800" dirty="0"/>
+              <a:rPr lang="ko-KR" altLang="en-US" dirty="0"/>
               <a:t>번 </a:t>
             </a:r>
             <a:r>
-              <a:rPr lang="ko-KR" altLang="en-US" sz="2800" dirty="0" err="1"/>
+              <a:rPr lang="ko-KR" altLang="en-US" dirty="0" err="1"/>
               <a:t>브릿지에</a:t>
             </a:r>
             <a:r>
-              <a:rPr lang="ko-KR" altLang="en-US" sz="2800" dirty="0"/>
+              <a:rPr lang="ko-KR" altLang="en-US" dirty="0"/>
               <a:t> 투표</a:t>
             </a:r>
             <a:r>
-              <a:rPr lang="en-US" altLang="ko-KR" sz="2800" dirty="0"/>
-              <a:t>] -&gt; [</a:t>
-            </a:r>
-            <a:r>
-              <a:rPr lang="ko-KR" altLang="en-US" sz="2800" dirty="0"/>
-              <a:t>내투표확인</a:t>
-            </a:r>
-            <a:r>
-              <a:rPr lang="en-US" altLang="ko-KR" sz="2800" dirty="0"/>
+              <a:rPr lang="en-US" altLang="ko-KR" dirty="0"/>
               <a:t>]</a:t>
             </a:r>
-            <a:endParaRPr lang="ko-KR" altLang="en-US" sz="2800" dirty="0"/>
+            <a:endParaRPr lang="ko-KR" altLang="en-US" dirty="0"/>
           </a:p>
         </p:txBody>
       </p:sp>
@@ -6227,7 +6237,7 @@
           <p:cNvPr id="5" name="내용 개체 틀 4">
             <a:extLst>
               <a:ext uri="{FF2B5EF4-FFF2-40B4-BE49-F238E27FC236}">
-                <a16:creationId xmlns:a16="http://schemas.microsoft.com/office/drawing/2014/main" id="{92C2322A-078B-48F5-A5D2-3FD6AD5CB8C9}"/>
+                <a16:creationId xmlns:a16="http://schemas.microsoft.com/office/drawing/2014/main" id="{DB907C34-2AFC-45D1-936B-F7A05E8368AC}"/>
               </a:ext>
             </a:extLst>
           </p:cNvPr>
@@ -6246,15 +6256,91 @@
         </p:blipFill>
         <p:spPr>
           <a:xfrm>
-            <a:off x="4784835" y="1825625"/>
-            <a:ext cx="2622329" cy="4351338"/>
+            <a:off x="3346508" y="2052128"/>
+            <a:ext cx="2629379" cy="4351338"/>
           </a:xfrm>
         </p:spPr>
       </p:pic>
+      <p:pic>
+        <p:nvPicPr>
+          <p:cNvPr id="10" name="그림 9">
+            <a:extLst>
+              <a:ext uri="{FF2B5EF4-FFF2-40B4-BE49-F238E27FC236}">
+                <a16:creationId xmlns:a16="http://schemas.microsoft.com/office/drawing/2014/main" id="{9F9F4595-683B-4150-9E03-71242FF969F8}"/>
+              </a:ext>
+            </a:extLst>
+          </p:cNvPr>
+          <p:cNvPicPr>
+            <a:picLocks noChangeAspect="1"/>
+          </p:cNvPicPr>
+          <p:nvPr/>
+        </p:nvPicPr>
+        <p:blipFill>
+          <a:blip r:embed="rId3"/>
+          <a:stretch>
+            <a:fillRect/>
+          </a:stretch>
+        </p:blipFill>
+        <p:spPr>
+          <a:xfrm>
+            <a:off x="6291939" y="3699286"/>
+            <a:ext cx="2840876" cy="951131"/>
+          </a:xfrm>
+          <a:prstGeom prst="rect">
+            <a:avLst/>
+          </a:prstGeom>
+        </p:spPr>
+      </p:pic>
+      <p:sp>
+        <p:nvSpPr>
+          <p:cNvPr id="11" name="화살표: 오른쪽 10">
+            <a:extLst>
+              <a:ext uri="{FF2B5EF4-FFF2-40B4-BE49-F238E27FC236}">
+                <a16:creationId xmlns:a16="http://schemas.microsoft.com/office/drawing/2014/main" id="{E56BD828-AC89-4A0D-AC34-8E44DA0196CA}"/>
+              </a:ext>
+            </a:extLst>
+          </p:cNvPr>
+          <p:cNvSpPr/>
+          <p:nvPr/>
+        </p:nvSpPr>
+        <p:spPr>
+          <a:xfrm rot="19163133">
+            <a:off x="6128287" y="5176007"/>
+            <a:ext cx="612655" cy="201336"/>
+          </a:xfrm>
+          <a:prstGeom prst="rightArrow">
+            <a:avLst/>
+          </a:prstGeom>
+        </p:spPr>
+        <p:style>
+          <a:lnRef idx="2">
+            <a:schemeClr val="accent1">
+              <a:shade val="50000"/>
+            </a:schemeClr>
+          </a:lnRef>
+          <a:fillRef idx="1">
+            <a:schemeClr val="accent1"/>
+          </a:fillRef>
+          <a:effectRef idx="0">
+            <a:schemeClr val="accent1"/>
+          </a:effectRef>
+          <a:fontRef idx="minor">
+            <a:schemeClr val="lt1"/>
+          </a:fontRef>
+        </p:style>
+        <p:txBody>
+          <a:bodyPr rtlCol="0" anchor="ctr"/>
+          <a:lstStyle/>
+          <a:p>
+            <a:pPr algn="ctr"/>
+            <a:endParaRPr lang="ko-KR" altLang="en-US"/>
+          </a:p>
+        </p:txBody>
+      </p:sp>
     </p:spTree>
     <p:extLst>
       <p:ext uri="{BB962C8B-B14F-4D97-AF65-F5344CB8AC3E}">
-        <p14:creationId xmlns:p14="http://schemas.microsoft.com/office/powerpoint/2010/main" val="733914882"/>
+        <p14:creationId xmlns:p14="http://schemas.microsoft.com/office/powerpoint/2010/main" val="3483118518"/>
       </p:ext>
     </p:extLst>
   </p:cSld>
@@ -6286,7 +6372,7 @@
           <p:cNvPr id="2" name="제목 1">
             <a:extLst>
               <a:ext uri="{FF2B5EF4-FFF2-40B4-BE49-F238E27FC236}">
-                <a16:creationId xmlns:a16="http://schemas.microsoft.com/office/drawing/2014/main" id="{8501F805-B286-451E-9735-66B8437CBD0A}"/>
+                <a16:creationId xmlns:a16="http://schemas.microsoft.com/office/drawing/2014/main" id="{C2A78FD6-5FE3-49D7-B1D8-FF484093A9C6}"/>
               </a:ext>
             </a:extLst>
           </p:cNvPr>
@@ -6299,62 +6385,80 @@
         </p:nvSpPr>
         <p:spPr/>
         <p:txBody>
-          <a:bodyPr>
-            <a:normAutofit fontScale="90000"/>
-          </a:bodyPr>
-          <a:lstStyle/>
-          <a:p>
-            <a:r>
-              <a:rPr lang="ko-KR" altLang="en-US" dirty="0"/>
-              <a:t>시나리오</a:t>
-            </a:r>
-            <a:r>
-              <a:rPr lang="en-US" altLang="ko-KR" dirty="0"/>
-              <a:t>#1 : </a:t>
-            </a:r>
-            <a:r>
-              <a:rPr lang="ko-KR" altLang="en-US" dirty="0"/>
-              <a:t>선거가 하나도 생성되지 않은 상태로</a:t>
-            </a:r>
-            <a:r>
-              <a:rPr lang="en-US" altLang="ko-KR" dirty="0"/>
-              <a:t>, </a:t>
-            </a:r>
-            <a:r>
-              <a:rPr lang="ko-KR" altLang="en-US" dirty="0"/>
-              <a:t>학생이 로그인할 경우 </a:t>
-            </a:r>
-            <a:r>
-              <a:rPr lang="en-US" altLang="ko-KR" dirty="0"/>
-              <a:t>[</a:t>
-            </a:r>
-            <a:r>
-              <a:rPr lang="ko-KR" altLang="en-US" dirty="0"/>
-              <a:t>투표확인</a:t>
-            </a:r>
-            <a:r>
-              <a:rPr lang="en-US" altLang="ko-KR" dirty="0"/>
-              <a:t>]</a:t>
-            </a:r>
+          <a:bodyPr/>
+          <a:lstStyle/>
+          <a:p>
+            <a:r>
+              <a:rPr lang="ko-KR" altLang="en-US" dirty="0"/>
+              <a:t>사용자 정보</a:t>
+            </a:r>
+          </a:p>
+        </p:txBody>
+      </p:sp>
+      <p:sp>
+        <p:nvSpPr>
+          <p:cNvPr id="3" name="내용 개체 틀 2">
+            <a:extLst>
+              <a:ext uri="{FF2B5EF4-FFF2-40B4-BE49-F238E27FC236}">
+                <a16:creationId xmlns:a16="http://schemas.microsoft.com/office/drawing/2014/main" id="{DF7F916D-2C0D-47C2-99E8-819FEB80FE46}"/>
+              </a:ext>
+            </a:extLst>
+          </p:cNvPr>
+          <p:cNvSpPr>
+            <a:spLocks noGrp="1"/>
+          </p:cNvSpPr>
+          <p:nvPr>
+            <p:ph idx="1"/>
+          </p:nvPr>
+        </p:nvSpPr>
+        <p:spPr/>
+        <p:txBody>
+          <a:bodyPr/>
+          <a:lstStyle/>
+          <a:p>
+            <a:r>
+              <a:rPr lang="ko-KR" altLang="en-US" dirty="0"/>
+              <a:t>관리자 </a:t>
+            </a:r>
+            <a:r>
+              <a:rPr lang="en-US" altLang="ko-KR" dirty="0"/>
+              <a:t>{ id: ‘admin’, pw: ‘admin’ }</a:t>
+            </a:r>
+          </a:p>
+          <a:p>
+            <a:endParaRPr lang="en-US" altLang="ko-KR" dirty="0"/>
+          </a:p>
+          <a:p>
+            <a:endParaRPr lang="en-US" altLang="ko-KR" dirty="0"/>
+          </a:p>
+          <a:p>
+            <a:endParaRPr lang="en-US" altLang="ko-KR" dirty="0"/>
+          </a:p>
+          <a:p>
+            <a:r>
+              <a:rPr lang="ko-KR" altLang="en-US" dirty="0"/>
+              <a:t>학생</a:t>
+            </a:r>
+            <a:endParaRPr lang="en-US" altLang="ko-KR" dirty="0"/>
+          </a:p>
+          <a:p>
             <a:endParaRPr lang="ko-KR" altLang="en-US" dirty="0"/>
           </a:p>
         </p:txBody>
       </p:sp>
       <p:pic>
         <p:nvPicPr>
-          <p:cNvPr id="5" name="내용 개체 틀 4">
-            <a:extLst>
-              <a:ext uri="{FF2B5EF4-FFF2-40B4-BE49-F238E27FC236}">
-                <a16:creationId xmlns:a16="http://schemas.microsoft.com/office/drawing/2014/main" id="{52F86DA0-2D3C-4C24-A4C7-6FAB98313479}"/>
+          <p:cNvPr id="5" name="그림 4">
+            <a:extLst>
+              <a:ext uri="{FF2B5EF4-FFF2-40B4-BE49-F238E27FC236}">
+                <a16:creationId xmlns:a16="http://schemas.microsoft.com/office/drawing/2014/main" id="{6070AF5E-ADB8-4954-8D46-9A18962BD3C3}"/>
               </a:ext>
             </a:extLst>
           </p:cNvPr>
           <p:cNvPicPr>
-            <a:picLocks noGrp="1" noChangeAspect="1"/>
+            <a:picLocks noChangeAspect="1"/>
           </p:cNvPicPr>
-          <p:nvPr>
-            <p:ph idx="1"/>
-          </p:nvPr>
+          <p:nvPr/>
         </p:nvPicPr>
         <p:blipFill>
           <a:blip r:embed="rId2"/>
@@ -6364,15 +6468,48 @@
         </p:blipFill>
         <p:spPr>
           <a:xfrm>
-            <a:off x="4788437" y="1825625"/>
-            <a:ext cx="2615125" cy="4351338"/>
-          </a:xfrm>
+            <a:off x="929780" y="2298584"/>
+            <a:ext cx="7010400" cy="1371600"/>
+          </a:xfrm>
+          <a:prstGeom prst="rect">
+            <a:avLst/>
+          </a:prstGeom>
+        </p:spPr>
+      </p:pic>
+      <p:pic>
+        <p:nvPicPr>
+          <p:cNvPr id="7" name="그림 6">
+            <a:extLst>
+              <a:ext uri="{FF2B5EF4-FFF2-40B4-BE49-F238E27FC236}">
+                <a16:creationId xmlns:a16="http://schemas.microsoft.com/office/drawing/2014/main" id="{041EF327-DED7-46FF-A5A5-8AC214DBBCB8}"/>
+              </a:ext>
+            </a:extLst>
+          </p:cNvPr>
+          <p:cNvPicPr>
+            <a:picLocks noChangeAspect="1"/>
+          </p:cNvPicPr>
+          <p:nvPr/>
+        </p:nvPicPr>
+        <p:blipFill>
+          <a:blip r:embed="rId3"/>
+          <a:stretch>
+            <a:fillRect/>
+          </a:stretch>
+        </p:blipFill>
+        <p:spPr>
+          <a:xfrm>
+            <a:off x="838200" y="4299053"/>
+            <a:ext cx="7334250" cy="1924050"/>
+          </a:xfrm>
+          <a:prstGeom prst="rect">
+            <a:avLst/>
+          </a:prstGeom>
         </p:spPr>
       </p:pic>
     </p:spTree>
     <p:extLst>
       <p:ext uri="{BB962C8B-B14F-4D97-AF65-F5344CB8AC3E}">
-        <p14:creationId xmlns:p14="http://schemas.microsoft.com/office/powerpoint/2010/main" val="1380531865"/>
+        <p14:creationId xmlns:p14="http://schemas.microsoft.com/office/powerpoint/2010/main" val="1456140750"/>
       </p:ext>
     </p:extLst>
   </p:cSld>
@@ -6404,7 +6541,7 @@
           <p:cNvPr id="2" name="제목 1">
             <a:extLst>
               <a:ext uri="{FF2B5EF4-FFF2-40B4-BE49-F238E27FC236}">
-                <a16:creationId xmlns:a16="http://schemas.microsoft.com/office/drawing/2014/main" id="{582E305A-0905-47D3-B5D5-AF3561E903A3}"/>
+                <a16:creationId xmlns:a16="http://schemas.microsoft.com/office/drawing/2014/main" id="{92393006-E773-49DE-B49C-681D7225DE88}"/>
               </a:ext>
             </a:extLst>
           </p:cNvPr>
@@ -6423,75 +6560,70 @@
           <a:lstStyle/>
           <a:p>
             <a:r>
-              <a:rPr lang="ko-KR" altLang="en-US" sz="4400" dirty="0"/>
+              <a:rPr lang="ko-KR" altLang="en-US" dirty="0"/>
               <a:t>시나리오</a:t>
             </a:r>
             <a:r>
-              <a:rPr lang="en-US" altLang="ko-KR" sz="4400" dirty="0"/>
-              <a:t>#12 : </a:t>
-            </a:r>
-            <a:r>
-              <a:rPr lang="ko-KR" altLang="en-US" sz="4400" dirty="0"/>
+              <a:rPr lang="en-US" altLang="ko-KR" dirty="0"/>
+              <a:t>#11 : </a:t>
+            </a:r>
+            <a:r>
+              <a:rPr lang="ko-KR" altLang="en-US" dirty="0"/>
               <a:t>후보자 </a:t>
             </a:r>
             <a:r>
-              <a:rPr lang="en-US" altLang="ko-KR" sz="4400" dirty="0"/>
+              <a:rPr lang="en-US" altLang="ko-KR" dirty="0"/>
               <a:t>1</a:t>
             </a:r>
             <a:r>
-              <a:rPr lang="ko-KR" altLang="en-US" sz="4400" dirty="0"/>
+              <a:rPr lang="ko-KR" altLang="en-US" dirty="0"/>
               <a:t>개인 선거가 하나가 생성된 상태로</a:t>
             </a:r>
             <a:r>
-              <a:rPr lang="en-US" altLang="ko-KR" sz="4400" dirty="0"/>
+              <a:rPr lang="en-US" altLang="ko-KR" dirty="0"/>
               <a:t>, </a:t>
             </a:r>
             <a:r>
-              <a:rPr lang="ko-KR" altLang="en-US" sz="4400" dirty="0"/>
+              <a:rPr lang="ko-KR" altLang="en-US" dirty="0"/>
               <a:t>학생이 </a:t>
             </a:r>
-            <a:r>
-              <a:rPr lang="en-US" altLang="ko-KR" sz="4400" dirty="0"/>
+            <a:br>
+              <a:rPr lang="en-US" altLang="ko-KR" dirty="0"/>
+            </a:br>
+            <a:r>
+              <a:rPr lang="en-US" altLang="ko-KR" dirty="0"/>
               <a:t>[</a:t>
             </a:r>
             <a:r>
-              <a:rPr lang="ko-KR" altLang="en-US" sz="4400" dirty="0"/>
+              <a:rPr lang="ko-KR" altLang="en-US" dirty="0"/>
               <a:t>투표하기</a:t>
             </a:r>
             <a:r>
-              <a:rPr lang="en-US" altLang="ko-KR" sz="4400" dirty="0"/>
+              <a:rPr lang="en-US" altLang="ko-KR" dirty="0"/>
               <a:t>] -&gt; [</a:t>
             </a:r>
             <a:r>
-              <a:rPr lang="ko-KR" altLang="en-US" sz="4400" dirty="0"/>
+              <a:rPr lang="ko-KR" altLang="en-US" dirty="0"/>
               <a:t>기호 </a:t>
             </a:r>
             <a:r>
-              <a:rPr lang="en-US" altLang="ko-KR" sz="4400" dirty="0"/>
+              <a:rPr lang="en-US" altLang="ko-KR" dirty="0"/>
               <a:t>1</a:t>
             </a:r>
             <a:r>
-              <a:rPr lang="ko-KR" altLang="en-US" sz="4400" dirty="0"/>
+              <a:rPr lang="ko-KR" altLang="en-US" dirty="0"/>
               <a:t>번 </a:t>
             </a:r>
             <a:r>
-              <a:rPr lang="ko-KR" altLang="en-US" sz="4400" dirty="0" err="1"/>
+              <a:rPr lang="ko-KR" altLang="en-US" dirty="0" err="1"/>
               <a:t>브릿지에</a:t>
             </a:r>
             <a:r>
-              <a:rPr lang="ko-KR" altLang="en-US" sz="4400" dirty="0"/>
+              <a:rPr lang="ko-KR" altLang="en-US" dirty="0"/>
               <a:t> 투표</a:t>
             </a:r>
             <a:r>
-              <a:rPr lang="en-US" altLang="ko-KR" sz="4400" dirty="0"/>
-              <a:t>] -&gt; [</a:t>
-            </a:r>
-            <a:r>
-              <a:rPr lang="ko-KR" altLang="en-US" sz="4400" dirty="0"/>
-              <a:t>투표하기</a:t>
-            </a:r>
-            <a:r>
-              <a:rPr lang="en-US" altLang="ko-KR" sz="4400" dirty="0"/>
+              <a:rPr lang="en-US" altLang="ko-KR" dirty="0"/>
               <a:t>]</a:t>
             </a:r>
             <a:endParaRPr lang="ko-KR" altLang="en-US" dirty="0"/>
@@ -6500,19 +6632,17 @@
       </p:sp>
       <p:pic>
         <p:nvPicPr>
-          <p:cNvPr id="5" name="내용 개체 틀 4">
-            <a:extLst>
-              <a:ext uri="{FF2B5EF4-FFF2-40B4-BE49-F238E27FC236}">
-                <a16:creationId xmlns:a16="http://schemas.microsoft.com/office/drawing/2014/main" id="{37DBC478-64AE-4F2E-A11D-B7FCD9053F86}"/>
+          <p:cNvPr id="5" name="그림 4">
+            <a:extLst>
+              <a:ext uri="{FF2B5EF4-FFF2-40B4-BE49-F238E27FC236}">
+                <a16:creationId xmlns:a16="http://schemas.microsoft.com/office/drawing/2014/main" id="{F3A183DF-0AE7-48D4-9FE1-748EF2E6AD76}"/>
               </a:ext>
             </a:extLst>
           </p:cNvPr>
           <p:cNvPicPr>
-            <a:picLocks noGrp="1" noChangeAspect="1"/>
+            <a:picLocks noChangeAspect="1"/>
           </p:cNvPicPr>
-          <p:nvPr>
-            <p:ph idx="1"/>
-          </p:nvPr>
+          <p:nvPr/>
         </p:nvPicPr>
         <p:blipFill>
           <a:blip r:embed="rId2"/>
@@ -6522,17 +6652,20 @@
         </p:blipFill>
         <p:spPr>
           <a:xfrm>
-            <a:off x="2009119" y="2922128"/>
-            <a:ext cx="4314825" cy="1285875"/>
-          </a:xfrm>
+            <a:off x="838200" y="2528029"/>
+            <a:ext cx="4638675" cy="3590925"/>
+          </a:xfrm>
+          <a:prstGeom prst="rect">
+            <a:avLst/>
+          </a:prstGeom>
         </p:spPr>
       </p:pic>
       <p:sp>
         <p:nvSpPr>
-          <p:cNvPr id="6" name="TextBox 5">
-            <a:extLst>
-              <a:ext uri="{FF2B5EF4-FFF2-40B4-BE49-F238E27FC236}">
-                <a16:creationId xmlns:a16="http://schemas.microsoft.com/office/drawing/2014/main" id="{65AD3695-A08D-4277-A515-BDA34CED5AB4}"/>
+          <p:cNvPr id="7" name="TextBox 6">
+            <a:extLst>
+              <a:ext uri="{FF2B5EF4-FFF2-40B4-BE49-F238E27FC236}">
+                <a16:creationId xmlns:a16="http://schemas.microsoft.com/office/drawing/2014/main" id="{9E22BD5F-5006-4DE8-A60B-A0D0B29F183A}"/>
               </a:ext>
             </a:extLst>
           </p:cNvPr>
@@ -6541,8 +6674,8 @@
         </p:nvSpPr>
         <p:spPr>
           <a:xfrm>
-            <a:off x="541981" y="2055302"/>
-            <a:ext cx="7249100" cy="646331"/>
+            <a:off x="838200" y="2158697"/>
+            <a:ext cx="1771639" cy="369332"/>
           </a:xfrm>
           <a:prstGeom prst="rect">
             <a:avLst/>
@@ -6557,39 +6690,22 @@
           <a:p>
             <a:r>
               <a:rPr lang="ko-KR" altLang="en-US" dirty="0"/>
-              <a:t>총학생회 선거 </a:t>
-            </a:r>
-            <a:r>
-              <a:rPr lang="en-US" altLang="ko-KR" dirty="0"/>
-              <a:t>1</a:t>
-            </a:r>
-            <a:r>
-              <a:rPr lang="ko-KR" altLang="en-US" dirty="0"/>
-              <a:t>개만 생성 후에 투표하고 나서 다시 </a:t>
-            </a:r>
-            <a:r>
-              <a:rPr lang="ko-KR" altLang="en-US" dirty="0" err="1"/>
-              <a:t>투표하려고하면</a:t>
-            </a:r>
-            <a:r>
-              <a:rPr lang="en-US" altLang="ko-KR" dirty="0"/>
-              <a:t>,</a:t>
-            </a:r>
-          </a:p>
-          <a:p>
-            <a:r>
-              <a:rPr lang="ko-KR" altLang="en-US" dirty="0"/>
-              <a:t>투표할 수 있는 선거가 없기 때문에 아래와 같은 메시지 출력함</a:t>
-            </a:r>
+              <a:t>투표 전 </a:t>
+            </a:r>
+            <a:r>
+              <a:rPr lang="en-US" altLang="ko-KR" dirty="0" err="1"/>
+              <a:t>VBallot</a:t>
+            </a:r>
+            <a:endParaRPr lang="ko-KR" altLang="en-US" dirty="0"/>
           </a:p>
         </p:txBody>
       </p:sp>
       <p:pic>
         <p:nvPicPr>
-          <p:cNvPr id="8" name="그림 7">
-            <a:extLst>
-              <a:ext uri="{FF2B5EF4-FFF2-40B4-BE49-F238E27FC236}">
-                <a16:creationId xmlns:a16="http://schemas.microsoft.com/office/drawing/2014/main" id="{20059B82-326E-4591-8DFA-B317DD667C97}"/>
+          <p:cNvPr id="9" name="그림 8">
+            <a:extLst>
+              <a:ext uri="{FF2B5EF4-FFF2-40B4-BE49-F238E27FC236}">
+                <a16:creationId xmlns:a16="http://schemas.microsoft.com/office/drawing/2014/main" id="{3F76F660-3D95-4E9B-B67C-1A68FEF17232}"/>
               </a:ext>
             </a:extLst>
           </p:cNvPr>
@@ -6606,8 +6722,8 @@
         </p:blipFill>
         <p:spPr>
           <a:xfrm>
-            <a:off x="6861757" y="4208003"/>
-            <a:ext cx="4743450" cy="2343150"/>
+            <a:off x="6539131" y="2518504"/>
+            <a:ext cx="4667250" cy="3600450"/>
           </a:xfrm>
           <a:prstGeom prst="rect">
             <a:avLst/>
@@ -6616,10 +6732,10 @@
       </p:pic>
       <p:sp>
         <p:nvSpPr>
-          <p:cNvPr id="9" name="TextBox 8">
-            <a:extLst>
-              <a:ext uri="{FF2B5EF4-FFF2-40B4-BE49-F238E27FC236}">
-                <a16:creationId xmlns:a16="http://schemas.microsoft.com/office/drawing/2014/main" id="{2B62D739-9617-4428-8265-A8A88B0F4DCB}"/>
+          <p:cNvPr id="11" name="TextBox 10">
+            <a:extLst>
+              <a:ext uri="{FF2B5EF4-FFF2-40B4-BE49-F238E27FC236}">
+                <a16:creationId xmlns:a16="http://schemas.microsoft.com/office/drawing/2014/main" id="{3A517C24-8FEC-4095-B7A0-C00144C375EE}"/>
               </a:ext>
             </a:extLst>
           </p:cNvPr>
@@ -6628,8 +6744,8 @@
         </p:nvSpPr>
         <p:spPr>
           <a:xfrm>
-            <a:off x="6546688" y="3561672"/>
-            <a:ext cx="5373587" cy="646331"/>
+            <a:off x="6409888" y="2158697"/>
+            <a:ext cx="1771639" cy="369332"/>
           </a:xfrm>
           <a:prstGeom prst="rect">
             <a:avLst/>
@@ -6643,35 +6759,73 @@
           <a:lstStyle/>
           <a:p>
             <a:r>
-              <a:rPr lang="en-US" altLang="ko-KR" dirty="0"/>
-              <a:t>[</a:t>
-            </a:r>
-            <a:r>
-              <a:rPr lang="ko-KR" altLang="en-US" dirty="0"/>
-              <a:t>투표하기</a:t>
-            </a:r>
-            <a:r>
-              <a:rPr lang="en-US" altLang="ko-KR" dirty="0"/>
-              <a:t>] </a:t>
-            </a:r>
-            <a:r>
-              <a:rPr lang="ko-KR" altLang="en-US" dirty="0"/>
-              <a:t>버튼 아무리 눌러봐도 이미 투표한</a:t>
-            </a:r>
-            <a:endParaRPr lang="en-US" altLang="ko-KR" dirty="0"/>
-          </a:p>
-          <a:p>
-            <a:r>
-              <a:rPr lang="ko-KR" altLang="en-US" dirty="0"/>
-              <a:t>선거에 대한 투표용지는 생기지 않음을 볼 수 있음</a:t>
-            </a:r>
+              <a:rPr lang="ko-KR" altLang="en-US" dirty="0"/>
+              <a:t>투표 후 </a:t>
+            </a:r>
+            <a:r>
+              <a:rPr lang="en-US" altLang="ko-KR" dirty="0" err="1"/>
+              <a:t>VBallot</a:t>
+            </a:r>
+            <a:endParaRPr lang="ko-KR" altLang="en-US" dirty="0"/>
+          </a:p>
+        </p:txBody>
+      </p:sp>
+      <p:sp>
+        <p:nvSpPr>
+          <p:cNvPr id="12" name="직사각형 11">
+            <a:extLst>
+              <a:ext uri="{FF2B5EF4-FFF2-40B4-BE49-F238E27FC236}">
+                <a16:creationId xmlns:a16="http://schemas.microsoft.com/office/drawing/2014/main" id="{77048591-D947-4BAE-89D5-741ED18A8DC8}"/>
+              </a:ext>
+            </a:extLst>
+          </p:cNvPr>
+          <p:cNvSpPr/>
+          <p:nvPr/>
+        </p:nvSpPr>
+        <p:spPr>
+          <a:xfrm>
+            <a:off x="7038363" y="4815281"/>
+            <a:ext cx="1392573" cy="176169"/>
+          </a:xfrm>
+          <a:prstGeom prst="rect">
+            <a:avLst/>
+          </a:prstGeom>
+          <a:noFill/>
+          <a:ln w="28575">
+            <a:solidFill>
+              <a:srgbClr val="FF0000"/>
+            </a:solidFill>
+          </a:ln>
+        </p:spPr>
+        <p:style>
+          <a:lnRef idx="2">
+            <a:schemeClr val="accent1">
+              <a:shade val="50000"/>
+            </a:schemeClr>
+          </a:lnRef>
+          <a:fillRef idx="1">
+            <a:schemeClr val="accent1"/>
+          </a:fillRef>
+          <a:effectRef idx="0">
+            <a:schemeClr val="accent1"/>
+          </a:effectRef>
+          <a:fontRef idx="minor">
+            <a:schemeClr val="lt1"/>
+          </a:fontRef>
+        </p:style>
+        <p:txBody>
+          <a:bodyPr rtlCol="0" anchor="ctr"/>
+          <a:lstStyle/>
+          <a:p>
+            <a:pPr algn="ctr"/>
+            <a:endParaRPr lang="ko-KR" altLang="en-US" dirty="0"/>
           </a:p>
         </p:txBody>
       </p:sp>
     </p:spTree>
     <p:extLst>
       <p:ext uri="{BB962C8B-B14F-4D97-AF65-F5344CB8AC3E}">
-        <p14:creationId xmlns:p14="http://schemas.microsoft.com/office/powerpoint/2010/main" val="413954249"/>
+        <p14:creationId xmlns:p14="http://schemas.microsoft.com/office/powerpoint/2010/main" val="543413633"/>
       </p:ext>
     </p:extLst>
   </p:cSld>
@@ -6703,7 +6857,7 @@
           <p:cNvPr id="2" name="제목 1">
             <a:extLst>
               <a:ext uri="{FF2B5EF4-FFF2-40B4-BE49-F238E27FC236}">
-                <a16:creationId xmlns:a16="http://schemas.microsoft.com/office/drawing/2014/main" id="{BFDAE3E0-C032-4C07-B647-29FCBFE8337C}"/>
+                <a16:creationId xmlns:a16="http://schemas.microsoft.com/office/drawing/2014/main" id="{562E1B65-0316-45CF-83E0-4DAD88A39B4C}"/>
               </a:ext>
             </a:extLst>
           </p:cNvPr>
@@ -6717,43 +6871,83 @@
         <p:spPr/>
         <p:txBody>
           <a:bodyPr>
-            <a:normAutofit/>
+            <a:noAutofit/>
           </a:bodyPr>
           <a:lstStyle/>
           <a:p>
             <a:r>
-              <a:rPr lang="ko-KR" altLang="en-US" sz="4400" dirty="0"/>
+              <a:rPr lang="ko-KR" altLang="en-US" sz="2800" dirty="0"/>
               <a:t>시나리오</a:t>
             </a:r>
             <a:r>
-              <a:rPr lang="en-US" altLang="ko-KR" sz="4400" dirty="0"/>
-              <a:t>#13 : </a:t>
-            </a:r>
-            <a:r>
-              <a:rPr lang="ko-KR" altLang="en-US" sz="4400" dirty="0"/>
-              <a:t>시나리오</a:t>
-            </a:r>
-            <a:r>
-              <a:rPr lang="en-US" altLang="ko-KR" sz="4400" dirty="0"/>
-              <a:t>#12 </a:t>
-            </a:r>
-            <a:r>
-              <a:rPr lang="ko-KR" altLang="en-US" sz="4400" dirty="0"/>
-              <a:t>수행 후 관리자가 </a:t>
-            </a:r>
-            <a:r>
-              <a:rPr lang="en-US" altLang="ko-KR" sz="4400" dirty="0"/>
+              <a:rPr lang="en-US" altLang="ko-KR" sz="2800" dirty="0"/>
+              <a:t>#12 : </a:t>
+            </a:r>
+            <a:r>
+              <a:rPr lang="ko-KR" altLang="en-US" sz="2800" dirty="0"/>
+              <a:t>후보자 </a:t>
+            </a:r>
+            <a:r>
+              <a:rPr lang="en-US" altLang="ko-KR" sz="2800" dirty="0"/>
+              <a:t>1</a:t>
+            </a:r>
+            <a:r>
+              <a:rPr lang="ko-KR" altLang="en-US" sz="2800" dirty="0"/>
+              <a:t>개인 선거가 하나가 생성된 상태로</a:t>
+            </a:r>
+            <a:r>
+              <a:rPr lang="en-US" altLang="ko-KR" sz="2800" dirty="0"/>
+              <a:t>, </a:t>
+            </a:r>
+            <a:r>
+              <a:rPr lang="ko-KR" altLang="en-US" sz="2800" dirty="0"/>
+              <a:t>학생이 </a:t>
+            </a:r>
+            <a:r>
+              <a:rPr lang="en-US" altLang="ko-KR" sz="2800" dirty="0"/>
               <a:t>[</a:t>
             </a:r>
             <a:r>
-              <a:rPr lang="ko-KR" altLang="en-US" sz="4400" dirty="0"/>
-              <a:t>투표율확인</a:t>
-            </a:r>
-            <a:r>
-              <a:rPr lang="en-US" altLang="ko-KR" sz="4400" dirty="0"/>
+              <a:rPr lang="ko-KR" altLang="en-US" sz="2800" dirty="0"/>
+              <a:t>투표하기</a:t>
+            </a:r>
+            <a:r>
+              <a:rPr lang="en-US" altLang="ko-KR" sz="2800" dirty="0"/>
+              <a:t>] -&gt; [</a:t>
+            </a:r>
+            <a:r>
+              <a:rPr lang="ko-KR" altLang="en-US" sz="2800" dirty="0"/>
+              <a:t>기호 </a:t>
+            </a:r>
+            <a:r>
+              <a:rPr lang="en-US" altLang="ko-KR" sz="2800" dirty="0"/>
+              <a:t>1</a:t>
+            </a:r>
+            <a:r>
+              <a:rPr lang="ko-KR" altLang="en-US" sz="2800" dirty="0"/>
+              <a:t>번 </a:t>
+            </a:r>
+            <a:r>
+              <a:rPr lang="ko-KR" altLang="en-US" sz="2800" dirty="0" err="1"/>
+              <a:t>브릿지에</a:t>
+            </a:r>
+            <a:r>
+              <a:rPr lang="ko-KR" altLang="en-US" sz="2800" dirty="0"/>
+              <a:t> 투표</a:t>
+            </a:r>
+            <a:r>
+              <a:rPr lang="en-US" altLang="ko-KR" sz="2800" dirty="0"/>
+              <a:t>] -&gt; [</a:t>
+            </a:r>
+            <a:r>
+              <a:rPr lang="ko-KR" altLang="en-US" sz="2800" dirty="0"/>
+              <a:t>내투표확인</a:t>
+            </a:r>
+            <a:r>
+              <a:rPr lang="en-US" altLang="ko-KR" sz="2800" dirty="0"/>
               <a:t>]</a:t>
             </a:r>
-            <a:endParaRPr lang="ko-KR" altLang="en-US" dirty="0"/>
+            <a:endParaRPr lang="ko-KR" altLang="en-US" sz="2800" dirty="0"/>
           </a:p>
         </p:txBody>
       </p:sp>
@@ -6762,7 +6956,7 @@
           <p:cNvPr id="5" name="내용 개체 틀 4">
             <a:extLst>
               <a:ext uri="{FF2B5EF4-FFF2-40B4-BE49-F238E27FC236}">
-                <a16:creationId xmlns:a16="http://schemas.microsoft.com/office/drawing/2014/main" id="{283F0B46-FAEE-4378-AAAF-CBA640DF204C}"/>
+                <a16:creationId xmlns:a16="http://schemas.microsoft.com/office/drawing/2014/main" id="{92C2322A-078B-48F5-A5D2-3FD6AD5CB8C9}"/>
               </a:ext>
             </a:extLst>
           </p:cNvPr>
@@ -6781,15 +6975,15 @@
         </p:blipFill>
         <p:spPr>
           <a:xfrm>
-            <a:off x="4784147" y="1825625"/>
-            <a:ext cx="2623706" cy="4351338"/>
+            <a:off x="4784835" y="1825625"/>
+            <a:ext cx="2622329" cy="4351338"/>
           </a:xfrm>
         </p:spPr>
       </p:pic>
     </p:spTree>
     <p:extLst>
       <p:ext uri="{BB962C8B-B14F-4D97-AF65-F5344CB8AC3E}">
-        <p14:creationId xmlns:p14="http://schemas.microsoft.com/office/powerpoint/2010/main" val="719904951"/>
+        <p14:creationId xmlns:p14="http://schemas.microsoft.com/office/powerpoint/2010/main" val="733914882"/>
       </p:ext>
     </p:extLst>
   </p:cSld>
@@ -6821,7 +7015,7 @@
           <p:cNvPr id="2" name="제목 1">
             <a:extLst>
               <a:ext uri="{FF2B5EF4-FFF2-40B4-BE49-F238E27FC236}">
-                <a16:creationId xmlns:a16="http://schemas.microsoft.com/office/drawing/2014/main" id="{132C9F91-980E-468D-B7FA-9E8A6E024BB6}"/>
+                <a16:creationId xmlns:a16="http://schemas.microsoft.com/office/drawing/2014/main" id="{582E305A-0905-47D3-B5D5-AF3561E903A3}"/>
               </a:ext>
             </a:extLst>
           </p:cNvPr>
@@ -6835,91 +7029,83 @@
         <p:spPr/>
         <p:txBody>
           <a:bodyPr>
-            <a:noAutofit/>
+            <a:normAutofit fontScale="90000"/>
           </a:bodyPr>
           <a:lstStyle/>
           <a:p>
             <a:r>
-              <a:rPr lang="ko-KR" altLang="en-US" sz="3600" dirty="0"/>
+              <a:rPr lang="ko-KR" altLang="en-US" sz="4400" dirty="0"/>
               <a:t>시나리오</a:t>
             </a:r>
             <a:r>
-              <a:rPr lang="en-US" altLang="ko-KR" sz="3600" dirty="0"/>
-              <a:t>#14 : </a:t>
-            </a:r>
-            <a:r>
-              <a:rPr lang="ko-KR" altLang="en-US" sz="3600" dirty="0"/>
+              <a:rPr lang="en-US" altLang="ko-KR" sz="4400" dirty="0"/>
+              <a:t>#12 : </a:t>
+            </a:r>
+            <a:r>
+              <a:rPr lang="ko-KR" altLang="en-US" sz="4400" dirty="0"/>
               <a:t>후보자 </a:t>
             </a:r>
             <a:r>
-              <a:rPr lang="en-US" altLang="ko-KR" sz="3600" dirty="0"/>
+              <a:rPr lang="en-US" altLang="ko-KR" sz="4400" dirty="0"/>
               <a:t>1</a:t>
             </a:r>
             <a:r>
-              <a:rPr lang="ko-KR" altLang="en-US" sz="3600" dirty="0"/>
+              <a:rPr lang="ko-KR" altLang="en-US" sz="4400" dirty="0"/>
               <a:t>개인 선거가 하나가 생성된 상태로</a:t>
             </a:r>
             <a:r>
-              <a:rPr lang="en-US" altLang="ko-KR" sz="3600" dirty="0"/>
+              <a:rPr lang="en-US" altLang="ko-KR" sz="4400" dirty="0"/>
               <a:t>, </a:t>
             </a:r>
             <a:r>
-              <a:rPr lang="ko-KR" altLang="en-US" sz="3600" dirty="0"/>
-              <a:t>학생</a:t>
-            </a:r>
-            <a:r>
-              <a:rPr lang="en-US" altLang="ko-KR" sz="3600" dirty="0"/>
-              <a:t>2</a:t>
-            </a:r>
-            <a:r>
-              <a:rPr lang="ko-KR" altLang="en-US" sz="3600" dirty="0"/>
-              <a:t>이 </a:t>
-            </a:r>
-            <a:r>
-              <a:rPr lang="en-US" altLang="ko-KR" sz="3600" dirty="0"/>
+              <a:rPr lang="ko-KR" altLang="en-US" sz="4400" dirty="0"/>
+              <a:t>학생이 </a:t>
+            </a:r>
+            <a:r>
+              <a:rPr lang="en-US" altLang="ko-KR" sz="4400" dirty="0"/>
               <a:t>[</a:t>
             </a:r>
             <a:r>
-              <a:rPr lang="ko-KR" altLang="en-US" sz="3600" dirty="0"/>
+              <a:rPr lang="ko-KR" altLang="en-US" sz="4400" dirty="0"/>
               <a:t>투표하기</a:t>
             </a:r>
             <a:r>
-              <a:rPr lang="en-US" altLang="ko-KR" sz="3600" dirty="0"/>
+              <a:rPr lang="en-US" altLang="ko-KR" sz="4400" dirty="0"/>
               <a:t>] -&gt; [</a:t>
             </a:r>
             <a:r>
-              <a:rPr lang="ko-KR" altLang="en-US" sz="3600" dirty="0"/>
-              <a:t>기권에 투표</a:t>
-            </a:r>
-            <a:r>
-              <a:rPr lang="en-US" altLang="ko-KR" sz="3600" dirty="0"/>
+              <a:rPr lang="ko-KR" altLang="en-US" sz="4400" dirty="0"/>
+              <a:t>기호 </a:t>
+            </a:r>
+            <a:r>
+              <a:rPr lang="en-US" altLang="ko-KR" sz="4400" dirty="0"/>
+              <a:t>1</a:t>
+            </a:r>
+            <a:r>
+              <a:rPr lang="ko-KR" altLang="en-US" sz="4400" dirty="0"/>
+              <a:t>번 </a:t>
+            </a:r>
+            <a:r>
+              <a:rPr lang="ko-KR" altLang="en-US" sz="4400" dirty="0" err="1"/>
+              <a:t>브릿지에</a:t>
+            </a:r>
+            <a:r>
+              <a:rPr lang="ko-KR" altLang="en-US" sz="4400" dirty="0"/>
+              <a:t> 투표</a:t>
+            </a:r>
+            <a:r>
+              <a:rPr lang="en-US" altLang="ko-KR" sz="4400" dirty="0"/>
               <a:t>] -&gt; [</a:t>
             </a:r>
             <a:r>
-              <a:rPr lang="ko-KR" altLang="en-US" sz="3600" dirty="0"/>
+              <a:rPr lang="ko-KR" altLang="en-US" sz="4400" dirty="0"/>
               <a:t>투표하기</a:t>
             </a:r>
             <a:r>
-              <a:rPr lang="en-US" altLang="ko-KR" sz="3600" dirty="0"/>
-              <a:t>] </a:t>
-            </a:r>
-            <a:r>
-              <a:rPr lang="ko-KR" altLang="en-US" sz="3600" dirty="0"/>
-              <a:t>시 관리자가 </a:t>
-            </a:r>
-            <a:r>
-              <a:rPr lang="en-US" altLang="ko-KR" sz="3600" dirty="0"/>
-              <a:t>[</a:t>
-            </a:r>
-            <a:r>
-              <a:rPr lang="ko-KR" altLang="en-US" sz="3600" dirty="0"/>
-              <a:t>투표율확인</a:t>
-            </a:r>
-            <a:r>
-              <a:rPr lang="en-US" altLang="ko-KR" sz="3600" dirty="0"/>
+              <a:rPr lang="en-US" altLang="ko-KR" sz="4400" dirty="0"/>
               <a:t>]</a:t>
             </a:r>
-            <a:endParaRPr lang="ko-KR" altLang="en-US" sz="3600" dirty="0"/>
+            <a:endParaRPr lang="ko-KR" altLang="en-US" dirty="0"/>
           </a:p>
         </p:txBody>
       </p:sp>
@@ -6928,7 +7114,7 @@
           <p:cNvPr id="5" name="내용 개체 틀 4">
             <a:extLst>
               <a:ext uri="{FF2B5EF4-FFF2-40B4-BE49-F238E27FC236}">
-                <a16:creationId xmlns:a16="http://schemas.microsoft.com/office/drawing/2014/main" id="{17088458-BFD6-4774-9EE7-8C0BF90FCCD8}"/>
+                <a16:creationId xmlns:a16="http://schemas.microsoft.com/office/drawing/2014/main" id="{37DBC478-64AE-4F2E-A11D-B7FCD9053F86}"/>
               </a:ext>
             </a:extLst>
           </p:cNvPr>
@@ -6947,8 +7133,8 @@
         </p:blipFill>
         <p:spPr>
           <a:xfrm>
-            <a:off x="838200" y="1976627"/>
-            <a:ext cx="2620939" cy="4351338"/>
+            <a:off x="2009119" y="2922128"/>
+            <a:ext cx="4314825" cy="1285875"/>
           </a:xfrm>
         </p:spPr>
       </p:pic>
@@ -6957,7 +7143,7 @@
           <p:cNvPr id="6" name="TextBox 5">
             <a:extLst>
               <a:ext uri="{FF2B5EF4-FFF2-40B4-BE49-F238E27FC236}">
-                <a16:creationId xmlns:a16="http://schemas.microsoft.com/office/drawing/2014/main" id="{CB2E207E-8EAC-4CD8-AB7E-547943EE2752}"/>
+                <a16:creationId xmlns:a16="http://schemas.microsoft.com/office/drawing/2014/main" id="{65AD3695-A08D-4277-A515-BDA34CED5AB4}"/>
               </a:ext>
             </a:extLst>
           </p:cNvPr>
@@ -6966,8 +7152,8 @@
         </p:nvSpPr>
         <p:spPr>
           <a:xfrm>
-            <a:off x="3842158" y="1976627"/>
-            <a:ext cx="7122463" cy="2031325"/>
+            <a:off x="541981" y="2055302"/>
+            <a:ext cx="7249100" cy="646331"/>
           </a:xfrm>
           <a:prstGeom prst="rect">
             <a:avLst/>
@@ -6981,22 +7167,20 @@
           <a:lstStyle/>
           <a:p>
             <a:r>
-              <a:rPr lang="en-US" altLang="ko-KR" dirty="0"/>
-              <a:t>Problem : </a:t>
-            </a:r>
-          </a:p>
-          <a:p>
-            <a:r>
-              <a:rPr lang="ko-KR" altLang="en-US" dirty="0"/>
-              <a:t>투표율 </a:t>
-            </a:r>
-            <a:r>
-              <a:rPr lang="en-US" altLang="ko-KR" dirty="0"/>
-              <a:t>10%</a:t>
-            </a:r>
-            <a:r>
-              <a:rPr lang="ko-KR" altLang="en-US" dirty="0"/>
-              <a:t>가 넘었을 시에는 글자를 흰색으로 하게 만들었는데</a:t>
+              <a:rPr lang="ko-KR" altLang="en-US" dirty="0"/>
+              <a:t>총학생회 선거 </a:t>
+            </a:r>
+            <a:r>
+              <a:rPr lang="en-US" altLang="ko-KR" dirty="0"/>
+              <a:t>1</a:t>
+            </a:r>
+            <a:r>
+              <a:rPr lang="ko-KR" altLang="en-US" dirty="0"/>
+              <a:t>개만 생성 후에 투표하고 나서 다시 </a:t>
+            </a:r>
+            <a:r>
+              <a:rPr lang="ko-KR" altLang="en-US" dirty="0" err="1"/>
+              <a:t>투표하려고하면</a:t>
             </a:r>
             <a:r>
               <a:rPr lang="en-US" altLang="ko-KR" dirty="0"/>
@@ -7006,42 +7190,8 @@
           <a:p>
             <a:r>
               <a:rPr lang="ko-KR" altLang="en-US" dirty="0"/>
-              <a:t>잘 보이지 않음</a:t>
-            </a:r>
-            <a:r>
-              <a:rPr lang="en-US" altLang="ko-KR" dirty="0"/>
-              <a:t>.</a:t>
-            </a:r>
-          </a:p>
-          <a:p>
-            <a:endParaRPr lang="en-US" altLang="ko-KR" dirty="0"/>
-          </a:p>
-          <a:p>
-            <a:r>
-              <a:rPr lang="en-US" altLang="ko-KR" dirty="0"/>
-              <a:t>Solution :</a:t>
-            </a:r>
-          </a:p>
-          <a:p>
-            <a:r>
-              <a:rPr lang="ko-KR" altLang="en-US" dirty="0"/>
-              <a:t>무조건 검은색으로 출력하도록 바꾸거나</a:t>
-            </a:r>
-            <a:r>
-              <a:rPr lang="en-US" altLang="ko-KR" dirty="0"/>
-              <a:t>,</a:t>
-            </a:r>
-          </a:p>
-          <a:p>
-            <a:r>
-              <a:rPr lang="ko-KR" altLang="en-US" dirty="0"/>
-              <a:t>파란색 배경과 회색 배경 모두에서 잘 보이는 글자색으로 변경하기</a:t>
-            </a:r>
-            <a:r>
-              <a:rPr lang="en-US" altLang="ko-KR" dirty="0"/>
-              <a:t>.</a:t>
-            </a:r>
-            <a:endParaRPr lang="ko-KR" altLang="en-US" dirty="0"/>
+              <a:t>투표할 수 있는 선거가 없기 때문에 아래와 같은 메시지 출력함</a:t>
+            </a:r>
           </a:p>
         </p:txBody>
       </p:sp>
@@ -7050,7 +7200,7 @@
           <p:cNvPr id="8" name="그림 7">
             <a:extLst>
               <a:ext uri="{FF2B5EF4-FFF2-40B4-BE49-F238E27FC236}">
-                <a16:creationId xmlns:a16="http://schemas.microsoft.com/office/drawing/2014/main" id="{D435482E-5673-4FCA-915A-B08D49BB21CF}"/>
+                <a16:creationId xmlns:a16="http://schemas.microsoft.com/office/drawing/2014/main" id="{20059B82-326E-4591-8DFA-B317DD667C97}"/>
               </a:ext>
             </a:extLst>
           </p:cNvPr>
@@ -7067,8 +7217,8 @@
         </p:blipFill>
         <p:spPr>
           <a:xfrm>
-            <a:off x="3856140" y="4342128"/>
-            <a:ext cx="3781425" cy="447675"/>
+            <a:off x="6861757" y="4208003"/>
+            <a:ext cx="4743450" cy="2343150"/>
           </a:xfrm>
           <a:prstGeom prst="rect">
             <a:avLst/>
@@ -7080,7 +7230,7 @@
           <p:cNvPr id="9" name="TextBox 8">
             <a:extLst>
               <a:ext uri="{FF2B5EF4-FFF2-40B4-BE49-F238E27FC236}">
-                <a16:creationId xmlns:a16="http://schemas.microsoft.com/office/drawing/2014/main" id="{4257F9AC-0A84-4F82-95C1-09B047B50E22}"/>
+                <a16:creationId xmlns:a16="http://schemas.microsoft.com/office/drawing/2014/main" id="{2B62D739-9617-4428-8265-A8A88B0F4DCB}"/>
               </a:ext>
             </a:extLst>
           </p:cNvPr>
@@ -7089,8 +7239,8 @@
         </p:nvSpPr>
         <p:spPr>
           <a:xfrm>
-            <a:off x="3767755" y="4939313"/>
-            <a:ext cx="7739619" cy="369332"/>
+            <a:off x="6546688" y="3561672"/>
+            <a:ext cx="5373587" cy="646331"/>
           </a:xfrm>
           <a:prstGeom prst="rect">
             <a:avLst/>
@@ -7104,57 +7254,35 @@
           <a:lstStyle/>
           <a:p>
             <a:r>
-              <a:rPr lang="ko-KR" altLang="en-US" dirty="0"/>
-              <a:t>재학생 수를 </a:t>
-            </a:r>
-            <a:r>
-              <a:rPr lang="en-US" altLang="ko-KR" dirty="0"/>
-              <a:t>10</a:t>
-            </a:r>
-            <a:r>
-              <a:rPr lang="ko-KR" altLang="en-US" dirty="0"/>
-              <a:t>명으로 </a:t>
-            </a:r>
-            <a:r>
-              <a:rPr lang="ko-KR" altLang="en-US" dirty="0" err="1"/>
-              <a:t>하드코딩하여</a:t>
-            </a:r>
-            <a:r>
-              <a:rPr lang="en-US" altLang="ko-KR" dirty="0"/>
-              <a:t>, 10</a:t>
-            </a:r>
-            <a:r>
-              <a:rPr lang="ko-KR" altLang="en-US" dirty="0"/>
-              <a:t>명 중 </a:t>
-            </a:r>
-            <a:r>
-              <a:rPr lang="en-US" altLang="ko-KR" dirty="0"/>
-              <a:t>2</a:t>
-            </a:r>
-            <a:r>
-              <a:rPr lang="ko-KR" altLang="en-US" dirty="0"/>
-              <a:t>명이 투표했으니 </a:t>
-            </a:r>
-            <a:r>
-              <a:rPr lang="en-US" altLang="ko-KR" dirty="0"/>
-              <a:t>20%</a:t>
-            </a:r>
-            <a:r>
-              <a:rPr lang="ko-KR" altLang="en-US" dirty="0"/>
-              <a:t>이다</a:t>
-            </a:r>
-            <a:r>
-              <a:rPr lang="en-US" altLang="ko-KR" dirty="0"/>
-              <a:t>.</a:t>
-            </a:r>
-            <a:endParaRPr lang="ko-KR" altLang="en-US" dirty="0"/>
+              <a:rPr lang="en-US" altLang="ko-KR" dirty="0"/>
+              <a:t>[</a:t>
+            </a:r>
+            <a:r>
+              <a:rPr lang="ko-KR" altLang="en-US" dirty="0"/>
+              <a:t>투표하기</a:t>
+            </a:r>
+            <a:r>
+              <a:rPr lang="en-US" altLang="ko-KR" dirty="0"/>
+              <a:t>] </a:t>
+            </a:r>
+            <a:r>
+              <a:rPr lang="ko-KR" altLang="en-US" dirty="0"/>
+              <a:t>버튼 아무리 눌러봐도 이미 투표한</a:t>
+            </a:r>
+            <a:endParaRPr lang="en-US" altLang="ko-KR" dirty="0"/>
+          </a:p>
+          <a:p>
+            <a:r>
+              <a:rPr lang="ko-KR" altLang="en-US" dirty="0"/>
+              <a:t>선거에 대한 투표용지는 생기지 않음을 볼 수 있음</a:t>
+            </a:r>
           </a:p>
         </p:txBody>
       </p:sp>
     </p:spTree>
     <p:extLst>
       <p:ext uri="{BB962C8B-B14F-4D97-AF65-F5344CB8AC3E}">
-        <p14:creationId xmlns:p14="http://schemas.microsoft.com/office/powerpoint/2010/main" val="1374890838"/>
+        <p14:creationId xmlns:p14="http://schemas.microsoft.com/office/powerpoint/2010/main" val="413954249"/>
       </p:ext>
     </p:extLst>
   </p:cSld>
@@ -7186,7 +7314,7 @@
           <p:cNvPr id="2" name="제목 1">
             <a:extLst>
               <a:ext uri="{FF2B5EF4-FFF2-40B4-BE49-F238E27FC236}">
-                <a16:creationId xmlns:a16="http://schemas.microsoft.com/office/drawing/2014/main" id="{A204C04D-52DD-4D14-8C6D-B39ED4F52BCE}"/>
+                <a16:creationId xmlns:a16="http://schemas.microsoft.com/office/drawing/2014/main" id="{BFDAE3E0-C032-4C07-B647-29FCBFE8337C}"/>
               </a:ext>
             </a:extLst>
           </p:cNvPr>
@@ -7200,102 +7328,79 @@
         <p:spPr/>
         <p:txBody>
           <a:bodyPr>
-            <a:normAutofit fontScale="90000"/>
+            <a:normAutofit/>
           </a:bodyPr>
           <a:lstStyle/>
           <a:p>
             <a:r>
-              <a:rPr lang="ko-KR" altLang="en-US" dirty="0"/>
+              <a:rPr lang="ko-KR" altLang="en-US" sz="4400" dirty="0"/>
               <a:t>시나리오</a:t>
             </a:r>
             <a:r>
-              <a:rPr lang="en-US" altLang="ko-KR" dirty="0"/>
-              <a:t># : </a:t>
-            </a:r>
-            <a:r>
-              <a:rPr lang="ko-KR" altLang="en-US" dirty="0"/>
-              <a:t>후보자 </a:t>
-            </a:r>
-            <a:r>
-              <a:rPr lang="en-US" altLang="ko-KR" dirty="0"/>
-              <a:t>1</a:t>
-            </a:r>
-            <a:r>
-              <a:rPr lang="ko-KR" altLang="en-US" dirty="0"/>
-              <a:t>개인 선거가 하나가 생성된 상태로</a:t>
-            </a:r>
-            <a:r>
-              <a:rPr lang="en-US" altLang="ko-KR" dirty="0"/>
-              <a:t>, </a:t>
-            </a:r>
-            <a:r>
-              <a:rPr lang="ko-KR" altLang="en-US" dirty="0"/>
-              <a:t>학생</a:t>
-            </a:r>
-            <a:r>
-              <a:rPr lang="en-US" altLang="ko-KR" dirty="0"/>
-              <a:t>3</a:t>
-            </a:r>
-            <a:r>
-              <a:rPr lang="ko-KR" altLang="en-US" dirty="0"/>
-              <a:t>이 </a:t>
-            </a:r>
-            <a:br>
-              <a:rPr lang="en-US" altLang="ko-KR" dirty="0"/>
-            </a:br>
-            <a:r>
-              <a:rPr lang="en-US" altLang="ko-KR" dirty="0"/>
+              <a:rPr lang="en-US" altLang="ko-KR" sz="4400" dirty="0"/>
+              <a:t>#13 : </a:t>
+            </a:r>
+            <a:r>
+              <a:rPr lang="ko-KR" altLang="en-US" sz="4400" dirty="0"/>
+              <a:t>시나리오</a:t>
+            </a:r>
+            <a:r>
+              <a:rPr lang="en-US" altLang="ko-KR" sz="4400" dirty="0"/>
+              <a:t>#12 </a:t>
+            </a:r>
+            <a:r>
+              <a:rPr lang="ko-KR" altLang="en-US" sz="4400" dirty="0"/>
+              <a:t>수행 후 관리자가 </a:t>
+            </a:r>
+            <a:r>
+              <a:rPr lang="en-US" altLang="ko-KR" sz="4400" dirty="0"/>
               <a:t>[</a:t>
             </a:r>
             <a:r>
-              <a:rPr lang="ko-KR" altLang="en-US" dirty="0"/>
-              <a:t>투표하기</a:t>
-            </a:r>
-            <a:r>
-              <a:rPr lang="en-US" altLang="ko-KR" dirty="0"/>
-              <a:t>] -&gt; [</a:t>
-            </a:r>
-            <a:r>
-              <a:rPr lang="ko-KR" altLang="en-US" dirty="0"/>
-              <a:t>기권에 투표</a:t>
-            </a:r>
-            <a:r>
-              <a:rPr lang="en-US" altLang="ko-KR" dirty="0"/>
+              <a:rPr lang="ko-KR" altLang="en-US" sz="4400" dirty="0"/>
+              <a:t>투표율확인</a:t>
+            </a:r>
+            <a:r>
+              <a:rPr lang="en-US" altLang="ko-KR" sz="4400" dirty="0"/>
               <a:t>]</a:t>
             </a:r>
             <a:endParaRPr lang="ko-KR" altLang="en-US" dirty="0"/>
           </a:p>
         </p:txBody>
       </p:sp>
-      <p:sp>
-        <p:nvSpPr>
-          <p:cNvPr id="3" name="내용 개체 틀 2">
-            <a:extLst>
-              <a:ext uri="{FF2B5EF4-FFF2-40B4-BE49-F238E27FC236}">
-                <a16:creationId xmlns:a16="http://schemas.microsoft.com/office/drawing/2014/main" id="{64AB330E-0D44-45F2-8D58-377F16396A95}"/>
-              </a:ext>
-            </a:extLst>
-          </p:cNvPr>
-          <p:cNvSpPr>
-            <a:spLocks noGrp="1"/>
-          </p:cNvSpPr>
+      <p:pic>
+        <p:nvPicPr>
+          <p:cNvPr id="5" name="내용 개체 틀 4">
+            <a:extLst>
+              <a:ext uri="{FF2B5EF4-FFF2-40B4-BE49-F238E27FC236}">
+                <a16:creationId xmlns:a16="http://schemas.microsoft.com/office/drawing/2014/main" id="{283F0B46-FAEE-4378-AAAF-CBA640DF204C}"/>
+              </a:ext>
+            </a:extLst>
+          </p:cNvPr>
+          <p:cNvPicPr>
+            <a:picLocks noGrp="1" noChangeAspect="1"/>
+          </p:cNvPicPr>
           <p:nvPr>
             <p:ph idx="1"/>
           </p:nvPr>
-        </p:nvSpPr>
-        <p:spPr/>
-        <p:txBody>
-          <a:bodyPr/>
-          <a:lstStyle/>
-          <a:p>
-            <a:endParaRPr lang="ko-KR" altLang="en-US"/>
-          </a:p>
-        </p:txBody>
-      </p:sp>
+        </p:nvPicPr>
+        <p:blipFill>
+          <a:blip r:embed="rId2"/>
+          <a:stretch>
+            <a:fillRect/>
+          </a:stretch>
+        </p:blipFill>
+        <p:spPr>
+          <a:xfrm>
+            <a:off x="4784147" y="1825625"/>
+            <a:ext cx="2623706" cy="4351338"/>
+          </a:xfrm>
+        </p:spPr>
+      </p:pic>
     </p:spTree>
     <p:extLst>
       <p:ext uri="{BB962C8B-B14F-4D97-AF65-F5344CB8AC3E}">
-        <p14:creationId xmlns:p14="http://schemas.microsoft.com/office/powerpoint/2010/main" val="4279756462"/>
+        <p14:creationId xmlns:p14="http://schemas.microsoft.com/office/powerpoint/2010/main" val="719904951"/>
       </p:ext>
     </p:extLst>
   </p:cSld>
@@ -7327,6 +7432,722 @@
           <p:cNvPr id="2" name="제목 1">
             <a:extLst>
               <a:ext uri="{FF2B5EF4-FFF2-40B4-BE49-F238E27FC236}">
+                <a16:creationId xmlns:a16="http://schemas.microsoft.com/office/drawing/2014/main" id="{132C9F91-980E-468D-B7FA-9E8A6E024BB6}"/>
+              </a:ext>
+            </a:extLst>
+          </p:cNvPr>
+          <p:cNvSpPr>
+            <a:spLocks noGrp="1"/>
+          </p:cNvSpPr>
+          <p:nvPr>
+            <p:ph type="title"/>
+          </p:nvPr>
+        </p:nvSpPr>
+        <p:spPr/>
+        <p:txBody>
+          <a:bodyPr>
+            <a:noAutofit/>
+          </a:bodyPr>
+          <a:lstStyle/>
+          <a:p>
+            <a:r>
+              <a:rPr lang="ko-KR" altLang="en-US" sz="3600" dirty="0"/>
+              <a:t>시나리오</a:t>
+            </a:r>
+            <a:r>
+              <a:rPr lang="en-US" altLang="ko-KR" sz="3600" dirty="0"/>
+              <a:t>#14 : </a:t>
+            </a:r>
+            <a:r>
+              <a:rPr lang="ko-KR" altLang="en-US" sz="3600" dirty="0"/>
+              <a:t>후보자 </a:t>
+            </a:r>
+            <a:r>
+              <a:rPr lang="en-US" altLang="ko-KR" sz="3600" dirty="0"/>
+              <a:t>1</a:t>
+            </a:r>
+            <a:r>
+              <a:rPr lang="ko-KR" altLang="en-US" sz="3600" dirty="0"/>
+              <a:t>개인 선거가 하나가 생성된 상태로</a:t>
+            </a:r>
+            <a:r>
+              <a:rPr lang="en-US" altLang="ko-KR" sz="3600" dirty="0"/>
+              <a:t>, </a:t>
+            </a:r>
+            <a:r>
+              <a:rPr lang="ko-KR" altLang="en-US" sz="3600" dirty="0"/>
+              <a:t>학생</a:t>
+            </a:r>
+            <a:r>
+              <a:rPr lang="en-US" altLang="ko-KR" sz="3600" dirty="0"/>
+              <a:t>2</a:t>
+            </a:r>
+            <a:r>
+              <a:rPr lang="ko-KR" altLang="en-US" sz="3600" dirty="0"/>
+              <a:t>이 </a:t>
+            </a:r>
+            <a:r>
+              <a:rPr lang="en-US" altLang="ko-KR" sz="3600" dirty="0"/>
+              <a:t>[</a:t>
+            </a:r>
+            <a:r>
+              <a:rPr lang="ko-KR" altLang="en-US" sz="3600" dirty="0"/>
+              <a:t>투표하기</a:t>
+            </a:r>
+            <a:r>
+              <a:rPr lang="en-US" altLang="ko-KR" sz="3600" dirty="0"/>
+              <a:t>] -&gt; [</a:t>
+            </a:r>
+            <a:r>
+              <a:rPr lang="ko-KR" altLang="en-US" sz="3600" dirty="0"/>
+              <a:t>기권에 투표</a:t>
+            </a:r>
+            <a:r>
+              <a:rPr lang="en-US" altLang="ko-KR" sz="3600" dirty="0"/>
+              <a:t>] -&gt; [</a:t>
+            </a:r>
+            <a:r>
+              <a:rPr lang="ko-KR" altLang="en-US" sz="3600" dirty="0"/>
+              <a:t>투표하기</a:t>
+            </a:r>
+            <a:r>
+              <a:rPr lang="en-US" altLang="ko-KR" sz="3600" dirty="0"/>
+              <a:t>] </a:t>
+            </a:r>
+            <a:r>
+              <a:rPr lang="ko-KR" altLang="en-US" sz="3600" dirty="0"/>
+              <a:t>시 관리자가 </a:t>
+            </a:r>
+            <a:r>
+              <a:rPr lang="en-US" altLang="ko-KR" sz="3600" dirty="0"/>
+              <a:t>[</a:t>
+            </a:r>
+            <a:r>
+              <a:rPr lang="ko-KR" altLang="en-US" sz="3600" dirty="0"/>
+              <a:t>투표율확인</a:t>
+            </a:r>
+            <a:r>
+              <a:rPr lang="en-US" altLang="ko-KR" sz="3600" dirty="0"/>
+              <a:t>]</a:t>
+            </a:r>
+            <a:endParaRPr lang="ko-KR" altLang="en-US" sz="3600" dirty="0"/>
+          </a:p>
+        </p:txBody>
+      </p:sp>
+      <p:pic>
+        <p:nvPicPr>
+          <p:cNvPr id="5" name="내용 개체 틀 4">
+            <a:extLst>
+              <a:ext uri="{FF2B5EF4-FFF2-40B4-BE49-F238E27FC236}">
+                <a16:creationId xmlns:a16="http://schemas.microsoft.com/office/drawing/2014/main" id="{17088458-BFD6-4774-9EE7-8C0BF90FCCD8}"/>
+              </a:ext>
+            </a:extLst>
+          </p:cNvPr>
+          <p:cNvPicPr>
+            <a:picLocks noGrp="1" noChangeAspect="1"/>
+          </p:cNvPicPr>
+          <p:nvPr>
+            <p:ph idx="1"/>
+          </p:nvPr>
+        </p:nvPicPr>
+        <p:blipFill>
+          <a:blip r:embed="rId2"/>
+          <a:stretch>
+            <a:fillRect/>
+          </a:stretch>
+        </p:blipFill>
+        <p:spPr>
+          <a:xfrm>
+            <a:off x="838200" y="1976627"/>
+            <a:ext cx="2620939" cy="4351338"/>
+          </a:xfrm>
+        </p:spPr>
+      </p:pic>
+      <p:sp>
+        <p:nvSpPr>
+          <p:cNvPr id="6" name="TextBox 5">
+            <a:extLst>
+              <a:ext uri="{FF2B5EF4-FFF2-40B4-BE49-F238E27FC236}">
+                <a16:creationId xmlns:a16="http://schemas.microsoft.com/office/drawing/2014/main" id="{CB2E207E-8EAC-4CD8-AB7E-547943EE2752}"/>
+              </a:ext>
+            </a:extLst>
+          </p:cNvPr>
+          <p:cNvSpPr txBox="1"/>
+          <p:nvPr/>
+        </p:nvSpPr>
+        <p:spPr>
+          <a:xfrm>
+            <a:off x="3842158" y="1976627"/>
+            <a:ext cx="7122463" cy="2031325"/>
+          </a:xfrm>
+          <a:prstGeom prst="rect">
+            <a:avLst/>
+          </a:prstGeom>
+          <a:noFill/>
+        </p:spPr>
+        <p:txBody>
+          <a:bodyPr wrap="none" rtlCol="0">
+            <a:spAutoFit/>
+          </a:bodyPr>
+          <a:lstStyle/>
+          <a:p>
+            <a:r>
+              <a:rPr lang="en-US" altLang="ko-KR" dirty="0"/>
+              <a:t>Problem : </a:t>
+            </a:r>
+          </a:p>
+          <a:p>
+            <a:r>
+              <a:rPr lang="ko-KR" altLang="en-US" dirty="0"/>
+              <a:t>투표율 </a:t>
+            </a:r>
+            <a:r>
+              <a:rPr lang="en-US" altLang="ko-KR" dirty="0"/>
+              <a:t>10%</a:t>
+            </a:r>
+            <a:r>
+              <a:rPr lang="ko-KR" altLang="en-US" dirty="0"/>
+              <a:t>가 넘었을 시에는 글자를 흰색으로 하게 만들었는데</a:t>
+            </a:r>
+            <a:r>
+              <a:rPr lang="en-US" altLang="ko-KR" dirty="0"/>
+              <a:t>,</a:t>
+            </a:r>
+          </a:p>
+          <a:p>
+            <a:r>
+              <a:rPr lang="ko-KR" altLang="en-US" dirty="0"/>
+              <a:t>잘 보이지 않음</a:t>
+            </a:r>
+            <a:r>
+              <a:rPr lang="en-US" altLang="ko-KR" dirty="0"/>
+              <a:t>.</a:t>
+            </a:r>
+          </a:p>
+          <a:p>
+            <a:endParaRPr lang="en-US" altLang="ko-KR" dirty="0"/>
+          </a:p>
+          <a:p>
+            <a:r>
+              <a:rPr lang="en-US" altLang="ko-KR" dirty="0"/>
+              <a:t>Solution :</a:t>
+            </a:r>
+          </a:p>
+          <a:p>
+            <a:r>
+              <a:rPr lang="ko-KR" altLang="en-US" dirty="0"/>
+              <a:t>무조건 검은색으로 출력하도록 바꾸거나</a:t>
+            </a:r>
+            <a:r>
+              <a:rPr lang="en-US" altLang="ko-KR" dirty="0"/>
+              <a:t>,</a:t>
+            </a:r>
+          </a:p>
+          <a:p>
+            <a:r>
+              <a:rPr lang="ko-KR" altLang="en-US" dirty="0"/>
+              <a:t>파란색 배경과 회색 배경 모두에서 잘 보이는 글자색으로 변경하기</a:t>
+            </a:r>
+            <a:r>
+              <a:rPr lang="en-US" altLang="ko-KR" dirty="0"/>
+              <a:t>.</a:t>
+            </a:r>
+            <a:endParaRPr lang="ko-KR" altLang="en-US" dirty="0"/>
+          </a:p>
+        </p:txBody>
+      </p:sp>
+      <p:pic>
+        <p:nvPicPr>
+          <p:cNvPr id="8" name="그림 7">
+            <a:extLst>
+              <a:ext uri="{FF2B5EF4-FFF2-40B4-BE49-F238E27FC236}">
+                <a16:creationId xmlns:a16="http://schemas.microsoft.com/office/drawing/2014/main" id="{D435482E-5673-4FCA-915A-B08D49BB21CF}"/>
+              </a:ext>
+            </a:extLst>
+          </p:cNvPr>
+          <p:cNvPicPr>
+            <a:picLocks noChangeAspect="1"/>
+          </p:cNvPicPr>
+          <p:nvPr/>
+        </p:nvPicPr>
+        <p:blipFill>
+          <a:blip r:embed="rId3"/>
+          <a:stretch>
+            <a:fillRect/>
+          </a:stretch>
+        </p:blipFill>
+        <p:spPr>
+          <a:xfrm>
+            <a:off x="3856140" y="4342128"/>
+            <a:ext cx="3781425" cy="447675"/>
+          </a:xfrm>
+          <a:prstGeom prst="rect">
+            <a:avLst/>
+          </a:prstGeom>
+        </p:spPr>
+      </p:pic>
+      <p:sp>
+        <p:nvSpPr>
+          <p:cNvPr id="9" name="TextBox 8">
+            <a:extLst>
+              <a:ext uri="{FF2B5EF4-FFF2-40B4-BE49-F238E27FC236}">
+                <a16:creationId xmlns:a16="http://schemas.microsoft.com/office/drawing/2014/main" id="{4257F9AC-0A84-4F82-95C1-09B047B50E22}"/>
+              </a:ext>
+            </a:extLst>
+          </p:cNvPr>
+          <p:cNvSpPr txBox="1"/>
+          <p:nvPr/>
+        </p:nvSpPr>
+        <p:spPr>
+          <a:xfrm>
+            <a:off x="3767755" y="4939313"/>
+            <a:ext cx="7739619" cy="369332"/>
+          </a:xfrm>
+          <a:prstGeom prst="rect">
+            <a:avLst/>
+          </a:prstGeom>
+          <a:noFill/>
+        </p:spPr>
+        <p:txBody>
+          <a:bodyPr wrap="none" rtlCol="0">
+            <a:spAutoFit/>
+          </a:bodyPr>
+          <a:lstStyle/>
+          <a:p>
+            <a:r>
+              <a:rPr lang="ko-KR" altLang="en-US" dirty="0"/>
+              <a:t>재학생 수를 </a:t>
+            </a:r>
+            <a:r>
+              <a:rPr lang="en-US" altLang="ko-KR" dirty="0"/>
+              <a:t>10</a:t>
+            </a:r>
+            <a:r>
+              <a:rPr lang="ko-KR" altLang="en-US" dirty="0"/>
+              <a:t>명으로 </a:t>
+            </a:r>
+            <a:r>
+              <a:rPr lang="ko-KR" altLang="en-US" dirty="0" err="1"/>
+              <a:t>하드코딩하여</a:t>
+            </a:r>
+            <a:r>
+              <a:rPr lang="en-US" altLang="ko-KR" dirty="0"/>
+              <a:t>, 10</a:t>
+            </a:r>
+            <a:r>
+              <a:rPr lang="ko-KR" altLang="en-US" dirty="0"/>
+              <a:t>명 중 </a:t>
+            </a:r>
+            <a:r>
+              <a:rPr lang="en-US" altLang="ko-KR" dirty="0"/>
+              <a:t>2</a:t>
+            </a:r>
+            <a:r>
+              <a:rPr lang="ko-KR" altLang="en-US" dirty="0"/>
+              <a:t>명이 투표했으니 </a:t>
+            </a:r>
+            <a:r>
+              <a:rPr lang="en-US" altLang="ko-KR" dirty="0"/>
+              <a:t>20%</a:t>
+            </a:r>
+            <a:r>
+              <a:rPr lang="ko-KR" altLang="en-US" dirty="0"/>
+              <a:t>이다</a:t>
+            </a:r>
+            <a:r>
+              <a:rPr lang="en-US" altLang="ko-KR" dirty="0"/>
+              <a:t>.</a:t>
+            </a:r>
+            <a:endParaRPr lang="ko-KR" altLang="en-US" dirty="0"/>
+          </a:p>
+        </p:txBody>
+      </p:sp>
+    </p:spTree>
+    <p:extLst>
+      <p:ext uri="{BB962C8B-B14F-4D97-AF65-F5344CB8AC3E}">
+        <p14:creationId xmlns:p14="http://schemas.microsoft.com/office/powerpoint/2010/main" val="1374890838"/>
+      </p:ext>
+    </p:extLst>
+  </p:cSld>
+  <p:clrMapOvr>
+    <a:masterClrMapping/>
+  </p:clrMapOvr>
+</p:sld>
+</file>
+
+<file path=ppt/slides/slide25.xml><?xml version="1.0" encoding="utf-8"?>
+<p:sld xmlns:a="http://schemas.openxmlformats.org/drawingml/2006/main" xmlns:r="http://schemas.openxmlformats.org/officeDocument/2006/relationships" xmlns:p="http://schemas.openxmlformats.org/presentationml/2006/main">
+  <p:cSld>
+    <p:spTree>
+      <p:nvGrpSpPr>
+        <p:cNvPr id="1" name=""/>
+        <p:cNvGrpSpPr/>
+        <p:nvPr/>
+      </p:nvGrpSpPr>
+      <p:grpSpPr>
+        <a:xfrm>
+          <a:off x="0" y="0"/>
+          <a:ext cx="0" cy="0"/>
+          <a:chOff x="0" y="0"/>
+          <a:chExt cx="0" cy="0"/>
+        </a:xfrm>
+      </p:grpSpPr>
+      <p:sp>
+        <p:nvSpPr>
+          <p:cNvPr id="2" name="제목 1">
+            <a:extLst>
+              <a:ext uri="{FF2B5EF4-FFF2-40B4-BE49-F238E27FC236}">
+                <a16:creationId xmlns:a16="http://schemas.microsoft.com/office/drawing/2014/main" id="{55A07995-4B55-4E5B-B126-EEC325DAEDEC}"/>
+              </a:ext>
+            </a:extLst>
+          </p:cNvPr>
+          <p:cNvSpPr>
+            <a:spLocks noGrp="1"/>
+          </p:cNvSpPr>
+          <p:nvPr>
+            <p:ph type="title"/>
+          </p:nvPr>
+        </p:nvSpPr>
+        <p:spPr/>
+        <p:txBody>
+          <a:bodyPr/>
+          <a:lstStyle/>
+          <a:p>
+            <a:r>
+              <a:rPr lang="en-US" altLang="ko-KR" dirty="0"/>
+              <a:t>Testcase #1 </a:t>
+            </a:r>
+            <a:r>
+              <a:rPr lang="ko-KR" altLang="en-US" dirty="0"/>
+              <a:t>중단</a:t>
+            </a:r>
+          </a:p>
+        </p:txBody>
+      </p:sp>
+      <p:sp>
+        <p:nvSpPr>
+          <p:cNvPr id="3" name="내용 개체 틀 2">
+            <a:extLst>
+              <a:ext uri="{FF2B5EF4-FFF2-40B4-BE49-F238E27FC236}">
+                <a16:creationId xmlns:a16="http://schemas.microsoft.com/office/drawing/2014/main" id="{3E1B81B2-EFA5-41AA-9476-27ED05052D8F}"/>
+              </a:ext>
+            </a:extLst>
+          </p:cNvPr>
+          <p:cNvSpPr>
+            <a:spLocks noGrp="1"/>
+          </p:cNvSpPr>
+          <p:nvPr>
+            <p:ph idx="1"/>
+          </p:nvPr>
+        </p:nvSpPr>
+        <p:spPr/>
+        <p:txBody>
+          <a:bodyPr/>
+          <a:lstStyle/>
+          <a:p>
+            <a:r>
+              <a:rPr lang="ko-KR" altLang="en-US" dirty="0"/>
+              <a:t>중단 사유</a:t>
+            </a:r>
+            <a:r>
+              <a:rPr lang="en-US" altLang="ko-KR" dirty="0"/>
+              <a:t>: wallet</a:t>
+            </a:r>
+            <a:r>
+              <a:rPr lang="ko-KR" altLang="en-US" dirty="0"/>
+              <a:t>에 신규 사용자 등록 시 </a:t>
+            </a:r>
+            <a:r>
+              <a:rPr lang="en-US" altLang="ko-KR" dirty="0"/>
+              <a:t>base64 </a:t>
+            </a:r>
+            <a:r>
+              <a:rPr lang="ko-KR" altLang="en-US" dirty="0"/>
+              <a:t>인코딩으로 인해 특수문자 </a:t>
+            </a:r>
+            <a:r>
+              <a:rPr lang="en-US" altLang="ko-KR" dirty="0"/>
+              <a:t>‘/’</a:t>
+            </a:r>
+            <a:r>
+              <a:rPr lang="ko-KR" altLang="en-US" dirty="0"/>
+              <a:t>가 들어갈 경우</a:t>
+            </a:r>
+            <a:r>
+              <a:rPr lang="en-US" altLang="ko-KR" dirty="0"/>
+              <a:t>, </a:t>
+            </a:r>
+            <a:r>
+              <a:rPr lang="en-US" altLang="ko-KR" dirty="0" err="1"/>
+              <a:t>walletid</a:t>
+            </a:r>
+            <a:r>
+              <a:rPr lang="ko-KR" altLang="en-US" dirty="0"/>
+              <a:t>가 생성되지 않는 오류 발생함</a:t>
+            </a:r>
+            <a:r>
+              <a:rPr lang="en-US" altLang="ko-KR" dirty="0"/>
+              <a:t>. </a:t>
+            </a:r>
+          </a:p>
+          <a:p>
+            <a:r>
+              <a:rPr lang="ko-KR" altLang="en-US" dirty="0"/>
+              <a:t>하여</a:t>
+            </a:r>
+            <a:r>
+              <a:rPr lang="en-US" altLang="ko-KR" dirty="0"/>
+              <a:t>, </a:t>
+            </a:r>
+            <a:r>
+              <a:rPr lang="en-US" altLang="ko-KR" dirty="0" err="1"/>
+              <a:t>walletid</a:t>
+            </a:r>
+            <a:r>
+              <a:rPr lang="en-US" altLang="ko-KR" dirty="0"/>
+              <a:t> </a:t>
+            </a:r>
+            <a:r>
+              <a:rPr lang="ko-KR" altLang="en-US" dirty="0"/>
+              <a:t>생성 방법을 </a:t>
+            </a:r>
+            <a:r>
+              <a:rPr lang="en-US" altLang="ko-KR" dirty="0"/>
+              <a:t>base64 </a:t>
+            </a:r>
+            <a:r>
+              <a:rPr lang="ko-KR" altLang="en-US" dirty="0"/>
+              <a:t>인코딩하지 않고 </a:t>
+            </a:r>
+            <a:r>
+              <a:rPr lang="en-US" altLang="ko-KR" dirty="0"/>
+              <a:t>hex </a:t>
+            </a:r>
+            <a:r>
+              <a:rPr lang="ko-KR" altLang="en-US" dirty="0"/>
+              <a:t>그대로 사용하는 것으로 변경</a:t>
+            </a:r>
+            <a:endParaRPr lang="en-US" altLang="ko-KR" dirty="0"/>
+          </a:p>
+          <a:p>
+            <a:r>
+              <a:rPr lang="en-US" altLang="ko-KR" dirty="0"/>
+              <a:t>Teardown network </a:t>
+            </a:r>
+            <a:r>
+              <a:rPr lang="ko-KR" altLang="en-US" dirty="0"/>
+              <a:t>후 다시 </a:t>
+            </a:r>
+            <a:r>
+              <a:rPr lang="en-US" altLang="ko-KR" dirty="0"/>
+              <a:t>testcase#1 </a:t>
+            </a:r>
+            <a:r>
+              <a:rPr lang="ko-KR" altLang="en-US" dirty="0"/>
+              <a:t>시도할 예정</a:t>
+            </a:r>
+            <a:r>
+              <a:rPr lang="en-US" altLang="ko-KR" dirty="0"/>
+              <a:t>.</a:t>
+            </a:r>
+          </a:p>
+          <a:p>
+            <a:r>
+              <a:rPr lang="ko-KR" altLang="en-US" dirty="0"/>
+              <a:t>이전 시나리오와 동일하게 </a:t>
+            </a:r>
+            <a:r>
+              <a:rPr lang="en-US" altLang="ko-KR" dirty="0"/>
+              <a:t>test </a:t>
+            </a:r>
+            <a:r>
+              <a:rPr lang="ko-KR" altLang="en-US" dirty="0"/>
+              <a:t>후 아래 시나리오로 이어서 진행될 예정임</a:t>
+            </a:r>
+            <a:r>
+              <a:rPr lang="en-US" altLang="ko-KR" dirty="0"/>
+              <a:t>.</a:t>
+            </a:r>
+            <a:endParaRPr lang="ko-KR" altLang="en-US" dirty="0"/>
+          </a:p>
+        </p:txBody>
+      </p:sp>
+    </p:spTree>
+    <p:extLst>
+      <p:ext uri="{BB962C8B-B14F-4D97-AF65-F5344CB8AC3E}">
+        <p14:creationId xmlns:p14="http://schemas.microsoft.com/office/powerpoint/2010/main" val="841609758"/>
+      </p:ext>
+    </p:extLst>
+  </p:cSld>
+  <p:clrMapOvr>
+    <a:masterClrMapping/>
+  </p:clrMapOvr>
+</p:sld>
+</file>
+
+<file path=ppt/slides/slide26.xml><?xml version="1.0" encoding="utf-8"?>
+<p:sld xmlns:a="http://schemas.openxmlformats.org/drawingml/2006/main" xmlns:r="http://schemas.openxmlformats.org/officeDocument/2006/relationships" xmlns:p="http://schemas.openxmlformats.org/presentationml/2006/main">
+  <p:cSld>
+    <p:spTree>
+      <p:nvGrpSpPr>
+        <p:cNvPr id="1" name=""/>
+        <p:cNvGrpSpPr/>
+        <p:nvPr/>
+      </p:nvGrpSpPr>
+      <p:grpSpPr>
+        <a:xfrm>
+          <a:off x="0" y="0"/>
+          <a:ext cx="0" cy="0"/>
+          <a:chOff x="0" y="0"/>
+          <a:chExt cx="0" cy="0"/>
+        </a:xfrm>
+      </p:grpSpPr>
+      <p:sp>
+        <p:nvSpPr>
+          <p:cNvPr id="2" name="제목 1">
+            <a:extLst>
+              <a:ext uri="{FF2B5EF4-FFF2-40B4-BE49-F238E27FC236}">
+                <a16:creationId xmlns:a16="http://schemas.microsoft.com/office/drawing/2014/main" id="{A204C04D-52DD-4D14-8C6D-B39ED4F52BCE}"/>
+              </a:ext>
+            </a:extLst>
+          </p:cNvPr>
+          <p:cNvSpPr>
+            <a:spLocks noGrp="1"/>
+          </p:cNvSpPr>
+          <p:nvPr>
+            <p:ph type="title"/>
+          </p:nvPr>
+        </p:nvSpPr>
+        <p:spPr/>
+        <p:txBody>
+          <a:bodyPr>
+            <a:normAutofit fontScale="90000"/>
+          </a:bodyPr>
+          <a:lstStyle/>
+          <a:p>
+            <a:r>
+              <a:rPr lang="ko-KR" altLang="en-US" dirty="0"/>
+              <a:t>시나리오</a:t>
+            </a:r>
+            <a:r>
+              <a:rPr lang="en-US" altLang="ko-KR" dirty="0"/>
+              <a:t>#15 : </a:t>
+            </a:r>
+            <a:r>
+              <a:rPr lang="ko-KR" altLang="en-US" dirty="0"/>
+              <a:t>후보자 </a:t>
+            </a:r>
+            <a:r>
+              <a:rPr lang="en-US" altLang="ko-KR" dirty="0"/>
+              <a:t>1</a:t>
+            </a:r>
+            <a:r>
+              <a:rPr lang="ko-KR" altLang="en-US" dirty="0"/>
+              <a:t>개인 선거가 하나가 생성된 상태로</a:t>
+            </a:r>
+            <a:r>
+              <a:rPr lang="en-US" altLang="ko-KR" dirty="0"/>
+              <a:t>, </a:t>
+            </a:r>
+            <a:r>
+              <a:rPr lang="ko-KR" altLang="en-US" dirty="0"/>
+              <a:t>학생</a:t>
+            </a:r>
+            <a:r>
+              <a:rPr lang="en-US" altLang="ko-KR" dirty="0"/>
+              <a:t>3</a:t>
+            </a:r>
+            <a:r>
+              <a:rPr lang="ko-KR" altLang="en-US" dirty="0"/>
+              <a:t>이 </a:t>
+            </a:r>
+            <a:br>
+              <a:rPr lang="en-US" altLang="ko-KR" dirty="0"/>
+            </a:br>
+            <a:r>
+              <a:rPr lang="en-US" altLang="ko-KR" dirty="0"/>
+              <a:t>[</a:t>
+            </a:r>
+            <a:r>
+              <a:rPr lang="ko-KR" altLang="en-US" dirty="0"/>
+              <a:t>투표하기</a:t>
+            </a:r>
+            <a:r>
+              <a:rPr lang="en-US" altLang="ko-KR" dirty="0"/>
+              <a:t>] -&gt; [</a:t>
+            </a:r>
+            <a:r>
+              <a:rPr lang="ko-KR" altLang="en-US" dirty="0"/>
+              <a:t>기권에 투표</a:t>
+            </a:r>
+            <a:r>
+              <a:rPr lang="en-US" altLang="ko-KR" dirty="0"/>
+              <a:t>]</a:t>
+            </a:r>
+            <a:endParaRPr lang="ko-KR" altLang="en-US" dirty="0"/>
+          </a:p>
+        </p:txBody>
+      </p:sp>
+      <p:sp>
+        <p:nvSpPr>
+          <p:cNvPr id="3" name="내용 개체 틀 2">
+            <a:extLst>
+              <a:ext uri="{FF2B5EF4-FFF2-40B4-BE49-F238E27FC236}">
+                <a16:creationId xmlns:a16="http://schemas.microsoft.com/office/drawing/2014/main" id="{64AB330E-0D44-45F2-8D58-377F16396A95}"/>
+              </a:ext>
+            </a:extLst>
+          </p:cNvPr>
+          <p:cNvSpPr>
+            <a:spLocks noGrp="1"/>
+          </p:cNvSpPr>
+          <p:nvPr>
+            <p:ph idx="1"/>
+          </p:nvPr>
+        </p:nvSpPr>
+        <p:spPr/>
+        <p:txBody>
+          <a:bodyPr/>
+          <a:lstStyle/>
+          <a:p>
+            <a:endParaRPr lang="ko-KR" altLang="en-US" dirty="0"/>
+          </a:p>
+        </p:txBody>
+      </p:sp>
+    </p:spTree>
+    <p:extLst>
+      <p:ext uri="{BB962C8B-B14F-4D97-AF65-F5344CB8AC3E}">
+        <p14:creationId xmlns:p14="http://schemas.microsoft.com/office/powerpoint/2010/main" val="4279756462"/>
+      </p:ext>
+    </p:extLst>
+  </p:cSld>
+  <p:clrMapOvr>
+    <a:masterClrMapping/>
+  </p:clrMapOvr>
+</p:sld>
+</file>
+
+<file path=ppt/slides/slide27.xml><?xml version="1.0" encoding="utf-8"?>
+<p:sld xmlns:a="http://schemas.openxmlformats.org/drawingml/2006/main" xmlns:r="http://schemas.openxmlformats.org/officeDocument/2006/relationships" xmlns:p="http://schemas.openxmlformats.org/presentationml/2006/main">
+  <p:cSld>
+    <p:spTree>
+      <p:nvGrpSpPr>
+        <p:cNvPr id="1" name=""/>
+        <p:cNvGrpSpPr/>
+        <p:nvPr/>
+      </p:nvGrpSpPr>
+      <p:grpSpPr>
+        <a:xfrm>
+          <a:off x="0" y="0"/>
+          <a:ext cx="0" cy="0"/>
+          <a:chOff x="0" y="0"/>
+          <a:chExt cx="0" cy="0"/>
+        </a:xfrm>
+      </p:grpSpPr>
+      <p:sp>
+        <p:nvSpPr>
+          <p:cNvPr id="2" name="제목 1">
+            <a:extLst>
+              <a:ext uri="{FF2B5EF4-FFF2-40B4-BE49-F238E27FC236}">
                 <a16:creationId xmlns:a16="http://schemas.microsoft.com/office/drawing/2014/main" id="{325788A1-6978-4EED-8E81-28E9D8A9B276}"/>
               </a:ext>
             </a:extLst>
@@ -7442,7 +8263,7 @@
 </p:sld>
 </file>
 
-<file path=ppt/slides/slide25.xml><?xml version="1.0" encoding="utf-8"?>
+<file path=ppt/slides/slide28.xml><?xml version="1.0" encoding="utf-8"?>
 <p:sld xmlns:a="http://schemas.openxmlformats.org/drawingml/2006/main" xmlns:r="http://schemas.openxmlformats.org/officeDocument/2006/relationships" xmlns:p="http://schemas.openxmlformats.org/presentationml/2006/main">
   <p:cSld>
     <p:spTree>
@@ -7555,7 +8376,7 @@
           <p:cNvPr id="2" name="제목 1">
             <a:extLst>
               <a:ext uri="{FF2B5EF4-FFF2-40B4-BE49-F238E27FC236}">
-                <a16:creationId xmlns:a16="http://schemas.microsoft.com/office/drawing/2014/main" id="{578EB933-0291-401E-8AB9-E51C96C27C12}"/>
+                <a16:creationId xmlns:a16="http://schemas.microsoft.com/office/drawing/2014/main" id="{6568E78F-22C2-43F9-8D12-9AB35B422E35}"/>
               </a:ext>
             </a:extLst>
           </p:cNvPr>
@@ -7568,62 +8389,88 @@
         </p:nvSpPr>
         <p:spPr/>
         <p:txBody>
-          <a:bodyPr>
-            <a:normAutofit fontScale="90000"/>
-          </a:bodyPr>
-          <a:lstStyle/>
-          <a:p>
-            <a:r>
-              <a:rPr lang="ko-KR" altLang="en-US" dirty="0"/>
-              <a:t>시나리오</a:t>
-            </a:r>
-            <a:r>
-              <a:rPr lang="en-US" altLang="ko-KR" dirty="0"/>
-              <a:t>#2 : </a:t>
-            </a:r>
-            <a:r>
-              <a:rPr lang="ko-KR" altLang="en-US" dirty="0"/>
-              <a:t>선거가 하나도 생성되지 않은 상태로</a:t>
-            </a:r>
-            <a:r>
-              <a:rPr lang="en-US" altLang="ko-KR" dirty="0"/>
-              <a:t>, </a:t>
-            </a:r>
-            <a:r>
-              <a:rPr lang="ko-KR" altLang="en-US" dirty="0"/>
-              <a:t>학생이 로그인할 경우 </a:t>
-            </a:r>
-            <a:r>
-              <a:rPr lang="en-US" altLang="ko-KR" dirty="0"/>
-              <a:t>[</a:t>
-            </a:r>
-            <a:r>
-              <a:rPr lang="ko-KR" altLang="en-US" dirty="0"/>
-              <a:t>투표하기</a:t>
-            </a:r>
-            <a:r>
-              <a:rPr lang="en-US" altLang="ko-KR" dirty="0"/>
-              <a:t>]</a:t>
-            </a:r>
-            <a:endParaRPr lang="ko-KR" altLang="en-US" dirty="0"/>
+          <a:bodyPr/>
+          <a:lstStyle/>
+          <a:p>
+            <a:r>
+              <a:rPr lang="ko-KR" altLang="en-US" dirty="0"/>
+              <a:t>사용자 정보</a:t>
+            </a:r>
+          </a:p>
+        </p:txBody>
+      </p:sp>
+      <p:sp>
+        <p:nvSpPr>
+          <p:cNvPr id="3" name="내용 개체 틀 2">
+            <a:extLst>
+              <a:ext uri="{FF2B5EF4-FFF2-40B4-BE49-F238E27FC236}">
+                <a16:creationId xmlns:a16="http://schemas.microsoft.com/office/drawing/2014/main" id="{4C682A5A-4C73-470C-8C24-1326690FA324}"/>
+              </a:ext>
+            </a:extLst>
+          </p:cNvPr>
+          <p:cNvSpPr>
+            <a:spLocks noGrp="1"/>
+          </p:cNvSpPr>
+          <p:nvPr>
+            <p:ph idx="1"/>
+          </p:nvPr>
+        </p:nvSpPr>
+        <p:spPr>
+          <a:xfrm>
+            <a:off x="838200" y="1550478"/>
+            <a:ext cx="10515600" cy="4351338"/>
+          </a:xfrm>
+        </p:spPr>
+        <p:txBody>
+          <a:bodyPr/>
+          <a:lstStyle/>
+          <a:p>
+            <a:r>
+              <a:rPr lang="ko-KR" altLang="en-US" dirty="0"/>
+              <a:t>학생</a:t>
+            </a:r>
+            <a:r>
+              <a:rPr lang="en-US" altLang="ko-KR" dirty="0"/>
+              <a:t>2</a:t>
+            </a:r>
+          </a:p>
+          <a:p>
+            <a:endParaRPr lang="en-US" altLang="ko-KR" dirty="0"/>
+          </a:p>
+          <a:p>
+            <a:endParaRPr lang="en-US" altLang="ko-KR" dirty="0"/>
+          </a:p>
+          <a:p>
+            <a:endParaRPr lang="en-US" altLang="ko-KR" dirty="0"/>
+          </a:p>
+          <a:p>
+            <a:endParaRPr lang="en-US" altLang="ko-KR" dirty="0"/>
+          </a:p>
+          <a:p>
+            <a:r>
+              <a:rPr lang="ko-KR" altLang="en-US" dirty="0"/>
+              <a:t>학생</a:t>
+            </a:r>
+            <a:r>
+              <a:rPr lang="en-US" altLang="ko-KR" dirty="0"/>
+              <a:t>3</a:t>
+            </a:r>
           </a:p>
         </p:txBody>
       </p:sp>
       <p:pic>
         <p:nvPicPr>
-          <p:cNvPr id="5" name="내용 개체 틀 4">
-            <a:extLst>
-              <a:ext uri="{FF2B5EF4-FFF2-40B4-BE49-F238E27FC236}">
-                <a16:creationId xmlns:a16="http://schemas.microsoft.com/office/drawing/2014/main" id="{73F0455E-F26A-43C7-A8FE-5F4B4A34AC05}"/>
+          <p:cNvPr id="5" name="그림 4">
+            <a:extLst>
+              <a:ext uri="{FF2B5EF4-FFF2-40B4-BE49-F238E27FC236}">
+                <a16:creationId xmlns:a16="http://schemas.microsoft.com/office/drawing/2014/main" id="{7ED19386-116F-4941-B2A6-6B3B797239D9}"/>
               </a:ext>
             </a:extLst>
           </p:cNvPr>
           <p:cNvPicPr>
-            <a:picLocks noGrp="1" noChangeAspect="1"/>
+            <a:picLocks noChangeAspect="1"/>
           </p:cNvPicPr>
-          <p:nvPr>
-            <p:ph idx="1"/>
-          </p:nvPr>
+          <p:nvPr/>
         </p:nvPicPr>
         <p:blipFill>
           <a:blip r:embed="rId2"/>
@@ -7633,15 +8480,48 @@
         </p:blipFill>
         <p:spPr>
           <a:xfrm>
-            <a:off x="2706705" y="2838491"/>
-            <a:ext cx="6778590" cy="1990182"/>
-          </a:xfrm>
+            <a:off x="838200" y="2036064"/>
+            <a:ext cx="7248525" cy="1933575"/>
+          </a:xfrm>
+          <a:prstGeom prst="rect">
+            <a:avLst/>
+          </a:prstGeom>
+        </p:spPr>
+      </p:pic>
+      <p:pic>
+        <p:nvPicPr>
+          <p:cNvPr id="9" name="그림 8">
+            <a:extLst>
+              <a:ext uri="{FF2B5EF4-FFF2-40B4-BE49-F238E27FC236}">
+                <a16:creationId xmlns:a16="http://schemas.microsoft.com/office/drawing/2014/main" id="{84168468-27E1-4ABF-889F-C6D69F86A0CD}"/>
+              </a:ext>
+            </a:extLst>
+          </p:cNvPr>
+          <p:cNvPicPr>
+            <a:picLocks noChangeAspect="1"/>
+          </p:cNvPicPr>
+          <p:nvPr/>
+        </p:nvPicPr>
+        <p:blipFill>
+          <a:blip r:embed="rId3"/>
+          <a:stretch>
+            <a:fillRect/>
+          </a:stretch>
+        </p:blipFill>
+        <p:spPr>
+          <a:xfrm>
+            <a:off x="857249" y="4606925"/>
+            <a:ext cx="7210425" cy="1885950"/>
+          </a:xfrm>
+          <a:prstGeom prst="rect">
+            <a:avLst/>
+          </a:prstGeom>
         </p:spPr>
       </p:pic>
     </p:spTree>
     <p:extLst>
       <p:ext uri="{BB962C8B-B14F-4D97-AF65-F5344CB8AC3E}">
-        <p14:creationId xmlns:p14="http://schemas.microsoft.com/office/powerpoint/2010/main" val="332636120"/>
+        <p14:creationId xmlns:p14="http://schemas.microsoft.com/office/powerpoint/2010/main" val="2095836583"/>
       </p:ext>
     </p:extLst>
   </p:cSld>
@@ -7673,7 +8553,7 @@
           <p:cNvPr id="2" name="제목 1">
             <a:extLst>
               <a:ext uri="{FF2B5EF4-FFF2-40B4-BE49-F238E27FC236}">
-                <a16:creationId xmlns:a16="http://schemas.microsoft.com/office/drawing/2014/main" id="{5BBDD22E-A1A0-46D0-AFF6-DCC7C3A7F141}"/>
+                <a16:creationId xmlns:a16="http://schemas.microsoft.com/office/drawing/2014/main" id="{8501F805-B286-451E-9735-66B8437CBD0A}"/>
               </a:ext>
             </a:extLst>
           </p:cNvPr>
@@ -7697,7 +8577,7 @@
             </a:r>
             <a:r>
               <a:rPr lang="en-US" altLang="ko-KR" dirty="0"/>
-              <a:t>#3 : </a:t>
+              <a:t>#1 : </a:t>
             </a:r>
             <a:r>
               <a:rPr lang="ko-KR" altLang="en-US" dirty="0"/>
@@ -7709,7 +8589,7 @@
             </a:r>
             <a:r>
               <a:rPr lang="ko-KR" altLang="en-US" dirty="0"/>
-              <a:t>관리자가 로그인할 경우 </a:t>
+              <a:t>학생이 로그인할 경우 </a:t>
             </a:r>
             <a:r>
               <a:rPr lang="en-US" altLang="ko-KR" dirty="0"/>
@@ -7717,7 +8597,7 @@
             </a:r>
             <a:r>
               <a:rPr lang="ko-KR" altLang="en-US" dirty="0"/>
-              <a:t>투표율확인</a:t>
+              <a:t>투표확인</a:t>
             </a:r>
             <a:r>
               <a:rPr lang="en-US" altLang="ko-KR" dirty="0"/>
@@ -7732,7 +8612,7 @@
           <p:cNvPr id="5" name="내용 개체 틀 4">
             <a:extLst>
               <a:ext uri="{FF2B5EF4-FFF2-40B4-BE49-F238E27FC236}">
-                <a16:creationId xmlns:a16="http://schemas.microsoft.com/office/drawing/2014/main" id="{B1067382-3DA4-45D7-A566-E68DD8C7BA60}"/>
+                <a16:creationId xmlns:a16="http://schemas.microsoft.com/office/drawing/2014/main" id="{52F86DA0-2D3C-4C24-A4C7-6FAB98313479}"/>
               </a:ext>
             </a:extLst>
           </p:cNvPr>
@@ -7751,15 +8631,15 @@
         </p:blipFill>
         <p:spPr>
           <a:xfrm>
-            <a:off x="4786305" y="1825625"/>
-            <a:ext cx="2619390" cy="4351338"/>
+            <a:off x="4788437" y="1825625"/>
+            <a:ext cx="2615125" cy="4351338"/>
           </a:xfrm>
         </p:spPr>
       </p:pic>
     </p:spTree>
     <p:extLst>
       <p:ext uri="{BB962C8B-B14F-4D97-AF65-F5344CB8AC3E}">
-        <p14:creationId xmlns:p14="http://schemas.microsoft.com/office/powerpoint/2010/main" val="3083072340"/>
+        <p14:creationId xmlns:p14="http://schemas.microsoft.com/office/powerpoint/2010/main" val="1380531865"/>
       </p:ext>
     </p:extLst>
   </p:cSld>
@@ -7791,7 +8671,7 @@
           <p:cNvPr id="2" name="제목 1">
             <a:extLst>
               <a:ext uri="{FF2B5EF4-FFF2-40B4-BE49-F238E27FC236}">
-                <a16:creationId xmlns:a16="http://schemas.microsoft.com/office/drawing/2014/main" id="{329CA418-3B5E-45D6-9FD5-A3C251CC1901}"/>
+                <a16:creationId xmlns:a16="http://schemas.microsoft.com/office/drawing/2014/main" id="{578EB933-0291-401E-8AB9-E51C96C27C12}"/>
               </a:ext>
             </a:extLst>
           </p:cNvPr>
@@ -7815,7 +8695,7 @@
             </a:r>
             <a:r>
               <a:rPr lang="en-US" altLang="ko-KR" dirty="0"/>
-              <a:t>#4 : </a:t>
+              <a:t>#2 : </a:t>
             </a:r>
             <a:r>
               <a:rPr lang="ko-KR" altLang="en-US" dirty="0"/>
@@ -7827,7 +8707,7 @@
             </a:r>
             <a:r>
               <a:rPr lang="ko-KR" altLang="en-US" dirty="0"/>
-              <a:t>관리자가 로그인할 경우 </a:t>
+              <a:t>학생이 로그인할 경우 </a:t>
             </a:r>
             <a:r>
               <a:rPr lang="en-US" altLang="ko-KR" dirty="0"/>
@@ -7835,7 +8715,7 @@
             </a:r>
             <a:r>
               <a:rPr lang="ko-KR" altLang="en-US" dirty="0"/>
-              <a:t>선거관리</a:t>
+              <a:t>투표하기</a:t>
             </a:r>
             <a:r>
               <a:rPr lang="en-US" altLang="ko-KR" dirty="0"/>
@@ -7850,7 +8730,7 @@
           <p:cNvPr id="5" name="내용 개체 틀 4">
             <a:extLst>
               <a:ext uri="{FF2B5EF4-FFF2-40B4-BE49-F238E27FC236}">
-                <a16:creationId xmlns:a16="http://schemas.microsoft.com/office/drawing/2014/main" id="{7695BA6C-2109-48B9-96CD-5237A74548BB}"/>
+                <a16:creationId xmlns:a16="http://schemas.microsoft.com/office/drawing/2014/main" id="{73F0455E-F26A-43C7-A8FE-5F4B4A34AC05}"/>
               </a:ext>
             </a:extLst>
           </p:cNvPr>
@@ -7869,45 +8749,15 @@
         </p:blipFill>
         <p:spPr>
           <a:xfrm>
-            <a:off x="2241884" y="1673230"/>
-            <a:ext cx="2718867" cy="4543964"/>
-          </a:xfrm>
-        </p:spPr>
-      </p:pic>
-      <p:pic>
-        <p:nvPicPr>
-          <p:cNvPr id="7" name="그림 6">
-            <a:extLst>
-              <a:ext uri="{FF2B5EF4-FFF2-40B4-BE49-F238E27FC236}">
-                <a16:creationId xmlns:a16="http://schemas.microsoft.com/office/drawing/2014/main" id="{B3C304D7-BADF-4276-BF00-200516EC44C3}"/>
-              </a:ext>
-            </a:extLst>
-          </p:cNvPr>
-          <p:cNvPicPr>
-            <a:picLocks noChangeAspect="1"/>
-          </p:cNvPicPr>
-          <p:nvPr/>
-        </p:nvPicPr>
-        <p:blipFill>
-          <a:blip r:embed="rId3"/>
-          <a:stretch>
-            <a:fillRect/>
-          </a:stretch>
-        </p:blipFill>
-        <p:spPr>
-          <a:xfrm>
-            <a:off x="6797842" y="1690688"/>
-            <a:ext cx="2718867" cy="4526506"/>
-          </a:xfrm>
-          <a:prstGeom prst="rect">
-            <a:avLst/>
-          </a:prstGeom>
+            <a:off x="2706705" y="2838491"/>
+            <a:ext cx="6778590" cy="1990182"/>
+          </a:xfrm>
         </p:spPr>
       </p:pic>
     </p:spTree>
     <p:extLst>
       <p:ext uri="{BB962C8B-B14F-4D97-AF65-F5344CB8AC3E}">
-        <p14:creationId xmlns:p14="http://schemas.microsoft.com/office/powerpoint/2010/main" val="1955456313"/>
+        <p14:creationId xmlns:p14="http://schemas.microsoft.com/office/powerpoint/2010/main" val="332636120"/>
       </p:ext>
     </p:extLst>
   </p:cSld>
@@ -7939,7 +8789,7 @@
           <p:cNvPr id="2" name="제목 1">
             <a:extLst>
               <a:ext uri="{FF2B5EF4-FFF2-40B4-BE49-F238E27FC236}">
-                <a16:creationId xmlns:a16="http://schemas.microsoft.com/office/drawing/2014/main" id="{1BD8D7B3-BF1B-47A1-A5BF-1EF02773E6C3}"/>
+                <a16:creationId xmlns:a16="http://schemas.microsoft.com/office/drawing/2014/main" id="{5BBDD22E-A1A0-46D0-AFF6-DCC7C3A7F141}"/>
               </a:ext>
             </a:extLst>
           </p:cNvPr>
@@ -7963,7 +8813,7 @@
             </a:r>
             <a:r>
               <a:rPr lang="en-US" altLang="ko-KR" dirty="0"/>
-              <a:t>#5 : </a:t>
+              <a:t>#3 : </a:t>
             </a:r>
             <a:r>
               <a:rPr lang="ko-KR" altLang="en-US" dirty="0"/>
@@ -7983,30 +8833,7 @@
             </a:r>
             <a:r>
               <a:rPr lang="ko-KR" altLang="en-US" dirty="0"/>
-              <a:t>선거등록</a:t>
-            </a:r>
-            <a:r>
-              <a:rPr lang="en-US" altLang="ko-KR" dirty="0"/>
-              <a:t>]</a:t>
-            </a:r>
-            <a:br>
-              <a:rPr lang="en-US" altLang="ko-KR" dirty="0"/>
-            </a:br>
-            <a:r>
-              <a:rPr lang="en-US" altLang="ko-KR" dirty="0"/>
-              <a:t>[</a:t>
-            </a:r>
-            <a:r>
-              <a:rPr lang="ko-KR" altLang="en-US" dirty="0"/>
-              <a:t>후보자 </a:t>
-            </a:r>
-            <a:r>
-              <a:rPr lang="en-US" altLang="ko-KR" dirty="0"/>
-              <a:t>1</a:t>
-            </a:r>
-            <a:r>
-              <a:rPr lang="ko-KR" altLang="en-US" dirty="0"/>
-              <a:t>개 등록</a:t>
+              <a:t>투표율확인</a:t>
             </a:r>
             <a:r>
               <a:rPr lang="en-US" altLang="ko-KR" dirty="0"/>
@@ -8021,7 +8848,7 @@
           <p:cNvPr id="5" name="내용 개체 틀 4">
             <a:extLst>
               <a:ext uri="{FF2B5EF4-FFF2-40B4-BE49-F238E27FC236}">
-                <a16:creationId xmlns:a16="http://schemas.microsoft.com/office/drawing/2014/main" id="{57A9F410-5453-406E-BD85-6C0891F31643}"/>
+                <a16:creationId xmlns:a16="http://schemas.microsoft.com/office/drawing/2014/main" id="{B1067382-3DA4-45D7-A566-E68DD8C7BA60}"/>
               </a:ext>
             </a:extLst>
           </p:cNvPr>
@@ -8040,135 +8867,15 @@
         </p:blipFill>
         <p:spPr>
           <a:xfrm>
-            <a:off x="477444" y="2141537"/>
-            <a:ext cx="2606458" cy="4351338"/>
-          </a:xfrm>
-        </p:spPr>
-      </p:pic>
-      <p:pic>
-        <p:nvPicPr>
-          <p:cNvPr id="7" name="그림 6">
-            <a:extLst>
-              <a:ext uri="{FF2B5EF4-FFF2-40B4-BE49-F238E27FC236}">
-                <a16:creationId xmlns:a16="http://schemas.microsoft.com/office/drawing/2014/main" id="{EB6F14B7-2D95-4D97-B7C5-1DC2A688098B}"/>
-              </a:ext>
-            </a:extLst>
-          </p:cNvPr>
-          <p:cNvPicPr>
-            <a:picLocks noChangeAspect="1"/>
-          </p:cNvPicPr>
-          <p:nvPr/>
-        </p:nvPicPr>
-        <p:blipFill>
-          <a:blip r:embed="rId3"/>
-          <a:stretch>
-            <a:fillRect/>
-          </a:stretch>
-        </p:blipFill>
-        <p:spPr>
-          <a:xfrm>
-            <a:off x="2153460" y="2139152"/>
-            <a:ext cx="2606459" cy="4344098"/>
-          </a:xfrm>
-          <a:prstGeom prst="rect">
-            <a:avLst/>
-          </a:prstGeom>
-        </p:spPr>
-      </p:pic>
-      <p:pic>
-        <p:nvPicPr>
-          <p:cNvPr id="9" name="그림 8">
-            <a:extLst>
-              <a:ext uri="{FF2B5EF4-FFF2-40B4-BE49-F238E27FC236}">
-                <a16:creationId xmlns:a16="http://schemas.microsoft.com/office/drawing/2014/main" id="{D2F04B49-74CD-47D9-AAF3-C18526CD982E}"/>
-              </a:ext>
-            </a:extLst>
-          </p:cNvPr>
-          <p:cNvPicPr>
-            <a:picLocks noChangeAspect="1"/>
-          </p:cNvPicPr>
-          <p:nvPr/>
-        </p:nvPicPr>
-        <p:blipFill>
-          <a:blip r:embed="rId4"/>
-          <a:stretch>
-            <a:fillRect/>
-          </a:stretch>
-        </p:blipFill>
-        <p:spPr>
-          <a:xfrm>
-            <a:off x="3921910" y="2143952"/>
-            <a:ext cx="2606459" cy="4334498"/>
-          </a:xfrm>
-          <a:prstGeom prst="rect">
-            <a:avLst/>
-          </a:prstGeom>
-        </p:spPr>
-      </p:pic>
-      <p:pic>
-        <p:nvPicPr>
-          <p:cNvPr id="11" name="그림 10">
-            <a:extLst>
-              <a:ext uri="{FF2B5EF4-FFF2-40B4-BE49-F238E27FC236}">
-                <a16:creationId xmlns:a16="http://schemas.microsoft.com/office/drawing/2014/main" id="{3F7C1263-92E4-46AB-BF9A-3D7DC27B85EC}"/>
-              </a:ext>
-            </a:extLst>
-          </p:cNvPr>
-          <p:cNvPicPr>
-            <a:picLocks noChangeAspect="1"/>
-          </p:cNvPicPr>
-          <p:nvPr/>
-        </p:nvPicPr>
-        <p:blipFill>
-          <a:blip r:embed="rId5"/>
-          <a:stretch>
-            <a:fillRect/>
-          </a:stretch>
-        </p:blipFill>
-        <p:spPr>
-          <a:xfrm>
-            <a:off x="5597927" y="2139152"/>
-            <a:ext cx="2606458" cy="4353723"/>
-          </a:xfrm>
-          <a:prstGeom prst="rect">
-            <a:avLst/>
-          </a:prstGeom>
-        </p:spPr>
-      </p:pic>
-      <p:pic>
-        <p:nvPicPr>
-          <p:cNvPr id="13" name="그림 12">
-            <a:extLst>
-              <a:ext uri="{FF2B5EF4-FFF2-40B4-BE49-F238E27FC236}">
-                <a16:creationId xmlns:a16="http://schemas.microsoft.com/office/drawing/2014/main" id="{E055A167-0B6B-472E-A86A-52A489DE5EDD}"/>
-              </a:ext>
-            </a:extLst>
-          </p:cNvPr>
-          <p:cNvPicPr>
-            <a:picLocks noChangeAspect="1"/>
-          </p:cNvPicPr>
-          <p:nvPr/>
-        </p:nvPicPr>
-        <p:blipFill>
-          <a:blip r:embed="rId6"/>
-          <a:stretch>
-            <a:fillRect/>
-          </a:stretch>
-        </p:blipFill>
-        <p:spPr>
-          <a:xfrm>
-            <a:off x="8775524" y="2139152"/>
-            <a:ext cx="2648515" cy="4353723"/>
-          </a:xfrm>
-          <a:prstGeom prst="rect">
-            <a:avLst/>
-          </a:prstGeom>
+            <a:off x="4786305" y="1825625"/>
+            <a:ext cx="2619390" cy="4351338"/>
+          </a:xfrm>
         </p:spPr>
       </p:pic>
     </p:spTree>
     <p:extLst>
       <p:ext uri="{BB962C8B-B14F-4D97-AF65-F5344CB8AC3E}">
-        <p14:creationId xmlns:p14="http://schemas.microsoft.com/office/powerpoint/2010/main" val="3090600966"/>
+        <p14:creationId xmlns:p14="http://schemas.microsoft.com/office/powerpoint/2010/main" val="3083072340"/>
       </p:ext>
     </p:extLst>
   </p:cSld>
@@ -8200,7 +8907,7 @@
           <p:cNvPr id="2" name="제목 1">
             <a:extLst>
               <a:ext uri="{FF2B5EF4-FFF2-40B4-BE49-F238E27FC236}">
-                <a16:creationId xmlns:a16="http://schemas.microsoft.com/office/drawing/2014/main" id="{4119BA28-8F60-430E-BF54-5F80F470F16F}"/>
+                <a16:creationId xmlns:a16="http://schemas.microsoft.com/office/drawing/2014/main" id="{329CA418-3B5E-45D6-9FD5-A3C251CC1901}"/>
               </a:ext>
             </a:extLst>
           </p:cNvPr>
@@ -8224,7 +8931,7 @@
             </a:r>
             <a:r>
               <a:rPr lang="en-US" altLang="ko-KR" dirty="0"/>
-              <a:t>#5 : </a:t>
+              <a:t>#4 : </a:t>
             </a:r>
             <a:r>
               <a:rPr lang="ko-KR" altLang="en-US" dirty="0"/>
@@ -8244,30 +8951,7 @@
             </a:r>
             <a:r>
               <a:rPr lang="ko-KR" altLang="en-US" dirty="0"/>
-              <a:t>선거등록</a:t>
-            </a:r>
-            <a:r>
-              <a:rPr lang="en-US" altLang="ko-KR" dirty="0"/>
-              <a:t>]</a:t>
-            </a:r>
-            <a:br>
-              <a:rPr lang="en-US" altLang="ko-KR" dirty="0"/>
-            </a:br>
-            <a:r>
-              <a:rPr lang="en-US" altLang="ko-KR" dirty="0"/>
-              <a:t>[</a:t>
-            </a:r>
-            <a:r>
-              <a:rPr lang="ko-KR" altLang="en-US" dirty="0"/>
-              <a:t>후보자 </a:t>
-            </a:r>
-            <a:r>
-              <a:rPr lang="en-US" altLang="ko-KR" dirty="0"/>
-              <a:t>1</a:t>
-            </a:r>
-            <a:r>
-              <a:rPr lang="ko-KR" altLang="en-US" dirty="0"/>
-              <a:t>개 등록</a:t>
+              <a:t>선거관리</a:t>
             </a:r>
             <a:r>
               <a:rPr lang="en-US" altLang="ko-KR" dirty="0"/>
@@ -8282,7 +8966,7 @@
           <p:cNvPr id="5" name="내용 개체 틀 4">
             <a:extLst>
               <a:ext uri="{FF2B5EF4-FFF2-40B4-BE49-F238E27FC236}">
-                <a16:creationId xmlns:a16="http://schemas.microsoft.com/office/drawing/2014/main" id="{8A3D74DA-9DB7-4079-A7A2-0DF44923D302}"/>
+                <a16:creationId xmlns:a16="http://schemas.microsoft.com/office/drawing/2014/main" id="{7695BA6C-2109-48B9-96CD-5237A74548BB}"/>
               </a:ext>
             </a:extLst>
           </p:cNvPr>
@@ -8301,8 +8985,8 @@
         </p:blipFill>
         <p:spPr>
           <a:xfrm>
-            <a:off x="148389" y="2073985"/>
-            <a:ext cx="3686175" cy="2276475"/>
+            <a:off x="2241884" y="1673230"/>
+            <a:ext cx="2718867" cy="4543964"/>
           </a:xfrm>
         </p:spPr>
       </p:pic>
@@ -8311,36 +8995,7 @@
           <p:cNvPr id="7" name="그림 6">
             <a:extLst>
               <a:ext uri="{FF2B5EF4-FFF2-40B4-BE49-F238E27FC236}">
-                <a16:creationId xmlns:a16="http://schemas.microsoft.com/office/drawing/2014/main" id="{63278E3C-8F53-44F5-96E9-6ADF970BAA70}"/>
-              </a:ext>
-            </a:extLst>
-          </p:cNvPr>
-          <p:cNvPicPr>
-            <a:picLocks noChangeAspect="1"/>
-          </p:cNvPicPr>
-          <p:nvPr/>
-        </p:nvPicPr>
-        <p:blipFill rotWithShape="1">
-          <a:blip r:embed="rId3"/>
-          <a:srcRect r="53373"/>
-          <a:stretch/>
-        </p:blipFill>
-        <p:spPr>
-          <a:xfrm>
-            <a:off x="3956133" y="2073985"/>
-            <a:ext cx="3686175" cy="4591050"/>
-          </a:xfrm>
-          <a:prstGeom prst="rect">
-            <a:avLst/>
-          </a:prstGeom>
-        </p:spPr>
-      </p:pic>
-      <p:pic>
-        <p:nvPicPr>
-          <p:cNvPr id="9" name="그림 8">
-            <a:extLst>
-              <a:ext uri="{FF2B5EF4-FFF2-40B4-BE49-F238E27FC236}">
-                <a16:creationId xmlns:a16="http://schemas.microsoft.com/office/drawing/2014/main" id="{F72EF3A3-1C8D-4CE9-9DFA-9CE303574435}"/>
+                <a16:creationId xmlns:a16="http://schemas.microsoft.com/office/drawing/2014/main" id="{B3C304D7-BADF-4276-BF00-200516EC44C3}"/>
               </a:ext>
             </a:extLst>
           </p:cNvPr>
@@ -8350,15 +9005,15 @@
           <p:nvPr/>
         </p:nvPicPr>
         <p:blipFill>
-          <a:blip r:embed="rId4"/>
+          <a:blip r:embed="rId3"/>
           <a:stretch>
             <a:fillRect/>
           </a:stretch>
         </p:blipFill>
         <p:spPr>
           <a:xfrm>
-            <a:off x="7763878" y="2073985"/>
-            <a:ext cx="3686175" cy="4629150"/>
+            <a:off x="6797842" y="1690688"/>
+            <a:ext cx="2718867" cy="4526506"/>
           </a:xfrm>
           <a:prstGeom prst="rect">
             <a:avLst/>
@@ -8368,7 +9023,7 @@
     </p:spTree>
     <p:extLst>
       <p:ext uri="{BB962C8B-B14F-4D97-AF65-F5344CB8AC3E}">
-        <p14:creationId xmlns:p14="http://schemas.microsoft.com/office/powerpoint/2010/main" val="4234833145"/>
+        <p14:creationId xmlns:p14="http://schemas.microsoft.com/office/powerpoint/2010/main" val="1955456313"/>
       </p:ext>
     </p:extLst>
   </p:cSld>
@@ -8400,7 +9055,7 @@
           <p:cNvPr id="2" name="제목 1">
             <a:extLst>
               <a:ext uri="{FF2B5EF4-FFF2-40B4-BE49-F238E27FC236}">
-                <a16:creationId xmlns:a16="http://schemas.microsoft.com/office/drawing/2014/main" id="{2E262C1D-1721-4720-B5E4-CEC5D3FD360E}"/>
+                <a16:creationId xmlns:a16="http://schemas.microsoft.com/office/drawing/2014/main" id="{1BD8D7B3-BF1B-47A1-A5BF-1EF02773E6C3}"/>
               </a:ext>
             </a:extLst>
           </p:cNvPr>
@@ -8482,7 +9137,7 @@
           <p:cNvPr id="5" name="내용 개체 틀 4">
             <a:extLst>
               <a:ext uri="{FF2B5EF4-FFF2-40B4-BE49-F238E27FC236}">
-                <a16:creationId xmlns:a16="http://schemas.microsoft.com/office/drawing/2014/main" id="{F0980F15-8D80-43F3-A295-FB5BC0FD1FBA}"/>
+                <a16:creationId xmlns:a16="http://schemas.microsoft.com/office/drawing/2014/main" id="{57A9F410-5453-406E-BD85-6C0891F31643}"/>
               </a:ext>
             </a:extLst>
           </p:cNvPr>
@@ -8501,51 +9156,135 @@
         </p:blipFill>
         <p:spPr>
           <a:xfrm>
-            <a:off x="4457700" y="3415506"/>
-            <a:ext cx="3276600" cy="1171575"/>
+            <a:off x="477444" y="2141537"/>
+            <a:ext cx="2606458" cy="4351338"/>
           </a:xfrm>
         </p:spPr>
       </p:pic>
-      <p:sp>
-        <p:nvSpPr>
-          <p:cNvPr id="6" name="TextBox 5">
-            <a:extLst>
-              <a:ext uri="{FF2B5EF4-FFF2-40B4-BE49-F238E27FC236}">
-                <a16:creationId xmlns:a16="http://schemas.microsoft.com/office/drawing/2014/main" id="{450D2C54-1FA2-4E7C-9B51-F71FA401EE65}"/>
-              </a:ext>
-            </a:extLst>
-          </p:cNvPr>
-          <p:cNvSpPr txBox="1"/>
+      <p:pic>
+        <p:nvPicPr>
+          <p:cNvPr id="7" name="그림 6">
+            <a:extLst>
+              <a:ext uri="{FF2B5EF4-FFF2-40B4-BE49-F238E27FC236}">
+                <a16:creationId xmlns:a16="http://schemas.microsoft.com/office/drawing/2014/main" id="{EB6F14B7-2D95-4D97-B7C5-1DC2A688098B}"/>
+              </a:ext>
+            </a:extLst>
+          </p:cNvPr>
+          <p:cNvPicPr>
+            <a:picLocks noChangeAspect="1"/>
+          </p:cNvPicPr>
           <p:nvPr/>
-        </p:nvSpPr>
-        <p:spPr>
-          <a:xfrm>
-            <a:off x="4457700" y="2944536"/>
-            <a:ext cx="1534394" cy="369332"/>
+        </p:nvPicPr>
+        <p:blipFill>
+          <a:blip r:embed="rId3"/>
+          <a:stretch>
+            <a:fillRect/>
+          </a:stretch>
+        </p:blipFill>
+        <p:spPr>
+          <a:xfrm>
+            <a:off x="2153460" y="2139152"/>
+            <a:ext cx="2606459" cy="4344098"/>
           </a:xfrm>
           <a:prstGeom prst="rect">
             <a:avLst/>
           </a:prstGeom>
-          <a:noFill/>
-        </p:spPr>
-        <p:txBody>
-          <a:bodyPr wrap="none" rtlCol="0">
-            <a:spAutoFit/>
-          </a:bodyPr>
-          <a:lstStyle/>
-          <a:p>
-            <a:r>
-              <a:rPr lang="en-US" altLang="ko-KR" dirty="0"/>
-              <a:t>File output : </a:t>
-            </a:r>
-            <a:endParaRPr lang="ko-KR" altLang="en-US" dirty="0"/>
-          </a:p>
-        </p:txBody>
-      </p:sp>
+        </p:spPr>
+      </p:pic>
+      <p:pic>
+        <p:nvPicPr>
+          <p:cNvPr id="9" name="그림 8">
+            <a:extLst>
+              <a:ext uri="{FF2B5EF4-FFF2-40B4-BE49-F238E27FC236}">
+                <a16:creationId xmlns:a16="http://schemas.microsoft.com/office/drawing/2014/main" id="{D2F04B49-74CD-47D9-AAF3-C18526CD982E}"/>
+              </a:ext>
+            </a:extLst>
+          </p:cNvPr>
+          <p:cNvPicPr>
+            <a:picLocks noChangeAspect="1"/>
+          </p:cNvPicPr>
+          <p:nvPr/>
+        </p:nvPicPr>
+        <p:blipFill>
+          <a:blip r:embed="rId4"/>
+          <a:stretch>
+            <a:fillRect/>
+          </a:stretch>
+        </p:blipFill>
+        <p:spPr>
+          <a:xfrm>
+            <a:off x="3921910" y="2143952"/>
+            <a:ext cx="2606459" cy="4334498"/>
+          </a:xfrm>
+          <a:prstGeom prst="rect">
+            <a:avLst/>
+          </a:prstGeom>
+        </p:spPr>
+      </p:pic>
+      <p:pic>
+        <p:nvPicPr>
+          <p:cNvPr id="11" name="그림 10">
+            <a:extLst>
+              <a:ext uri="{FF2B5EF4-FFF2-40B4-BE49-F238E27FC236}">
+                <a16:creationId xmlns:a16="http://schemas.microsoft.com/office/drawing/2014/main" id="{3F7C1263-92E4-46AB-BF9A-3D7DC27B85EC}"/>
+              </a:ext>
+            </a:extLst>
+          </p:cNvPr>
+          <p:cNvPicPr>
+            <a:picLocks noChangeAspect="1"/>
+          </p:cNvPicPr>
+          <p:nvPr/>
+        </p:nvPicPr>
+        <p:blipFill>
+          <a:blip r:embed="rId5"/>
+          <a:stretch>
+            <a:fillRect/>
+          </a:stretch>
+        </p:blipFill>
+        <p:spPr>
+          <a:xfrm>
+            <a:off x="5597927" y="2139152"/>
+            <a:ext cx="2606458" cy="4353723"/>
+          </a:xfrm>
+          <a:prstGeom prst="rect">
+            <a:avLst/>
+          </a:prstGeom>
+        </p:spPr>
+      </p:pic>
+      <p:pic>
+        <p:nvPicPr>
+          <p:cNvPr id="13" name="그림 12">
+            <a:extLst>
+              <a:ext uri="{FF2B5EF4-FFF2-40B4-BE49-F238E27FC236}">
+                <a16:creationId xmlns:a16="http://schemas.microsoft.com/office/drawing/2014/main" id="{E055A167-0B6B-472E-A86A-52A489DE5EDD}"/>
+              </a:ext>
+            </a:extLst>
+          </p:cNvPr>
+          <p:cNvPicPr>
+            <a:picLocks noChangeAspect="1"/>
+          </p:cNvPicPr>
+          <p:nvPr/>
+        </p:nvPicPr>
+        <p:blipFill>
+          <a:blip r:embed="rId6"/>
+          <a:stretch>
+            <a:fillRect/>
+          </a:stretch>
+        </p:blipFill>
+        <p:spPr>
+          <a:xfrm>
+            <a:off x="8775524" y="2139152"/>
+            <a:ext cx="2648515" cy="4353723"/>
+          </a:xfrm>
+          <a:prstGeom prst="rect">
+            <a:avLst/>
+          </a:prstGeom>
+        </p:spPr>
+      </p:pic>
     </p:spTree>
     <p:extLst>
       <p:ext uri="{BB962C8B-B14F-4D97-AF65-F5344CB8AC3E}">
-        <p14:creationId xmlns:p14="http://schemas.microsoft.com/office/powerpoint/2010/main" val="1602584790"/>
+        <p14:creationId xmlns:p14="http://schemas.microsoft.com/office/powerpoint/2010/main" val="3090600966"/>
       </p:ext>
     </p:extLst>
   </p:cSld>
@@ -8577,7 +9316,7 @@
           <p:cNvPr id="2" name="제목 1">
             <a:extLst>
               <a:ext uri="{FF2B5EF4-FFF2-40B4-BE49-F238E27FC236}">
-                <a16:creationId xmlns:a16="http://schemas.microsoft.com/office/drawing/2014/main" id="{759C7C49-78ED-451A-9D8A-9A0E184DED78}"/>
+                <a16:creationId xmlns:a16="http://schemas.microsoft.com/office/drawing/2014/main" id="{4119BA28-8F60-430E-BF54-5F80F470F16F}"/>
               </a:ext>
             </a:extLst>
           </p:cNvPr>
@@ -8591,7 +9330,7 @@
         <p:spPr/>
         <p:txBody>
           <a:bodyPr>
-            <a:normAutofit/>
+            <a:normAutofit fontScale="90000"/>
           </a:bodyPr>
           <a:lstStyle/>
           <a:p>
@@ -8601,7 +9340,38 @@
             </a:r>
             <a:r>
               <a:rPr lang="en-US" altLang="ko-KR" dirty="0"/>
-              <a:t>#6 : </a:t>
+              <a:t>#5 : </a:t>
+            </a:r>
+            <a:r>
+              <a:rPr lang="ko-KR" altLang="en-US" dirty="0"/>
+              <a:t>선거가 하나도 생성되지 않은 상태로</a:t>
+            </a:r>
+            <a:r>
+              <a:rPr lang="en-US" altLang="ko-KR" dirty="0"/>
+              <a:t>, </a:t>
+            </a:r>
+            <a:r>
+              <a:rPr lang="ko-KR" altLang="en-US" dirty="0"/>
+              <a:t>관리자가 로그인할 경우 </a:t>
+            </a:r>
+            <a:r>
+              <a:rPr lang="en-US" altLang="ko-KR" dirty="0"/>
+              <a:t>[</a:t>
+            </a:r>
+            <a:r>
+              <a:rPr lang="ko-KR" altLang="en-US" dirty="0"/>
+              <a:t>선거등록</a:t>
+            </a:r>
+            <a:r>
+              <a:rPr lang="en-US" altLang="ko-KR" dirty="0"/>
+              <a:t>]</a:t>
+            </a:r>
+            <a:br>
+              <a:rPr lang="en-US" altLang="ko-KR" dirty="0"/>
+            </a:br>
+            <a:r>
+              <a:rPr lang="en-US" altLang="ko-KR" dirty="0"/>
+              <a:t>[</a:t>
             </a:r>
             <a:r>
               <a:rPr lang="ko-KR" altLang="en-US" dirty="0"/>
@@ -8613,23 +9383,7 @@
             </a:r>
             <a:r>
               <a:rPr lang="ko-KR" altLang="en-US" dirty="0"/>
-              <a:t>개인 선거가 하나가 생성된 상태로</a:t>
-            </a:r>
-            <a:r>
-              <a:rPr lang="en-US" altLang="ko-KR" dirty="0"/>
-              <a:t>, </a:t>
-            </a:r>
-            <a:r>
-              <a:rPr lang="ko-KR" altLang="en-US" dirty="0"/>
-              <a:t>관리자가 </a:t>
-            </a:r>
-            <a:r>
-              <a:rPr lang="en-US" altLang="ko-KR" dirty="0"/>
-              <a:t>[</a:t>
-            </a:r>
-            <a:r>
-              <a:rPr lang="ko-KR" altLang="en-US" dirty="0"/>
-              <a:t>투표율확인</a:t>
+              <a:t>개 등록</a:t>
             </a:r>
             <a:r>
               <a:rPr lang="en-US" altLang="ko-KR" dirty="0"/>
@@ -8644,7 +9398,7 @@
           <p:cNvPr id="5" name="내용 개체 틀 4">
             <a:extLst>
               <a:ext uri="{FF2B5EF4-FFF2-40B4-BE49-F238E27FC236}">
-                <a16:creationId xmlns:a16="http://schemas.microsoft.com/office/drawing/2014/main" id="{21E7A087-0DE8-4940-B44B-59516C33A319}"/>
+                <a16:creationId xmlns:a16="http://schemas.microsoft.com/office/drawing/2014/main" id="{8A3D74DA-9DB7-4079-A7A2-0DF44923D302}"/>
               </a:ext>
             </a:extLst>
           </p:cNvPr>
@@ -8663,53 +9417,17 @@
         </p:blipFill>
         <p:spPr>
           <a:xfrm>
-            <a:off x="838200" y="2256995"/>
-            <a:ext cx="7058025" cy="552450"/>
+            <a:off x="148389" y="2073985"/>
+            <a:ext cx="3686175" cy="2276475"/>
           </a:xfrm>
         </p:spPr>
       </p:pic>
-      <p:sp>
-        <p:nvSpPr>
-          <p:cNvPr id="6" name="TextBox 5">
-            <a:extLst>
-              <a:ext uri="{FF2B5EF4-FFF2-40B4-BE49-F238E27FC236}">
-                <a16:creationId xmlns:a16="http://schemas.microsoft.com/office/drawing/2014/main" id="{D1552C71-10C4-442C-8B69-F404604216D0}"/>
-              </a:ext>
-            </a:extLst>
-          </p:cNvPr>
-          <p:cNvSpPr txBox="1"/>
-          <p:nvPr/>
-        </p:nvSpPr>
-        <p:spPr>
-          <a:xfrm>
-            <a:off x="838200" y="1887663"/>
-            <a:ext cx="1896609" cy="369332"/>
-          </a:xfrm>
-          <a:prstGeom prst="rect">
-            <a:avLst/>
-          </a:prstGeom>
-          <a:noFill/>
-        </p:spPr>
-        <p:txBody>
-          <a:bodyPr wrap="none" rtlCol="0">
-            <a:spAutoFit/>
-          </a:bodyPr>
-          <a:lstStyle/>
-          <a:p>
-            <a:r>
-              <a:rPr lang="en-US" altLang="ko-KR" dirty="0"/>
-              <a:t>Error Message : </a:t>
-            </a:r>
-            <a:endParaRPr lang="ko-KR" altLang="en-US" dirty="0"/>
-          </a:p>
-        </p:txBody>
-      </p:sp>
       <p:pic>
         <p:nvPicPr>
-          <p:cNvPr id="8" name="그림 7">
-            <a:extLst>
-              <a:ext uri="{FF2B5EF4-FFF2-40B4-BE49-F238E27FC236}">
-                <a16:creationId xmlns:a16="http://schemas.microsoft.com/office/drawing/2014/main" id="{CCDB1E27-1280-4900-8FCC-295691A6F407}"/>
+          <p:cNvPr id="7" name="그림 6">
+            <a:extLst>
+              <a:ext uri="{FF2B5EF4-FFF2-40B4-BE49-F238E27FC236}">
+                <a16:creationId xmlns:a16="http://schemas.microsoft.com/office/drawing/2014/main" id="{63278E3C-8F53-44F5-96E9-6ADF970BAA70}"/>
               </a:ext>
             </a:extLst>
           </p:cNvPr>
@@ -8718,16 +9436,15 @@
           </p:cNvPicPr>
           <p:nvPr/>
         </p:nvPicPr>
-        <p:blipFill>
+        <p:blipFill rotWithShape="1">
           <a:blip r:embed="rId3"/>
-          <a:stretch>
-            <a:fillRect/>
-          </a:stretch>
+          <a:srcRect r="53373"/>
+          <a:stretch/>
         </p:blipFill>
         <p:spPr>
           <a:xfrm>
-            <a:off x="838200" y="3534206"/>
-            <a:ext cx="7248525" cy="1028700"/>
+            <a:off x="3956133" y="2073985"/>
+            <a:ext cx="3686175" cy="4591050"/>
           </a:xfrm>
           <a:prstGeom prst="rect">
             <a:avLst/>
@@ -8736,10 +9453,10 @@
       </p:pic>
       <p:pic>
         <p:nvPicPr>
-          <p:cNvPr id="10" name="그림 9">
-            <a:extLst>
-              <a:ext uri="{FF2B5EF4-FFF2-40B4-BE49-F238E27FC236}">
-                <a16:creationId xmlns:a16="http://schemas.microsoft.com/office/drawing/2014/main" id="{739568F8-E797-4EAD-9B1A-62D0993153B3}"/>
+          <p:cNvPr id="9" name="그림 8">
+            <a:extLst>
+              <a:ext uri="{FF2B5EF4-FFF2-40B4-BE49-F238E27FC236}">
+                <a16:creationId xmlns:a16="http://schemas.microsoft.com/office/drawing/2014/main" id="{F72EF3A3-1C8D-4CE9-9DFA-9CE303574435}"/>
               </a:ext>
             </a:extLst>
           </p:cNvPr>
@@ -8756,176 +9473,18 @@
         </p:blipFill>
         <p:spPr>
           <a:xfrm>
-            <a:off x="862012" y="5032022"/>
-            <a:ext cx="7200900" cy="971550"/>
+            <a:off x="7763878" y="2073985"/>
+            <a:ext cx="3686175" cy="4629150"/>
           </a:xfrm>
           <a:prstGeom prst="rect">
             <a:avLst/>
           </a:prstGeom>
         </p:spPr>
       </p:pic>
-      <p:sp>
-        <p:nvSpPr>
-          <p:cNvPr id="11" name="화살표: 아래쪽 10">
-            <a:extLst>
-              <a:ext uri="{FF2B5EF4-FFF2-40B4-BE49-F238E27FC236}">
-                <a16:creationId xmlns:a16="http://schemas.microsoft.com/office/drawing/2014/main" id="{EC2444CB-7C61-4E28-8DCC-604F81EF4A4A}"/>
-              </a:ext>
-            </a:extLst>
-          </p:cNvPr>
-          <p:cNvSpPr/>
-          <p:nvPr/>
-        </p:nvSpPr>
-        <p:spPr>
-          <a:xfrm>
-            <a:off x="4068661" y="4562906"/>
-            <a:ext cx="302003" cy="347275"/>
-          </a:xfrm>
-          <a:prstGeom prst="downArrow">
-            <a:avLst/>
-          </a:prstGeom>
-        </p:spPr>
-        <p:style>
-          <a:lnRef idx="2">
-            <a:schemeClr val="accent1">
-              <a:shade val="50000"/>
-            </a:schemeClr>
-          </a:lnRef>
-          <a:fillRef idx="1">
-            <a:schemeClr val="accent1"/>
-          </a:fillRef>
-          <a:effectRef idx="0">
-            <a:schemeClr val="accent1"/>
-          </a:effectRef>
-          <a:fontRef idx="minor">
-            <a:schemeClr val="lt1"/>
-          </a:fontRef>
-        </p:style>
-        <p:txBody>
-          <a:bodyPr rtlCol="0" anchor="ctr"/>
-          <a:lstStyle/>
-          <a:p>
-            <a:pPr algn="ctr"/>
-            <a:endParaRPr lang="ko-KR" altLang="en-US"/>
-          </a:p>
-        </p:txBody>
-      </p:sp>
-      <p:sp>
-        <p:nvSpPr>
-          <p:cNvPr id="12" name="TextBox 11">
-            <a:extLst>
-              <a:ext uri="{FF2B5EF4-FFF2-40B4-BE49-F238E27FC236}">
-                <a16:creationId xmlns:a16="http://schemas.microsoft.com/office/drawing/2014/main" id="{17BE8436-E121-4351-8408-2FD06D8B749C}"/>
-              </a:ext>
-            </a:extLst>
-          </p:cNvPr>
-          <p:cNvSpPr txBox="1"/>
-          <p:nvPr/>
-        </p:nvSpPr>
-        <p:spPr>
-          <a:xfrm>
-            <a:off x="838200" y="3178777"/>
-            <a:ext cx="939360" cy="369332"/>
-          </a:xfrm>
-          <a:prstGeom prst="rect">
-            <a:avLst/>
-          </a:prstGeom>
-          <a:noFill/>
-        </p:spPr>
-        <p:txBody>
-          <a:bodyPr wrap="none" rtlCol="0">
-            <a:spAutoFit/>
-          </a:bodyPr>
-          <a:lstStyle/>
-          <a:p>
-            <a:r>
-              <a:rPr lang="en-US" altLang="ko-KR" dirty="0"/>
-              <a:t>Fixed : </a:t>
-            </a:r>
-            <a:endParaRPr lang="ko-KR" altLang="en-US" dirty="0"/>
-          </a:p>
-        </p:txBody>
-      </p:sp>
-      <p:pic>
-        <p:nvPicPr>
-          <p:cNvPr id="14" name="그림 13">
-            <a:extLst>
-              <a:ext uri="{FF2B5EF4-FFF2-40B4-BE49-F238E27FC236}">
-                <a16:creationId xmlns:a16="http://schemas.microsoft.com/office/drawing/2014/main" id="{CFB0DD1B-0746-43F1-96AA-500F165BE442}"/>
-              </a:ext>
-            </a:extLst>
-          </p:cNvPr>
-          <p:cNvPicPr>
-            <a:picLocks noChangeAspect="1"/>
-          </p:cNvPicPr>
-          <p:nvPr/>
-        </p:nvPicPr>
-        <p:blipFill>
-          <a:blip r:embed="rId5"/>
-          <a:stretch>
-            <a:fillRect/>
-          </a:stretch>
-        </p:blipFill>
-        <p:spPr>
-          <a:xfrm>
-            <a:off x="9155329" y="1793386"/>
-            <a:ext cx="2910718" cy="4819123"/>
-          </a:xfrm>
-          <a:prstGeom prst="rect">
-            <a:avLst/>
-          </a:prstGeom>
-        </p:spPr>
-      </p:pic>
-      <p:sp>
-        <p:nvSpPr>
-          <p:cNvPr id="15" name="화살표: 오른쪽 14">
-            <a:extLst>
-              <a:ext uri="{FF2B5EF4-FFF2-40B4-BE49-F238E27FC236}">
-                <a16:creationId xmlns:a16="http://schemas.microsoft.com/office/drawing/2014/main" id="{507C7F4C-905F-4EA4-A864-E100A3337373}"/>
-              </a:ext>
-            </a:extLst>
-          </p:cNvPr>
-          <p:cNvSpPr/>
-          <p:nvPr/>
-        </p:nvSpPr>
-        <p:spPr>
-          <a:xfrm>
-            <a:off x="8347046" y="5251508"/>
-            <a:ext cx="679508" cy="570452"/>
-          </a:xfrm>
-          <a:prstGeom prst="rightArrow">
-            <a:avLst/>
-          </a:prstGeom>
-        </p:spPr>
-        <p:style>
-          <a:lnRef idx="2">
-            <a:schemeClr val="accent1">
-              <a:shade val="50000"/>
-            </a:schemeClr>
-          </a:lnRef>
-          <a:fillRef idx="1">
-            <a:schemeClr val="accent1"/>
-          </a:fillRef>
-          <a:effectRef idx="0">
-            <a:schemeClr val="accent1"/>
-          </a:effectRef>
-          <a:fontRef idx="minor">
-            <a:schemeClr val="lt1"/>
-          </a:fontRef>
-        </p:style>
-        <p:txBody>
-          <a:bodyPr rtlCol="0" anchor="ctr"/>
-          <a:lstStyle/>
-          <a:p>
-            <a:pPr algn="ctr"/>
-            <a:endParaRPr lang="ko-KR" altLang="en-US"/>
-          </a:p>
-        </p:txBody>
-      </p:sp>
     </p:spTree>
     <p:extLst>
       <p:ext uri="{BB962C8B-B14F-4D97-AF65-F5344CB8AC3E}">
-        <p14:creationId xmlns:p14="http://schemas.microsoft.com/office/powerpoint/2010/main" val="983145349"/>
+        <p14:creationId xmlns:p14="http://schemas.microsoft.com/office/powerpoint/2010/main" val="4234833145"/>
       </p:ext>
     </p:extLst>
   </p:cSld>

--- a/Document/Testcase/Testcase #1.pptx
+++ b/Document/Testcase/Testcase #1.pptx
@@ -8,31 +8,36 @@
     <p:sldId id="256" r:id="rId2"/>
     <p:sldId id="281" r:id="rId3"/>
     <p:sldId id="282" r:id="rId4"/>
-    <p:sldId id="257" r:id="rId5"/>
-    <p:sldId id="258" r:id="rId6"/>
-    <p:sldId id="259" r:id="rId7"/>
-    <p:sldId id="260" r:id="rId8"/>
-    <p:sldId id="261" r:id="rId9"/>
-    <p:sldId id="262" r:id="rId10"/>
-    <p:sldId id="266" r:id="rId11"/>
-    <p:sldId id="263" r:id="rId12"/>
-    <p:sldId id="264" r:id="rId13"/>
-    <p:sldId id="265" r:id="rId14"/>
-    <p:sldId id="267" r:id="rId15"/>
-    <p:sldId id="268" r:id="rId16"/>
-    <p:sldId id="269" r:id="rId17"/>
-    <p:sldId id="270" r:id="rId18"/>
-    <p:sldId id="271" r:id="rId19"/>
-    <p:sldId id="272" r:id="rId20"/>
-    <p:sldId id="275" r:id="rId21"/>
-    <p:sldId id="276" r:id="rId22"/>
-    <p:sldId id="277" r:id="rId23"/>
-    <p:sldId id="278" r:id="rId24"/>
-    <p:sldId id="279" r:id="rId25"/>
-    <p:sldId id="283" r:id="rId26"/>
-    <p:sldId id="273" r:id="rId27"/>
-    <p:sldId id="274" r:id="rId28"/>
-    <p:sldId id="280" r:id="rId29"/>
+    <p:sldId id="287" r:id="rId5"/>
+    <p:sldId id="257" r:id="rId6"/>
+    <p:sldId id="258" r:id="rId7"/>
+    <p:sldId id="259" r:id="rId8"/>
+    <p:sldId id="260" r:id="rId9"/>
+    <p:sldId id="261" r:id="rId10"/>
+    <p:sldId id="262" r:id="rId11"/>
+    <p:sldId id="266" r:id="rId12"/>
+    <p:sldId id="263" r:id="rId13"/>
+    <p:sldId id="264" r:id="rId14"/>
+    <p:sldId id="265" r:id="rId15"/>
+    <p:sldId id="267" r:id="rId16"/>
+    <p:sldId id="268" r:id="rId17"/>
+    <p:sldId id="269" r:id="rId18"/>
+    <p:sldId id="270" r:id="rId19"/>
+    <p:sldId id="271" r:id="rId20"/>
+    <p:sldId id="272" r:id="rId21"/>
+    <p:sldId id="275" r:id="rId22"/>
+    <p:sldId id="276" r:id="rId23"/>
+    <p:sldId id="277" r:id="rId24"/>
+    <p:sldId id="278" r:id="rId25"/>
+    <p:sldId id="279" r:id="rId26"/>
+    <p:sldId id="283" r:id="rId27"/>
+    <p:sldId id="286" r:id="rId28"/>
+    <p:sldId id="284" r:id="rId29"/>
+    <p:sldId id="285" r:id="rId30"/>
+    <p:sldId id="274" r:id="rId31"/>
+    <p:sldId id="288" r:id="rId32"/>
+    <p:sldId id="289" r:id="rId33"/>
+    <p:sldId id="280" r:id="rId34"/>
   </p:sldIdLst>
   <p:sldSz cx="12192000" cy="6858000"/>
   <p:notesSz cx="6858000" cy="9144000"/>
@@ -3570,7 +3575,7 @@
           <p:cNvPr id="2" name="제목 1">
             <a:extLst>
               <a:ext uri="{FF2B5EF4-FFF2-40B4-BE49-F238E27FC236}">
-                <a16:creationId xmlns:a16="http://schemas.microsoft.com/office/drawing/2014/main" id="{2E262C1D-1721-4720-B5E4-CEC5D3FD360E}"/>
+                <a16:creationId xmlns:a16="http://schemas.microsoft.com/office/drawing/2014/main" id="{4119BA28-8F60-430E-BF54-5F80F470F16F}"/>
               </a:ext>
             </a:extLst>
           </p:cNvPr>
@@ -3652,7 +3657,7 @@
           <p:cNvPr id="5" name="내용 개체 틀 4">
             <a:extLst>
               <a:ext uri="{FF2B5EF4-FFF2-40B4-BE49-F238E27FC236}">
-                <a16:creationId xmlns:a16="http://schemas.microsoft.com/office/drawing/2014/main" id="{F0980F15-8D80-43F3-A295-FB5BC0FD1FBA}"/>
+                <a16:creationId xmlns:a16="http://schemas.microsoft.com/office/drawing/2014/main" id="{8A3D74DA-9DB7-4079-A7A2-0DF44923D302}"/>
               </a:ext>
             </a:extLst>
           </p:cNvPr>
@@ -3671,51 +3676,74 @@
         </p:blipFill>
         <p:spPr>
           <a:xfrm>
-            <a:off x="4457700" y="3415506"/>
-            <a:ext cx="3276600" cy="1171575"/>
+            <a:off x="148389" y="2073985"/>
+            <a:ext cx="3686175" cy="2276475"/>
           </a:xfrm>
         </p:spPr>
       </p:pic>
-      <p:sp>
-        <p:nvSpPr>
-          <p:cNvPr id="6" name="TextBox 5">
-            <a:extLst>
-              <a:ext uri="{FF2B5EF4-FFF2-40B4-BE49-F238E27FC236}">
-                <a16:creationId xmlns:a16="http://schemas.microsoft.com/office/drawing/2014/main" id="{450D2C54-1FA2-4E7C-9B51-F71FA401EE65}"/>
-              </a:ext>
-            </a:extLst>
-          </p:cNvPr>
-          <p:cNvSpPr txBox="1"/>
+      <p:pic>
+        <p:nvPicPr>
+          <p:cNvPr id="7" name="그림 6">
+            <a:extLst>
+              <a:ext uri="{FF2B5EF4-FFF2-40B4-BE49-F238E27FC236}">
+                <a16:creationId xmlns:a16="http://schemas.microsoft.com/office/drawing/2014/main" id="{63278E3C-8F53-44F5-96E9-6ADF970BAA70}"/>
+              </a:ext>
+            </a:extLst>
+          </p:cNvPr>
+          <p:cNvPicPr>
+            <a:picLocks noChangeAspect="1"/>
+          </p:cNvPicPr>
           <p:nvPr/>
-        </p:nvSpPr>
-        <p:spPr>
-          <a:xfrm>
-            <a:off x="4457700" y="2944536"/>
-            <a:ext cx="1534394" cy="369332"/>
+        </p:nvPicPr>
+        <p:blipFill rotWithShape="1">
+          <a:blip r:embed="rId3"/>
+          <a:srcRect r="53373"/>
+          <a:stretch/>
+        </p:blipFill>
+        <p:spPr>
+          <a:xfrm>
+            <a:off x="3956133" y="2073985"/>
+            <a:ext cx="3686175" cy="4591050"/>
           </a:xfrm>
           <a:prstGeom prst="rect">
             <a:avLst/>
           </a:prstGeom>
-          <a:noFill/>
-        </p:spPr>
-        <p:txBody>
-          <a:bodyPr wrap="none" rtlCol="0">
-            <a:spAutoFit/>
-          </a:bodyPr>
-          <a:lstStyle/>
-          <a:p>
-            <a:r>
-              <a:rPr lang="en-US" altLang="ko-KR" dirty="0"/>
-              <a:t>File output : </a:t>
-            </a:r>
-            <a:endParaRPr lang="ko-KR" altLang="en-US" dirty="0"/>
-          </a:p>
-        </p:txBody>
-      </p:sp>
+        </p:spPr>
+      </p:pic>
+      <p:pic>
+        <p:nvPicPr>
+          <p:cNvPr id="9" name="그림 8">
+            <a:extLst>
+              <a:ext uri="{FF2B5EF4-FFF2-40B4-BE49-F238E27FC236}">
+                <a16:creationId xmlns:a16="http://schemas.microsoft.com/office/drawing/2014/main" id="{F72EF3A3-1C8D-4CE9-9DFA-9CE303574435}"/>
+              </a:ext>
+            </a:extLst>
+          </p:cNvPr>
+          <p:cNvPicPr>
+            <a:picLocks noChangeAspect="1"/>
+          </p:cNvPicPr>
+          <p:nvPr/>
+        </p:nvPicPr>
+        <p:blipFill>
+          <a:blip r:embed="rId4"/>
+          <a:stretch>
+            <a:fillRect/>
+          </a:stretch>
+        </p:blipFill>
+        <p:spPr>
+          <a:xfrm>
+            <a:off x="7763878" y="2073985"/>
+            <a:ext cx="3686175" cy="4629150"/>
+          </a:xfrm>
+          <a:prstGeom prst="rect">
+            <a:avLst/>
+          </a:prstGeom>
+        </p:spPr>
+      </p:pic>
     </p:spTree>
     <p:extLst>
       <p:ext uri="{BB962C8B-B14F-4D97-AF65-F5344CB8AC3E}">
-        <p14:creationId xmlns:p14="http://schemas.microsoft.com/office/powerpoint/2010/main" val="1602584790"/>
+        <p14:creationId xmlns:p14="http://schemas.microsoft.com/office/powerpoint/2010/main" val="4234833145"/>
       </p:ext>
     </p:extLst>
   </p:cSld>
@@ -3747,7 +3775,7 @@
           <p:cNvPr id="2" name="제목 1">
             <a:extLst>
               <a:ext uri="{FF2B5EF4-FFF2-40B4-BE49-F238E27FC236}">
-                <a16:creationId xmlns:a16="http://schemas.microsoft.com/office/drawing/2014/main" id="{759C7C49-78ED-451A-9D8A-9A0E184DED78}"/>
+                <a16:creationId xmlns:a16="http://schemas.microsoft.com/office/drawing/2014/main" id="{2E262C1D-1721-4720-B5E4-CEC5D3FD360E}"/>
               </a:ext>
             </a:extLst>
           </p:cNvPr>
@@ -3761,7 +3789,7 @@
         <p:spPr/>
         <p:txBody>
           <a:bodyPr>
-            <a:normAutofit/>
+            <a:normAutofit fontScale="90000"/>
           </a:bodyPr>
           <a:lstStyle/>
           <a:p>
@@ -3771,7 +3799,38 @@
             </a:r>
             <a:r>
               <a:rPr lang="en-US" altLang="ko-KR" dirty="0"/>
-              <a:t>#6 : </a:t>
+              <a:t>#5 : </a:t>
+            </a:r>
+            <a:r>
+              <a:rPr lang="ko-KR" altLang="en-US" dirty="0"/>
+              <a:t>선거가 하나도 생성되지 않은 상태로</a:t>
+            </a:r>
+            <a:r>
+              <a:rPr lang="en-US" altLang="ko-KR" dirty="0"/>
+              <a:t>, </a:t>
+            </a:r>
+            <a:r>
+              <a:rPr lang="ko-KR" altLang="en-US" dirty="0"/>
+              <a:t>관리자가 로그인할 경우 </a:t>
+            </a:r>
+            <a:r>
+              <a:rPr lang="en-US" altLang="ko-KR" dirty="0"/>
+              <a:t>[</a:t>
+            </a:r>
+            <a:r>
+              <a:rPr lang="ko-KR" altLang="en-US" dirty="0"/>
+              <a:t>선거등록</a:t>
+            </a:r>
+            <a:r>
+              <a:rPr lang="en-US" altLang="ko-KR" dirty="0"/>
+              <a:t>]</a:t>
+            </a:r>
+            <a:br>
+              <a:rPr lang="en-US" altLang="ko-KR" dirty="0"/>
+            </a:br>
+            <a:r>
+              <a:rPr lang="en-US" altLang="ko-KR" dirty="0"/>
+              <a:t>[</a:t>
             </a:r>
             <a:r>
               <a:rPr lang="ko-KR" altLang="en-US" dirty="0"/>
@@ -3783,23 +3842,7 @@
             </a:r>
             <a:r>
               <a:rPr lang="ko-KR" altLang="en-US" dirty="0"/>
-              <a:t>개인 선거가 하나가 생성된 상태로</a:t>
-            </a:r>
-            <a:r>
-              <a:rPr lang="en-US" altLang="ko-KR" dirty="0"/>
-              <a:t>, </a:t>
-            </a:r>
-            <a:r>
-              <a:rPr lang="ko-KR" altLang="en-US" dirty="0"/>
-              <a:t>관리자가 </a:t>
-            </a:r>
-            <a:r>
-              <a:rPr lang="en-US" altLang="ko-KR" dirty="0"/>
-              <a:t>[</a:t>
-            </a:r>
-            <a:r>
-              <a:rPr lang="ko-KR" altLang="en-US" dirty="0"/>
-              <a:t>투표율확인</a:t>
+              <a:t>개 등록</a:t>
             </a:r>
             <a:r>
               <a:rPr lang="en-US" altLang="ko-KR" dirty="0"/>
@@ -3814,7 +3857,7 @@
           <p:cNvPr id="5" name="내용 개체 틀 4">
             <a:extLst>
               <a:ext uri="{FF2B5EF4-FFF2-40B4-BE49-F238E27FC236}">
-                <a16:creationId xmlns:a16="http://schemas.microsoft.com/office/drawing/2014/main" id="{21E7A087-0DE8-4940-B44B-59516C33A319}"/>
+                <a16:creationId xmlns:a16="http://schemas.microsoft.com/office/drawing/2014/main" id="{F0980F15-8D80-43F3-A295-FB5BC0FD1FBA}"/>
               </a:ext>
             </a:extLst>
           </p:cNvPr>
@@ -3833,8 +3876,8 @@
         </p:blipFill>
         <p:spPr>
           <a:xfrm>
-            <a:off x="838200" y="2256995"/>
-            <a:ext cx="7058025" cy="552450"/>
+            <a:off x="4457700" y="3415506"/>
+            <a:ext cx="3276600" cy="1171575"/>
           </a:xfrm>
         </p:spPr>
       </p:pic>
@@ -3843,7 +3886,7 @@
           <p:cNvPr id="6" name="TextBox 5">
             <a:extLst>
               <a:ext uri="{FF2B5EF4-FFF2-40B4-BE49-F238E27FC236}">
-                <a16:creationId xmlns:a16="http://schemas.microsoft.com/office/drawing/2014/main" id="{D1552C71-10C4-442C-8B69-F404604216D0}"/>
+                <a16:creationId xmlns:a16="http://schemas.microsoft.com/office/drawing/2014/main" id="{450D2C54-1FA2-4E7C-9B51-F71FA401EE65}"/>
               </a:ext>
             </a:extLst>
           </p:cNvPr>
@@ -3852,8 +3895,8 @@
         </p:nvSpPr>
         <p:spPr>
           <a:xfrm>
-            <a:off x="838200" y="1887663"/>
-            <a:ext cx="1896609" cy="369332"/>
+            <a:off x="4457700" y="2944536"/>
+            <a:ext cx="1534394" cy="369332"/>
           </a:xfrm>
           <a:prstGeom prst="rect">
             <a:avLst/>
@@ -3868,234 +3911,16 @@
           <a:p>
             <a:r>
               <a:rPr lang="en-US" altLang="ko-KR" dirty="0"/>
-              <a:t>Error Message : </a:t>
+              <a:t>File output : </a:t>
             </a:r>
             <a:endParaRPr lang="ko-KR" altLang="en-US" dirty="0"/>
-          </a:p>
-        </p:txBody>
-      </p:sp>
-      <p:pic>
-        <p:nvPicPr>
-          <p:cNvPr id="8" name="그림 7">
-            <a:extLst>
-              <a:ext uri="{FF2B5EF4-FFF2-40B4-BE49-F238E27FC236}">
-                <a16:creationId xmlns:a16="http://schemas.microsoft.com/office/drawing/2014/main" id="{CCDB1E27-1280-4900-8FCC-295691A6F407}"/>
-              </a:ext>
-            </a:extLst>
-          </p:cNvPr>
-          <p:cNvPicPr>
-            <a:picLocks noChangeAspect="1"/>
-          </p:cNvPicPr>
-          <p:nvPr/>
-        </p:nvPicPr>
-        <p:blipFill>
-          <a:blip r:embed="rId3"/>
-          <a:stretch>
-            <a:fillRect/>
-          </a:stretch>
-        </p:blipFill>
-        <p:spPr>
-          <a:xfrm>
-            <a:off x="838200" y="3534206"/>
-            <a:ext cx="7248525" cy="1028700"/>
-          </a:xfrm>
-          <a:prstGeom prst="rect">
-            <a:avLst/>
-          </a:prstGeom>
-        </p:spPr>
-      </p:pic>
-      <p:pic>
-        <p:nvPicPr>
-          <p:cNvPr id="10" name="그림 9">
-            <a:extLst>
-              <a:ext uri="{FF2B5EF4-FFF2-40B4-BE49-F238E27FC236}">
-                <a16:creationId xmlns:a16="http://schemas.microsoft.com/office/drawing/2014/main" id="{739568F8-E797-4EAD-9B1A-62D0993153B3}"/>
-              </a:ext>
-            </a:extLst>
-          </p:cNvPr>
-          <p:cNvPicPr>
-            <a:picLocks noChangeAspect="1"/>
-          </p:cNvPicPr>
-          <p:nvPr/>
-        </p:nvPicPr>
-        <p:blipFill>
-          <a:blip r:embed="rId4"/>
-          <a:stretch>
-            <a:fillRect/>
-          </a:stretch>
-        </p:blipFill>
-        <p:spPr>
-          <a:xfrm>
-            <a:off x="862012" y="5032022"/>
-            <a:ext cx="7200900" cy="971550"/>
-          </a:xfrm>
-          <a:prstGeom prst="rect">
-            <a:avLst/>
-          </a:prstGeom>
-        </p:spPr>
-      </p:pic>
-      <p:sp>
-        <p:nvSpPr>
-          <p:cNvPr id="11" name="화살표: 아래쪽 10">
-            <a:extLst>
-              <a:ext uri="{FF2B5EF4-FFF2-40B4-BE49-F238E27FC236}">
-                <a16:creationId xmlns:a16="http://schemas.microsoft.com/office/drawing/2014/main" id="{EC2444CB-7C61-4E28-8DCC-604F81EF4A4A}"/>
-              </a:ext>
-            </a:extLst>
-          </p:cNvPr>
-          <p:cNvSpPr/>
-          <p:nvPr/>
-        </p:nvSpPr>
-        <p:spPr>
-          <a:xfrm>
-            <a:off x="4068661" y="4562906"/>
-            <a:ext cx="302003" cy="347275"/>
-          </a:xfrm>
-          <a:prstGeom prst="downArrow">
-            <a:avLst/>
-          </a:prstGeom>
-        </p:spPr>
-        <p:style>
-          <a:lnRef idx="2">
-            <a:schemeClr val="accent1">
-              <a:shade val="50000"/>
-            </a:schemeClr>
-          </a:lnRef>
-          <a:fillRef idx="1">
-            <a:schemeClr val="accent1"/>
-          </a:fillRef>
-          <a:effectRef idx="0">
-            <a:schemeClr val="accent1"/>
-          </a:effectRef>
-          <a:fontRef idx="minor">
-            <a:schemeClr val="lt1"/>
-          </a:fontRef>
-        </p:style>
-        <p:txBody>
-          <a:bodyPr rtlCol="0" anchor="ctr"/>
-          <a:lstStyle/>
-          <a:p>
-            <a:pPr algn="ctr"/>
-            <a:endParaRPr lang="ko-KR" altLang="en-US"/>
-          </a:p>
-        </p:txBody>
-      </p:sp>
-      <p:sp>
-        <p:nvSpPr>
-          <p:cNvPr id="12" name="TextBox 11">
-            <a:extLst>
-              <a:ext uri="{FF2B5EF4-FFF2-40B4-BE49-F238E27FC236}">
-                <a16:creationId xmlns:a16="http://schemas.microsoft.com/office/drawing/2014/main" id="{17BE8436-E121-4351-8408-2FD06D8B749C}"/>
-              </a:ext>
-            </a:extLst>
-          </p:cNvPr>
-          <p:cNvSpPr txBox="1"/>
-          <p:nvPr/>
-        </p:nvSpPr>
-        <p:spPr>
-          <a:xfrm>
-            <a:off x="838200" y="3178777"/>
-            <a:ext cx="939360" cy="369332"/>
-          </a:xfrm>
-          <a:prstGeom prst="rect">
-            <a:avLst/>
-          </a:prstGeom>
-          <a:noFill/>
-        </p:spPr>
-        <p:txBody>
-          <a:bodyPr wrap="none" rtlCol="0">
-            <a:spAutoFit/>
-          </a:bodyPr>
-          <a:lstStyle/>
-          <a:p>
-            <a:r>
-              <a:rPr lang="en-US" altLang="ko-KR" dirty="0"/>
-              <a:t>Fixed : </a:t>
-            </a:r>
-            <a:endParaRPr lang="ko-KR" altLang="en-US" dirty="0"/>
-          </a:p>
-        </p:txBody>
-      </p:sp>
-      <p:pic>
-        <p:nvPicPr>
-          <p:cNvPr id="14" name="그림 13">
-            <a:extLst>
-              <a:ext uri="{FF2B5EF4-FFF2-40B4-BE49-F238E27FC236}">
-                <a16:creationId xmlns:a16="http://schemas.microsoft.com/office/drawing/2014/main" id="{CFB0DD1B-0746-43F1-96AA-500F165BE442}"/>
-              </a:ext>
-            </a:extLst>
-          </p:cNvPr>
-          <p:cNvPicPr>
-            <a:picLocks noChangeAspect="1"/>
-          </p:cNvPicPr>
-          <p:nvPr/>
-        </p:nvPicPr>
-        <p:blipFill>
-          <a:blip r:embed="rId5"/>
-          <a:stretch>
-            <a:fillRect/>
-          </a:stretch>
-        </p:blipFill>
-        <p:spPr>
-          <a:xfrm>
-            <a:off x="9155329" y="1793386"/>
-            <a:ext cx="2910718" cy="4819123"/>
-          </a:xfrm>
-          <a:prstGeom prst="rect">
-            <a:avLst/>
-          </a:prstGeom>
-        </p:spPr>
-      </p:pic>
-      <p:sp>
-        <p:nvSpPr>
-          <p:cNvPr id="15" name="화살표: 오른쪽 14">
-            <a:extLst>
-              <a:ext uri="{FF2B5EF4-FFF2-40B4-BE49-F238E27FC236}">
-                <a16:creationId xmlns:a16="http://schemas.microsoft.com/office/drawing/2014/main" id="{507C7F4C-905F-4EA4-A864-E100A3337373}"/>
-              </a:ext>
-            </a:extLst>
-          </p:cNvPr>
-          <p:cNvSpPr/>
-          <p:nvPr/>
-        </p:nvSpPr>
-        <p:spPr>
-          <a:xfrm>
-            <a:off x="8347046" y="5251508"/>
-            <a:ext cx="679508" cy="570452"/>
-          </a:xfrm>
-          <a:prstGeom prst="rightArrow">
-            <a:avLst/>
-          </a:prstGeom>
-        </p:spPr>
-        <p:style>
-          <a:lnRef idx="2">
-            <a:schemeClr val="accent1">
-              <a:shade val="50000"/>
-            </a:schemeClr>
-          </a:lnRef>
-          <a:fillRef idx="1">
-            <a:schemeClr val="accent1"/>
-          </a:fillRef>
-          <a:effectRef idx="0">
-            <a:schemeClr val="accent1"/>
-          </a:effectRef>
-          <a:fontRef idx="minor">
-            <a:schemeClr val="lt1"/>
-          </a:fontRef>
-        </p:style>
-        <p:txBody>
-          <a:bodyPr rtlCol="0" anchor="ctr"/>
-          <a:lstStyle/>
-          <a:p>
-            <a:pPr algn="ctr"/>
-            <a:endParaRPr lang="ko-KR" altLang="en-US"/>
           </a:p>
         </p:txBody>
       </p:sp>
     </p:spTree>
     <p:extLst>
       <p:ext uri="{BB962C8B-B14F-4D97-AF65-F5344CB8AC3E}">
-        <p14:creationId xmlns:p14="http://schemas.microsoft.com/office/powerpoint/2010/main" val="983145349"/>
+        <p14:creationId xmlns:p14="http://schemas.microsoft.com/office/powerpoint/2010/main" val="1602584790"/>
       </p:ext>
     </p:extLst>
   </p:cSld>
@@ -4127,7 +3952,7 @@
           <p:cNvPr id="2" name="제목 1">
             <a:extLst>
               <a:ext uri="{FF2B5EF4-FFF2-40B4-BE49-F238E27FC236}">
-                <a16:creationId xmlns:a16="http://schemas.microsoft.com/office/drawing/2014/main" id="{37779B94-485B-4DD5-89AC-22B55077DF6F}"/>
+                <a16:creationId xmlns:a16="http://schemas.microsoft.com/office/drawing/2014/main" id="{759C7C49-78ED-451A-9D8A-9A0E184DED78}"/>
               </a:ext>
             </a:extLst>
           </p:cNvPr>
@@ -4140,7 +3965,9 @@
         </p:nvSpPr>
         <p:spPr/>
         <p:txBody>
-          <a:bodyPr/>
+          <a:bodyPr>
+            <a:normAutofit/>
+          </a:bodyPr>
           <a:lstStyle/>
           <a:p>
             <a:r>
@@ -4149,7 +3976,7 @@
             </a:r>
             <a:r>
               <a:rPr lang="en-US" altLang="ko-KR" dirty="0"/>
-              <a:t>#7 : </a:t>
+              <a:t>#6 : </a:t>
             </a:r>
             <a:r>
               <a:rPr lang="ko-KR" altLang="en-US" dirty="0"/>
@@ -4177,7 +4004,7 @@
             </a:r>
             <a:r>
               <a:rPr lang="ko-KR" altLang="en-US" dirty="0"/>
-              <a:t>선거관리</a:t>
+              <a:t>투표율확인</a:t>
             </a:r>
             <a:r>
               <a:rPr lang="en-US" altLang="ko-KR" dirty="0"/>
@@ -4192,7 +4019,7 @@
           <p:cNvPr id="5" name="내용 개체 틀 4">
             <a:extLst>
               <a:ext uri="{FF2B5EF4-FFF2-40B4-BE49-F238E27FC236}">
-                <a16:creationId xmlns:a16="http://schemas.microsoft.com/office/drawing/2014/main" id="{D4B597ED-1A17-410E-8BBF-115B99AD7C9D}"/>
+                <a16:creationId xmlns:a16="http://schemas.microsoft.com/office/drawing/2014/main" id="{21E7A087-0DE8-4940-B44B-59516C33A319}"/>
               </a:ext>
             </a:extLst>
           </p:cNvPr>
@@ -4211,17 +4038,53 @@
         </p:blipFill>
         <p:spPr>
           <a:xfrm>
-            <a:off x="2418228" y="1926292"/>
-            <a:ext cx="2590597" cy="4351338"/>
+            <a:off x="838200" y="2256995"/>
+            <a:ext cx="7058025" cy="552450"/>
           </a:xfrm>
         </p:spPr>
       </p:pic>
+      <p:sp>
+        <p:nvSpPr>
+          <p:cNvPr id="6" name="TextBox 5">
+            <a:extLst>
+              <a:ext uri="{FF2B5EF4-FFF2-40B4-BE49-F238E27FC236}">
+                <a16:creationId xmlns:a16="http://schemas.microsoft.com/office/drawing/2014/main" id="{D1552C71-10C4-442C-8B69-F404604216D0}"/>
+              </a:ext>
+            </a:extLst>
+          </p:cNvPr>
+          <p:cNvSpPr txBox="1"/>
+          <p:nvPr/>
+        </p:nvSpPr>
+        <p:spPr>
+          <a:xfrm>
+            <a:off x="838200" y="1887663"/>
+            <a:ext cx="1896609" cy="369332"/>
+          </a:xfrm>
+          <a:prstGeom prst="rect">
+            <a:avLst/>
+          </a:prstGeom>
+          <a:noFill/>
+        </p:spPr>
+        <p:txBody>
+          <a:bodyPr wrap="none" rtlCol="0">
+            <a:spAutoFit/>
+          </a:bodyPr>
+          <a:lstStyle/>
+          <a:p>
+            <a:r>
+              <a:rPr lang="en-US" altLang="ko-KR" dirty="0"/>
+              <a:t>Error Message : </a:t>
+            </a:r>
+            <a:endParaRPr lang="ko-KR" altLang="en-US" dirty="0"/>
+          </a:p>
+        </p:txBody>
+      </p:sp>
       <p:pic>
         <p:nvPicPr>
-          <p:cNvPr id="7" name="그림 6">
-            <a:extLst>
-              <a:ext uri="{FF2B5EF4-FFF2-40B4-BE49-F238E27FC236}">
-                <a16:creationId xmlns:a16="http://schemas.microsoft.com/office/drawing/2014/main" id="{BB2663E2-DD21-4320-B372-13858A1D525D}"/>
+          <p:cNvPr id="8" name="그림 7">
+            <a:extLst>
+              <a:ext uri="{FF2B5EF4-FFF2-40B4-BE49-F238E27FC236}">
+                <a16:creationId xmlns:a16="http://schemas.microsoft.com/office/drawing/2014/main" id="{CCDB1E27-1280-4900-8FCC-295691A6F407}"/>
               </a:ext>
             </a:extLst>
           </p:cNvPr>
@@ -4238,18 +4101,206 @@
         </p:blipFill>
         <p:spPr>
           <a:xfrm>
-            <a:off x="6839474" y="1926292"/>
-            <a:ext cx="2610803" cy="4351339"/>
+            <a:off x="838200" y="3534206"/>
+            <a:ext cx="7248525" cy="1028700"/>
           </a:xfrm>
           <a:prstGeom prst="rect">
             <a:avLst/>
           </a:prstGeom>
         </p:spPr>
       </p:pic>
+      <p:pic>
+        <p:nvPicPr>
+          <p:cNvPr id="10" name="그림 9">
+            <a:extLst>
+              <a:ext uri="{FF2B5EF4-FFF2-40B4-BE49-F238E27FC236}">
+                <a16:creationId xmlns:a16="http://schemas.microsoft.com/office/drawing/2014/main" id="{739568F8-E797-4EAD-9B1A-62D0993153B3}"/>
+              </a:ext>
+            </a:extLst>
+          </p:cNvPr>
+          <p:cNvPicPr>
+            <a:picLocks noChangeAspect="1"/>
+          </p:cNvPicPr>
+          <p:nvPr/>
+        </p:nvPicPr>
+        <p:blipFill>
+          <a:blip r:embed="rId4"/>
+          <a:stretch>
+            <a:fillRect/>
+          </a:stretch>
+        </p:blipFill>
+        <p:spPr>
+          <a:xfrm>
+            <a:off x="862012" y="5032022"/>
+            <a:ext cx="7200900" cy="971550"/>
+          </a:xfrm>
+          <a:prstGeom prst="rect">
+            <a:avLst/>
+          </a:prstGeom>
+        </p:spPr>
+      </p:pic>
+      <p:sp>
+        <p:nvSpPr>
+          <p:cNvPr id="11" name="화살표: 아래쪽 10">
+            <a:extLst>
+              <a:ext uri="{FF2B5EF4-FFF2-40B4-BE49-F238E27FC236}">
+                <a16:creationId xmlns:a16="http://schemas.microsoft.com/office/drawing/2014/main" id="{EC2444CB-7C61-4E28-8DCC-604F81EF4A4A}"/>
+              </a:ext>
+            </a:extLst>
+          </p:cNvPr>
+          <p:cNvSpPr/>
+          <p:nvPr/>
+        </p:nvSpPr>
+        <p:spPr>
+          <a:xfrm>
+            <a:off x="4068661" y="4562906"/>
+            <a:ext cx="302003" cy="347275"/>
+          </a:xfrm>
+          <a:prstGeom prst="downArrow">
+            <a:avLst/>
+          </a:prstGeom>
+        </p:spPr>
+        <p:style>
+          <a:lnRef idx="2">
+            <a:schemeClr val="accent1">
+              <a:shade val="50000"/>
+            </a:schemeClr>
+          </a:lnRef>
+          <a:fillRef idx="1">
+            <a:schemeClr val="accent1"/>
+          </a:fillRef>
+          <a:effectRef idx="0">
+            <a:schemeClr val="accent1"/>
+          </a:effectRef>
+          <a:fontRef idx="minor">
+            <a:schemeClr val="lt1"/>
+          </a:fontRef>
+        </p:style>
+        <p:txBody>
+          <a:bodyPr rtlCol="0" anchor="ctr"/>
+          <a:lstStyle/>
+          <a:p>
+            <a:pPr algn="ctr"/>
+            <a:endParaRPr lang="ko-KR" altLang="en-US"/>
+          </a:p>
+        </p:txBody>
+      </p:sp>
+      <p:sp>
+        <p:nvSpPr>
+          <p:cNvPr id="12" name="TextBox 11">
+            <a:extLst>
+              <a:ext uri="{FF2B5EF4-FFF2-40B4-BE49-F238E27FC236}">
+                <a16:creationId xmlns:a16="http://schemas.microsoft.com/office/drawing/2014/main" id="{17BE8436-E121-4351-8408-2FD06D8B749C}"/>
+              </a:ext>
+            </a:extLst>
+          </p:cNvPr>
+          <p:cNvSpPr txBox="1"/>
+          <p:nvPr/>
+        </p:nvSpPr>
+        <p:spPr>
+          <a:xfrm>
+            <a:off x="838200" y="3178777"/>
+            <a:ext cx="939360" cy="369332"/>
+          </a:xfrm>
+          <a:prstGeom prst="rect">
+            <a:avLst/>
+          </a:prstGeom>
+          <a:noFill/>
+        </p:spPr>
+        <p:txBody>
+          <a:bodyPr wrap="none" rtlCol="0">
+            <a:spAutoFit/>
+          </a:bodyPr>
+          <a:lstStyle/>
+          <a:p>
+            <a:r>
+              <a:rPr lang="en-US" altLang="ko-KR" dirty="0"/>
+              <a:t>Fixed : </a:t>
+            </a:r>
+            <a:endParaRPr lang="ko-KR" altLang="en-US" dirty="0"/>
+          </a:p>
+        </p:txBody>
+      </p:sp>
+      <p:pic>
+        <p:nvPicPr>
+          <p:cNvPr id="14" name="그림 13">
+            <a:extLst>
+              <a:ext uri="{FF2B5EF4-FFF2-40B4-BE49-F238E27FC236}">
+                <a16:creationId xmlns:a16="http://schemas.microsoft.com/office/drawing/2014/main" id="{CFB0DD1B-0746-43F1-96AA-500F165BE442}"/>
+              </a:ext>
+            </a:extLst>
+          </p:cNvPr>
+          <p:cNvPicPr>
+            <a:picLocks noChangeAspect="1"/>
+          </p:cNvPicPr>
+          <p:nvPr/>
+        </p:nvPicPr>
+        <p:blipFill>
+          <a:blip r:embed="rId5"/>
+          <a:stretch>
+            <a:fillRect/>
+          </a:stretch>
+        </p:blipFill>
+        <p:spPr>
+          <a:xfrm>
+            <a:off x="9155329" y="1793386"/>
+            <a:ext cx="2910718" cy="4819123"/>
+          </a:xfrm>
+          <a:prstGeom prst="rect">
+            <a:avLst/>
+          </a:prstGeom>
+        </p:spPr>
+      </p:pic>
+      <p:sp>
+        <p:nvSpPr>
+          <p:cNvPr id="15" name="화살표: 오른쪽 14">
+            <a:extLst>
+              <a:ext uri="{FF2B5EF4-FFF2-40B4-BE49-F238E27FC236}">
+                <a16:creationId xmlns:a16="http://schemas.microsoft.com/office/drawing/2014/main" id="{507C7F4C-905F-4EA4-A864-E100A3337373}"/>
+              </a:ext>
+            </a:extLst>
+          </p:cNvPr>
+          <p:cNvSpPr/>
+          <p:nvPr/>
+        </p:nvSpPr>
+        <p:spPr>
+          <a:xfrm>
+            <a:off x="8347046" y="5251508"/>
+            <a:ext cx="679508" cy="570452"/>
+          </a:xfrm>
+          <a:prstGeom prst="rightArrow">
+            <a:avLst/>
+          </a:prstGeom>
+        </p:spPr>
+        <p:style>
+          <a:lnRef idx="2">
+            <a:schemeClr val="accent1">
+              <a:shade val="50000"/>
+            </a:schemeClr>
+          </a:lnRef>
+          <a:fillRef idx="1">
+            <a:schemeClr val="accent1"/>
+          </a:fillRef>
+          <a:effectRef idx="0">
+            <a:schemeClr val="accent1"/>
+          </a:effectRef>
+          <a:fontRef idx="minor">
+            <a:schemeClr val="lt1"/>
+          </a:fontRef>
+        </p:style>
+        <p:txBody>
+          <a:bodyPr rtlCol="0" anchor="ctr"/>
+          <a:lstStyle/>
+          <a:p>
+            <a:pPr algn="ctr"/>
+            <a:endParaRPr lang="ko-KR" altLang="en-US"/>
+          </a:p>
+        </p:txBody>
+      </p:sp>
     </p:spTree>
     <p:extLst>
       <p:ext uri="{BB962C8B-B14F-4D97-AF65-F5344CB8AC3E}">
-        <p14:creationId xmlns:p14="http://schemas.microsoft.com/office/powerpoint/2010/main" val="1722058392"/>
+        <p14:creationId xmlns:p14="http://schemas.microsoft.com/office/powerpoint/2010/main" val="983145349"/>
       </p:ext>
     </p:extLst>
   </p:cSld>
@@ -4281,7 +4332,7 @@
           <p:cNvPr id="2" name="제목 1">
             <a:extLst>
               <a:ext uri="{FF2B5EF4-FFF2-40B4-BE49-F238E27FC236}">
-                <a16:creationId xmlns:a16="http://schemas.microsoft.com/office/drawing/2014/main" id="{D099BBD4-7467-409F-BFFE-1FFA0F937046}"/>
+                <a16:creationId xmlns:a16="http://schemas.microsoft.com/office/drawing/2014/main" id="{37779B94-485B-4DD5-89AC-22B55077DF6F}"/>
               </a:ext>
             </a:extLst>
           </p:cNvPr>
@@ -4294,9 +4345,7 @@
         </p:nvSpPr>
         <p:spPr/>
         <p:txBody>
-          <a:bodyPr>
-            <a:normAutofit fontScale="90000"/>
-          </a:bodyPr>
+          <a:bodyPr/>
           <a:lstStyle/>
           <a:p>
             <a:r>
@@ -4305,7 +4354,7 @@
             </a:r>
             <a:r>
               <a:rPr lang="en-US" altLang="ko-KR" dirty="0"/>
-              <a:t>#8 : </a:t>
+              <a:t>#7 : </a:t>
             </a:r>
             <a:r>
               <a:rPr lang="ko-KR" altLang="en-US" dirty="0"/>
@@ -4327,9 +4376,6 @@
               <a:rPr lang="ko-KR" altLang="en-US" dirty="0"/>
               <a:t>관리자가 </a:t>
             </a:r>
-            <a:br>
-              <a:rPr lang="en-US" altLang="ko-KR" dirty="0"/>
-            </a:br>
             <a:r>
               <a:rPr lang="en-US" altLang="ko-KR" dirty="0"/>
               <a:t>[</a:t>
@@ -4337,22 +4383,6 @@
             <a:r>
               <a:rPr lang="ko-KR" altLang="en-US" dirty="0"/>
               <a:t>선거관리</a:t>
-            </a:r>
-            <a:r>
-              <a:rPr lang="en-US" altLang="ko-KR" dirty="0"/>
-              <a:t>] – [</a:t>
-            </a:r>
-            <a:r>
-              <a:rPr lang="ko-KR" altLang="en-US" dirty="0"/>
-              <a:t>진행중인 선거</a:t>
-            </a:r>
-            <a:r>
-              <a:rPr lang="en-US" altLang="ko-KR" dirty="0"/>
-              <a:t>] – [</a:t>
-            </a:r>
-            <a:r>
-              <a:rPr lang="ko-KR" altLang="en-US" dirty="0"/>
-              <a:t>강제종료</a:t>
             </a:r>
             <a:r>
               <a:rPr lang="en-US" altLang="ko-KR" dirty="0"/>
@@ -4367,7 +4397,7 @@
           <p:cNvPr id="5" name="내용 개체 틀 4">
             <a:extLst>
               <a:ext uri="{FF2B5EF4-FFF2-40B4-BE49-F238E27FC236}">
-                <a16:creationId xmlns:a16="http://schemas.microsoft.com/office/drawing/2014/main" id="{29573B27-8890-49CC-A82B-193064693313}"/>
+                <a16:creationId xmlns:a16="http://schemas.microsoft.com/office/drawing/2014/main" id="{D4B597ED-1A17-410E-8BBF-115B99AD7C9D}"/>
               </a:ext>
             </a:extLst>
           </p:cNvPr>
@@ -4386,8 +4416,8 @@
         </p:blipFill>
         <p:spPr>
           <a:xfrm>
-            <a:off x="3471584" y="2043739"/>
-            <a:ext cx="2643942" cy="4351338"/>
+            <a:off x="2418228" y="1926292"/>
+            <a:ext cx="2590597" cy="4351338"/>
           </a:xfrm>
         </p:spPr>
       </p:pic>
@@ -4396,7 +4426,7 @@
           <p:cNvPr id="7" name="그림 6">
             <a:extLst>
               <a:ext uri="{FF2B5EF4-FFF2-40B4-BE49-F238E27FC236}">
-                <a16:creationId xmlns:a16="http://schemas.microsoft.com/office/drawing/2014/main" id="{75C7404F-9042-4516-92ED-62ACC7FE6101}"/>
+                <a16:creationId xmlns:a16="http://schemas.microsoft.com/office/drawing/2014/main" id="{BB2663E2-DD21-4320-B372-13858A1D525D}"/>
               </a:ext>
             </a:extLst>
           </p:cNvPr>
@@ -4413,205 +4443,18 @@
         </p:blipFill>
         <p:spPr>
           <a:xfrm>
-            <a:off x="0" y="3429000"/>
-            <a:ext cx="3416001" cy="1207827"/>
+            <a:off x="6839474" y="1926292"/>
+            <a:ext cx="2610803" cy="4351339"/>
           </a:xfrm>
           <a:prstGeom prst="rect">
             <a:avLst/>
           </a:prstGeom>
         </p:spPr>
       </p:pic>
-      <p:pic>
-        <p:nvPicPr>
-          <p:cNvPr id="9" name="그림 8">
-            <a:extLst>
-              <a:ext uri="{FF2B5EF4-FFF2-40B4-BE49-F238E27FC236}">
-                <a16:creationId xmlns:a16="http://schemas.microsoft.com/office/drawing/2014/main" id="{7CC8A9B3-40BE-4064-AC02-AEF62AF4656F}"/>
-              </a:ext>
-            </a:extLst>
-          </p:cNvPr>
-          <p:cNvPicPr>
-            <a:picLocks noChangeAspect="1"/>
-          </p:cNvPicPr>
-          <p:nvPr/>
-        </p:nvPicPr>
-        <p:blipFill>
-          <a:blip r:embed="rId4"/>
-          <a:stretch>
-            <a:fillRect/>
-          </a:stretch>
-        </p:blipFill>
-        <p:spPr>
-          <a:xfrm>
-            <a:off x="6115526" y="2043739"/>
-            <a:ext cx="2628036" cy="4351338"/>
-          </a:xfrm>
-          <a:prstGeom prst="rect">
-            <a:avLst/>
-          </a:prstGeom>
-        </p:spPr>
-      </p:pic>
-      <p:pic>
-        <p:nvPicPr>
-          <p:cNvPr id="11" name="그림 10">
-            <a:extLst>
-              <a:ext uri="{FF2B5EF4-FFF2-40B4-BE49-F238E27FC236}">
-                <a16:creationId xmlns:a16="http://schemas.microsoft.com/office/drawing/2014/main" id="{F31B878A-7468-46F2-8B81-11F4062CED36}"/>
-              </a:ext>
-            </a:extLst>
-          </p:cNvPr>
-          <p:cNvPicPr>
-            <a:picLocks noChangeAspect="1"/>
-          </p:cNvPicPr>
-          <p:nvPr/>
-        </p:nvPicPr>
-        <p:blipFill>
-          <a:blip r:embed="rId5"/>
-          <a:stretch>
-            <a:fillRect/>
-          </a:stretch>
-        </p:blipFill>
-        <p:spPr>
-          <a:xfrm>
-            <a:off x="8886650" y="2808950"/>
-            <a:ext cx="3143250" cy="2447925"/>
-          </a:xfrm>
-          <a:prstGeom prst="rect">
-            <a:avLst/>
-          </a:prstGeom>
-        </p:spPr>
-      </p:pic>
-      <p:sp>
-        <p:nvSpPr>
-          <p:cNvPr id="12" name="TextBox 11">
-            <a:extLst>
-              <a:ext uri="{FF2B5EF4-FFF2-40B4-BE49-F238E27FC236}">
-                <a16:creationId xmlns:a16="http://schemas.microsoft.com/office/drawing/2014/main" id="{AE25C2A6-853A-4AD9-9E89-4D042E52C418}"/>
-              </a:ext>
-            </a:extLst>
-          </p:cNvPr>
-          <p:cNvSpPr txBox="1"/>
-          <p:nvPr/>
-        </p:nvSpPr>
-        <p:spPr>
-          <a:xfrm>
-            <a:off x="645952" y="2986481"/>
-            <a:ext cx="2289986" cy="369332"/>
-          </a:xfrm>
-          <a:prstGeom prst="rect">
-            <a:avLst/>
-          </a:prstGeom>
-          <a:noFill/>
-        </p:spPr>
-        <p:txBody>
-          <a:bodyPr wrap="none" rtlCol="0">
-            <a:spAutoFit/>
-          </a:bodyPr>
-          <a:lstStyle/>
-          <a:p>
-            <a:r>
-              <a:rPr lang="ko-KR" altLang="en-US" dirty="0"/>
-              <a:t>삭제 전 </a:t>
-            </a:r>
-            <a:r>
-              <a:rPr lang="en-US" altLang="ko-KR" dirty="0"/>
-              <a:t>world state</a:t>
-            </a:r>
-            <a:endParaRPr lang="ko-KR" altLang="en-US" dirty="0"/>
-          </a:p>
-        </p:txBody>
-      </p:sp>
-      <p:sp>
-        <p:nvSpPr>
-          <p:cNvPr id="14" name="TextBox 13">
-            <a:extLst>
-              <a:ext uri="{FF2B5EF4-FFF2-40B4-BE49-F238E27FC236}">
-                <a16:creationId xmlns:a16="http://schemas.microsoft.com/office/drawing/2014/main" id="{C1A38815-19D6-4FDF-AE51-38759BDED656}"/>
-              </a:ext>
-            </a:extLst>
-          </p:cNvPr>
-          <p:cNvSpPr txBox="1"/>
-          <p:nvPr/>
-        </p:nvSpPr>
-        <p:spPr>
-          <a:xfrm>
-            <a:off x="9313282" y="2439618"/>
-            <a:ext cx="2289986" cy="369332"/>
-          </a:xfrm>
-          <a:prstGeom prst="rect">
-            <a:avLst/>
-          </a:prstGeom>
-          <a:noFill/>
-        </p:spPr>
-        <p:txBody>
-          <a:bodyPr wrap="square">
-            <a:spAutoFit/>
-          </a:bodyPr>
-          <a:lstStyle/>
-          <a:p>
-            <a:r>
-              <a:rPr lang="ko-KR" altLang="en-US" dirty="0"/>
-              <a:t>삭제 후 </a:t>
-            </a:r>
-            <a:r>
-              <a:rPr lang="en-US" altLang="ko-KR" dirty="0"/>
-              <a:t>world state</a:t>
-            </a:r>
-            <a:endParaRPr lang="ko-KR" altLang="en-US" dirty="0"/>
-          </a:p>
-        </p:txBody>
-      </p:sp>
-      <p:sp>
-        <p:nvSpPr>
-          <p:cNvPr id="15" name="TextBox 14">
-            <a:extLst>
-              <a:ext uri="{FF2B5EF4-FFF2-40B4-BE49-F238E27FC236}">
-                <a16:creationId xmlns:a16="http://schemas.microsoft.com/office/drawing/2014/main" id="{5C501038-1F1A-4FB2-96E4-8C48ED123A6B}"/>
-              </a:ext>
-            </a:extLst>
-          </p:cNvPr>
-          <p:cNvSpPr txBox="1"/>
-          <p:nvPr/>
-        </p:nvSpPr>
-        <p:spPr>
-          <a:xfrm>
-            <a:off x="8862242" y="5780015"/>
-            <a:ext cx="3329758" cy="369332"/>
-          </a:xfrm>
-          <a:prstGeom prst="rect">
-            <a:avLst/>
-          </a:prstGeom>
-          <a:noFill/>
-        </p:spPr>
-        <p:txBody>
-          <a:bodyPr wrap="none" rtlCol="0">
-            <a:spAutoFit/>
-          </a:bodyPr>
-          <a:lstStyle/>
-          <a:p>
-            <a:r>
-              <a:rPr lang="en-US" altLang="ko-KR" dirty="0"/>
-              <a:t>File output</a:t>
-            </a:r>
-            <a:r>
-              <a:rPr lang="ko-KR" altLang="en-US" dirty="0"/>
-              <a:t>도 </a:t>
-            </a:r>
-            <a:r>
-              <a:rPr lang="ko-KR" altLang="en-US" dirty="0" err="1"/>
-              <a:t>지워짐을</a:t>
-            </a:r>
-            <a:r>
-              <a:rPr lang="ko-KR" altLang="en-US" dirty="0"/>
-              <a:t> 확인함</a:t>
-            </a:r>
-          </a:p>
-        </p:txBody>
-      </p:sp>
     </p:spTree>
     <p:extLst>
       <p:ext uri="{BB962C8B-B14F-4D97-AF65-F5344CB8AC3E}">
-        <p14:creationId xmlns:p14="http://schemas.microsoft.com/office/powerpoint/2010/main" val="3303896958"/>
+        <p14:creationId xmlns:p14="http://schemas.microsoft.com/office/powerpoint/2010/main" val="1722058392"/>
       </p:ext>
     </p:extLst>
   </p:cSld>
@@ -4643,7 +4486,7 @@
           <p:cNvPr id="2" name="제목 1">
             <a:extLst>
               <a:ext uri="{FF2B5EF4-FFF2-40B4-BE49-F238E27FC236}">
-                <a16:creationId xmlns:a16="http://schemas.microsoft.com/office/drawing/2014/main" id="{C36F45A4-AA0C-4C37-97F5-EF48AB349366}"/>
+                <a16:creationId xmlns:a16="http://schemas.microsoft.com/office/drawing/2014/main" id="{D099BBD4-7467-409F-BFFE-1FFA0F937046}"/>
               </a:ext>
             </a:extLst>
           </p:cNvPr>
@@ -4657,7 +4500,7 @@
         <p:spPr/>
         <p:txBody>
           <a:bodyPr>
-            <a:normAutofit/>
+            <a:normAutofit fontScale="90000"/>
           </a:bodyPr>
           <a:lstStyle/>
           <a:p>
@@ -4667,7 +4510,7 @@
             </a:r>
             <a:r>
               <a:rPr lang="en-US" altLang="ko-KR" dirty="0"/>
-              <a:t>#9 : </a:t>
+              <a:t>#8 : </a:t>
             </a:r>
             <a:r>
               <a:rPr lang="ko-KR" altLang="en-US" dirty="0"/>
@@ -4687,15 +4530,34 @@
             </a:r>
             <a:r>
               <a:rPr lang="ko-KR" altLang="en-US" dirty="0"/>
-              <a:t>학생이 </a:t>
-            </a:r>
+              <a:t>관리자가 </a:t>
+            </a:r>
+            <a:br>
+              <a:rPr lang="en-US" altLang="ko-KR" dirty="0"/>
+            </a:br>
             <a:r>
               <a:rPr lang="en-US" altLang="ko-KR" dirty="0"/>
               <a:t>[</a:t>
             </a:r>
             <a:r>
               <a:rPr lang="ko-KR" altLang="en-US" dirty="0"/>
-              <a:t>내투표확인</a:t>
+              <a:t>선거관리</a:t>
+            </a:r>
+            <a:r>
+              <a:rPr lang="en-US" altLang="ko-KR" dirty="0"/>
+              <a:t>] – [</a:t>
+            </a:r>
+            <a:r>
+              <a:rPr lang="ko-KR" altLang="en-US" dirty="0"/>
+              <a:t>진행중인 선거</a:t>
+            </a:r>
+            <a:r>
+              <a:rPr lang="en-US" altLang="ko-KR" dirty="0"/>
+              <a:t>] – [</a:t>
+            </a:r>
+            <a:r>
+              <a:rPr lang="ko-KR" altLang="en-US" dirty="0"/>
+              <a:t>강제종료</a:t>
             </a:r>
             <a:r>
               <a:rPr lang="en-US" altLang="ko-KR" dirty="0"/>
@@ -4710,7 +4572,7 @@
           <p:cNvPr id="5" name="내용 개체 틀 4">
             <a:extLst>
               <a:ext uri="{FF2B5EF4-FFF2-40B4-BE49-F238E27FC236}">
-                <a16:creationId xmlns:a16="http://schemas.microsoft.com/office/drawing/2014/main" id="{C19D0D20-893B-4098-82AE-AFE5467050B6}"/>
+                <a16:creationId xmlns:a16="http://schemas.microsoft.com/office/drawing/2014/main" id="{29573B27-8890-49CC-A82B-193064693313}"/>
               </a:ext>
             </a:extLst>
           </p:cNvPr>
@@ -4729,17 +4591,107 @@
         </p:blipFill>
         <p:spPr>
           <a:xfrm>
-            <a:off x="979835" y="1901126"/>
-            <a:ext cx="2615125" cy="4351338"/>
+            <a:off x="3471584" y="2043739"/>
+            <a:ext cx="2643942" cy="4351338"/>
           </a:xfrm>
         </p:spPr>
       </p:pic>
-      <p:sp>
-        <p:nvSpPr>
-          <p:cNvPr id="6" name="TextBox 5">
-            <a:extLst>
-              <a:ext uri="{FF2B5EF4-FFF2-40B4-BE49-F238E27FC236}">
-                <a16:creationId xmlns:a16="http://schemas.microsoft.com/office/drawing/2014/main" id="{EAE42DFA-7ADE-4FB7-9ABD-0643AAE67095}"/>
+      <p:pic>
+        <p:nvPicPr>
+          <p:cNvPr id="7" name="그림 6">
+            <a:extLst>
+              <a:ext uri="{FF2B5EF4-FFF2-40B4-BE49-F238E27FC236}">
+                <a16:creationId xmlns:a16="http://schemas.microsoft.com/office/drawing/2014/main" id="{75C7404F-9042-4516-92ED-62ACC7FE6101}"/>
+              </a:ext>
+            </a:extLst>
+          </p:cNvPr>
+          <p:cNvPicPr>
+            <a:picLocks noChangeAspect="1"/>
+          </p:cNvPicPr>
+          <p:nvPr/>
+        </p:nvPicPr>
+        <p:blipFill>
+          <a:blip r:embed="rId3"/>
+          <a:stretch>
+            <a:fillRect/>
+          </a:stretch>
+        </p:blipFill>
+        <p:spPr>
+          <a:xfrm>
+            <a:off x="0" y="3429000"/>
+            <a:ext cx="3416001" cy="1207827"/>
+          </a:xfrm>
+          <a:prstGeom prst="rect">
+            <a:avLst/>
+          </a:prstGeom>
+        </p:spPr>
+      </p:pic>
+      <p:pic>
+        <p:nvPicPr>
+          <p:cNvPr id="9" name="그림 8">
+            <a:extLst>
+              <a:ext uri="{FF2B5EF4-FFF2-40B4-BE49-F238E27FC236}">
+                <a16:creationId xmlns:a16="http://schemas.microsoft.com/office/drawing/2014/main" id="{7CC8A9B3-40BE-4064-AC02-AEF62AF4656F}"/>
+              </a:ext>
+            </a:extLst>
+          </p:cNvPr>
+          <p:cNvPicPr>
+            <a:picLocks noChangeAspect="1"/>
+          </p:cNvPicPr>
+          <p:nvPr/>
+        </p:nvPicPr>
+        <p:blipFill>
+          <a:blip r:embed="rId4"/>
+          <a:stretch>
+            <a:fillRect/>
+          </a:stretch>
+        </p:blipFill>
+        <p:spPr>
+          <a:xfrm>
+            <a:off x="6115526" y="2043739"/>
+            <a:ext cx="2628036" cy="4351338"/>
+          </a:xfrm>
+          <a:prstGeom prst="rect">
+            <a:avLst/>
+          </a:prstGeom>
+        </p:spPr>
+      </p:pic>
+      <p:pic>
+        <p:nvPicPr>
+          <p:cNvPr id="11" name="그림 10">
+            <a:extLst>
+              <a:ext uri="{FF2B5EF4-FFF2-40B4-BE49-F238E27FC236}">
+                <a16:creationId xmlns:a16="http://schemas.microsoft.com/office/drawing/2014/main" id="{F31B878A-7468-46F2-8B81-11F4062CED36}"/>
+              </a:ext>
+            </a:extLst>
+          </p:cNvPr>
+          <p:cNvPicPr>
+            <a:picLocks noChangeAspect="1"/>
+          </p:cNvPicPr>
+          <p:nvPr/>
+        </p:nvPicPr>
+        <p:blipFill>
+          <a:blip r:embed="rId5"/>
+          <a:stretch>
+            <a:fillRect/>
+          </a:stretch>
+        </p:blipFill>
+        <p:spPr>
+          <a:xfrm>
+            <a:off x="8886650" y="2808950"/>
+            <a:ext cx="3143250" cy="2447925"/>
+          </a:xfrm>
+          <a:prstGeom prst="rect">
+            <a:avLst/>
+          </a:prstGeom>
+        </p:spPr>
+      </p:pic>
+      <p:sp>
+        <p:nvSpPr>
+          <p:cNvPr id="12" name="TextBox 11">
+            <a:extLst>
+              <a:ext uri="{FF2B5EF4-FFF2-40B4-BE49-F238E27FC236}">
+                <a16:creationId xmlns:a16="http://schemas.microsoft.com/office/drawing/2014/main" id="{AE25C2A6-853A-4AD9-9E89-4D042E52C418}"/>
               </a:ext>
             </a:extLst>
           </p:cNvPr>
@@ -4748,8 +4700,8 @@
         </p:nvSpPr>
         <p:spPr>
           <a:xfrm>
-            <a:off x="4135772" y="2189527"/>
-            <a:ext cx="5261377" cy="369332"/>
+            <a:off x="645952" y="2986481"/>
+            <a:ext cx="2289986" cy="369332"/>
           </a:xfrm>
           <a:prstGeom prst="rect">
             <a:avLst/>
@@ -4764,20 +4716,107 @@
           <a:p>
             <a:r>
               <a:rPr lang="ko-KR" altLang="en-US" dirty="0"/>
-              <a:t>아직 투표에 참여하지 않았으므로 없다고 나온다</a:t>
-            </a:r>
-            <a:r>
-              <a:rPr lang="en-US" altLang="ko-KR" dirty="0"/>
-              <a:t>.</a:t>
+              <a:t>삭제 전 </a:t>
+            </a:r>
+            <a:r>
+              <a:rPr lang="en-US" altLang="ko-KR" dirty="0"/>
+              <a:t>world state</a:t>
             </a:r>
             <a:endParaRPr lang="ko-KR" altLang="en-US" dirty="0"/>
+          </a:p>
+        </p:txBody>
+      </p:sp>
+      <p:sp>
+        <p:nvSpPr>
+          <p:cNvPr id="14" name="TextBox 13">
+            <a:extLst>
+              <a:ext uri="{FF2B5EF4-FFF2-40B4-BE49-F238E27FC236}">
+                <a16:creationId xmlns:a16="http://schemas.microsoft.com/office/drawing/2014/main" id="{C1A38815-19D6-4FDF-AE51-38759BDED656}"/>
+              </a:ext>
+            </a:extLst>
+          </p:cNvPr>
+          <p:cNvSpPr txBox="1"/>
+          <p:nvPr/>
+        </p:nvSpPr>
+        <p:spPr>
+          <a:xfrm>
+            <a:off x="9313282" y="2439618"/>
+            <a:ext cx="2289986" cy="369332"/>
+          </a:xfrm>
+          <a:prstGeom prst="rect">
+            <a:avLst/>
+          </a:prstGeom>
+          <a:noFill/>
+        </p:spPr>
+        <p:txBody>
+          <a:bodyPr wrap="square">
+            <a:spAutoFit/>
+          </a:bodyPr>
+          <a:lstStyle/>
+          <a:p>
+            <a:r>
+              <a:rPr lang="ko-KR" altLang="en-US" dirty="0"/>
+              <a:t>삭제 후 </a:t>
+            </a:r>
+            <a:r>
+              <a:rPr lang="en-US" altLang="ko-KR" dirty="0"/>
+              <a:t>world state</a:t>
+            </a:r>
+            <a:endParaRPr lang="ko-KR" altLang="en-US" dirty="0"/>
+          </a:p>
+        </p:txBody>
+      </p:sp>
+      <p:sp>
+        <p:nvSpPr>
+          <p:cNvPr id="15" name="TextBox 14">
+            <a:extLst>
+              <a:ext uri="{FF2B5EF4-FFF2-40B4-BE49-F238E27FC236}">
+                <a16:creationId xmlns:a16="http://schemas.microsoft.com/office/drawing/2014/main" id="{5C501038-1F1A-4FB2-96E4-8C48ED123A6B}"/>
+              </a:ext>
+            </a:extLst>
+          </p:cNvPr>
+          <p:cNvSpPr txBox="1"/>
+          <p:nvPr/>
+        </p:nvSpPr>
+        <p:spPr>
+          <a:xfrm>
+            <a:off x="8862242" y="5780015"/>
+            <a:ext cx="3329758" cy="369332"/>
+          </a:xfrm>
+          <a:prstGeom prst="rect">
+            <a:avLst/>
+          </a:prstGeom>
+          <a:noFill/>
+        </p:spPr>
+        <p:txBody>
+          <a:bodyPr wrap="none" rtlCol="0">
+            <a:spAutoFit/>
+          </a:bodyPr>
+          <a:lstStyle/>
+          <a:p>
+            <a:r>
+              <a:rPr lang="en-US" altLang="ko-KR" dirty="0"/>
+              <a:t>File output</a:t>
+            </a:r>
+            <a:r>
+              <a:rPr lang="ko-KR" altLang="en-US" dirty="0"/>
+              <a:t>도 </a:t>
+            </a:r>
+            <a:r>
+              <a:rPr lang="ko-KR" altLang="en-US" dirty="0" err="1"/>
+              <a:t>지워짐을</a:t>
+            </a:r>
+            <a:r>
+              <a:rPr lang="ko-KR" altLang="en-US" dirty="0"/>
+              <a:t> 확인함</a:t>
+            </a:r>
           </a:p>
         </p:txBody>
       </p:sp>
     </p:spTree>
     <p:extLst>
       <p:ext uri="{BB962C8B-B14F-4D97-AF65-F5344CB8AC3E}">
-        <p14:creationId xmlns:p14="http://schemas.microsoft.com/office/powerpoint/2010/main" val="477990737"/>
+        <p14:creationId xmlns:p14="http://schemas.microsoft.com/office/powerpoint/2010/main" val="3303896958"/>
       </p:ext>
     </p:extLst>
   </p:cSld>
@@ -4809,7 +4848,7 @@
           <p:cNvPr id="2" name="제목 1">
             <a:extLst>
               <a:ext uri="{FF2B5EF4-FFF2-40B4-BE49-F238E27FC236}">
-                <a16:creationId xmlns:a16="http://schemas.microsoft.com/office/drawing/2014/main" id="{FEBFEB7C-655B-4FA8-A67D-788C1A492845}"/>
+                <a16:creationId xmlns:a16="http://schemas.microsoft.com/office/drawing/2014/main" id="{C36F45A4-AA0C-4C37-97F5-EF48AB349366}"/>
               </a:ext>
             </a:extLst>
           </p:cNvPr>
@@ -4822,7 +4861,9 @@
         </p:nvSpPr>
         <p:spPr/>
         <p:txBody>
-          <a:bodyPr/>
+          <a:bodyPr>
+            <a:normAutofit/>
+          </a:bodyPr>
           <a:lstStyle/>
           <a:p>
             <a:r>
@@ -4831,7 +4872,7 @@
             </a:r>
             <a:r>
               <a:rPr lang="en-US" altLang="ko-KR" dirty="0"/>
-              <a:t>#10 : </a:t>
+              <a:t>#9 : </a:t>
             </a:r>
             <a:r>
               <a:rPr lang="ko-KR" altLang="en-US" dirty="0"/>
@@ -4859,7 +4900,7 @@
             </a:r>
             <a:r>
               <a:rPr lang="ko-KR" altLang="en-US" dirty="0"/>
-              <a:t>투표하기</a:t>
+              <a:t>내투표확인</a:t>
             </a:r>
             <a:r>
               <a:rPr lang="en-US" altLang="ko-KR" dirty="0"/>
@@ -4874,7 +4915,7 @@
           <p:cNvPr id="5" name="내용 개체 틀 4">
             <a:extLst>
               <a:ext uri="{FF2B5EF4-FFF2-40B4-BE49-F238E27FC236}">
-                <a16:creationId xmlns:a16="http://schemas.microsoft.com/office/drawing/2014/main" id="{4CF5C9E1-AF34-4AD7-A46C-74D9649B400D}"/>
+                <a16:creationId xmlns:a16="http://schemas.microsoft.com/office/drawing/2014/main" id="{C19D0D20-893B-4098-82AE-AFE5467050B6}"/>
               </a:ext>
             </a:extLst>
           </p:cNvPr>
@@ -4893,8 +4934,8 @@
         </p:blipFill>
         <p:spPr>
           <a:xfrm>
-            <a:off x="838200" y="1834014"/>
-            <a:ext cx="2616537" cy="4351338"/>
+            <a:off x="979835" y="1901126"/>
+            <a:ext cx="2615125" cy="4351338"/>
           </a:xfrm>
         </p:spPr>
       </p:pic>
@@ -4903,7 +4944,7 @@
           <p:cNvPr id="6" name="TextBox 5">
             <a:extLst>
               <a:ext uri="{FF2B5EF4-FFF2-40B4-BE49-F238E27FC236}">
-                <a16:creationId xmlns:a16="http://schemas.microsoft.com/office/drawing/2014/main" id="{28B53E79-6968-41F8-9B70-FD12B796AEEA}"/>
+                <a16:creationId xmlns:a16="http://schemas.microsoft.com/office/drawing/2014/main" id="{EAE42DFA-7ADE-4FB7-9ABD-0643AAE67095}"/>
               </a:ext>
             </a:extLst>
           </p:cNvPr>
@@ -4912,8 +4953,8 @@
         </p:nvSpPr>
         <p:spPr>
           <a:xfrm>
-            <a:off x="3808602" y="2080470"/>
-            <a:ext cx="6823278" cy="646331"/>
+            <a:off x="4135772" y="2189527"/>
+            <a:ext cx="5261377" cy="369332"/>
           </a:xfrm>
           <a:prstGeom prst="rect">
             <a:avLst/>
@@ -4928,396 +4969,7 @@
           <a:p>
             <a:r>
               <a:rPr lang="ko-KR" altLang="en-US" dirty="0"/>
-              <a:t>좌측 화면이 보이는 상태일 때 </a:t>
-            </a:r>
-            <a:r>
-              <a:rPr lang="en-US" altLang="ko-KR" dirty="0"/>
-              <a:t>world state </a:t>
-            </a:r>
-            <a:r>
-              <a:rPr lang="ko-KR" altLang="en-US" dirty="0"/>
-              <a:t>상태를 확인해보았다</a:t>
-            </a:r>
-            <a:r>
-              <a:rPr lang="en-US" altLang="ko-KR" dirty="0"/>
-              <a:t>.</a:t>
-            </a:r>
-          </a:p>
-          <a:p>
-            <a:endParaRPr lang="ko-KR" altLang="en-US" dirty="0"/>
-          </a:p>
-        </p:txBody>
-      </p:sp>
-      <p:pic>
-        <p:nvPicPr>
-          <p:cNvPr id="8" name="그림 7">
-            <a:extLst>
-              <a:ext uri="{FF2B5EF4-FFF2-40B4-BE49-F238E27FC236}">
-                <a16:creationId xmlns:a16="http://schemas.microsoft.com/office/drawing/2014/main" id="{274D67C7-3967-45B9-B1CD-CD12D8036D30}"/>
-              </a:ext>
-            </a:extLst>
-          </p:cNvPr>
-          <p:cNvPicPr>
-            <a:picLocks noChangeAspect="1"/>
-          </p:cNvPicPr>
-          <p:nvPr/>
-        </p:nvPicPr>
-        <p:blipFill>
-          <a:blip r:embed="rId3"/>
-          <a:stretch>
-            <a:fillRect/>
-          </a:stretch>
-        </p:blipFill>
-        <p:spPr>
-          <a:xfrm>
-            <a:off x="3808602" y="2597092"/>
-            <a:ext cx="4524375" cy="2133600"/>
-          </a:xfrm>
-          <a:prstGeom prst="rect">
-            <a:avLst/>
-          </a:prstGeom>
-        </p:spPr>
-      </p:pic>
-      <p:sp>
-        <p:nvSpPr>
-          <p:cNvPr id="9" name="TextBox 8">
-            <a:extLst>
-              <a:ext uri="{FF2B5EF4-FFF2-40B4-BE49-F238E27FC236}">
-                <a16:creationId xmlns:a16="http://schemas.microsoft.com/office/drawing/2014/main" id="{C199F71F-25BA-4EBC-A14F-CAC0B3C029C2}"/>
-              </a:ext>
-            </a:extLst>
-          </p:cNvPr>
-          <p:cNvSpPr txBox="1"/>
-          <p:nvPr/>
-        </p:nvSpPr>
-        <p:spPr>
-          <a:xfrm>
-            <a:off x="8447714" y="4361360"/>
-            <a:ext cx="2792431" cy="369332"/>
-          </a:xfrm>
-          <a:prstGeom prst="rect">
-            <a:avLst/>
-          </a:prstGeom>
-          <a:noFill/>
-        </p:spPr>
-        <p:txBody>
-          <a:bodyPr wrap="none" rtlCol="0">
-            <a:spAutoFit/>
-          </a:bodyPr>
-          <a:lstStyle/>
-          <a:p>
-            <a:r>
-              <a:rPr lang="en-US" altLang="ko-KR" dirty="0"/>
-              <a:t>=&gt; </a:t>
-            </a:r>
-            <a:r>
-              <a:rPr lang="ko-KR" altLang="en-US" dirty="0"/>
-              <a:t>기권 후보</a:t>
-            </a:r>
-            <a:r>
-              <a:rPr lang="en-US" altLang="ko-KR" dirty="0"/>
-              <a:t>(Candidate)</a:t>
-            </a:r>
-            <a:endParaRPr lang="ko-KR" altLang="en-US" dirty="0"/>
-          </a:p>
-        </p:txBody>
-      </p:sp>
-      <p:sp>
-        <p:nvSpPr>
-          <p:cNvPr id="11" name="TextBox 10">
-            <a:extLst>
-              <a:ext uri="{FF2B5EF4-FFF2-40B4-BE49-F238E27FC236}">
-                <a16:creationId xmlns:a16="http://schemas.microsoft.com/office/drawing/2014/main" id="{92699A44-0399-494C-9C97-3A1F899E6F3B}"/>
-              </a:ext>
-            </a:extLst>
-          </p:cNvPr>
-          <p:cNvSpPr txBox="1"/>
-          <p:nvPr/>
-        </p:nvSpPr>
-        <p:spPr>
-          <a:xfrm>
-            <a:off x="8447713" y="4009683"/>
-            <a:ext cx="3023264" cy="369332"/>
-          </a:xfrm>
-          <a:prstGeom prst="rect">
-            <a:avLst/>
-          </a:prstGeom>
-          <a:noFill/>
-        </p:spPr>
-        <p:txBody>
-          <a:bodyPr wrap="none" rtlCol="0">
-            <a:spAutoFit/>
-          </a:bodyPr>
-          <a:lstStyle/>
-          <a:p>
-            <a:r>
-              <a:rPr lang="en-US" altLang="ko-KR" dirty="0"/>
-              <a:t>=&gt; </a:t>
-            </a:r>
-            <a:r>
-              <a:rPr lang="ko-KR" altLang="en-US" dirty="0" err="1"/>
-              <a:t>브릿지</a:t>
-            </a:r>
-            <a:r>
-              <a:rPr lang="ko-KR" altLang="en-US" dirty="0"/>
-              <a:t> 후보</a:t>
-            </a:r>
-            <a:r>
-              <a:rPr lang="en-US" altLang="ko-KR" dirty="0"/>
-              <a:t>(Candidate)</a:t>
-            </a:r>
-            <a:endParaRPr lang="ko-KR" altLang="en-US" dirty="0"/>
-          </a:p>
-        </p:txBody>
-      </p:sp>
-      <p:sp>
-        <p:nvSpPr>
-          <p:cNvPr id="13" name="TextBox 12">
-            <a:extLst>
-              <a:ext uri="{FF2B5EF4-FFF2-40B4-BE49-F238E27FC236}">
-                <a16:creationId xmlns:a16="http://schemas.microsoft.com/office/drawing/2014/main" id="{8C662517-7CF6-4D09-8FF8-511C865ECF09}"/>
-              </a:ext>
-            </a:extLst>
-          </p:cNvPr>
-          <p:cNvSpPr txBox="1"/>
-          <p:nvPr/>
-        </p:nvSpPr>
-        <p:spPr>
-          <a:xfrm>
-            <a:off x="8447713" y="3279847"/>
-            <a:ext cx="2550698" cy="369332"/>
-          </a:xfrm>
-          <a:prstGeom prst="rect">
-            <a:avLst/>
-          </a:prstGeom>
-          <a:noFill/>
-        </p:spPr>
-        <p:txBody>
-          <a:bodyPr wrap="none" rtlCol="0">
-            <a:spAutoFit/>
-          </a:bodyPr>
-          <a:lstStyle/>
-          <a:p>
-            <a:r>
-              <a:rPr lang="en-US" altLang="ko-KR" dirty="0"/>
-              <a:t>=&gt; </a:t>
-            </a:r>
-            <a:r>
-              <a:rPr lang="ko-KR" altLang="en-US" dirty="0"/>
-              <a:t>선거 정보</a:t>
-            </a:r>
-            <a:r>
-              <a:rPr lang="en-US" altLang="ko-KR" dirty="0"/>
-              <a:t>(Election)</a:t>
-            </a:r>
-            <a:endParaRPr lang="ko-KR" altLang="en-US" dirty="0"/>
-          </a:p>
-        </p:txBody>
-      </p:sp>
-      <p:sp>
-        <p:nvSpPr>
-          <p:cNvPr id="15" name="TextBox 14">
-            <a:extLst>
-              <a:ext uri="{FF2B5EF4-FFF2-40B4-BE49-F238E27FC236}">
-                <a16:creationId xmlns:a16="http://schemas.microsoft.com/office/drawing/2014/main" id="{03E4F409-B7B3-4695-9757-5BCA61A4E1F0}"/>
-              </a:ext>
-            </a:extLst>
-          </p:cNvPr>
-          <p:cNvSpPr txBox="1"/>
-          <p:nvPr/>
-        </p:nvSpPr>
-        <p:spPr>
-          <a:xfrm>
-            <a:off x="8447713" y="3649179"/>
-            <a:ext cx="3606244" cy="461665"/>
-          </a:xfrm>
-          <a:prstGeom prst="rect">
-            <a:avLst/>
-          </a:prstGeom>
-          <a:noFill/>
-        </p:spPr>
-        <p:txBody>
-          <a:bodyPr wrap="none" rtlCol="0">
-            <a:spAutoFit/>
-          </a:bodyPr>
-          <a:lstStyle/>
-          <a:p>
-            <a:pPr marL="171450" indent="-171450">
-              <a:buFont typeface="Symbol" panose="05050102010706020507" pitchFamily="18" charset="2"/>
-              <a:buChar char="Þ"/>
-            </a:pPr>
-            <a:r>
-              <a:rPr lang="en-US" altLang="ko-KR" sz="1200" dirty="0"/>
-              <a:t>g023u…</a:t>
-            </a:r>
-            <a:r>
-              <a:rPr lang="ko-KR" altLang="en-US" sz="1200" dirty="0"/>
-              <a:t> 선거에 대한 학생 </a:t>
-            </a:r>
-            <a:r>
-              <a:rPr lang="en-US" altLang="ko-KR" sz="1200" dirty="0" err="1"/>
-              <a:t>PwVFQ</a:t>
-            </a:r>
-            <a:r>
-              <a:rPr lang="en-US" altLang="ko-KR" sz="1200" dirty="0"/>
-              <a:t>…</a:t>
-            </a:r>
-            <a:r>
-              <a:rPr lang="ko-KR" altLang="en-US" sz="1200" dirty="0"/>
-              <a:t>의 투표용지</a:t>
-            </a:r>
-            <a:endParaRPr lang="en-US" altLang="ko-KR" sz="1200" dirty="0"/>
-          </a:p>
-          <a:p>
-            <a:r>
-              <a:rPr lang="en-US" altLang="ko-KR" sz="1200" dirty="0"/>
-              <a:t>(</a:t>
-            </a:r>
-            <a:r>
-              <a:rPr lang="en-US" altLang="ko-KR" sz="1200" dirty="0" err="1"/>
-              <a:t>VBallot</a:t>
-            </a:r>
-            <a:r>
-              <a:rPr lang="en-US" altLang="ko-KR" sz="1200" dirty="0"/>
-              <a:t>)</a:t>
-            </a:r>
-            <a:endParaRPr lang="ko-KR" altLang="en-US" sz="1200" dirty="0"/>
-          </a:p>
-        </p:txBody>
-      </p:sp>
-      <p:sp>
-        <p:nvSpPr>
-          <p:cNvPr id="17" name="TextBox 16">
-            <a:extLst>
-              <a:ext uri="{FF2B5EF4-FFF2-40B4-BE49-F238E27FC236}">
-                <a16:creationId xmlns:a16="http://schemas.microsoft.com/office/drawing/2014/main" id="{044C1492-1209-4D43-8BD9-9B347B654EC6}"/>
-              </a:ext>
-            </a:extLst>
-          </p:cNvPr>
-          <p:cNvSpPr txBox="1"/>
-          <p:nvPr/>
-        </p:nvSpPr>
-        <p:spPr>
-          <a:xfrm>
-            <a:off x="8447713" y="2823332"/>
-            <a:ext cx="3273653" cy="369332"/>
-          </a:xfrm>
-          <a:prstGeom prst="rect">
-            <a:avLst/>
-          </a:prstGeom>
-          <a:noFill/>
-        </p:spPr>
-        <p:txBody>
-          <a:bodyPr wrap="none" rtlCol="0">
-            <a:spAutoFit/>
-          </a:bodyPr>
-          <a:lstStyle/>
-          <a:p>
-            <a:r>
-              <a:rPr lang="en-US" altLang="ko-KR" dirty="0"/>
-              <a:t>=&gt; </a:t>
-            </a:r>
-            <a:r>
-              <a:rPr lang="ko-KR" altLang="en-US" dirty="0"/>
-              <a:t>학생정보</a:t>
-            </a:r>
-            <a:r>
-              <a:rPr lang="en-US" altLang="ko-KR" dirty="0"/>
-              <a:t>(Student) – slots</a:t>
-            </a:r>
-            <a:endParaRPr lang="ko-KR" altLang="en-US" dirty="0"/>
-          </a:p>
-        </p:txBody>
-      </p:sp>
-      <p:sp>
-        <p:nvSpPr>
-          <p:cNvPr id="18" name="TextBox 17">
-            <a:extLst>
-              <a:ext uri="{FF2B5EF4-FFF2-40B4-BE49-F238E27FC236}">
-                <a16:creationId xmlns:a16="http://schemas.microsoft.com/office/drawing/2014/main" id="{97751041-6108-40E6-9D1D-5A50E03174B3}"/>
-              </a:ext>
-            </a:extLst>
-          </p:cNvPr>
-          <p:cNvSpPr txBox="1"/>
-          <p:nvPr/>
-        </p:nvSpPr>
-        <p:spPr>
-          <a:xfrm>
-            <a:off x="3888336" y="5118931"/>
-            <a:ext cx="7673896" cy="923330"/>
-          </a:xfrm>
-          <a:prstGeom prst="rect">
-            <a:avLst/>
-          </a:prstGeom>
-          <a:noFill/>
-        </p:spPr>
-        <p:txBody>
-          <a:bodyPr wrap="none" rtlCol="0">
-            <a:spAutoFit/>
-          </a:bodyPr>
-          <a:lstStyle/>
-          <a:p>
-            <a:r>
-              <a:rPr lang="ko-KR" altLang="en-US" dirty="0"/>
-              <a:t>즉 </a:t>
-            </a:r>
-            <a:r>
-              <a:rPr lang="en-US" altLang="ko-KR" dirty="0"/>
-              <a:t>[</a:t>
-            </a:r>
-            <a:r>
-              <a:rPr lang="ko-KR" altLang="en-US" dirty="0"/>
-              <a:t>투표하기</a:t>
-            </a:r>
-            <a:r>
-              <a:rPr lang="en-US" altLang="ko-KR" dirty="0"/>
-              <a:t>] </a:t>
-            </a:r>
-            <a:r>
-              <a:rPr lang="ko-KR" altLang="en-US" dirty="0"/>
-              <a:t>버튼을 누르면 </a:t>
-            </a:r>
-            <a:r>
-              <a:rPr lang="en-US" altLang="ko-KR" dirty="0"/>
-              <a:t>[</a:t>
-            </a:r>
-            <a:r>
-              <a:rPr lang="ko-KR" altLang="en-US" dirty="0"/>
-              <a:t>유의사항</a:t>
-            </a:r>
-            <a:r>
-              <a:rPr lang="en-US" altLang="ko-KR" dirty="0"/>
-              <a:t>] </a:t>
-            </a:r>
-            <a:r>
-              <a:rPr lang="ko-KR" altLang="en-US" dirty="0"/>
-              <a:t>페이지로 와지면서 동시에</a:t>
-            </a:r>
-            <a:endParaRPr lang="en-US" altLang="ko-KR" dirty="0"/>
-          </a:p>
-          <a:p>
-            <a:r>
-              <a:rPr lang="en-US" altLang="ko-KR" dirty="0"/>
-              <a:t>[</a:t>
-            </a:r>
-            <a:r>
-              <a:rPr lang="ko-KR" altLang="en-US" dirty="0"/>
-              <a:t>동의함</a:t>
-            </a:r>
-            <a:r>
-              <a:rPr lang="en-US" altLang="ko-KR" dirty="0"/>
-              <a:t>] </a:t>
-            </a:r>
-            <a:r>
-              <a:rPr lang="ko-KR" altLang="en-US" dirty="0"/>
-              <a:t>버튼을 눌렀을 때 나오는 선거의 투표용지를 로그인한 학생에게</a:t>
-            </a:r>
-            <a:endParaRPr lang="en-US" altLang="ko-KR" dirty="0"/>
-          </a:p>
-          <a:p>
-            <a:r>
-              <a:rPr lang="ko-KR" altLang="en-US" dirty="0"/>
-              <a:t>발급한다</a:t>
+              <a:t>아직 투표에 참여하지 않았으므로 없다고 나온다</a:t>
             </a:r>
             <a:r>
               <a:rPr lang="en-US" altLang="ko-KR" dirty="0"/>
@@ -5330,7 +4982,7 @@
     </p:spTree>
     <p:extLst>
       <p:ext uri="{BB962C8B-B14F-4D97-AF65-F5344CB8AC3E}">
-        <p14:creationId xmlns:p14="http://schemas.microsoft.com/office/powerpoint/2010/main" val="3248052389"/>
+        <p14:creationId xmlns:p14="http://schemas.microsoft.com/office/powerpoint/2010/main" val="477990737"/>
       </p:ext>
     </p:extLst>
   </p:cSld>
@@ -5362,7 +5014,7 @@
           <p:cNvPr id="2" name="제목 1">
             <a:extLst>
               <a:ext uri="{FF2B5EF4-FFF2-40B4-BE49-F238E27FC236}">
-                <a16:creationId xmlns:a16="http://schemas.microsoft.com/office/drawing/2014/main" id="{38786624-B7E8-49FE-A3F5-1CC5B428A003}"/>
+                <a16:creationId xmlns:a16="http://schemas.microsoft.com/office/drawing/2014/main" id="{FEBFEB7C-655B-4FA8-A67D-788C1A492845}"/>
               </a:ext>
             </a:extLst>
           </p:cNvPr>
@@ -5427,7 +5079,7 @@
           <p:cNvPr id="5" name="내용 개체 틀 4">
             <a:extLst>
               <a:ext uri="{FF2B5EF4-FFF2-40B4-BE49-F238E27FC236}">
-                <a16:creationId xmlns:a16="http://schemas.microsoft.com/office/drawing/2014/main" id="{42D6D295-646D-41EC-9EE5-F73420E4B538}"/>
+                <a16:creationId xmlns:a16="http://schemas.microsoft.com/office/drawing/2014/main" id="{4CF5C9E1-AF34-4AD7-A46C-74D9649B400D}"/>
               </a:ext>
             </a:extLst>
           </p:cNvPr>
@@ -5446,8 +5098,8 @@
         </p:blipFill>
         <p:spPr>
           <a:xfrm>
-            <a:off x="611697" y="1925980"/>
-            <a:ext cx="7058025" cy="4133850"/>
+            <a:off x="838200" y="1834014"/>
+            <a:ext cx="2616537" cy="4351338"/>
           </a:xfrm>
         </p:spPr>
       </p:pic>
@@ -5456,7 +5108,7 @@
           <p:cNvPr id="6" name="TextBox 5">
             <a:extLst>
               <a:ext uri="{FF2B5EF4-FFF2-40B4-BE49-F238E27FC236}">
-                <a16:creationId xmlns:a16="http://schemas.microsoft.com/office/drawing/2014/main" id="{1AE905EF-3E2A-4DB3-9894-927487E37DE2}"/>
+                <a16:creationId xmlns:a16="http://schemas.microsoft.com/office/drawing/2014/main" id="{28B53E79-6968-41F8-9B70-FD12B796AEEA}"/>
               </a:ext>
             </a:extLst>
           </p:cNvPr>
@@ -5465,8 +5117,8 @@
         </p:nvSpPr>
         <p:spPr>
           <a:xfrm>
-            <a:off x="7734651" y="2382473"/>
-            <a:ext cx="4457350" cy="3970318"/>
+            <a:off x="3808602" y="2080470"/>
+            <a:ext cx="6823278" cy="646331"/>
           </a:xfrm>
           <a:prstGeom prst="rect">
             <a:avLst/>
@@ -5474,114 +5126,416 @@
           <a:noFill/>
         </p:spPr>
         <p:txBody>
-          <a:bodyPr wrap="square" rtlCol="0">
+          <a:bodyPr wrap="none" rtlCol="0">
             <a:spAutoFit/>
           </a:bodyPr>
           <a:lstStyle/>
           <a:p>
             <a:r>
               <a:rPr lang="ko-KR" altLang="en-US" dirty="0"/>
-              <a:t>첫번째 </a:t>
-            </a:r>
-            <a:r>
-              <a:rPr lang="en-US" altLang="ko-KR" dirty="0"/>
-              <a:t>slot</a:t>
-            </a:r>
-            <a:r>
-              <a:rPr lang="ko-KR" altLang="en-US" dirty="0"/>
-              <a:t>에 총학생회 선거 투표용지가 </a:t>
+              <a:t>좌측 화면이 보이는 상태일 때 </a:t>
+            </a:r>
+            <a:r>
+              <a:rPr lang="en-US" altLang="ko-KR" dirty="0"/>
+              <a:t>world state </a:t>
+            </a:r>
+            <a:r>
+              <a:rPr lang="ko-KR" altLang="en-US" dirty="0"/>
+              <a:t>상태를 확인해보았다</a:t>
+            </a:r>
+            <a:r>
+              <a:rPr lang="en-US" altLang="ko-KR" dirty="0"/>
+              <a:t>.</a:t>
+            </a:r>
+          </a:p>
+          <a:p>
+            <a:endParaRPr lang="ko-KR" altLang="en-US" dirty="0"/>
+          </a:p>
+        </p:txBody>
+      </p:sp>
+      <p:pic>
+        <p:nvPicPr>
+          <p:cNvPr id="8" name="그림 7">
+            <a:extLst>
+              <a:ext uri="{FF2B5EF4-FFF2-40B4-BE49-F238E27FC236}">
+                <a16:creationId xmlns:a16="http://schemas.microsoft.com/office/drawing/2014/main" id="{274D67C7-3967-45B9-B1CD-CD12D8036D30}"/>
+              </a:ext>
+            </a:extLst>
+          </p:cNvPr>
+          <p:cNvPicPr>
+            <a:picLocks noChangeAspect="1"/>
+          </p:cNvPicPr>
+          <p:nvPr/>
+        </p:nvPicPr>
+        <p:blipFill>
+          <a:blip r:embed="rId3"/>
+          <a:stretch>
+            <a:fillRect/>
+          </a:stretch>
+        </p:blipFill>
+        <p:spPr>
+          <a:xfrm>
+            <a:off x="3808602" y="2597092"/>
+            <a:ext cx="4524375" cy="2133600"/>
+          </a:xfrm>
+          <a:prstGeom prst="rect">
+            <a:avLst/>
+          </a:prstGeom>
+        </p:spPr>
+      </p:pic>
+      <p:sp>
+        <p:nvSpPr>
+          <p:cNvPr id="9" name="TextBox 8">
+            <a:extLst>
+              <a:ext uri="{FF2B5EF4-FFF2-40B4-BE49-F238E27FC236}">
+                <a16:creationId xmlns:a16="http://schemas.microsoft.com/office/drawing/2014/main" id="{C199F71F-25BA-4EBC-A14F-CAC0B3C029C2}"/>
+              </a:ext>
+            </a:extLst>
+          </p:cNvPr>
+          <p:cNvSpPr txBox="1"/>
+          <p:nvPr/>
+        </p:nvSpPr>
+        <p:spPr>
+          <a:xfrm>
+            <a:off x="8447714" y="4361360"/>
+            <a:ext cx="2792431" cy="369332"/>
+          </a:xfrm>
+          <a:prstGeom prst="rect">
+            <a:avLst/>
+          </a:prstGeom>
+          <a:noFill/>
+        </p:spPr>
+        <p:txBody>
+          <a:bodyPr wrap="none" rtlCol="0">
+            <a:spAutoFit/>
+          </a:bodyPr>
+          <a:lstStyle/>
+          <a:p>
+            <a:r>
+              <a:rPr lang="en-US" altLang="ko-KR" dirty="0"/>
+              <a:t>=&gt; </a:t>
+            </a:r>
+            <a:r>
+              <a:rPr lang="ko-KR" altLang="en-US" dirty="0"/>
+              <a:t>기권 후보</a:t>
+            </a:r>
+            <a:r>
+              <a:rPr lang="en-US" altLang="ko-KR" dirty="0"/>
+              <a:t>(Candidate)</a:t>
+            </a:r>
+            <a:endParaRPr lang="ko-KR" altLang="en-US" dirty="0"/>
+          </a:p>
+        </p:txBody>
+      </p:sp>
+      <p:sp>
+        <p:nvSpPr>
+          <p:cNvPr id="11" name="TextBox 10">
+            <a:extLst>
+              <a:ext uri="{FF2B5EF4-FFF2-40B4-BE49-F238E27FC236}">
+                <a16:creationId xmlns:a16="http://schemas.microsoft.com/office/drawing/2014/main" id="{92699A44-0399-494C-9C97-3A1F899E6F3B}"/>
+              </a:ext>
+            </a:extLst>
+          </p:cNvPr>
+          <p:cNvSpPr txBox="1"/>
+          <p:nvPr/>
+        </p:nvSpPr>
+        <p:spPr>
+          <a:xfrm>
+            <a:off x="8447713" y="4009683"/>
+            <a:ext cx="3023264" cy="369332"/>
+          </a:xfrm>
+          <a:prstGeom prst="rect">
+            <a:avLst/>
+          </a:prstGeom>
+          <a:noFill/>
+        </p:spPr>
+        <p:txBody>
+          <a:bodyPr wrap="none" rtlCol="0">
+            <a:spAutoFit/>
+          </a:bodyPr>
+          <a:lstStyle/>
+          <a:p>
+            <a:r>
+              <a:rPr lang="en-US" altLang="ko-KR" dirty="0"/>
+              <a:t>=&gt; </a:t>
+            </a:r>
+            <a:r>
+              <a:rPr lang="ko-KR" altLang="en-US" dirty="0" err="1"/>
+              <a:t>브릿지</a:t>
+            </a:r>
+            <a:r>
+              <a:rPr lang="ko-KR" altLang="en-US" dirty="0"/>
+              <a:t> 후보</a:t>
+            </a:r>
+            <a:r>
+              <a:rPr lang="en-US" altLang="ko-KR" dirty="0"/>
+              <a:t>(Candidate)</a:t>
+            </a:r>
+            <a:endParaRPr lang="ko-KR" altLang="en-US" dirty="0"/>
+          </a:p>
+        </p:txBody>
+      </p:sp>
+      <p:sp>
+        <p:nvSpPr>
+          <p:cNvPr id="13" name="TextBox 12">
+            <a:extLst>
+              <a:ext uri="{FF2B5EF4-FFF2-40B4-BE49-F238E27FC236}">
+                <a16:creationId xmlns:a16="http://schemas.microsoft.com/office/drawing/2014/main" id="{8C662517-7CF6-4D09-8FF8-511C865ECF09}"/>
+              </a:ext>
+            </a:extLst>
+          </p:cNvPr>
+          <p:cNvSpPr txBox="1"/>
+          <p:nvPr/>
+        </p:nvSpPr>
+        <p:spPr>
+          <a:xfrm>
+            <a:off x="8447713" y="3279847"/>
+            <a:ext cx="2550698" cy="369332"/>
+          </a:xfrm>
+          <a:prstGeom prst="rect">
+            <a:avLst/>
+          </a:prstGeom>
+          <a:noFill/>
+        </p:spPr>
+        <p:txBody>
+          <a:bodyPr wrap="none" rtlCol="0">
+            <a:spAutoFit/>
+          </a:bodyPr>
+          <a:lstStyle/>
+          <a:p>
+            <a:r>
+              <a:rPr lang="en-US" altLang="ko-KR" dirty="0"/>
+              <a:t>=&gt; </a:t>
+            </a:r>
+            <a:r>
+              <a:rPr lang="ko-KR" altLang="en-US" dirty="0"/>
+              <a:t>선거 정보</a:t>
+            </a:r>
+            <a:r>
+              <a:rPr lang="en-US" altLang="ko-KR" dirty="0"/>
+              <a:t>(Election)</a:t>
+            </a:r>
+            <a:endParaRPr lang="ko-KR" altLang="en-US" dirty="0"/>
+          </a:p>
+        </p:txBody>
+      </p:sp>
+      <p:sp>
+        <p:nvSpPr>
+          <p:cNvPr id="15" name="TextBox 14">
+            <a:extLst>
+              <a:ext uri="{FF2B5EF4-FFF2-40B4-BE49-F238E27FC236}">
+                <a16:creationId xmlns:a16="http://schemas.microsoft.com/office/drawing/2014/main" id="{03E4F409-B7B3-4695-9757-5BCA61A4E1F0}"/>
+              </a:ext>
+            </a:extLst>
+          </p:cNvPr>
+          <p:cNvSpPr txBox="1"/>
+          <p:nvPr/>
+        </p:nvSpPr>
+        <p:spPr>
+          <a:xfrm>
+            <a:off x="8447713" y="3649179"/>
+            <a:ext cx="3606244" cy="461665"/>
+          </a:xfrm>
+          <a:prstGeom prst="rect">
+            <a:avLst/>
+          </a:prstGeom>
+          <a:noFill/>
+        </p:spPr>
+        <p:txBody>
+          <a:bodyPr wrap="none" rtlCol="0">
+            <a:spAutoFit/>
+          </a:bodyPr>
+          <a:lstStyle/>
+          <a:p>
+            <a:pPr marL="171450" indent="-171450">
+              <a:buFont typeface="Symbol" panose="05050102010706020507" pitchFamily="18" charset="2"/>
+              <a:buChar char="Þ"/>
+            </a:pPr>
+            <a:r>
+              <a:rPr lang="en-US" altLang="ko-KR" sz="1200" dirty="0"/>
+              <a:t>g023u…</a:t>
+            </a:r>
+            <a:r>
+              <a:rPr lang="ko-KR" altLang="en-US" sz="1200" dirty="0"/>
+              <a:t> 선거에 대한 학생 </a:t>
+            </a:r>
+            <a:r>
+              <a:rPr lang="en-US" altLang="ko-KR" sz="1200" dirty="0" err="1"/>
+              <a:t>PwVFQ</a:t>
+            </a:r>
+            <a:r>
+              <a:rPr lang="en-US" altLang="ko-KR" sz="1200" dirty="0"/>
+              <a:t>…</a:t>
+            </a:r>
+            <a:r>
+              <a:rPr lang="ko-KR" altLang="en-US" sz="1200" dirty="0"/>
+              <a:t>의 투표용지</a:t>
+            </a:r>
+            <a:endParaRPr lang="en-US" altLang="ko-KR" sz="1200" dirty="0"/>
+          </a:p>
+          <a:p>
+            <a:r>
+              <a:rPr lang="en-US" altLang="ko-KR" sz="1200" dirty="0"/>
+              <a:t>(</a:t>
+            </a:r>
+            <a:r>
+              <a:rPr lang="en-US" altLang="ko-KR" sz="1200" dirty="0" err="1"/>
+              <a:t>VBallot</a:t>
+            </a:r>
+            <a:r>
+              <a:rPr lang="en-US" altLang="ko-KR" sz="1200" dirty="0"/>
+              <a:t>)</a:t>
+            </a:r>
+            <a:endParaRPr lang="ko-KR" altLang="en-US" sz="1200" dirty="0"/>
+          </a:p>
+        </p:txBody>
+      </p:sp>
+      <p:sp>
+        <p:nvSpPr>
+          <p:cNvPr id="17" name="TextBox 16">
+            <a:extLst>
+              <a:ext uri="{FF2B5EF4-FFF2-40B4-BE49-F238E27FC236}">
+                <a16:creationId xmlns:a16="http://schemas.microsoft.com/office/drawing/2014/main" id="{044C1492-1209-4D43-8BD9-9B347B654EC6}"/>
+              </a:ext>
+            </a:extLst>
+          </p:cNvPr>
+          <p:cNvSpPr txBox="1"/>
+          <p:nvPr/>
+        </p:nvSpPr>
+        <p:spPr>
+          <a:xfrm>
+            <a:off x="8447713" y="2823332"/>
+            <a:ext cx="3273653" cy="369332"/>
+          </a:xfrm>
+          <a:prstGeom prst="rect">
+            <a:avLst/>
+          </a:prstGeom>
+          <a:noFill/>
+        </p:spPr>
+        <p:txBody>
+          <a:bodyPr wrap="none" rtlCol="0">
+            <a:spAutoFit/>
+          </a:bodyPr>
+          <a:lstStyle/>
+          <a:p>
+            <a:r>
+              <a:rPr lang="en-US" altLang="ko-KR" dirty="0"/>
+              <a:t>=&gt; </a:t>
+            </a:r>
+            <a:r>
+              <a:rPr lang="ko-KR" altLang="en-US" dirty="0"/>
+              <a:t>학생정보</a:t>
+            </a:r>
+            <a:r>
+              <a:rPr lang="en-US" altLang="ko-KR" dirty="0"/>
+              <a:t>(Student) – slots</a:t>
+            </a:r>
+            <a:endParaRPr lang="ko-KR" altLang="en-US" dirty="0"/>
+          </a:p>
+        </p:txBody>
+      </p:sp>
+      <p:sp>
+        <p:nvSpPr>
+          <p:cNvPr id="18" name="TextBox 17">
+            <a:extLst>
+              <a:ext uri="{FF2B5EF4-FFF2-40B4-BE49-F238E27FC236}">
+                <a16:creationId xmlns:a16="http://schemas.microsoft.com/office/drawing/2014/main" id="{97751041-6108-40E6-9D1D-5A50E03174B3}"/>
+              </a:ext>
+            </a:extLst>
+          </p:cNvPr>
+          <p:cNvSpPr txBox="1"/>
+          <p:nvPr/>
+        </p:nvSpPr>
+        <p:spPr>
+          <a:xfrm>
+            <a:off x="3888336" y="5118931"/>
+            <a:ext cx="7673896" cy="923330"/>
+          </a:xfrm>
+          <a:prstGeom prst="rect">
+            <a:avLst/>
+          </a:prstGeom>
+          <a:noFill/>
+        </p:spPr>
+        <p:txBody>
+          <a:bodyPr wrap="none" rtlCol="0">
+            <a:spAutoFit/>
+          </a:bodyPr>
+          <a:lstStyle/>
+          <a:p>
+            <a:r>
+              <a:rPr lang="ko-KR" altLang="en-US" dirty="0"/>
+              <a:t>즉 </a:t>
+            </a:r>
+            <a:r>
+              <a:rPr lang="en-US" altLang="ko-KR" dirty="0"/>
+              <a:t>[</a:t>
+            </a:r>
+            <a:r>
+              <a:rPr lang="ko-KR" altLang="en-US" dirty="0"/>
+              <a:t>투표하기</a:t>
+            </a:r>
+            <a:r>
+              <a:rPr lang="en-US" altLang="ko-KR" dirty="0"/>
+              <a:t>] </a:t>
+            </a:r>
+            <a:r>
+              <a:rPr lang="ko-KR" altLang="en-US" dirty="0"/>
+              <a:t>버튼을 누르면 </a:t>
+            </a:r>
+            <a:r>
+              <a:rPr lang="en-US" altLang="ko-KR" dirty="0"/>
+              <a:t>[</a:t>
+            </a:r>
+            <a:r>
+              <a:rPr lang="ko-KR" altLang="en-US" dirty="0"/>
+              <a:t>유의사항</a:t>
+            </a:r>
+            <a:r>
+              <a:rPr lang="en-US" altLang="ko-KR" dirty="0"/>
+              <a:t>] </a:t>
+            </a:r>
+            <a:r>
+              <a:rPr lang="ko-KR" altLang="en-US" dirty="0"/>
+              <a:t>페이지로 와지면서 동시에</a:t>
             </a:r>
             <a:endParaRPr lang="en-US" altLang="ko-KR" dirty="0"/>
           </a:p>
           <a:p>
             <a:r>
-              <a:rPr lang="ko-KR" altLang="en-US" dirty="0"/>
-              <a:t>들어갔음</a:t>
+              <a:rPr lang="en-US" altLang="ko-KR" dirty="0"/>
+              <a:t>[</a:t>
+            </a:r>
+            <a:r>
+              <a:rPr lang="ko-KR" altLang="en-US" dirty="0"/>
+              <a:t>동의함</a:t>
+            </a:r>
+            <a:r>
+              <a:rPr lang="en-US" altLang="ko-KR" dirty="0"/>
+              <a:t>] </a:t>
+            </a:r>
+            <a:r>
+              <a:rPr lang="ko-KR" altLang="en-US" dirty="0"/>
+              <a:t>버튼을 눌렀을 때 나오는 선거의 투표용지를 로그인한 학생에게</a:t>
             </a:r>
             <a:endParaRPr lang="en-US" altLang="ko-KR" dirty="0"/>
           </a:p>
           <a:p>
-            <a:endParaRPr lang="en-US" altLang="ko-KR" dirty="0"/>
-          </a:p>
-          <a:p>
-            <a:endParaRPr lang="en-US" altLang="ko-KR" dirty="0"/>
-          </a:p>
-          <a:p>
-            <a:endParaRPr lang="en-US" altLang="ko-KR" dirty="0"/>
-          </a:p>
-          <a:p>
-            <a:endParaRPr lang="en-US" altLang="ko-KR" dirty="0"/>
-          </a:p>
-          <a:p>
-            <a:endParaRPr lang="en-US" altLang="ko-KR" dirty="0"/>
-          </a:p>
-          <a:p>
-            <a:endParaRPr lang="en-US" altLang="ko-KR" dirty="0"/>
-          </a:p>
-          <a:p>
-            <a:endParaRPr lang="en-US" altLang="ko-KR" dirty="0"/>
-          </a:p>
-          <a:p>
-            <a:r>
-              <a:rPr lang="ko-KR" altLang="en-US" dirty="0"/>
-              <a:t>총학생회 선거가 선거 기간인지 확인한다</a:t>
+            <a:r>
+              <a:rPr lang="ko-KR" altLang="en-US" dirty="0"/>
+              <a:t>발급한다</a:t>
             </a:r>
             <a:r>
               <a:rPr lang="en-US" altLang="ko-KR" dirty="0"/>
               <a:t>.</a:t>
             </a:r>
-          </a:p>
-          <a:p>
-            <a:r>
-              <a:rPr lang="ko-KR" altLang="en-US" dirty="0"/>
-              <a:t>선거 기간이면 </a:t>
-            </a:r>
-            <a:r>
-              <a:rPr lang="en-US" altLang="ko-KR" dirty="0"/>
-              <a:t>[</a:t>
-            </a:r>
-            <a:r>
-              <a:rPr lang="ko-KR" altLang="en-US" dirty="0"/>
-              <a:t>유의사항</a:t>
-            </a:r>
-            <a:r>
-              <a:rPr lang="en-US" altLang="ko-KR" dirty="0"/>
-              <a:t>] </a:t>
-            </a:r>
-            <a:r>
-              <a:rPr lang="ko-KR" altLang="en-US" dirty="0"/>
-              <a:t>페이지</a:t>
-            </a:r>
-            <a:r>
-              <a:rPr lang="en-US" altLang="ko-KR" dirty="0"/>
-              <a:t>(</a:t>
-            </a:r>
-            <a:r>
-              <a:rPr lang="ko-KR" altLang="en-US" dirty="0"/>
-              <a:t>개인정보동의 페이지라고도 함</a:t>
-            </a:r>
-            <a:r>
-              <a:rPr lang="en-US" altLang="ko-KR" dirty="0"/>
-              <a:t>)</a:t>
-            </a:r>
-            <a:r>
-              <a:rPr lang="ko-KR" altLang="en-US" dirty="0"/>
-              <a:t>가 나오도록 한다</a:t>
-            </a:r>
-            <a:r>
-              <a:rPr lang="en-US" altLang="ko-KR" dirty="0"/>
-              <a:t>.</a:t>
-            </a:r>
-          </a:p>
-          <a:p>
-            <a:endParaRPr lang="en-US" altLang="ko-KR" dirty="0"/>
+            <a:endParaRPr lang="ko-KR" altLang="en-US" dirty="0"/>
           </a:p>
         </p:txBody>
       </p:sp>
     </p:spTree>
     <p:extLst>
       <p:ext uri="{BB962C8B-B14F-4D97-AF65-F5344CB8AC3E}">
-        <p14:creationId xmlns:p14="http://schemas.microsoft.com/office/powerpoint/2010/main" val="4257089158"/>
+        <p14:creationId xmlns:p14="http://schemas.microsoft.com/office/powerpoint/2010/main" val="3248052389"/>
       </p:ext>
     </p:extLst>
   </p:cSld>
@@ -5613,7 +5567,7 @@
           <p:cNvPr id="2" name="제목 1">
             <a:extLst>
               <a:ext uri="{FF2B5EF4-FFF2-40B4-BE49-F238E27FC236}">
-                <a16:creationId xmlns:a16="http://schemas.microsoft.com/office/drawing/2014/main" id="{B1373BEA-8B04-4609-9A10-A9558A48FCD1}"/>
+                <a16:creationId xmlns:a16="http://schemas.microsoft.com/office/drawing/2014/main" id="{38786624-B7E8-49FE-A3F5-1CC5B428A003}"/>
               </a:ext>
             </a:extLst>
           </p:cNvPr>
@@ -5678,7 +5632,7 @@
           <p:cNvPr id="5" name="내용 개체 틀 4">
             <a:extLst>
               <a:ext uri="{FF2B5EF4-FFF2-40B4-BE49-F238E27FC236}">
-                <a16:creationId xmlns:a16="http://schemas.microsoft.com/office/drawing/2014/main" id="{6C631E38-F8E9-4C6C-BF2F-84A869D0BC15}"/>
+                <a16:creationId xmlns:a16="http://schemas.microsoft.com/office/drawing/2014/main" id="{42D6D295-646D-41EC-9EE5-F73420E4B538}"/>
               </a:ext>
             </a:extLst>
           </p:cNvPr>
@@ -5697,8 +5651,8 @@
         </p:blipFill>
         <p:spPr>
           <a:xfrm>
-            <a:off x="838200" y="1943071"/>
-            <a:ext cx="2631041" cy="4351338"/>
+            <a:off x="611697" y="1925980"/>
+            <a:ext cx="7058025" cy="4133850"/>
           </a:xfrm>
         </p:spPr>
       </p:pic>
@@ -5707,7 +5661,7 @@
           <p:cNvPr id="6" name="TextBox 5">
             <a:extLst>
               <a:ext uri="{FF2B5EF4-FFF2-40B4-BE49-F238E27FC236}">
-                <a16:creationId xmlns:a16="http://schemas.microsoft.com/office/drawing/2014/main" id="{DE64CE7B-FFB8-49B5-AC4C-019C8E0FE0DB}"/>
+                <a16:creationId xmlns:a16="http://schemas.microsoft.com/office/drawing/2014/main" id="{1AE905EF-3E2A-4DB3-9894-927487E37DE2}"/>
               </a:ext>
             </a:extLst>
           </p:cNvPr>
@@ -5716,8 +5670,8 @@
         </p:nvSpPr>
         <p:spPr>
           <a:xfrm>
-            <a:off x="3691156" y="1943071"/>
-            <a:ext cx="3966150" cy="369332"/>
+            <a:off x="7734651" y="2382473"/>
+            <a:ext cx="4457350" cy="3970318"/>
           </a:xfrm>
           <a:prstGeom prst="rect">
             <a:avLst/>
@@ -5725,18 +5679,75 @@
           <a:noFill/>
         </p:spPr>
         <p:txBody>
-          <a:bodyPr wrap="none" rtlCol="0">
+          <a:bodyPr wrap="square" rtlCol="0">
             <a:spAutoFit/>
           </a:bodyPr>
           <a:lstStyle/>
           <a:p>
             <a:r>
+              <a:rPr lang="ko-KR" altLang="en-US" dirty="0"/>
+              <a:t>첫번째 </a:t>
+            </a:r>
+            <a:r>
+              <a:rPr lang="en-US" altLang="ko-KR" dirty="0"/>
+              <a:t>slot</a:t>
+            </a:r>
+            <a:r>
+              <a:rPr lang="ko-KR" altLang="en-US" dirty="0"/>
+              <a:t>에 총학생회 선거 투표용지가 </a:t>
+            </a:r>
+            <a:endParaRPr lang="en-US" altLang="ko-KR" dirty="0"/>
+          </a:p>
+          <a:p>
+            <a:r>
+              <a:rPr lang="ko-KR" altLang="en-US" dirty="0"/>
+              <a:t>들어갔음</a:t>
+            </a:r>
+            <a:endParaRPr lang="en-US" altLang="ko-KR" dirty="0"/>
+          </a:p>
+          <a:p>
+            <a:endParaRPr lang="en-US" altLang="ko-KR" dirty="0"/>
+          </a:p>
+          <a:p>
+            <a:endParaRPr lang="en-US" altLang="ko-KR" dirty="0"/>
+          </a:p>
+          <a:p>
+            <a:endParaRPr lang="en-US" altLang="ko-KR" dirty="0"/>
+          </a:p>
+          <a:p>
+            <a:endParaRPr lang="en-US" altLang="ko-KR" dirty="0"/>
+          </a:p>
+          <a:p>
+            <a:endParaRPr lang="en-US" altLang="ko-KR" dirty="0"/>
+          </a:p>
+          <a:p>
+            <a:endParaRPr lang="en-US" altLang="ko-KR" dirty="0"/>
+          </a:p>
+          <a:p>
+            <a:endParaRPr lang="en-US" altLang="ko-KR" dirty="0"/>
+          </a:p>
+          <a:p>
+            <a:r>
+              <a:rPr lang="ko-KR" altLang="en-US" dirty="0"/>
+              <a:t>총학생회 선거가 선거 기간인지 확인한다</a:t>
+            </a:r>
+            <a:r>
+              <a:rPr lang="en-US" altLang="ko-KR" dirty="0"/>
+              <a:t>.</a:t>
+            </a:r>
+          </a:p>
+          <a:p>
+            <a:r>
+              <a:rPr lang="ko-KR" altLang="en-US" dirty="0"/>
+              <a:t>선거 기간이면 </a:t>
+            </a:r>
+            <a:r>
               <a:rPr lang="en-US" altLang="ko-KR" dirty="0"/>
               <a:t>[</a:t>
             </a:r>
             <a:r>
               <a:rPr lang="ko-KR" altLang="en-US" dirty="0"/>
-              <a:t>동의함</a:t>
+              <a:t>유의사항</a:t>
             </a:r>
             <a:r>
               <a:rPr lang="en-US" altLang="ko-KR" dirty="0"/>
@@ -5744,93 +5755,38 @@
             </a:r>
             <a:r>
               <a:rPr lang="ko-KR" altLang="en-US" dirty="0"/>
-              <a:t>버튼 누르면 나오는 페이지</a:t>
-            </a:r>
-          </a:p>
-        </p:txBody>
-      </p:sp>
-      <p:pic>
-        <p:nvPicPr>
-          <p:cNvPr id="8" name="그림 7">
-            <a:extLst>
-              <a:ext uri="{FF2B5EF4-FFF2-40B4-BE49-F238E27FC236}">
-                <a16:creationId xmlns:a16="http://schemas.microsoft.com/office/drawing/2014/main" id="{A2A8E9F1-B3AF-413D-B2A6-A8721FD2E5DC}"/>
-              </a:ext>
-            </a:extLst>
-          </p:cNvPr>
-          <p:cNvPicPr>
-            <a:picLocks noChangeAspect="1"/>
-          </p:cNvPicPr>
-          <p:nvPr/>
-        </p:nvPicPr>
-        <p:blipFill>
-          <a:blip r:embed="rId3"/>
-          <a:stretch>
-            <a:fillRect/>
-          </a:stretch>
-        </p:blipFill>
-        <p:spPr>
-          <a:xfrm>
-            <a:off x="3787804" y="2345711"/>
-            <a:ext cx="6210300" cy="219075"/>
-          </a:xfrm>
-          <a:prstGeom prst="rect">
-            <a:avLst/>
-          </a:prstGeom>
-        </p:spPr>
-      </p:pic>
-      <p:sp>
-        <p:nvSpPr>
-          <p:cNvPr id="9" name="TextBox 8">
-            <a:extLst>
-              <a:ext uri="{FF2B5EF4-FFF2-40B4-BE49-F238E27FC236}">
-                <a16:creationId xmlns:a16="http://schemas.microsoft.com/office/drawing/2014/main" id="{A4EA4A03-541E-4E89-9596-4A7B57BF9D39}"/>
-              </a:ext>
-            </a:extLst>
-          </p:cNvPr>
-          <p:cNvSpPr txBox="1"/>
-          <p:nvPr/>
-        </p:nvSpPr>
-        <p:spPr>
-          <a:xfrm>
-            <a:off x="3787804" y="2768367"/>
-            <a:ext cx="7016344" cy="369332"/>
-          </a:xfrm>
-          <a:prstGeom prst="rect">
-            <a:avLst/>
-          </a:prstGeom>
-          <a:noFill/>
-        </p:spPr>
-        <p:txBody>
-          <a:bodyPr wrap="none" rtlCol="0">
-            <a:spAutoFit/>
-          </a:bodyPr>
-          <a:lstStyle/>
-          <a:p>
-            <a:r>
-              <a:rPr lang="en-US" altLang="ko-KR" dirty="0" err="1"/>
-              <a:t>getCandidateInfo</a:t>
-            </a:r>
-            <a:r>
-              <a:rPr lang="en-US" altLang="ko-KR" dirty="0"/>
-              <a:t> </a:t>
-            </a:r>
-            <a:r>
-              <a:rPr lang="ko-KR" altLang="en-US" dirty="0"/>
-              <a:t>체인코드로부터 선거의 후보들 정보를 불러온다</a:t>
+              <a:t>페이지</a:t>
+            </a:r>
+            <a:r>
+              <a:rPr lang="en-US" altLang="ko-KR" dirty="0"/>
+              <a:t>(</a:t>
+            </a:r>
+            <a:r>
+              <a:rPr lang="ko-KR" altLang="en-US" dirty="0"/>
+              <a:t>개인정보동의 페이지라고도 함</a:t>
+            </a:r>
+            <a:r>
+              <a:rPr lang="en-US" altLang="ko-KR" dirty="0"/>
+              <a:t>)</a:t>
+            </a:r>
+            <a:r>
+              <a:rPr lang="ko-KR" altLang="en-US" dirty="0"/>
+              <a:t>가 나오도록 한다</a:t>
             </a:r>
             <a:r>
               <a:rPr lang="en-US" altLang="ko-KR" dirty="0"/>
               <a:t>.</a:t>
             </a:r>
-            <a:endParaRPr lang="ko-KR" altLang="en-US" dirty="0"/>
+          </a:p>
+          <a:p>
+            <a:endParaRPr lang="en-US" altLang="ko-KR" dirty="0"/>
           </a:p>
         </p:txBody>
       </p:sp>
     </p:spTree>
     <p:extLst>
       <p:ext uri="{BB962C8B-B14F-4D97-AF65-F5344CB8AC3E}">
-        <p14:creationId xmlns:p14="http://schemas.microsoft.com/office/powerpoint/2010/main" val="879161823"/>
+        <p14:creationId xmlns:p14="http://schemas.microsoft.com/office/powerpoint/2010/main" val="4257089158"/>
       </p:ext>
     </p:extLst>
   </p:cSld>
@@ -5862,7 +5818,7 @@
           <p:cNvPr id="2" name="제목 1">
             <a:extLst>
               <a:ext uri="{FF2B5EF4-FFF2-40B4-BE49-F238E27FC236}">
-                <a16:creationId xmlns:a16="http://schemas.microsoft.com/office/drawing/2014/main" id="{5982CC75-238A-4902-88E3-8569A9F23AE8}"/>
+                <a16:creationId xmlns:a16="http://schemas.microsoft.com/office/drawing/2014/main" id="{B1373BEA-8B04-4609-9A10-A9558A48FCD1}"/>
               </a:ext>
             </a:extLst>
           </p:cNvPr>
@@ -5927,7 +5883,7 @@
           <p:cNvPr id="5" name="내용 개체 틀 4">
             <a:extLst>
               <a:ext uri="{FF2B5EF4-FFF2-40B4-BE49-F238E27FC236}">
-                <a16:creationId xmlns:a16="http://schemas.microsoft.com/office/drawing/2014/main" id="{1219CCC4-D078-4636-B679-9A8108ED5B29}"/>
+                <a16:creationId xmlns:a16="http://schemas.microsoft.com/office/drawing/2014/main" id="{6C631E38-F8E9-4C6C-BF2F-84A869D0BC15}"/>
               </a:ext>
             </a:extLst>
           </p:cNvPr>
@@ -5946,8 +5902,8 @@
         </p:blipFill>
         <p:spPr>
           <a:xfrm>
-            <a:off x="5684633" y="2285758"/>
-            <a:ext cx="2635419" cy="4351338"/>
+            <a:off x="838200" y="1943071"/>
+            <a:ext cx="2631041" cy="4351338"/>
           </a:xfrm>
         </p:spPr>
       </p:pic>
@@ -5956,7 +5912,7 @@
           <p:cNvPr id="6" name="TextBox 5">
             <a:extLst>
               <a:ext uri="{FF2B5EF4-FFF2-40B4-BE49-F238E27FC236}">
-                <a16:creationId xmlns:a16="http://schemas.microsoft.com/office/drawing/2014/main" id="{834AE55A-C3CC-493C-AAA7-2F4FA3980E61}"/>
+                <a16:creationId xmlns:a16="http://schemas.microsoft.com/office/drawing/2014/main" id="{DE64CE7B-FFB8-49B5-AC4C-019C8E0FE0DB}"/>
               </a:ext>
             </a:extLst>
           </p:cNvPr>
@@ -5965,8 +5921,8 @@
         </p:nvSpPr>
         <p:spPr>
           <a:xfrm>
-            <a:off x="4414794" y="1916426"/>
-            <a:ext cx="6527749" cy="369332"/>
+            <a:off x="3691156" y="1943071"/>
+            <a:ext cx="3966150" cy="369332"/>
           </a:xfrm>
           <a:prstGeom prst="rect">
             <a:avLst/>
@@ -5980,23 +5936,30 @@
           <a:lstStyle/>
           <a:p>
             <a:r>
-              <a:rPr lang="ko-KR" altLang="en-US" dirty="0"/>
-              <a:t>좌측의 투표하기 버튼을 누르면 후보자 선택 페이지가 나온다</a:t>
-            </a:r>
-            <a:r>
-              <a:rPr lang="en-US" altLang="ko-KR" dirty="0"/>
-              <a:t>.</a:t>
-            </a:r>
-            <a:endParaRPr lang="ko-KR" altLang="en-US" dirty="0"/>
+              <a:rPr lang="en-US" altLang="ko-KR" dirty="0"/>
+              <a:t>[</a:t>
+            </a:r>
+            <a:r>
+              <a:rPr lang="ko-KR" altLang="en-US" dirty="0"/>
+              <a:t>동의함</a:t>
+            </a:r>
+            <a:r>
+              <a:rPr lang="en-US" altLang="ko-KR" dirty="0"/>
+              <a:t>] </a:t>
+            </a:r>
+            <a:r>
+              <a:rPr lang="ko-KR" altLang="en-US" dirty="0"/>
+              <a:t>버튼 누르면 나오는 페이지</a:t>
+            </a:r>
           </a:p>
         </p:txBody>
       </p:sp>
       <p:pic>
         <p:nvPicPr>
-          <p:cNvPr id="7" name="내용 개체 틀 4">
-            <a:extLst>
-              <a:ext uri="{FF2B5EF4-FFF2-40B4-BE49-F238E27FC236}">
-                <a16:creationId xmlns:a16="http://schemas.microsoft.com/office/drawing/2014/main" id="{0AD77909-4289-40CC-AC19-8BCB60FABABE}"/>
+          <p:cNvPr id="8" name="그림 7">
+            <a:extLst>
+              <a:ext uri="{FF2B5EF4-FFF2-40B4-BE49-F238E27FC236}">
+                <a16:creationId xmlns:a16="http://schemas.microsoft.com/office/drawing/2014/main" id="{A2A8E9F1-B3AF-413D-B2A6-A8721FD2E5DC}"/>
               </a:ext>
             </a:extLst>
           </p:cNvPr>
@@ -6013,105 +5976,66 @@
         </p:blipFill>
         <p:spPr>
           <a:xfrm>
-            <a:off x="1702965" y="1943071"/>
-            <a:ext cx="2631041" cy="4351338"/>
+            <a:off x="3787804" y="2345711"/>
+            <a:ext cx="6210300" cy="219075"/>
           </a:xfrm>
           <a:prstGeom prst="rect">
             <a:avLst/>
           </a:prstGeom>
         </p:spPr>
       </p:pic>
-      <p:cxnSp>
-        <p:nvCxnSpPr>
-          <p:cNvPr id="9" name="직선 화살표 연결선 8">
-            <a:extLst>
-              <a:ext uri="{FF2B5EF4-FFF2-40B4-BE49-F238E27FC236}">
-                <a16:creationId xmlns:a16="http://schemas.microsoft.com/office/drawing/2014/main" id="{40DCC5AF-0B5C-4B56-964C-DDB65E3578A3}"/>
-              </a:ext>
-            </a:extLst>
-          </p:cNvPr>
-          <p:cNvCxnSpPr>
-            <a:cxnSpLocks/>
-          </p:cNvCxnSpPr>
+      <p:sp>
+        <p:nvSpPr>
+          <p:cNvPr id="9" name="TextBox 8">
+            <a:extLst>
+              <a:ext uri="{FF2B5EF4-FFF2-40B4-BE49-F238E27FC236}">
+                <a16:creationId xmlns:a16="http://schemas.microsoft.com/office/drawing/2014/main" id="{A4EA4A03-541E-4E89-9596-4A7B57BF9D39}"/>
+              </a:ext>
+            </a:extLst>
+          </p:cNvPr>
+          <p:cNvSpPr txBox="1"/>
           <p:nvPr/>
-        </p:nvCxnSpPr>
-        <p:spPr>
-          <a:xfrm flipH="1">
-            <a:off x="3632434" y="2285758"/>
-            <a:ext cx="1753298" cy="3628480"/>
-          </a:xfrm>
-          <a:prstGeom prst="straightConnector1">
+        </p:nvSpPr>
+        <p:spPr>
+          <a:xfrm>
+            <a:off x="3787804" y="2768367"/>
+            <a:ext cx="7016344" cy="369332"/>
+          </a:xfrm>
+          <a:prstGeom prst="rect">
             <a:avLst/>
           </a:prstGeom>
-          <a:ln>
-            <a:tailEnd type="triangle"/>
-          </a:ln>
-        </p:spPr>
-        <p:style>
-          <a:lnRef idx="1">
-            <a:schemeClr val="accent2"/>
-          </a:lnRef>
-          <a:fillRef idx="0">
-            <a:schemeClr val="accent2"/>
-          </a:fillRef>
-          <a:effectRef idx="0">
-            <a:schemeClr val="accent2"/>
-          </a:effectRef>
-          <a:fontRef idx="minor">
-            <a:schemeClr val="tx1"/>
-          </a:fontRef>
-        </p:style>
-      </p:cxnSp>
-      <p:sp>
-        <p:nvSpPr>
-          <p:cNvPr id="12" name="화살표: 오른쪽 11">
-            <a:extLst>
-              <a:ext uri="{FF2B5EF4-FFF2-40B4-BE49-F238E27FC236}">
-                <a16:creationId xmlns:a16="http://schemas.microsoft.com/office/drawing/2014/main" id="{318AA02B-8884-4B29-89E5-6C28822ABBC9}"/>
-              </a:ext>
-            </a:extLst>
-          </p:cNvPr>
-          <p:cNvSpPr/>
-          <p:nvPr/>
-        </p:nvSpPr>
-        <p:spPr>
-          <a:xfrm>
-            <a:off x="4689446" y="4362275"/>
-            <a:ext cx="696286" cy="385894"/>
-          </a:xfrm>
-          <a:prstGeom prst="rightArrow">
-            <a:avLst/>
-          </a:prstGeom>
-        </p:spPr>
-        <p:style>
-          <a:lnRef idx="2">
-            <a:schemeClr val="accent1">
-              <a:shade val="50000"/>
-            </a:schemeClr>
-          </a:lnRef>
-          <a:fillRef idx="1">
-            <a:schemeClr val="accent1"/>
-          </a:fillRef>
-          <a:effectRef idx="0">
-            <a:schemeClr val="accent1"/>
-          </a:effectRef>
-          <a:fontRef idx="minor">
-            <a:schemeClr val="lt1"/>
-          </a:fontRef>
-        </p:style>
-        <p:txBody>
-          <a:bodyPr rtlCol="0" anchor="ctr"/>
-          <a:lstStyle/>
-          <a:p>
-            <a:pPr algn="ctr"/>
-            <a:endParaRPr lang="ko-KR" altLang="en-US"/>
+          <a:noFill/>
+        </p:spPr>
+        <p:txBody>
+          <a:bodyPr wrap="none" rtlCol="0">
+            <a:spAutoFit/>
+          </a:bodyPr>
+          <a:lstStyle/>
+          <a:p>
+            <a:r>
+              <a:rPr lang="en-US" altLang="ko-KR" dirty="0" err="1"/>
+              <a:t>getCandidateInfo</a:t>
+            </a:r>
+            <a:r>
+              <a:rPr lang="en-US" altLang="ko-KR" dirty="0"/>
+              <a:t> </a:t>
+            </a:r>
+            <a:r>
+              <a:rPr lang="ko-KR" altLang="en-US" dirty="0"/>
+              <a:t>체인코드로부터 선거의 후보들 정보를 불러온다</a:t>
+            </a:r>
+            <a:r>
+              <a:rPr lang="en-US" altLang="ko-KR" dirty="0"/>
+              <a:t>.</a:t>
+            </a:r>
+            <a:endParaRPr lang="ko-KR" altLang="en-US" dirty="0"/>
           </a:p>
         </p:txBody>
       </p:sp>
     </p:spTree>
     <p:extLst>
       <p:ext uri="{BB962C8B-B14F-4D97-AF65-F5344CB8AC3E}">
-        <p14:creationId xmlns:p14="http://schemas.microsoft.com/office/powerpoint/2010/main" val="619092787"/>
+        <p14:creationId xmlns:p14="http://schemas.microsoft.com/office/powerpoint/2010/main" val="879161823"/>
       </p:ext>
     </p:extLst>
   </p:cSld>
@@ -6143,7 +6067,7 @@
           <p:cNvPr id="2" name="제목 1">
             <a:extLst>
               <a:ext uri="{FF2B5EF4-FFF2-40B4-BE49-F238E27FC236}">
-                <a16:creationId xmlns:a16="http://schemas.microsoft.com/office/drawing/2014/main" id="{5161C77A-4C1B-4D44-ADC6-02FEF05B6D5F}"/>
+                <a16:creationId xmlns:a16="http://schemas.microsoft.com/office/drawing/2014/main" id="{5982CC75-238A-4902-88E3-8569A9F23AE8}"/>
               </a:ext>
             </a:extLst>
           </p:cNvPr>
@@ -6156,9 +6080,7 @@
         </p:nvSpPr>
         <p:spPr/>
         <p:txBody>
-          <a:bodyPr>
-            <a:normAutofit fontScale="90000"/>
-          </a:bodyPr>
+          <a:bodyPr/>
           <a:lstStyle/>
           <a:p>
             <a:r>
@@ -6167,7 +6089,7 @@
             </a:r>
             <a:r>
               <a:rPr lang="en-US" altLang="ko-KR" dirty="0"/>
-              <a:t>#11 : </a:t>
+              <a:t>#10 : </a:t>
             </a:r>
             <a:r>
               <a:rPr lang="ko-KR" altLang="en-US" dirty="0"/>
@@ -6189,9 +6111,6 @@
               <a:rPr lang="ko-KR" altLang="en-US" dirty="0"/>
               <a:t>학생이 </a:t>
             </a:r>
-            <a:br>
-              <a:rPr lang="en-US" altLang="ko-KR" dirty="0"/>
-            </a:br>
             <a:r>
               <a:rPr lang="en-US" altLang="ko-KR" dirty="0"/>
               <a:t>[</a:t>
@@ -6199,30 +6118,6 @@
             <a:r>
               <a:rPr lang="ko-KR" altLang="en-US" dirty="0"/>
               <a:t>투표하기</a:t>
-            </a:r>
-            <a:r>
-              <a:rPr lang="en-US" altLang="ko-KR" dirty="0"/>
-              <a:t>] -&gt; [</a:t>
-            </a:r>
-            <a:r>
-              <a:rPr lang="ko-KR" altLang="en-US" dirty="0"/>
-              <a:t>기호 </a:t>
-            </a:r>
-            <a:r>
-              <a:rPr lang="en-US" altLang="ko-KR" dirty="0"/>
-              <a:t>1</a:t>
-            </a:r>
-            <a:r>
-              <a:rPr lang="ko-KR" altLang="en-US" dirty="0"/>
-              <a:t>번 </a:t>
-            </a:r>
-            <a:r>
-              <a:rPr lang="ko-KR" altLang="en-US" dirty="0" err="1"/>
-              <a:t>브릿지에</a:t>
-            </a:r>
-            <a:r>
-              <a:rPr lang="ko-KR" altLang="en-US" dirty="0"/>
-              <a:t> 투표</a:t>
             </a:r>
             <a:r>
               <a:rPr lang="en-US" altLang="ko-KR" dirty="0"/>
@@ -6237,7 +6132,7 @@
           <p:cNvPr id="5" name="내용 개체 틀 4">
             <a:extLst>
               <a:ext uri="{FF2B5EF4-FFF2-40B4-BE49-F238E27FC236}">
-                <a16:creationId xmlns:a16="http://schemas.microsoft.com/office/drawing/2014/main" id="{DB907C34-2AFC-45D1-936B-F7A05E8368AC}"/>
+                <a16:creationId xmlns:a16="http://schemas.microsoft.com/office/drawing/2014/main" id="{1219CCC4-D078-4636-B679-9A8108ED5B29}"/>
               </a:ext>
             </a:extLst>
           </p:cNvPr>
@@ -6256,17 +6151,57 @@
         </p:blipFill>
         <p:spPr>
           <a:xfrm>
-            <a:off x="3346508" y="2052128"/>
-            <a:ext cx="2629379" cy="4351338"/>
+            <a:off x="5684633" y="2285758"/>
+            <a:ext cx="2635419" cy="4351338"/>
           </a:xfrm>
         </p:spPr>
       </p:pic>
+      <p:sp>
+        <p:nvSpPr>
+          <p:cNvPr id="6" name="TextBox 5">
+            <a:extLst>
+              <a:ext uri="{FF2B5EF4-FFF2-40B4-BE49-F238E27FC236}">
+                <a16:creationId xmlns:a16="http://schemas.microsoft.com/office/drawing/2014/main" id="{834AE55A-C3CC-493C-AAA7-2F4FA3980E61}"/>
+              </a:ext>
+            </a:extLst>
+          </p:cNvPr>
+          <p:cNvSpPr txBox="1"/>
+          <p:nvPr/>
+        </p:nvSpPr>
+        <p:spPr>
+          <a:xfrm>
+            <a:off x="4414794" y="1916426"/>
+            <a:ext cx="6527749" cy="369332"/>
+          </a:xfrm>
+          <a:prstGeom prst="rect">
+            <a:avLst/>
+          </a:prstGeom>
+          <a:noFill/>
+        </p:spPr>
+        <p:txBody>
+          <a:bodyPr wrap="none" rtlCol="0">
+            <a:spAutoFit/>
+          </a:bodyPr>
+          <a:lstStyle/>
+          <a:p>
+            <a:r>
+              <a:rPr lang="ko-KR" altLang="en-US" dirty="0"/>
+              <a:t>좌측의 투표하기 버튼을 누르면 후보자 선택 페이지가 나온다</a:t>
+            </a:r>
+            <a:r>
+              <a:rPr lang="en-US" altLang="ko-KR" dirty="0"/>
+              <a:t>.</a:t>
+            </a:r>
+            <a:endParaRPr lang="ko-KR" altLang="en-US" dirty="0"/>
+          </a:p>
+        </p:txBody>
+      </p:sp>
       <p:pic>
         <p:nvPicPr>
-          <p:cNvPr id="10" name="그림 9">
-            <a:extLst>
-              <a:ext uri="{FF2B5EF4-FFF2-40B4-BE49-F238E27FC236}">
-                <a16:creationId xmlns:a16="http://schemas.microsoft.com/office/drawing/2014/main" id="{9F9F4595-683B-4150-9E03-71242FF969F8}"/>
+          <p:cNvPr id="7" name="내용 개체 틀 4">
+            <a:extLst>
+              <a:ext uri="{FF2B5EF4-FFF2-40B4-BE49-F238E27FC236}">
+                <a16:creationId xmlns:a16="http://schemas.microsoft.com/office/drawing/2014/main" id="{0AD77909-4289-40CC-AC19-8BCB60FABABE}"/>
               </a:ext>
             </a:extLst>
           </p:cNvPr>
@@ -6283,20 +6218,61 @@
         </p:blipFill>
         <p:spPr>
           <a:xfrm>
-            <a:off x="6291939" y="3699286"/>
-            <a:ext cx="2840876" cy="951131"/>
+            <a:off x="1702965" y="1943071"/>
+            <a:ext cx="2631041" cy="4351338"/>
           </a:xfrm>
           <a:prstGeom prst="rect">
             <a:avLst/>
           </a:prstGeom>
         </p:spPr>
       </p:pic>
-      <p:sp>
-        <p:nvSpPr>
-          <p:cNvPr id="11" name="화살표: 오른쪽 10">
-            <a:extLst>
-              <a:ext uri="{FF2B5EF4-FFF2-40B4-BE49-F238E27FC236}">
-                <a16:creationId xmlns:a16="http://schemas.microsoft.com/office/drawing/2014/main" id="{E56BD828-AC89-4A0D-AC34-8E44DA0196CA}"/>
+      <p:cxnSp>
+        <p:nvCxnSpPr>
+          <p:cNvPr id="9" name="직선 화살표 연결선 8">
+            <a:extLst>
+              <a:ext uri="{FF2B5EF4-FFF2-40B4-BE49-F238E27FC236}">
+                <a16:creationId xmlns:a16="http://schemas.microsoft.com/office/drawing/2014/main" id="{40DCC5AF-0B5C-4B56-964C-DDB65E3578A3}"/>
+              </a:ext>
+            </a:extLst>
+          </p:cNvPr>
+          <p:cNvCxnSpPr>
+            <a:cxnSpLocks/>
+          </p:cNvCxnSpPr>
+          <p:nvPr/>
+        </p:nvCxnSpPr>
+        <p:spPr>
+          <a:xfrm flipH="1">
+            <a:off x="3632434" y="2285758"/>
+            <a:ext cx="1753298" cy="3628480"/>
+          </a:xfrm>
+          <a:prstGeom prst="straightConnector1">
+            <a:avLst/>
+          </a:prstGeom>
+          <a:ln>
+            <a:tailEnd type="triangle"/>
+          </a:ln>
+        </p:spPr>
+        <p:style>
+          <a:lnRef idx="1">
+            <a:schemeClr val="accent2"/>
+          </a:lnRef>
+          <a:fillRef idx="0">
+            <a:schemeClr val="accent2"/>
+          </a:fillRef>
+          <a:effectRef idx="0">
+            <a:schemeClr val="accent2"/>
+          </a:effectRef>
+          <a:fontRef idx="minor">
+            <a:schemeClr val="tx1"/>
+          </a:fontRef>
+        </p:style>
+      </p:cxnSp>
+      <p:sp>
+        <p:nvSpPr>
+          <p:cNvPr id="12" name="화살표: 오른쪽 11">
+            <a:extLst>
+              <a:ext uri="{FF2B5EF4-FFF2-40B4-BE49-F238E27FC236}">
+                <a16:creationId xmlns:a16="http://schemas.microsoft.com/office/drawing/2014/main" id="{318AA02B-8884-4B29-89E5-6C28822ABBC9}"/>
               </a:ext>
             </a:extLst>
           </p:cNvPr>
@@ -6304,9 +6280,9 @@
           <p:nvPr/>
         </p:nvSpPr>
         <p:spPr>
-          <a:xfrm rot="19163133">
-            <a:off x="6128287" y="5176007"/>
-            <a:ext cx="612655" cy="201336"/>
+          <a:xfrm>
+            <a:off x="4689446" y="4362275"/>
+            <a:ext cx="696286" cy="385894"/>
           </a:xfrm>
           <a:prstGeom prst="rightArrow">
             <a:avLst/>
@@ -6337,10 +6313,254 @@
           </a:p>
         </p:txBody>
       </p:sp>
+      <p:sp>
+        <p:nvSpPr>
+          <p:cNvPr id="3" name="TextBox 2">
+            <a:extLst>
+              <a:ext uri="{FF2B5EF4-FFF2-40B4-BE49-F238E27FC236}">
+                <a16:creationId xmlns:a16="http://schemas.microsoft.com/office/drawing/2014/main" id="{76D834B1-A889-4EB1-9975-B046386DCBC0}"/>
+              </a:ext>
+            </a:extLst>
+          </p:cNvPr>
+          <p:cNvSpPr txBox="1"/>
+          <p:nvPr/>
+        </p:nvSpPr>
+        <p:spPr>
+          <a:xfrm>
+            <a:off x="8320052" y="2950930"/>
+            <a:ext cx="3906519" cy="1477328"/>
+          </a:xfrm>
+          <a:prstGeom prst="rect">
+            <a:avLst/>
+          </a:prstGeom>
+          <a:noFill/>
+        </p:spPr>
+        <p:txBody>
+          <a:bodyPr wrap="none" rtlCol="0">
+            <a:spAutoFit/>
+          </a:bodyPr>
+          <a:lstStyle/>
+          <a:p>
+            <a:r>
+              <a:rPr lang="en-US" altLang="ko-KR" dirty="0"/>
+              <a:t>Problem : </a:t>
+            </a:r>
+          </a:p>
+          <a:p>
+            <a:r>
+              <a:rPr lang="ko-KR" altLang="en-US" dirty="0">
+                <a:highlight>
+                  <a:srgbClr val="C0C0C0"/>
+                </a:highlight>
+              </a:rPr>
+              <a:t>바로 좌측의 </a:t>
+            </a:r>
+            <a:r>
+              <a:rPr lang="en-US" altLang="ko-KR" dirty="0">
+                <a:highlight>
+                  <a:srgbClr val="C0C0C0"/>
+                </a:highlight>
+              </a:rPr>
+              <a:t>“2020 </a:t>
+            </a:r>
+            <a:r>
+              <a:rPr lang="ko-KR" altLang="en-US" dirty="0">
+                <a:highlight>
+                  <a:srgbClr val="C0C0C0"/>
+                </a:highlight>
+              </a:rPr>
+              <a:t>상명대 선거</a:t>
+            </a:r>
+            <a:r>
+              <a:rPr lang="en-US" altLang="ko-KR" dirty="0">
+                <a:highlight>
+                  <a:srgbClr val="C0C0C0"/>
+                </a:highlight>
+              </a:rPr>
+              <a:t>“</a:t>
+            </a:r>
+          </a:p>
+          <a:p>
+            <a:r>
+              <a:rPr lang="en-US" altLang="ko-KR" dirty="0">
+                <a:highlight>
+                  <a:srgbClr val="C0C0C0"/>
+                </a:highlight>
+              </a:rPr>
+              <a:t>“</a:t>
+            </a:r>
+            <a:r>
+              <a:rPr lang="ko-KR" altLang="en-US" dirty="0">
+                <a:highlight>
+                  <a:srgbClr val="C0C0C0"/>
+                </a:highlight>
+              </a:rPr>
+              <a:t>총학생회</a:t>
+            </a:r>
+            <a:r>
+              <a:rPr lang="en-US" altLang="ko-KR" dirty="0">
+                <a:highlight>
+                  <a:srgbClr val="C0C0C0"/>
+                </a:highlight>
+              </a:rPr>
+              <a:t>“ </a:t>
+            </a:r>
+            <a:r>
+              <a:rPr lang="ko-KR" altLang="en-US" dirty="0" err="1">
+                <a:highlight>
+                  <a:srgbClr val="C0C0C0"/>
+                </a:highlight>
+              </a:rPr>
+              <a:t>하드코딩되어</a:t>
+            </a:r>
+            <a:r>
+              <a:rPr lang="ko-KR" altLang="en-US" dirty="0">
+                <a:highlight>
+                  <a:srgbClr val="C0C0C0"/>
+                </a:highlight>
+              </a:rPr>
+              <a:t> 있는 듯</a:t>
+            </a:r>
+            <a:r>
+              <a:rPr lang="en-US" altLang="ko-KR" dirty="0">
+                <a:highlight>
+                  <a:srgbClr val="C0C0C0"/>
+                </a:highlight>
+              </a:rPr>
+              <a:t>,</a:t>
+            </a:r>
+          </a:p>
+          <a:p>
+            <a:r>
+              <a:rPr lang="ko-KR" altLang="en-US" dirty="0" err="1">
+                <a:highlight>
+                  <a:srgbClr val="C0C0C0"/>
+                </a:highlight>
+              </a:rPr>
+              <a:t>수정해야됨</a:t>
+            </a:r>
+            <a:r>
+              <a:rPr lang="en-US" altLang="ko-KR" dirty="0">
+                <a:highlight>
+                  <a:srgbClr val="C0C0C0"/>
+                </a:highlight>
+              </a:rPr>
+              <a:t>.</a:t>
+            </a:r>
+            <a:endParaRPr lang="en-US" altLang="ko-KR" dirty="0"/>
+          </a:p>
+          <a:p>
+            <a:r>
+              <a:rPr lang="en-US" altLang="ko-KR" dirty="0"/>
+              <a:t>Fixed at </a:t>
+            </a:r>
+            <a:r>
+              <a:rPr lang="en-US" altLang="ko-KR" sz="1200" b="0" i="0" u="none" strike="noStrike" baseline="0" dirty="0">
+                <a:solidFill>
+                  <a:srgbClr val="333333"/>
+                </a:solidFill>
+                <a:latin typeface="Verdana" panose="020B0604030504040204" pitchFamily="34" charset="0"/>
+              </a:rPr>
+              <a:t>2020</a:t>
+            </a:r>
+            <a:r>
+              <a:rPr lang="ko-KR" altLang="en-US" sz="1200" b="0" i="0" u="none" strike="noStrike" baseline="0" dirty="0">
+                <a:solidFill>
+                  <a:srgbClr val="333333"/>
+                </a:solidFill>
+                <a:latin typeface="Verdana" panose="020B0604030504040204" pitchFamily="34" charset="0"/>
+              </a:rPr>
+              <a:t>년</a:t>
+            </a:r>
+            <a:r>
+              <a:rPr lang="en-US" altLang="ko-KR" sz="1200" b="0" i="0" u="none" strike="noStrike" baseline="0" dirty="0">
+                <a:solidFill>
+                  <a:srgbClr val="333333"/>
+                </a:solidFill>
+                <a:latin typeface="Verdana" panose="020B0604030504040204" pitchFamily="34" charset="0"/>
+              </a:rPr>
+              <a:t> 8</a:t>
+            </a:r>
+            <a:r>
+              <a:rPr lang="ko-KR" altLang="en-US" sz="1200" b="0" i="0" u="none" strike="noStrike" baseline="0" dirty="0">
+                <a:solidFill>
+                  <a:srgbClr val="333333"/>
+                </a:solidFill>
+                <a:latin typeface="Verdana" panose="020B0604030504040204" pitchFamily="34" charset="0"/>
+              </a:rPr>
+              <a:t>월</a:t>
+            </a:r>
+            <a:r>
+              <a:rPr lang="en-US" altLang="ko-KR" sz="1200" b="0" i="0" u="none" strike="noStrike" baseline="0" dirty="0">
+                <a:solidFill>
+                  <a:srgbClr val="333333"/>
+                </a:solidFill>
+                <a:latin typeface="Verdana" panose="020B0604030504040204" pitchFamily="34" charset="0"/>
+              </a:rPr>
+              <a:t> 18</a:t>
+            </a:r>
+            <a:r>
+              <a:rPr lang="ko-KR" altLang="en-US" sz="1200" b="0" i="0" u="none" strike="noStrike" baseline="0" dirty="0">
+                <a:solidFill>
+                  <a:srgbClr val="333333"/>
+                </a:solidFill>
+                <a:latin typeface="Verdana" panose="020B0604030504040204" pitchFamily="34" charset="0"/>
+              </a:rPr>
+              <a:t>일</a:t>
+            </a:r>
+            <a:r>
+              <a:rPr lang="en-US" altLang="ko-KR" sz="1200" b="0" i="0" u="none" strike="noStrike" baseline="0" dirty="0">
+                <a:solidFill>
+                  <a:srgbClr val="333333"/>
+                </a:solidFill>
+                <a:latin typeface="Verdana" panose="020B0604030504040204" pitchFamily="34" charset="0"/>
+              </a:rPr>
+              <a:t> </a:t>
+            </a:r>
+            <a:r>
+              <a:rPr lang="ko-KR" altLang="en-US" sz="1200" b="0" i="0" u="none" strike="noStrike" baseline="0" dirty="0">
+                <a:solidFill>
+                  <a:srgbClr val="333333"/>
+                </a:solidFill>
+                <a:latin typeface="Verdana" panose="020B0604030504040204" pitchFamily="34" charset="0"/>
+              </a:rPr>
+              <a:t>화요일</a:t>
+            </a:r>
+            <a:r>
+              <a:rPr lang="en-US" altLang="ko-KR" sz="1200" b="0" i="0" u="none" strike="noStrike" baseline="0" dirty="0">
+                <a:solidFill>
+                  <a:srgbClr val="333333"/>
+                </a:solidFill>
+                <a:latin typeface="Verdana" panose="020B0604030504040204" pitchFamily="34" charset="0"/>
+              </a:rPr>
+              <a:t> </a:t>
+            </a:r>
+            <a:r>
+              <a:rPr lang="ko-KR" altLang="en-US" sz="1200" b="0" i="0" u="none" strike="noStrike" baseline="0" dirty="0">
+                <a:solidFill>
+                  <a:srgbClr val="333333"/>
+                </a:solidFill>
+                <a:latin typeface="Verdana" panose="020B0604030504040204" pitchFamily="34" charset="0"/>
+              </a:rPr>
+              <a:t>오전</a:t>
+            </a:r>
+            <a:r>
+              <a:rPr lang="en-US" altLang="ko-KR" sz="1200" b="0" i="0" u="none" strike="noStrike" baseline="0" dirty="0">
+                <a:solidFill>
+                  <a:srgbClr val="333333"/>
+                </a:solidFill>
+                <a:latin typeface="Verdana" panose="020B0604030504040204" pitchFamily="34" charset="0"/>
+              </a:rPr>
+              <a:t> 5:39:37</a:t>
+            </a:r>
+            <a:endParaRPr lang="en-US" altLang="ko-KR" sz="1200" dirty="0"/>
+          </a:p>
+        </p:txBody>
+      </p:sp>
     </p:spTree>
     <p:extLst>
       <p:ext uri="{BB962C8B-B14F-4D97-AF65-F5344CB8AC3E}">
-        <p14:creationId xmlns:p14="http://schemas.microsoft.com/office/powerpoint/2010/main" val="3483118518"/>
+        <p14:creationId xmlns:p14="http://schemas.microsoft.com/office/powerpoint/2010/main" val="619092787"/>
       </p:ext>
     </p:extLst>
   </p:cSld>
@@ -6541,7 +6761,7 @@
           <p:cNvPr id="2" name="제목 1">
             <a:extLst>
               <a:ext uri="{FF2B5EF4-FFF2-40B4-BE49-F238E27FC236}">
-                <a16:creationId xmlns:a16="http://schemas.microsoft.com/office/drawing/2014/main" id="{92393006-E773-49DE-B49C-681D7225DE88}"/>
+                <a16:creationId xmlns:a16="http://schemas.microsoft.com/office/drawing/2014/main" id="{5161C77A-4C1B-4D44-ADC6-02FEF05B6D5F}"/>
               </a:ext>
             </a:extLst>
           </p:cNvPr>
@@ -6632,17 +6852,19 @@
       </p:sp>
       <p:pic>
         <p:nvPicPr>
-          <p:cNvPr id="5" name="그림 4">
-            <a:extLst>
-              <a:ext uri="{FF2B5EF4-FFF2-40B4-BE49-F238E27FC236}">
-                <a16:creationId xmlns:a16="http://schemas.microsoft.com/office/drawing/2014/main" id="{F3A183DF-0AE7-48D4-9FE1-748EF2E6AD76}"/>
+          <p:cNvPr id="5" name="내용 개체 틀 4">
+            <a:extLst>
+              <a:ext uri="{FF2B5EF4-FFF2-40B4-BE49-F238E27FC236}">
+                <a16:creationId xmlns:a16="http://schemas.microsoft.com/office/drawing/2014/main" id="{DB907C34-2AFC-45D1-936B-F7A05E8368AC}"/>
               </a:ext>
             </a:extLst>
           </p:cNvPr>
           <p:cNvPicPr>
-            <a:picLocks noChangeAspect="1"/>
+            <a:picLocks noGrp="1" noChangeAspect="1"/>
           </p:cNvPicPr>
-          <p:nvPr/>
+          <p:nvPr>
+            <p:ph idx="1"/>
+          </p:nvPr>
         </p:nvPicPr>
         <p:blipFill>
           <a:blip r:embed="rId2"/>
@@ -6652,60 +6874,17 @@
         </p:blipFill>
         <p:spPr>
           <a:xfrm>
-            <a:off x="838200" y="2528029"/>
-            <a:ext cx="4638675" cy="3590925"/>
-          </a:xfrm>
-          <a:prstGeom prst="rect">
-            <a:avLst/>
-          </a:prstGeom>
+            <a:off x="3346508" y="2052128"/>
+            <a:ext cx="2629379" cy="4351338"/>
+          </a:xfrm>
         </p:spPr>
       </p:pic>
-      <p:sp>
-        <p:nvSpPr>
-          <p:cNvPr id="7" name="TextBox 6">
-            <a:extLst>
-              <a:ext uri="{FF2B5EF4-FFF2-40B4-BE49-F238E27FC236}">
-                <a16:creationId xmlns:a16="http://schemas.microsoft.com/office/drawing/2014/main" id="{9E22BD5F-5006-4DE8-A60B-A0D0B29F183A}"/>
-              </a:ext>
-            </a:extLst>
-          </p:cNvPr>
-          <p:cNvSpPr txBox="1"/>
-          <p:nvPr/>
-        </p:nvSpPr>
-        <p:spPr>
-          <a:xfrm>
-            <a:off x="838200" y="2158697"/>
-            <a:ext cx="1771639" cy="369332"/>
-          </a:xfrm>
-          <a:prstGeom prst="rect">
-            <a:avLst/>
-          </a:prstGeom>
-          <a:noFill/>
-        </p:spPr>
-        <p:txBody>
-          <a:bodyPr wrap="none" rtlCol="0">
-            <a:spAutoFit/>
-          </a:bodyPr>
-          <a:lstStyle/>
-          <a:p>
-            <a:r>
-              <a:rPr lang="ko-KR" altLang="en-US" dirty="0"/>
-              <a:t>투표 전 </a:t>
-            </a:r>
-            <a:r>
-              <a:rPr lang="en-US" altLang="ko-KR" dirty="0" err="1"/>
-              <a:t>VBallot</a:t>
-            </a:r>
-            <a:endParaRPr lang="ko-KR" altLang="en-US" dirty="0"/>
-          </a:p>
-        </p:txBody>
-      </p:sp>
       <p:pic>
         <p:nvPicPr>
-          <p:cNvPr id="9" name="그림 8">
-            <a:extLst>
-              <a:ext uri="{FF2B5EF4-FFF2-40B4-BE49-F238E27FC236}">
-                <a16:creationId xmlns:a16="http://schemas.microsoft.com/office/drawing/2014/main" id="{3F76F660-3D95-4E9B-B67C-1A68FEF17232}"/>
+          <p:cNvPr id="10" name="그림 9">
+            <a:extLst>
+              <a:ext uri="{FF2B5EF4-FFF2-40B4-BE49-F238E27FC236}">
+                <a16:creationId xmlns:a16="http://schemas.microsoft.com/office/drawing/2014/main" id="{9F9F4595-683B-4150-9E03-71242FF969F8}"/>
               </a:ext>
             </a:extLst>
           </p:cNvPr>
@@ -6722,8 +6901,8 @@
         </p:blipFill>
         <p:spPr>
           <a:xfrm>
-            <a:off x="6539131" y="2518504"/>
-            <a:ext cx="4667250" cy="3600450"/>
+            <a:off x="6291939" y="3699286"/>
+            <a:ext cx="2840876" cy="951131"/>
           </a:xfrm>
           <a:prstGeom prst="rect">
             <a:avLst/>
@@ -6732,70 +6911,24 @@
       </p:pic>
       <p:sp>
         <p:nvSpPr>
-          <p:cNvPr id="11" name="TextBox 10">
-            <a:extLst>
-              <a:ext uri="{FF2B5EF4-FFF2-40B4-BE49-F238E27FC236}">
-                <a16:creationId xmlns:a16="http://schemas.microsoft.com/office/drawing/2014/main" id="{3A517C24-8FEC-4095-B7A0-C00144C375EE}"/>
-              </a:ext>
-            </a:extLst>
-          </p:cNvPr>
-          <p:cNvSpPr txBox="1"/>
+          <p:cNvPr id="11" name="화살표: 오른쪽 10">
+            <a:extLst>
+              <a:ext uri="{FF2B5EF4-FFF2-40B4-BE49-F238E27FC236}">
+                <a16:creationId xmlns:a16="http://schemas.microsoft.com/office/drawing/2014/main" id="{E56BD828-AC89-4A0D-AC34-8E44DA0196CA}"/>
+              </a:ext>
+            </a:extLst>
+          </p:cNvPr>
+          <p:cNvSpPr/>
           <p:nvPr/>
         </p:nvSpPr>
         <p:spPr>
-          <a:xfrm>
-            <a:off x="6409888" y="2158697"/>
-            <a:ext cx="1771639" cy="369332"/>
-          </a:xfrm>
-          <a:prstGeom prst="rect">
+          <a:xfrm rot="19163133">
+            <a:off x="6128287" y="5176007"/>
+            <a:ext cx="612655" cy="201336"/>
+          </a:xfrm>
+          <a:prstGeom prst="rightArrow">
             <a:avLst/>
           </a:prstGeom>
-          <a:noFill/>
-        </p:spPr>
-        <p:txBody>
-          <a:bodyPr wrap="none" rtlCol="0">
-            <a:spAutoFit/>
-          </a:bodyPr>
-          <a:lstStyle/>
-          <a:p>
-            <a:r>
-              <a:rPr lang="ko-KR" altLang="en-US" dirty="0"/>
-              <a:t>투표 후 </a:t>
-            </a:r>
-            <a:r>
-              <a:rPr lang="en-US" altLang="ko-KR" dirty="0" err="1"/>
-              <a:t>VBallot</a:t>
-            </a:r>
-            <a:endParaRPr lang="ko-KR" altLang="en-US" dirty="0"/>
-          </a:p>
-        </p:txBody>
-      </p:sp>
-      <p:sp>
-        <p:nvSpPr>
-          <p:cNvPr id="12" name="직사각형 11">
-            <a:extLst>
-              <a:ext uri="{FF2B5EF4-FFF2-40B4-BE49-F238E27FC236}">
-                <a16:creationId xmlns:a16="http://schemas.microsoft.com/office/drawing/2014/main" id="{77048591-D947-4BAE-89D5-741ED18A8DC8}"/>
-              </a:ext>
-            </a:extLst>
-          </p:cNvPr>
-          <p:cNvSpPr/>
-          <p:nvPr/>
-        </p:nvSpPr>
-        <p:spPr>
-          <a:xfrm>
-            <a:off x="7038363" y="4815281"/>
-            <a:ext cx="1392573" cy="176169"/>
-          </a:xfrm>
-          <a:prstGeom prst="rect">
-            <a:avLst/>
-          </a:prstGeom>
-          <a:noFill/>
-          <a:ln w="28575">
-            <a:solidFill>
-              <a:srgbClr val="FF0000"/>
-            </a:solidFill>
-          </a:ln>
         </p:spPr>
         <p:style>
           <a:lnRef idx="2">
@@ -6818,14 +6951,14 @@
           <a:lstStyle/>
           <a:p>
             <a:pPr algn="ctr"/>
-            <a:endParaRPr lang="ko-KR" altLang="en-US" dirty="0"/>
+            <a:endParaRPr lang="ko-KR" altLang="en-US"/>
           </a:p>
         </p:txBody>
       </p:sp>
     </p:spTree>
     <p:extLst>
       <p:ext uri="{BB962C8B-B14F-4D97-AF65-F5344CB8AC3E}">
-        <p14:creationId xmlns:p14="http://schemas.microsoft.com/office/powerpoint/2010/main" val="543413633"/>
+        <p14:creationId xmlns:p14="http://schemas.microsoft.com/office/powerpoint/2010/main" val="3483118518"/>
       </p:ext>
     </p:extLst>
   </p:cSld>
@@ -6857,7 +6990,7 @@
           <p:cNvPr id="2" name="제목 1">
             <a:extLst>
               <a:ext uri="{FF2B5EF4-FFF2-40B4-BE49-F238E27FC236}">
-                <a16:creationId xmlns:a16="http://schemas.microsoft.com/office/drawing/2014/main" id="{562E1B65-0316-45CF-83E0-4DAD88A39B4C}"/>
+                <a16:creationId xmlns:a16="http://schemas.microsoft.com/office/drawing/2014/main" id="{92393006-E773-49DE-B49C-681D7225DE88}"/>
               </a:ext>
             </a:extLst>
           </p:cNvPr>
@@ -6871,101 +7004,94 @@
         <p:spPr/>
         <p:txBody>
           <a:bodyPr>
-            <a:noAutofit/>
+            <a:normAutofit fontScale="90000"/>
           </a:bodyPr>
           <a:lstStyle/>
           <a:p>
             <a:r>
-              <a:rPr lang="ko-KR" altLang="en-US" sz="2800" dirty="0"/>
+              <a:rPr lang="ko-KR" altLang="en-US" dirty="0"/>
               <a:t>시나리오</a:t>
             </a:r>
             <a:r>
-              <a:rPr lang="en-US" altLang="ko-KR" sz="2800" dirty="0"/>
-              <a:t>#12 : </a:t>
-            </a:r>
-            <a:r>
-              <a:rPr lang="ko-KR" altLang="en-US" sz="2800" dirty="0"/>
+              <a:rPr lang="en-US" altLang="ko-KR" dirty="0"/>
+              <a:t>#11 : </a:t>
+            </a:r>
+            <a:r>
+              <a:rPr lang="ko-KR" altLang="en-US" dirty="0"/>
               <a:t>후보자 </a:t>
             </a:r>
             <a:r>
-              <a:rPr lang="en-US" altLang="ko-KR" sz="2800" dirty="0"/>
+              <a:rPr lang="en-US" altLang="ko-KR" dirty="0"/>
               <a:t>1</a:t>
             </a:r>
             <a:r>
-              <a:rPr lang="ko-KR" altLang="en-US" sz="2800" dirty="0"/>
+              <a:rPr lang="ko-KR" altLang="en-US" dirty="0"/>
               <a:t>개인 선거가 하나가 생성된 상태로</a:t>
             </a:r>
             <a:r>
-              <a:rPr lang="en-US" altLang="ko-KR" sz="2800" dirty="0"/>
+              <a:rPr lang="en-US" altLang="ko-KR" dirty="0"/>
               <a:t>, </a:t>
             </a:r>
             <a:r>
-              <a:rPr lang="ko-KR" altLang="en-US" sz="2800" dirty="0"/>
+              <a:rPr lang="ko-KR" altLang="en-US" dirty="0"/>
               <a:t>학생이 </a:t>
             </a:r>
-            <a:r>
-              <a:rPr lang="en-US" altLang="ko-KR" sz="2800" dirty="0"/>
+            <a:br>
+              <a:rPr lang="en-US" altLang="ko-KR" dirty="0"/>
+            </a:br>
+            <a:r>
+              <a:rPr lang="en-US" altLang="ko-KR" dirty="0"/>
               <a:t>[</a:t>
             </a:r>
             <a:r>
-              <a:rPr lang="ko-KR" altLang="en-US" sz="2800" dirty="0"/>
+              <a:rPr lang="ko-KR" altLang="en-US" dirty="0"/>
               <a:t>투표하기</a:t>
             </a:r>
             <a:r>
-              <a:rPr lang="en-US" altLang="ko-KR" sz="2800" dirty="0"/>
+              <a:rPr lang="en-US" altLang="ko-KR" dirty="0"/>
               <a:t>] -&gt; [</a:t>
             </a:r>
             <a:r>
-              <a:rPr lang="ko-KR" altLang="en-US" sz="2800" dirty="0"/>
+              <a:rPr lang="ko-KR" altLang="en-US" dirty="0"/>
               <a:t>기호 </a:t>
             </a:r>
             <a:r>
-              <a:rPr lang="en-US" altLang="ko-KR" sz="2800" dirty="0"/>
+              <a:rPr lang="en-US" altLang="ko-KR" dirty="0"/>
               <a:t>1</a:t>
             </a:r>
             <a:r>
-              <a:rPr lang="ko-KR" altLang="en-US" sz="2800" dirty="0"/>
+              <a:rPr lang="ko-KR" altLang="en-US" dirty="0"/>
               <a:t>번 </a:t>
             </a:r>
             <a:r>
-              <a:rPr lang="ko-KR" altLang="en-US" sz="2800" dirty="0" err="1"/>
+              <a:rPr lang="ko-KR" altLang="en-US" dirty="0" err="1"/>
               <a:t>브릿지에</a:t>
             </a:r>
             <a:r>
-              <a:rPr lang="ko-KR" altLang="en-US" sz="2800" dirty="0"/>
+              <a:rPr lang="ko-KR" altLang="en-US" dirty="0"/>
               <a:t> 투표</a:t>
             </a:r>
             <a:r>
-              <a:rPr lang="en-US" altLang="ko-KR" sz="2800" dirty="0"/>
-              <a:t>] -&gt; [</a:t>
-            </a:r>
-            <a:r>
-              <a:rPr lang="ko-KR" altLang="en-US" sz="2800" dirty="0"/>
-              <a:t>내투표확인</a:t>
-            </a:r>
-            <a:r>
-              <a:rPr lang="en-US" altLang="ko-KR" sz="2800" dirty="0"/>
+              <a:rPr lang="en-US" altLang="ko-KR" dirty="0"/>
               <a:t>]</a:t>
             </a:r>
-            <a:endParaRPr lang="ko-KR" altLang="en-US" sz="2800" dirty="0"/>
+            <a:endParaRPr lang="ko-KR" altLang="en-US" dirty="0"/>
           </a:p>
         </p:txBody>
       </p:sp>
       <p:pic>
         <p:nvPicPr>
-          <p:cNvPr id="5" name="내용 개체 틀 4">
-            <a:extLst>
-              <a:ext uri="{FF2B5EF4-FFF2-40B4-BE49-F238E27FC236}">
-                <a16:creationId xmlns:a16="http://schemas.microsoft.com/office/drawing/2014/main" id="{92C2322A-078B-48F5-A5D2-3FD6AD5CB8C9}"/>
+          <p:cNvPr id="5" name="그림 4">
+            <a:extLst>
+              <a:ext uri="{FF2B5EF4-FFF2-40B4-BE49-F238E27FC236}">
+                <a16:creationId xmlns:a16="http://schemas.microsoft.com/office/drawing/2014/main" id="{F3A183DF-0AE7-48D4-9FE1-748EF2E6AD76}"/>
               </a:ext>
             </a:extLst>
           </p:cNvPr>
           <p:cNvPicPr>
-            <a:picLocks noGrp="1" noChangeAspect="1"/>
+            <a:picLocks noChangeAspect="1"/>
           </p:cNvPicPr>
-          <p:nvPr>
-            <p:ph idx="1"/>
-          </p:nvPr>
+          <p:nvPr/>
         </p:nvPicPr>
         <p:blipFill>
           <a:blip r:embed="rId2"/>
@@ -6975,15 +7101,180 @@
         </p:blipFill>
         <p:spPr>
           <a:xfrm>
-            <a:off x="4784835" y="1825625"/>
-            <a:ext cx="2622329" cy="4351338"/>
-          </a:xfrm>
+            <a:off x="838200" y="2528029"/>
+            <a:ext cx="4638675" cy="3590925"/>
+          </a:xfrm>
+          <a:prstGeom prst="rect">
+            <a:avLst/>
+          </a:prstGeom>
         </p:spPr>
       </p:pic>
+      <p:sp>
+        <p:nvSpPr>
+          <p:cNvPr id="7" name="TextBox 6">
+            <a:extLst>
+              <a:ext uri="{FF2B5EF4-FFF2-40B4-BE49-F238E27FC236}">
+                <a16:creationId xmlns:a16="http://schemas.microsoft.com/office/drawing/2014/main" id="{9E22BD5F-5006-4DE8-A60B-A0D0B29F183A}"/>
+              </a:ext>
+            </a:extLst>
+          </p:cNvPr>
+          <p:cNvSpPr txBox="1"/>
+          <p:nvPr/>
+        </p:nvSpPr>
+        <p:spPr>
+          <a:xfrm>
+            <a:off x="838200" y="2158697"/>
+            <a:ext cx="1771639" cy="369332"/>
+          </a:xfrm>
+          <a:prstGeom prst="rect">
+            <a:avLst/>
+          </a:prstGeom>
+          <a:noFill/>
+        </p:spPr>
+        <p:txBody>
+          <a:bodyPr wrap="none" rtlCol="0">
+            <a:spAutoFit/>
+          </a:bodyPr>
+          <a:lstStyle/>
+          <a:p>
+            <a:r>
+              <a:rPr lang="ko-KR" altLang="en-US" dirty="0"/>
+              <a:t>투표 전 </a:t>
+            </a:r>
+            <a:r>
+              <a:rPr lang="en-US" altLang="ko-KR" dirty="0" err="1"/>
+              <a:t>VBallot</a:t>
+            </a:r>
+            <a:endParaRPr lang="ko-KR" altLang="en-US" dirty="0"/>
+          </a:p>
+        </p:txBody>
+      </p:sp>
+      <p:pic>
+        <p:nvPicPr>
+          <p:cNvPr id="9" name="그림 8">
+            <a:extLst>
+              <a:ext uri="{FF2B5EF4-FFF2-40B4-BE49-F238E27FC236}">
+                <a16:creationId xmlns:a16="http://schemas.microsoft.com/office/drawing/2014/main" id="{3F76F660-3D95-4E9B-B67C-1A68FEF17232}"/>
+              </a:ext>
+            </a:extLst>
+          </p:cNvPr>
+          <p:cNvPicPr>
+            <a:picLocks noChangeAspect="1"/>
+          </p:cNvPicPr>
+          <p:nvPr/>
+        </p:nvPicPr>
+        <p:blipFill>
+          <a:blip r:embed="rId3"/>
+          <a:stretch>
+            <a:fillRect/>
+          </a:stretch>
+        </p:blipFill>
+        <p:spPr>
+          <a:xfrm>
+            <a:off x="6539131" y="2518504"/>
+            <a:ext cx="4667250" cy="3600450"/>
+          </a:xfrm>
+          <a:prstGeom prst="rect">
+            <a:avLst/>
+          </a:prstGeom>
+        </p:spPr>
+      </p:pic>
+      <p:sp>
+        <p:nvSpPr>
+          <p:cNvPr id="11" name="TextBox 10">
+            <a:extLst>
+              <a:ext uri="{FF2B5EF4-FFF2-40B4-BE49-F238E27FC236}">
+                <a16:creationId xmlns:a16="http://schemas.microsoft.com/office/drawing/2014/main" id="{3A517C24-8FEC-4095-B7A0-C00144C375EE}"/>
+              </a:ext>
+            </a:extLst>
+          </p:cNvPr>
+          <p:cNvSpPr txBox="1"/>
+          <p:nvPr/>
+        </p:nvSpPr>
+        <p:spPr>
+          <a:xfrm>
+            <a:off x="6409888" y="2158697"/>
+            <a:ext cx="1771639" cy="369332"/>
+          </a:xfrm>
+          <a:prstGeom prst="rect">
+            <a:avLst/>
+          </a:prstGeom>
+          <a:noFill/>
+        </p:spPr>
+        <p:txBody>
+          <a:bodyPr wrap="none" rtlCol="0">
+            <a:spAutoFit/>
+          </a:bodyPr>
+          <a:lstStyle/>
+          <a:p>
+            <a:r>
+              <a:rPr lang="ko-KR" altLang="en-US" dirty="0"/>
+              <a:t>투표 후 </a:t>
+            </a:r>
+            <a:r>
+              <a:rPr lang="en-US" altLang="ko-KR" dirty="0" err="1"/>
+              <a:t>VBallot</a:t>
+            </a:r>
+            <a:endParaRPr lang="ko-KR" altLang="en-US" dirty="0"/>
+          </a:p>
+        </p:txBody>
+      </p:sp>
+      <p:sp>
+        <p:nvSpPr>
+          <p:cNvPr id="12" name="직사각형 11">
+            <a:extLst>
+              <a:ext uri="{FF2B5EF4-FFF2-40B4-BE49-F238E27FC236}">
+                <a16:creationId xmlns:a16="http://schemas.microsoft.com/office/drawing/2014/main" id="{77048591-D947-4BAE-89D5-741ED18A8DC8}"/>
+              </a:ext>
+            </a:extLst>
+          </p:cNvPr>
+          <p:cNvSpPr/>
+          <p:nvPr/>
+        </p:nvSpPr>
+        <p:spPr>
+          <a:xfrm>
+            <a:off x="7038363" y="4815281"/>
+            <a:ext cx="1392573" cy="176169"/>
+          </a:xfrm>
+          <a:prstGeom prst="rect">
+            <a:avLst/>
+          </a:prstGeom>
+          <a:noFill/>
+          <a:ln w="28575">
+            <a:solidFill>
+              <a:srgbClr val="FF0000"/>
+            </a:solidFill>
+          </a:ln>
+        </p:spPr>
+        <p:style>
+          <a:lnRef idx="2">
+            <a:schemeClr val="accent1">
+              <a:shade val="50000"/>
+            </a:schemeClr>
+          </a:lnRef>
+          <a:fillRef idx="1">
+            <a:schemeClr val="accent1"/>
+          </a:fillRef>
+          <a:effectRef idx="0">
+            <a:schemeClr val="accent1"/>
+          </a:effectRef>
+          <a:fontRef idx="minor">
+            <a:schemeClr val="lt1"/>
+          </a:fontRef>
+        </p:style>
+        <p:txBody>
+          <a:bodyPr rtlCol="0" anchor="ctr"/>
+          <a:lstStyle/>
+          <a:p>
+            <a:pPr algn="ctr"/>
+            <a:endParaRPr lang="ko-KR" altLang="en-US" dirty="0"/>
+          </a:p>
+        </p:txBody>
+      </p:sp>
     </p:spTree>
     <p:extLst>
       <p:ext uri="{BB962C8B-B14F-4D97-AF65-F5344CB8AC3E}">
-        <p14:creationId xmlns:p14="http://schemas.microsoft.com/office/powerpoint/2010/main" val="733914882"/>
+        <p14:creationId xmlns:p14="http://schemas.microsoft.com/office/powerpoint/2010/main" val="543413633"/>
       </p:ext>
     </p:extLst>
   </p:cSld>
@@ -7015,7 +7306,7 @@
           <p:cNvPr id="2" name="제목 1">
             <a:extLst>
               <a:ext uri="{FF2B5EF4-FFF2-40B4-BE49-F238E27FC236}">
-                <a16:creationId xmlns:a16="http://schemas.microsoft.com/office/drawing/2014/main" id="{582E305A-0905-47D3-B5D5-AF3561E903A3}"/>
+                <a16:creationId xmlns:a16="http://schemas.microsoft.com/office/drawing/2014/main" id="{562E1B65-0316-45CF-83E0-4DAD88A39B4C}"/>
               </a:ext>
             </a:extLst>
           </p:cNvPr>
@@ -7029,83 +7320,83 @@
         <p:spPr/>
         <p:txBody>
           <a:bodyPr>
-            <a:normAutofit fontScale="90000"/>
+            <a:noAutofit/>
           </a:bodyPr>
           <a:lstStyle/>
           <a:p>
             <a:r>
-              <a:rPr lang="ko-KR" altLang="en-US" sz="4400" dirty="0"/>
+              <a:rPr lang="ko-KR" altLang="en-US" sz="2800" dirty="0"/>
               <a:t>시나리오</a:t>
             </a:r>
             <a:r>
-              <a:rPr lang="en-US" altLang="ko-KR" sz="4400" dirty="0"/>
+              <a:rPr lang="en-US" altLang="ko-KR" sz="2800" dirty="0"/>
               <a:t>#12 : </a:t>
             </a:r>
             <a:r>
-              <a:rPr lang="ko-KR" altLang="en-US" sz="4400" dirty="0"/>
+              <a:rPr lang="ko-KR" altLang="en-US" sz="2800" dirty="0"/>
               <a:t>후보자 </a:t>
             </a:r>
             <a:r>
-              <a:rPr lang="en-US" altLang="ko-KR" sz="4400" dirty="0"/>
+              <a:rPr lang="en-US" altLang="ko-KR" sz="2800" dirty="0"/>
               <a:t>1</a:t>
             </a:r>
             <a:r>
-              <a:rPr lang="ko-KR" altLang="en-US" sz="4400" dirty="0"/>
+              <a:rPr lang="ko-KR" altLang="en-US" sz="2800" dirty="0"/>
               <a:t>개인 선거가 하나가 생성된 상태로</a:t>
             </a:r>
             <a:r>
-              <a:rPr lang="en-US" altLang="ko-KR" sz="4400" dirty="0"/>
+              <a:rPr lang="en-US" altLang="ko-KR" sz="2800" dirty="0"/>
               <a:t>, </a:t>
             </a:r>
             <a:r>
-              <a:rPr lang="ko-KR" altLang="en-US" sz="4400" dirty="0"/>
+              <a:rPr lang="ko-KR" altLang="en-US" sz="2800" dirty="0"/>
               <a:t>학생이 </a:t>
             </a:r>
             <a:r>
-              <a:rPr lang="en-US" altLang="ko-KR" sz="4400" dirty="0"/>
+              <a:rPr lang="en-US" altLang="ko-KR" sz="2800" dirty="0"/>
               <a:t>[</a:t>
             </a:r>
             <a:r>
-              <a:rPr lang="ko-KR" altLang="en-US" sz="4400" dirty="0"/>
+              <a:rPr lang="ko-KR" altLang="en-US" sz="2800" dirty="0"/>
               <a:t>투표하기</a:t>
             </a:r>
             <a:r>
-              <a:rPr lang="en-US" altLang="ko-KR" sz="4400" dirty="0"/>
+              <a:rPr lang="en-US" altLang="ko-KR" sz="2800" dirty="0"/>
               <a:t>] -&gt; [</a:t>
             </a:r>
             <a:r>
-              <a:rPr lang="ko-KR" altLang="en-US" sz="4400" dirty="0"/>
+              <a:rPr lang="ko-KR" altLang="en-US" sz="2800" dirty="0"/>
               <a:t>기호 </a:t>
             </a:r>
             <a:r>
-              <a:rPr lang="en-US" altLang="ko-KR" sz="4400" dirty="0"/>
+              <a:rPr lang="en-US" altLang="ko-KR" sz="2800" dirty="0"/>
               <a:t>1</a:t>
             </a:r>
             <a:r>
-              <a:rPr lang="ko-KR" altLang="en-US" sz="4400" dirty="0"/>
+              <a:rPr lang="ko-KR" altLang="en-US" sz="2800" dirty="0"/>
               <a:t>번 </a:t>
             </a:r>
             <a:r>
-              <a:rPr lang="ko-KR" altLang="en-US" sz="4400" dirty="0" err="1"/>
+              <a:rPr lang="ko-KR" altLang="en-US" sz="2800" dirty="0" err="1"/>
               <a:t>브릿지에</a:t>
             </a:r>
             <a:r>
-              <a:rPr lang="ko-KR" altLang="en-US" sz="4400" dirty="0"/>
+              <a:rPr lang="ko-KR" altLang="en-US" sz="2800" dirty="0"/>
               <a:t> 투표</a:t>
             </a:r>
             <a:r>
-              <a:rPr lang="en-US" altLang="ko-KR" sz="4400" dirty="0"/>
+              <a:rPr lang="en-US" altLang="ko-KR" sz="2800" dirty="0"/>
               <a:t>] -&gt; [</a:t>
             </a:r>
             <a:r>
-              <a:rPr lang="ko-KR" altLang="en-US" sz="4400" dirty="0"/>
-              <a:t>투표하기</a:t>
-            </a:r>
-            <a:r>
-              <a:rPr lang="en-US" altLang="ko-KR" sz="4400" dirty="0"/>
+              <a:rPr lang="ko-KR" altLang="en-US" sz="2800" dirty="0"/>
+              <a:t>내투표확인</a:t>
+            </a:r>
+            <a:r>
+              <a:rPr lang="en-US" altLang="ko-KR" sz="2800" dirty="0"/>
               <a:t>]</a:t>
             </a:r>
-            <a:endParaRPr lang="ko-KR" altLang="en-US" dirty="0"/>
+            <a:endParaRPr lang="ko-KR" altLang="en-US" sz="2800" dirty="0"/>
           </a:p>
         </p:txBody>
       </p:sp>
@@ -7114,7 +7405,7 @@
           <p:cNvPr id="5" name="내용 개체 틀 4">
             <a:extLst>
               <a:ext uri="{FF2B5EF4-FFF2-40B4-BE49-F238E27FC236}">
-                <a16:creationId xmlns:a16="http://schemas.microsoft.com/office/drawing/2014/main" id="{37DBC478-64AE-4F2E-A11D-B7FCD9053F86}"/>
+                <a16:creationId xmlns:a16="http://schemas.microsoft.com/office/drawing/2014/main" id="{92C2322A-078B-48F5-A5D2-3FD6AD5CB8C9}"/>
               </a:ext>
             </a:extLst>
           </p:cNvPr>
@@ -7133,156 +7424,15 @@
         </p:blipFill>
         <p:spPr>
           <a:xfrm>
-            <a:off x="2009119" y="2922128"/>
-            <a:ext cx="4314825" cy="1285875"/>
+            <a:off x="4784835" y="1825625"/>
+            <a:ext cx="2622329" cy="4351338"/>
           </a:xfrm>
         </p:spPr>
       </p:pic>
-      <p:sp>
-        <p:nvSpPr>
-          <p:cNvPr id="6" name="TextBox 5">
-            <a:extLst>
-              <a:ext uri="{FF2B5EF4-FFF2-40B4-BE49-F238E27FC236}">
-                <a16:creationId xmlns:a16="http://schemas.microsoft.com/office/drawing/2014/main" id="{65AD3695-A08D-4277-A515-BDA34CED5AB4}"/>
-              </a:ext>
-            </a:extLst>
-          </p:cNvPr>
-          <p:cNvSpPr txBox="1"/>
-          <p:nvPr/>
-        </p:nvSpPr>
-        <p:spPr>
-          <a:xfrm>
-            <a:off x="541981" y="2055302"/>
-            <a:ext cx="7249100" cy="646331"/>
-          </a:xfrm>
-          <a:prstGeom prst="rect">
-            <a:avLst/>
-          </a:prstGeom>
-          <a:noFill/>
-        </p:spPr>
-        <p:txBody>
-          <a:bodyPr wrap="none" rtlCol="0">
-            <a:spAutoFit/>
-          </a:bodyPr>
-          <a:lstStyle/>
-          <a:p>
-            <a:r>
-              <a:rPr lang="ko-KR" altLang="en-US" dirty="0"/>
-              <a:t>총학생회 선거 </a:t>
-            </a:r>
-            <a:r>
-              <a:rPr lang="en-US" altLang="ko-KR" dirty="0"/>
-              <a:t>1</a:t>
-            </a:r>
-            <a:r>
-              <a:rPr lang="ko-KR" altLang="en-US" dirty="0"/>
-              <a:t>개만 생성 후에 투표하고 나서 다시 </a:t>
-            </a:r>
-            <a:r>
-              <a:rPr lang="ko-KR" altLang="en-US" dirty="0" err="1"/>
-              <a:t>투표하려고하면</a:t>
-            </a:r>
-            <a:r>
-              <a:rPr lang="en-US" altLang="ko-KR" dirty="0"/>
-              <a:t>,</a:t>
-            </a:r>
-          </a:p>
-          <a:p>
-            <a:r>
-              <a:rPr lang="ko-KR" altLang="en-US" dirty="0"/>
-              <a:t>투표할 수 있는 선거가 없기 때문에 아래와 같은 메시지 출력함</a:t>
-            </a:r>
-          </a:p>
-        </p:txBody>
-      </p:sp>
-      <p:pic>
-        <p:nvPicPr>
-          <p:cNvPr id="8" name="그림 7">
-            <a:extLst>
-              <a:ext uri="{FF2B5EF4-FFF2-40B4-BE49-F238E27FC236}">
-                <a16:creationId xmlns:a16="http://schemas.microsoft.com/office/drawing/2014/main" id="{20059B82-326E-4591-8DFA-B317DD667C97}"/>
-              </a:ext>
-            </a:extLst>
-          </p:cNvPr>
-          <p:cNvPicPr>
-            <a:picLocks noChangeAspect="1"/>
-          </p:cNvPicPr>
-          <p:nvPr/>
-        </p:nvPicPr>
-        <p:blipFill>
-          <a:blip r:embed="rId3"/>
-          <a:stretch>
-            <a:fillRect/>
-          </a:stretch>
-        </p:blipFill>
-        <p:spPr>
-          <a:xfrm>
-            <a:off x="6861757" y="4208003"/>
-            <a:ext cx="4743450" cy="2343150"/>
-          </a:xfrm>
-          <a:prstGeom prst="rect">
-            <a:avLst/>
-          </a:prstGeom>
-        </p:spPr>
-      </p:pic>
-      <p:sp>
-        <p:nvSpPr>
-          <p:cNvPr id="9" name="TextBox 8">
-            <a:extLst>
-              <a:ext uri="{FF2B5EF4-FFF2-40B4-BE49-F238E27FC236}">
-                <a16:creationId xmlns:a16="http://schemas.microsoft.com/office/drawing/2014/main" id="{2B62D739-9617-4428-8265-A8A88B0F4DCB}"/>
-              </a:ext>
-            </a:extLst>
-          </p:cNvPr>
-          <p:cNvSpPr txBox="1"/>
-          <p:nvPr/>
-        </p:nvSpPr>
-        <p:spPr>
-          <a:xfrm>
-            <a:off x="6546688" y="3561672"/>
-            <a:ext cx="5373587" cy="646331"/>
-          </a:xfrm>
-          <a:prstGeom prst="rect">
-            <a:avLst/>
-          </a:prstGeom>
-          <a:noFill/>
-        </p:spPr>
-        <p:txBody>
-          <a:bodyPr wrap="none" rtlCol="0">
-            <a:spAutoFit/>
-          </a:bodyPr>
-          <a:lstStyle/>
-          <a:p>
-            <a:r>
-              <a:rPr lang="en-US" altLang="ko-KR" dirty="0"/>
-              <a:t>[</a:t>
-            </a:r>
-            <a:r>
-              <a:rPr lang="ko-KR" altLang="en-US" dirty="0"/>
-              <a:t>투표하기</a:t>
-            </a:r>
-            <a:r>
-              <a:rPr lang="en-US" altLang="ko-KR" dirty="0"/>
-              <a:t>] </a:t>
-            </a:r>
-            <a:r>
-              <a:rPr lang="ko-KR" altLang="en-US" dirty="0"/>
-              <a:t>버튼 아무리 눌러봐도 이미 투표한</a:t>
-            </a:r>
-            <a:endParaRPr lang="en-US" altLang="ko-KR" dirty="0"/>
-          </a:p>
-          <a:p>
-            <a:r>
-              <a:rPr lang="ko-KR" altLang="en-US" dirty="0"/>
-              <a:t>선거에 대한 투표용지는 생기지 않음을 볼 수 있음</a:t>
-            </a:r>
-          </a:p>
-        </p:txBody>
-      </p:sp>
     </p:spTree>
     <p:extLst>
       <p:ext uri="{BB962C8B-B14F-4D97-AF65-F5344CB8AC3E}">
-        <p14:creationId xmlns:p14="http://schemas.microsoft.com/office/powerpoint/2010/main" val="413954249"/>
+        <p14:creationId xmlns:p14="http://schemas.microsoft.com/office/powerpoint/2010/main" val="733914882"/>
       </p:ext>
     </p:extLst>
   </p:cSld>
@@ -7314,7 +7464,7 @@
           <p:cNvPr id="2" name="제목 1">
             <a:extLst>
               <a:ext uri="{FF2B5EF4-FFF2-40B4-BE49-F238E27FC236}">
-                <a16:creationId xmlns:a16="http://schemas.microsoft.com/office/drawing/2014/main" id="{BFDAE3E0-C032-4C07-B647-29FCBFE8337C}"/>
+                <a16:creationId xmlns:a16="http://schemas.microsoft.com/office/drawing/2014/main" id="{582E305A-0905-47D3-B5D5-AF3561E903A3}"/>
               </a:ext>
             </a:extLst>
           </p:cNvPr>
@@ -7328,7 +7478,7 @@
         <p:spPr/>
         <p:txBody>
           <a:bodyPr>
-            <a:normAutofit/>
+            <a:normAutofit fontScale="90000"/>
           </a:bodyPr>
           <a:lstStyle/>
           <a:p>
@@ -7338,19 +7488,27 @@
             </a:r>
             <a:r>
               <a:rPr lang="en-US" altLang="ko-KR" sz="4400" dirty="0"/>
-              <a:t>#13 : </a:t>
+              <a:t>#12 : </a:t>
             </a:r>
             <a:r>
               <a:rPr lang="ko-KR" altLang="en-US" sz="4400" dirty="0"/>
-              <a:t>시나리오</a:t>
+              <a:t>후보자 </a:t>
             </a:r>
             <a:r>
               <a:rPr lang="en-US" altLang="ko-KR" sz="4400" dirty="0"/>
-              <a:t>#12 </a:t>
+              <a:t>1</a:t>
             </a:r>
             <a:r>
               <a:rPr lang="ko-KR" altLang="en-US" sz="4400" dirty="0"/>
-              <a:t>수행 후 관리자가 </a:t>
+              <a:t>개인 선거가 하나가 생성된 상태로</a:t>
+            </a:r>
+            <a:r>
+              <a:rPr lang="en-US" altLang="ko-KR" sz="4400" dirty="0"/>
+              <a:t>, </a:t>
+            </a:r>
+            <a:r>
+              <a:rPr lang="ko-KR" altLang="en-US" sz="4400" dirty="0"/>
+              <a:t>학생이 </a:t>
             </a:r>
             <a:r>
               <a:rPr lang="en-US" altLang="ko-KR" sz="4400" dirty="0"/>
@@ -7358,7 +7516,39 @@
             </a:r>
             <a:r>
               <a:rPr lang="ko-KR" altLang="en-US" sz="4400" dirty="0"/>
-              <a:t>투표율확인</a:t>
+              <a:t>투표하기</a:t>
+            </a:r>
+            <a:r>
+              <a:rPr lang="en-US" altLang="ko-KR" sz="4400" dirty="0"/>
+              <a:t>] -&gt; [</a:t>
+            </a:r>
+            <a:r>
+              <a:rPr lang="ko-KR" altLang="en-US" sz="4400" dirty="0"/>
+              <a:t>기호 </a:t>
+            </a:r>
+            <a:r>
+              <a:rPr lang="en-US" altLang="ko-KR" sz="4400" dirty="0"/>
+              <a:t>1</a:t>
+            </a:r>
+            <a:r>
+              <a:rPr lang="ko-KR" altLang="en-US" sz="4400" dirty="0"/>
+              <a:t>번 </a:t>
+            </a:r>
+            <a:r>
+              <a:rPr lang="ko-KR" altLang="en-US" sz="4400" dirty="0" err="1"/>
+              <a:t>브릿지에</a:t>
+            </a:r>
+            <a:r>
+              <a:rPr lang="ko-KR" altLang="en-US" sz="4400" dirty="0"/>
+              <a:t> 투표</a:t>
+            </a:r>
+            <a:r>
+              <a:rPr lang="en-US" altLang="ko-KR" sz="4400" dirty="0"/>
+              <a:t>] -&gt; [</a:t>
+            </a:r>
+            <a:r>
+              <a:rPr lang="ko-KR" altLang="en-US" sz="4400" dirty="0"/>
+              <a:t>투표하기</a:t>
             </a:r>
             <a:r>
               <a:rPr lang="en-US" altLang="ko-KR" sz="4400" dirty="0"/>
@@ -7373,7 +7563,7 @@
           <p:cNvPr id="5" name="내용 개체 틀 4">
             <a:extLst>
               <a:ext uri="{FF2B5EF4-FFF2-40B4-BE49-F238E27FC236}">
-                <a16:creationId xmlns:a16="http://schemas.microsoft.com/office/drawing/2014/main" id="{283F0B46-FAEE-4378-AAAF-CBA640DF204C}"/>
+                <a16:creationId xmlns:a16="http://schemas.microsoft.com/office/drawing/2014/main" id="{37DBC478-64AE-4F2E-A11D-B7FCD9053F86}"/>
               </a:ext>
             </a:extLst>
           </p:cNvPr>
@@ -7392,15 +7582,156 @@
         </p:blipFill>
         <p:spPr>
           <a:xfrm>
-            <a:off x="4784147" y="1825625"/>
-            <a:ext cx="2623706" cy="4351338"/>
+            <a:off x="2009119" y="2922128"/>
+            <a:ext cx="4314825" cy="1285875"/>
           </a:xfrm>
         </p:spPr>
       </p:pic>
+      <p:sp>
+        <p:nvSpPr>
+          <p:cNvPr id="6" name="TextBox 5">
+            <a:extLst>
+              <a:ext uri="{FF2B5EF4-FFF2-40B4-BE49-F238E27FC236}">
+                <a16:creationId xmlns:a16="http://schemas.microsoft.com/office/drawing/2014/main" id="{65AD3695-A08D-4277-A515-BDA34CED5AB4}"/>
+              </a:ext>
+            </a:extLst>
+          </p:cNvPr>
+          <p:cNvSpPr txBox="1"/>
+          <p:nvPr/>
+        </p:nvSpPr>
+        <p:spPr>
+          <a:xfrm>
+            <a:off x="541981" y="2055302"/>
+            <a:ext cx="7249100" cy="646331"/>
+          </a:xfrm>
+          <a:prstGeom prst="rect">
+            <a:avLst/>
+          </a:prstGeom>
+          <a:noFill/>
+        </p:spPr>
+        <p:txBody>
+          <a:bodyPr wrap="none" rtlCol="0">
+            <a:spAutoFit/>
+          </a:bodyPr>
+          <a:lstStyle/>
+          <a:p>
+            <a:r>
+              <a:rPr lang="ko-KR" altLang="en-US" dirty="0"/>
+              <a:t>총학생회 선거 </a:t>
+            </a:r>
+            <a:r>
+              <a:rPr lang="en-US" altLang="ko-KR" dirty="0"/>
+              <a:t>1</a:t>
+            </a:r>
+            <a:r>
+              <a:rPr lang="ko-KR" altLang="en-US" dirty="0"/>
+              <a:t>개만 생성 후에 투표하고 나서 다시 </a:t>
+            </a:r>
+            <a:r>
+              <a:rPr lang="ko-KR" altLang="en-US" dirty="0" err="1"/>
+              <a:t>투표하려고하면</a:t>
+            </a:r>
+            <a:r>
+              <a:rPr lang="en-US" altLang="ko-KR" dirty="0"/>
+              <a:t>,</a:t>
+            </a:r>
+          </a:p>
+          <a:p>
+            <a:r>
+              <a:rPr lang="ko-KR" altLang="en-US" dirty="0"/>
+              <a:t>투표할 수 있는 선거가 없기 때문에 아래와 같은 메시지 출력함</a:t>
+            </a:r>
+          </a:p>
+        </p:txBody>
+      </p:sp>
+      <p:pic>
+        <p:nvPicPr>
+          <p:cNvPr id="8" name="그림 7">
+            <a:extLst>
+              <a:ext uri="{FF2B5EF4-FFF2-40B4-BE49-F238E27FC236}">
+                <a16:creationId xmlns:a16="http://schemas.microsoft.com/office/drawing/2014/main" id="{20059B82-326E-4591-8DFA-B317DD667C97}"/>
+              </a:ext>
+            </a:extLst>
+          </p:cNvPr>
+          <p:cNvPicPr>
+            <a:picLocks noChangeAspect="1"/>
+          </p:cNvPicPr>
+          <p:nvPr/>
+        </p:nvPicPr>
+        <p:blipFill>
+          <a:blip r:embed="rId3"/>
+          <a:stretch>
+            <a:fillRect/>
+          </a:stretch>
+        </p:blipFill>
+        <p:spPr>
+          <a:xfrm>
+            <a:off x="6861757" y="4208003"/>
+            <a:ext cx="4743450" cy="2343150"/>
+          </a:xfrm>
+          <a:prstGeom prst="rect">
+            <a:avLst/>
+          </a:prstGeom>
+        </p:spPr>
+      </p:pic>
+      <p:sp>
+        <p:nvSpPr>
+          <p:cNvPr id="9" name="TextBox 8">
+            <a:extLst>
+              <a:ext uri="{FF2B5EF4-FFF2-40B4-BE49-F238E27FC236}">
+                <a16:creationId xmlns:a16="http://schemas.microsoft.com/office/drawing/2014/main" id="{2B62D739-9617-4428-8265-A8A88B0F4DCB}"/>
+              </a:ext>
+            </a:extLst>
+          </p:cNvPr>
+          <p:cNvSpPr txBox="1"/>
+          <p:nvPr/>
+        </p:nvSpPr>
+        <p:spPr>
+          <a:xfrm>
+            <a:off x="6546688" y="3561672"/>
+            <a:ext cx="5373587" cy="646331"/>
+          </a:xfrm>
+          <a:prstGeom prst="rect">
+            <a:avLst/>
+          </a:prstGeom>
+          <a:noFill/>
+        </p:spPr>
+        <p:txBody>
+          <a:bodyPr wrap="none" rtlCol="0">
+            <a:spAutoFit/>
+          </a:bodyPr>
+          <a:lstStyle/>
+          <a:p>
+            <a:r>
+              <a:rPr lang="en-US" altLang="ko-KR" dirty="0"/>
+              <a:t>[</a:t>
+            </a:r>
+            <a:r>
+              <a:rPr lang="ko-KR" altLang="en-US" dirty="0"/>
+              <a:t>투표하기</a:t>
+            </a:r>
+            <a:r>
+              <a:rPr lang="en-US" altLang="ko-KR" dirty="0"/>
+              <a:t>] </a:t>
+            </a:r>
+            <a:r>
+              <a:rPr lang="ko-KR" altLang="en-US" dirty="0"/>
+              <a:t>버튼 아무리 눌러봐도 이미 투표한</a:t>
+            </a:r>
+            <a:endParaRPr lang="en-US" altLang="ko-KR" dirty="0"/>
+          </a:p>
+          <a:p>
+            <a:r>
+              <a:rPr lang="ko-KR" altLang="en-US" dirty="0"/>
+              <a:t>선거에 대한 투표용지는 생기지 않음을 볼 수 있음</a:t>
+            </a:r>
+          </a:p>
+        </p:txBody>
+      </p:sp>
     </p:spTree>
     <p:extLst>
       <p:ext uri="{BB962C8B-B14F-4D97-AF65-F5344CB8AC3E}">
-        <p14:creationId xmlns:p14="http://schemas.microsoft.com/office/powerpoint/2010/main" val="719904951"/>
+        <p14:creationId xmlns:p14="http://schemas.microsoft.com/office/powerpoint/2010/main" val="413954249"/>
       </p:ext>
     </p:extLst>
   </p:cSld>
@@ -7432,7 +7763,7 @@
           <p:cNvPr id="2" name="제목 1">
             <a:extLst>
               <a:ext uri="{FF2B5EF4-FFF2-40B4-BE49-F238E27FC236}">
-                <a16:creationId xmlns:a16="http://schemas.microsoft.com/office/drawing/2014/main" id="{132C9F91-980E-468D-B7FA-9E8A6E024BB6}"/>
+                <a16:creationId xmlns:a16="http://schemas.microsoft.com/office/drawing/2014/main" id="{BFDAE3E0-C032-4C07-B647-29FCBFE8337C}"/>
               </a:ext>
             </a:extLst>
           </p:cNvPr>
@@ -7446,91 +7777,43 @@
         <p:spPr/>
         <p:txBody>
           <a:bodyPr>
-            <a:noAutofit/>
+            <a:normAutofit/>
           </a:bodyPr>
           <a:lstStyle/>
           <a:p>
             <a:r>
-              <a:rPr lang="ko-KR" altLang="en-US" sz="3600" dirty="0"/>
+              <a:rPr lang="ko-KR" altLang="en-US" sz="4400" dirty="0"/>
               <a:t>시나리오</a:t>
             </a:r>
             <a:r>
-              <a:rPr lang="en-US" altLang="ko-KR" sz="3600" dirty="0"/>
-              <a:t>#14 : </a:t>
-            </a:r>
-            <a:r>
-              <a:rPr lang="ko-KR" altLang="en-US" sz="3600" dirty="0"/>
-              <a:t>후보자 </a:t>
-            </a:r>
-            <a:r>
-              <a:rPr lang="en-US" altLang="ko-KR" sz="3600" dirty="0"/>
-              <a:t>1</a:t>
-            </a:r>
-            <a:r>
-              <a:rPr lang="ko-KR" altLang="en-US" sz="3600" dirty="0"/>
-              <a:t>개인 선거가 하나가 생성된 상태로</a:t>
-            </a:r>
-            <a:r>
-              <a:rPr lang="en-US" altLang="ko-KR" sz="3600" dirty="0"/>
-              <a:t>, </a:t>
-            </a:r>
-            <a:r>
-              <a:rPr lang="ko-KR" altLang="en-US" sz="3600" dirty="0"/>
-              <a:t>학생</a:t>
-            </a:r>
-            <a:r>
-              <a:rPr lang="en-US" altLang="ko-KR" sz="3600" dirty="0"/>
-              <a:t>2</a:t>
-            </a:r>
-            <a:r>
-              <a:rPr lang="ko-KR" altLang="en-US" sz="3600" dirty="0"/>
-              <a:t>이 </a:t>
-            </a:r>
-            <a:r>
-              <a:rPr lang="en-US" altLang="ko-KR" sz="3600" dirty="0"/>
+              <a:rPr lang="en-US" altLang="ko-KR" sz="4400" dirty="0"/>
+              <a:t>#13 : </a:t>
+            </a:r>
+            <a:r>
+              <a:rPr lang="ko-KR" altLang="en-US" sz="4400" dirty="0"/>
+              <a:t>시나리오</a:t>
+            </a:r>
+            <a:r>
+              <a:rPr lang="en-US" altLang="ko-KR" sz="4400" dirty="0"/>
+              <a:t>#12 </a:t>
+            </a:r>
+            <a:r>
+              <a:rPr lang="ko-KR" altLang="en-US" sz="4400" dirty="0"/>
+              <a:t>수행 후 관리자가 </a:t>
+            </a:r>
+            <a:r>
+              <a:rPr lang="en-US" altLang="ko-KR" sz="4400" dirty="0"/>
               <a:t>[</a:t>
             </a:r>
             <a:r>
-              <a:rPr lang="ko-KR" altLang="en-US" sz="3600" dirty="0"/>
-              <a:t>투표하기</a:t>
-            </a:r>
-            <a:r>
-              <a:rPr lang="en-US" altLang="ko-KR" sz="3600" dirty="0"/>
-              <a:t>] -&gt; [</a:t>
-            </a:r>
-            <a:r>
-              <a:rPr lang="ko-KR" altLang="en-US" sz="3600" dirty="0"/>
-              <a:t>기권에 투표</a:t>
-            </a:r>
-            <a:r>
-              <a:rPr lang="en-US" altLang="ko-KR" sz="3600" dirty="0"/>
-              <a:t>] -&gt; [</a:t>
-            </a:r>
-            <a:r>
-              <a:rPr lang="ko-KR" altLang="en-US" sz="3600" dirty="0"/>
-              <a:t>투표하기</a:t>
-            </a:r>
-            <a:r>
-              <a:rPr lang="en-US" altLang="ko-KR" sz="3600" dirty="0"/>
-              <a:t>] </a:t>
-            </a:r>
-            <a:r>
-              <a:rPr lang="ko-KR" altLang="en-US" sz="3600" dirty="0"/>
-              <a:t>시 관리자가 </a:t>
-            </a:r>
-            <a:r>
-              <a:rPr lang="en-US" altLang="ko-KR" sz="3600" dirty="0"/>
-              <a:t>[</a:t>
-            </a:r>
-            <a:r>
-              <a:rPr lang="ko-KR" altLang="en-US" sz="3600" dirty="0"/>
+              <a:rPr lang="ko-KR" altLang="en-US" sz="4400" dirty="0"/>
               <a:t>투표율확인</a:t>
             </a:r>
             <a:r>
-              <a:rPr lang="en-US" altLang="ko-KR" sz="3600" dirty="0"/>
+              <a:rPr lang="en-US" altLang="ko-KR" sz="4400" dirty="0"/>
               <a:t>]</a:t>
             </a:r>
-            <a:endParaRPr lang="ko-KR" altLang="en-US" sz="3600" dirty="0"/>
+            <a:endParaRPr lang="ko-KR" altLang="en-US" dirty="0"/>
           </a:p>
         </p:txBody>
       </p:sp>
@@ -7539,7 +7822,7 @@
           <p:cNvPr id="5" name="내용 개체 틀 4">
             <a:extLst>
               <a:ext uri="{FF2B5EF4-FFF2-40B4-BE49-F238E27FC236}">
-                <a16:creationId xmlns:a16="http://schemas.microsoft.com/office/drawing/2014/main" id="{17088458-BFD6-4774-9EE7-8C0BF90FCCD8}"/>
+                <a16:creationId xmlns:a16="http://schemas.microsoft.com/office/drawing/2014/main" id="{283F0B46-FAEE-4378-AAAF-CBA640DF204C}"/>
               </a:ext>
             </a:extLst>
           </p:cNvPr>
@@ -7558,214 +7841,15 @@
         </p:blipFill>
         <p:spPr>
           <a:xfrm>
-            <a:off x="838200" y="1976627"/>
-            <a:ext cx="2620939" cy="4351338"/>
+            <a:off x="4784147" y="1825625"/>
+            <a:ext cx="2623706" cy="4351338"/>
           </a:xfrm>
         </p:spPr>
       </p:pic>
-      <p:sp>
-        <p:nvSpPr>
-          <p:cNvPr id="6" name="TextBox 5">
-            <a:extLst>
-              <a:ext uri="{FF2B5EF4-FFF2-40B4-BE49-F238E27FC236}">
-                <a16:creationId xmlns:a16="http://schemas.microsoft.com/office/drawing/2014/main" id="{CB2E207E-8EAC-4CD8-AB7E-547943EE2752}"/>
-              </a:ext>
-            </a:extLst>
-          </p:cNvPr>
-          <p:cNvSpPr txBox="1"/>
-          <p:nvPr/>
-        </p:nvSpPr>
-        <p:spPr>
-          <a:xfrm>
-            <a:off x="3842158" y="1976627"/>
-            <a:ext cx="7122463" cy="2031325"/>
-          </a:xfrm>
-          <a:prstGeom prst="rect">
-            <a:avLst/>
-          </a:prstGeom>
-          <a:noFill/>
-        </p:spPr>
-        <p:txBody>
-          <a:bodyPr wrap="none" rtlCol="0">
-            <a:spAutoFit/>
-          </a:bodyPr>
-          <a:lstStyle/>
-          <a:p>
-            <a:r>
-              <a:rPr lang="en-US" altLang="ko-KR" dirty="0"/>
-              <a:t>Problem : </a:t>
-            </a:r>
-          </a:p>
-          <a:p>
-            <a:r>
-              <a:rPr lang="ko-KR" altLang="en-US" dirty="0"/>
-              <a:t>투표율 </a:t>
-            </a:r>
-            <a:r>
-              <a:rPr lang="en-US" altLang="ko-KR" dirty="0"/>
-              <a:t>10%</a:t>
-            </a:r>
-            <a:r>
-              <a:rPr lang="ko-KR" altLang="en-US" dirty="0"/>
-              <a:t>가 넘었을 시에는 글자를 흰색으로 하게 만들었는데</a:t>
-            </a:r>
-            <a:r>
-              <a:rPr lang="en-US" altLang="ko-KR" dirty="0"/>
-              <a:t>,</a:t>
-            </a:r>
-          </a:p>
-          <a:p>
-            <a:r>
-              <a:rPr lang="ko-KR" altLang="en-US" dirty="0"/>
-              <a:t>잘 보이지 않음</a:t>
-            </a:r>
-            <a:r>
-              <a:rPr lang="en-US" altLang="ko-KR" dirty="0"/>
-              <a:t>.</a:t>
-            </a:r>
-          </a:p>
-          <a:p>
-            <a:endParaRPr lang="en-US" altLang="ko-KR" dirty="0"/>
-          </a:p>
-          <a:p>
-            <a:r>
-              <a:rPr lang="en-US" altLang="ko-KR" dirty="0"/>
-              <a:t>Solution :</a:t>
-            </a:r>
-          </a:p>
-          <a:p>
-            <a:r>
-              <a:rPr lang="ko-KR" altLang="en-US" dirty="0"/>
-              <a:t>무조건 검은색으로 출력하도록 바꾸거나</a:t>
-            </a:r>
-            <a:r>
-              <a:rPr lang="en-US" altLang="ko-KR" dirty="0"/>
-              <a:t>,</a:t>
-            </a:r>
-          </a:p>
-          <a:p>
-            <a:r>
-              <a:rPr lang="ko-KR" altLang="en-US" dirty="0"/>
-              <a:t>파란색 배경과 회색 배경 모두에서 잘 보이는 글자색으로 변경하기</a:t>
-            </a:r>
-            <a:r>
-              <a:rPr lang="en-US" altLang="ko-KR" dirty="0"/>
-              <a:t>.</a:t>
-            </a:r>
-            <a:endParaRPr lang="ko-KR" altLang="en-US" dirty="0"/>
-          </a:p>
-        </p:txBody>
-      </p:sp>
-      <p:pic>
-        <p:nvPicPr>
-          <p:cNvPr id="8" name="그림 7">
-            <a:extLst>
-              <a:ext uri="{FF2B5EF4-FFF2-40B4-BE49-F238E27FC236}">
-                <a16:creationId xmlns:a16="http://schemas.microsoft.com/office/drawing/2014/main" id="{D435482E-5673-4FCA-915A-B08D49BB21CF}"/>
-              </a:ext>
-            </a:extLst>
-          </p:cNvPr>
-          <p:cNvPicPr>
-            <a:picLocks noChangeAspect="1"/>
-          </p:cNvPicPr>
-          <p:nvPr/>
-        </p:nvPicPr>
-        <p:blipFill>
-          <a:blip r:embed="rId3"/>
-          <a:stretch>
-            <a:fillRect/>
-          </a:stretch>
-        </p:blipFill>
-        <p:spPr>
-          <a:xfrm>
-            <a:off x="3856140" y="4342128"/>
-            <a:ext cx="3781425" cy="447675"/>
-          </a:xfrm>
-          <a:prstGeom prst="rect">
-            <a:avLst/>
-          </a:prstGeom>
-        </p:spPr>
-      </p:pic>
-      <p:sp>
-        <p:nvSpPr>
-          <p:cNvPr id="9" name="TextBox 8">
-            <a:extLst>
-              <a:ext uri="{FF2B5EF4-FFF2-40B4-BE49-F238E27FC236}">
-                <a16:creationId xmlns:a16="http://schemas.microsoft.com/office/drawing/2014/main" id="{4257F9AC-0A84-4F82-95C1-09B047B50E22}"/>
-              </a:ext>
-            </a:extLst>
-          </p:cNvPr>
-          <p:cNvSpPr txBox="1"/>
-          <p:nvPr/>
-        </p:nvSpPr>
-        <p:spPr>
-          <a:xfrm>
-            <a:off x="3767755" y="4939313"/>
-            <a:ext cx="7739619" cy="369332"/>
-          </a:xfrm>
-          <a:prstGeom prst="rect">
-            <a:avLst/>
-          </a:prstGeom>
-          <a:noFill/>
-        </p:spPr>
-        <p:txBody>
-          <a:bodyPr wrap="none" rtlCol="0">
-            <a:spAutoFit/>
-          </a:bodyPr>
-          <a:lstStyle/>
-          <a:p>
-            <a:r>
-              <a:rPr lang="ko-KR" altLang="en-US" dirty="0"/>
-              <a:t>재학생 수를 </a:t>
-            </a:r>
-            <a:r>
-              <a:rPr lang="en-US" altLang="ko-KR" dirty="0"/>
-              <a:t>10</a:t>
-            </a:r>
-            <a:r>
-              <a:rPr lang="ko-KR" altLang="en-US" dirty="0"/>
-              <a:t>명으로 </a:t>
-            </a:r>
-            <a:r>
-              <a:rPr lang="ko-KR" altLang="en-US" dirty="0" err="1"/>
-              <a:t>하드코딩하여</a:t>
-            </a:r>
-            <a:r>
-              <a:rPr lang="en-US" altLang="ko-KR" dirty="0"/>
-              <a:t>, 10</a:t>
-            </a:r>
-            <a:r>
-              <a:rPr lang="ko-KR" altLang="en-US" dirty="0"/>
-              <a:t>명 중 </a:t>
-            </a:r>
-            <a:r>
-              <a:rPr lang="en-US" altLang="ko-KR" dirty="0"/>
-              <a:t>2</a:t>
-            </a:r>
-            <a:r>
-              <a:rPr lang="ko-KR" altLang="en-US" dirty="0"/>
-              <a:t>명이 투표했으니 </a:t>
-            </a:r>
-            <a:r>
-              <a:rPr lang="en-US" altLang="ko-KR" dirty="0"/>
-              <a:t>20%</a:t>
-            </a:r>
-            <a:r>
-              <a:rPr lang="ko-KR" altLang="en-US" dirty="0"/>
-              <a:t>이다</a:t>
-            </a:r>
-            <a:r>
-              <a:rPr lang="en-US" altLang="ko-KR" dirty="0"/>
-              <a:t>.</a:t>
-            </a:r>
-            <a:endParaRPr lang="ko-KR" altLang="en-US" dirty="0"/>
-          </a:p>
-        </p:txBody>
-      </p:sp>
     </p:spTree>
     <p:extLst>
       <p:ext uri="{BB962C8B-B14F-4D97-AF65-F5344CB8AC3E}">
-        <p14:creationId xmlns:p14="http://schemas.microsoft.com/office/powerpoint/2010/main" val="1374890838"/>
+        <p14:creationId xmlns:p14="http://schemas.microsoft.com/office/powerpoint/2010/main" val="719904951"/>
       </p:ext>
     </p:extLst>
   </p:cSld>
@@ -7797,7 +7881,7 @@
           <p:cNvPr id="2" name="제목 1">
             <a:extLst>
               <a:ext uri="{FF2B5EF4-FFF2-40B4-BE49-F238E27FC236}">
-                <a16:creationId xmlns:a16="http://schemas.microsoft.com/office/drawing/2014/main" id="{55A07995-4B55-4E5B-B126-EEC325DAEDEC}"/>
+                <a16:creationId xmlns:a16="http://schemas.microsoft.com/office/drawing/2014/main" id="{132C9F91-980E-468D-B7FA-9E8A6E024BB6}"/>
               </a:ext>
             </a:extLst>
           </p:cNvPr>
@@ -7810,159 +7894,314 @@
         </p:nvSpPr>
         <p:spPr/>
         <p:txBody>
-          <a:bodyPr/>
-          <a:lstStyle/>
-          <a:p>
-            <a:r>
-              <a:rPr lang="en-US" altLang="ko-KR" dirty="0"/>
-              <a:t>Testcase #1 </a:t>
-            </a:r>
-            <a:r>
-              <a:rPr lang="ko-KR" altLang="en-US" dirty="0"/>
-              <a:t>중단</a:t>
-            </a:r>
-          </a:p>
-        </p:txBody>
-      </p:sp>
-      <p:sp>
-        <p:nvSpPr>
-          <p:cNvPr id="3" name="내용 개체 틀 2">
-            <a:extLst>
-              <a:ext uri="{FF2B5EF4-FFF2-40B4-BE49-F238E27FC236}">
-                <a16:creationId xmlns:a16="http://schemas.microsoft.com/office/drawing/2014/main" id="{3E1B81B2-EFA5-41AA-9476-27ED05052D8F}"/>
-              </a:ext>
-            </a:extLst>
-          </p:cNvPr>
-          <p:cNvSpPr>
-            <a:spLocks noGrp="1"/>
-          </p:cNvSpPr>
+          <a:bodyPr>
+            <a:noAutofit/>
+          </a:bodyPr>
+          <a:lstStyle/>
+          <a:p>
+            <a:r>
+              <a:rPr lang="ko-KR" altLang="en-US" sz="3600" dirty="0"/>
+              <a:t>시나리오</a:t>
+            </a:r>
+            <a:r>
+              <a:rPr lang="en-US" altLang="ko-KR" sz="3600" dirty="0"/>
+              <a:t>#14 : </a:t>
+            </a:r>
+            <a:r>
+              <a:rPr lang="ko-KR" altLang="en-US" sz="3600" dirty="0"/>
+              <a:t>후보자 </a:t>
+            </a:r>
+            <a:r>
+              <a:rPr lang="en-US" altLang="ko-KR" sz="3600" dirty="0"/>
+              <a:t>1</a:t>
+            </a:r>
+            <a:r>
+              <a:rPr lang="ko-KR" altLang="en-US" sz="3600" dirty="0"/>
+              <a:t>개인 선거가 하나가 생성된 상태로</a:t>
+            </a:r>
+            <a:r>
+              <a:rPr lang="en-US" altLang="ko-KR" sz="3600" dirty="0"/>
+              <a:t>, </a:t>
+            </a:r>
+            <a:r>
+              <a:rPr lang="ko-KR" altLang="en-US" sz="3600" dirty="0"/>
+              <a:t>학생</a:t>
+            </a:r>
+            <a:r>
+              <a:rPr lang="en-US" altLang="ko-KR" sz="3600" dirty="0"/>
+              <a:t>2</a:t>
+            </a:r>
+            <a:r>
+              <a:rPr lang="ko-KR" altLang="en-US" sz="3600" dirty="0"/>
+              <a:t>이 </a:t>
+            </a:r>
+            <a:r>
+              <a:rPr lang="en-US" altLang="ko-KR" sz="3600" dirty="0"/>
+              <a:t>[</a:t>
+            </a:r>
+            <a:r>
+              <a:rPr lang="ko-KR" altLang="en-US" sz="3600" dirty="0"/>
+              <a:t>투표하기</a:t>
+            </a:r>
+            <a:r>
+              <a:rPr lang="en-US" altLang="ko-KR" sz="3600" dirty="0"/>
+              <a:t>] -&gt; [</a:t>
+            </a:r>
+            <a:r>
+              <a:rPr lang="ko-KR" altLang="en-US" sz="3600" dirty="0"/>
+              <a:t>기권에 투표</a:t>
+            </a:r>
+            <a:r>
+              <a:rPr lang="en-US" altLang="ko-KR" sz="3600" dirty="0"/>
+              <a:t>] -&gt; [</a:t>
+            </a:r>
+            <a:r>
+              <a:rPr lang="ko-KR" altLang="en-US" sz="3600" dirty="0"/>
+              <a:t>투표하기</a:t>
+            </a:r>
+            <a:r>
+              <a:rPr lang="en-US" altLang="ko-KR" sz="3600" dirty="0"/>
+              <a:t>] </a:t>
+            </a:r>
+            <a:r>
+              <a:rPr lang="ko-KR" altLang="en-US" sz="3600" dirty="0"/>
+              <a:t>시 관리자가 </a:t>
+            </a:r>
+            <a:r>
+              <a:rPr lang="en-US" altLang="ko-KR" sz="3600" dirty="0"/>
+              <a:t>[</a:t>
+            </a:r>
+            <a:r>
+              <a:rPr lang="ko-KR" altLang="en-US" sz="3600" dirty="0"/>
+              <a:t>투표율확인</a:t>
+            </a:r>
+            <a:r>
+              <a:rPr lang="en-US" altLang="ko-KR" sz="3600" dirty="0"/>
+              <a:t>]</a:t>
+            </a:r>
+            <a:endParaRPr lang="ko-KR" altLang="en-US" sz="3600" dirty="0"/>
+          </a:p>
+        </p:txBody>
+      </p:sp>
+      <p:pic>
+        <p:nvPicPr>
+          <p:cNvPr id="5" name="내용 개체 틀 4">
+            <a:extLst>
+              <a:ext uri="{FF2B5EF4-FFF2-40B4-BE49-F238E27FC236}">
+                <a16:creationId xmlns:a16="http://schemas.microsoft.com/office/drawing/2014/main" id="{17088458-BFD6-4774-9EE7-8C0BF90FCCD8}"/>
+              </a:ext>
+            </a:extLst>
+          </p:cNvPr>
+          <p:cNvPicPr>
+            <a:picLocks noGrp="1" noChangeAspect="1"/>
+          </p:cNvPicPr>
           <p:nvPr>
             <p:ph idx="1"/>
           </p:nvPr>
-        </p:nvSpPr>
-        <p:spPr/>
-        <p:txBody>
-          <a:bodyPr/>
-          <a:lstStyle/>
-          <a:p>
-            <a:r>
-              <a:rPr lang="ko-KR" altLang="en-US" dirty="0"/>
-              <a:t>중단 사유</a:t>
-            </a:r>
-            <a:r>
-              <a:rPr lang="en-US" altLang="ko-KR" dirty="0"/>
-              <a:t>: wallet</a:t>
-            </a:r>
-            <a:r>
-              <a:rPr lang="ko-KR" altLang="en-US" dirty="0"/>
-              <a:t>에 신규 사용자 등록 시 </a:t>
-            </a:r>
-            <a:r>
-              <a:rPr lang="en-US" altLang="ko-KR" dirty="0"/>
-              <a:t>base64 </a:t>
-            </a:r>
-            <a:r>
-              <a:rPr lang="ko-KR" altLang="en-US" dirty="0"/>
-              <a:t>인코딩으로 인해 특수문자 </a:t>
-            </a:r>
-            <a:r>
-              <a:rPr lang="en-US" altLang="ko-KR" dirty="0"/>
-              <a:t>‘/’</a:t>
-            </a:r>
-            <a:r>
-              <a:rPr lang="ko-KR" altLang="en-US" dirty="0"/>
-              <a:t>가 들어갈 경우</a:t>
-            </a:r>
-            <a:r>
-              <a:rPr lang="en-US" altLang="ko-KR" dirty="0"/>
-              <a:t>, </a:t>
-            </a:r>
-            <a:r>
-              <a:rPr lang="en-US" altLang="ko-KR" dirty="0" err="1"/>
-              <a:t>walletid</a:t>
-            </a:r>
-            <a:r>
-              <a:rPr lang="ko-KR" altLang="en-US" dirty="0"/>
-              <a:t>가 생성되지 않는 오류 발생함</a:t>
-            </a:r>
-            <a:r>
-              <a:rPr lang="en-US" altLang="ko-KR" dirty="0"/>
-              <a:t>. </a:t>
-            </a:r>
-          </a:p>
-          <a:p>
-            <a:r>
-              <a:rPr lang="ko-KR" altLang="en-US" dirty="0"/>
-              <a:t>하여</a:t>
-            </a:r>
-            <a:r>
-              <a:rPr lang="en-US" altLang="ko-KR" dirty="0"/>
-              <a:t>, </a:t>
-            </a:r>
-            <a:r>
-              <a:rPr lang="en-US" altLang="ko-KR" dirty="0" err="1"/>
-              <a:t>walletid</a:t>
-            </a:r>
-            <a:r>
-              <a:rPr lang="en-US" altLang="ko-KR" dirty="0"/>
-              <a:t> </a:t>
-            </a:r>
-            <a:r>
-              <a:rPr lang="ko-KR" altLang="en-US" dirty="0"/>
-              <a:t>생성 방법을 </a:t>
-            </a:r>
-            <a:r>
-              <a:rPr lang="en-US" altLang="ko-KR" dirty="0"/>
-              <a:t>base64 </a:t>
-            </a:r>
-            <a:r>
-              <a:rPr lang="ko-KR" altLang="en-US" dirty="0"/>
-              <a:t>인코딩하지 않고 </a:t>
-            </a:r>
-            <a:r>
-              <a:rPr lang="en-US" altLang="ko-KR" dirty="0"/>
-              <a:t>hex </a:t>
-            </a:r>
-            <a:r>
-              <a:rPr lang="ko-KR" altLang="en-US" dirty="0"/>
-              <a:t>그대로 사용하는 것으로 변경</a:t>
-            </a:r>
+        </p:nvPicPr>
+        <p:blipFill>
+          <a:blip r:embed="rId2"/>
+          <a:stretch>
+            <a:fillRect/>
+          </a:stretch>
+        </p:blipFill>
+        <p:spPr>
+          <a:xfrm>
+            <a:off x="838200" y="1976627"/>
+            <a:ext cx="2620939" cy="4351338"/>
+          </a:xfrm>
+        </p:spPr>
+      </p:pic>
+      <p:sp>
+        <p:nvSpPr>
+          <p:cNvPr id="6" name="TextBox 5">
+            <a:extLst>
+              <a:ext uri="{FF2B5EF4-FFF2-40B4-BE49-F238E27FC236}">
+                <a16:creationId xmlns:a16="http://schemas.microsoft.com/office/drawing/2014/main" id="{CB2E207E-8EAC-4CD8-AB7E-547943EE2752}"/>
+              </a:ext>
+            </a:extLst>
+          </p:cNvPr>
+          <p:cNvSpPr txBox="1"/>
+          <p:nvPr/>
+        </p:nvSpPr>
+        <p:spPr>
+          <a:xfrm>
+            <a:off x="3842158" y="1976627"/>
+            <a:ext cx="7122463" cy="2031325"/>
+          </a:xfrm>
+          <a:prstGeom prst="rect">
+            <a:avLst/>
+          </a:prstGeom>
+          <a:noFill/>
+        </p:spPr>
+        <p:txBody>
+          <a:bodyPr wrap="none" rtlCol="0">
+            <a:spAutoFit/>
+          </a:bodyPr>
+          <a:lstStyle/>
+          <a:p>
+            <a:r>
+              <a:rPr lang="en-US" altLang="ko-KR" dirty="0"/>
+              <a:t>Problem : </a:t>
+            </a:r>
+          </a:p>
+          <a:p>
+            <a:r>
+              <a:rPr lang="ko-KR" altLang="en-US" dirty="0"/>
+              <a:t>투표율 </a:t>
+            </a:r>
+            <a:r>
+              <a:rPr lang="en-US" altLang="ko-KR" dirty="0"/>
+              <a:t>10%</a:t>
+            </a:r>
+            <a:r>
+              <a:rPr lang="ko-KR" altLang="en-US" dirty="0"/>
+              <a:t>가 넘었을 시에는 글자를 흰색으로 하게 만들었는데</a:t>
+            </a:r>
+            <a:r>
+              <a:rPr lang="en-US" altLang="ko-KR" dirty="0"/>
+              <a:t>,</a:t>
+            </a:r>
+          </a:p>
+          <a:p>
+            <a:r>
+              <a:rPr lang="ko-KR" altLang="en-US" dirty="0"/>
+              <a:t>잘 보이지 않음</a:t>
+            </a:r>
+            <a:r>
+              <a:rPr lang="en-US" altLang="ko-KR" dirty="0"/>
+              <a:t>.</a:t>
+            </a:r>
+          </a:p>
+          <a:p>
             <a:endParaRPr lang="en-US" altLang="ko-KR" dirty="0"/>
           </a:p>
           <a:p>
             <a:r>
               <a:rPr lang="en-US" altLang="ko-KR" dirty="0"/>
-              <a:t>Teardown network </a:t>
-            </a:r>
-            <a:r>
-              <a:rPr lang="ko-KR" altLang="en-US" dirty="0"/>
-              <a:t>후 다시 </a:t>
-            </a:r>
-            <a:r>
-              <a:rPr lang="en-US" altLang="ko-KR" dirty="0"/>
-              <a:t>testcase#1 </a:t>
-            </a:r>
-            <a:r>
-              <a:rPr lang="ko-KR" altLang="en-US" dirty="0"/>
-              <a:t>시도할 예정</a:t>
+              <a:t>Solution :</a:t>
+            </a:r>
+          </a:p>
+          <a:p>
+            <a:r>
+              <a:rPr lang="ko-KR" altLang="en-US" dirty="0"/>
+              <a:t>무조건 검은색으로 출력하도록 바꾸거나</a:t>
+            </a:r>
+            <a:r>
+              <a:rPr lang="en-US" altLang="ko-KR" dirty="0"/>
+              <a:t>,</a:t>
+            </a:r>
+          </a:p>
+          <a:p>
+            <a:r>
+              <a:rPr lang="ko-KR" altLang="en-US" dirty="0"/>
+              <a:t>파란색 배경과 회색 배경 모두에서 잘 보이는 글자색으로 변경하기</a:t>
             </a:r>
             <a:r>
               <a:rPr lang="en-US" altLang="ko-KR" dirty="0"/>
               <a:t>.</a:t>
             </a:r>
-          </a:p>
-          <a:p>
-            <a:r>
-              <a:rPr lang="ko-KR" altLang="en-US" dirty="0"/>
-              <a:t>이전 시나리오와 동일하게 </a:t>
-            </a:r>
-            <a:r>
-              <a:rPr lang="en-US" altLang="ko-KR" dirty="0"/>
-              <a:t>test </a:t>
-            </a:r>
-            <a:r>
-              <a:rPr lang="ko-KR" altLang="en-US" dirty="0"/>
-              <a:t>후 아래 시나리오로 이어서 진행될 예정임</a:t>
+            <a:endParaRPr lang="ko-KR" altLang="en-US" dirty="0"/>
+          </a:p>
+        </p:txBody>
+      </p:sp>
+      <p:pic>
+        <p:nvPicPr>
+          <p:cNvPr id="8" name="그림 7">
+            <a:extLst>
+              <a:ext uri="{FF2B5EF4-FFF2-40B4-BE49-F238E27FC236}">
+                <a16:creationId xmlns:a16="http://schemas.microsoft.com/office/drawing/2014/main" id="{D435482E-5673-4FCA-915A-B08D49BB21CF}"/>
+              </a:ext>
+            </a:extLst>
+          </p:cNvPr>
+          <p:cNvPicPr>
+            <a:picLocks noChangeAspect="1"/>
+          </p:cNvPicPr>
+          <p:nvPr/>
+        </p:nvPicPr>
+        <p:blipFill>
+          <a:blip r:embed="rId3"/>
+          <a:stretch>
+            <a:fillRect/>
+          </a:stretch>
+        </p:blipFill>
+        <p:spPr>
+          <a:xfrm>
+            <a:off x="3856140" y="4342128"/>
+            <a:ext cx="3781425" cy="447675"/>
+          </a:xfrm>
+          <a:prstGeom prst="rect">
+            <a:avLst/>
+          </a:prstGeom>
+        </p:spPr>
+      </p:pic>
+      <p:sp>
+        <p:nvSpPr>
+          <p:cNvPr id="9" name="TextBox 8">
+            <a:extLst>
+              <a:ext uri="{FF2B5EF4-FFF2-40B4-BE49-F238E27FC236}">
+                <a16:creationId xmlns:a16="http://schemas.microsoft.com/office/drawing/2014/main" id="{4257F9AC-0A84-4F82-95C1-09B047B50E22}"/>
+              </a:ext>
+            </a:extLst>
+          </p:cNvPr>
+          <p:cNvSpPr txBox="1"/>
+          <p:nvPr/>
+        </p:nvSpPr>
+        <p:spPr>
+          <a:xfrm>
+            <a:off x="3767755" y="4939313"/>
+            <a:ext cx="7739619" cy="369332"/>
+          </a:xfrm>
+          <a:prstGeom prst="rect">
+            <a:avLst/>
+          </a:prstGeom>
+          <a:noFill/>
+        </p:spPr>
+        <p:txBody>
+          <a:bodyPr wrap="none" rtlCol="0">
+            <a:spAutoFit/>
+          </a:bodyPr>
+          <a:lstStyle/>
+          <a:p>
+            <a:r>
+              <a:rPr lang="ko-KR" altLang="en-US" dirty="0"/>
+              <a:t>재학생 수를 </a:t>
+            </a:r>
+            <a:r>
+              <a:rPr lang="en-US" altLang="ko-KR" dirty="0"/>
+              <a:t>10</a:t>
+            </a:r>
+            <a:r>
+              <a:rPr lang="ko-KR" altLang="en-US" dirty="0"/>
+              <a:t>명으로 </a:t>
+            </a:r>
+            <a:r>
+              <a:rPr lang="ko-KR" altLang="en-US" dirty="0" err="1"/>
+              <a:t>하드코딩하여</a:t>
+            </a:r>
+            <a:r>
+              <a:rPr lang="en-US" altLang="ko-KR" dirty="0"/>
+              <a:t>, 10</a:t>
+            </a:r>
+            <a:r>
+              <a:rPr lang="ko-KR" altLang="en-US" dirty="0"/>
+              <a:t>명 중 </a:t>
+            </a:r>
+            <a:r>
+              <a:rPr lang="en-US" altLang="ko-KR" dirty="0"/>
+              <a:t>2</a:t>
+            </a:r>
+            <a:r>
+              <a:rPr lang="ko-KR" altLang="en-US" dirty="0"/>
+              <a:t>명이 투표했으니 </a:t>
+            </a:r>
+            <a:r>
+              <a:rPr lang="en-US" altLang="ko-KR" dirty="0"/>
+              <a:t>20%</a:t>
+            </a:r>
+            <a:r>
+              <a:rPr lang="ko-KR" altLang="en-US" dirty="0"/>
+              <a:t>이다</a:t>
             </a:r>
             <a:r>
               <a:rPr lang="en-US" altLang="ko-KR" dirty="0"/>
@@ -7975,7 +8214,7 @@
     </p:spTree>
     <p:extLst>
       <p:ext uri="{BB962C8B-B14F-4D97-AF65-F5344CB8AC3E}">
-        <p14:creationId xmlns:p14="http://schemas.microsoft.com/office/powerpoint/2010/main" val="841609758"/>
+        <p14:creationId xmlns:p14="http://schemas.microsoft.com/office/powerpoint/2010/main" val="1374890838"/>
       </p:ext>
     </p:extLst>
   </p:cSld>
@@ -8007,7 +8246,7 @@
           <p:cNvPr id="2" name="제목 1">
             <a:extLst>
               <a:ext uri="{FF2B5EF4-FFF2-40B4-BE49-F238E27FC236}">
-                <a16:creationId xmlns:a16="http://schemas.microsoft.com/office/drawing/2014/main" id="{A204C04D-52DD-4D14-8C6D-B39ED4F52BCE}"/>
+                <a16:creationId xmlns:a16="http://schemas.microsoft.com/office/drawing/2014/main" id="{55A07995-4B55-4E5B-B126-EEC325DAEDEC}"/>
               </a:ext>
             </a:extLst>
           </p:cNvPr>
@@ -8020,71 +8259,17 @@
         </p:nvSpPr>
         <p:spPr/>
         <p:txBody>
-          <a:bodyPr>
-            <a:normAutofit fontScale="90000"/>
-          </a:bodyPr>
-          <a:lstStyle/>
-          <a:p>
-            <a:r>
-              <a:rPr lang="ko-KR" altLang="en-US" dirty="0"/>
-              <a:t>시나리오</a:t>
-            </a:r>
-            <a:r>
-              <a:rPr lang="en-US" altLang="ko-KR" dirty="0"/>
-              <a:t>#15 : </a:t>
-            </a:r>
-            <a:r>
-              <a:rPr lang="ko-KR" altLang="en-US" dirty="0"/>
-              <a:t>후보자 </a:t>
-            </a:r>
-            <a:r>
-              <a:rPr lang="en-US" altLang="ko-KR" dirty="0"/>
-              <a:t>1</a:t>
-            </a:r>
-            <a:r>
-              <a:rPr lang="ko-KR" altLang="en-US" dirty="0"/>
-              <a:t>개인 선거가 하나가 생성된 상태로</a:t>
-            </a:r>
-            <a:r>
-              <a:rPr lang="en-US" altLang="ko-KR" dirty="0"/>
-              <a:t>, </a:t>
-            </a:r>
-            <a:r>
-              <a:rPr lang="ko-KR" altLang="en-US" dirty="0"/>
-              <a:t>학생</a:t>
-            </a:r>
-            <a:r>
-              <a:rPr lang="en-US" altLang="ko-KR" dirty="0"/>
-              <a:t>3</a:t>
-            </a:r>
-            <a:r>
-              <a:rPr lang="ko-KR" altLang="en-US" dirty="0"/>
-              <a:t>이 </a:t>
-            </a:r>
-            <a:br>
-              <a:rPr lang="en-US" altLang="ko-KR" dirty="0"/>
-            </a:br>
-            <a:r>
-              <a:rPr lang="en-US" altLang="ko-KR" dirty="0"/>
-              <a:t>[</a:t>
-            </a:r>
-            <a:r>
-              <a:rPr lang="ko-KR" altLang="en-US" dirty="0"/>
-              <a:t>투표하기</a:t>
-            </a:r>
-            <a:r>
-              <a:rPr lang="en-US" altLang="ko-KR" dirty="0"/>
-              <a:t>] -&gt; [</a:t>
-            </a:r>
-            <a:r>
-              <a:rPr lang="ko-KR" altLang="en-US" dirty="0"/>
-              <a:t>기권에 투표</a:t>
-            </a:r>
-            <a:r>
-              <a:rPr lang="en-US" altLang="ko-KR" dirty="0"/>
-              <a:t>]</a:t>
-            </a:r>
-            <a:endParaRPr lang="ko-KR" altLang="en-US" dirty="0"/>
+          <a:bodyPr/>
+          <a:lstStyle/>
+          <a:p>
+            <a:r>
+              <a:rPr lang="en-US" altLang="ko-KR" dirty="0"/>
+              <a:t>Testcase #1 </a:t>
+            </a:r>
+            <a:r>
+              <a:rPr lang="ko-KR" altLang="en-US" dirty="0"/>
+              <a:t>중단</a:t>
+            </a:r>
           </a:p>
         </p:txBody>
       </p:sp>
@@ -8093,7 +8278,7 @@
           <p:cNvPr id="3" name="내용 개체 틀 2">
             <a:extLst>
               <a:ext uri="{FF2B5EF4-FFF2-40B4-BE49-F238E27FC236}">
-                <a16:creationId xmlns:a16="http://schemas.microsoft.com/office/drawing/2014/main" id="{64AB330E-0D44-45F2-8D58-377F16396A95}"/>
+                <a16:creationId xmlns:a16="http://schemas.microsoft.com/office/drawing/2014/main" id="{3E1B81B2-EFA5-41AA-9476-27ED05052D8F}"/>
               </a:ext>
             </a:extLst>
           </p:cNvPr>
@@ -8109,6 +8294,164 @@
           <a:bodyPr/>
           <a:lstStyle/>
           <a:p>
+            <a:r>
+              <a:rPr lang="ko-KR" altLang="en-US" dirty="0"/>
+              <a:t>중단 사유</a:t>
+            </a:r>
+            <a:r>
+              <a:rPr lang="en-US" altLang="ko-KR" dirty="0"/>
+              <a:t>: wallet</a:t>
+            </a:r>
+            <a:r>
+              <a:rPr lang="ko-KR" altLang="en-US" dirty="0"/>
+              <a:t>에 신규 사용자 등록 시 </a:t>
+            </a:r>
+            <a:r>
+              <a:rPr lang="en-US" altLang="ko-KR" dirty="0"/>
+              <a:t>base64 </a:t>
+            </a:r>
+            <a:r>
+              <a:rPr lang="ko-KR" altLang="en-US" dirty="0"/>
+              <a:t>인코딩으로 인해 특수문자 </a:t>
+            </a:r>
+            <a:r>
+              <a:rPr lang="en-US" altLang="ko-KR" dirty="0"/>
+              <a:t>‘/’</a:t>
+            </a:r>
+            <a:r>
+              <a:rPr lang="ko-KR" altLang="en-US" dirty="0"/>
+              <a:t>가 들어갈 경우</a:t>
+            </a:r>
+            <a:r>
+              <a:rPr lang="en-US" altLang="ko-KR" dirty="0"/>
+              <a:t>, </a:t>
+            </a:r>
+            <a:r>
+              <a:rPr lang="en-US" altLang="ko-KR" dirty="0" err="1"/>
+              <a:t>walletid</a:t>
+            </a:r>
+            <a:r>
+              <a:rPr lang="ko-KR" altLang="en-US" dirty="0"/>
+              <a:t>가 생성되지 않는 오류 발생함</a:t>
+            </a:r>
+            <a:r>
+              <a:rPr lang="en-US" altLang="ko-KR" dirty="0"/>
+              <a:t>. </a:t>
+            </a:r>
+          </a:p>
+          <a:p>
+            <a:r>
+              <a:rPr lang="ko-KR" altLang="en-US" dirty="0"/>
+              <a:t>하여</a:t>
+            </a:r>
+            <a:r>
+              <a:rPr lang="en-US" altLang="ko-KR" dirty="0"/>
+              <a:t>, </a:t>
+            </a:r>
+            <a:r>
+              <a:rPr lang="en-US" altLang="ko-KR" dirty="0" err="1"/>
+              <a:t>walletid</a:t>
+            </a:r>
+            <a:r>
+              <a:rPr lang="en-US" altLang="ko-KR" dirty="0"/>
+              <a:t> </a:t>
+            </a:r>
+            <a:r>
+              <a:rPr lang="ko-KR" altLang="en-US" dirty="0"/>
+              <a:t>생성 방법을 </a:t>
+            </a:r>
+            <a:r>
+              <a:rPr lang="en-US" altLang="ko-KR" dirty="0"/>
+              <a:t>base64 </a:t>
+            </a:r>
+            <a:r>
+              <a:rPr lang="ko-KR" altLang="en-US" dirty="0"/>
+              <a:t>인코딩하지 않고 </a:t>
+            </a:r>
+            <a:r>
+              <a:rPr lang="en-US" altLang="ko-KR" dirty="0"/>
+              <a:t>hex </a:t>
+            </a:r>
+            <a:r>
+              <a:rPr lang="ko-KR" altLang="en-US" dirty="0"/>
+              <a:t>그대로 사용하는 것으로 변경</a:t>
+            </a:r>
+            <a:r>
+              <a:rPr lang="en-US" altLang="ko-KR" dirty="0"/>
+              <a:t> =&gt; </a:t>
+            </a:r>
+            <a:r>
+              <a:rPr lang="ko-KR" altLang="en-US" dirty="0"/>
+              <a:t>변경 이후 오류없이 잘됨</a:t>
+            </a:r>
+            <a:r>
+              <a:rPr lang="en-US" altLang="ko-KR" dirty="0"/>
+              <a:t>.</a:t>
+            </a:r>
+          </a:p>
+          <a:p>
+            <a:r>
+              <a:rPr lang="en-US" altLang="ko-KR" dirty="0"/>
+              <a:t>Teardown network </a:t>
+            </a:r>
+            <a:r>
+              <a:rPr lang="ko-KR" altLang="en-US" dirty="0"/>
+              <a:t>후 다시 </a:t>
+            </a:r>
+            <a:r>
+              <a:rPr lang="en-US" altLang="ko-KR" dirty="0"/>
+              <a:t>testcase#1 </a:t>
+            </a:r>
+            <a:r>
+              <a:rPr lang="ko-KR" altLang="en-US" dirty="0"/>
+              <a:t>시도함</a:t>
+            </a:r>
+            <a:r>
+              <a:rPr lang="en-US" altLang="ko-KR" dirty="0"/>
+              <a:t>.</a:t>
+            </a:r>
+          </a:p>
+          <a:p>
+            <a:r>
+              <a:rPr lang="ko-KR" altLang="en-US" dirty="0"/>
+              <a:t>시나리오</a:t>
+            </a:r>
+            <a:r>
+              <a:rPr lang="en-US" altLang="ko-KR" dirty="0"/>
+              <a:t>#1~13</a:t>
+            </a:r>
+            <a:r>
+              <a:rPr lang="ko-KR" altLang="en-US" dirty="0"/>
+              <a:t>까지 완료했고</a:t>
+            </a:r>
+            <a:r>
+              <a:rPr lang="en-US" altLang="ko-KR" dirty="0"/>
+              <a:t>, 14</a:t>
+            </a:r>
+            <a:r>
+              <a:rPr lang="ko-KR" altLang="en-US" dirty="0"/>
+              <a:t>의 경우엔 학생</a:t>
+            </a:r>
+            <a:r>
+              <a:rPr lang="en-US" altLang="ko-KR" dirty="0"/>
+              <a:t>3</a:t>
+            </a:r>
+            <a:r>
+              <a:rPr lang="ko-KR" altLang="en-US" dirty="0"/>
+              <a:t>이 </a:t>
+            </a:r>
+            <a:r>
+              <a:rPr lang="ko-KR" altLang="en-US" dirty="0" err="1"/>
+              <a:t>브릿지에</a:t>
+            </a:r>
+            <a:r>
+              <a:rPr lang="ko-KR" altLang="en-US" dirty="0"/>
+              <a:t> 투표함</a:t>
+            </a:r>
+            <a:r>
+              <a:rPr lang="en-US" altLang="ko-KR" dirty="0"/>
+              <a:t>.</a:t>
+            </a:r>
             <a:endParaRPr lang="ko-KR" altLang="en-US" dirty="0"/>
           </a:p>
         </p:txBody>
@@ -8116,7 +8459,7 @@
     </p:spTree>
     <p:extLst>
       <p:ext uri="{BB962C8B-B14F-4D97-AF65-F5344CB8AC3E}">
-        <p14:creationId xmlns:p14="http://schemas.microsoft.com/office/powerpoint/2010/main" val="4279756462"/>
+        <p14:creationId xmlns:p14="http://schemas.microsoft.com/office/powerpoint/2010/main" val="841609758"/>
       </p:ext>
     </p:extLst>
   </p:cSld>
@@ -8148,7 +8491,7 @@
           <p:cNvPr id="2" name="제목 1">
             <a:extLst>
               <a:ext uri="{FF2B5EF4-FFF2-40B4-BE49-F238E27FC236}">
-                <a16:creationId xmlns:a16="http://schemas.microsoft.com/office/drawing/2014/main" id="{325788A1-6978-4EED-8E81-28E9D8A9B276}"/>
+                <a16:creationId xmlns:a16="http://schemas.microsoft.com/office/drawing/2014/main" id="{C9C3F2DD-F527-4DC6-8CF4-D214831AAFFF}"/>
               </a:ext>
             </a:extLst>
           </p:cNvPr>
@@ -8156,10 +8499,15 @@
             <a:spLocks noGrp="1"/>
           </p:cNvSpPr>
           <p:nvPr>
-            <p:ph type="title"/>
-          </p:nvPr>
-        </p:nvSpPr>
-        <p:spPr/>
+            <p:ph type="ctrTitle"/>
+          </p:nvPr>
+        </p:nvSpPr>
+        <p:spPr>
+          <a:xfrm>
+            <a:off x="1524000" y="1329881"/>
+            <a:ext cx="9144000" cy="738521"/>
+          </a:xfrm>
+        </p:spPr>
         <p:txBody>
           <a:bodyPr>
             <a:normAutofit fontScale="90000"/>
@@ -8167,59 +8515,8 @@
           <a:lstStyle/>
           <a:p>
             <a:r>
-              <a:rPr lang="ko-KR" altLang="en-US" dirty="0"/>
-              <a:t>시나리오</a:t>
-            </a:r>
-            <a:r>
-              <a:rPr lang="en-US" altLang="ko-KR" dirty="0"/>
-              <a:t># : </a:t>
-            </a:r>
-            <a:r>
-              <a:rPr lang="ko-KR" altLang="en-US" dirty="0"/>
-              <a:t>후보자 </a:t>
-            </a:r>
-            <a:r>
-              <a:rPr lang="en-US" altLang="ko-KR" dirty="0"/>
-              <a:t>1</a:t>
-            </a:r>
-            <a:r>
-              <a:rPr lang="ko-KR" altLang="en-US" dirty="0"/>
-              <a:t>개인 선거가 하나가 생성된 상태로</a:t>
-            </a:r>
-            <a:r>
-              <a:rPr lang="en-US" altLang="ko-KR" dirty="0"/>
-              <a:t>, </a:t>
-            </a:r>
-            <a:r>
-              <a:rPr lang="ko-KR" altLang="en-US" dirty="0"/>
-              <a:t>학생이 </a:t>
-            </a:r>
-            <a:br>
-              <a:rPr lang="en-US" altLang="ko-KR" dirty="0"/>
-            </a:br>
-            <a:r>
-              <a:rPr lang="en-US" altLang="ko-KR" dirty="0"/>
-              <a:t>[</a:t>
-            </a:r>
-            <a:r>
-              <a:rPr lang="ko-KR" altLang="en-US" dirty="0"/>
-              <a:t>투표하기</a:t>
-            </a:r>
-            <a:r>
-              <a:rPr lang="en-US" altLang="ko-KR" dirty="0"/>
-              <a:t>] -&gt; [</a:t>
-            </a:r>
-            <a:r>
-              <a:rPr lang="ko-KR" altLang="en-US" dirty="0"/>
-              <a:t>개인정보처리동의 </a:t>
-            </a:r>
-            <a:r>
-              <a:rPr lang="ko-KR" altLang="en-US" dirty="0" err="1"/>
-              <a:t>동의안함</a:t>
-            </a:r>
-            <a:r>
-              <a:rPr lang="en-US" altLang="ko-KR" dirty="0"/>
-              <a:t>]</a:t>
+              <a:rPr lang="en-US" altLang="ko-KR" dirty="0"/>
+              <a:t>Testcase #1-1</a:t>
             </a:r>
             <a:endParaRPr lang="ko-KR" altLang="en-US" dirty="0"/>
           </a:p>
@@ -8227,10 +8524,10 @@
       </p:sp>
       <p:sp>
         <p:nvSpPr>
-          <p:cNvPr id="3" name="내용 개체 틀 2">
-            <a:extLst>
-              <a:ext uri="{FF2B5EF4-FFF2-40B4-BE49-F238E27FC236}">
-                <a16:creationId xmlns:a16="http://schemas.microsoft.com/office/drawing/2014/main" id="{5DB89AE6-8736-4A80-AF19-F0E75F098808}"/>
+          <p:cNvPr id="3" name="부제목 2">
+            <a:extLst>
+              <a:ext uri="{FF2B5EF4-FFF2-40B4-BE49-F238E27FC236}">
+                <a16:creationId xmlns:a16="http://schemas.microsoft.com/office/drawing/2014/main" id="{57560A79-89AA-4BB4-83BC-BCB21C44A145}"/>
               </a:ext>
             </a:extLst>
           </p:cNvPr>
@@ -8238,22 +8535,143 @@
             <a:spLocks noGrp="1"/>
           </p:cNvSpPr>
           <p:nvPr>
-            <p:ph idx="1"/>
-          </p:nvPr>
-        </p:nvSpPr>
-        <p:spPr/>
-        <p:txBody>
-          <a:bodyPr/>
-          <a:lstStyle/>
-          <a:p>
-            <a:endParaRPr lang="ko-KR" altLang="en-US" dirty="0"/>
+            <p:ph type="subTitle" idx="1"/>
+          </p:nvPr>
+        </p:nvSpPr>
+        <p:spPr>
+          <a:xfrm>
+            <a:off x="1524000" y="2323750"/>
+            <a:ext cx="9144000" cy="3317115"/>
+          </a:xfrm>
+        </p:spPr>
+        <p:txBody>
+          <a:bodyPr>
+            <a:normAutofit fontScale="92500" lnSpcReduction="20000"/>
+          </a:bodyPr>
+          <a:lstStyle/>
+          <a:p>
+            <a:r>
+              <a:rPr lang="ko-KR" altLang="en-US" b="1" dirty="0"/>
+              <a:t>체인코드 버전</a:t>
+            </a:r>
+            <a:r>
+              <a:rPr lang="ko-KR" altLang="en-US" dirty="0"/>
+              <a:t> </a:t>
+            </a:r>
+            <a:r>
+              <a:rPr lang="en-US" altLang="ko-KR" dirty="0"/>
+              <a:t>: </a:t>
+            </a:r>
+          </a:p>
+          <a:p>
+            <a:r>
+              <a:rPr lang="en-US" altLang="ko-KR" dirty="0" err="1"/>
+              <a:t>voterContract</a:t>
+            </a:r>
+            <a:r>
+              <a:rPr lang="en-US" altLang="ko-KR" dirty="0"/>
+              <a:t> 1.0.34</a:t>
+            </a:r>
+          </a:p>
+          <a:p>
+            <a:r>
+              <a:rPr lang="ko-KR" altLang="en-US" b="1" dirty="0" err="1"/>
+              <a:t>웹앱</a:t>
+            </a:r>
+            <a:r>
+              <a:rPr lang="ko-KR" altLang="en-US" b="1" dirty="0"/>
+              <a:t> 버전</a:t>
+            </a:r>
+            <a:r>
+              <a:rPr lang="ko-KR" altLang="en-US" dirty="0"/>
+              <a:t> </a:t>
+            </a:r>
+            <a:r>
+              <a:rPr lang="en-US" altLang="ko-KR" dirty="0"/>
+              <a:t>:</a:t>
+            </a:r>
+          </a:p>
+          <a:p>
+            <a:r>
+              <a:rPr lang="ko-KR" altLang="en-US" dirty="0" err="1"/>
+              <a:t>커밋</a:t>
+            </a:r>
+            <a:r>
+              <a:rPr lang="en-US" altLang="ko-KR" dirty="0"/>
+              <a:t>ID: 624a3321a7777ff88f7a5e1c505d11ed4521dd07  [624a332]</a:t>
+            </a:r>
+          </a:p>
+          <a:p>
+            <a:endParaRPr lang="en-US" altLang="ko-KR" dirty="0"/>
+          </a:p>
+          <a:p>
+            <a:r>
+              <a:rPr lang="ko-KR" altLang="en-US" b="1" dirty="0"/>
+              <a:t>테스터</a:t>
+            </a:r>
+            <a:r>
+              <a:rPr lang="ko-KR" altLang="en-US" dirty="0"/>
+              <a:t> </a:t>
+            </a:r>
+            <a:r>
+              <a:rPr lang="en-US" altLang="ko-KR" dirty="0"/>
+              <a:t>: </a:t>
+            </a:r>
+          </a:p>
+          <a:p>
+            <a:r>
+              <a:rPr lang="ko-KR" altLang="en-US" dirty="0"/>
+              <a:t>김동규</a:t>
+            </a:r>
+            <a:endParaRPr lang="en-US" altLang="ko-KR" dirty="0"/>
+          </a:p>
+          <a:p>
+            <a:r>
+              <a:rPr lang="ko-KR" altLang="en-US" b="1" dirty="0"/>
+              <a:t>만든 날짜</a:t>
+            </a:r>
+            <a:r>
+              <a:rPr lang="ko-KR" altLang="en-US" dirty="0"/>
+              <a:t> </a:t>
+            </a:r>
+            <a:r>
+              <a:rPr lang="en-US" altLang="ko-KR" dirty="0"/>
+              <a:t>: </a:t>
+            </a:r>
+          </a:p>
+          <a:p>
+            <a:r>
+              <a:rPr lang="en-US" altLang="ko-KR" sz="2400" dirty="0"/>
+              <a:t>2020-08-18 </a:t>
+            </a:r>
+            <a:r>
+              <a:rPr lang="ko-KR" altLang="en-US" sz="2400" dirty="0"/>
+              <a:t>오전 </a:t>
+            </a:r>
+            <a:r>
+              <a:rPr lang="en-US" altLang="ko-KR" sz="2400" dirty="0"/>
+              <a:t>5</a:t>
+            </a:r>
+            <a:r>
+              <a:rPr lang="ko-KR" altLang="en-US" sz="2400" dirty="0"/>
+              <a:t>시 </a:t>
+            </a:r>
+            <a:r>
+              <a:rPr lang="en-US" altLang="ko-KR" sz="2400" dirty="0"/>
+              <a:t>39</a:t>
+            </a:r>
+            <a:r>
+              <a:rPr lang="ko-KR" altLang="en-US" sz="2400" dirty="0"/>
+              <a:t>분</a:t>
+            </a:r>
+            <a:endParaRPr lang="en-US" altLang="ko-KR" dirty="0"/>
           </a:p>
         </p:txBody>
       </p:sp>
     </p:spTree>
     <p:extLst>
       <p:ext uri="{BB962C8B-B14F-4D97-AF65-F5344CB8AC3E}">
-        <p14:creationId xmlns:p14="http://schemas.microsoft.com/office/powerpoint/2010/main" val="3590117573"/>
+        <p14:creationId xmlns:p14="http://schemas.microsoft.com/office/powerpoint/2010/main" val="1133454086"/>
       </p:ext>
     </p:extLst>
   </p:cSld>
@@ -8285,7 +8703,7 @@
           <p:cNvPr id="2" name="제목 1">
             <a:extLst>
               <a:ext uri="{FF2B5EF4-FFF2-40B4-BE49-F238E27FC236}">
-                <a16:creationId xmlns:a16="http://schemas.microsoft.com/office/drawing/2014/main" id="{90807F92-7D9D-40AD-BD42-987064ADE3A3}"/>
+                <a16:creationId xmlns:a16="http://schemas.microsoft.com/office/drawing/2014/main" id="{F4B02051-481F-4957-A111-49607F3E6751}"/>
               </a:ext>
             </a:extLst>
           </p:cNvPr>
@@ -8298,30 +8716,308 @@
         </p:nvSpPr>
         <p:spPr/>
         <p:txBody>
-          <a:bodyPr/>
-          <a:lstStyle/>
-          <a:p>
-            <a:r>
-              <a:rPr lang="ko-KR" altLang="en-US" dirty="0"/>
+          <a:bodyPr>
+            <a:normAutofit fontScale="90000"/>
+          </a:bodyPr>
+          <a:lstStyle/>
+          <a:p>
+            <a:r>
+              <a:rPr lang="ko-KR" altLang="en-US" sz="4400" dirty="0"/>
               <a:t>시나리오</a:t>
             </a:r>
             <a:r>
-              <a:rPr lang="en-US" altLang="ko-KR" dirty="0"/>
-              <a:t># : </a:t>
-            </a:r>
-            <a:r>
-              <a:rPr lang="ko-KR" altLang="en-US" dirty="0"/>
-              <a:t>선거에 학생이 투표한 후에 관리자가 선거를 강제종료</a:t>
-            </a:r>
-          </a:p>
-        </p:txBody>
-      </p:sp>
-      <p:sp>
-        <p:nvSpPr>
-          <p:cNvPr id="3" name="내용 개체 틀 2">
-            <a:extLst>
-              <a:ext uri="{FF2B5EF4-FFF2-40B4-BE49-F238E27FC236}">
-                <a16:creationId xmlns:a16="http://schemas.microsoft.com/office/drawing/2014/main" id="{715E2CC5-4E5B-4624-A6DF-7FBBE383F416}"/>
+              <a:rPr lang="en-US" altLang="ko-KR" sz="4400" dirty="0"/>
+              <a:t>#15 : </a:t>
+            </a:r>
+            <a:r>
+              <a:rPr lang="ko-KR" altLang="en-US" sz="4400" dirty="0"/>
+              <a:t>후보자 </a:t>
+            </a:r>
+            <a:r>
+              <a:rPr lang="en-US" altLang="ko-KR" sz="4400" dirty="0"/>
+              <a:t>1</a:t>
+            </a:r>
+            <a:r>
+              <a:rPr lang="ko-KR" altLang="en-US" sz="4400" dirty="0"/>
+              <a:t>개인 선거가 하나가 생성된 상태로</a:t>
+            </a:r>
+            <a:r>
+              <a:rPr lang="en-US" altLang="ko-KR" sz="4400" dirty="0"/>
+              <a:t>, </a:t>
+            </a:r>
+            <a:r>
+              <a:rPr lang="ko-KR" altLang="en-US" sz="4400" dirty="0"/>
+              <a:t>학생</a:t>
+            </a:r>
+            <a:r>
+              <a:rPr lang="en-US" altLang="ko-KR" sz="4400" dirty="0"/>
+              <a:t>2</a:t>
+            </a:r>
+            <a:r>
+              <a:rPr lang="ko-KR" altLang="en-US" sz="4400" dirty="0"/>
+              <a:t>이 </a:t>
+            </a:r>
+            <a:r>
+              <a:rPr lang="en-US" altLang="ko-KR" sz="4400" dirty="0"/>
+              <a:t>[</a:t>
+            </a:r>
+            <a:r>
+              <a:rPr lang="ko-KR" altLang="en-US" sz="4400" dirty="0"/>
+              <a:t>투표하기</a:t>
+            </a:r>
+            <a:r>
+              <a:rPr lang="en-US" altLang="ko-KR" sz="4400" dirty="0"/>
+              <a:t>] -&gt; [</a:t>
+            </a:r>
+            <a:r>
+              <a:rPr lang="ko-KR" altLang="en-US" sz="4400" dirty="0"/>
+              <a:t>기권에 투표</a:t>
+            </a:r>
+            <a:r>
+              <a:rPr lang="en-US" altLang="ko-KR" sz="4400" dirty="0"/>
+              <a:t>] -&gt; [</a:t>
+            </a:r>
+            <a:r>
+              <a:rPr lang="ko-KR" altLang="en-US" sz="4400" dirty="0" err="1"/>
+              <a:t>뒤로가기</a:t>
+            </a:r>
+            <a:r>
+              <a:rPr lang="en-US" altLang="ko-KR" sz="4400" dirty="0"/>
+              <a:t>]</a:t>
+            </a:r>
+            <a:endParaRPr lang="ko-KR" altLang="en-US" dirty="0"/>
+          </a:p>
+        </p:txBody>
+      </p:sp>
+      <p:pic>
+        <p:nvPicPr>
+          <p:cNvPr id="5" name="내용 개체 틀 4">
+            <a:extLst>
+              <a:ext uri="{FF2B5EF4-FFF2-40B4-BE49-F238E27FC236}">
+                <a16:creationId xmlns:a16="http://schemas.microsoft.com/office/drawing/2014/main" id="{A2B08ED3-6F38-4876-BDC7-C0BB1A493D48}"/>
+              </a:ext>
+            </a:extLst>
+          </p:cNvPr>
+          <p:cNvPicPr>
+            <a:picLocks noGrp="1" noChangeAspect="1"/>
+          </p:cNvPicPr>
+          <p:nvPr>
+            <p:ph idx="1"/>
+          </p:nvPr>
+        </p:nvPicPr>
+        <p:blipFill>
+          <a:blip r:embed="rId2"/>
+          <a:stretch>
+            <a:fillRect/>
+          </a:stretch>
+        </p:blipFill>
+        <p:spPr>
+          <a:xfrm>
+            <a:off x="1160056" y="2141537"/>
+            <a:ext cx="2620855" cy="4351338"/>
+          </a:xfrm>
+        </p:spPr>
+      </p:pic>
+      <p:pic>
+        <p:nvPicPr>
+          <p:cNvPr id="7" name="그림 6">
+            <a:extLst>
+              <a:ext uri="{FF2B5EF4-FFF2-40B4-BE49-F238E27FC236}">
+                <a16:creationId xmlns:a16="http://schemas.microsoft.com/office/drawing/2014/main" id="{0F703C1A-4B6B-4499-A851-E8C2BB5C29A8}"/>
+              </a:ext>
+            </a:extLst>
+          </p:cNvPr>
+          <p:cNvPicPr>
+            <a:picLocks noChangeAspect="1"/>
+          </p:cNvPicPr>
+          <p:nvPr/>
+        </p:nvPicPr>
+        <p:blipFill>
+          <a:blip r:embed="rId3"/>
+          <a:stretch>
+            <a:fillRect/>
+          </a:stretch>
+        </p:blipFill>
+        <p:spPr>
+          <a:xfrm>
+            <a:off x="4700094" y="2113800"/>
+            <a:ext cx="2620855" cy="4406811"/>
+          </a:xfrm>
+          <a:prstGeom prst="rect">
+            <a:avLst/>
+          </a:prstGeom>
+        </p:spPr>
+      </p:pic>
+      <p:sp>
+        <p:nvSpPr>
+          <p:cNvPr id="8" name="화살표: 오른쪽 7">
+            <a:extLst>
+              <a:ext uri="{FF2B5EF4-FFF2-40B4-BE49-F238E27FC236}">
+                <a16:creationId xmlns:a16="http://schemas.microsoft.com/office/drawing/2014/main" id="{1D6D4174-891B-40AA-9B0A-0C76A1F84A65}"/>
+              </a:ext>
+            </a:extLst>
+          </p:cNvPr>
+          <p:cNvSpPr/>
+          <p:nvPr/>
+        </p:nvSpPr>
+        <p:spPr>
+          <a:xfrm>
+            <a:off x="3951866" y="3801979"/>
+            <a:ext cx="662751" cy="657726"/>
+          </a:xfrm>
+          <a:prstGeom prst="rightArrow">
+            <a:avLst/>
+          </a:prstGeom>
+        </p:spPr>
+        <p:style>
+          <a:lnRef idx="2">
+            <a:schemeClr val="accent1">
+              <a:shade val="50000"/>
+            </a:schemeClr>
+          </a:lnRef>
+          <a:fillRef idx="1">
+            <a:schemeClr val="accent1"/>
+          </a:fillRef>
+          <a:effectRef idx="0">
+            <a:schemeClr val="accent1"/>
+          </a:effectRef>
+          <a:fontRef idx="minor">
+            <a:schemeClr val="lt1"/>
+          </a:fontRef>
+        </p:style>
+        <p:txBody>
+          <a:bodyPr rtlCol="0" anchor="ctr"/>
+          <a:lstStyle/>
+          <a:p>
+            <a:pPr algn="ctr"/>
+            <a:endParaRPr lang="ko-KR" altLang="en-US"/>
+          </a:p>
+        </p:txBody>
+      </p:sp>
+      <p:sp>
+        <p:nvSpPr>
+          <p:cNvPr id="9" name="TextBox 8">
+            <a:extLst>
+              <a:ext uri="{FF2B5EF4-FFF2-40B4-BE49-F238E27FC236}">
+                <a16:creationId xmlns:a16="http://schemas.microsoft.com/office/drawing/2014/main" id="{6394D992-DF24-4688-A2AE-665F9FF81628}"/>
+              </a:ext>
+            </a:extLst>
+          </p:cNvPr>
+          <p:cNvSpPr txBox="1"/>
+          <p:nvPr/>
+        </p:nvSpPr>
+        <p:spPr>
+          <a:xfrm>
+            <a:off x="7225897" y="2967335"/>
+            <a:ext cx="4966103" cy="923330"/>
+          </a:xfrm>
+          <a:prstGeom prst="rect">
+            <a:avLst/>
+          </a:prstGeom>
+          <a:noFill/>
+        </p:spPr>
+        <p:txBody>
+          <a:bodyPr wrap="none" rtlCol="0">
+            <a:spAutoFit/>
+          </a:bodyPr>
+          <a:lstStyle/>
+          <a:p>
+            <a:r>
+              <a:rPr lang="en-US" altLang="ko-KR" dirty="0"/>
+              <a:t>Fixed at 2020</a:t>
+            </a:r>
+            <a:r>
+              <a:rPr lang="ko-KR" altLang="en-US" dirty="0"/>
+              <a:t>년 </a:t>
+            </a:r>
+            <a:r>
+              <a:rPr lang="en-US" altLang="ko-KR" dirty="0"/>
+              <a:t>8</a:t>
+            </a:r>
+            <a:r>
+              <a:rPr lang="ko-KR" altLang="en-US" dirty="0"/>
+              <a:t>월 </a:t>
+            </a:r>
+            <a:r>
+              <a:rPr lang="en-US" altLang="ko-KR" dirty="0"/>
+              <a:t>18</a:t>
+            </a:r>
+            <a:r>
+              <a:rPr lang="ko-KR" altLang="en-US" dirty="0"/>
+              <a:t>일 화요일 오전 </a:t>
+            </a:r>
+            <a:r>
+              <a:rPr lang="en-US" altLang="ko-KR" dirty="0"/>
+              <a:t>5:39:37</a:t>
+            </a:r>
+          </a:p>
+          <a:p>
+            <a:r>
+              <a:rPr lang="ko-KR" altLang="en-US" dirty="0" err="1"/>
+              <a:t>뒤로가기</a:t>
+            </a:r>
+            <a:r>
+              <a:rPr lang="ko-KR" altLang="en-US" dirty="0"/>
+              <a:t> 안되던 오류 수정 후</a:t>
+            </a:r>
+            <a:r>
+              <a:rPr lang="en-US" altLang="ko-KR" dirty="0"/>
+              <a:t>,</a:t>
+            </a:r>
+          </a:p>
+          <a:p>
+            <a:r>
+              <a:rPr lang="ko-KR" altLang="en-US" dirty="0" err="1"/>
+              <a:t>뒤로가기</a:t>
+            </a:r>
+            <a:r>
+              <a:rPr lang="ko-KR" altLang="en-US" dirty="0"/>
+              <a:t> 잘됨을 확인함</a:t>
+            </a:r>
+            <a:r>
+              <a:rPr lang="en-US" altLang="ko-KR" dirty="0"/>
+              <a:t>.</a:t>
+            </a:r>
+            <a:endParaRPr lang="ko-KR" altLang="en-US" dirty="0"/>
+          </a:p>
+        </p:txBody>
+      </p:sp>
+    </p:spTree>
+    <p:extLst>
+      <p:ext uri="{BB962C8B-B14F-4D97-AF65-F5344CB8AC3E}">
+        <p14:creationId xmlns:p14="http://schemas.microsoft.com/office/powerpoint/2010/main" val="1052489221"/>
+      </p:ext>
+    </p:extLst>
+  </p:cSld>
+  <p:clrMapOvr>
+    <a:masterClrMapping/>
+  </p:clrMapOvr>
+</p:sld>
+</file>
+
+<file path=ppt/slides/slide29.xml><?xml version="1.0" encoding="utf-8"?>
+<p:sld xmlns:a="http://schemas.openxmlformats.org/drawingml/2006/main" xmlns:r="http://schemas.openxmlformats.org/officeDocument/2006/relationships" xmlns:p="http://schemas.openxmlformats.org/presentationml/2006/main">
+  <p:cSld>
+    <p:spTree>
+      <p:nvGrpSpPr>
+        <p:cNvPr id="1" name=""/>
+        <p:cNvGrpSpPr/>
+        <p:nvPr/>
+      </p:nvGrpSpPr>
+      <p:grpSpPr>
+        <a:xfrm>
+          <a:off x="0" y="0"/>
+          <a:ext cx="0" cy="0"/>
+          <a:chOff x="0" y="0"/>
+          <a:chExt cx="0" cy="0"/>
+        </a:xfrm>
+      </p:grpSpPr>
+      <p:sp>
+        <p:nvSpPr>
+          <p:cNvPr id="2" name="제목 1">
+            <a:extLst>
+              <a:ext uri="{FF2B5EF4-FFF2-40B4-BE49-F238E27FC236}">
+                <a16:creationId xmlns:a16="http://schemas.microsoft.com/office/drawing/2014/main" id="{12887954-C40C-4AAC-910A-D6075CF9B405}"/>
               </a:ext>
             </a:extLst>
           </p:cNvPr>
@@ -8329,22 +9025,221 @@
             <a:spLocks noGrp="1"/>
           </p:cNvSpPr>
           <p:nvPr>
+            <p:ph type="title"/>
+          </p:nvPr>
+        </p:nvSpPr>
+        <p:spPr/>
+        <p:txBody>
+          <a:bodyPr>
+            <a:normAutofit fontScale="90000"/>
+          </a:bodyPr>
+          <a:lstStyle/>
+          <a:p>
+            <a:r>
+              <a:rPr lang="ko-KR" altLang="en-US" sz="4400" dirty="0"/>
+              <a:t>시나리오</a:t>
+            </a:r>
+            <a:r>
+              <a:rPr lang="en-US" altLang="ko-KR" sz="4400" dirty="0"/>
+              <a:t>#16 : </a:t>
+            </a:r>
+            <a:r>
+              <a:rPr lang="ko-KR" altLang="en-US" sz="4400" dirty="0"/>
+              <a:t>후보자 </a:t>
+            </a:r>
+            <a:r>
+              <a:rPr lang="en-US" altLang="ko-KR" sz="4400" dirty="0"/>
+              <a:t>1</a:t>
+            </a:r>
+            <a:r>
+              <a:rPr lang="ko-KR" altLang="en-US" sz="4400" dirty="0"/>
+              <a:t>개인 선거가 하나가 생성된 상태로</a:t>
+            </a:r>
+            <a:r>
+              <a:rPr lang="en-US" altLang="ko-KR" sz="4400" dirty="0"/>
+              <a:t>, </a:t>
+            </a:r>
+            <a:r>
+              <a:rPr lang="ko-KR" altLang="en-US" sz="4400" dirty="0"/>
+              <a:t>학생</a:t>
+            </a:r>
+            <a:r>
+              <a:rPr lang="en-US" altLang="ko-KR" sz="4400" dirty="0"/>
+              <a:t>2</a:t>
+            </a:r>
+            <a:r>
+              <a:rPr lang="ko-KR" altLang="en-US" sz="4400" dirty="0"/>
+              <a:t>이 </a:t>
+            </a:r>
+            <a:r>
+              <a:rPr lang="en-US" altLang="ko-KR" sz="4400" dirty="0"/>
+              <a:t>[</a:t>
+            </a:r>
+            <a:r>
+              <a:rPr lang="ko-KR" altLang="en-US" sz="4400" dirty="0"/>
+              <a:t>투표하기</a:t>
+            </a:r>
+            <a:r>
+              <a:rPr lang="en-US" altLang="ko-KR" sz="4400" dirty="0"/>
+              <a:t>] -&gt; [</a:t>
+            </a:r>
+            <a:r>
+              <a:rPr lang="ko-KR" altLang="en-US" sz="4400" dirty="0"/>
+              <a:t>기권에 투표</a:t>
+            </a:r>
+            <a:r>
+              <a:rPr lang="en-US" altLang="ko-KR" sz="4400" dirty="0"/>
+              <a:t>] -&gt; [</a:t>
+            </a:r>
+            <a:r>
+              <a:rPr lang="ko-KR" altLang="en-US" sz="4400" dirty="0"/>
+              <a:t>투표하기</a:t>
+            </a:r>
+            <a:r>
+              <a:rPr lang="en-US" altLang="ko-KR" sz="4400" dirty="0"/>
+              <a:t>] </a:t>
+            </a:r>
+            <a:r>
+              <a:rPr lang="ko-KR" altLang="en-US" sz="4400" dirty="0"/>
+              <a:t>후</a:t>
+            </a:r>
+            <a:endParaRPr lang="ko-KR" altLang="en-US" dirty="0"/>
+          </a:p>
+        </p:txBody>
+      </p:sp>
+      <p:pic>
+        <p:nvPicPr>
+          <p:cNvPr id="5" name="내용 개체 틀 4">
+            <a:extLst>
+              <a:ext uri="{FF2B5EF4-FFF2-40B4-BE49-F238E27FC236}">
+                <a16:creationId xmlns:a16="http://schemas.microsoft.com/office/drawing/2014/main" id="{59F8245E-354F-4D66-AEE7-7E3113C77159}"/>
+              </a:ext>
+            </a:extLst>
+          </p:cNvPr>
+          <p:cNvPicPr>
+            <a:picLocks noGrp="1" noChangeAspect="1"/>
+          </p:cNvPicPr>
+          <p:nvPr>
             <p:ph idx="1"/>
           </p:nvPr>
-        </p:nvSpPr>
-        <p:spPr/>
-        <p:txBody>
-          <a:bodyPr/>
-          <a:lstStyle/>
-          <a:p>
-            <a:endParaRPr lang="ko-KR" altLang="en-US"/>
-          </a:p>
-        </p:txBody>
-      </p:sp>
+        </p:nvPicPr>
+        <p:blipFill>
+          <a:blip r:embed="rId2"/>
+          <a:stretch>
+            <a:fillRect/>
+          </a:stretch>
+        </p:blipFill>
+        <p:spPr>
+          <a:xfrm>
+            <a:off x="3404936" y="2362283"/>
+            <a:ext cx="2648326" cy="4351338"/>
+          </a:xfrm>
+        </p:spPr>
+      </p:pic>
+      <p:sp>
+        <p:nvSpPr>
+          <p:cNvPr id="6" name="TextBox 5">
+            <a:extLst>
+              <a:ext uri="{FF2B5EF4-FFF2-40B4-BE49-F238E27FC236}">
+                <a16:creationId xmlns:a16="http://schemas.microsoft.com/office/drawing/2014/main" id="{A13BDE72-F7C0-4CCD-A925-B2C82FE49194}"/>
+              </a:ext>
+            </a:extLst>
+          </p:cNvPr>
+          <p:cNvSpPr txBox="1"/>
+          <p:nvPr/>
+        </p:nvSpPr>
+        <p:spPr>
+          <a:xfrm>
+            <a:off x="3821639" y="1992949"/>
+            <a:ext cx="1814920" cy="369332"/>
+          </a:xfrm>
+          <a:prstGeom prst="rect">
+            <a:avLst/>
+          </a:prstGeom>
+          <a:noFill/>
+        </p:spPr>
+        <p:txBody>
+          <a:bodyPr wrap="none" rtlCol="0">
+            <a:spAutoFit/>
+          </a:bodyPr>
+          <a:lstStyle/>
+          <a:p>
+            <a:r>
+              <a:rPr lang="ko-KR" altLang="en-US" dirty="0"/>
+              <a:t>내 투표 확인 시</a:t>
+            </a:r>
+          </a:p>
+        </p:txBody>
+      </p:sp>
+      <p:sp>
+        <p:nvSpPr>
+          <p:cNvPr id="9" name="TextBox 8">
+            <a:extLst>
+              <a:ext uri="{FF2B5EF4-FFF2-40B4-BE49-F238E27FC236}">
+                <a16:creationId xmlns:a16="http://schemas.microsoft.com/office/drawing/2014/main" id="{1E1477F1-34C5-4872-A876-FBAC0E2615A2}"/>
+              </a:ext>
+            </a:extLst>
+          </p:cNvPr>
+          <p:cNvSpPr txBox="1"/>
+          <p:nvPr/>
+        </p:nvSpPr>
+        <p:spPr>
+          <a:xfrm>
+            <a:off x="6471844" y="1992949"/>
+            <a:ext cx="2589170" cy="369332"/>
+          </a:xfrm>
+          <a:prstGeom prst="rect">
+            <a:avLst/>
+          </a:prstGeom>
+          <a:noFill/>
+        </p:spPr>
+        <p:txBody>
+          <a:bodyPr wrap="none" rtlCol="0">
+            <a:spAutoFit/>
+          </a:bodyPr>
+          <a:lstStyle/>
+          <a:p>
+            <a:r>
+              <a:rPr lang="ko-KR" altLang="en-US" dirty="0"/>
+              <a:t>관리자 투표율 확인 시</a:t>
+            </a:r>
+          </a:p>
+        </p:txBody>
+      </p:sp>
+      <p:pic>
+        <p:nvPicPr>
+          <p:cNvPr id="11" name="그림 10">
+            <a:extLst>
+              <a:ext uri="{FF2B5EF4-FFF2-40B4-BE49-F238E27FC236}">
+                <a16:creationId xmlns:a16="http://schemas.microsoft.com/office/drawing/2014/main" id="{FE4764B8-2004-49D6-833F-B24C83E1FAA7}"/>
+              </a:ext>
+            </a:extLst>
+          </p:cNvPr>
+          <p:cNvPicPr>
+            <a:picLocks noChangeAspect="1"/>
+          </p:cNvPicPr>
+          <p:nvPr/>
+        </p:nvPicPr>
+        <p:blipFill>
+          <a:blip r:embed="rId3"/>
+          <a:stretch>
+            <a:fillRect/>
+          </a:stretch>
+        </p:blipFill>
+        <p:spPr>
+          <a:xfrm>
+            <a:off x="6375763" y="2326422"/>
+            <a:ext cx="2648326" cy="4387199"/>
+          </a:xfrm>
+          <a:prstGeom prst="rect">
+            <a:avLst/>
+          </a:prstGeom>
+        </p:spPr>
+      </p:pic>
     </p:spTree>
     <p:extLst>
       <p:ext uri="{BB962C8B-B14F-4D97-AF65-F5344CB8AC3E}">
-        <p14:creationId xmlns:p14="http://schemas.microsoft.com/office/powerpoint/2010/main" val="947573483"/>
+        <p14:creationId xmlns:p14="http://schemas.microsoft.com/office/powerpoint/2010/main" val="1833624435"/>
       </p:ext>
     </p:extLst>
   </p:cSld>
@@ -8531,6 +9426,886 @@
 </p:sld>
 </file>
 
+<file path=ppt/slides/slide30.xml><?xml version="1.0" encoding="utf-8"?>
+<p:sld xmlns:a="http://schemas.openxmlformats.org/drawingml/2006/main" xmlns:r="http://schemas.openxmlformats.org/officeDocument/2006/relationships" xmlns:p="http://schemas.openxmlformats.org/presentationml/2006/main">
+  <p:cSld>
+    <p:spTree>
+      <p:nvGrpSpPr>
+        <p:cNvPr id="1" name=""/>
+        <p:cNvGrpSpPr/>
+        <p:nvPr/>
+      </p:nvGrpSpPr>
+      <p:grpSpPr>
+        <a:xfrm>
+          <a:off x="0" y="0"/>
+          <a:ext cx="0" cy="0"/>
+          <a:chOff x="0" y="0"/>
+          <a:chExt cx="0" cy="0"/>
+        </a:xfrm>
+      </p:grpSpPr>
+      <p:sp>
+        <p:nvSpPr>
+          <p:cNvPr id="2" name="제목 1">
+            <a:extLst>
+              <a:ext uri="{FF2B5EF4-FFF2-40B4-BE49-F238E27FC236}">
+                <a16:creationId xmlns:a16="http://schemas.microsoft.com/office/drawing/2014/main" id="{325788A1-6978-4EED-8E81-28E9D8A9B276}"/>
+              </a:ext>
+            </a:extLst>
+          </p:cNvPr>
+          <p:cNvSpPr>
+            <a:spLocks noGrp="1"/>
+          </p:cNvSpPr>
+          <p:nvPr>
+            <p:ph type="title"/>
+          </p:nvPr>
+        </p:nvSpPr>
+        <p:spPr/>
+        <p:txBody>
+          <a:bodyPr>
+            <a:normAutofit fontScale="90000"/>
+          </a:bodyPr>
+          <a:lstStyle/>
+          <a:p>
+            <a:r>
+              <a:rPr lang="ko-KR" altLang="en-US" dirty="0"/>
+              <a:t>시나리오</a:t>
+            </a:r>
+            <a:r>
+              <a:rPr lang="en-US" altLang="ko-KR" dirty="0"/>
+              <a:t>#17 : </a:t>
+            </a:r>
+            <a:r>
+              <a:rPr lang="ko-KR" altLang="en-US" dirty="0"/>
+              <a:t>후보자 </a:t>
+            </a:r>
+            <a:r>
+              <a:rPr lang="en-US" altLang="ko-KR" dirty="0"/>
+              <a:t>1</a:t>
+            </a:r>
+            <a:r>
+              <a:rPr lang="ko-KR" altLang="en-US" dirty="0"/>
+              <a:t>개인 선거가 하나가 생성된 상태로</a:t>
+            </a:r>
+            <a:r>
+              <a:rPr lang="en-US" altLang="ko-KR" dirty="0"/>
+              <a:t>, </a:t>
+            </a:r>
+            <a:r>
+              <a:rPr lang="ko-KR" altLang="en-US" dirty="0"/>
+              <a:t>학생</a:t>
+            </a:r>
+            <a:r>
+              <a:rPr lang="en-US" altLang="ko-KR" dirty="0"/>
+              <a:t>4</a:t>
+            </a:r>
+            <a:r>
+              <a:rPr lang="ko-KR" altLang="en-US" dirty="0"/>
+              <a:t>이 </a:t>
+            </a:r>
+            <a:br>
+              <a:rPr lang="en-US" altLang="ko-KR" dirty="0"/>
+            </a:br>
+            <a:r>
+              <a:rPr lang="en-US" altLang="ko-KR" dirty="0"/>
+              <a:t>[</a:t>
+            </a:r>
+            <a:r>
+              <a:rPr lang="ko-KR" altLang="en-US" dirty="0"/>
+              <a:t>투표하기</a:t>
+            </a:r>
+            <a:r>
+              <a:rPr lang="en-US" altLang="ko-KR" dirty="0"/>
+              <a:t>] -&gt; [</a:t>
+            </a:r>
+            <a:r>
+              <a:rPr lang="ko-KR" altLang="en-US" dirty="0"/>
+              <a:t>개인정보처리동의 </a:t>
+            </a:r>
+            <a:r>
+              <a:rPr lang="ko-KR" altLang="en-US" dirty="0" err="1"/>
+              <a:t>동의안함</a:t>
+            </a:r>
+            <a:r>
+              <a:rPr lang="en-US" altLang="ko-KR" dirty="0"/>
+              <a:t>]</a:t>
+            </a:r>
+            <a:endParaRPr lang="ko-KR" altLang="en-US" dirty="0"/>
+          </a:p>
+        </p:txBody>
+      </p:sp>
+      <p:pic>
+        <p:nvPicPr>
+          <p:cNvPr id="5" name="내용 개체 틀 4">
+            <a:extLst>
+              <a:ext uri="{FF2B5EF4-FFF2-40B4-BE49-F238E27FC236}">
+                <a16:creationId xmlns:a16="http://schemas.microsoft.com/office/drawing/2014/main" id="{203C848C-8A1B-4CB6-91F1-55C672660F9A}"/>
+              </a:ext>
+            </a:extLst>
+          </p:cNvPr>
+          <p:cNvPicPr>
+            <a:picLocks noGrp="1" noChangeAspect="1"/>
+          </p:cNvPicPr>
+          <p:nvPr>
+            <p:ph idx="1"/>
+          </p:nvPr>
+        </p:nvPicPr>
+        <p:blipFill>
+          <a:blip r:embed="rId2"/>
+          <a:stretch>
+            <a:fillRect/>
+          </a:stretch>
+        </p:blipFill>
+        <p:spPr>
+          <a:xfrm>
+            <a:off x="292769" y="2252662"/>
+            <a:ext cx="5962650" cy="2352675"/>
+          </a:xfrm>
+        </p:spPr>
+      </p:pic>
+      <p:sp>
+        <p:nvSpPr>
+          <p:cNvPr id="6" name="TextBox 5">
+            <a:extLst>
+              <a:ext uri="{FF2B5EF4-FFF2-40B4-BE49-F238E27FC236}">
+                <a16:creationId xmlns:a16="http://schemas.microsoft.com/office/drawing/2014/main" id="{366D1749-65A4-4AFF-9CCE-8A9707B3D9D5}"/>
+              </a:ext>
+            </a:extLst>
+          </p:cNvPr>
+          <p:cNvSpPr txBox="1"/>
+          <p:nvPr/>
+        </p:nvSpPr>
+        <p:spPr>
+          <a:xfrm>
+            <a:off x="292769" y="1883330"/>
+            <a:ext cx="4071884" cy="369332"/>
+          </a:xfrm>
+          <a:prstGeom prst="rect">
+            <a:avLst/>
+          </a:prstGeom>
+          <a:noFill/>
+        </p:spPr>
+        <p:txBody>
+          <a:bodyPr wrap="none" rtlCol="0">
+            <a:spAutoFit/>
+          </a:bodyPr>
+          <a:lstStyle/>
+          <a:p>
+            <a:r>
+              <a:rPr lang="ko-KR" altLang="en-US" dirty="0"/>
+              <a:t>학생</a:t>
+            </a:r>
+            <a:r>
+              <a:rPr lang="en-US" altLang="ko-KR" dirty="0"/>
+              <a:t>4</a:t>
+            </a:r>
+            <a:r>
+              <a:rPr lang="ko-KR" altLang="en-US" dirty="0"/>
+              <a:t>의 </a:t>
+            </a:r>
+            <a:r>
+              <a:rPr lang="en-US" altLang="ko-KR" dirty="0" err="1"/>
+              <a:t>Vballot</a:t>
+            </a:r>
+            <a:r>
+              <a:rPr lang="en-US" altLang="ko-KR" dirty="0"/>
+              <a:t> </a:t>
+            </a:r>
+            <a:r>
+              <a:rPr lang="ko-KR" altLang="en-US" dirty="0"/>
+              <a:t>생성됨을 알 수 있음</a:t>
+            </a:r>
+          </a:p>
+        </p:txBody>
+      </p:sp>
+      <p:sp>
+        <p:nvSpPr>
+          <p:cNvPr id="7" name="TextBox 6">
+            <a:extLst>
+              <a:ext uri="{FF2B5EF4-FFF2-40B4-BE49-F238E27FC236}">
+                <a16:creationId xmlns:a16="http://schemas.microsoft.com/office/drawing/2014/main" id="{8979234C-F334-4633-A3E1-0544202160E1}"/>
+              </a:ext>
+            </a:extLst>
+          </p:cNvPr>
+          <p:cNvSpPr txBox="1"/>
+          <p:nvPr/>
+        </p:nvSpPr>
+        <p:spPr>
+          <a:xfrm>
+            <a:off x="6255419" y="2465814"/>
+            <a:ext cx="5976316" cy="923330"/>
+          </a:xfrm>
+          <a:prstGeom prst="rect">
+            <a:avLst/>
+          </a:prstGeom>
+          <a:noFill/>
+        </p:spPr>
+        <p:txBody>
+          <a:bodyPr wrap="none" rtlCol="0">
+            <a:spAutoFit/>
+          </a:bodyPr>
+          <a:lstStyle/>
+          <a:p>
+            <a:r>
+              <a:rPr lang="en-US" altLang="ko-KR" dirty="0"/>
+              <a:t>Problem : </a:t>
+            </a:r>
+          </a:p>
+          <a:p>
+            <a:r>
+              <a:rPr lang="en-US" altLang="ko-KR" dirty="0"/>
+              <a:t>[</a:t>
+            </a:r>
+            <a:r>
+              <a:rPr lang="ko-KR" altLang="en-US" dirty="0" err="1"/>
+              <a:t>동의안함</a:t>
+            </a:r>
+            <a:r>
+              <a:rPr lang="en-US" altLang="ko-KR" dirty="0"/>
+              <a:t>] </a:t>
+            </a:r>
+            <a:r>
+              <a:rPr lang="ko-KR" altLang="en-US" dirty="0"/>
+              <a:t>버튼 누르고 메인으로 돌아가서</a:t>
+            </a:r>
+            <a:r>
+              <a:rPr lang="en-US" altLang="ko-KR" dirty="0"/>
+              <a:t>,</a:t>
+            </a:r>
+          </a:p>
+          <a:p>
+            <a:r>
+              <a:rPr lang="ko-KR" altLang="en-US" dirty="0"/>
+              <a:t>다시 </a:t>
+            </a:r>
+            <a:r>
+              <a:rPr lang="en-US" altLang="ko-KR" dirty="0"/>
+              <a:t>[</a:t>
+            </a:r>
+            <a:r>
+              <a:rPr lang="ko-KR" altLang="en-US" dirty="0"/>
+              <a:t>투표하기</a:t>
+            </a:r>
+            <a:r>
+              <a:rPr lang="en-US" altLang="ko-KR" dirty="0"/>
+              <a:t>] </a:t>
+            </a:r>
+            <a:r>
+              <a:rPr lang="ko-KR" altLang="en-US" dirty="0"/>
+              <a:t>버튼을 누르니 다음과 같은 결과가 나옴</a:t>
+            </a:r>
+          </a:p>
+        </p:txBody>
+      </p:sp>
+      <p:pic>
+        <p:nvPicPr>
+          <p:cNvPr id="9" name="그림 8">
+            <a:extLst>
+              <a:ext uri="{FF2B5EF4-FFF2-40B4-BE49-F238E27FC236}">
+                <a16:creationId xmlns:a16="http://schemas.microsoft.com/office/drawing/2014/main" id="{9C2634BF-2727-4000-81A1-327D07D2A2A4}"/>
+              </a:ext>
+            </a:extLst>
+          </p:cNvPr>
+          <p:cNvPicPr>
+            <a:picLocks noChangeAspect="1"/>
+          </p:cNvPicPr>
+          <p:nvPr/>
+        </p:nvPicPr>
+        <p:blipFill>
+          <a:blip r:embed="rId3"/>
+          <a:stretch>
+            <a:fillRect/>
+          </a:stretch>
+        </p:blipFill>
+        <p:spPr>
+          <a:xfrm>
+            <a:off x="6819649" y="3389144"/>
+            <a:ext cx="4295775" cy="1276350"/>
+          </a:xfrm>
+          <a:prstGeom prst="rect">
+            <a:avLst/>
+          </a:prstGeom>
+        </p:spPr>
+      </p:pic>
+      <p:sp>
+        <p:nvSpPr>
+          <p:cNvPr id="10" name="TextBox 9">
+            <a:extLst>
+              <a:ext uri="{FF2B5EF4-FFF2-40B4-BE49-F238E27FC236}">
+                <a16:creationId xmlns:a16="http://schemas.microsoft.com/office/drawing/2014/main" id="{F22C489A-AFA9-4851-9EF6-13E51160E839}"/>
+              </a:ext>
+            </a:extLst>
+          </p:cNvPr>
+          <p:cNvSpPr txBox="1"/>
+          <p:nvPr/>
+        </p:nvSpPr>
+        <p:spPr>
+          <a:xfrm>
+            <a:off x="6306551" y="4828674"/>
+            <a:ext cx="5321970" cy="369332"/>
+          </a:xfrm>
+          <a:prstGeom prst="rect">
+            <a:avLst/>
+          </a:prstGeom>
+          <a:noFill/>
+        </p:spPr>
+        <p:txBody>
+          <a:bodyPr wrap="none" rtlCol="0">
+            <a:spAutoFit/>
+          </a:bodyPr>
+          <a:lstStyle/>
+          <a:p>
+            <a:r>
+              <a:rPr lang="en-US" altLang="ko-KR" dirty="0"/>
+              <a:t>Fixed at </a:t>
+            </a:r>
+            <a:r>
+              <a:rPr lang="en-US" altLang="ko-KR" sz="1800" b="0" i="0" u="none" strike="noStrike" baseline="0" dirty="0">
+                <a:solidFill>
+                  <a:srgbClr val="333333"/>
+                </a:solidFill>
+                <a:latin typeface="Verdana" panose="020B0604030504040204" pitchFamily="34" charset="0"/>
+              </a:rPr>
+              <a:t>2020</a:t>
+            </a:r>
+            <a:r>
+              <a:rPr lang="ko-KR" altLang="en-US" sz="1800" b="0" i="0" u="none" strike="noStrike" baseline="0" dirty="0">
+                <a:solidFill>
+                  <a:srgbClr val="333333"/>
+                </a:solidFill>
+                <a:latin typeface="Verdana" panose="020B0604030504040204" pitchFamily="34" charset="0"/>
+              </a:rPr>
+              <a:t>년</a:t>
+            </a:r>
+            <a:r>
+              <a:rPr lang="en-US" altLang="ko-KR" sz="1800" b="0" i="0" u="none" strike="noStrike" baseline="0" dirty="0">
+                <a:solidFill>
+                  <a:srgbClr val="333333"/>
+                </a:solidFill>
+                <a:latin typeface="Verdana" panose="020B0604030504040204" pitchFamily="34" charset="0"/>
+              </a:rPr>
+              <a:t> 8</a:t>
+            </a:r>
+            <a:r>
+              <a:rPr lang="ko-KR" altLang="en-US" sz="1800" b="0" i="0" u="none" strike="noStrike" baseline="0" dirty="0">
+                <a:solidFill>
+                  <a:srgbClr val="333333"/>
+                </a:solidFill>
+                <a:latin typeface="Verdana" panose="020B0604030504040204" pitchFamily="34" charset="0"/>
+              </a:rPr>
+              <a:t>월</a:t>
+            </a:r>
+            <a:r>
+              <a:rPr lang="en-US" altLang="ko-KR" sz="1800" b="0" i="0" u="none" strike="noStrike" baseline="0" dirty="0">
+                <a:solidFill>
+                  <a:srgbClr val="333333"/>
+                </a:solidFill>
+                <a:latin typeface="Verdana" panose="020B0604030504040204" pitchFamily="34" charset="0"/>
+              </a:rPr>
+              <a:t> 18</a:t>
+            </a:r>
+            <a:r>
+              <a:rPr lang="ko-KR" altLang="en-US" sz="1800" b="0" i="0" u="none" strike="noStrike" baseline="0" dirty="0">
+                <a:solidFill>
+                  <a:srgbClr val="333333"/>
+                </a:solidFill>
+                <a:latin typeface="Verdana" panose="020B0604030504040204" pitchFamily="34" charset="0"/>
+              </a:rPr>
+              <a:t>일</a:t>
+            </a:r>
+            <a:r>
+              <a:rPr lang="en-US" altLang="ko-KR" sz="1800" b="0" i="0" u="none" strike="noStrike" baseline="0" dirty="0">
+                <a:solidFill>
+                  <a:srgbClr val="333333"/>
+                </a:solidFill>
+                <a:latin typeface="Verdana" panose="020B0604030504040204" pitchFamily="34" charset="0"/>
+              </a:rPr>
+              <a:t> </a:t>
+            </a:r>
+            <a:r>
+              <a:rPr lang="ko-KR" altLang="en-US" sz="1800" b="0" i="0" u="none" strike="noStrike" baseline="0" dirty="0">
+                <a:solidFill>
+                  <a:srgbClr val="333333"/>
+                </a:solidFill>
+                <a:latin typeface="Verdana" panose="020B0604030504040204" pitchFamily="34" charset="0"/>
+              </a:rPr>
+              <a:t>화요일</a:t>
+            </a:r>
+            <a:r>
+              <a:rPr lang="en-US" altLang="ko-KR" sz="1800" b="0" i="0" u="none" strike="noStrike" baseline="0" dirty="0">
+                <a:solidFill>
+                  <a:srgbClr val="333333"/>
+                </a:solidFill>
+                <a:latin typeface="Verdana" panose="020B0604030504040204" pitchFamily="34" charset="0"/>
+              </a:rPr>
+              <a:t> </a:t>
+            </a:r>
+            <a:r>
+              <a:rPr lang="ko-KR" altLang="en-US" sz="1800" b="0" i="0" u="none" strike="noStrike" baseline="0" dirty="0">
+                <a:solidFill>
+                  <a:srgbClr val="333333"/>
+                </a:solidFill>
+                <a:latin typeface="Verdana" panose="020B0604030504040204" pitchFamily="34" charset="0"/>
+              </a:rPr>
+              <a:t>오전</a:t>
+            </a:r>
+            <a:r>
+              <a:rPr lang="en-US" altLang="ko-KR" sz="1800" b="0" i="0" u="none" strike="noStrike" baseline="0" dirty="0">
+                <a:solidFill>
+                  <a:srgbClr val="333333"/>
+                </a:solidFill>
+                <a:latin typeface="Verdana" panose="020B0604030504040204" pitchFamily="34" charset="0"/>
+              </a:rPr>
+              <a:t> 6:21:20</a:t>
+            </a:r>
+            <a:endParaRPr lang="ko-KR" altLang="en-US" dirty="0"/>
+          </a:p>
+        </p:txBody>
+      </p:sp>
+    </p:spTree>
+    <p:extLst>
+      <p:ext uri="{BB962C8B-B14F-4D97-AF65-F5344CB8AC3E}">
+        <p14:creationId xmlns:p14="http://schemas.microsoft.com/office/powerpoint/2010/main" val="3590117573"/>
+      </p:ext>
+    </p:extLst>
+  </p:cSld>
+  <p:clrMapOvr>
+    <a:masterClrMapping/>
+  </p:clrMapOvr>
+</p:sld>
+</file>
+
+<file path=ppt/slides/slide31.xml><?xml version="1.0" encoding="utf-8"?>
+<p:sld xmlns:a="http://schemas.openxmlformats.org/drawingml/2006/main" xmlns:r="http://schemas.openxmlformats.org/officeDocument/2006/relationships" xmlns:p="http://schemas.openxmlformats.org/presentationml/2006/main">
+  <p:cSld>
+    <p:spTree>
+      <p:nvGrpSpPr>
+        <p:cNvPr id="1" name=""/>
+        <p:cNvGrpSpPr/>
+        <p:nvPr/>
+      </p:nvGrpSpPr>
+      <p:grpSpPr>
+        <a:xfrm>
+          <a:off x="0" y="0"/>
+          <a:ext cx="0" cy="0"/>
+          <a:chOff x="0" y="0"/>
+          <a:chExt cx="0" cy="0"/>
+        </a:xfrm>
+      </p:grpSpPr>
+      <p:sp>
+        <p:nvSpPr>
+          <p:cNvPr id="2" name="제목 1">
+            <a:extLst>
+              <a:ext uri="{FF2B5EF4-FFF2-40B4-BE49-F238E27FC236}">
+                <a16:creationId xmlns:a16="http://schemas.microsoft.com/office/drawing/2014/main" id="{55A07995-4B55-4E5B-B126-EEC325DAEDEC}"/>
+              </a:ext>
+            </a:extLst>
+          </p:cNvPr>
+          <p:cNvSpPr>
+            <a:spLocks noGrp="1"/>
+          </p:cNvSpPr>
+          <p:nvPr>
+            <p:ph type="title"/>
+          </p:nvPr>
+        </p:nvSpPr>
+        <p:spPr/>
+        <p:txBody>
+          <a:bodyPr/>
+          <a:lstStyle/>
+          <a:p>
+            <a:r>
+              <a:rPr lang="en-US" altLang="ko-KR" dirty="0"/>
+              <a:t>Testcase #1-1 </a:t>
+            </a:r>
+            <a:r>
+              <a:rPr lang="ko-KR" altLang="en-US" dirty="0"/>
+              <a:t>중단</a:t>
+            </a:r>
+          </a:p>
+        </p:txBody>
+      </p:sp>
+      <p:sp>
+        <p:nvSpPr>
+          <p:cNvPr id="3" name="내용 개체 틀 2">
+            <a:extLst>
+              <a:ext uri="{FF2B5EF4-FFF2-40B4-BE49-F238E27FC236}">
+                <a16:creationId xmlns:a16="http://schemas.microsoft.com/office/drawing/2014/main" id="{3E1B81B2-EFA5-41AA-9476-27ED05052D8F}"/>
+              </a:ext>
+            </a:extLst>
+          </p:cNvPr>
+          <p:cNvSpPr>
+            <a:spLocks noGrp="1"/>
+          </p:cNvSpPr>
+          <p:nvPr>
+            <p:ph idx="1"/>
+          </p:nvPr>
+        </p:nvSpPr>
+        <p:spPr/>
+        <p:txBody>
+          <a:bodyPr/>
+          <a:lstStyle/>
+          <a:p>
+            <a:r>
+              <a:rPr lang="ko-KR" altLang="en-US" dirty="0"/>
+              <a:t>중단 사유</a:t>
+            </a:r>
+            <a:r>
+              <a:rPr lang="en-US" altLang="ko-KR" dirty="0"/>
+              <a:t>: </a:t>
+            </a:r>
+            <a:r>
+              <a:rPr lang="ko-KR" altLang="en-US" dirty="0"/>
+              <a:t>시나리오</a:t>
+            </a:r>
+            <a:r>
+              <a:rPr lang="en-US" altLang="ko-KR" dirty="0"/>
+              <a:t>#17</a:t>
+            </a:r>
+            <a:r>
+              <a:rPr lang="ko-KR" altLang="en-US" dirty="0"/>
+              <a:t>로 인한 </a:t>
+            </a:r>
+            <a:r>
+              <a:rPr lang="ko-KR" altLang="en-US" dirty="0" err="1"/>
+              <a:t>웹앱</a:t>
+            </a:r>
+            <a:r>
+              <a:rPr lang="ko-KR" altLang="en-US" dirty="0"/>
+              <a:t> 코드 변경</a:t>
+            </a:r>
+            <a:endParaRPr lang="en-US" altLang="ko-KR" dirty="0"/>
+          </a:p>
+          <a:p>
+            <a:r>
+              <a:rPr lang="en-US" altLang="ko-KR" dirty="0"/>
+              <a:t>Testcase #1-2 </a:t>
+            </a:r>
+            <a:r>
+              <a:rPr lang="ko-KR" altLang="en-US" dirty="0"/>
+              <a:t>재시작</a:t>
+            </a:r>
+          </a:p>
+        </p:txBody>
+      </p:sp>
+    </p:spTree>
+    <p:extLst>
+      <p:ext uri="{BB962C8B-B14F-4D97-AF65-F5344CB8AC3E}">
+        <p14:creationId xmlns:p14="http://schemas.microsoft.com/office/powerpoint/2010/main" val="2783809010"/>
+      </p:ext>
+    </p:extLst>
+  </p:cSld>
+  <p:clrMapOvr>
+    <a:masterClrMapping/>
+  </p:clrMapOvr>
+</p:sld>
+</file>
+
+<file path=ppt/slides/slide32.xml><?xml version="1.0" encoding="utf-8"?>
+<p:sld xmlns:a="http://schemas.openxmlformats.org/drawingml/2006/main" xmlns:r="http://schemas.openxmlformats.org/officeDocument/2006/relationships" xmlns:p="http://schemas.openxmlformats.org/presentationml/2006/main">
+  <p:cSld>
+    <p:spTree>
+      <p:nvGrpSpPr>
+        <p:cNvPr id="1" name=""/>
+        <p:cNvGrpSpPr/>
+        <p:nvPr/>
+      </p:nvGrpSpPr>
+      <p:grpSpPr>
+        <a:xfrm>
+          <a:off x="0" y="0"/>
+          <a:ext cx="0" cy="0"/>
+          <a:chOff x="0" y="0"/>
+          <a:chExt cx="0" cy="0"/>
+        </a:xfrm>
+      </p:grpSpPr>
+      <p:sp>
+        <p:nvSpPr>
+          <p:cNvPr id="2" name="제목 1">
+            <a:extLst>
+              <a:ext uri="{FF2B5EF4-FFF2-40B4-BE49-F238E27FC236}">
+                <a16:creationId xmlns:a16="http://schemas.microsoft.com/office/drawing/2014/main" id="{C9C3F2DD-F527-4DC6-8CF4-D214831AAFFF}"/>
+              </a:ext>
+            </a:extLst>
+          </p:cNvPr>
+          <p:cNvSpPr>
+            <a:spLocks noGrp="1"/>
+          </p:cNvSpPr>
+          <p:nvPr>
+            <p:ph type="ctrTitle"/>
+          </p:nvPr>
+        </p:nvSpPr>
+        <p:spPr>
+          <a:xfrm>
+            <a:off x="1524000" y="1329881"/>
+            <a:ext cx="9144000" cy="738521"/>
+          </a:xfrm>
+        </p:spPr>
+        <p:txBody>
+          <a:bodyPr>
+            <a:normAutofit fontScale="90000"/>
+          </a:bodyPr>
+          <a:lstStyle/>
+          <a:p>
+            <a:r>
+              <a:rPr lang="en-US" altLang="ko-KR" dirty="0"/>
+              <a:t>Testcase #1-2</a:t>
+            </a:r>
+            <a:endParaRPr lang="ko-KR" altLang="en-US" dirty="0"/>
+          </a:p>
+        </p:txBody>
+      </p:sp>
+      <p:sp>
+        <p:nvSpPr>
+          <p:cNvPr id="3" name="부제목 2">
+            <a:extLst>
+              <a:ext uri="{FF2B5EF4-FFF2-40B4-BE49-F238E27FC236}">
+                <a16:creationId xmlns:a16="http://schemas.microsoft.com/office/drawing/2014/main" id="{57560A79-89AA-4BB4-83BC-BCB21C44A145}"/>
+              </a:ext>
+            </a:extLst>
+          </p:cNvPr>
+          <p:cNvSpPr>
+            <a:spLocks noGrp="1"/>
+          </p:cNvSpPr>
+          <p:nvPr>
+            <p:ph type="subTitle" idx="1"/>
+          </p:nvPr>
+        </p:nvSpPr>
+        <p:spPr>
+          <a:xfrm>
+            <a:off x="1524000" y="2323750"/>
+            <a:ext cx="9144000" cy="3317115"/>
+          </a:xfrm>
+        </p:spPr>
+        <p:txBody>
+          <a:bodyPr>
+            <a:normAutofit fontScale="92500" lnSpcReduction="20000"/>
+          </a:bodyPr>
+          <a:lstStyle/>
+          <a:p>
+            <a:r>
+              <a:rPr lang="ko-KR" altLang="en-US" b="1" dirty="0"/>
+              <a:t>체인코드 버전</a:t>
+            </a:r>
+            <a:r>
+              <a:rPr lang="ko-KR" altLang="en-US" dirty="0"/>
+              <a:t> </a:t>
+            </a:r>
+            <a:r>
+              <a:rPr lang="en-US" altLang="ko-KR" dirty="0"/>
+              <a:t>: </a:t>
+            </a:r>
+          </a:p>
+          <a:p>
+            <a:r>
+              <a:rPr lang="en-US" altLang="ko-KR" dirty="0" err="1"/>
+              <a:t>voterContract</a:t>
+            </a:r>
+            <a:r>
+              <a:rPr lang="en-US" altLang="ko-KR" dirty="0"/>
+              <a:t> 1.0.34</a:t>
+            </a:r>
+          </a:p>
+          <a:p>
+            <a:r>
+              <a:rPr lang="ko-KR" altLang="en-US" b="1" dirty="0" err="1"/>
+              <a:t>웹앱</a:t>
+            </a:r>
+            <a:r>
+              <a:rPr lang="ko-KR" altLang="en-US" b="1" dirty="0"/>
+              <a:t> 버전</a:t>
+            </a:r>
+            <a:r>
+              <a:rPr lang="ko-KR" altLang="en-US" dirty="0"/>
+              <a:t> </a:t>
+            </a:r>
+            <a:r>
+              <a:rPr lang="en-US" altLang="ko-KR" dirty="0"/>
+              <a:t>:</a:t>
+            </a:r>
+          </a:p>
+          <a:p>
+            <a:r>
+              <a:rPr lang="ko-KR" altLang="en-US" dirty="0" err="1"/>
+              <a:t>커밋</a:t>
+            </a:r>
+            <a:r>
+              <a:rPr lang="en-US" altLang="ko-KR" dirty="0"/>
+              <a:t>ID: 9e62e83a211e4f0a79c6ea13614deec7f9ee17fb [9e62e83]</a:t>
+            </a:r>
+          </a:p>
+          <a:p>
+            <a:endParaRPr lang="en-US" altLang="ko-KR" dirty="0"/>
+          </a:p>
+          <a:p>
+            <a:r>
+              <a:rPr lang="ko-KR" altLang="en-US" b="1" dirty="0"/>
+              <a:t>테스터</a:t>
+            </a:r>
+            <a:r>
+              <a:rPr lang="ko-KR" altLang="en-US" dirty="0"/>
+              <a:t> </a:t>
+            </a:r>
+            <a:r>
+              <a:rPr lang="en-US" altLang="ko-KR" dirty="0"/>
+              <a:t>: </a:t>
+            </a:r>
+          </a:p>
+          <a:p>
+            <a:r>
+              <a:rPr lang="ko-KR" altLang="en-US" dirty="0"/>
+              <a:t>김동규</a:t>
+            </a:r>
+            <a:endParaRPr lang="en-US" altLang="ko-KR" dirty="0"/>
+          </a:p>
+          <a:p>
+            <a:r>
+              <a:rPr lang="ko-KR" altLang="en-US" b="1" dirty="0"/>
+              <a:t>만든 날짜</a:t>
+            </a:r>
+            <a:r>
+              <a:rPr lang="ko-KR" altLang="en-US" dirty="0"/>
+              <a:t> </a:t>
+            </a:r>
+            <a:r>
+              <a:rPr lang="en-US" altLang="ko-KR" dirty="0"/>
+              <a:t>: </a:t>
+            </a:r>
+          </a:p>
+          <a:p>
+            <a:r>
+              <a:rPr lang="en-US" altLang="ko-KR" sz="2400" dirty="0"/>
+              <a:t>2020</a:t>
+            </a:r>
+            <a:r>
+              <a:rPr lang="ko-KR" altLang="en-US" sz="2400" dirty="0"/>
+              <a:t>년 </a:t>
+            </a:r>
+            <a:r>
+              <a:rPr lang="en-US" altLang="ko-KR" sz="2400" dirty="0"/>
+              <a:t>8</a:t>
+            </a:r>
+            <a:r>
+              <a:rPr lang="ko-KR" altLang="en-US" sz="2400" dirty="0"/>
+              <a:t>월 </a:t>
+            </a:r>
+            <a:r>
+              <a:rPr lang="en-US" altLang="ko-KR" sz="2400" dirty="0"/>
+              <a:t>18</a:t>
+            </a:r>
+            <a:r>
+              <a:rPr lang="ko-KR" altLang="en-US" sz="2400" dirty="0"/>
+              <a:t>일 화요일 오전 </a:t>
+            </a:r>
+            <a:r>
+              <a:rPr lang="en-US" altLang="ko-KR" sz="2400" dirty="0"/>
+              <a:t>6:21:20</a:t>
+            </a:r>
+            <a:endParaRPr lang="en-US" altLang="ko-KR" dirty="0"/>
+          </a:p>
+        </p:txBody>
+      </p:sp>
+    </p:spTree>
+    <p:extLst>
+      <p:ext uri="{BB962C8B-B14F-4D97-AF65-F5344CB8AC3E}">
+        <p14:creationId xmlns:p14="http://schemas.microsoft.com/office/powerpoint/2010/main" val="3145464620"/>
+      </p:ext>
+    </p:extLst>
+  </p:cSld>
+  <p:clrMapOvr>
+    <a:masterClrMapping/>
+  </p:clrMapOvr>
+</p:sld>
+</file>
+
+<file path=ppt/slides/slide33.xml><?xml version="1.0" encoding="utf-8"?>
+<p:sld xmlns:a="http://schemas.openxmlformats.org/drawingml/2006/main" xmlns:r="http://schemas.openxmlformats.org/officeDocument/2006/relationships" xmlns:p="http://schemas.openxmlformats.org/presentationml/2006/main">
+  <p:cSld>
+    <p:spTree>
+      <p:nvGrpSpPr>
+        <p:cNvPr id="1" name=""/>
+        <p:cNvGrpSpPr/>
+        <p:nvPr/>
+      </p:nvGrpSpPr>
+      <p:grpSpPr>
+        <a:xfrm>
+          <a:off x="0" y="0"/>
+          <a:ext cx="0" cy="0"/>
+          <a:chOff x="0" y="0"/>
+          <a:chExt cx="0" cy="0"/>
+        </a:xfrm>
+      </p:grpSpPr>
+      <p:sp>
+        <p:nvSpPr>
+          <p:cNvPr id="2" name="제목 1">
+            <a:extLst>
+              <a:ext uri="{FF2B5EF4-FFF2-40B4-BE49-F238E27FC236}">
+                <a16:creationId xmlns:a16="http://schemas.microsoft.com/office/drawing/2014/main" id="{90807F92-7D9D-40AD-BD42-987064ADE3A3}"/>
+              </a:ext>
+            </a:extLst>
+          </p:cNvPr>
+          <p:cNvSpPr>
+            <a:spLocks noGrp="1"/>
+          </p:cNvSpPr>
+          <p:nvPr>
+            <p:ph type="title"/>
+          </p:nvPr>
+        </p:nvSpPr>
+        <p:spPr/>
+        <p:txBody>
+          <a:bodyPr/>
+          <a:lstStyle/>
+          <a:p>
+            <a:r>
+              <a:rPr lang="ko-KR" altLang="en-US" dirty="0"/>
+              <a:t>시나리오</a:t>
+            </a:r>
+            <a:r>
+              <a:rPr lang="en-US" altLang="ko-KR" dirty="0"/>
+              <a:t># : </a:t>
+            </a:r>
+            <a:r>
+              <a:rPr lang="ko-KR" altLang="en-US" dirty="0"/>
+              <a:t>선거에 학생이 투표한 후에 관리자가 선거를 강제종료</a:t>
+            </a:r>
+          </a:p>
+        </p:txBody>
+      </p:sp>
+      <p:sp>
+        <p:nvSpPr>
+          <p:cNvPr id="3" name="내용 개체 틀 2">
+            <a:extLst>
+              <a:ext uri="{FF2B5EF4-FFF2-40B4-BE49-F238E27FC236}">
+                <a16:creationId xmlns:a16="http://schemas.microsoft.com/office/drawing/2014/main" id="{715E2CC5-4E5B-4624-A6DF-7FBBE383F416}"/>
+              </a:ext>
+            </a:extLst>
+          </p:cNvPr>
+          <p:cNvSpPr>
+            <a:spLocks noGrp="1"/>
+          </p:cNvSpPr>
+          <p:nvPr>
+            <p:ph idx="1"/>
+          </p:nvPr>
+        </p:nvSpPr>
+        <p:spPr/>
+        <p:txBody>
+          <a:bodyPr/>
+          <a:lstStyle/>
+          <a:p>
+            <a:endParaRPr lang="ko-KR" altLang="en-US"/>
+          </a:p>
+        </p:txBody>
+      </p:sp>
+    </p:spTree>
+    <p:extLst>
+      <p:ext uri="{BB962C8B-B14F-4D97-AF65-F5344CB8AC3E}">
+        <p14:creationId xmlns:p14="http://schemas.microsoft.com/office/powerpoint/2010/main" val="947573483"/>
+      </p:ext>
+    </p:extLst>
+  </p:cSld>
+  <p:clrMapOvr>
+    <a:masterClrMapping/>
+  </p:clrMapOvr>
+</p:sld>
+</file>
+
 <file path=ppt/slides/slide4.xml><?xml version="1.0" encoding="utf-8"?>
 <p:sld xmlns:a="http://schemas.openxmlformats.org/drawingml/2006/main" xmlns:r="http://schemas.openxmlformats.org/officeDocument/2006/relationships" xmlns:p="http://schemas.openxmlformats.org/presentationml/2006/main">
   <p:cSld>
@@ -8553,7 +10328,7 @@
           <p:cNvPr id="2" name="제목 1">
             <a:extLst>
               <a:ext uri="{FF2B5EF4-FFF2-40B4-BE49-F238E27FC236}">
-                <a16:creationId xmlns:a16="http://schemas.microsoft.com/office/drawing/2014/main" id="{8501F805-B286-451E-9735-66B8437CBD0A}"/>
+                <a16:creationId xmlns:a16="http://schemas.microsoft.com/office/drawing/2014/main" id="{6568E78F-22C2-43F9-8D12-9AB35B422E35}"/>
               </a:ext>
             </a:extLst>
           </p:cNvPr>
@@ -8566,62 +10341,88 @@
         </p:nvSpPr>
         <p:spPr/>
         <p:txBody>
-          <a:bodyPr>
-            <a:normAutofit fontScale="90000"/>
-          </a:bodyPr>
-          <a:lstStyle/>
-          <a:p>
-            <a:r>
-              <a:rPr lang="ko-KR" altLang="en-US" dirty="0"/>
-              <a:t>시나리오</a:t>
-            </a:r>
-            <a:r>
-              <a:rPr lang="en-US" altLang="ko-KR" dirty="0"/>
-              <a:t>#1 : </a:t>
-            </a:r>
-            <a:r>
-              <a:rPr lang="ko-KR" altLang="en-US" dirty="0"/>
-              <a:t>선거가 하나도 생성되지 않은 상태로</a:t>
-            </a:r>
-            <a:r>
-              <a:rPr lang="en-US" altLang="ko-KR" dirty="0"/>
-              <a:t>, </a:t>
-            </a:r>
-            <a:r>
-              <a:rPr lang="ko-KR" altLang="en-US" dirty="0"/>
-              <a:t>학생이 로그인할 경우 </a:t>
-            </a:r>
-            <a:r>
-              <a:rPr lang="en-US" altLang="ko-KR" dirty="0"/>
-              <a:t>[</a:t>
-            </a:r>
-            <a:r>
-              <a:rPr lang="ko-KR" altLang="en-US" dirty="0"/>
-              <a:t>투표확인</a:t>
-            </a:r>
-            <a:r>
-              <a:rPr lang="en-US" altLang="ko-KR" dirty="0"/>
-              <a:t>]</a:t>
-            </a:r>
-            <a:endParaRPr lang="ko-KR" altLang="en-US" dirty="0"/>
+          <a:bodyPr/>
+          <a:lstStyle/>
+          <a:p>
+            <a:r>
+              <a:rPr lang="ko-KR" altLang="en-US" dirty="0"/>
+              <a:t>사용자 정보</a:t>
+            </a:r>
+          </a:p>
+        </p:txBody>
+      </p:sp>
+      <p:sp>
+        <p:nvSpPr>
+          <p:cNvPr id="3" name="내용 개체 틀 2">
+            <a:extLst>
+              <a:ext uri="{FF2B5EF4-FFF2-40B4-BE49-F238E27FC236}">
+                <a16:creationId xmlns:a16="http://schemas.microsoft.com/office/drawing/2014/main" id="{4C682A5A-4C73-470C-8C24-1326690FA324}"/>
+              </a:ext>
+            </a:extLst>
+          </p:cNvPr>
+          <p:cNvSpPr>
+            <a:spLocks noGrp="1"/>
+          </p:cNvSpPr>
+          <p:nvPr>
+            <p:ph idx="1"/>
+          </p:nvPr>
+        </p:nvSpPr>
+        <p:spPr>
+          <a:xfrm>
+            <a:off x="838200" y="1550478"/>
+            <a:ext cx="10515600" cy="4351338"/>
+          </a:xfrm>
+        </p:spPr>
+        <p:txBody>
+          <a:bodyPr/>
+          <a:lstStyle/>
+          <a:p>
+            <a:r>
+              <a:rPr lang="ko-KR" altLang="en-US" dirty="0"/>
+              <a:t>학생</a:t>
+            </a:r>
+            <a:r>
+              <a:rPr lang="en-US" altLang="ko-KR" dirty="0"/>
+              <a:t>4</a:t>
+            </a:r>
+          </a:p>
+          <a:p>
+            <a:endParaRPr lang="en-US" altLang="ko-KR" dirty="0"/>
+          </a:p>
+          <a:p>
+            <a:endParaRPr lang="en-US" altLang="ko-KR" dirty="0"/>
+          </a:p>
+          <a:p>
+            <a:endParaRPr lang="en-US" altLang="ko-KR" dirty="0"/>
+          </a:p>
+          <a:p>
+            <a:endParaRPr lang="en-US" altLang="ko-KR" dirty="0"/>
+          </a:p>
+          <a:p>
+            <a:r>
+              <a:rPr lang="ko-KR" altLang="en-US" dirty="0"/>
+              <a:t>학생</a:t>
+            </a:r>
+            <a:r>
+              <a:rPr lang="en-US" altLang="ko-KR" dirty="0"/>
+              <a:t>5</a:t>
+            </a:r>
           </a:p>
         </p:txBody>
       </p:sp>
       <p:pic>
         <p:nvPicPr>
-          <p:cNvPr id="5" name="내용 개체 틀 4">
-            <a:extLst>
-              <a:ext uri="{FF2B5EF4-FFF2-40B4-BE49-F238E27FC236}">
-                <a16:creationId xmlns:a16="http://schemas.microsoft.com/office/drawing/2014/main" id="{52F86DA0-2D3C-4C24-A4C7-6FAB98313479}"/>
+          <p:cNvPr id="6" name="그림 5">
+            <a:extLst>
+              <a:ext uri="{FF2B5EF4-FFF2-40B4-BE49-F238E27FC236}">
+                <a16:creationId xmlns:a16="http://schemas.microsoft.com/office/drawing/2014/main" id="{A89DA09B-D881-45DF-89DB-7F94EF199D45}"/>
               </a:ext>
             </a:extLst>
           </p:cNvPr>
           <p:cNvPicPr>
-            <a:picLocks noGrp="1" noChangeAspect="1"/>
+            <a:picLocks noChangeAspect="1"/>
           </p:cNvPicPr>
-          <p:nvPr>
-            <p:ph idx="1"/>
-          </p:nvPr>
+          <p:nvPr/>
         </p:nvPicPr>
         <p:blipFill>
           <a:blip r:embed="rId2"/>
@@ -8631,15 +10432,48 @@
         </p:blipFill>
         <p:spPr>
           <a:xfrm>
-            <a:off x="4788437" y="1825625"/>
-            <a:ext cx="2615125" cy="4351338"/>
-          </a:xfrm>
+            <a:off x="838200" y="2056398"/>
+            <a:ext cx="7410450" cy="1943100"/>
+          </a:xfrm>
+          <a:prstGeom prst="rect">
+            <a:avLst/>
+          </a:prstGeom>
+        </p:spPr>
+      </p:pic>
+      <p:pic>
+        <p:nvPicPr>
+          <p:cNvPr id="8" name="그림 7">
+            <a:extLst>
+              <a:ext uri="{FF2B5EF4-FFF2-40B4-BE49-F238E27FC236}">
+                <a16:creationId xmlns:a16="http://schemas.microsoft.com/office/drawing/2014/main" id="{3E14A8C3-E873-476D-8C47-5C1CFE6EDDD2}"/>
+              </a:ext>
+            </a:extLst>
+          </p:cNvPr>
+          <p:cNvPicPr>
+            <a:picLocks noChangeAspect="1"/>
+          </p:cNvPicPr>
+          <p:nvPr/>
+        </p:nvPicPr>
+        <p:blipFill>
+          <a:blip r:embed="rId3"/>
+          <a:stretch>
+            <a:fillRect/>
+          </a:stretch>
+        </p:blipFill>
+        <p:spPr>
+          <a:xfrm>
+            <a:off x="885825" y="4540250"/>
+            <a:ext cx="7362825" cy="1952625"/>
+          </a:xfrm>
+          <a:prstGeom prst="rect">
+            <a:avLst/>
+          </a:prstGeom>
         </p:spPr>
       </p:pic>
     </p:spTree>
     <p:extLst>
       <p:ext uri="{BB962C8B-B14F-4D97-AF65-F5344CB8AC3E}">
-        <p14:creationId xmlns:p14="http://schemas.microsoft.com/office/powerpoint/2010/main" val="1380531865"/>
+        <p14:creationId xmlns:p14="http://schemas.microsoft.com/office/powerpoint/2010/main" val="412088509"/>
       </p:ext>
     </p:extLst>
   </p:cSld>
@@ -8671,7 +10505,7 @@
           <p:cNvPr id="2" name="제목 1">
             <a:extLst>
               <a:ext uri="{FF2B5EF4-FFF2-40B4-BE49-F238E27FC236}">
-                <a16:creationId xmlns:a16="http://schemas.microsoft.com/office/drawing/2014/main" id="{578EB933-0291-401E-8AB9-E51C96C27C12}"/>
+                <a16:creationId xmlns:a16="http://schemas.microsoft.com/office/drawing/2014/main" id="{8501F805-B286-451E-9735-66B8437CBD0A}"/>
               </a:ext>
             </a:extLst>
           </p:cNvPr>
@@ -8695,7 +10529,7 @@
             </a:r>
             <a:r>
               <a:rPr lang="en-US" altLang="ko-KR" dirty="0"/>
-              <a:t>#2 : </a:t>
+              <a:t>#1 : </a:t>
             </a:r>
             <a:r>
               <a:rPr lang="ko-KR" altLang="en-US" dirty="0"/>
@@ -8715,7 +10549,7 @@
             </a:r>
             <a:r>
               <a:rPr lang="ko-KR" altLang="en-US" dirty="0"/>
-              <a:t>투표하기</a:t>
+              <a:t>투표확인</a:t>
             </a:r>
             <a:r>
               <a:rPr lang="en-US" altLang="ko-KR" dirty="0"/>
@@ -8730,7 +10564,7 @@
           <p:cNvPr id="5" name="내용 개체 틀 4">
             <a:extLst>
               <a:ext uri="{FF2B5EF4-FFF2-40B4-BE49-F238E27FC236}">
-                <a16:creationId xmlns:a16="http://schemas.microsoft.com/office/drawing/2014/main" id="{73F0455E-F26A-43C7-A8FE-5F4B4A34AC05}"/>
+                <a16:creationId xmlns:a16="http://schemas.microsoft.com/office/drawing/2014/main" id="{52F86DA0-2D3C-4C24-A4C7-6FAB98313479}"/>
               </a:ext>
             </a:extLst>
           </p:cNvPr>
@@ -8749,15 +10583,15 @@
         </p:blipFill>
         <p:spPr>
           <a:xfrm>
-            <a:off x="2706705" y="2838491"/>
-            <a:ext cx="6778590" cy="1990182"/>
+            <a:off x="4788437" y="1825625"/>
+            <a:ext cx="2615125" cy="4351338"/>
           </a:xfrm>
         </p:spPr>
       </p:pic>
     </p:spTree>
     <p:extLst>
       <p:ext uri="{BB962C8B-B14F-4D97-AF65-F5344CB8AC3E}">
-        <p14:creationId xmlns:p14="http://schemas.microsoft.com/office/powerpoint/2010/main" val="332636120"/>
+        <p14:creationId xmlns:p14="http://schemas.microsoft.com/office/powerpoint/2010/main" val="1380531865"/>
       </p:ext>
     </p:extLst>
   </p:cSld>
@@ -8789,7 +10623,7 @@
           <p:cNvPr id="2" name="제목 1">
             <a:extLst>
               <a:ext uri="{FF2B5EF4-FFF2-40B4-BE49-F238E27FC236}">
-                <a16:creationId xmlns:a16="http://schemas.microsoft.com/office/drawing/2014/main" id="{5BBDD22E-A1A0-46D0-AFF6-DCC7C3A7F141}"/>
+                <a16:creationId xmlns:a16="http://schemas.microsoft.com/office/drawing/2014/main" id="{578EB933-0291-401E-8AB9-E51C96C27C12}"/>
               </a:ext>
             </a:extLst>
           </p:cNvPr>
@@ -8813,7 +10647,7 @@
             </a:r>
             <a:r>
               <a:rPr lang="en-US" altLang="ko-KR" dirty="0"/>
-              <a:t>#3 : </a:t>
+              <a:t>#2 : </a:t>
             </a:r>
             <a:r>
               <a:rPr lang="ko-KR" altLang="en-US" dirty="0"/>
@@ -8825,7 +10659,7 @@
             </a:r>
             <a:r>
               <a:rPr lang="ko-KR" altLang="en-US" dirty="0"/>
-              <a:t>관리자가 로그인할 경우 </a:t>
+              <a:t>학생이 로그인할 경우 </a:t>
             </a:r>
             <a:r>
               <a:rPr lang="en-US" altLang="ko-KR" dirty="0"/>
@@ -8833,7 +10667,7 @@
             </a:r>
             <a:r>
               <a:rPr lang="ko-KR" altLang="en-US" dirty="0"/>
-              <a:t>투표율확인</a:t>
+              <a:t>투표하기</a:t>
             </a:r>
             <a:r>
               <a:rPr lang="en-US" altLang="ko-KR" dirty="0"/>
@@ -8848,7 +10682,7 @@
           <p:cNvPr id="5" name="내용 개체 틀 4">
             <a:extLst>
               <a:ext uri="{FF2B5EF4-FFF2-40B4-BE49-F238E27FC236}">
-                <a16:creationId xmlns:a16="http://schemas.microsoft.com/office/drawing/2014/main" id="{B1067382-3DA4-45D7-A566-E68DD8C7BA60}"/>
+                <a16:creationId xmlns:a16="http://schemas.microsoft.com/office/drawing/2014/main" id="{73F0455E-F26A-43C7-A8FE-5F4B4A34AC05}"/>
               </a:ext>
             </a:extLst>
           </p:cNvPr>
@@ -8867,15 +10701,15 @@
         </p:blipFill>
         <p:spPr>
           <a:xfrm>
-            <a:off x="4786305" y="1825625"/>
-            <a:ext cx="2619390" cy="4351338"/>
+            <a:off x="2706705" y="2838491"/>
+            <a:ext cx="6778590" cy="1990182"/>
           </a:xfrm>
         </p:spPr>
       </p:pic>
     </p:spTree>
     <p:extLst>
       <p:ext uri="{BB962C8B-B14F-4D97-AF65-F5344CB8AC3E}">
-        <p14:creationId xmlns:p14="http://schemas.microsoft.com/office/powerpoint/2010/main" val="3083072340"/>
+        <p14:creationId xmlns:p14="http://schemas.microsoft.com/office/powerpoint/2010/main" val="332636120"/>
       </p:ext>
     </p:extLst>
   </p:cSld>
@@ -8907,7 +10741,7 @@
           <p:cNvPr id="2" name="제목 1">
             <a:extLst>
               <a:ext uri="{FF2B5EF4-FFF2-40B4-BE49-F238E27FC236}">
-                <a16:creationId xmlns:a16="http://schemas.microsoft.com/office/drawing/2014/main" id="{329CA418-3B5E-45D6-9FD5-A3C251CC1901}"/>
+                <a16:creationId xmlns:a16="http://schemas.microsoft.com/office/drawing/2014/main" id="{5BBDD22E-A1A0-46D0-AFF6-DCC7C3A7F141}"/>
               </a:ext>
             </a:extLst>
           </p:cNvPr>
@@ -8931,7 +10765,7 @@
             </a:r>
             <a:r>
               <a:rPr lang="en-US" altLang="ko-KR" dirty="0"/>
-              <a:t>#4 : </a:t>
+              <a:t>#3 : </a:t>
             </a:r>
             <a:r>
               <a:rPr lang="ko-KR" altLang="en-US" dirty="0"/>
@@ -8951,7 +10785,7 @@
             </a:r>
             <a:r>
               <a:rPr lang="ko-KR" altLang="en-US" dirty="0"/>
-              <a:t>선거관리</a:t>
+              <a:t>투표율확인</a:t>
             </a:r>
             <a:r>
               <a:rPr lang="en-US" altLang="ko-KR" dirty="0"/>
@@ -8966,7 +10800,7 @@
           <p:cNvPr id="5" name="내용 개체 틀 4">
             <a:extLst>
               <a:ext uri="{FF2B5EF4-FFF2-40B4-BE49-F238E27FC236}">
-                <a16:creationId xmlns:a16="http://schemas.microsoft.com/office/drawing/2014/main" id="{7695BA6C-2109-48B9-96CD-5237A74548BB}"/>
+                <a16:creationId xmlns:a16="http://schemas.microsoft.com/office/drawing/2014/main" id="{B1067382-3DA4-45D7-A566-E68DD8C7BA60}"/>
               </a:ext>
             </a:extLst>
           </p:cNvPr>
@@ -8985,45 +10819,15 @@
         </p:blipFill>
         <p:spPr>
           <a:xfrm>
-            <a:off x="2241884" y="1673230"/>
-            <a:ext cx="2718867" cy="4543964"/>
-          </a:xfrm>
-        </p:spPr>
-      </p:pic>
-      <p:pic>
-        <p:nvPicPr>
-          <p:cNvPr id="7" name="그림 6">
-            <a:extLst>
-              <a:ext uri="{FF2B5EF4-FFF2-40B4-BE49-F238E27FC236}">
-                <a16:creationId xmlns:a16="http://schemas.microsoft.com/office/drawing/2014/main" id="{B3C304D7-BADF-4276-BF00-200516EC44C3}"/>
-              </a:ext>
-            </a:extLst>
-          </p:cNvPr>
-          <p:cNvPicPr>
-            <a:picLocks noChangeAspect="1"/>
-          </p:cNvPicPr>
-          <p:nvPr/>
-        </p:nvPicPr>
-        <p:blipFill>
-          <a:blip r:embed="rId3"/>
-          <a:stretch>
-            <a:fillRect/>
-          </a:stretch>
-        </p:blipFill>
-        <p:spPr>
-          <a:xfrm>
-            <a:off x="6797842" y="1690688"/>
-            <a:ext cx="2718867" cy="4526506"/>
-          </a:xfrm>
-          <a:prstGeom prst="rect">
-            <a:avLst/>
-          </a:prstGeom>
+            <a:off x="4786305" y="1825625"/>
+            <a:ext cx="2619390" cy="4351338"/>
+          </a:xfrm>
         </p:spPr>
       </p:pic>
     </p:spTree>
     <p:extLst>
       <p:ext uri="{BB962C8B-B14F-4D97-AF65-F5344CB8AC3E}">
-        <p14:creationId xmlns:p14="http://schemas.microsoft.com/office/powerpoint/2010/main" val="1955456313"/>
+        <p14:creationId xmlns:p14="http://schemas.microsoft.com/office/powerpoint/2010/main" val="3083072340"/>
       </p:ext>
     </p:extLst>
   </p:cSld>
@@ -9055,7 +10859,7 @@
           <p:cNvPr id="2" name="제목 1">
             <a:extLst>
               <a:ext uri="{FF2B5EF4-FFF2-40B4-BE49-F238E27FC236}">
-                <a16:creationId xmlns:a16="http://schemas.microsoft.com/office/drawing/2014/main" id="{1BD8D7B3-BF1B-47A1-A5BF-1EF02773E6C3}"/>
+                <a16:creationId xmlns:a16="http://schemas.microsoft.com/office/drawing/2014/main" id="{329CA418-3B5E-45D6-9FD5-A3C251CC1901}"/>
               </a:ext>
             </a:extLst>
           </p:cNvPr>
@@ -9079,7 +10883,7 @@
             </a:r>
             <a:r>
               <a:rPr lang="en-US" altLang="ko-KR" dirty="0"/>
-              <a:t>#5 : </a:t>
+              <a:t>#4 : </a:t>
             </a:r>
             <a:r>
               <a:rPr lang="ko-KR" altLang="en-US" dirty="0"/>
@@ -9099,30 +10903,7 @@
             </a:r>
             <a:r>
               <a:rPr lang="ko-KR" altLang="en-US" dirty="0"/>
-              <a:t>선거등록</a:t>
-            </a:r>
-            <a:r>
-              <a:rPr lang="en-US" altLang="ko-KR" dirty="0"/>
-              <a:t>]</a:t>
-            </a:r>
-            <a:br>
-              <a:rPr lang="en-US" altLang="ko-KR" dirty="0"/>
-            </a:br>
-            <a:r>
-              <a:rPr lang="en-US" altLang="ko-KR" dirty="0"/>
-              <a:t>[</a:t>
-            </a:r>
-            <a:r>
-              <a:rPr lang="ko-KR" altLang="en-US" dirty="0"/>
-              <a:t>후보자 </a:t>
-            </a:r>
-            <a:r>
-              <a:rPr lang="en-US" altLang="ko-KR" dirty="0"/>
-              <a:t>1</a:t>
-            </a:r>
-            <a:r>
-              <a:rPr lang="ko-KR" altLang="en-US" dirty="0"/>
-              <a:t>개 등록</a:t>
+              <a:t>선거관리</a:t>
             </a:r>
             <a:r>
               <a:rPr lang="en-US" altLang="ko-KR" dirty="0"/>
@@ -9137,7 +10918,7 @@
           <p:cNvPr id="5" name="내용 개체 틀 4">
             <a:extLst>
               <a:ext uri="{FF2B5EF4-FFF2-40B4-BE49-F238E27FC236}">
-                <a16:creationId xmlns:a16="http://schemas.microsoft.com/office/drawing/2014/main" id="{57A9F410-5453-406E-BD85-6C0891F31643}"/>
+                <a16:creationId xmlns:a16="http://schemas.microsoft.com/office/drawing/2014/main" id="{7695BA6C-2109-48B9-96CD-5237A74548BB}"/>
               </a:ext>
             </a:extLst>
           </p:cNvPr>
@@ -9156,8 +10937,8 @@
         </p:blipFill>
         <p:spPr>
           <a:xfrm>
-            <a:off x="477444" y="2141537"/>
-            <a:ext cx="2606458" cy="4351338"/>
+            <a:off x="2241884" y="1673230"/>
+            <a:ext cx="2718867" cy="4543964"/>
           </a:xfrm>
         </p:spPr>
       </p:pic>
@@ -9166,7 +10947,7 @@
           <p:cNvPr id="7" name="그림 6">
             <a:extLst>
               <a:ext uri="{FF2B5EF4-FFF2-40B4-BE49-F238E27FC236}">
-                <a16:creationId xmlns:a16="http://schemas.microsoft.com/office/drawing/2014/main" id="{EB6F14B7-2D95-4D97-B7C5-1DC2A688098B}"/>
+                <a16:creationId xmlns:a16="http://schemas.microsoft.com/office/drawing/2014/main" id="{B3C304D7-BADF-4276-BF00-200516EC44C3}"/>
               </a:ext>
             </a:extLst>
           </p:cNvPr>
@@ -9183,98 +10964,8 @@
         </p:blipFill>
         <p:spPr>
           <a:xfrm>
-            <a:off x="2153460" y="2139152"/>
-            <a:ext cx="2606459" cy="4344098"/>
-          </a:xfrm>
-          <a:prstGeom prst="rect">
-            <a:avLst/>
-          </a:prstGeom>
-        </p:spPr>
-      </p:pic>
-      <p:pic>
-        <p:nvPicPr>
-          <p:cNvPr id="9" name="그림 8">
-            <a:extLst>
-              <a:ext uri="{FF2B5EF4-FFF2-40B4-BE49-F238E27FC236}">
-                <a16:creationId xmlns:a16="http://schemas.microsoft.com/office/drawing/2014/main" id="{D2F04B49-74CD-47D9-AAF3-C18526CD982E}"/>
-              </a:ext>
-            </a:extLst>
-          </p:cNvPr>
-          <p:cNvPicPr>
-            <a:picLocks noChangeAspect="1"/>
-          </p:cNvPicPr>
-          <p:nvPr/>
-        </p:nvPicPr>
-        <p:blipFill>
-          <a:blip r:embed="rId4"/>
-          <a:stretch>
-            <a:fillRect/>
-          </a:stretch>
-        </p:blipFill>
-        <p:spPr>
-          <a:xfrm>
-            <a:off x="3921910" y="2143952"/>
-            <a:ext cx="2606459" cy="4334498"/>
-          </a:xfrm>
-          <a:prstGeom prst="rect">
-            <a:avLst/>
-          </a:prstGeom>
-        </p:spPr>
-      </p:pic>
-      <p:pic>
-        <p:nvPicPr>
-          <p:cNvPr id="11" name="그림 10">
-            <a:extLst>
-              <a:ext uri="{FF2B5EF4-FFF2-40B4-BE49-F238E27FC236}">
-                <a16:creationId xmlns:a16="http://schemas.microsoft.com/office/drawing/2014/main" id="{3F7C1263-92E4-46AB-BF9A-3D7DC27B85EC}"/>
-              </a:ext>
-            </a:extLst>
-          </p:cNvPr>
-          <p:cNvPicPr>
-            <a:picLocks noChangeAspect="1"/>
-          </p:cNvPicPr>
-          <p:nvPr/>
-        </p:nvPicPr>
-        <p:blipFill>
-          <a:blip r:embed="rId5"/>
-          <a:stretch>
-            <a:fillRect/>
-          </a:stretch>
-        </p:blipFill>
-        <p:spPr>
-          <a:xfrm>
-            <a:off x="5597927" y="2139152"/>
-            <a:ext cx="2606458" cy="4353723"/>
-          </a:xfrm>
-          <a:prstGeom prst="rect">
-            <a:avLst/>
-          </a:prstGeom>
-        </p:spPr>
-      </p:pic>
-      <p:pic>
-        <p:nvPicPr>
-          <p:cNvPr id="13" name="그림 12">
-            <a:extLst>
-              <a:ext uri="{FF2B5EF4-FFF2-40B4-BE49-F238E27FC236}">
-                <a16:creationId xmlns:a16="http://schemas.microsoft.com/office/drawing/2014/main" id="{E055A167-0B6B-472E-A86A-52A489DE5EDD}"/>
-              </a:ext>
-            </a:extLst>
-          </p:cNvPr>
-          <p:cNvPicPr>
-            <a:picLocks noChangeAspect="1"/>
-          </p:cNvPicPr>
-          <p:nvPr/>
-        </p:nvPicPr>
-        <p:blipFill>
-          <a:blip r:embed="rId6"/>
-          <a:stretch>
-            <a:fillRect/>
-          </a:stretch>
-        </p:blipFill>
-        <p:spPr>
-          <a:xfrm>
-            <a:off x="8775524" y="2139152"/>
-            <a:ext cx="2648515" cy="4353723"/>
+            <a:off x="6797842" y="1690688"/>
+            <a:ext cx="2718867" cy="4526506"/>
           </a:xfrm>
           <a:prstGeom prst="rect">
             <a:avLst/>
@@ -9284,7 +10975,7 @@
     </p:spTree>
     <p:extLst>
       <p:ext uri="{BB962C8B-B14F-4D97-AF65-F5344CB8AC3E}">
-        <p14:creationId xmlns:p14="http://schemas.microsoft.com/office/powerpoint/2010/main" val="3090600966"/>
+        <p14:creationId xmlns:p14="http://schemas.microsoft.com/office/powerpoint/2010/main" val="1955456313"/>
       </p:ext>
     </p:extLst>
   </p:cSld>
@@ -9316,7 +11007,7 @@
           <p:cNvPr id="2" name="제목 1">
             <a:extLst>
               <a:ext uri="{FF2B5EF4-FFF2-40B4-BE49-F238E27FC236}">
-                <a16:creationId xmlns:a16="http://schemas.microsoft.com/office/drawing/2014/main" id="{4119BA28-8F60-430E-BF54-5F80F470F16F}"/>
+                <a16:creationId xmlns:a16="http://schemas.microsoft.com/office/drawing/2014/main" id="{1BD8D7B3-BF1B-47A1-A5BF-1EF02773E6C3}"/>
               </a:ext>
             </a:extLst>
           </p:cNvPr>
@@ -9398,7 +11089,7 @@
           <p:cNvPr id="5" name="내용 개체 틀 4">
             <a:extLst>
               <a:ext uri="{FF2B5EF4-FFF2-40B4-BE49-F238E27FC236}">
-                <a16:creationId xmlns:a16="http://schemas.microsoft.com/office/drawing/2014/main" id="{8A3D74DA-9DB7-4079-A7A2-0DF44923D302}"/>
+                <a16:creationId xmlns:a16="http://schemas.microsoft.com/office/drawing/2014/main" id="{57A9F410-5453-406E-BD85-6C0891F31643}"/>
               </a:ext>
             </a:extLst>
           </p:cNvPr>
@@ -9417,8 +11108,8 @@
         </p:blipFill>
         <p:spPr>
           <a:xfrm>
-            <a:off x="148389" y="2073985"/>
-            <a:ext cx="3686175" cy="2276475"/>
+            <a:off x="477444" y="2141537"/>
+            <a:ext cx="2606458" cy="4351338"/>
           </a:xfrm>
         </p:spPr>
       </p:pic>
@@ -9427,7 +11118,7 @@
           <p:cNvPr id="7" name="그림 6">
             <a:extLst>
               <a:ext uri="{FF2B5EF4-FFF2-40B4-BE49-F238E27FC236}">
-                <a16:creationId xmlns:a16="http://schemas.microsoft.com/office/drawing/2014/main" id="{63278E3C-8F53-44F5-96E9-6ADF970BAA70}"/>
+                <a16:creationId xmlns:a16="http://schemas.microsoft.com/office/drawing/2014/main" id="{EB6F14B7-2D95-4D97-B7C5-1DC2A688098B}"/>
               </a:ext>
             </a:extLst>
           </p:cNvPr>
@@ -9436,15 +11127,16 @@
           </p:cNvPicPr>
           <p:nvPr/>
         </p:nvPicPr>
-        <p:blipFill rotWithShape="1">
+        <p:blipFill>
           <a:blip r:embed="rId3"/>
-          <a:srcRect r="53373"/>
-          <a:stretch/>
+          <a:stretch>
+            <a:fillRect/>
+          </a:stretch>
         </p:blipFill>
         <p:spPr>
           <a:xfrm>
-            <a:off x="3956133" y="2073985"/>
-            <a:ext cx="3686175" cy="4591050"/>
+            <a:off x="2153460" y="2139152"/>
+            <a:ext cx="2606459" cy="4344098"/>
           </a:xfrm>
           <a:prstGeom prst="rect">
             <a:avLst/>
@@ -9456,7 +11148,7 @@
           <p:cNvPr id="9" name="그림 8">
             <a:extLst>
               <a:ext uri="{FF2B5EF4-FFF2-40B4-BE49-F238E27FC236}">
-                <a16:creationId xmlns:a16="http://schemas.microsoft.com/office/drawing/2014/main" id="{F72EF3A3-1C8D-4CE9-9DFA-9CE303574435}"/>
+                <a16:creationId xmlns:a16="http://schemas.microsoft.com/office/drawing/2014/main" id="{D2F04B49-74CD-47D9-AAF3-C18526CD982E}"/>
               </a:ext>
             </a:extLst>
           </p:cNvPr>
@@ -9473,8 +11165,68 @@
         </p:blipFill>
         <p:spPr>
           <a:xfrm>
-            <a:off x="7763878" y="2073985"/>
-            <a:ext cx="3686175" cy="4629150"/>
+            <a:off x="3921910" y="2143952"/>
+            <a:ext cx="2606459" cy="4334498"/>
+          </a:xfrm>
+          <a:prstGeom prst="rect">
+            <a:avLst/>
+          </a:prstGeom>
+        </p:spPr>
+      </p:pic>
+      <p:pic>
+        <p:nvPicPr>
+          <p:cNvPr id="11" name="그림 10">
+            <a:extLst>
+              <a:ext uri="{FF2B5EF4-FFF2-40B4-BE49-F238E27FC236}">
+                <a16:creationId xmlns:a16="http://schemas.microsoft.com/office/drawing/2014/main" id="{3F7C1263-92E4-46AB-BF9A-3D7DC27B85EC}"/>
+              </a:ext>
+            </a:extLst>
+          </p:cNvPr>
+          <p:cNvPicPr>
+            <a:picLocks noChangeAspect="1"/>
+          </p:cNvPicPr>
+          <p:nvPr/>
+        </p:nvPicPr>
+        <p:blipFill>
+          <a:blip r:embed="rId5"/>
+          <a:stretch>
+            <a:fillRect/>
+          </a:stretch>
+        </p:blipFill>
+        <p:spPr>
+          <a:xfrm>
+            <a:off x="5597927" y="2139152"/>
+            <a:ext cx="2606458" cy="4353723"/>
+          </a:xfrm>
+          <a:prstGeom prst="rect">
+            <a:avLst/>
+          </a:prstGeom>
+        </p:spPr>
+      </p:pic>
+      <p:pic>
+        <p:nvPicPr>
+          <p:cNvPr id="13" name="그림 12">
+            <a:extLst>
+              <a:ext uri="{FF2B5EF4-FFF2-40B4-BE49-F238E27FC236}">
+                <a16:creationId xmlns:a16="http://schemas.microsoft.com/office/drawing/2014/main" id="{E055A167-0B6B-472E-A86A-52A489DE5EDD}"/>
+              </a:ext>
+            </a:extLst>
+          </p:cNvPr>
+          <p:cNvPicPr>
+            <a:picLocks noChangeAspect="1"/>
+          </p:cNvPicPr>
+          <p:nvPr/>
+        </p:nvPicPr>
+        <p:blipFill>
+          <a:blip r:embed="rId6"/>
+          <a:stretch>
+            <a:fillRect/>
+          </a:stretch>
+        </p:blipFill>
+        <p:spPr>
+          <a:xfrm>
+            <a:off x="8775524" y="2139152"/>
+            <a:ext cx="2648515" cy="4353723"/>
           </a:xfrm>
           <a:prstGeom prst="rect">
             <a:avLst/>
@@ -9484,7 +11236,7 @@
     </p:spTree>
     <p:extLst>
       <p:ext uri="{BB962C8B-B14F-4D97-AF65-F5344CB8AC3E}">
-        <p14:creationId xmlns:p14="http://schemas.microsoft.com/office/powerpoint/2010/main" val="4234833145"/>
+        <p14:creationId xmlns:p14="http://schemas.microsoft.com/office/powerpoint/2010/main" val="3090600966"/>
       </p:ext>
     </p:extLst>
   </p:cSld>

--- a/Document/Testcase/Testcase #1.pptx
+++ b/Document/Testcase/Testcase #1.pptx
@@ -37,7 +37,10 @@
     <p:sldId id="274" r:id="rId31"/>
     <p:sldId id="288" r:id="rId32"/>
     <p:sldId id="289" r:id="rId33"/>
-    <p:sldId id="280" r:id="rId34"/>
+    <p:sldId id="291" r:id="rId34"/>
+    <p:sldId id="292" r:id="rId35"/>
+    <p:sldId id="290" r:id="rId36"/>
+    <p:sldId id="280" r:id="rId37"/>
   </p:sldIdLst>
   <p:sldSz cx="12192000" cy="6858000"/>
   <p:notesSz cx="6858000" cy="9144000"/>
@@ -9983,6 +9986,44 @@
               <a:rPr lang="ko-KR" altLang="en-US" dirty="0"/>
               <a:t>재시작</a:t>
             </a:r>
+            <a:r>
+              <a:rPr lang="en-US" altLang="ko-KR" dirty="0"/>
+              <a:t>(world state </a:t>
+            </a:r>
+            <a:r>
+              <a:rPr lang="ko-KR" altLang="en-US" dirty="0"/>
+              <a:t>모두 지우고 시작함</a:t>
+            </a:r>
+            <a:r>
+              <a:rPr lang="en-US" altLang="ko-KR" dirty="0"/>
+              <a:t>)</a:t>
+            </a:r>
+          </a:p>
+          <a:p>
+            <a:r>
+              <a:rPr lang="en-US" altLang="ko-KR" dirty="0"/>
+              <a:t>Testcase</a:t>
+            </a:r>
+            <a:r>
+              <a:rPr lang="ko-KR" altLang="en-US" dirty="0"/>
+              <a:t> </a:t>
+            </a:r>
+            <a:r>
+              <a:rPr lang="en-US" altLang="ko-KR" dirty="0"/>
+              <a:t>#1</a:t>
+            </a:r>
+            <a:r>
+              <a:rPr lang="ko-KR" altLang="en-US" dirty="0"/>
+              <a:t>의 시나리오</a:t>
+            </a:r>
+            <a:r>
+              <a:rPr lang="en-US" altLang="ko-KR" dirty="0"/>
+              <a:t>#1~17</a:t>
+            </a:r>
+            <a:r>
+              <a:rPr lang="ko-KR" altLang="en-US" dirty="0"/>
+              <a:t>까지 수행함</a:t>
+            </a:r>
           </a:p>
         </p:txBody>
       </p:sp>
@@ -10237,7 +10278,7 @@
           <p:cNvPr id="2" name="제목 1">
             <a:extLst>
               <a:ext uri="{FF2B5EF4-FFF2-40B4-BE49-F238E27FC236}">
-                <a16:creationId xmlns:a16="http://schemas.microsoft.com/office/drawing/2014/main" id="{90807F92-7D9D-40AD-BD42-987064ADE3A3}"/>
+                <a16:creationId xmlns:a16="http://schemas.microsoft.com/office/drawing/2014/main" id="{F97988E5-96C3-4209-AD6C-B989A4560023}"/>
               </a:ext>
             </a:extLst>
           </p:cNvPr>
@@ -10250,30 +10291,244 @@
         </p:nvSpPr>
         <p:spPr/>
         <p:txBody>
-          <a:bodyPr/>
-          <a:lstStyle/>
-          <a:p>
-            <a:r>
-              <a:rPr lang="ko-KR" altLang="en-US" dirty="0"/>
+          <a:bodyPr>
+            <a:noAutofit/>
+          </a:bodyPr>
+          <a:lstStyle/>
+          <a:p>
+            <a:r>
+              <a:rPr lang="ko-KR" altLang="en-US" sz="3200" dirty="0"/>
               <a:t>시나리오</a:t>
             </a:r>
             <a:r>
-              <a:rPr lang="en-US" altLang="ko-KR" dirty="0"/>
-              <a:t># : </a:t>
-            </a:r>
-            <a:r>
-              <a:rPr lang="ko-KR" altLang="en-US" dirty="0"/>
-              <a:t>선거에 학생이 투표한 후에 관리자가 선거를 강제종료</a:t>
-            </a:r>
-          </a:p>
-        </p:txBody>
-      </p:sp>
-      <p:sp>
-        <p:nvSpPr>
-          <p:cNvPr id="3" name="내용 개체 틀 2">
-            <a:extLst>
-              <a:ext uri="{FF2B5EF4-FFF2-40B4-BE49-F238E27FC236}">
-                <a16:creationId xmlns:a16="http://schemas.microsoft.com/office/drawing/2014/main" id="{715E2CC5-4E5B-4624-A6DF-7FBBE383F416}"/>
+              <a:rPr lang="en-US" altLang="ko-KR" sz="3200" dirty="0"/>
+              <a:t>#18 : </a:t>
+            </a:r>
+            <a:r>
+              <a:rPr lang="ko-KR" altLang="en-US" sz="3200" dirty="0"/>
+              <a:t>후보자 </a:t>
+            </a:r>
+            <a:r>
+              <a:rPr lang="en-US" altLang="ko-KR" sz="3200" dirty="0"/>
+              <a:t>1</a:t>
+            </a:r>
+            <a:r>
+              <a:rPr lang="ko-KR" altLang="en-US" sz="3200" dirty="0"/>
+              <a:t>개인 선거가 하나가 생성된 상태로</a:t>
+            </a:r>
+            <a:r>
+              <a:rPr lang="en-US" altLang="ko-KR" sz="3200" dirty="0"/>
+              <a:t>, </a:t>
+            </a:r>
+            <a:r>
+              <a:rPr lang="ko-KR" altLang="en-US" sz="3200" dirty="0"/>
+              <a:t>학생</a:t>
+            </a:r>
+            <a:r>
+              <a:rPr lang="en-US" altLang="ko-KR" sz="3200" dirty="0"/>
+              <a:t>4</a:t>
+            </a:r>
+            <a:r>
+              <a:rPr lang="ko-KR" altLang="en-US" sz="3200" dirty="0"/>
+              <a:t>이 </a:t>
+            </a:r>
+            <a:r>
+              <a:rPr lang="en-US" altLang="ko-KR" sz="3200" dirty="0"/>
+              <a:t>[</a:t>
+            </a:r>
+            <a:r>
+              <a:rPr lang="ko-KR" altLang="en-US" sz="3200" dirty="0"/>
+              <a:t>투표하기</a:t>
+            </a:r>
+            <a:r>
+              <a:rPr lang="en-US" altLang="ko-KR" sz="3200" dirty="0"/>
+              <a:t>] -&gt; [</a:t>
+            </a:r>
+            <a:r>
+              <a:rPr lang="ko-KR" altLang="en-US" sz="3200" dirty="0"/>
+              <a:t>개인정보처리동의 </a:t>
+            </a:r>
+            <a:r>
+              <a:rPr lang="ko-KR" altLang="en-US" sz="3200" dirty="0" err="1"/>
+              <a:t>동의안함</a:t>
+            </a:r>
+            <a:r>
+              <a:rPr lang="en-US" altLang="ko-KR" sz="3200" dirty="0"/>
+              <a:t>] -&gt; [</a:t>
+            </a:r>
+            <a:r>
+              <a:rPr lang="ko-KR" altLang="en-US" sz="3200" dirty="0"/>
+              <a:t>투표하기</a:t>
+            </a:r>
+            <a:r>
+              <a:rPr lang="en-US" altLang="ko-KR" sz="3200" dirty="0"/>
+              <a:t>]</a:t>
+            </a:r>
+            <a:endParaRPr lang="ko-KR" altLang="en-US" sz="3200" dirty="0"/>
+          </a:p>
+        </p:txBody>
+      </p:sp>
+      <p:pic>
+        <p:nvPicPr>
+          <p:cNvPr id="5" name="내용 개체 틀 4">
+            <a:extLst>
+              <a:ext uri="{FF2B5EF4-FFF2-40B4-BE49-F238E27FC236}">
+                <a16:creationId xmlns:a16="http://schemas.microsoft.com/office/drawing/2014/main" id="{555859B3-CBA2-49FD-B73E-930A3ECDA47B}"/>
+              </a:ext>
+            </a:extLst>
+          </p:cNvPr>
+          <p:cNvPicPr>
+            <a:picLocks noGrp="1" noChangeAspect="1"/>
+          </p:cNvPicPr>
+          <p:nvPr>
+            <p:ph idx="1"/>
+          </p:nvPr>
+        </p:nvPicPr>
+        <p:blipFill>
+          <a:blip r:embed="rId2"/>
+          <a:stretch>
+            <a:fillRect/>
+          </a:stretch>
+        </p:blipFill>
+        <p:spPr>
+          <a:xfrm>
+            <a:off x="622073" y="2322930"/>
+            <a:ext cx="2638043" cy="4351338"/>
+          </a:xfrm>
+        </p:spPr>
+      </p:pic>
+      <p:pic>
+        <p:nvPicPr>
+          <p:cNvPr id="7" name="그림 6">
+            <a:extLst>
+              <a:ext uri="{FF2B5EF4-FFF2-40B4-BE49-F238E27FC236}">
+                <a16:creationId xmlns:a16="http://schemas.microsoft.com/office/drawing/2014/main" id="{A14052B3-F188-473D-A155-1797AA2A2591}"/>
+              </a:ext>
+            </a:extLst>
+          </p:cNvPr>
+          <p:cNvPicPr>
+            <a:picLocks noChangeAspect="1"/>
+          </p:cNvPicPr>
+          <p:nvPr/>
+        </p:nvPicPr>
+        <p:blipFill>
+          <a:blip r:embed="rId3"/>
+          <a:stretch>
+            <a:fillRect/>
+          </a:stretch>
+        </p:blipFill>
+        <p:spPr>
+          <a:xfrm>
+            <a:off x="4308308" y="3157537"/>
+            <a:ext cx="5981700" cy="2371725"/>
+          </a:xfrm>
+          <a:prstGeom prst="rect">
+            <a:avLst/>
+          </a:prstGeom>
+        </p:spPr>
+      </p:pic>
+      <p:sp>
+        <p:nvSpPr>
+          <p:cNvPr id="8" name="TextBox 7">
+            <a:extLst>
+              <a:ext uri="{FF2B5EF4-FFF2-40B4-BE49-F238E27FC236}">
+                <a16:creationId xmlns:a16="http://schemas.microsoft.com/office/drawing/2014/main" id="{F3735575-FC7F-4328-807E-8962CC84066F}"/>
+              </a:ext>
+            </a:extLst>
+          </p:cNvPr>
+          <p:cNvSpPr txBox="1"/>
+          <p:nvPr/>
+        </p:nvSpPr>
+        <p:spPr>
+          <a:xfrm>
+            <a:off x="4308308" y="2138264"/>
+            <a:ext cx="6601423" cy="646331"/>
+          </a:xfrm>
+          <a:prstGeom prst="rect">
+            <a:avLst/>
+          </a:prstGeom>
+          <a:noFill/>
+        </p:spPr>
+        <p:txBody>
+          <a:bodyPr wrap="none" rtlCol="0">
+            <a:spAutoFit/>
+          </a:bodyPr>
+          <a:lstStyle/>
+          <a:p>
+            <a:r>
+              <a:rPr lang="en-US" altLang="ko-KR" dirty="0"/>
+              <a:t>Testcase#1-1 </a:t>
+            </a:r>
+            <a:r>
+              <a:rPr lang="ko-KR" altLang="en-US" dirty="0"/>
+              <a:t>에서 발견된 문제점은 더 이상 나타나지 않고</a:t>
+            </a:r>
+            <a:r>
+              <a:rPr lang="en-US" altLang="ko-KR" dirty="0"/>
+              <a:t>,</a:t>
+            </a:r>
+          </a:p>
+          <a:p>
+            <a:r>
+              <a:rPr lang="ko-KR" altLang="en-US" dirty="0"/>
+              <a:t>투표하러 잘 들어가지고</a:t>
+            </a:r>
+            <a:r>
+              <a:rPr lang="en-US" altLang="ko-KR" dirty="0"/>
+              <a:t>, </a:t>
+            </a:r>
+            <a:r>
+              <a:rPr lang="en-US" altLang="ko-KR" dirty="0" err="1"/>
+              <a:t>Vballot</a:t>
+            </a:r>
+            <a:r>
+              <a:rPr lang="ko-KR" altLang="en-US" dirty="0"/>
+              <a:t>도 잘 처리된 것을 볼 수 있다</a:t>
+            </a:r>
+            <a:r>
+              <a:rPr lang="en-US" altLang="ko-KR" dirty="0"/>
+              <a:t>.</a:t>
+            </a:r>
+            <a:endParaRPr lang="ko-KR" altLang="en-US" dirty="0"/>
+          </a:p>
+        </p:txBody>
+      </p:sp>
+    </p:spTree>
+    <p:extLst>
+      <p:ext uri="{BB962C8B-B14F-4D97-AF65-F5344CB8AC3E}">
+        <p14:creationId xmlns:p14="http://schemas.microsoft.com/office/powerpoint/2010/main" val="3857041246"/>
+      </p:ext>
+    </p:extLst>
+  </p:cSld>
+  <p:clrMapOvr>
+    <a:masterClrMapping/>
+  </p:clrMapOvr>
+</p:sld>
+</file>
+
+<file path=ppt/slides/slide34.xml><?xml version="1.0" encoding="utf-8"?>
+<p:sld xmlns:a="http://schemas.openxmlformats.org/drawingml/2006/main" xmlns:r="http://schemas.openxmlformats.org/officeDocument/2006/relationships" xmlns:p="http://schemas.openxmlformats.org/presentationml/2006/main">
+  <p:cSld>
+    <p:spTree>
+      <p:nvGrpSpPr>
+        <p:cNvPr id="1" name=""/>
+        <p:cNvGrpSpPr/>
+        <p:nvPr/>
+      </p:nvGrpSpPr>
+      <p:grpSpPr>
+        <a:xfrm>
+          <a:off x="0" y="0"/>
+          <a:ext cx="0" cy="0"/>
+          <a:chOff x="0" y="0"/>
+          <a:chExt cx="0" cy="0"/>
+        </a:xfrm>
+      </p:grpSpPr>
+      <p:sp>
+        <p:nvSpPr>
+          <p:cNvPr id="2" name="제목 1">
+            <a:extLst>
+              <a:ext uri="{FF2B5EF4-FFF2-40B4-BE49-F238E27FC236}">
+                <a16:creationId xmlns:a16="http://schemas.microsoft.com/office/drawing/2014/main" id="{493BC712-AB7D-4429-8768-D21C67A95AD8}"/>
               </a:ext>
             </a:extLst>
           </p:cNvPr>
@@ -10281,6 +10536,39 @@
             <a:spLocks noGrp="1"/>
           </p:cNvSpPr>
           <p:nvPr>
+            <p:ph type="title"/>
+          </p:nvPr>
+        </p:nvSpPr>
+        <p:spPr/>
+        <p:txBody>
+          <a:bodyPr/>
+          <a:lstStyle/>
+          <a:p>
+            <a:r>
+              <a:rPr lang="ko-KR" altLang="en-US" dirty="0"/>
+              <a:t>시나리오</a:t>
+            </a:r>
+            <a:r>
+              <a:rPr lang="en-US" altLang="ko-KR" dirty="0"/>
+              <a:t>#?? : ??</a:t>
+            </a:r>
+            <a:endParaRPr lang="ko-KR" altLang="en-US" dirty="0"/>
+          </a:p>
+        </p:txBody>
+      </p:sp>
+      <p:sp>
+        <p:nvSpPr>
+          <p:cNvPr id="3" name="내용 개체 틀 2">
+            <a:extLst>
+              <a:ext uri="{FF2B5EF4-FFF2-40B4-BE49-F238E27FC236}">
+                <a16:creationId xmlns:a16="http://schemas.microsoft.com/office/drawing/2014/main" id="{E8F6A650-B3AB-46F8-A94D-3A6BD423C094}"/>
+              </a:ext>
+            </a:extLst>
+          </p:cNvPr>
+          <p:cNvSpPr>
+            <a:spLocks noGrp="1"/>
+          </p:cNvSpPr>
+          <p:nvPr>
             <p:ph idx="1"/>
           </p:nvPr>
         </p:nvSpPr>
@@ -10289,7 +10577,198 @@
           <a:bodyPr/>
           <a:lstStyle/>
           <a:p>
-            <a:endParaRPr lang="ko-KR" altLang="en-US"/>
+            <a:r>
+              <a:rPr lang="ko-KR" altLang="en-US" dirty="0" err="1"/>
+              <a:t>작성하여주십시오</a:t>
+            </a:r>
+            <a:r>
+              <a:rPr lang="en-US" altLang="ko-KR" dirty="0"/>
+              <a:t>.</a:t>
+            </a:r>
+            <a:endParaRPr lang="ko-KR" altLang="en-US" dirty="0"/>
+          </a:p>
+        </p:txBody>
+      </p:sp>
+    </p:spTree>
+    <p:extLst>
+      <p:ext uri="{BB962C8B-B14F-4D97-AF65-F5344CB8AC3E}">
+        <p14:creationId xmlns:p14="http://schemas.microsoft.com/office/powerpoint/2010/main" val="66394785"/>
+      </p:ext>
+    </p:extLst>
+  </p:cSld>
+  <p:clrMapOvr>
+    <a:masterClrMapping/>
+  </p:clrMapOvr>
+</p:sld>
+</file>
+
+<file path=ppt/slides/slide35.xml><?xml version="1.0" encoding="utf-8"?>
+<p:sld xmlns:a="http://schemas.openxmlformats.org/drawingml/2006/main" xmlns:r="http://schemas.openxmlformats.org/officeDocument/2006/relationships" xmlns:p="http://schemas.openxmlformats.org/presentationml/2006/main">
+  <p:cSld>
+    <p:spTree>
+      <p:nvGrpSpPr>
+        <p:cNvPr id="1" name=""/>
+        <p:cNvGrpSpPr/>
+        <p:nvPr/>
+      </p:nvGrpSpPr>
+      <p:grpSpPr>
+        <a:xfrm>
+          <a:off x="0" y="0"/>
+          <a:ext cx="0" cy="0"/>
+          <a:chOff x="0" y="0"/>
+          <a:chExt cx="0" cy="0"/>
+        </a:xfrm>
+      </p:grpSpPr>
+      <p:sp>
+        <p:nvSpPr>
+          <p:cNvPr id="2" name="제목 1">
+            <a:extLst>
+              <a:ext uri="{FF2B5EF4-FFF2-40B4-BE49-F238E27FC236}">
+                <a16:creationId xmlns:a16="http://schemas.microsoft.com/office/drawing/2014/main" id="{065E134B-6B70-4C74-B101-F996ADEBB5AB}"/>
+              </a:ext>
+            </a:extLst>
+          </p:cNvPr>
+          <p:cNvSpPr>
+            <a:spLocks noGrp="1"/>
+          </p:cNvSpPr>
+          <p:nvPr>
+            <p:ph type="ctrTitle"/>
+          </p:nvPr>
+        </p:nvSpPr>
+        <p:spPr/>
+        <p:txBody>
+          <a:bodyPr/>
+          <a:lstStyle/>
+          <a:p>
+            <a:r>
+              <a:rPr lang="ko-KR" altLang="en-US" dirty="0" err="1"/>
+              <a:t>미시행</a:t>
+            </a:r>
+            <a:r>
+              <a:rPr lang="ko-KR" altLang="en-US" dirty="0"/>
+              <a:t> 시나리오 목록</a:t>
+            </a:r>
+          </a:p>
+        </p:txBody>
+      </p:sp>
+    </p:spTree>
+    <p:extLst>
+      <p:ext uri="{BB962C8B-B14F-4D97-AF65-F5344CB8AC3E}">
+        <p14:creationId xmlns:p14="http://schemas.microsoft.com/office/powerpoint/2010/main" val="2125819996"/>
+      </p:ext>
+    </p:extLst>
+  </p:cSld>
+  <p:clrMapOvr>
+    <a:masterClrMapping/>
+  </p:clrMapOvr>
+</p:sld>
+</file>
+
+<file path=ppt/slides/slide36.xml><?xml version="1.0" encoding="utf-8"?>
+<p:sld xmlns:a="http://schemas.openxmlformats.org/drawingml/2006/main" xmlns:r="http://schemas.openxmlformats.org/officeDocument/2006/relationships" xmlns:p="http://schemas.openxmlformats.org/presentationml/2006/main">
+  <p:cSld>
+    <p:spTree>
+      <p:nvGrpSpPr>
+        <p:cNvPr id="1" name=""/>
+        <p:cNvGrpSpPr/>
+        <p:nvPr/>
+      </p:nvGrpSpPr>
+      <p:grpSpPr>
+        <a:xfrm>
+          <a:off x="0" y="0"/>
+          <a:ext cx="0" cy="0"/>
+          <a:chOff x="0" y="0"/>
+          <a:chExt cx="0" cy="0"/>
+        </a:xfrm>
+      </p:grpSpPr>
+      <p:sp>
+        <p:nvSpPr>
+          <p:cNvPr id="2" name="제목 1">
+            <a:extLst>
+              <a:ext uri="{FF2B5EF4-FFF2-40B4-BE49-F238E27FC236}">
+                <a16:creationId xmlns:a16="http://schemas.microsoft.com/office/drawing/2014/main" id="{90807F92-7D9D-40AD-BD42-987064ADE3A3}"/>
+              </a:ext>
+            </a:extLst>
+          </p:cNvPr>
+          <p:cNvSpPr>
+            <a:spLocks noGrp="1"/>
+          </p:cNvSpPr>
+          <p:nvPr>
+            <p:ph type="title"/>
+          </p:nvPr>
+        </p:nvSpPr>
+        <p:spPr/>
+        <p:txBody>
+          <a:bodyPr/>
+          <a:lstStyle/>
+          <a:p>
+            <a:r>
+              <a:rPr lang="ko-KR" altLang="en-US" dirty="0" err="1"/>
+              <a:t>미시행</a:t>
+            </a:r>
+            <a:r>
+              <a:rPr lang="ko-KR" altLang="en-US" dirty="0"/>
+              <a:t> 시나리오 목록</a:t>
+            </a:r>
+          </a:p>
+        </p:txBody>
+      </p:sp>
+      <p:sp>
+        <p:nvSpPr>
+          <p:cNvPr id="3" name="내용 개체 틀 2">
+            <a:extLst>
+              <a:ext uri="{FF2B5EF4-FFF2-40B4-BE49-F238E27FC236}">
+                <a16:creationId xmlns:a16="http://schemas.microsoft.com/office/drawing/2014/main" id="{715E2CC5-4E5B-4624-A6DF-7FBBE383F416}"/>
+              </a:ext>
+            </a:extLst>
+          </p:cNvPr>
+          <p:cNvSpPr>
+            <a:spLocks noGrp="1"/>
+          </p:cNvSpPr>
+          <p:nvPr>
+            <p:ph idx="1"/>
+          </p:nvPr>
+        </p:nvSpPr>
+        <p:spPr/>
+        <p:txBody>
+          <a:bodyPr/>
+          <a:lstStyle/>
+          <a:p>
+            <a:r>
+              <a:rPr lang="ko-KR" altLang="en-US" dirty="0"/>
+              <a:t>선거에 학생이 투표한 후에 관리자가 선거를 강제종료</a:t>
+            </a:r>
+            <a:endParaRPr lang="en-US" altLang="ko-KR" dirty="0"/>
+          </a:p>
+          <a:p>
+            <a:r>
+              <a:rPr lang="ko-KR" altLang="en-US" dirty="0"/>
+              <a:t>선거 결과 확인에 대한 시나리오는 준비하지 않음</a:t>
+            </a:r>
+            <a:r>
+              <a:rPr lang="en-US" altLang="ko-KR" dirty="0"/>
+              <a:t>.</a:t>
+            </a:r>
+          </a:p>
+          <a:p>
+            <a:pPr marL="0" indent="0">
+              <a:buNone/>
+            </a:pPr>
+            <a:r>
+              <a:rPr lang="en-US" altLang="ko-KR" dirty="0"/>
+              <a:t>=&gt; </a:t>
+            </a:r>
+            <a:r>
+              <a:rPr lang="ko-KR" altLang="en-US" dirty="0"/>
+              <a:t>혜령 팀원 담당임</a:t>
+            </a:r>
+            <a:endParaRPr lang="en-US" altLang="ko-KR" dirty="0"/>
+          </a:p>
+          <a:p>
+            <a:endParaRPr lang="en-US" altLang="ko-KR" dirty="0"/>
+          </a:p>
+          <a:p>
+            <a:endParaRPr lang="ko-KR" altLang="en-US" dirty="0"/>
           </a:p>
         </p:txBody>
       </p:sp>

--- a/Document/Testcase/Testcase #1.pptx
+++ b/Document/Testcase/Testcase #1.pptx
@@ -39,8 +39,25 @@
     <p:sldId id="289" r:id="rId33"/>
     <p:sldId id="291" r:id="rId34"/>
     <p:sldId id="292" r:id="rId35"/>
-    <p:sldId id="290" r:id="rId36"/>
-    <p:sldId id="280" r:id="rId37"/>
+    <p:sldId id="300" r:id="rId36"/>
+    <p:sldId id="301" r:id="rId37"/>
+    <p:sldId id="302" r:id="rId38"/>
+    <p:sldId id="296" r:id="rId39"/>
+    <p:sldId id="293" r:id="rId40"/>
+    <p:sldId id="297" r:id="rId41"/>
+    <p:sldId id="298" r:id="rId42"/>
+    <p:sldId id="303" r:id="rId43"/>
+    <p:sldId id="304" r:id="rId44"/>
+    <p:sldId id="305" r:id="rId45"/>
+    <p:sldId id="306" r:id="rId46"/>
+    <p:sldId id="307" r:id="rId47"/>
+    <p:sldId id="308" r:id="rId48"/>
+    <p:sldId id="309" r:id="rId49"/>
+    <p:sldId id="299" r:id="rId50"/>
+    <p:sldId id="290" r:id="rId51"/>
+    <p:sldId id="280" r:id="rId52"/>
+    <p:sldId id="295" r:id="rId53"/>
+    <p:sldId id="294" r:id="rId54"/>
   </p:sldIdLst>
   <p:sldSz cx="12192000" cy="6858000"/>
   <p:notesSz cx="6858000" cy="9144000"/>
@@ -10541,54 +10558,243 @@
         </p:nvSpPr>
         <p:spPr/>
         <p:txBody>
-          <a:bodyPr/>
-          <a:lstStyle/>
-          <a:p>
-            <a:r>
-              <a:rPr lang="ko-KR" altLang="en-US" dirty="0"/>
+          <a:bodyPr>
+            <a:noAutofit/>
+          </a:bodyPr>
+          <a:lstStyle/>
+          <a:p>
+            <a:r>
+              <a:rPr lang="ko-KR" altLang="en-US" sz="3600" dirty="0"/>
               <a:t>시나리오</a:t>
             </a:r>
             <a:r>
-              <a:rPr lang="en-US" altLang="ko-KR" dirty="0"/>
-              <a:t>#?? : ??</a:t>
-            </a:r>
-            <a:endParaRPr lang="ko-KR" altLang="en-US" dirty="0"/>
-          </a:p>
-        </p:txBody>
-      </p:sp>
-      <p:sp>
-        <p:nvSpPr>
-          <p:cNvPr id="3" name="내용 개체 틀 2">
-            <a:extLst>
-              <a:ext uri="{FF2B5EF4-FFF2-40B4-BE49-F238E27FC236}">
-                <a16:creationId xmlns:a16="http://schemas.microsoft.com/office/drawing/2014/main" id="{E8F6A650-B3AB-46F8-A94D-3A6BD423C094}"/>
-              </a:ext>
-            </a:extLst>
-          </p:cNvPr>
-          <p:cNvSpPr>
-            <a:spLocks noGrp="1"/>
-          </p:cNvSpPr>
+              <a:rPr lang="en-US" altLang="ko-KR" sz="3600" dirty="0"/>
+              <a:t>#19 : </a:t>
+            </a:r>
+            <a:r>
+              <a:rPr lang="ko-KR" altLang="en-US" sz="3600" dirty="0"/>
+              <a:t>관리자가 후보자가 </a:t>
+            </a:r>
+            <a:r>
+              <a:rPr lang="en-US" altLang="ko-KR" sz="3600" dirty="0"/>
+              <a:t>2</a:t>
+            </a:r>
+            <a:r>
+              <a:rPr lang="ko-KR" altLang="en-US" sz="3600" dirty="0"/>
+              <a:t>개인 </a:t>
+            </a:r>
+            <a:r>
+              <a:rPr lang="en-US" altLang="ko-KR" sz="3600" dirty="0"/>
+              <a:t>[</a:t>
+            </a:r>
+            <a:r>
+              <a:rPr lang="ko-KR" altLang="en-US" sz="3600" dirty="0"/>
+              <a:t>선거생성</a:t>
+            </a:r>
+            <a:r>
+              <a:rPr lang="en-US" altLang="ko-KR" sz="3600" dirty="0"/>
+              <a:t>]</a:t>
+            </a:r>
+            <a:endParaRPr lang="ko-KR" altLang="en-US" sz="3600" dirty="0"/>
+          </a:p>
+        </p:txBody>
+      </p:sp>
+      <p:pic>
+        <p:nvPicPr>
+          <p:cNvPr id="5" name="내용 개체 틀 4">
+            <a:extLst>
+              <a:ext uri="{FF2B5EF4-FFF2-40B4-BE49-F238E27FC236}">
+                <a16:creationId xmlns:a16="http://schemas.microsoft.com/office/drawing/2014/main" id="{82A9481C-2761-464C-A901-81BF8D0FC8B9}"/>
+              </a:ext>
+            </a:extLst>
+          </p:cNvPr>
+          <p:cNvPicPr>
+            <a:picLocks noGrp="1" noChangeAspect="1"/>
+          </p:cNvPicPr>
           <p:nvPr>
             <p:ph idx="1"/>
           </p:nvPr>
-        </p:nvSpPr>
-        <p:spPr/>
-        <p:txBody>
-          <a:bodyPr/>
-          <a:lstStyle/>
-          <a:p>
-            <a:r>
-              <a:rPr lang="ko-KR" altLang="en-US" dirty="0" err="1"/>
-              <a:t>작성하여주십시오</a:t>
-            </a:r>
-            <a:r>
-              <a:rPr lang="en-US" altLang="ko-KR" dirty="0"/>
-              <a:t>.</a:t>
-            </a:r>
-            <a:endParaRPr lang="ko-KR" altLang="en-US" dirty="0"/>
-          </a:p>
-        </p:txBody>
-      </p:sp>
+        </p:nvPicPr>
+        <p:blipFill>
+          <a:blip r:embed="rId2"/>
+          <a:stretch>
+            <a:fillRect/>
+          </a:stretch>
+        </p:blipFill>
+        <p:spPr>
+          <a:xfrm>
+            <a:off x="532211" y="1921877"/>
+            <a:ext cx="2613674" cy="4351338"/>
+          </a:xfrm>
+        </p:spPr>
+      </p:pic>
+      <p:sp>
+        <p:nvSpPr>
+          <p:cNvPr id="6" name="TextBox 5">
+            <a:extLst>
+              <a:ext uri="{FF2B5EF4-FFF2-40B4-BE49-F238E27FC236}">
+                <a16:creationId xmlns:a16="http://schemas.microsoft.com/office/drawing/2014/main" id="{B2FC9213-C5B0-4030-B2A1-C460ED1D83E3}"/>
+              </a:ext>
+            </a:extLst>
+          </p:cNvPr>
+          <p:cNvSpPr txBox="1"/>
+          <p:nvPr/>
+        </p:nvSpPr>
+        <p:spPr>
+          <a:xfrm>
+            <a:off x="18863" y="1436951"/>
+            <a:ext cx="3653564" cy="369332"/>
+          </a:xfrm>
+          <a:prstGeom prst="rect">
+            <a:avLst/>
+          </a:prstGeom>
+          <a:noFill/>
+        </p:spPr>
+        <p:txBody>
+          <a:bodyPr wrap="none" rtlCol="0">
+            <a:spAutoFit/>
+          </a:bodyPr>
+          <a:lstStyle/>
+          <a:p>
+            <a:r>
+              <a:rPr lang="en-US" altLang="ko-KR" dirty="0"/>
+              <a:t>[</a:t>
+            </a:r>
+            <a:r>
+              <a:rPr lang="ko-KR" altLang="en-US" dirty="0"/>
+              <a:t>추가</a:t>
+            </a:r>
+            <a:r>
+              <a:rPr lang="en-US" altLang="ko-KR" dirty="0"/>
+              <a:t>]</a:t>
+            </a:r>
+            <a:r>
+              <a:rPr lang="ko-KR" altLang="en-US" dirty="0"/>
+              <a:t> 버튼을 눌러 후보자 추가함</a:t>
+            </a:r>
+          </a:p>
+        </p:txBody>
+      </p:sp>
+      <p:pic>
+        <p:nvPicPr>
+          <p:cNvPr id="8" name="그림 7">
+            <a:extLst>
+              <a:ext uri="{FF2B5EF4-FFF2-40B4-BE49-F238E27FC236}">
+                <a16:creationId xmlns:a16="http://schemas.microsoft.com/office/drawing/2014/main" id="{2D20988E-E4F7-4BC7-A07B-97DF7B654016}"/>
+              </a:ext>
+            </a:extLst>
+          </p:cNvPr>
+          <p:cNvPicPr>
+            <a:picLocks noChangeAspect="1"/>
+          </p:cNvPicPr>
+          <p:nvPr/>
+        </p:nvPicPr>
+        <p:blipFill>
+          <a:blip r:embed="rId3"/>
+          <a:stretch>
+            <a:fillRect/>
+          </a:stretch>
+        </p:blipFill>
+        <p:spPr>
+          <a:xfrm>
+            <a:off x="3351585" y="1921877"/>
+            <a:ext cx="2613674" cy="4332056"/>
+          </a:xfrm>
+          <a:prstGeom prst="rect">
+            <a:avLst/>
+          </a:prstGeom>
+        </p:spPr>
+      </p:pic>
+      <p:pic>
+        <p:nvPicPr>
+          <p:cNvPr id="10" name="그림 9">
+            <a:extLst>
+              <a:ext uri="{FF2B5EF4-FFF2-40B4-BE49-F238E27FC236}">
+                <a16:creationId xmlns:a16="http://schemas.microsoft.com/office/drawing/2014/main" id="{686D3E9E-4DBB-46DB-B9DC-2AC5B17F890E}"/>
+              </a:ext>
+            </a:extLst>
+          </p:cNvPr>
+          <p:cNvPicPr>
+            <a:picLocks noChangeAspect="1"/>
+          </p:cNvPicPr>
+          <p:nvPr/>
+        </p:nvPicPr>
+        <p:blipFill>
+          <a:blip r:embed="rId4"/>
+          <a:stretch>
+            <a:fillRect/>
+          </a:stretch>
+        </p:blipFill>
+        <p:spPr>
+          <a:xfrm>
+            <a:off x="5261131" y="1921877"/>
+            <a:ext cx="2619383" cy="4332057"/>
+          </a:xfrm>
+          <a:prstGeom prst="rect">
+            <a:avLst/>
+          </a:prstGeom>
+        </p:spPr>
+      </p:pic>
+      <p:pic>
+        <p:nvPicPr>
+          <p:cNvPr id="12" name="그림 11">
+            <a:extLst>
+              <a:ext uri="{FF2B5EF4-FFF2-40B4-BE49-F238E27FC236}">
+                <a16:creationId xmlns:a16="http://schemas.microsoft.com/office/drawing/2014/main" id="{1D3A8658-51B1-4E5E-B0F2-59DF91FAFB16}"/>
+              </a:ext>
+            </a:extLst>
+          </p:cNvPr>
+          <p:cNvPicPr>
+            <a:picLocks noChangeAspect="1"/>
+          </p:cNvPicPr>
+          <p:nvPr/>
+        </p:nvPicPr>
+        <p:blipFill>
+          <a:blip r:embed="rId5"/>
+          <a:stretch>
+            <a:fillRect/>
+          </a:stretch>
+        </p:blipFill>
+        <p:spPr>
+          <a:xfrm>
+            <a:off x="6909474" y="1957970"/>
+            <a:ext cx="2638158" cy="4332057"/>
+          </a:xfrm>
+          <a:prstGeom prst="rect">
+            <a:avLst/>
+          </a:prstGeom>
+        </p:spPr>
+      </p:pic>
+      <p:pic>
+        <p:nvPicPr>
+          <p:cNvPr id="14" name="그림 13">
+            <a:extLst>
+              <a:ext uri="{FF2B5EF4-FFF2-40B4-BE49-F238E27FC236}">
+                <a16:creationId xmlns:a16="http://schemas.microsoft.com/office/drawing/2014/main" id="{E98F92EF-40EA-44C2-A7E1-C16E61C73579}"/>
+              </a:ext>
+            </a:extLst>
+          </p:cNvPr>
+          <p:cNvPicPr>
+            <a:picLocks noChangeAspect="1"/>
+          </p:cNvPicPr>
+          <p:nvPr/>
+        </p:nvPicPr>
+        <p:blipFill>
+          <a:blip r:embed="rId6"/>
+          <a:stretch>
+            <a:fillRect/>
+          </a:stretch>
+        </p:blipFill>
+        <p:spPr>
+          <a:xfrm>
+            <a:off x="8629360" y="1957970"/>
+            <a:ext cx="2613674" cy="4356123"/>
+          </a:xfrm>
+          <a:prstGeom prst="rect">
+            <a:avLst/>
+          </a:prstGeom>
+        </p:spPr>
+      </p:pic>
     </p:spTree>
     <p:extLst>
       <p:ext uri="{BB962C8B-B14F-4D97-AF65-F5344CB8AC3E}">
@@ -10624,7 +10830,7 @@
           <p:cNvPr id="2" name="제목 1">
             <a:extLst>
               <a:ext uri="{FF2B5EF4-FFF2-40B4-BE49-F238E27FC236}">
-                <a16:creationId xmlns:a16="http://schemas.microsoft.com/office/drawing/2014/main" id="{065E134B-6B70-4C74-B101-F996ADEBB5AB}"/>
+                <a16:creationId xmlns:a16="http://schemas.microsoft.com/office/drawing/2014/main" id="{F7C7C72E-617C-451A-BA7A-ACB61FD191E8}"/>
               </a:ext>
             </a:extLst>
           </p:cNvPr>
@@ -10632,7 +10838,7 @@
             <a:spLocks noGrp="1"/>
           </p:cNvSpPr>
           <p:nvPr>
-            <p:ph type="ctrTitle"/>
+            <p:ph type="title"/>
           </p:nvPr>
         </p:nvSpPr>
         <p:spPr/>
@@ -10641,20 +10847,114 @@
           <a:lstStyle/>
           <a:p>
             <a:r>
-              <a:rPr lang="ko-KR" altLang="en-US" dirty="0" err="1"/>
-              <a:t>미시행</a:t>
-            </a:r>
-            <a:r>
-              <a:rPr lang="ko-KR" altLang="en-US" dirty="0"/>
-              <a:t> 시나리오 목록</a:t>
-            </a:r>
+              <a:rPr lang="ko-KR" altLang="en-US" sz="4400" dirty="0"/>
+              <a:t>시나리오</a:t>
+            </a:r>
+            <a:r>
+              <a:rPr lang="en-US" altLang="ko-KR" sz="4400" dirty="0"/>
+              <a:t>#19 : </a:t>
+            </a:r>
+            <a:r>
+              <a:rPr lang="ko-KR" altLang="en-US" sz="4400" dirty="0"/>
+              <a:t>관리자가 후보자가 </a:t>
+            </a:r>
+            <a:r>
+              <a:rPr lang="en-US" altLang="ko-KR" sz="4400" dirty="0"/>
+              <a:t>2</a:t>
+            </a:r>
+            <a:r>
+              <a:rPr lang="ko-KR" altLang="en-US" sz="4400" dirty="0"/>
+              <a:t>개인 </a:t>
+            </a:r>
+            <a:r>
+              <a:rPr lang="en-US" altLang="ko-KR" sz="4400" dirty="0"/>
+              <a:t>[</a:t>
+            </a:r>
+            <a:r>
+              <a:rPr lang="ko-KR" altLang="en-US" sz="4400" dirty="0"/>
+              <a:t>선거생성</a:t>
+            </a:r>
+            <a:r>
+              <a:rPr lang="en-US" altLang="ko-KR" sz="4400" dirty="0"/>
+              <a:t>]</a:t>
+            </a:r>
+            <a:endParaRPr lang="ko-KR" altLang="en-US" dirty="0"/>
+          </a:p>
+        </p:txBody>
+      </p:sp>
+      <p:pic>
+        <p:nvPicPr>
+          <p:cNvPr id="5" name="내용 개체 틀 4">
+            <a:extLst>
+              <a:ext uri="{FF2B5EF4-FFF2-40B4-BE49-F238E27FC236}">
+                <a16:creationId xmlns:a16="http://schemas.microsoft.com/office/drawing/2014/main" id="{FF7D7212-A370-425F-9B8E-BDD1E97D1AAB}"/>
+              </a:ext>
+            </a:extLst>
+          </p:cNvPr>
+          <p:cNvPicPr>
+            <a:picLocks noGrp="1" noChangeAspect="1"/>
+          </p:cNvPicPr>
+          <p:nvPr>
+            <p:ph idx="1"/>
+          </p:nvPr>
+        </p:nvPicPr>
+        <p:blipFill>
+          <a:blip r:embed="rId2"/>
+          <a:stretch>
+            <a:fillRect/>
+          </a:stretch>
+        </p:blipFill>
+        <p:spPr>
+          <a:xfrm>
+            <a:off x="3144252" y="2508919"/>
+            <a:ext cx="5903495" cy="3747037"/>
+          </a:xfrm>
+        </p:spPr>
+      </p:pic>
+      <p:sp>
+        <p:nvSpPr>
+          <p:cNvPr id="10" name="TextBox 9">
+            <a:extLst>
+              <a:ext uri="{FF2B5EF4-FFF2-40B4-BE49-F238E27FC236}">
+                <a16:creationId xmlns:a16="http://schemas.microsoft.com/office/drawing/2014/main" id="{448448B6-F698-4889-B5E2-68E5ABE316D5}"/>
+              </a:ext>
+            </a:extLst>
+          </p:cNvPr>
+          <p:cNvSpPr txBox="1"/>
+          <p:nvPr/>
+        </p:nvSpPr>
+        <p:spPr>
+          <a:xfrm>
+            <a:off x="5023429" y="2139587"/>
+            <a:ext cx="2145139" cy="369332"/>
+          </a:xfrm>
+          <a:prstGeom prst="rect">
+            <a:avLst/>
+          </a:prstGeom>
+          <a:noFill/>
+        </p:spPr>
+        <p:txBody>
+          <a:bodyPr wrap="none" rtlCol="0">
+            <a:spAutoFit/>
+          </a:bodyPr>
+          <a:lstStyle/>
+          <a:p>
+            <a:r>
+              <a:rPr lang="ko-KR" altLang="en-US" dirty="0"/>
+              <a:t>선거 정보</a:t>
+            </a:r>
+            <a:r>
+              <a:rPr lang="en-US" altLang="ko-KR" dirty="0"/>
+              <a:t>(Election)</a:t>
+            </a:r>
+            <a:endParaRPr lang="ko-KR" altLang="en-US" dirty="0"/>
           </a:p>
         </p:txBody>
       </p:sp>
     </p:spTree>
     <p:extLst>
       <p:ext uri="{BB962C8B-B14F-4D97-AF65-F5344CB8AC3E}">
-        <p14:creationId xmlns:p14="http://schemas.microsoft.com/office/powerpoint/2010/main" val="2125819996"/>
+        <p14:creationId xmlns:p14="http://schemas.microsoft.com/office/powerpoint/2010/main" val="1327641433"/>
       </p:ext>
     </p:extLst>
   </p:cSld>
@@ -10686,7 +10986,7 @@
           <p:cNvPr id="2" name="제목 1">
             <a:extLst>
               <a:ext uri="{FF2B5EF4-FFF2-40B4-BE49-F238E27FC236}">
-                <a16:creationId xmlns:a16="http://schemas.microsoft.com/office/drawing/2014/main" id="{90807F92-7D9D-40AD-BD42-987064ADE3A3}"/>
+                <a16:creationId xmlns:a16="http://schemas.microsoft.com/office/drawing/2014/main" id="{16EA8986-F79A-41D0-969F-C4176E389C7D}"/>
               </a:ext>
             </a:extLst>
           </p:cNvPr>
@@ -10703,22 +11003,296 @@
           <a:lstStyle/>
           <a:p>
             <a:r>
+              <a:rPr lang="ko-KR" altLang="en-US" sz="4400" dirty="0"/>
+              <a:t>시나리오</a:t>
+            </a:r>
+            <a:r>
+              <a:rPr lang="en-US" altLang="ko-KR" sz="4400" dirty="0"/>
+              <a:t>#19 : </a:t>
+            </a:r>
+            <a:r>
+              <a:rPr lang="ko-KR" altLang="en-US" sz="4400" dirty="0"/>
+              <a:t>관리자가 후보자가 </a:t>
+            </a:r>
+            <a:r>
+              <a:rPr lang="en-US" altLang="ko-KR" sz="4400" dirty="0"/>
+              <a:t>2</a:t>
+            </a:r>
+            <a:r>
+              <a:rPr lang="ko-KR" altLang="en-US" sz="4400" dirty="0"/>
+              <a:t>개인 </a:t>
+            </a:r>
+            <a:r>
+              <a:rPr lang="en-US" altLang="ko-KR" sz="4400" dirty="0"/>
+              <a:t>[</a:t>
+            </a:r>
+            <a:r>
+              <a:rPr lang="ko-KR" altLang="en-US" sz="4400" dirty="0"/>
+              <a:t>선거생성</a:t>
+            </a:r>
+            <a:r>
+              <a:rPr lang="en-US" altLang="ko-KR" sz="4400" dirty="0"/>
+              <a:t>]</a:t>
+            </a:r>
+            <a:endParaRPr lang="ko-KR" altLang="en-US" dirty="0"/>
+          </a:p>
+        </p:txBody>
+      </p:sp>
+      <p:pic>
+        <p:nvPicPr>
+          <p:cNvPr id="5" name="내용 개체 틀 4">
+            <a:extLst>
+              <a:ext uri="{FF2B5EF4-FFF2-40B4-BE49-F238E27FC236}">
+                <a16:creationId xmlns:a16="http://schemas.microsoft.com/office/drawing/2014/main" id="{C9C91B54-2347-4A23-8168-724E44DC578F}"/>
+              </a:ext>
+            </a:extLst>
+          </p:cNvPr>
+          <p:cNvPicPr>
+            <a:picLocks noGrp="1" noChangeAspect="1"/>
+          </p:cNvPicPr>
+          <p:nvPr>
+            <p:ph idx="1"/>
+          </p:nvPr>
+        </p:nvPicPr>
+        <p:blipFill>
+          <a:blip r:embed="rId2"/>
+          <a:stretch>
+            <a:fillRect/>
+          </a:stretch>
+        </p:blipFill>
+        <p:spPr>
+          <a:xfrm>
+            <a:off x="8049657" y="1993983"/>
+            <a:ext cx="3695700" cy="4674821"/>
+          </a:xfrm>
+        </p:spPr>
+      </p:pic>
+      <p:pic>
+        <p:nvPicPr>
+          <p:cNvPr id="7" name="그림 6">
+            <a:extLst>
+              <a:ext uri="{FF2B5EF4-FFF2-40B4-BE49-F238E27FC236}">
+                <a16:creationId xmlns:a16="http://schemas.microsoft.com/office/drawing/2014/main" id="{B91125B5-BAE3-4087-A3A1-26173D878D16}"/>
+              </a:ext>
+            </a:extLst>
+          </p:cNvPr>
+          <p:cNvPicPr>
+            <a:picLocks noChangeAspect="1"/>
+          </p:cNvPicPr>
+          <p:nvPr/>
+        </p:nvPicPr>
+        <p:blipFill>
+          <a:blip r:embed="rId3"/>
+          <a:stretch>
+            <a:fillRect/>
+          </a:stretch>
+        </p:blipFill>
+        <p:spPr>
+          <a:xfrm>
+            <a:off x="389493" y="1993984"/>
+            <a:ext cx="3752850" cy="4648200"/>
+          </a:xfrm>
+          <a:prstGeom prst="rect">
+            <a:avLst/>
+          </a:prstGeom>
+        </p:spPr>
+      </p:pic>
+      <p:pic>
+        <p:nvPicPr>
+          <p:cNvPr id="9" name="그림 8">
+            <a:extLst>
+              <a:ext uri="{FF2B5EF4-FFF2-40B4-BE49-F238E27FC236}">
+                <a16:creationId xmlns:a16="http://schemas.microsoft.com/office/drawing/2014/main" id="{7B4858A3-EE1A-40C4-AA9B-F5DD24F469D7}"/>
+              </a:ext>
+            </a:extLst>
+          </p:cNvPr>
+          <p:cNvPicPr>
+            <a:picLocks noChangeAspect="1"/>
+          </p:cNvPicPr>
+          <p:nvPr/>
+        </p:nvPicPr>
+        <p:blipFill>
+          <a:blip r:embed="rId4"/>
+          <a:stretch>
+            <a:fillRect/>
+          </a:stretch>
+        </p:blipFill>
+        <p:spPr>
+          <a:xfrm>
+            <a:off x="4248150" y="1993984"/>
+            <a:ext cx="3695700" cy="4648200"/>
+          </a:xfrm>
+          <a:prstGeom prst="rect">
+            <a:avLst/>
+          </a:prstGeom>
+        </p:spPr>
+      </p:pic>
+      <p:sp>
+        <p:nvSpPr>
+          <p:cNvPr id="11" name="TextBox 10">
+            <a:extLst>
+              <a:ext uri="{FF2B5EF4-FFF2-40B4-BE49-F238E27FC236}">
+                <a16:creationId xmlns:a16="http://schemas.microsoft.com/office/drawing/2014/main" id="{CD771E8A-EC61-4BAC-AC5B-173BC008E36E}"/>
+              </a:ext>
+            </a:extLst>
+          </p:cNvPr>
+          <p:cNvSpPr txBox="1"/>
+          <p:nvPr/>
+        </p:nvSpPr>
+        <p:spPr>
+          <a:xfrm>
+            <a:off x="1193348" y="1657670"/>
+            <a:ext cx="1553630" cy="369332"/>
+          </a:xfrm>
+          <a:prstGeom prst="rect">
+            <a:avLst/>
+          </a:prstGeom>
+          <a:noFill/>
+        </p:spPr>
+        <p:txBody>
+          <a:bodyPr wrap="none" rtlCol="0">
+            <a:spAutoFit/>
+          </a:bodyPr>
+          <a:lstStyle/>
+          <a:p>
+            <a:r>
+              <a:rPr lang="ko-KR" altLang="en-US" dirty="0"/>
+              <a:t>후보자 </a:t>
+            </a:r>
+            <a:r>
+              <a:rPr lang="en-US" altLang="ko-KR" dirty="0"/>
+              <a:t>: </a:t>
+            </a:r>
+            <a:r>
+              <a:rPr lang="ko-KR" altLang="en-US" dirty="0"/>
+              <a:t>기권</a:t>
+            </a:r>
+          </a:p>
+        </p:txBody>
+      </p:sp>
+      <p:sp>
+        <p:nvSpPr>
+          <p:cNvPr id="13" name="TextBox 12">
+            <a:extLst>
+              <a:ext uri="{FF2B5EF4-FFF2-40B4-BE49-F238E27FC236}">
+                <a16:creationId xmlns:a16="http://schemas.microsoft.com/office/drawing/2014/main" id="{98B81F3D-5787-47F6-B675-772213B0ABDB}"/>
+              </a:ext>
+            </a:extLst>
+          </p:cNvPr>
+          <p:cNvSpPr txBox="1"/>
+          <p:nvPr/>
+        </p:nvSpPr>
+        <p:spPr>
+          <a:xfrm>
+            <a:off x="5319185" y="1657670"/>
+            <a:ext cx="1784463" cy="369332"/>
+          </a:xfrm>
+          <a:prstGeom prst="rect">
+            <a:avLst/>
+          </a:prstGeom>
+          <a:noFill/>
+        </p:spPr>
+        <p:txBody>
+          <a:bodyPr wrap="none" rtlCol="0">
+            <a:spAutoFit/>
+          </a:bodyPr>
+          <a:lstStyle/>
+          <a:p>
+            <a:r>
+              <a:rPr lang="ko-KR" altLang="en-US" dirty="0"/>
+              <a:t>후보자 </a:t>
+            </a:r>
+            <a:r>
+              <a:rPr lang="en-US" altLang="ko-KR" dirty="0"/>
+              <a:t>: </a:t>
+            </a:r>
+            <a:r>
+              <a:rPr lang="ko-KR" altLang="en-US" dirty="0"/>
+              <a:t>스케치</a:t>
+            </a:r>
+          </a:p>
+        </p:txBody>
+      </p:sp>
+      <p:sp>
+        <p:nvSpPr>
+          <p:cNvPr id="15" name="TextBox 14">
+            <a:extLst>
+              <a:ext uri="{FF2B5EF4-FFF2-40B4-BE49-F238E27FC236}">
+                <a16:creationId xmlns:a16="http://schemas.microsoft.com/office/drawing/2014/main" id="{9A6B8B30-7D25-4136-A372-AD5FFCB2684A}"/>
+              </a:ext>
+            </a:extLst>
+          </p:cNvPr>
+          <p:cNvSpPr txBox="1"/>
+          <p:nvPr/>
+        </p:nvSpPr>
+        <p:spPr>
+          <a:xfrm>
+            <a:off x="8877410" y="1690688"/>
+            <a:ext cx="1784463" cy="369332"/>
+          </a:xfrm>
+          <a:prstGeom prst="rect">
+            <a:avLst/>
+          </a:prstGeom>
+          <a:noFill/>
+        </p:spPr>
+        <p:txBody>
+          <a:bodyPr wrap="none" rtlCol="0">
+            <a:spAutoFit/>
+          </a:bodyPr>
+          <a:lstStyle/>
+          <a:p>
+            <a:r>
+              <a:rPr lang="ko-KR" altLang="en-US" dirty="0"/>
+              <a:t>후보자 </a:t>
+            </a:r>
+            <a:r>
+              <a:rPr lang="en-US" altLang="ko-KR" dirty="0"/>
+              <a:t>: </a:t>
+            </a:r>
+            <a:r>
               <a:rPr lang="ko-KR" altLang="en-US" dirty="0" err="1"/>
-              <a:t>미시행</a:t>
-            </a:r>
-            <a:r>
-              <a:rPr lang="ko-KR" altLang="en-US" dirty="0"/>
-              <a:t> 시나리오 목록</a:t>
-            </a:r>
-          </a:p>
-        </p:txBody>
-      </p:sp>
-      <p:sp>
-        <p:nvSpPr>
-          <p:cNvPr id="3" name="내용 개체 틀 2">
-            <a:extLst>
-              <a:ext uri="{FF2B5EF4-FFF2-40B4-BE49-F238E27FC236}">
-                <a16:creationId xmlns:a16="http://schemas.microsoft.com/office/drawing/2014/main" id="{715E2CC5-4E5B-4624-A6DF-7FBBE383F416}"/>
+              <a:t>브릿지</a:t>
+            </a:r>
+            <a:endParaRPr lang="ko-KR" altLang="en-US" dirty="0"/>
+          </a:p>
+        </p:txBody>
+      </p:sp>
+    </p:spTree>
+    <p:extLst>
+      <p:ext uri="{BB962C8B-B14F-4D97-AF65-F5344CB8AC3E}">
+        <p14:creationId xmlns:p14="http://schemas.microsoft.com/office/powerpoint/2010/main" val="2161773696"/>
+      </p:ext>
+    </p:extLst>
+  </p:cSld>
+  <p:clrMapOvr>
+    <a:masterClrMapping/>
+  </p:clrMapOvr>
+</p:sld>
+</file>
+
+<file path=ppt/slides/slide37.xml><?xml version="1.0" encoding="utf-8"?>
+<p:sld xmlns:a="http://schemas.openxmlformats.org/drawingml/2006/main" xmlns:r="http://schemas.openxmlformats.org/officeDocument/2006/relationships" xmlns:p="http://schemas.openxmlformats.org/presentationml/2006/main">
+  <p:cSld>
+    <p:spTree>
+      <p:nvGrpSpPr>
+        <p:cNvPr id="1" name=""/>
+        <p:cNvGrpSpPr/>
+        <p:nvPr/>
+      </p:nvGrpSpPr>
+      <p:grpSpPr>
+        <a:xfrm>
+          <a:off x="0" y="0"/>
+          <a:ext cx="0" cy="0"/>
+          <a:chOff x="0" y="0"/>
+          <a:chExt cx="0" cy="0"/>
+        </a:xfrm>
+      </p:grpSpPr>
+      <p:sp>
+        <p:nvSpPr>
+          <p:cNvPr id="2" name="제목 1">
+            <a:extLst>
+              <a:ext uri="{FF2B5EF4-FFF2-40B4-BE49-F238E27FC236}">
+                <a16:creationId xmlns:a16="http://schemas.microsoft.com/office/drawing/2014/main" id="{CE8311AF-9A3C-4AF0-A6DD-50C5F36336F7}"/>
               </a:ext>
             </a:extLst>
           </p:cNvPr>
@@ -10726,48 +11300,115 @@
             <a:spLocks noGrp="1"/>
           </p:cNvSpPr>
           <p:nvPr>
+            <p:ph type="title"/>
+          </p:nvPr>
+        </p:nvSpPr>
+        <p:spPr/>
+        <p:txBody>
+          <a:bodyPr/>
+          <a:lstStyle/>
+          <a:p>
+            <a:r>
+              <a:rPr lang="ko-KR" altLang="en-US" sz="4400" dirty="0"/>
+              <a:t>시나리오</a:t>
+            </a:r>
+            <a:r>
+              <a:rPr lang="en-US" altLang="ko-KR" sz="4400" dirty="0"/>
+              <a:t>#19 : </a:t>
+            </a:r>
+            <a:r>
+              <a:rPr lang="ko-KR" altLang="en-US" sz="4400" dirty="0"/>
+              <a:t>관리자가 후보자가 </a:t>
+            </a:r>
+            <a:r>
+              <a:rPr lang="en-US" altLang="ko-KR" sz="4400" dirty="0"/>
+              <a:t>2</a:t>
+            </a:r>
+            <a:r>
+              <a:rPr lang="ko-KR" altLang="en-US" sz="4400" dirty="0"/>
+              <a:t>개인 </a:t>
+            </a:r>
+            <a:r>
+              <a:rPr lang="en-US" altLang="ko-KR" sz="4400" dirty="0"/>
+              <a:t>[</a:t>
+            </a:r>
+            <a:r>
+              <a:rPr lang="ko-KR" altLang="en-US" sz="4400" dirty="0"/>
+              <a:t>선거생성</a:t>
+            </a:r>
+            <a:r>
+              <a:rPr lang="en-US" altLang="ko-KR" sz="4400" dirty="0"/>
+              <a:t>]</a:t>
+            </a:r>
+            <a:endParaRPr lang="ko-KR" altLang="en-US" dirty="0"/>
+          </a:p>
+        </p:txBody>
+      </p:sp>
+      <p:pic>
+        <p:nvPicPr>
+          <p:cNvPr id="5" name="내용 개체 틀 4">
+            <a:extLst>
+              <a:ext uri="{FF2B5EF4-FFF2-40B4-BE49-F238E27FC236}">
+                <a16:creationId xmlns:a16="http://schemas.microsoft.com/office/drawing/2014/main" id="{48D92CF7-94F9-4928-B487-B2A6516871B5}"/>
+              </a:ext>
+            </a:extLst>
+          </p:cNvPr>
+          <p:cNvPicPr>
+            <a:picLocks noGrp="1" noChangeAspect="1"/>
+          </p:cNvPicPr>
+          <p:nvPr>
             <p:ph idx="1"/>
           </p:nvPr>
-        </p:nvSpPr>
-        <p:spPr/>
-        <p:txBody>
-          <a:bodyPr/>
-          <a:lstStyle/>
-          <a:p>
-            <a:r>
-              <a:rPr lang="ko-KR" altLang="en-US" dirty="0"/>
-              <a:t>선거에 학생이 투표한 후에 관리자가 선거를 강제종료</a:t>
-            </a:r>
-            <a:endParaRPr lang="en-US" altLang="ko-KR" dirty="0"/>
-          </a:p>
-          <a:p>
-            <a:r>
-              <a:rPr lang="ko-KR" altLang="en-US" dirty="0"/>
-              <a:t>선거 결과 확인에 대한 시나리오는 준비하지 않음</a:t>
+        </p:nvPicPr>
+        <p:blipFill>
+          <a:blip r:embed="rId2"/>
+          <a:stretch>
+            <a:fillRect/>
+          </a:stretch>
+        </p:blipFill>
+        <p:spPr>
+          <a:xfrm>
+            <a:off x="2781300" y="3401219"/>
+            <a:ext cx="6629400" cy="1200150"/>
+          </a:xfrm>
+        </p:spPr>
+      </p:pic>
+      <p:sp>
+        <p:nvSpPr>
+          <p:cNvPr id="6" name="TextBox 5">
+            <a:extLst>
+              <a:ext uri="{FF2B5EF4-FFF2-40B4-BE49-F238E27FC236}">
+                <a16:creationId xmlns:a16="http://schemas.microsoft.com/office/drawing/2014/main" id="{A39DD7D3-6A72-4183-BB63-7436C939662A}"/>
+              </a:ext>
+            </a:extLst>
+          </p:cNvPr>
+          <p:cNvSpPr txBox="1"/>
+          <p:nvPr/>
+        </p:nvSpPr>
+        <p:spPr>
+          <a:xfrm>
+            <a:off x="5088352" y="2614863"/>
+            <a:ext cx="2015295" cy="369332"/>
+          </a:xfrm>
+          <a:prstGeom prst="rect">
+            <a:avLst/>
+          </a:prstGeom>
+          <a:noFill/>
+        </p:spPr>
+        <p:txBody>
+          <a:bodyPr wrap="none" rtlCol="0">
+            <a:spAutoFit/>
+          </a:bodyPr>
+          <a:lstStyle/>
+          <a:p>
+            <a:r>
+              <a:rPr lang="ko-KR" altLang="en-US" dirty="0"/>
+              <a:t>파일도 잘 생성됨</a:t>
             </a:r>
             <a:r>
               <a:rPr lang="en-US" altLang="ko-KR" dirty="0"/>
               <a:t>.</a:t>
             </a:r>
-          </a:p>
-          <a:p>
-            <a:pPr marL="0" indent="0">
-              <a:buNone/>
-            </a:pPr>
-            <a:r>
-              <a:rPr lang="en-US" altLang="ko-KR" dirty="0"/>
-              <a:t>=&gt; </a:t>
-            </a:r>
-            <a:r>
-              <a:rPr lang="ko-KR" altLang="en-US" dirty="0"/>
-              <a:t>혜령 팀원 담당임</a:t>
-            </a:r>
-            <a:endParaRPr lang="en-US" altLang="ko-KR" dirty="0"/>
-          </a:p>
-          <a:p>
-            <a:endParaRPr lang="en-US" altLang="ko-KR" dirty="0"/>
-          </a:p>
-          <a:p>
             <a:endParaRPr lang="ko-KR" altLang="en-US" dirty="0"/>
           </a:p>
         </p:txBody>
@@ -10775,7 +11416,270 @@
     </p:spTree>
     <p:extLst>
       <p:ext uri="{BB962C8B-B14F-4D97-AF65-F5344CB8AC3E}">
-        <p14:creationId xmlns:p14="http://schemas.microsoft.com/office/powerpoint/2010/main" val="947573483"/>
+        <p14:creationId xmlns:p14="http://schemas.microsoft.com/office/powerpoint/2010/main" val="182598983"/>
+      </p:ext>
+    </p:extLst>
+  </p:cSld>
+  <p:clrMapOvr>
+    <a:masterClrMapping/>
+  </p:clrMapOvr>
+</p:sld>
+</file>
+
+<file path=ppt/slides/slide38.xml><?xml version="1.0" encoding="utf-8"?>
+<p:sld xmlns:a="http://schemas.openxmlformats.org/drawingml/2006/main" xmlns:r="http://schemas.openxmlformats.org/officeDocument/2006/relationships" xmlns:p="http://schemas.openxmlformats.org/presentationml/2006/main">
+  <p:cSld>
+    <p:spTree>
+      <p:nvGrpSpPr>
+        <p:cNvPr id="1" name=""/>
+        <p:cNvGrpSpPr/>
+        <p:nvPr/>
+      </p:nvGrpSpPr>
+      <p:grpSpPr>
+        <a:xfrm>
+          <a:off x="0" y="0"/>
+          <a:ext cx="0" cy="0"/>
+          <a:chOff x="0" y="0"/>
+          <a:chExt cx="0" cy="0"/>
+        </a:xfrm>
+      </p:grpSpPr>
+      <p:sp>
+        <p:nvSpPr>
+          <p:cNvPr id="2" name="제목 1">
+            <a:extLst>
+              <a:ext uri="{FF2B5EF4-FFF2-40B4-BE49-F238E27FC236}">
+                <a16:creationId xmlns:a16="http://schemas.microsoft.com/office/drawing/2014/main" id="{C5B6346B-C04A-430F-98FE-D8B71EE1D121}"/>
+              </a:ext>
+            </a:extLst>
+          </p:cNvPr>
+          <p:cNvSpPr>
+            <a:spLocks noGrp="1"/>
+          </p:cNvSpPr>
+          <p:nvPr>
+            <p:ph type="title"/>
+          </p:nvPr>
+        </p:nvSpPr>
+        <p:spPr/>
+        <p:txBody>
+          <a:bodyPr/>
+          <a:lstStyle/>
+          <a:p>
+            <a:r>
+              <a:rPr lang="ko-KR" altLang="en-US" sz="4400" dirty="0"/>
+              <a:t>시나리오</a:t>
+            </a:r>
+            <a:r>
+              <a:rPr lang="en-US" altLang="ko-KR" sz="4400" dirty="0"/>
+              <a:t>#20 : </a:t>
+            </a:r>
+            <a:r>
+              <a:rPr lang="ko-KR" altLang="en-US" sz="4400" dirty="0"/>
+              <a:t>관리자가 후보자가 </a:t>
+            </a:r>
+            <a:r>
+              <a:rPr lang="en-US" altLang="ko-KR" sz="4400" dirty="0"/>
+              <a:t>2</a:t>
+            </a:r>
+            <a:r>
+              <a:rPr lang="ko-KR" altLang="en-US" sz="4400" dirty="0"/>
+              <a:t>개인 </a:t>
+            </a:r>
+            <a:r>
+              <a:rPr lang="en-US" altLang="ko-KR" sz="4400" dirty="0"/>
+              <a:t>[</a:t>
+            </a:r>
+            <a:r>
+              <a:rPr lang="ko-KR" altLang="en-US" sz="4400" dirty="0"/>
+              <a:t>선거관리</a:t>
+            </a:r>
+            <a:r>
+              <a:rPr lang="en-US" altLang="ko-KR" sz="4400" dirty="0"/>
+              <a:t>]</a:t>
+            </a:r>
+            <a:endParaRPr lang="ko-KR" altLang="en-US" dirty="0"/>
+          </a:p>
+        </p:txBody>
+      </p:sp>
+      <p:pic>
+        <p:nvPicPr>
+          <p:cNvPr id="5" name="내용 개체 틀 4">
+            <a:extLst>
+              <a:ext uri="{FF2B5EF4-FFF2-40B4-BE49-F238E27FC236}">
+                <a16:creationId xmlns:a16="http://schemas.microsoft.com/office/drawing/2014/main" id="{BD581756-EDD8-426E-A7CC-8D3A2F319CDE}"/>
+              </a:ext>
+            </a:extLst>
+          </p:cNvPr>
+          <p:cNvPicPr>
+            <a:picLocks noGrp="1" noChangeAspect="1"/>
+          </p:cNvPicPr>
+          <p:nvPr>
+            <p:ph idx="1"/>
+          </p:nvPr>
+        </p:nvPicPr>
+        <p:blipFill>
+          <a:blip r:embed="rId2"/>
+          <a:stretch>
+            <a:fillRect/>
+          </a:stretch>
+        </p:blipFill>
+        <p:spPr>
+          <a:xfrm>
+            <a:off x="6725652" y="2011529"/>
+            <a:ext cx="2620939" cy="4351338"/>
+          </a:xfrm>
+        </p:spPr>
+      </p:pic>
+      <p:pic>
+        <p:nvPicPr>
+          <p:cNvPr id="7" name="그림 6">
+            <a:extLst>
+              <a:ext uri="{FF2B5EF4-FFF2-40B4-BE49-F238E27FC236}">
+                <a16:creationId xmlns:a16="http://schemas.microsoft.com/office/drawing/2014/main" id="{5A126F05-07EA-4C07-BA26-1D2BCB4BD4F4}"/>
+              </a:ext>
+            </a:extLst>
+          </p:cNvPr>
+          <p:cNvPicPr>
+            <a:picLocks noChangeAspect="1"/>
+          </p:cNvPicPr>
+          <p:nvPr/>
+        </p:nvPicPr>
+        <p:blipFill>
+          <a:blip r:embed="rId3"/>
+          <a:stretch>
+            <a:fillRect/>
+          </a:stretch>
+        </p:blipFill>
+        <p:spPr>
+          <a:xfrm>
+            <a:off x="2528887" y="2011390"/>
+            <a:ext cx="2620939" cy="4351477"/>
+          </a:xfrm>
+          <a:prstGeom prst="rect">
+            <a:avLst/>
+          </a:prstGeom>
+        </p:spPr>
+      </p:pic>
+    </p:spTree>
+    <p:extLst>
+      <p:ext uri="{BB962C8B-B14F-4D97-AF65-F5344CB8AC3E}">
+        <p14:creationId xmlns:p14="http://schemas.microsoft.com/office/powerpoint/2010/main" val="706325845"/>
+      </p:ext>
+    </p:extLst>
+  </p:cSld>
+  <p:clrMapOvr>
+    <a:masterClrMapping/>
+  </p:clrMapOvr>
+</p:sld>
+</file>
+
+<file path=ppt/slides/slide39.xml><?xml version="1.0" encoding="utf-8"?>
+<p:sld xmlns:a="http://schemas.openxmlformats.org/drawingml/2006/main" xmlns:r="http://schemas.openxmlformats.org/officeDocument/2006/relationships" xmlns:p="http://schemas.openxmlformats.org/presentationml/2006/main">
+  <p:cSld>
+    <p:spTree>
+      <p:nvGrpSpPr>
+        <p:cNvPr id="1" name=""/>
+        <p:cNvGrpSpPr/>
+        <p:nvPr/>
+      </p:nvGrpSpPr>
+      <p:grpSpPr>
+        <a:xfrm>
+          <a:off x="0" y="0"/>
+          <a:ext cx="0" cy="0"/>
+          <a:chOff x="0" y="0"/>
+          <a:chExt cx="0" cy="0"/>
+        </a:xfrm>
+      </p:grpSpPr>
+      <p:sp>
+        <p:nvSpPr>
+          <p:cNvPr id="2" name="제목 1">
+            <a:extLst>
+              <a:ext uri="{FF2B5EF4-FFF2-40B4-BE49-F238E27FC236}">
+                <a16:creationId xmlns:a16="http://schemas.microsoft.com/office/drawing/2014/main" id="{493BC712-AB7D-4429-8768-D21C67A95AD8}"/>
+              </a:ext>
+            </a:extLst>
+          </p:cNvPr>
+          <p:cNvSpPr>
+            <a:spLocks noGrp="1"/>
+          </p:cNvSpPr>
+          <p:nvPr>
+            <p:ph type="title"/>
+          </p:nvPr>
+        </p:nvSpPr>
+        <p:spPr/>
+        <p:txBody>
+          <a:bodyPr/>
+          <a:lstStyle/>
+          <a:p>
+            <a:r>
+              <a:rPr lang="ko-KR" altLang="en-US" sz="4400" dirty="0"/>
+              <a:t>시나리오</a:t>
+            </a:r>
+            <a:r>
+              <a:rPr lang="en-US" altLang="ko-KR" sz="4400" dirty="0"/>
+              <a:t>#21 : </a:t>
+            </a:r>
+            <a:r>
+              <a:rPr lang="ko-KR" altLang="en-US" sz="4400" dirty="0"/>
+              <a:t>관리자가 후보자가 </a:t>
+            </a:r>
+            <a:r>
+              <a:rPr lang="en-US" altLang="ko-KR" sz="4400" dirty="0"/>
+              <a:t>2</a:t>
+            </a:r>
+            <a:r>
+              <a:rPr lang="ko-KR" altLang="en-US" sz="4400" dirty="0"/>
+              <a:t>개인 </a:t>
+            </a:r>
+            <a:r>
+              <a:rPr lang="en-US" altLang="ko-KR" sz="4400" dirty="0"/>
+              <a:t>[</a:t>
+            </a:r>
+            <a:r>
+              <a:rPr lang="ko-KR" altLang="en-US" sz="4400" dirty="0"/>
+              <a:t>투표율확인</a:t>
+            </a:r>
+            <a:r>
+              <a:rPr lang="en-US" altLang="ko-KR" sz="4400" dirty="0"/>
+              <a:t>]</a:t>
+            </a:r>
+            <a:endParaRPr lang="ko-KR" altLang="en-US" dirty="0"/>
+          </a:p>
+        </p:txBody>
+      </p:sp>
+      <p:pic>
+        <p:nvPicPr>
+          <p:cNvPr id="5" name="그림 4">
+            <a:extLst>
+              <a:ext uri="{FF2B5EF4-FFF2-40B4-BE49-F238E27FC236}">
+                <a16:creationId xmlns:a16="http://schemas.microsoft.com/office/drawing/2014/main" id="{095CD9BF-3891-4A28-B24D-A5CC1177FC33}"/>
+              </a:ext>
+            </a:extLst>
+          </p:cNvPr>
+          <p:cNvPicPr>
+            <a:picLocks noChangeAspect="1"/>
+          </p:cNvPicPr>
+          <p:nvPr/>
+        </p:nvPicPr>
+        <p:blipFill>
+          <a:blip r:embed="rId2"/>
+          <a:stretch>
+            <a:fillRect/>
+          </a:stretch>
+        </p:blipFill>
+        <p:spPr>
+          <a:xfrm>
+            <a:off x="4376737" y="1690688"/>
+            <a:ext cx="2758221" cy="4614862"/>
+          </a:xfrm>
+          <a:prstGeom prst="rect">
+            <a:avLst/>
+          </a:prstGeom>
+        </p:spPr>
+      </p:pic>
+    </p:spTree>
+    <p:extLst>
+      <p:ext uri="{BB962C8B-B14F-4D97-AF65-F5344CB8AC3E}">
+        <p14:creationId xmlns:p14="http://schemas.microsoft.com/office/powerpoint/2010/main" val="655605840"/>
       </p:ext>
     </p:extLst>
   </p:cSld>
@@ -10962,6 +11866,2888 @@
 </p:sld>
 </file>
 
+<file path=ppt/slides/slide40.xml><?xml version="1.0" encoding="utf-8"?>
+<p:sld xmlns:a="http://schemas.openxmlformats.org/drawingml/2006/main" xmlns:r="http://schemas.openxmlformats.org/officeDocument/2006/relationships" xmlns:p="http://schemas.openxmlformats.org/presentationml/2006/main">
+  <p:cSld>
+    <p:spTree>
+      <p:nvGrpSpPr>
+        <p:cNvPr id="1" name=""/>
+        <p:cNvGrpSpPr/>
+        <p:nvPr/>
+      </p:nvGrpSpPr>
+      <p:grpSpPr>
+        <a:xfrm>
+          <a:off x="0" y="0"/>
+          <a:ext cx="0" cy="0"/>
+          <a:chOff x="0" y="0"/>
+          <a:chExt cx="0" cy="0"/>
+        </a:xfrm>
+      </p:grpSpPr>
+      <p:sp>
+        <p:nvSpPr>
+          <p:cNvPr id="2" name="제목 1">
+            <a:extLst>
+              <a:ext uri="{FF2B5EF4-FFF2-40B4-BE49-F238E27FC236}">
+                <a16:creationId xmlns:a16="http://schemas.microsoft.com/office/drawing/2014/main" id="{493BC712-AB7D-4429-8768-D21C67A95AD8}"/>
+              </a:ext>
+            </a:extLst>
+          </p:cNvPr>
+          <p:cNvSpPr>
+            <a:spLocks noGrp="1"/>
+          </p:cNvSpPr>
+          <p:nvPr>
+            <p:ph type="title"/>
+          </p:nvPr>
+        </p:nvSpPr>
+        <p:spPr/>
+        <p:txBody>
+          <a:bodyPr/>
+          <a:lstStyle/>
+          <a:p>
+            <a:r>
+              <a:rPr lang="ko-KR" altLang="en-US" sz="4400" dirty="0"/>
+              <a:t>시나리오</a:t>
+            </a:r>
+            <a:r>
+              <a:rPr lang="en-US" altLang="ko-KR" sz="4400" dirty="0"/>
+              <a:t>#22 : </a:t>
+            </a:r>
+            <a:r>
+              <a:rPr lang="ko-KR" altLang="en-US" sz="4400" dirty="0"/>
+              <a:t>후보자가 </a:t>
+            </a:r>
+            <a:r>
+              <a:rPr lang="en-US" altLang="ko-KR" sz="4400" dirty="0"/>
+              <a:t>2</a:t>
+            </a:r>
+            <a:r>
+              <a:rPr lang="ko-KR" altLang="en-US" sz="4400" dirty="0"/>
+              <a:t>개인 선거 존재 시</a:t>
+            </a:r>
+            <a:r>
+              <a:rPr lang="en-US" altLang="ko-KR" sz="4400" dirty="0"/>
+              <a:t>, </a:t>
+            </a:r>
+            <a:r>
+              <a:rPr lang="ko-KR" altLang="en-US" sz="4400" dirty="0"/>
+              <a:t>학생이 </a:t>
+            </a:r>
+            <a:r>
+              <a:rPr lang="en-US" altLang="ko-KR" sz="4400" dirty="0"/>
+              <a:t>[</a:t>
+            </a:r>
+            <a:r>
+              <a:rPr lang="ko-KR" altLang="en-US" sz="4400" dirty="0"/>
+              <a:t>내투표확인</a:t>
+            </a:r>
+            <a:r>
+              <a:rPr lang="en-US" altLang="ko-KR" sz="4400" dirty="0"/>
+              <a:t>]</a:t>
+            </a:r>
+            <a:endParaRPr lang="ko-KR" altLang="en-US" dirty="0"/>
+          </a:p>
+        </p:txBody>
+      </p:sp>
+      <p:pic>
+        <p:nvPicPr>
+          <p:cNvPr id="7" name="내용 개체 틀 6">
+            <a:extLst>
+              <a:ext uri="{FF2B5EF4-FFF2-40B4-BE49-F238E27FC236}">
+                <a16:creationId xmlns:a16="http://schemas.microsoft.com/office/drawing/2014/main" id="{0431F401-8289-487A-95C3-69B08B4317F1}"/>
+              </a:ext>
+            </a:extLst>
+          </p:cNvPr>
+          <p:cNvPicPr>
+            <a:picLocks noGrp="1" noChangeAspect="1"/>
+          </p:cNvPicPr>
+          <p:nvPr>
+            <p:ph idx="1"/>
+          </p:nvPr>
+        </p:nvPicPr>
+        <p:blipFill>
+          <a:blip r:embed="rId2"/>
+          <a:stretch>
+            <a:fillRect/>
+          </a:stretch>
+        </p:blipFill>
+        <p:spPr>
+          <a:xfrm>
+            <a:off x="4792039" y="1825625"/>
+            <a:ext cx="2607921" cy="4351338"/>
+          </a:xfrm>
+        </p:spPr>
+      </p:pic>
+    </p:spTree>
+    <p:extLst>
+      <p:ext uri="{BB962C8B-B14F-4D97-AF65-F5344CB8AC3E}">
+        <p14:creationId xmlns:p14="http://schemas.microsoft.com/office/powerpoint/2010/main" val="125468689"/>
+      </p:ext>
+    </p:extLst>
+  </p:cSld>
+  <p:clrMapOvr>
+    <a:masterClrMapping/>
+  </p:clrMapOvr>
+</p:sld>
+</file>
+
+<file path=ppt/slides/slide41.xml><?xml version="1.0" encoding="utf-8"?>
+<p:sld xmlns:a="http://schemas.openxmlformats.org/drawingml/2006/main" xmlns:r="http://schemas.openxmlformats.org/officeDocument/2006/relationships" xmlns:p="http://schemas.openxmlformats.org/presentationml/2006/main">
+  <p:cSld>
+    <p:spTree>
+      <p:nvGrpSpPr>
+        <p:cNvPr id="1" name=""/>
+        <p:cNvGrpSpPr/>
+        <p:nvPr/>
+      </p:nvGrpSpPr>
+      <p:grpSpPr>
+        <a:xfrm>
+          <a:off x="0" y="0"/>
+          <a:ext cx="0" cy="0"/>
+          <a:chOff x="0" y="0"/>
+          <a:chExt cx="0" cy="0"/>
+        </a:xfrm>
+      </p:grpSpPr>
+      <p:sp>
+        <p:nvSpPr>
+          <p:cNvPr id="2" name="제목 1">
+            <a:extLst>
+              <a:ext uri="{FF2B5EF4-FFF2-40B4-BE49-F238E27FC236}">
+                <a16:creationId xmlns:a16="http://schemas.microsoft.com/office/drawing/2014/main" id="{493BC712-AB7D-4429-8768-D21C67A95AD8}"/>
+              </a:ext>
+            </a:extLst>
+          </p:cNvPr>
+          <p:cNvSpPr>
+            <a:spLocks noGrp="1"/>
+          </p:cNvSpPr>
+          <p:nvPr>
+            <p:ph type="title"/>
+          </p:nvPr>
+        </p:nvSpPr>
+        <p:spPr/>
+        <p:txBody>
+          <a:bodyPr/>
+          <a:lstStyle/>
+          <a:p>
+            <a:r>
+              <a:rPr lang="ko-KR" altLang="en-US" sz="4400" dirty="0"/>
+              <a:t>시나리오</a:t>
+            </a:r>
+            <a:r>
+              <a:rPr lang="en-US" altLang="ko-KR" sz="4400" dirty="0"/>
+              <a:t>#23 : </a:t>
+            </a:r>
+            <a:r>
+              <a:rPr lang="ko-KR" altLang="en-US" sz="4400" dirty="0"/>
+              <a:t>후보자가 </a:t>
+            </a:r>
+            <a:r>
+              <a:rPr lang="en-US" altLang="ko-KR" sz="4400" dirty="0"/>
+              <a:t>2</a:t>
+            </a:r>
+            <a:r>
+              <a:rPr lang="ko-KR" altLang="en-US" sz="4400" dirty="0"/>
+              <a:t>개인 선거 존재 시</a:t>
+            </a:r>
+            <a:r>
+              <a:rPr lang="en-US" altLang="ko-KR" sz="4400" dirty="0"/>
+              <a:t>, </a:t>
+            </a:r>
+            <a:r>
+              <a:rPr lang="ko-KR" altLang="en-US" sz="4400" dirty="0"/>
+              <a:t>학생이 </a:t>
+            </a:r>
+            <a:r>
+              <a:rPr lang="en-US" altLang="ko-KR" sz="4400" dirty="0"/>
+              <a:t>[</a:t>
+            </a:r>
+            <a:r>
+              <a:rPr lang="ko-KR" altLang="en-US" sz="4400" dirty="0"/>
+              <a:t>투표하기</a:t>
+            </a:r>
+            <a:r>
+              <a:rPr lang="en-US" altLang="ko-KR" sz="4400" dirty="0"/>
+              <a:t>]</a:t>
+            </a:r>
+            <a:endParaRPr lang="ko-KR" altLang="en-US" dirty="0"/>
+          </a:p>
+        </p:txBody>
+      </p:sp>
+      <p:pic>
+        <p:nvPicPr>
+          <p:cNvPr id="5" name="내용 개체 틀 4">
+            <a:extLst>
+              <a:ext uri="{FF2B5EF4-FFF2-40B4-BE49-F238E27FC236}">
+                <a16:creationId xmlns:a16="http://schemas.microsoft.com/office/drawing/2014/main" id="{F54B244D-B87A-4921-8885-6AEE2E871291}"/>
+              </a:ext>
+            </a:extLst>
+          </p:cNvPr>
+          <p:cNvPicPr>
+            <a:picLocks noGrp="1" noChangeAspect="1"/>
+          </p:cNvPicPr>
+          <p:nvPr>
+            <p:ph idx="1"/>
+          </p:nvPr>
+        </p:nvPicPr>
+        <p:blipFill>
+          <a:blip r:embed="rId2"/>
+          <a:stretch>
+            <a:fillRect/>
+          </a:stretch>
+        </p:blipFill>
+        <p:spPr>
+          <a:xfrm>
+            <a:off x="5787999" y="1864700"/>
+            <a:ext cx="2596536" cy="4351338"/>
+          </a:xfrm>
+        </p:spPr>
+      </p:pic>
+      <p:sp>
+        <p:nvSpPr>
+          <p:cNvPr id="6" name="TextBox 5">
+            <a:extLst>
+              <a:ext uri="{FF2B5EF4-FFF2-40B4-BE49-F238E27FC236}">
+                <a16:creationId xmlns:a16="http://schemas.microsoft.com/office/drawing/2014/main" id="{97541209-DD43-44A6-9E5B-27B74D66463C}"/>
+              </a:ext>
+            </a:extLst>
+          </p:cNvPr>
+          <p:cNvSpPr txBox="1"/>
+          <p:nvPr/>
+        </p:nvSpPr>
+        <p:spPr>
+          <a:xfrm>
+            <a:off x="2389435" y="2904827"/>
+            <a:ext cx="2738250" cy="646331"/>
+          </a:xfrm>
+          <a:prstGeom prst="rect">
+            <a:avLst/>
+          </a:prstGeom>
+          <a:noFill/>
+        </p:spPr>
+        <p:txBody>
+          <a:bodyPr wrap="none" rtlCol="0">
+            <a:spAutoFit/>
+          </a:bodyPr>
+          <a:lstStyle/>
+          <a:p>
+            <a:r>
+              <a:rPr lang="ko-KR" altLang="en-US" dirty="0"/>
+              <a:t>투표하기 버튼 누를 시 </a:t>
+            </a:r>
+            <a:endParaRPr lang="en-US" altLang="ko-KR" dirty="0"/>
+          </a:p>
+          <a:p>
+            <a:r>
+              <a:rPr lang="ko-KR" altLang="en-US" dirty="0"/>
+              <a:t>나오는 유의사항 페이지</a:t>
+            </a:r>
+          </a:p>
+        </p:txBody>
+      </p:sp>
+    </p:spTree>
+    <p:extLst>
+      <p:ext uri="{BB962C8B-B14F-4D97-AF65-F5344CB8AC3E}">
+        <p14:creationId xmlns:p14="http://schemas.microsoft.com/office/powerpoint/2010/main" val="2579625353"/>
+      </p:ext>
+    </p:extLst>
+  </p:cSld>
+  <p:clrMapOvr>
+    <a:masterClrMapping/>
+  </p:clrMapOvr>
+</p:sld>
+</file>
+
+<file path=ppt/slides/slide42.xml><?xml version="1.0" encoding="utf-8"?>
+<p:sld xmlns:a="http://schemas.openxmlformats.org/drawingml/2006/main" xmlns:r="http://schemas.openxmlformats.org/officeDocument/2006/relationships" xmlns:p="http://schemas.openxmlformats.org/presentationml/2006/main">
+  <p:cSld>
+    <p:spTree>
+      <p:nvGrpSpPr>
+        <p:cNvPr id="1" name=""/>
+        <p:cNvGrpSpPr/>
+        <p:nvPr/>
+      </p:nvGrpSpPr>
+      <p:grpSpPr>
+        <a:xfrm>
+          <a:off x="0" y="0"/>
+          <a:ext cx="0" cy="0"/>
+          <a:chOff x="0" y="0"/>
+          <a:chExt cx="0" cy="0"/>
+        </a:xfrm>
+      </p:grpSpPr>
+      <p:sp>
+        <p:nvSpPr>
+          <p:cNvPr id="2" name="제목 1">
+            <a:extLst>
+              <a:ext uri="{FF2B5EF4-FFF2-40B4-BE49-F238E27FC236}">
+                <a16:creationId xmlns:a16="http://schemas.microsoft.com/office/drawing/2014/main" id="{37D198E4-2794-4DFB-A7D5-64AB760A7313}"/>
+              </a:ext>
+            </a:extLst>
+          </p:cNvPr>
+          <p:cNvSpPr>
+            <a:spLocks noGrp="1"/>
+          </p:cNvSpPr>
+          <p:nvPr>
+            <p:ph type="title"/>
+          </p:nvPr>
+        </p:nvSpPr>
+        <p:spPr/>
+        <p:txBody>
+          <a:bodyPr/>
+          <a:lstStyle/>
+          <a:p>
+            <a:r>
+              <a:rPr lang="ko-KR" altLang="en-US" sz="4400" dirty="0"/>
+              <a:t>시나리오</a:t>
+            </a:r>
+            <a:r>
+              <a:rPr lang="en-US" altLang="ko-KR" sz="4400" dirty="0"/>
+              <a:t>#23 : </a:t>
+            </a:r>
+            <a:r>
+              <a:rPr lang="ko-KR" altLang="en-US" sz="4400" dirty="0"/>
+              <a:t>후보자가 </a:t>
+            </a:r>
+            <a:r>
+              <a:rPr lang="en-US" altLang="ko-KR" sz="4400" dirty="0"/>
+              <a:t>2</a:t>
+            </a:r>
+            <a:r>
+              <a:rPr lang="ko-KR" altLang="en-US" sz="4400" dirty="0"/>
+              <a:t>개인 선거 존재 시</a:t>
+            </a:r>
+            <a:r>
+              <a:rPr lang="en-US" altLang="ko-KR" sz="4400" dirty="0"/>
+              <a:t>, </a:t>
+            </a:r>
+            <a:r>
+              <a:rPr lang="ko-KR" altLang="en-US" sz="4400" dirty="0"/>
+              <a:t>학생이 </a:t>
+            </a:r>
+            <a:r>
+              <a:rPr lang="en-US" altLang="ko-KR" sz="4400" dirty="0"/>
+              <a:t>[</a:t>
+            </a:r>
+            <a:r>
+              <a:rPr lang="ko-KR" altLang="en-US" sz="4400" dirty="0"/>
+              <a:t>투표하기</a:t>
+            </a:r>
+            <a:r>
+              <a:rPr lang="en-US" altLang="ko-KR" sz="4400" dirty="0"/>
+              <a:t>]</a:t>
+            </a:r>
+            <a:endParaRPr lang="ko-KR" altLang="en-US" dirty="0"/>
+          </a:p>
+        </p:txBody>
+      </p:sp>
+      <p:pic>
+        <p:nvPicPr>
+          <p:cNvPr id="5" name="그림 4">
+            <a:extLst>
+              <a:ext uri="{FF2B5EF4-FFF2-40B4-BE49-F238E27FC236}">
+                <a16:creationId xmlns:a16="http://schemas.microsoft.com/office/drawing/2014/main" id="{046370C2-BD2C-4582-86DF-2607943743A1}"/>
+              </a:ext>
+            </a:extLst>
+          </p:cNvPr>
+          <p:cNvPicPr>
+            <a:picLocks noChangeAspect="1"/>
+          </p:cNvPicPr>
+          <p:nvPr/>
+        </p:nvPicPr>
+        <p:blipFill>
+          <a:blip r:embed="rId2"/>
+          <a:stretch>
+            <a:fillRect/>
+          </a:stretch>
+        </p:blipFill>
+        <p:spPr>
+          <a:xfrm>
+            <a:off x="838200" y="2437397"/>
+            <a:ext cx="6010275" cy="2400300"/>
+          </a:xfrm>
+          <a:prstGeom prst="rect">
+            <a:avLst/>
+          </a:prstGeom>
+        </p:spPr>
+      </p:pic>
+      <p:pic>
+        <p:nvPicPr>
+          <p:cNvPr id="7" name="그림 6">
+            <a:extLst>
+              <a:ext uri="{FF2B5EF4-FFF2-40B4-BE49-F238E27FC236}">
+                <a16:creationId xmlns:a16="http://schemas.microsoft.com/office/drawing/2014/main" id="{2FA2DAB9-9874-4CC8-8234-2BFDCA2E5E73}"/>
+              </a:ext>
+            </a:extLst>
+          </p:cNvPr>
+          <p:cNvPicPr>
+            <a:picLocks noChangeAspect="1"/>
+          </p:cNvPicPr>
+          <p:nvPr/>
+        </p:nvPicPr>
+        <p:blipFill>
+          <a:blip r:embed="rId3"/>
+          <a:stretch>
+            <a:fillRect/>
+          </a:stretch>
+        </p:blipFill>
+        <p:spPr>
+          <a:xfrm>
+            <a:off x="6029325" y="3324225"/>
+            <a:ext cx="6162675" cy="3533775"/>
+          </a:xfrm>
+          <a:prstGeom prst="rect">
+            <a:avLst/>
+          </a:prstGeom>
+        </p:spPr>
+      </p:pic>
+      <p:sp>
+        <p:nvSpPr>
+          <p:cNvPr id="8" name="TextBox 7">
+            <a:extLst>
+              <a:ext uri="{FF2B5EF4-FFF2-40B4-BE49-F238E27FC236}">
+                <a16:creationId xmlns:a16="http://schemas.microsoft.com/office/drawing/2014/main" id="{0C1B2A79-FFEA-4A9B-85DD-E7AE27A8E9A8}"/>
+              </a:ext>
+            </a:extLst>
+          </p:cNvPr>
+          <p:cNvSpPr txBox="1"/>
+          <p:nvPr/>
+        </p:nvSpPr>
+        <p:spPr>
+          <a:xfrm>
+            <a:off x="907308" y="2068065"/>
+            <a:ext cx="5872057" cy="369332"/>
+          </a:xfrm>
+          <a:prstGeom prst="rect">
+            <a:avLst/>
+          </a:prstGeom>
+          <a:noFill/>
+        </p:spPr>
+        <p:txBody>
+          <a:bodyPr wrap="none" rtlCol="0">
+            <a:spAutoFit/>
+          </a:bodyPr>
+          <a:lstStyle/>
+          <a:p>
+            <a:r>
+              <a:rPr lang="en-US" altLang="ko-KR" dirty="0"/>
+              <a:t>Student </a:t>
+            </a:r>
+            <a:r>
+              <a:rPr lang="ko-KR" altLang="en-US" dirty="0"/>
+              <a:t>객체 생성됨</a:t>
+            </a:r>
+            <a:r>
+              <a:rPr lang="en-US" altLang="ko-KR" dirty="0"/>
+              <a:t>. Slot1</a:t>
+            </a:r>
+            <a:r>
+              <a:rPr lang="ko-KR" altLang="en-US" dirty="0"/>
+              <a:t>에 생성된 </a:t>
+            </a:r>
+            <a:r>
+              <a:rPr lang="en-US" altLang="ko-KR" dirty="0" err="1"/>
+              <a:t>Vballot</a:t>
+            </a:r>
+            <a:r>
+              <a:rPr lang="ko-KR" altLang="en-US" dirty="0"/>
+              <a:t>이 </a:t>
+            </a:r>
+            <a:r>
+              <a:rPr lang="ko-KR" altLang="en-US" dirty="0" err="1"/>
+              <a:t>들어감</a:t>
+            </a:r>
+            <a:endParaRPr lang="ko-KR" altLang="en-US" dirty="0"/>
+          </a:p>
+        </p:txBody>
+      </p:sp>
+      <p:sp>
+        <p:nvSpPr>
+          <p:cNvPr id="9" name="TextBox 8">
+            <a:extLst>
+              <a:ext uri="{FF2B5EF4-FFF2-40B4-BE49-F238E27FC236}">
+                <a16:creationId xmlns:a16="http://schemas.microsoft.com/office/drawing/2014/main" id="{D8C5D23A-FC09-4B04-86D1-165370A68F2F}"/>
+              </a:ext>
+            </a:extLst>
+          </p:cNvPr>
+          <p:cNvSpPr txBox="1"/>
+          <p:nvPr/>
+        </p:nvSpPr>
+        <p:spPr>
+          <a:xfrm>
+            <a:off x="8131908" y="2869035"/>
+            <a:ext cx="2776658" cy="369332"/>
+          </a:xfrm>
+          <a:prstGeom prst="rect">
+            <a:avLst/>
+          </a:prstGeom>
+          <a:noFill/>
+        </p:spPr>
+        <p:txBody>
+          <a:bodyPr wrap="none" rtlCol="0">
+            <a:spAutoFit/>
+          </a:bodyPr>
+          <a:lstStyle/>
+          <a:p>
+            <a:r>
+              <a:rPr lang="en-US" altLang="ko-KR" dirty="0" err="1"/>
+              <a:t>Vballot</a:t>
+            </a:r>
+            <a:r>
+              <a:rPr lang="en-US" altLang="ko-KR" dirty="0"/>
+              <a:t> </a:t>
+            </a:r>
+            <a:r>
+              <a:rPr lang="ko-KR" altLang="en-US" dirty="0"/>
+              <a:t>투표용지 생성됨</a:t>
+            </a:r>
+          </a:p>
+        </p:txBody>
+      </p:sp>
+    </p:spTree>
+    <p:extLst>
+      <p:ext uri="{BB962C8B-B14F-4D97-AF65-F5344CB8AC3E}">
+        <p14:creationId xmlns:p14="http://schemas.microsoft.com/office/powerpoint/2010/main" val="647394891"/>
+      </p:ext>
+    </p:extLst>
+  </p:cSld>
+  <p:clrMapOvr>
+    <a:masterClrMapping/>
+  </p:clrMapOvr>
+</p:sld>
+</file>
+
+<file path=ppt/slides/slide43.xml><?xml version="1.0" encoding="utf-8"?>
+<p:sld xmlns:a="http://schemas.openxmlformats.org/drawingml/2006/main" xmlns:r="http://schemas.openxmlformats.org/officeDocument/2006/relationships" xmlns:p="http://schemas.openxmlformats.org/presentationml/2006/main">
+  <p:cSld>
+    <p:spTree>
+      <p:nvGrpSpPr>
+        <p:cNvPr id="1" name=""/>
+        <p:cNvGrpSpPr/>
+        <p:nvPr/>
+      </p:nvGrpSpPr>
+      <p:grpSpPr>
+        <a:xfrm>
+          <a:off x="0" y="0"/>
+          <a:ext cx="0" cy="0"/>
+          <a:chOff x="0" y="0"/>
+          <a:chExt cx="0" cy="0"/>
+        </a:xfrm>
+      </p:grpSpPr>
+      <p:sp>
+        <p:nvSpPr>
+          <p:cNvPr id="2" name="제목 1">
+            <a:extLst>
+              <a:ext uri="{FF2B5EF4-FFF2-40B4-BE49-F238E27FC236}">
+                <a16:creationId xmlns:a16="http://schemas.microsoft.com/office/drawing/2014/main" id="{8F75D81C-52BA-403F-83CC-8713A2AB3D7F}"/>
+              </a:ext>
+            </a:extLst>
+          </p:cNvPr>
+          <p:cNvSpPr>
+            <a:spLocks noGrp="1"/>
+          </p:cNvSpPr>
+          <p:nvPr>
+            <p:ph type="title"/>
+          </p:nvPr>
+        </p:nvSpPr>
+        <p:spPr/>
+        <p:txBody>
+          <a:bodyPr/>
+          <a:lstStyle/>
+          <a:p>
+            <a:r>
+              <a:rPr lang="ko-KR" altLang="en-US" sz="4400" dirty="0"/>
+              <a:t>시나리오</a:t>
+            </a:r>
+            <a:r>
+              <a:rPr lang="en-US" altLang="ko-KR" sz="4400" dirty="0"/>
+              <a:t>#23 : </a:t>
+            </a:r>
+            <a:r>
+              <a:rPr lang="ko-KR" altLang="en-US" sz="4400" dirty="0"/>
+              <a:t>후보자가 </a:t>
+            </a:r>
+            <a:r>
+              <a:rPr lang="en-US" altLang="ko-KR" sz="4400" dirty="0"/>
+              <a:t>2</a:t>
+            </a:r>
+            <a:r>
+              <a:rPr lang="ko-KR" altLang="en-US" sz="4400" dirty="0"/>
+              <a:t>개인 선거 존재 시</a:t>
+            </a:r>
+            <a:r>
+              <a:rPr lang="en-US" altLang="ko-KR" sz="4400" dirty="0"/>
+              <a:t>, </a:t>
+            </a:r>
+            <a:r>
+              <a:rPr lang="ko-KR" altLang="en-US" sz="4400" dirty="0"/>
+              <a:t>학생이 </a:t>
+            </a:r>
+            <a:r>
+              <a:rPr lang="en-US" altLang="ko-KR" sz="4400" dirty="0"/>
+              <a:t>[</a:t>
+            </a:r>
+            <a:r>
+              <a:rPr lang="ko-KR" altLang="en-US" sz="4400" dirty="0"/>
+              <a:t>투표하기</a:t>
+            </a:r>
+            <a:r>
+              <a:rPr lang="en-US" altLang="ko-KR" sz="4400" dirty="0"/>
+              <a:t>]</a:t>
+            </a:r>
+            <a:endParaRPr lang="ko-KR" altLang="en-US" dirty="0"/>
+          </a:p>
+        </p:txBody>
+      </p:sp>
+      <p:pic>
+        <p:nvPicPr>
+          <p:cNvPr id="5" name="내용 개체 틀 4">
+            <a:extLst>
+              <a:ext uri="{FF2B5EF4-FFF2-40B4-BE49-F238E27FC236}">
+                <a16:creationId xmlns:a16="http://schemas.microsoft.com/office/drawing/2014/main" id="{F3EA60D8-91C9-4AD7-B80C-3F6005754FFD}"/>
+              </a:ext>
+            </a:extLst>
+          </p:cNvPr>
+          <p:cNvPicPr>
+            <a:picLocks noGrp="1" noChangeAspect="1"/>
+          </p:cNvPicPr>
+          <p:nvPr>
+            <p:ph idx="1"/>
+          </p:nvPr>
+        </p:nvPicPr>
+        <p:blipFill>
+          <a:blip r:embed="rId2"/>
+          <a:stretch>
+            <a:fillRect/>
+          </a:stretch>
+        </p:blipFill>
+        <p:spPr>
+          <a:xfrm>
+            <a:off x="669443" y="1940202"/>
+            <a:ext cx="2615125" cy="4351338"/>
+          </a:xfrm>
+        </p:spPr>
+      </p:pic>
+      <p:pic>
+        <p:nvPicPr>
+          <p:cNvPr id="7" name="그림 6">
+            <a:extLst>
+              <a:ext uri="{FF2B5EF4-FFF2-40B4-BE49-F238E27FC236}">
+                <a16:creationId xmlns:a16="http://schemas.microsoft.com/office/drawing/2014/main" id="{3E6A211F-DAFB-4DC6-B186-A12760A4B394}"/>
+              </a:ext>
+            </a:extLst>
+          </p:cNvPr>
+          <p:cNvPicPr>
+            <a:picLocks noChangeAspect="1"/>
+          </p:cNvPicPr>
+          <p:nvPr/>
+        </p:nvPicPr>
+        <p:blipFill>
+          <a:blip r:embed="rId3"/>
+          <a:stretch>
+            <a:fillRect/>
+          </a:stretch>
+        </p:blipFill>
+        <p:spPr>
+          <a:xfrm>
+            <a:off x="3344892" y="1966804"/>
+            <a:ext cx="2615125" cy="4324736"/>
+          </a:xfrm>
+          <a:prstGeom prst="rect">
+            <a:avLst/>
+          </a:prstGeom>
+        </p:spPr>
+      </p:pic>
+      <p:sp>
+        <p:nvSpPr>
+          <p:cNvPr id="8" name="TextBox 7">
+            <a:extLst>
+              <a:ext uri="{FF2B5EF4-FFF2-40B4-BE49-F238E27FC236}">
+                <a16:creationId xmlns:a16="http://schemas.microsoft.com/office/drawing/2014/main" id="{5772585B-5FB8-46DB-A2E2-DE5B03BAFEBD}"/>
+              </a:ext>
+            </a:extLst>
+          </p:cNvPr>
+          <p:cNvSpPr txBox="1"/>
+          <p:nvPr/>
+        </p:nvSpPr>
+        <p:spPr>
+          <a:xfrm>
+            <a:off x="6325299" y="1966804"/>
+            <a:ext cx="6000361" cy="3416320"/>
+          </a:xfrm>
+          <a:prstGeom prst="rect">
+            <a:avLst/>
+          </a:prstGeom>
+          <a:noFill/>
+        </p:spPr>
+        <p:txBody>
+          <a:bodyPr wrap="none" rtlCol="0">
+            <a:spAutoFit/>
+          </a:bodyPr>
+          <a:lstStyle/>
+          <a:p>
+            <a:r>
+              <a:rPr lang="ko-KR" altLang="en-US" dirty="0" err="1"/>
+              <a:t>브릿지가</a:t>
+            </a:r>
+            <a:r>
+              <a:rPr lang="ko-KR" altLang="en-US" dirty="0"/>
+              <a:t> 먼저 나올 줄 알았는데</a:t>
+            </a:r>
+            <a:r>
+              <a:rPr lang="en-US" altLang="ko-KR" dirty="0"/>
+              <a:t>, </a:t>
+            </a:r>
+            <a:r>
+              <a:rPr lang="ko-KR" altLang="en-US" dirty="0"/>
+              <a:t>스케치가 먼저 나왔다</a:t>
+            </a:r>
+            <a:r>
+              <a:rPr lang="en-US" altLang="ko-KR" dirty="0"/>
+              <a:t>.</a:t>
+            </a:r>
+          </a:p>
+          <a:p>
+            <a:endParaRPr lang="en-US" altLang="ko-KR" dirty="0"/>
+          </a:p>
+          <a:p>
+            <a:endParaRPr lang="en-US" altLang="ko-KR" dirty="0"/>
+          </a:p>
+          <a:p>
+            <a:r>
+              <a:rPr lang="en-US" altLang="ko-KR" dirty="0" err="1"/>
+              <a:t>Array.push</a:t>
+            </a:r>
+            <a:r>
+              <a:rPr lang="ko-KR" altLang="en-US" dirty="0"/>
+              <a:t>의 특징은 먼저 넣은 애를 뒤로 가게 한다</a:t>
+            </a:r>
+            <a:r>
+              <a:rPr lang="en-US" altLang="ko-KR" dirty="0"/>
+              <a:t>.</a:t>
+            </a:r>
+          </a:p>
+          <a:p>
+            <a:r>
+              <a:rPr lang="en-US" altLang="ko-KR" dirty="0" err="1"/>
+              <a:t>Arr</a:t>
+            </a:r>
+            <a:r>
+              <a:rPr lang="en-US" altLang="ko-KR" dirty="0"/>
+              <a:t>[</a:t>
+            </a:r>
+            <a:r>
+              <a:rPr lang="en-US" altLang="ko-KR" dirty="0" err="1"/>
+              <a:t>i</a:t>
+            </a:r>
+            <a:r>
+              <a:rPr lang="en-US" altLang="ko-KR" dirty="0"/>
+              <a:t>]</a:t>
+            </a:r>
+            <a:r>
+              <a:rPr lang="ko-KR" altLang="en-US" dirty="0"/>
+              <a:t> </a:t>
+            </a:r>
+            <a:r>
+              <a:rPr lang="en-US" altLang="ko-KR" dirty="0"/>
+              <a:t>=</a:t>
+            </a:r>
+            <a:r>
+              <a:rPr lang="ko-KR" altLang="en-US" dirty="0"/>
+              <a:t> </a:t>
+            </a:r>
+            <a:r>
+              <a:rPr lang="en-US" altLang="ko-KR" dirty="0"/>
+              <a:t>data;</a:t>
+            </a:r>
+            <a:r>
+              <a:rPr lang="ko-KR" altLang="en-US" dirty="0"/>
+              <a:t> 로 해서 넣게 되면 이를 해결할 수 있을 </a:t>
+            </a:r>
+            <a:endParaRPr lang="en-US" altLang="ko-KR" dirty="0"/>
+          </a:p>
+          <a:p>
+            <a:r>
+              <a:rPr lang="ko-KR" altLang="en-US" dirty="0"/>
+              <a:t>것을 보이나 나중에 고려해보자</a:t>
+            </a:r>
+            <a:r>
+              <a:rPr lang="en-US" altLang="ko-KR" dirty="0"/>
+              <a:t>. (</a:t>
+            </a:r>
+            <a:r>
+              <a:rPr lang="ko-KR" altLang="en-US" dirty="0"/>
+              <a:t>별로 중요치 않을 것</a:t>
+            </a:r>
+            <a:endParaRPr lang="en-US" altLang="ko-KR" dirty="0"/>
+          </a:p>
+          <a:p>
+            <a:r>
+              <a:rPr lang="ko-KR" altLang="en-US" dirty="0"/>
+              <a:t>같음</a:t>
+            </a:r>
+            <a:r>
+              <a:rPr lang="en-US" altLang="ko-KR" dirty="0"/>
+              <a:t>)</a:t>
+            </a:r>
+          </a:p>
+          <a:p>
+            <a:endParaRPr lang="en-US" altLang="ko-KR" dirty="0"/>
+          </a:p>
+          <a:p>
+            <a:r>
+              <a:rPr lang="ko-KR" altLang="en-US" dirty="0"/>
+              <a:t>기호</a:t>
+            </a:r>
+            <a:r>
+              <a:rPr lang="en-US" altLang="ko-KR" dirty="0"/>
+              <a:t>1</a:t>
+            </a:r>
+            <a:r>
+              <a:rPr lang="ko-KR" altLang="en-US" dirty="0"/>
+              <a:t>번에서 기호</a:t>
+            </a:r>
+            <a:r>
+              <a:rPr lang="en-US" altLang="ko-KR" dirty="0"/>
+              <a:t>2</a:t>
+            </a:r>
+            <a:r>
+              <a:rPr lang="ko-KR" altLang="en-US" dirty="0"/>
+              <a:t>번으로 넘어가려면 스마트폰으로는</a:t>
+            </a:r>
+            <a:endParaRPr lang="en-US" altLang="ko-KR" dirty="0"/>
+          </a:p>
+          <a:p>
+            <a:r>
+              <a:rPr lang="ko-KR" altLang="en-US" dirty="0"/>
+              <a:t>손으로 밀면 되는데</a:t>
+            </a:r>
+            <a:r>
+              <a:rPr lang="en-US" altLang="ko-KR" dirty="0"/>
+              <a:t>, PC</a:t>
+            </a:r>
+            <a:r>
+              <a:rPr lang="ko-KR" altLang="en-US" dirty="0"/>
+              <a:t>에서는 흰색으로 </a:t>
+            </a:r>
+            <a:r>
+              <a:rPr lang="ko-KR" altLang="en-US" dirty="0" err="1"/>
+              <a:t>보일락말락하는</a:t>
+            </a:r>
+            <a:endParaRPr lang="en-US" altLang="ko-KR" dirty="0"/>
+          </a:p>
+          <a:p>
+            <a:r>
+              <a:rPr lang="ko-KR" altLang="en-US" dirty="0"/>
+              <a:t>화살표 버튼을 눌러야 한다</a:t>
+            </a:r>
+            <a:r>
+              <a:rPr lang="en-US" altLang="ko-KR" dirty="0"/>
+              <a:t>.</a:t>
+            </a:r>
+          </a:p>
+          <a:p>
+            <a:endParaRPr lang="ko-KR" altLang="en-US" dirty="0"/>
+          </a:p>
+        </p:txBody>
+      </p:sp>
+      <p:pic>
+        <p:nvPicPr>
+          <p:cNvPr id="10" name="그림 9">
+            <a:extLst>
+              <a:ext uri="{FF2B5EF4-FFF2-40B4-BE49-F238E27FC236}">
+                <a16:creationId xmlns:a16="http://schemas.microsoft.com/office/drawing/2014/main" id="{6CC406F3-B0F9-425B-8DC0-FB8FD88563F3}"/>
+              </a:ext>
+            </a:extLst>
+          </p:cNvPr>
+          <p:cNvPicPr>
+            <a:picLocks noChangeAspect="1"/>
+          </p:cNvPicPr>
+          <p:nvPr/>
+        </p:nvPicPr>
+        <p:blipFill>
+          <a:blip r:embed="rId4"/>
+          <a:stretch>
+            <a:fillRect/>
+          </a:stretch>
+        </p:blipFill>
+        <p:spPr>
+          <a:xfrm>
+            <a:off x="6402503" y="2317860"/>
+            <a:ext cx="2105025" cy="295275"/>
+          </a:xfrm>
+          <a:prstGeom prst="rect">
+            <a:avLst/>
+          </a:prstGeom>
+        </p:spPr>
+      </p:pic>
+      <p:sp>
+        <p:nvSpPr>
+          <p:cNvPr id="11" name="타원 10">
+            <a:extLst>
+              <a:ext uri="{FF2B5EF4-FFF2-40B4-BE49-F238E27FC236}">
+                <a16:creationId xmlns:a16="http://schemas.microsoft.com/office/drawing/2014/main" id="{EB72A181-DAB5-4214-B945-E9D8CE617792}"/>
+              </a:ext>
+            </a:extLst>
+          </p:cNvPr>
+          <p:cNvSpPr/>
+          <p:nvPr/>
+        </p:nvSpPr>
+        <p:spPr>
+          <a:xfrm>
+            <a:off x="5452844" y="4328719"/>
+            <a:ext cx="243281" cy="369116"/>
+          </a:xfrm>
+          <a:prstGeom prst="ellipse">
+            <a:avLst/>
+          </a:prstGeom>
+          <a:noFill/>
+          <a:ln w="28575">
+            <a:solidFill>
+              <a:srgbClr val="FF0000"/>
+            </a:solidFill>
+          </a:ln>
+        </p:spPr>
+        <p:style>
+          <a:lnRef idx="2">
+            <a:schemeClr val="accent1">
+              <a:shade val="50000"/>
+            </a:schemeClr>
+          </a:lnRef>
+          <a:fillRef idx="1">
+            <a:schemeClr val="accent1"/>
+          </a:fillRef>
+          <a:effectRef idx="0">
+            <a:schemeClr val="accent1"/>
+          </a:effectRef>
+          <a:fontRef idx="minor">
+            <a:schemeClr val="lt1"/>
+          </a:fontRef>
+        </p:style>
+        <p:txBody>
+          <a:bodyPr rtlCol="0" anchor="ctr"/>
+          <a:lstStyle/>
+          <a:p>
+            <a:pPr algn="ctr"/>
+            <a:endParaRPr lang="ko-KR" altLang="en-US" dirty="0"/>
+          </a:p>
+        </p:txBody>
+      </p:sp>
+      <p:sp>
+        <p:nvSpPr>
+          <p:cNvPr id="13" name="타원 12">
+            <a:extLst>
+              <a:ext uri="{FF2B5EF4-FFF2-40B4-BE49-F238E27FC236}">
+                <a16:creationId xmlns:a16="http://schemas.microsoft.com/office/drawing/2014/main" id="{55ACD1C5-A3EB-4853-98D2-9332FF48D2FA}"/>
+              </a:ext>
+            </a:extLst>
+          </p:cNvPr>
+          <p:cNvSpPr/>
+          <p:nvPr/>
+        </p:nvSpPr>
+        <p:spPr>
+          <a:xfrm>
+            <a:off x="3600275" y="4330117"/>
+            <a:ext cx="243281" cy="369116"/>
+          </a:xfrm>
+          <a:prstGeom prst="ellipse">
+            <a:avLst/>
+          </a:prstGeom>
+          <a:noFill/>
+          <a:ln w="28575">
+            <a:solidFill>
+              <a:srgbClr val="FF0000"/>
+            </a:solidFill>
+          </a:ln>
+        </p:spPr>
+        <p:style>
+          <a:lnRef idx="2">
+            <a:schemeClr val="accent1">
+              <a:shade val="50000"/>
+            </a:schemeClr>
+          </a:lnRef>
+          <a:fillRef idx="1">
+            <a:schemeClr val="accent1"/>
+          </a:fillRef>
+          <a:effectRef idx="0">
+            <a:schemeClr val="accent1"/>
+          </a:effectRef>
+          <a:fontRef idx="minor">
+            <a:schemeClr val="lt1"/>
+          </a:fontRef>
+        </p:style>
+        <p:txBody>
+          <a:bodyPr rtlCol="0" anchor="ctr"/>
+          <a:lstStyle/>
+          <a:p>
+            <a:pPr algn="ctr"/>
+            <a:endParaRPr lang="ko-KR" altLang="en-US" dirty="0"/>
+          </a:p>
+        </p:txBody>
+      </p:sp>
+      <p:cxnSp>
+        <p:nvCxnSpPr>
+          <p:cNvPr id="15" name="직선 화살표 연결선 14">
+            <a:extLst>
+              <a:ext uri="{FF2B5EF4-FFF2-40B4-BE49-F238E27FC236}">
+                <a16:creationId xmlns:a16="http://schemas.microsoft.com/office/drawing/2014/main" id="{C7D55C0F-4700-4D9A-864C-597A8FC817AE}"/>
+              </a:ext>
+            </a:extLst>
+          </p:cNvPr>
+          <p:cNvCxnSpPr/>
+          <p:nvPr/>
+        </p:nvCxnSpPr>
+        <p:spPr>
+          <a:xfrm>
+            <a:off x="5696125" y="4513277"/>
+            <a:ext cx="629174" cy="369116"/>
+          </a:xfrm>
+          <a:prstGeom prst="straightConnector1">
+            <a:avLst/>
+          </a:prstGeom>
+          <a:ln>
+            <a:tailEnd type="triangle"/>
+          </a:ln>
+        </p:spPr>
+        <p:style>
+          <a:lnRef idx="1">
+            <a:schemeClr val="accent1"/>
+          </a:lnRef>
+          <a:fillRef idx="0">
+            <a:schemeClr val="accent1"/>
+          </a:fillRef>
+          <a:effectRef idx="0">
+            <a:schemeClr val="accent1"/>
+          </a:effectRef>
+          <a:fontRef idx="minor">
+            <a:schemeClr val="tx1"/>
+          </a:fontRef>
+        </p:style>
+      </p:cxnSp>
+      <p:cxnSp>
+        <p:nvCxnSpPr>
+          <p:cNvPr id="17" name="직선 화살표 연결선 16">
+            <a:extLst>
+              <a:ext uri="{FF2B5EF4-FFF2-40B4-BE49-F238E27FC236}">
+                <a16:creationId xmlns:a16="http://schemas.microsoft.com/office/drawing/2014/main" id="{E5A1F63A-957E-4A7B-9C4B-83D08711E3E6}"/>
+              </a:ext>
+            </a:extLst>
+          </p:cNvPr>
+          <p:cNvCxnSpPr>
+            <a:stCxn id="13" idx="5"/>
+          </p:cNvCxnSpPr>
+          <p:nvPr/>
+        </p:nvCxnSpPr>
+        <p:spPr>
+          <a:xfrm>
+            <a:off x="3807928" y="4645177"/>
+            <a:ext cx="2517371" cy="312717"/>
+          </a:xfrm>
+          <a:prstGeom prst="straightConnector1">
+            <a:avLst/>
+          </a:prstGeom>
+          <a:ln>
+            <a:tailEnd type="triangle"/>
+          </a:ln>
+        </p:spPr>
+        <p:style>
+          <a:lnRef idx="1">
+            <a:schemeClr val="accent1"/>
+          </a:lnRef>
+          <a:fillRef idx="0">
+            <a:schemeClr val="accent1"/>
+          </a:fillRef>
+          <a:effectRef idx="0">
+            <a:schemeClr val="accent1"/>
+          </a:effectRef>
+          <a:fontRef idx="minor">
+            <a:schemeClr val="tx1"/>
+          </a:fontRef>
+        </p:style>
+      </p:cxnSp>
+    </p:spTree>
+    <p:extLst>
+      <p:ext uri="{BB962C8B-B14F-4D97-AF65-F5344CB8AC3E}">
+        <p14:creationId xmlns:p14="http://schemas.microsoft.com/office/powerpoint/2010/main" val="3485285706"/>
+      </p:ext>
+    </p:extLst>
+  </p:cSld>
+  <p:clrMapOvr>
+    <a:masterClrMapping/>
+  </p:clrMapOvr>
+</p:sld>
+</file>
+
+<file path=ppt/slides/slide44.xml><?xml version="1.0" encoding="utf-8"?>
+<p:sld xmlns:a="http://schemas.openxmlformats.org/drawingml/2006/main" xmlns:r="http://schemas.openxmlformats.org/officeDocument/2006/relationships" xmlns:p="http://schemas.openxmlformats.org/presentationml/2006/main">
+  <p:cSld>
+    <p:spTree>
+      <p:nvGrpSpPr>
+        <p:cNvPr id="1" name=""/>
+        <p:cNvGrpSpPr/>
+        <p:nvPr/>
+      </p:nvGrpSpPr>
+      <p:grpSpPr>
+        <a:xfrm>
+          <a:off x="0" y="0"/>
+          <a:ext cx="0" cy="0"/>
+          <a:chOff x="0" y="0"/>
+          <a:chExt cx="0" cy="0"/>
+        </a:xfrm>
+      </p:grpSpPr>
+      <p:sp>
+        <p:nvSpPr>
+          <p:cNvPr id="2" name="제목 1">
+            <a:extLst>
+              <a:ext uri="{FF2B5EF4-FFF2-40B4-BE49-F238E27FC236}">
+                <a16:creationId xmlns:a16="http://schemas.microsoft.com/office/drawing/2014/main" id="{BA941441-1FE9-4951-A2C8-F66D074711AC}"/>
+              </a:ext>
+            </a:extLst>
+          </p:cNvPr>
+          <p:cNvSpPr>
+            <a:spLocks noGrp="1"/>
+          </p:cNvSpPr>
+          <p:nvPr>
+            <p:ph type="title"/>
+          </p:nvPr>
+        </p:nvSpPr>
+        <p:spPr/>
+        <p:txBody>
+          <a:bodyPr/>
+          <a:lstStyle/>
+          <a:p>
+            <a:r>
+              <a:rPr lang="ko-KR" altLang="en-US" sz="4400" dirty="0"/>
+              <a:t>시나리오</a:t>
+            </a:r>
+            <a:r>
+              <a:rPr lang="en-US" altLang="ko-KR" sz="4400" dirty="0"/>
+              <a:t>#23 : </a:t>
+            </a:r>
+            <a:r>
+              <a:rPr lang="ko-KR" altLang="en-US" sz="4400" dirty="0"/>
+              <a:t>후보자가 </a:t>
+            </a:r>
+            <a:r>
+              <a:rPr lang="en-US" altLang="ko-KR" sz="4400" dirty="0"/>
+              <a:t>2</a:t>
+            </a:r>
+            <a:r>
+              <a:rPr lang="ko-KR" altLang="en-US" sz="4400" dirty="0"/>
+              <a:t>개인 선거 존재 시</a:t>
+            </a:r>
+            <a:r>
+              <a:rPr lang="en-US" altLang="ko-KR" sz="4400" dirty="0"/>
+              <a:t>, </a:t>
+            </a:r>
+            <a:r>
+              <a:rPr lang="ko-KR" altLang="en-US" sz="4400" dirty="0"/>
+              <a:t>학생이 </a:t>
+            </a:r>
+            <a:r>
+              <a:rPr lang="en-US" altLang="ko-KR" sz="4400" dirty="0"/>
+              <a:t>[</a:t>
+            </a:r>
+            <a:r>
+              <a:rPr lang="ko-KR" altLang="en-US" sz="4400" dirty="0"/>
+              <a:t>투표하기</a:t>
+            </a:r>
+            <a:r>
+              <a:rPr lang="en-US" altLang="ko-KR" sz="4400" dirty="0"/>
+              <a:t>] -&gt; [</a:t>
+            </a:r>
+            <a:r>
+              <a:rPr lang="ko-KR" altLang="en-US" sz="4400" dirty="0" err="1"/>
+              <a:t>브릿지</a:t>
+            </a:r>
+            <a:r>
+              <a:rPr lang="ko-KR" altLang="en-US" dirty="0"/>
+              <a:t> 선택</a:t>
+            </a:r>
+            <a:r>
+              <a:rPr lang="en-US" altLang="ko-KR" dirty="0"/>
+              <a:t>]</a:t>
+            </a:r>
+            <a:endParaRPr lang="ko-KR" altLang="en-US" dirty="0"/>
+          </a:p>
+        </p:txBody>
+      </p:sp>
+      <p:pic>
+        <p:nvPicPr>
+          <p:cNvPr id="5" name="내용 개체 틀 4">
+            <a:extLst>
+              <a:ext uri="{FF2B5EF4-FFF2-40B4-BE49-F238E27FC236}">
+                <a16:creationId xmlns:a16="http://schemas.microsoft.com/office/drawing/2014/main" id="{C86234B5-DA1A-440D-9229-F1F1C007F40B}"/>
+              </a:ext>
+            </a:extLst>
+          </p:cNvPr>
+          <p:cNvPicPr>
+            <a:picLocks noGrp="1" noChangeAspect="1"/>
+          </p:cNvPicPr>
+          <p:nvPr>
+            <p:ph idx="1"/>
+          </p:nvPr>
+        </p:nvPicPr>
+        <p:blipFill>
+          <a:blip r:embed="rId2"/>
+          <a:stretch>
+            <a:fillRect/>
+          </a:stretch>
+        </p:blipFill>
+        <p:spPr>
+          <a:xfrm>
+            <a:off x="1031147" y="2141537"/>
+            <a:ext cx="2628179" cy="4351338"/>
+          </a:xfrm>
+        </p:spPr>
+      </p:pic>
+      <p:sp>
+        <p:nvSpPr>
+          <p:cNvPr id="6" name="TextBox 5">
+            <a:extLst>
+              <a:ext uri="{FF2B5EF4-FFF2-40B4-BE49-F238E27FC236}">
+                <a16:creationId xmlns:a16="http://schemas.microsoft.com/office/drawing/2014/main" id="{91BB3858-87F0-435A-B252-D65D76C80860}"/>
+              </a:ext>
+            </a:extLst>
+          </p:cNvPr>
+          <p:cNvSpPr txBox="1"/>
+          <p:nvPr/>
+        </p:nvSpPr>
+        <p:spPr>
+          <a:xfrm>
+            <a:off x="0" y="1731446"/>
+            <a:ext cx="5120312" cy="369332"/>
+          </a:xfrm>
+          <a:prstGeom prst="rect">
+            <a:avLst/>
+          </a:prstGeom>
+          <a:noFill/>
+        </p:spPr>
+        <p:txBody>
+          <a:bodyPr wrap="none" rtlCol="0">
+            <a:spAutoFit/>
+          </a:bodyPr>
+          <a:lstStyle/>
+          <a:p>
+            <a:r>
+              <a:rPr lang="ko-KR" altLang="en-US" dirty="0"/>
+              <a:t>이전의 </a:t>
+            </a:r>
+            <a:r>
+              <a:rPr lang="en-US" altLang="ko-KR" dirty="0"/>
+              <a:t>[</a:t>
+            </a:r>
+            <a:r>
+              <a:rPr lang="ko-KR" altLang="en-US" dirty="0"/>
+              <a:t>투표하기</a:t>
+            </a:r>
+            <a:r>
+              <a:rPr lang="en-US" altLang="ko-KR" dirty="0"/>
+              <a:t>]</a:t>
+            </a:r>
+            <a:r>
+              <a:rPr lang="ko-KR" altLang="en-US" dirty="0"/>
+              <a:t> 버튼을 누르면 나오는 페이지</a:t>
+            </a:r>
+          </a:p>
+        </p:txBody>
+      </p:sp>
+      <p:pic>
+        <p:nvPicPr>
+          <p:cNvPr id="8" name="그림 7">
+            <a:extLst>
+              <a:ext uri="{FF2B5EF4-FFF2-40B4-BE49-F238E27FC236}">
+                <a16:creationId xmlns:a16="http://schemas.microsoft.com/office/drawing/2014/main" id="{C5A99FBC-E8D9-449B-8C31-0436E83B03AB}"/>
+              </a:ext>
+            </a:extLst>
+          </p:cNvPr>
+          <p:cNvPicPr>
+            <a:picLocks noChangeAspect="1"/>
+          </p:cNvPicPr>
+          <p:nvPr/>
+        </p:nvPicPr>
+        <p:blipFill>
+          <a:blip r:embed="rId3"/>
+          <a:stretch>
+            <a:fillRect/>
+          </a:stretch>
+        </p:blipFill>
+        <p:spPr>
+          <a:xfrm>
+            <a:off x="4320330" y="3106270"/>
+            <a:ext cx="4295775" cy="1438275"/>
+          </a:xfrm>
+          <a:prstGeom prst="rect">
+            <a:avLst/>
+          </a:prstGeom>
+        </p:spPr>
+      </p:pic>
+      <p:cxnSp>
+        <p:nvCxnSpPr>
+          <p:cNvPr id="10" name="직선 화살표 연결선 9">
+            <a:extLst>
+              <a:ext uri="{FF2B5EF4-FFF2-40B4-BE49-F238E27FC236}">
+                <a16:creationId xmlns:a16="http://schemas.microsoft.com/office/drawing/2014/main" id="{D31F9244-2BC2-42B8-8253-DC90C2B529D0}"/>
+              </a:ext>
+            </a:extLst>
+          </p:cNvPr>
+          <p:cNvCxnSpPr>
+            <a:cxnSpLocks/>
+            <a:endCxn id="8" idx="1"/>
+          </p:cNvCxnSpPr>
+          <p:nvPr/>
+        </p:nvCxnSpPr>
+        <p:spPr>
+          <a:xfrm flipV="1">
+            <a:off x="3330429" y="3825408"/>
+            <a:ext cx="989901" cy="2265000"/>
+          </a:xfrm>
+          <a:prstGeom prst="straightConnector1">
+            <a:avLst/>
+          </a:prstGeom>
+          <a:ln>
+            <a:tailEnd type="triangle"/>
+          </a:ln>
+        </p:spPr>
+        <p:style>
+          <a:lnRef idx="1">
+            <a:schemeClr val="accent1"/>
+          </a:lnRef>
+          <a:fillRef idx="0">
+            <a:schemeClr val="accent1"/>
+          </a:fillRef>
+          <a:effectRef idx="0">
+            <a:schemeClr val="accent1"/>
+          </a:effectRef>
+          <a:fontRef idx="minor">
+            <a:schemeClr val="tx1"/>
+          </a:fontRef>
+        </p:style>
+      </p:cxnSp>
+      <p:sp>
+        <p:nvSpPr>
+          <p:cNvPr id="13" name="TextBox 12">
+            <a:extLst>
+              <a:ext uri="{FF2B5EF4-FFF2-40B4-BE49-F238E27FC236}">
+                <a16:creationId xmlns:a16="http://schemas.microsoft.com/office/drawing/2014/main" id="{C0F80422-9D22-419E-A15B-D735EE6B2372}"/>
+              </a:ext>
+            </a:extLst>
+          </p:cNvPr>
+          <p:cNvSpPr txBox="1"/>
+          <p:nvPr/>
+        </p:nvSpPr>
+        <p:spPr>
+          <a:xfrm>
+            <a:off x="4001548" y="2779186"/>
+            <a:ext cx="4762842" cy="369332"/>
+          </a:xfrm>
+          <a:prstGeom prst="rect">
+            <a:avLst/>
+          </a:prstGeom>
+          <a:noFill/>
+        </p:spPr>
+        <p:txBody>
+          <a:bodyPr wrap="none" rtlCol="0">
+            <a:spAutoFit/>
+          </a:bodyPr>
+          <a:lstStyle/>
+          <a:p>
+            <a:r>
+              <a:rPr lang="ko-KR" altLang="en-US" dirty="0" err="1"/>
+              <a:t>브릿지</a:t>
+            </a:r>
+            <a:r>
+              <a:rPr lang="ko-KR" altLang="en-US" dirty="0"/>
+              <a:t> 선택 후 투표하기 버튼 누를 시 나옴</a:t>
+            </a:r>
+          </a:p>
+        </p:txBody>
+      </p:sp>
+      <p:sp>
+        <p:nvSpPr>
+          <p:cNvPr id="14" name="직사각형 13">
+            <a:extLst>
+              <a:ext uri="{FF2B5EF4-FFF2-40B4-BE49-F238E27FC236}">
+                <a16:creationId xmlns:a16="http://schemas.microsoft.com/office/drawing/2014/main" id="{44A588B4-DE37-4C81-9253-7B375B8B0F88}"/>
+              </a:ext>
+            </a:extLst>
+          </p:cNvPr>
+          <p:cNvSpPr/>
+          <p:nvPr/>
+        </p:nvSpPr>
+        <p:spPr>
+          <a:xfrm>
+            <a:off x="1258349" y="3825407"/>
+            <a:ext cx="1325460" cy="318754"/>
+          </a:xfrm>
+          <a:prstGeom prst="rect">
+            <a:avLst/>
+          </a:prstGeom>
+          <a:noFill/>
+          <a:ln w="28575">
+            <a:solidFill>
+              <a:srgbClr val="FF0000"/>
+            </a:solidFill>
+          </a:ln>
+        </p:spPr>
+        <p:style>
+          <a:lnRef idx="2">
+            <a:schemeClr val="accent1">
+              <a:shade val="50000"/>
+            </a:schemeClr>
+          </a:lnRef>
+          <a:fillRef idx="1">
+            <a:schemeClr val="accent1"/>
+          </a:fillRef>
+          <a:effectRef idx="0">
+            <a:schemeClr val="accent1"/>
+          </a:effectRef>
+          <a:fontRef idx="minor">
+            <a:schemeClr val="lt1"/>
+          </a:fontRef>
+        </p:style>
+        <p:txBody>
+          <a:bodyPr rtlCol="0" anchor="ctr"/>
+          <a:lstStyle/>
+          <a:p>
+            <a:pPr algn="ctr"/>
+            <a:endParaRPr lang="ko-KR" altLang="en-US" dirty="0"/>
+          </a:p>
+        </p:txBody>
+      </p:sp>
+      <p:pic>
+        <p:nvPicPr>
+          <p:cNvPr id="16" name="그림 15">
+            <a:extLst>
+              <a:ext uri="{FF2B5EF4-FFF2-40B4-BE49-F238E27FC236}">
+                <a16:creationId xmlns:a16="http://schemas.microsoft.com/office/drawing/2014/main" id="{58CAC026-404A-4E8A-A5D0-C29ABCBB6AC7}"/>
+              </a:ext>
+            </a:extLst>
+          </p:cNvPr>
+          <p:cNvPicPr>
+            <a:picLocks noChangeAspect="1"/>
+          </p:cNvPicPr>
+          <p:nvPr/>
+        </p:nvPicPr>
+        <p:blipFill>
+          <a:blip r:embed="rId4"/>
+          <a:stretch>
+            <a:fillRect/>
+          </a:stretch>
+        </p:blipFill>
+        <p:spPr>
+          <a:xfrm>
+            <a:off x="9202723" y="2461798"/>
+            <a:ext cx="2341776" cy="3920211"/>
+          </a:xfrm>
+          <a:prstGeom prst="rect">
+            <a:avLst/>
+          </a:prstGeom>
+        </p:spPr>
+      </p:pic>
+      <p:sp>
+        <p:nvSpPr>
+          <p:cNvPr id="17" name="TextBox 16">
+            <a:extLst>
+              <a:ext uri="{FF2B5EF4-FFF2-40B4-BE49-F238E27FC236}">
+                <a16:creationId xmlns:a16="http://schemas.microsoft.com/office/drawing/2014/main" id="{782C07D3-AEB3-4AA8-8F99-45521CA89BCF}"/>
+              </a:ext>
+            </a:extLst>
+          </p:cNvPr>
+          <p:cNvSpPr txBox="1"/>
+          <p:nvPr/>
+        </p:nvSpPr>
+        <p:spPr>
+          <a:xfrm>
+            <a:off x="9477372" y="2100778"/>
+            <a:ext cx="1792478" cy="369332"/>
+          </a:xfrm>
+          <a:prstGeom prst="rect">
+            <a:avLst/>
+          </a:prstGeom>
+          <a:noFill/>
+        </p:spPr>
+        <p:txBody>
+          <a:bodyPr wrap="none" rtlCol="0">
+            <a:spAutoFit/>
+          </a:bodyPr>
+          <a:lstStyle/>
+          <a:p>
+            <a:r>
+              <a:rPr lang="en-US" altLang="ko-KR" dirty="0"/>
+              <a:t>[</a:t>
+            </a:r>
+            <a:r>
+              <a:rPr lang="ko-KR" altLang="en-US" dirty="0"/>
+              <a:t>내투표확인</a:t>
+            </a:r>
+            <a:r>
+              <a:rPr lang="en-US" altLang="ko-KR" dirty="0"/>
+              <a:t>] </a:t>
+            </a:r>
+            <a:r>
+              <a:rPr lang="ko-KR" altLang="en-US" dirty="0"/>
+              <a:t>시</a:t>
+            </a:r>
+          </a:p>
+        </p:txBody>
+      </p:sp>
+    </p:spTree>
+    <p:extLst>
+      <p:ext uri="{BB962C8B-B14F-4D97-AF65-F5344CB8AC3E}">
+        <p14:creationId xmlns:p14="http://schemas.microsoft.com/office/powerpoint/2010/main" val="850539391"/>
+      </p:ext>
+    </p:extLst>
+  </p:cSld>
+  <p:clrMapOvr>
+    <a:masterClrMapping/>
+  </p:clrMapOvr>
+</p:sld>
+</file>
+
+<file path=ppt/slides/slide45.xml><?xml version="1.0" encoding="utf-8"?>
+<p:sld xmlns:a="http://schemas.openxmlformats.org/drawingml/2006/main" xmlns:r="http://schemas.openxmlformats.org/officeDocument/2006/relationships" xmlns:p="http://schemas.openxmlformats.org/presentationml/2006/main">
+  <p:cSld>
+    <p:spTree>
+      <p:nvGrpSpPr>
+        <p:cNvPr id="1" name=""/>
+        <p:cNvGrpSpPr/>
+        <p:nvPr/>
+      </p:nvGrpSpPr>
+      <p:grpSpPr>
+        <a:xfrm>
+          <a:off x="0" y="0"/>
+          <a:ext cx="0" cy="0"/>
+          <a:chOff x="0" y="0"/>
+          <a:chExt cx="0" cy="0"/>
+        </a:xfrm>
+      </p:grpSpPr>
+      <p:sp>
+        <p:nvSpPr>
+          <p:cNvPr id="2" name="제목 1">
+            <a:extLst>
+              <a:ext uri="{FF2B5EF4-FFF2-40B4-BE49-F238E27FC236}">
+                <a16:creationId xmlns:a16="http://schemas.microsoft.com/office/drawing/2014/main" id="{7915D48C-3E97-4A93-B4D2-821584E2FDC8}"/>
+              </a:ext>
+            </a:extLst>
+          </p:cNvPr>
+          <p:cNvSpPr>
+            <a:spLocks noGrp="1"/>
+          </p:cNvSpPr>
+          <p:nvPr>
+            <p:ph type="title"/>
+          </p:nvPr>
+        </p:nvSpPr>
+        <p:spPr/>
+        <p:txBody>
+          <a:bodyPr/>
+          <a:lstStyle/>
+          <a:p>
+            <a:r>
+              <a:rPr lang="ko-KR" altLang="en-US" sz="4400" dirty="0"/>
+              <a:t>시나리오</a:t>
+            </a:r>
+            <a:r>
+              <a:rPr lang="en-US" altLang="ko-KR" sz="4400" dirty="0"/>
+              <a:t>#23 : </a:t>
+            </a:r>
+            <a:r>
+              <a:rPr lang="ko-KR" altLang="en-US" sz="4400" dirty="0"/>
+              <a:t>후보자가 </a:t>
+            </a:r>
+            <a:r>
+              <a:rPr lang="en-US" altLang="ko-KR" sz="4400" dirty="0"/>
+              <a:t>2</a:t>
+            </a:r>
+            <a:r>
+              <a:rPr lang="ko-KR" altLang="en-US" sz="4400" dirty="0"/>
+              <a:t>개인 선거 존재 시</a:t>
+            </a:r>
+            <a:r>
+              <a:rPr lang="en-US" altLang="ko-KR" sz="4400" dirty="0"/>
+              <a:t>, </a:t>
+            </a:r>
+            <a:r>
+              <a:rPr lang="ko-KR" altLang="en-US" sz="4400" dirty="0"/>
+              <a:t>학생이 </a:t>
+            </a:r>
+            <a:r>
+              <a:rPr lang="en-US" altLang="ko-KR" sz="4400" dirty="0"/>
+              <a:t>[</a:t>
+            </a:r>
+            <a:r>
+              <a:rPr lang="ko-KR" altLang="en-US" sz="4400" dirty="0"/>
+              <a:t>투표하기</a:t>
+            </a:r>
+            <a:r>
+              <a:rPr lang="en-US" altLang="ko-KR" sz="4400" dirty="0"/>
+              <a:t>] -&gt; [</a:t>
+            </a:r>
+            <a:r>
+              <a:rPr lang="ko-KR" altLang="en-US" sz="4400" dirty="0" err="1"/>
+              <a:t>브릿지</a:t>
+            </a:r>
+            <a:r>
+              <a:rPr lang="ko-KR" altLang="en-US" dirty="0"/>
+              <a:t> 선택</a:t>
+            </a:r>
+            <a:r>
+              <a:rPr lang="en-US" altLang="ko-KR" dirty="0"/>
+              <a:t>]</a:t>
+            </a:r>
+            <a:endParaRPr lang="ko-KR" altLang="en-US" dirty="0"/>
+          </a:p>
+        </p:txBody>
+      </p:sp>
+      <p:pic>
+        <p:nvPicPr>
+          <p:cNvPr id="5" name="내용 개체 틀 4">
+            <a:extLst>
+              <a:ext uri="{FF2B5EF4-FFF2-40B4-BE49-F238E27FC236}">
+                <a16:creationId xmlns:a16="http://schemas.microsoft.com/office/drawing/2014/main" id="{95100E3C-700E-420E-9629-9DD731DCFB47}"/>
+              </a:ext>
+            </a:extLst>
+          </p:cNvPr>
+          <p:cNvPicPr>
+            <a:picLocks noGrp="1" noChangeAspect="1"/>
+          </p:cNvPicPr>
+          <p:nvPr>
+            <p:ph idx="1"/>
+          </p:nvPr>
+        </p:nvPicPr>
+        <p:blipFill>
+          <a:blip r:embed="rId2"/>
+          <a:stretch>
+            <a:fillRect/>
+          </a:stretch>
+        </p:blipFill>
+        <p:spPr>
+          <a:xfrm>
+            <a:off x="1425429" y="2141537"/>
+            <a:ext cx="2615125" cy="4351338"/>
+          </a:xfrm>
+        </p:spPr>
+      </p:pic>
+      <p:sp>
+        <p:nvSpPr>
+          <p:cNvPr id="6" name="TextBox 5">
+            <a:extLst>
+              <a:ext uri="{FF2B5EF4-FFF2-40B4-BE49-F238E27FC236}">
+                <a16:creationId xmlns:a16="http://schemas.microsoft.com/office/drawing/2014/main" id="{8E367D62-5D9D-4B39-8F80-50F1FCB8384F}"/>
+              </a:ext>
+            </a:extLst>
+          </p:cNvPr>
+          <p:cNvSpPr txBox="1"/>
+          <p:nvPr/>
+        </p:nvSpPr>
+        <p:spPr>
+          <a:xfrm>
+            <a:off x="1207573" y="1772205"/>
+            <a:ext cx="3050835" cy="369332"/>
+          </a:xfrm>
+          <a:prstGeom prst="rect">
+            <a:avLst/>
+          </a:prstGeom>
+          <a:noFill/>
+        </p:spPr>
+        <p:txBody>
+          <a:bodyPr wrap="none" rtlCol="0">
+            <a:spAutoFit/>
+          </a:bodyPr>
+          <a:lstStyle/>
+          <a:p>
+            <a:r>
+              <a:rPr lang="ko-KR" altLang="en-US" dirty="0"/>
+              <a:t>관리자 선거 투표율확인 시</a:t>
+            </a:r>
+          </a:p>
+        </p:txBody>
+      </p:sp>
+      <p:pic>
+        <p:nvPicPr>
+          <p:cNvPr id="8" name="그림 7">
+            <a:extLst>
+              <a:ext uri="{FF2B5EF4-FFF2-40B4-BE49-F238E27FC236}">
+                <a16:creationId xmlns:a16="http://schemas.microsoft.com/office/drawing/2014/main" id="{F346184B-13CF-4635-9DC3-4E2C47B3FCE4}"/>
+              </a:ext>
+            </a:extLst>
+          </p:cNvPr>
+          <p:cNvPicPr>
+            <a:picLocks noChangeAspect="1"/>
+          </p:cNvPicPr>
+          <p:nvPr/>
+        </p:nvPicPr>
+        <p:blipFill>
+          <a:blip r:embed="rId3"/>
+          <a:stretch>
+            <a:fillRect/>
+          </a:stretch>
+        </p:blipFill>
+        <p:spPr>
+          <a:xfrm>
+            <a:off x="4941640" y="2705055"/>
+            <a:ext cx="6134100" cy="3629025"/>
+          </a:xfrm>
+          <a:prstGeom prst="rect">
+            <a:avLst/>
+          </a:prstGeom>
+        </p:spPr>
+      </p:pic>
+      <p:sp>
+        <p:nvSpPr>
+          <p:cNvPr id="9" name="TextBox 8">
+            <a:extLst>
+              <a:ext uri="{FF2B5EF4-FFF2-40B4-BE49-F238E27FC236}">
+                <a16:creationId xmlns:a16="http://schemas.microsoft.com/office/drawing/2014/main" id="{6E8DAF33-5C7B-4D19-AACA-A68D9B636E4A}"/>
+              </a:ext>
+            </a:extLst>
+          </p:cNvPr>
+          <p:cNvSpPr txBox="1"/>
+          <p:nvPr/>
+        </p:nvSpPr>
+        <p:spPr>
+          <a:xfrm>
+            <a:off x="4941640" y="2335723"/>
+            <a:ext cx="3469155" cy="369332"/>
+          </a:xfrm>
+          <a:prstGeom prst="rect">
+            <a:avLst/>
+          </a:prstGeom>
+          <a:noFill/>
+        </p:spPr>
+        <p:txBody>
+          <a:bodyPr wrap="none" rtlCol="0">
+            <a:spAutoFit/>
+          </a:bodyPr>
+          <a:lstStyle/>
+          <a:p>
+            <a:r>
+              <a:rPr lang="ko-KR" altLang="en-US" dirty="0"/>
+              <a:t>학생의 </a:t>
+            </a:r>
+            <a:r>
+              <a:rPr lang="en-US" altLang="ko-KR" dirty="0" err="1"/>
+              <a:t>Vballot</a:t>
+            </a:r>
+            <a:r>
+              <a:rPr lang="ko-KR" altLang="en-US" dirty="0"/>
+              <a:t>에</a:t>
+            </a:r>
+            <a:r>
+              <a:rPr lang="en-US" altLang="ko-KR" dirty="0"/>
+              <a:t> </a:t>
+            </a:r>
+            <a:r>
+              <a:rPr lang="ko-KR" altLang="en-US" dirty="0" err="1"/>
+              <a:t>브릿지</a:t>
+            </a:r>
+            <a:r>
+              <a:rPr lang="ko-KR" altLang="en-US" dirty="0"/>
+              <a:t> 추가됨</a:t>
+            </a:r>
+          </a:p>
+        </p:txBody>
+      </p:sp>
+      <p:sp>
+        <p:nvSpPr>
+          <p:cNvPr id="10" name="직사각형 9">
+            <a:extLst>
+              <a:ext uri="{FF2B5EF4-FFF2-40B4-BE49-F238E27FC236}">
+                <a16:creationId xmlns:a16="http://schemas.microsoft.com/office/drawing/2014/main" id="{81B3F249-2BAA-43E9-9858-EEFAC726F774}"/>
+              </a:ext>
+            </a:extLst>
+          </p:cNvPr>
+          <p:cNvSpPr/>
+          <p:nvPr/>
+        </p:nvSpPr>
+        <p:spPr>
+          <a:xfrm>
+            <a:off x="5410899" y="5008228"/>
+            <a:ext cx="1442907" cy="218113"/>
+          </a:xfrm>
+          <a:prstGeom prst="rect">
+            <a:avLst/>
+          </a:prstGeom>
+          <a:noFill/>
+          <a:ln w="28575">
+            <a:solidFill>
+              <a:srgbClr val="FF0000"/>
+            </a:solidFill>
+          </a:ln>
+        </p:spPr>
+        <p:style>
+          <a:lnRef idx="2">
+            <a:schemeClr val="accent1">
+              <a:shade val="50000"/>
+            </a:schemeClr>
+          </a:lnRef>
+          <a:fillRef idx="1">
+            <a:schemeClr val="accent1"/>
+          </a:fillRef>
+          <a:effectRef idx="0">
+            <a:schemeClr val="accent1"/>
+          </a:effectRef>
+          <a:fontRef idx="minor">
+            <a:schemeClr val="lt1"/>
+          </a:fontRef>
+        </p:style>
+        <p:txBody>
+          <a:bodyPr rtlCol="0" anchor="ctr"/>
+          <a:lstStyle/>
+          <a:p>
+            <a:pPr algn="ctr"/>
+            <a:endParaRPr lang="ko-KR" altLang="en-US" dirty="0"/>
+          </a:p>
+        </p:txBody>
+      </p:sp>
+    </p:spTree>
+    <p:extLst>
+      <p:ext uri="{BB962C8B-B14F-4D97-AF65-F5344CB8AC3E}">
+        <p14:creationId xmlns:p14="http://schemas.microsoft.com/office/powerpoint/2010/main" val="982698257"/>
+      </p:ext>
+    </p:extLst>
+  </p:cSld>
+  <p:clrMapOvr>
+    <a:masterClrMapping/>
+  </p:clrMapOvr>
+</p:sld>
+</file>
+
+<file path=ppt/slides/slide46.xml><?xml version="1.0" encoding="utf-8"?>
+<p:sld xmlns:a="http://schemas.openxmlformats.org/drawingml/2006/main" xmlns:r="http://schemas.openxmlformats.org/officeDocument/2006/relationships" xmlns:p="http://schemas.openxmlformats.org/presentationml/2006/main">
+  <p:cSld>
+    <p:spTree>
+      <p:nvGrpSpPr>
+        <p:cNvPr id="1" name=""/>
+        <p:cNvGrpSpPr/>
+        <p:nvPr/>
+      </p:nvGrpSpPr>
+      <p:grpSpPr>
+        <a:xfrm>
+          <a:off x="0" y="0"/>
+          <a:ext cx="0" cy="0"/>
+          <a:chOff x="0" y="0"/>
+          <a:chExt cx="0" cy="0"/>
+        </a:xfrm>
+      </p:grpSpPr>
+      <p:sp>
+        <p:nvSpPr>
+          <p:cNvPr id="2" name="제목 1">
+            <a:extLst>
+              <a:ext uri="{FF2B5EF4-FFF2-40B4-BE49-F238E27FC236}">
+                <a16:creationId xmlns:a16="http://schemas.microsoft.com/office/drawing/2014/main" id="{3F5145E5-30B0-49E6-8A5F-716EA6F27234}"/>
+              </a:ext>
+            </a:extLst>
+          </p:cNvPr>
+          <p:cNvSpPr>
+            <a:spLocks noGrp="1"/>
+          </p:cNvSpPr>
+          <p:nvPr>
+            <p:ph type="title"/>
+          </p:nvPr>
+        </p:nvSpPr>
+        <p:spPr/>
+        <p:txBody>
+          <a:bodyPr/>
+          <a:lstStyle/>
+          <a:p>
+            <a:r>
+              <a:rPr lang="ko-KR" altLang="en-US" sz="4400" dirty="0"/>
+              <a:t>시나리오</a:t>
+            </a:r>
+            <a:r>
+              <a:rPr lang="en-US" altLang="ko-KR" sz="4400" dirty="0"/>
+              <a:t>#24 : </a:t>
+            </a:r>
+            <a:r>
+              <a:rPr lang="ko-KR" altLang="en-US" sz="4400" dirty="0"/>
+              <a:t>후보자가 </a:t>
+            </a:r>
+            <a:r>
+              <a:rPr lang="en-US" altLang="ko-KR" sz="4400" dirty="0"/>
+              <a:t>2</a:t>
+            </a:r>
+            <a:r>
+              <a:rPr lang="ko-KR" altLang="en-US" sz="4400" dirty="0"/>
+              <a:t>개인 선거 존재 시</a:t>
+            </a:r>
+            <a:r>
+              <a:rPr lang="en-US" altLang="ko-KR" sz="4400" dirty="0"/>
+              <a:t>, </a:t>
+            </a:r>
+            <a:r>
+              <a:rPr lang="ko-KR" altLang="en-US" sz="4400" dirty="0"/>
+              <a:t>학생</a:t>
+            </a:r>
+            <a:r>
+              <a:rPr lang="en-US" altLang="ko-KR" sz="4400" dirty="0"/>
+              <a:t>2</a:t>
+            </a:r>
+            <a:r>
+              <a:rPr lang="ko-KR" altLang="en-US" sz="4400" dirty="0"/>
+              <a:t>이 </a:t>
+            </a:r>
+            <a:r>
+              <a:rPr lang="en-US" altLang="ko-KR" sz="4400" dirty="0"/>
+              <a:t>[</a:t>
+            </a:r>
+            <a:r>
+              <a:rPr lang="ko-KR" altLang="en-US" sz="4400" dirty="0"/>
+              <a:t>투표하기</a:t>
+            </a:r>
+            <a:r>
+              <a:rPr lang="en-US" altLang="ko-KR" sz="4400" dirty="0"/>
+              <a:t>] -&gt; [</a:t>
+            </a:r>
+            <a:r>
+              <a:rPr lang="ko-KR" altLang="en-US" sz="4400" dirty="0"/>
+              <a:t>스케치</a:t>
+            </a:r>
+            <a:r>
+              <a:rPr lang="ko-KR" altLang="en-US" dirty="0"/>
+              <a:t> 선택</a:t>
+            </a:r>
+            <a:r>
+              <a:rPr lang="en-US" altLang="ko-KR" dirty="0"/>
+              <a:t>]</a:t>
+            </a:r>
+            <a:endParaRPr lang="ko-KR" altLang="en-US" dirty="0"/>
+          </a:p>
+        </p:txBody>
+      </p:sp>
+      <p:pic>
+        <p:nvPicPr>
+          <p:cNvPr id="5" name="내용 개체 틀 4">
+            <a:extLst>
+              <a:ext uri="{FF2B5EF4-FFF2-40B4-BE49-F238E27FC236}">
+                <a16:creationId xmlns:a16="http://schemas.microsoft.com/office/drawing/2014/main" id="{C1E82A47-373C-43AA-8DCE-114F81544A30}"/>
+              </a:ext>
+            </a:extLst>
+          </p:cNvPr>
+          <p:cNvPicPr>
+            <a:picLocks noGrp="1" noChangeAspect="1"/>
+          </p:cNvPicPr>
+          <p:nvPr>
+            <p:ph idx="1"/>
+          </p:nvPr>
+        </p:nvPicPr>
+        <p:blipFill>
+          <a:blip r:embed="rId2"/>
+          <a:stretch>
+            <a:fillRect/>
+          </a:stretch>
+        </p:blipFill>
+        <p:spPr>
+          <a:xfrm>
+            <a:off x="117271" y="2432029"/>
+            <a:ext cx="5886450" cy="2400300"/>
+          </a:xfrm>
+        </p:spPr>
+      </p:pic>
+      <p:pic>
+        <p:nvPicPr>
+          <p:cNvPr id="7" name="그림 6">
+            <a:extLst>
+              <a:ext uri="{FF2B5EF4-FFF2-40B4-BE49-F238E27FC236}">
+                <a16:creationId xmlns:a16="http://schemas.microsoft.com/office/drawing/2014/main" id="{0B1EFCFC-643F-43E4-A1EB-16DCF955D63E}"/>
+              </a:ext>
+            </a:extLst>
+          </p:cNvPr>
+          <p:cNvPicPr>
+            <a:picLocks noChangeAspect="1"/>
+          </p:cNvPicPr>
+          <p:nvPr/>
+        </p:nvPicPr>
+        <p:blipFill>
+          <a:blip r:embed="rId3"/>
+          <a:stretch>
+            <a:fillRect/>
+          </a:stretch>
+        </p:blipFill>
+        <p:spPr>
+          <a:xfrm>
+            <a:off x="6118021" y="2432029"/>
+            <a:ext cx="5981700" cy="3619500"/>
+          </a:xfrm>
+          <a:prstGeom prst="rect">
+            <a:avLst/>
+          </a:prstGeom>
+        </p:spPr>
+      </p:pic>
+      <p:sp>
+        <p:nvSpPr>
+          <p:cNvPr id="8" name="TextBox 7">
+            <a:extLst>
+              <a:ext uri="{FF2B5EF4-FFF2-40B4-BE49-F238E27FC236}">
+                <a16:creationId xmlns:a16="http://schemas.microsoft.com/office/drawing/2014/main" id="{B73F73A5-3AAE-41E9-B9FA-1FEE596076E6}"/>
+              </a:ext>
+            </a:extLst>
+          </p:cNvPr>
+          <p:cNvSpPr txBox="1"/>
+          <p:nvPr/>
+        </p:nvSpPr>
+        <p:spPr>
+          <a:xfrm>
+            <a:off x="446834" y="2062697"/>
+            <a:ext cx="5614037" cy="369332"/>
+          </a:xfrm>
+          <a:prstGeom prst="rect">
+            <a:avLst/>
+          </a:prstGeom>
+          <a:noFill/>
+        </p:spPr>
+        <p:txBody>
+          <a:bodyPr wrap="none" rtlCol="0">
+            <a:spAutoFit/>
+          </a:bodyPr>
+          <a:lstStyle/>
+          <a:p>
+            <a:r>
+              <a:rPr lang="ko-KR" altLang="en-US" dirty="0"/>
+              <a:t>투표하기 버튼 클릭 후 생성된 학생</a:t>
+            </a:r>
+            <a:r>
+              <a:rPr lang="en-US" altLang="ko-KR" dirty="0"/>
+              <a:t>2</a:t>
+            </a:r>
+            <a:r>
+              <a:rPr lang="ko-KR" altLang="en-US" dirty="0"/>
+              <a:t>의 </a:t>
+            </a:r>
+            <a:r>
+              <a:rPr lang="en-US" altLang="ko-KR" dirty="0"/>
+              <a:t>Student </a:t>
+            </a:r>
+            <a:r>
+              <a:rPr lang="ko-KR" altLang="en-US" dirty="0"/>
+              <a:t>객체</a:t>
+            </a:r>
+          </a:p>
+        </p:txBody>
+      </p:sp>
+      <p:sp>
+        <p:nvSpPr>
+          <p:cNvPr id="9" name="TextBox 8">
+            <a:extLst>
+              <a:ext uri="{FF2B5EF4-FFF2-40B4-BE49-F238E27FC236}">
+                <a16:creationId xmlns:a16="http://schemas.microsoft.com/office/drawing/2014/main" id="{18179113-A90E-4D1C-A74D-46B349BF6276}"/>
+              </a:ext>
+            </a:extLst>
+          </p:cNvPr>
+          <p:cNvSpPr txBox="1"/>
+          <p:nvPr/>
+        </p:nvSpPr>
+        <p:spPr>
+          <a:xfrm>
+            <a:off x="7013196" y="2062697"/>
+            <a:ext cx="4644220" cy="369332"/>
+          </a:xfrm>
+          <a:prstGeom prst="rect">
+            <a:avLst/>
+          </a:prstGeom>
+          <a:noFill/>
+        </p:spPr>
+        <p:txBody>
+          <a:bodyPr wrap="none" rtlCol="0">
+            <a:spAutoFit/>
+          </a:bodyPr>
+          <a:lstStyle/>
+          <a:p>
+            <a:r>
+              <a:rPr lang="ko-KR" altLang="en-US" dirty="0"/>
+              <a:t>학생</a:t>
+            </a:r>
+            <a:r>
+              <a:rPr lang="en-US" altLang="ko-KR" dirty="0"/>
+              <a:t>2</a:t>
+            </a:r>
+            <a:r>
+              <a:rPr lang="ko-KR" altLang="en-US" dirty="0"/>
+              <a:t>가 뽑은 스케치가 투표용지에 작성됨</a:t>
+            </a:r>
+          </a:p>
+        </p:txBody>
+      </p:sp>
+      <p:pic>
+        <p:nvPicPr>
+          <p:cNvPr id="11" name="그림 10">
+            <a:extLst>
+              <a:ext uri="{FF2B5EF4-FFF2-40B4-BE49-F238E27FC236}">
+                <a16:creationId xmlns:a16="http://schemas.microsoft.com/office/drawing/2014/main" id="{CE164784-0BA3-4DAD-9136-094CDC8DB291}"/>
+              </a:ext>
+            </a:extLst>
+          </p:cNvPr>
+          <p:cNvPicPr>
+            <a:picLocks noChangeAspect="1"/>
+          </p:cNvPicPr>
+          <p:nvPr/>
+        </p:nvPicPr>
+        <p:blipFill>
+          <a:blip r:embed="rId4"/>
+          <a:stretch>
+            <a:fillRect/>
+          </a:stretch>
+        </p:blipFill>
+        <p:spPr>
+          <a:xfrm>
+            <a:off x="1590893" y="5427641"/>
+            <a:ext cx="3590925" cy="1247775"/>
+          </a:xfrm>
+          <a:prstGeom prst="rect">
+            <a:avLst/>
+          </a:prstGeom>
+        </p:spPr>
+      </p:pic>
+      <p:sp>
+        <p:nvSpPr>
+          <p:cNvPr id="12" name="TextBox 11">
+            <a:extLst>
+              <a:ext uri="{FF2B5EF4-FFF2-40B4-BE49-F238E27FC236}">
+                <a16:creationId xmlns:a16="http://schemas.microsoft.com/office/drawing/2014/main" id="{86C2FD15-65A3-45BC-B81E-5C7ECEE11A92}"/>
+              </a:ext>
+            </a:extLst>
+          </p:cNvPr>
+          <p:cNvSpPr txBox="1"/>
+          <p:nvPr/>
+        </p:nvSpPr>
+        <p:spPr>
+          <a:xfrm>
+            <a:off x="2178878" y="5016995"/>
+            <a:ext cx="2149948" cy="369332"/>
+          </a:xfrm>
+          <a:prstGeom prst="rect">
+            <a:avLst/>
+          </a:prstGeom>
+          <a:noFill/>
+        </p:spPr>
+        <p:txBody>
+          <a:bodyPr wrap="none" rtlCol="0">
+            <a:spAutoFit/>
+          </a:bodyPr>
+          <a:lstStyle/>
+          <a:p>
+            <a:r>
+              <a:rPr lang="ko-KR" altLang="en-US" dirty="0"/>
+              <a:t>학생</a:t>
+            </a:r>
+            <a:r>
+              <a:rPr lang="en-US" altLang="ko-KR" dirty="0"/>
+              <a:t>2 [</a:t>
+            </a:r>
+            <a:r>
+              <a:rPr lang="ko-KR" altLang="en-US" dirty="0"/>
+              <a:t>내투표확인</a:t>
+            </a:r>
+            <a:r>
+              <a:rPr lang="en-US" altLang="ko-KR" dirty="0"/>
+              <a:t>]</a:t>
+            </a:r>
+            <a:endParaRPr lang="ko-KR" altLang="en-US" dirty="0"/>
+          </a:p>
+        </p:txBody>
+      </p:sp>
+    </p:spTree>
+    <p:extLst>
+      <p:ext uri="{BB962C8B-B14F-4D97-AF65-F5344CB8AC3E}">
+        <p14:creationId xmlns:p14="http://schemas.microsoft.com/office/powerpoint/2010/main" val="1731832650"/>
+      </p:ext>
+    </p:extLst>
+  </p:cSld>
+  <p:clrMapOvr>
+    <a:masterClrMapping/>
+  </p:clrMapOvr>
+</p:sld>
+</file>
+
+<file path=ppt/slides/slide47.xml><?xml version="1.0" encoding="utf-8"?>
+<p:sld xmlns:a="http://schemas.openxmlformats.org/drawingml/2006/main" xmlns:r="http://schemas.openxmlformats.org/officeDocument/2006/relationships" xmlns:p="http://schemas.openxmlformats.org/presentationml/2006/main">
+  <p:cSld>
+    <p:spTree>
+      <p:nvGrpSpPr>
+        <p:cNvPr id="1" name=""/>
+        <p:cNvGrpSpPr/>
+        <p:nvPr/>
+      </p:nvGrpSpPr>
+      <p:grpSpPr>
+        <a:xfrm>
+          <a:off x="0" y="0"/>
+          <a:ext cx="0" cy="0"/>
+          <a:chOff x="0" y="0"/>
+          <a:chExt cx="0" cy="0"/>
+        </a:xfrm>
+      </p:grpSpPr>
+      <p:sp>
+        <p:nvSpPr>
+          <p:cNvPr id="2" name="제목 1">
+            <a:extLst>
+              <a:ext uri="{FF2B5EF4-FFF2-40B4-BE49-F238E27FC236}">
+                <a16:creationId xmlns:a16="http://schemas.microsoft.com/office/drawing/2014/main" id="{53A64FEA-6324-4F6F-AA22-81CA34548976}"/>
+              </a:ext>
+            </a:extLst>
+          </p:cNvPr>
+          <p:cNvSpPr>
+            <a:spLocks noGrp="1"/>
+          </p:cNvSpPr>
+          <p:nvPr>
+            <p:ph type="title"/>
+          </p:nvPr>
+        </p:nvSpPr>
+        <p:spPr/>
+        <p:txBody>
+          <a:bodyPr>
+            <a:normAutofit/>
+          </a:bodyPr>
+          <a:lstStyle/>
+          <a:p>
+            <a:r>
+              <a:rPr lang="ko-KR" altLang="en-US" sz="4400" dirty="0"/>
+              <a:t>시나리오</a:t>
+            </a:r>
+            <a:r>
+              <a:rPr lang="en-US" altLang="ko-KR" sz="4400" dirty="0"/>
+              <a:t>#25 : </a:t>
+            </a:r>
+            <a:r>
+              <a:rPr lang="ko-KR" altLang="en-US" sz="4400" dirty="0"/>
+              <a:t>후보자가 </a:t>
+            </a:r>
+            <a:r>
+              <a:rPr lang="en-US" altLang="ko-KR" sz="4400" dirty="0"/>
+              <a:t>2</a:t>
+            </a:r>
+            <a:r>
+              <a:rPr lang="ko-KR" altLang="en-US" sz="4400" dirty="0"/>
+              <a:t>개인 선거 존재 시</a:t>
+            </a:r>
+            <a:r>
+              <a:rPr lang="en-US" altLang="ko-KR" sz="4400" dirty="0"/>
+              <a:t>, </a:t>
+            </a:r>
+            <a:r>
+              <a:rPr lang="ko-KR" altLang="en-US" sz="4400" dirty="0"/>
+              <a:t>학생</a:t>
+            </a:r>
+            <a:r>
+              <a:rPr lang="en-US" altLang="ko-KR" sz="4400" dirty="0"/>
+              <a:t>3, 4</a:t>
+            </a:r>
+            <a:r>
+              <a:rPr lang="ko-KR" altLang="en-US" sz="4400" dirty="0"/>
+              <a:t>이 </a:t>
+            </a:r>
+            <a:r>
+              <a:rPr lang="en-US" altLang="ko-KR" sz="4400" dirty="0"/>
+              <a:t>[</a:t>
+            </a:r>
+            <a:r>
+              <a:rPr lang="ko-KR" altLang="en-US" sz="4400" dirty="0"/>
+              <a:t>투표하기</a:t>
+            </a:r>
+            <a:r>
+              <a:rPr lang="en-US" altLang="ko-KR" sz="4400" dirty="0"/>
+              <a:t>] -&gt; [</a:t>
+            </a:r>
+            <a:r>
+              <a:rPr lang="ko-KR" altLang="en-US" sz="4400" dirty="0"/>
+              <a:t>기권</a:t>
+            </a:r>
+            <a:r>
+              <a:rPr lang="ko-KR" altLang="en-US" dirty="0"/>
+              <a:t> 선택</a:t>
+            </a:r>
+            <a:r>
+              <a:rPr lang="en-US" altLang="ko-KR" dirty="0"/>
+              <a:t>]</a:t>
+            </a:r>
+            <a:endParaRPr lang="ko-KR" altLang="en-US" dirty="0"/>
+          </a:p>
+        </p:txBody>
+      </p:sp>
+      <p:pic>
+        <p:nvPicPr>
+          <p:cNvPr id="5" name="내용 개체 틀 4">
+            <a:extLst>
+              <a:ext uri="{FF2B5EF4-FFF2-40B4-BE49-F238E27FC236}">
+                <a16:creationId xmlns:a16="http://schemas.microsoft.com/office/drawing/2014/main" id="{0B804155-D538-4E69-94AD-0635C57A7916}"/>
+              </a:ext>
+            </a:extLst>
+          </p:cNvPr>
+          <p:cNvPicPr>
+            <a:picLocks noGrp="1" noChangeAspect="1"/>
+          </p:cNvPicPr>
+          <p:nvPr>
+            <p:ph idx="1"/>
+          </p:nvPr>
+        </p:nvPicPr>
+        <p:blipFill>
+          <a:blip r:embed="rId2"/>
+          <a:stretch>
+            <a:fillRect/>
+          </a:stretch>
+        </p:blipFill>
+        <p:spPr>
+          <a:xfrm>
+            <a:off x="1406447" y="2295408"/>
+            <a:ext cx="2600799" cy="4351338"/>
+          </a:xfrm>
+        </p:spPr>
+      </p:pic>
+      <p:sp>
+        <p:nvSpPr>
+          <p:cNvPr id="6" name="TextBox 5">
+            <a:extLst>
+              <a:ext uri="{FF2B5EF4-FFF2-40B4-BE49-F238E27FC236}">
+                <a16:creationId xmlns:a16="http://schemas.microsoft.com/office/drawing/2014/main" id="{EEE62F5B-32EE-4CC0-99CA-66FEC646BAFA}"/>
+              </a:ext>
+            </a:extLst>
+          </p:cNvPr>
+          <p:cNvSpPr txBox="1"/>
+          <p:nvPr/>
+        </p:nvSpPr>
+        <p:spPr>
+          <a:xfrm>
+            <a:off x="39147" y="1926076"/>
+            <a:ext cx="5521063" cy="369332"/>
+          </a:xfrm>
+          <a:prstGeom prst="rect">
+            <a:avLst/>
+          </a:prstGeom>
+          <a:noFill/>
+        </p:spPr>
+        <p:txBody>
+          <a:bodyPr wrap="none" rtlCol="0">
+            <a:spAutoFit/>
+          </a:bodyPr>
+          <a:lstStyle/>
+          <a:p>
+            <a:r>
+              <a:rPr lang="ko-KR" altLang="en-US" dirty="0"/>
+              <a:t>학생 </a:t>
+            </a:r>
+            <a:r>
+              <a:rPr lang="en-US" altLang="ko-KR" dirty="0"/>
+              <a:t>3, 4 </a:t>
+            </a:r>
+            <a:r>
+              <a:rPr lang="ko-KR" altLang="en-US" dirty="0"/>
+              <a:t>모두 투표완료 후 관리자 </a:t>
+            </a:r>
+            <a:r>
+              <a:rPr lang="en-US" altLang="ko-KR" dirty="0"/>
+              <a:t>[</a:t>
+            </a:r>
+            <a:r>
+              <a:rPr lang="ko-KR" altLang="en-US" dirty="0"/>
+              <a:t>투표율확인</a:t>
+            </a:r>
+            <a:r>
+              <a:rPr lang="en-US" altLang="ko-KR" dirty="0"/>
+              <a:t>] </a:t>
+            </a:r>
+            <a:r>
+              <a:rPr lang="ko-KR" altLang="en-US" dirty="0"/>
+              <a:t>시</a:t>
+            </a:r>
+          </a:p>
+        </p:txBody>
+      </p:sp>
+      <p:sp>
+        <p:nvSpPr>
+          <p:cNvPr id="7" name="TextBox 6">
+            <a:extLst>
+              <a:ext uri="{FF2B5EF4-FFF2-40B4-BE49-F238E27FC236}">
+                <a16:creationId xmlns:a16="http://schemas.microsoft.com/office/drawing/2014/main" id="{D01F4184-05CC-4ECB-BE78-55132A6D5D08}"/>
+              </a:ext>
+            </a:extLst>
+          </p:cNvPr>
+          <p:cNvSpPr txBox="1"/>
+          <p:nvPr/>
+        </p:nvSpPr>
+        <p:spPr>
+          <a:xfrm>
+            <a:off x="4446165" y="2810312"/>
+            <a:ext cx="5394425" cy="369332"/>
+          </a:xfrm>
+          <a:prstGeom prst="rect">
+            <a:avLst/>
+          </a:prstGeom>
+          <a:noFill/>
+        </p:spPr>
+        <p:txBody>
+          <a:bodyPr wrap="none" rtlCol="0">
+            <a:spAutoFit/>
+          </a:bodyPr>
+          <a:lstStyle/>
+          <a:p>
+            <a:r>
+              <a:rPr lang="ko-KR" altLang="en-US" dirty="0"/>
+              <a:t>당연하지만</a:t>
+            </a:r>
+            <a:r>
+              <a:rPr lang="en-US" altLang="ko-KR" dirty="0"/>
+              <a:t>, </a:t>
+            </a:r>
+            <a:r>
+              <a:rPr lang="ko-KR" altLang="en-US" dirty="0"/>
+              <a:t>투표하는 것에 있어서 문제는 없었음</a:t>
+            </a:r>
+            <a:r>
+              <a:rPr lang="en-US" altLang="ko-KR" dirty="0"/>
+              <a:t>.</a:t>
+            </a:r>
+            <a:endParaRPr lang="ko-KR" altLang="en-US" dirty="0"/>
+          </a:p>
+        </p:txBody>
+      </p:sp>
+    </p:spTree>
+    <p:extLst>
+      <p:ext uri="{BB962C8B-B14F-4D97-AF65-F5344CB8AC3E}">
+        <p14:creationId xmlns:p14="http://schemas.microsoft.com/office/powerpoint/2010/main" val="3818321626"/>
+      </p:ext>
+    </p:extLst>
+  </p:cSld>
+  <p:clrMapOvr>
+    <a:masterClrMapping/>
+  </p:clrMapOvr>
+</p:sld>
+</file>
+
+<file path=ppt/slides/slide48.xml><?xml version="1.0" encoding="utf-8"?>
+<p:sld xmlns:a="http://schemas.openxmlformats.org/drawingml/2006/main" xmlns:r="http://schemas.openxmlformats.org/officeDocument/2006/relationships" xmlns:p="http://schemas.openxmlformats.org/presentationml/2006/main">
+  <p:cSld>
+    <p:spTree>
+      <p:nvGrpSpPr>
+        <p:cNvPr id="1" name=""/>
+        <p:cNvGrpSpPr/>
+        <p:nvPr/>
+      </p:nvGrpSpPr>
+      <p:grpSpPr>
+        <a:xfrm>
+          <a:off x="0" y="0"/>
+          <a:ext cx="0" cy="0"/>
+          <a:chOff x="0" y="0"/>
+          <a:chExt cx="0" cy="0"/>
+        </a:xfrm>
+      </p:grpSpPr>
+      <p:sp>
+        <p:nvSpPr>
+          <p:cNvPr id="2" name="제목 1">
+            <a:extLst>
+              <a:ext uri="{FF2B5EF4-FFF2-40B4-BE49-F238E27FC236}">
+                <a16:creationId xmlns:a16="http://schemas.microsoft.com/office/drawing/2014/main" id="{985003BB-FC98-43EC-B3E7-A82D0FD2C331}"/>
+              </a:ext>
+            </a:extLst>
+          </p:cNvPr>
+          <p:cNvSpPr>
+            <a:spLocks noGrp="1"/>
+          </p:cNvSpPr>
+          <p:nvPr>
+            <p:ph type="title"/>
+          </p:nvPr>
+        </p:nvSpPr>
+        <p:spPr/>
+        <p:txBody>
+          <a:bodyPr/>
+          <a:lstStyle/>
+          <a:p>
+            <a:r>
+              <a:rPr lang="ko-KR" altLang="en-US" sz="4400" dirty="0"/>
+              <a:t>시나리오</a:t>
+            </a:r>
+            <a:r>
+              <a:rPr lang="en-US" altLang="ko-KR" sz="4400" dirty="0"/>
+              <a:t>#26 : </a:t>
+            </a:r>
+            <a:r>
+              <a:rPr lang="ko-KR" altLang="en-US" sz="4400" dirty="0"/>
+              <a:t>관리자가 </a:t>
+            </a:r>
+            <a:r>
+              <a:rPr lang="en-US" altLang="ko-KR" sz="4400" dirty="0"/>
+              <a:t>[</a:t>
+            </a:r>
+            <a:r>
+              <a:rPr lang="ko-KR" altLang="en-US" sz="4400" dirty="0"/>
+              <a:t>선거생성</a:t>
+            </a:r>
+            <a:r>
+              <a:rPr lang="en-US" altLang="ko-KR" sz="4400" dirty="0"/>
+              <a:t>] -&gt; [</a:t>
+            </a:r>
+            <a:r>
+              <a:rPr lang="ko-KR" altLang="en-US" sz="4400" dirty="0"/>
+              <a:t>선거수정</a:t>
+            </a:r>
+            <a:r>
+              <a:rPr lang="en-US" altLang="ko-KR" sz="4400" dirty="0"/>
+              <a:t>]</a:t>
+            </a:r>
+            <a:endParaRPr lang="ko-KR" altLang="en-US" dirty="0"/>
+          </a:p>
+        </p:txBody>
+      </p:sp>
+      <p:pic>
+        <p:nvPicPr>
+          <p:cNvPr id="5" name="내용 개체 틀 4">
+            <a:extLst>
+              <a:ext uri="{FF2B5EF4-FFF2-40B4-BE49-F238E27FC236}">
+                <a16:creationId xmlns:a16="http://schemas.microsoft.com/office/drawing/2014/main" id="{F2741D49-89CA-4E59-9A5B-C1D460EB8901}"/>
+              </a:ext>
+            </a:extLst>
+          </p:cNvPr>
+          <p:cNvPicPr>
+            <a:picLocks noGrp="1" noChangeAspect="1"/>
+          </p:cNvPicPr>
+          <p:nvPr>
+            <p:ph idx="1"/>
+          </p:nvPr>
+        </p:nvPicPr>
+        <p:blipFill>
+          <a:blip r:embed="rId2"/>
+          <a:stretch>
+            <a:fillRect/>
+          </a:stretch>
+        </p:blipFill>
+        <p:spPr>
+          <a:xfrm>
+            <a:off x="760029" y="2278631"/>
+            <a:ext cx="2584953" cy="4351338"/>
+          </a:xfrm>
+        </p:spPr>
+      </p:pic>
+      <p:pic>
+        <p:nvPicPr>
+          <p:cNvPr id="7" name="그림 6">
+            <a:extLst>
+              <a:ext uri="{FF2B5EF4-FFF2-40B4-BE49-F238E27FC236}">
+                <a16:creationId xmlns:a16="http://schemas.microsoft.com/office/drawing/2014/main" id="{0F17F616-76A1-485F-AFD7-69FD5E367E81}"/>
+              </a:ext>
+            </a:extLst>
+          </p:cNvPr>
+          <p:cNvPicPr>
+            <a:picLocks noChangeAspect="1"/>
+          </p:cNvPicPr>
+          <p:nvPr/>
+        </p:nvPicPr>
+        <p:blipFill>
+          <a:blip r:embed="rId3"/>
+          <a:stretch>
+            <a:fillRect/>
+          </a:stretch>
+        </p:blipFill>
+        <p:spPr>
+          <a:xfrm>
+            <a:off x="3502009" y="2278631"/>
+            <a:ext cx="2663899" cy="4357117"/>
+          </a:xfrm>
+          <a:prstGeom prst="rect">
+            <a:avLst/>
+          </a:prstGeom>
+        </p:spPr>
+      </p:pic>
+      <p:cxnSp>
+        <p:nvCxnSpPr>
+          <p:cNvPr id="9" name="직선 화살표 연결선 8">
+            <a:extLst>
+              <a:ext uri="{FF2B5EF4-FFF2-40B4-BE49-F238E27FC236}">
+                <a16:creationId xmlns:a16="http://schemas.microsoft.com/office/drawing/2014/main" id="{94F8A9B3-C405-450C-A80E-3968453ADC11}"/>
+              </a:ext>
+            </a:extLst>
+          </p:cNvPr>
+          <p:cNvCxnSpPr/>
+          <p:nvPr/>
+        </p:nvCxnSpPr>
+        <p:spPr>
+          <a:xfrm>
+            <a:off x="2600587" y="3657600"/>
+            <a:ext cx="1132514" cy="629174"/>
+          </a:xfrm>
+          <a:prstGeom prst="straightConnector1">
+            <a:avLst/>
+          </a:prstGeom>
+          <a:ln>
+            <a:tailEnd type="triangle"/>
+          </a:ln>
+        </p:spPr>
+        <p:style>
+          <a:lnRef idx="1">
+            <a:schemeClr val="accent1"/>
+          </a:lnRef>
+          <a:fillRef idx="0">
+            <a:schemeClr val="accent1"/>
+          </a:fillRef>
+          <a:effectRef idx="0">
+            <a:schemeClr val="accent1"/>
+          </a:effectRef>
+          <a:fontRef idx="minor">
+            <a:schemeClr val="tx1"/>
+          </a:fontRef>
+        </p:style>
+      </p:cxnSp>
+      <p:pic>
+        <p:nvPicPr>
+          <p:cNvPr id="11" name="그림 10">
+            <a:extLst>
+              <a:ext uri="{FF2B5EF4-FFF2-40B4-BE49-F238E27FC236}">
+                <a16:creationId xmlns:a16="http://schemas.microsoft.com/office/drawing/2014/main" id="{C7E5C0C2-E7AB-4641-883A-CF629C764B77}"/>
+              </a:ext>
+            </a:extLst>
+          </p:cNvPr>
+          <p:cNvPicPr>
+            <a:picLocks noChangeAspect="1"/>
+          </p:cNvPicPr>
+          <p:nvPr/>
+        </p:nvPicPr>
+        <p:blipFill>
+          <a:blip r:embed="rId4"/>
+          <a:stretch>
+            <a:fillRect/>
+          </a:stretch>
+        </p:blipFill>
+        <p:spPr>
+          <a:xfrm>
+            <a:off x="6403460" y="2278631"/>
+            <a:ext cx="2443560" cy="2925484"/>
+          </a:xfrm>
+          <a:prstGeom prst="rect">
+            <a:avLst/>
+          </a:prstGeom>
+        </p:spPr>
+      </p:pic>
+      <p:pic>
+        <p:nvPicPr>
+          <p:cNvPr id="13" name="그림 12">
+            <a:extLst>
+              <a:ext uri="{FF2B5EF4-FFF2-40B4-BE49-F238E27FC236}">
+                <a16:creationId xmlns:a16="http://schemas.microsoft.com/office/drawing/2014/main" id="{DEFE149C-D2BE-4C3A-85A4-558E6390DE7A}"/>
+              </a:ext>
+            </a:extLst>
+          </p:cNvPr>
+          <p:cNvPicPr>
+            <a:picLocks noChangeAspect="1"/>
+          </p:cNvPicPr>
+          <p:nvPr/>
+        </p:nvPicPr>
+        <p:blipFill>
+          <a:blip r:embed="rId5"/>
+          <a:stretch>
+            <a:fillRect/>
+          </a:stretch>
+        </p:blipFill>
+        <p:spPr>
+          <a:xfrm>
+            <a:off x="8964559" y="2278631"/>
+            <a:ext cx="2831848" cy="3614126"/>
+          </a:xfrm>
+          <a:prstGeom prst="rect">
+            <a:avLst/>
+          </a:prstGeom>
+        </p:spPr>
+      </p:pic>
+      <p:sp>
+        <p:nvSpPr>
+          <p:cNvPr id="14" name="TextBox 13">
+            <a:extLst>
+              <a:ext uri="{FF2B5EF4-FFF2-40B4-BE49-F238E27FC236}">
+                <a16:creationId xmlns:a16="http://schemas.microsoft.com/office/drawing/2014/main" id="{8C844D2F-7412-4381-8D46-4092EF651614}"/>
+              </a:ext>
+            </a:extLst>
+          </p:cNvPr>
+          <p:cNvSpPr txBox="1"/>
+          <p:nvPr/>
+        </p:nvSpPr>
+        <p:spPr>
+          <a:xfrm>
+            <a:off x="7282848" y="1182847"/>
+            <a:ext cx="4513559" cy="923330"/>
+          </a:xfrm>
+          <a:prstGeom prst="rect">
+            <a:avLst/>
+          </a:prstGeom>
+          <a:noFill/>
+        </p:spPr>
+        <p:txBody>
+          <a:bodyPr wrap="square" rtlCol="0">
+            <a:spAutoFit/>
+          </a:bodyPr>
+          <a:lstStyle/>
+          <a:p>
+            <a:r>
+              <a:rPr lang="en-US" altLang="ko-KR" dirty="0"/>
+              <a:t>Problem : </a:t>
+            </a:r>
+          </a:p>
+          <a:p>
+            <a:r>
+              <a:rPr lang="ko-KR" altLang="en-US" dirty="0"/>
+              <a:t>선거 수정 시에 기권 후보자가 나오는 문제 해결해야 됨</a:t>
+            </a:r>
+            <a:r>
+              <a:rPr lang="en-US" altLang="ko-KR" dirty="0"/>
+              <a:t>.</a:t>
+            </a:r>
+            <a:endParaRPr lang="ko-KR" altLang="en-US" dirty="0"/>
+          </a:p>
+        </p:txBody>
+      </p:sp>
+      <p:sp>
+        <p:nvSpPr>
+          <p:cNvPr id="15" name="직사각형 14">
+            <a:extLst>
+              <a:ext uri="{FF2B5EF4-FFF2-40B4-BE49-F238E27FC236}">
+                <a16:creationId xmlns:a16="http://schemas.microsoft.com/office/drawing/2014/main" id="{B08A9848-87C3-4FD2-B145-CF40F86E1211}"/>
+              </a:ext>
+            </a:extLst>
+          </p:cNvPr>
+          <p:cNvSpPr/>
+          <p:nvPr/>
+        </p:nvSpPr>
+        <p:spPr>
+          <a:xfrm>
+            <a:off x="8847020" y="2106177"/>
+            <a:ext cx="3107292" cy="3975841"/>
+          </a:xfrm>
+          <a:prstGeom prst="rect">
+            <a:avLst/>
+          </a:prstGeom>
+          <a:noFill/>
+          <a:ln w="38100">
+            <a:solidFill>
+              <a:srgbClr val="FF0000"/>
+            </a:solidFill>
+          </a:ln>
+        </p:spPr>
+        <p:style>
+          <a:lnRef idx="2">
+            <a:schemeClr val="accent1">
+              <a:shade val="50000"/>
+            </a:schemeClr>
+          </a:lnRef>
+          <a:fillRef idx="1">
+            <a:schemeClr val="accent1"/>
+          </a:fillRef>
+          <a:effectRef idx="0">
+            <a:schemeClr val="accent1"/>
+          </a:effectRef>
+          <a:fontRef idx="minor">
+            <a:schemeClr val="lt1"/>
+          </a:fontRef>
+        </p:style>
+        <p:txBody>
+          <a:bodyPr rtlCol="0" anchor="ctr"/>
+          <a:lstStyle/>
+          <a:p>
+            <a:pPr algn="ctr"/>
+            <a:endParaRPr lang="ko-KR" altLang="en-US" dirty="0"/>
+          </a:p>
+        </p:txBody>
+      </p:sp>
+    </p:spTree>
+    <p:extLst>
+      <p:ext uri="{BB962C8B-B14F-4D97-AF65-F5344CB8AC3E}">
+        <p14:creationId xmlns:p14="http://schemas.microsoft.com/office/powerpoint/2010/main" val="4026544933"/>
+      </p:ext>
+    </p:extLst>
+  </p:cSld>
+  <p:clrMapOvr>
+    <a:masterClrMapping/>
+  </p:clrMapOvr>
+</p:sld>
+</file>
+
+<file path=ppt/slides/slide49.xml><?xml version="1.0" encoding="utf-8"?>
+<p:sld xmlns:a="http://schemas.openxmlformats.org/drawingml/2006/main" xmlns:r="http://schemas.openxmlformats.org/officeDocument/2006/relationships" xmlns:p="http://schemas.openxmlformats.org/presentationml/2006/main">
+  <p:cSld>
+    <p:spTree>
+      <p:nvGrpSpPr>
+        <p:cNvPr id="1" name=""/>
+        <p:cNvGrpSpPr/>
+        <p:nvPr/>
+      </p:nvGrpSpPr>
+      <p:grpSpPr>
+        <a:xfrm>
+          <a:off x="0" y="0"/>
+          <a:ext cx="0" cy="0"/>
+          <a:chOff x="0" y="0"/>
+          <a:chExt cx="0" cy="0"/>
+        </a:xfrm>
+      </p:grpSpPr>
+      <p:sp>
+        <p:nvSpPr>
+          <p:cNvPr id="2" name="제목 1">
+            <a:extLst>
+              <a:ext uri="{FF2B5EF4-FFF2-40B4-BE49-F238E27FC236}">
+                <a16:creationId xmlns:a16="http://schemas.microsoft.com/office/drawing/2014/main" id="{493BC712-AB7D-4429-8768-D21C67A95AD8}"/>
+              </a:ext>
+            </a:extLst>
+          </p:cNvPr>
+          <p:cNvSpPr>
+            <a:spLocks noGrp="1"/>
+          </p:cNvSpPr>
+          <p:nvPr>
+            <p:ph type="title"/>
+          </p:nvPr>
+        </p:nvSpPr>
+        <p:spPr/>
+        <p:txBody>
+          <a:bodyPr/>
+          <a:lstStyle/>
+          <a:p>
+            <a:r>
+              <a:rPr lang="ko-KR" altLang="en-US" dirty="0"/>
+              <a:t>시나리오</a:t>
+            </a:r>
+            <a:r>
+              <a:rPr lang="en-US" altLang="ko-KR" dirty="0"/>
+              <a:t>#?? : ??</a:t>
+            </a:r>
+            <a:endParaRPr lang="ko-KR" altLang="en-US" dirty="0"/>
+          </a:p>
+        </p:txBody>
+      </p:sp>
+      <p:sp>
+        <p:nvSpPr>
+          <p:cNvPr id="3" name="내용 개체 틀 2">
+            <a:extLst>
+              <a:ext uri="{FF2B5EF4-FFF2-40B4-BE49-F238E27FC236}">
+                <a16:creationId xmlns:a16="http://schemas.microsoft.com/office/drawing/2014/main" id="{E8F6A650-B3AB-46F8-A94D-3A6BD423C094}"/>
+              </a:ext>
+            </a:extLst>
+          </p:cNvPr>
+          <p:cNvSpPr>
+            <a:spLocks noGrp="1"/>
+          </p:cNvSpPr>
+          <p:nvPr>
+            <p:ph idx="1"/>
+          </p:nvPr>
+        </p:nvSpPr>
+        <p:spPr/>
+        <p:txBody>
+          <a:bodyPr/>
+          <a:lstStyle/>
+          <a:p>
+            <a:r>
+              <a:rPr lang="ko-KR" altLang="en-US" dirty="0" err="1"/>
+              <a:t>작성하여주십시오</a:t>
+            </a:r>
+            <a:r>
+              <a:rPr lang="en-US" altLang="ko-KR" dirty="0"/>
+              <a:t>.</a:t>
+            </a:r>
+            <a:endParaRPr lang="ko-KR" altLang="en-US" dirty="0"/>
+          </a:p>
+        </p:txBody>
+      </p:sp>
+    </p:spTree>
+    <p:extLst>
+      <p:ext uri="{BB962C8B-B14F-4D97-AF65-F5344CB8AC3E}">
+        <p14:creationId xmlns:p14="http://schemas.microsoft.com/office/powerpoint/2010/main" val="3822181132"/>
+      </p:ext>
+    </p:extLst>
+  </p:cSld>
+  <p:clrMapOvr>
+    <a:masterClrMapping/>
+  </p:clrMapOvr>
+</p:sld>
+</file>
+
 <file path=ppt/slides/slide5.xml><?xml version="1.0" encoding="utf-8"?>
 <p:sld xmlns:a="http://schemas.openxmlformats.org/drawingml/2006/main" xmlns:r="http://schemas.openxmlformats.org/officeDocument/2006/relationships" xmlns:p="http://schemas.openxmlformats.org/presentationml/2006/main">
   <p:cSld>
@@ -11071,6 +14857,435 @@
     <p:extLst>
       <p:ext uri="{BB962C8B-B14F-4D97-AF65-F5344CB8AC3E}">
         <p14:creationId xmlns:p14="http://schemas.microsoft.com/office/powerpoint/2010/main" val="1380531865"/>
+      </p:ext>
+    </p:extLst>
+  </p:cSld>
+  <p:clrMapOvr>
+    <a:masterClrMapping/>
+  </p:clrMapOvr>
+</p:sld>
+</file>
+
+<file path=ppt/slides/slide50.xml><?xml version="1.0" encoding="utf-8"?>
+<p:sld xmlns:a="http://schemas.openxmlformats.org/drawingml/2006/main" xmlns:r="http://schemas.openxmlformats.org/officeDocument/2006/relationships" xmlns:p="http://schemas.openxmlformats.org/presentationml/2006/main">
+  <p:cSld>
+    <p:spTree>
+      <p:nvGrpSpPr>
+        <p:cNvPr id="1" name=""/>
+        <p:cNvGrpSpPr/>
+        <p:nvPr/>
+      </p:nvGrpSpPr>
+      <p:grpSpPr>
+        <a:xfrm>
+          <a:off x="0" y="0"/>
+          <a:ext cx="0" cy="0"/>
+          <a:chOff x="0" y="0"/>
+          <a:chExt cx="0" cy="0"/>
+        </a:xfrm>
+      </p:grpSpPr>
+      <p:sp>
+        <p:nvSpPr>
+          <p:cNvPr id="2" name="제목 1">
+            <a:extLst>
+              <a:ext uri="{FF2B5EF4-FFF2-40B4-BE49-F238E27FC236}">
+                <a16:creationId xmlns:a16="http://schemas.microsoft.com/office/drawing/2014/main" id="{065E134B-6B70-4C74-B101-F996ADEBB5AB}"/>
+              </a:ext>
+            </a:extLst>
+          </p:cNvPr>
+          <p:cNvSpPr>
+            <a:spLocks noGrp="1"/>
+          </p:cNvSpPr>
+          <p:nvPr>
+            <p:ph type="ctrTitle"/>
+          </p:nvPr>
+        </p:nvSpPr>
+        <p:spPr/>
+        <p:txBody>
+          <a:bodyPr/>
+          <a:lstStyle/>
+          <a:p>
+            <a:r>
+              <a:rPr lang="ko-KR" altLang="en-US" dirty="0" err="1"/>
+              <a:t>미시행</a:t>
+            </a:r>
+            <a:r>
+              <a:rPr lang="ko-KR" altLang="en-US" dirty="0"/>
+              <a:t> 시나리오 목록</a:t>
+            </a:r>
+          </a:p>
+        </p:txBody>
+      </p:sp>
+    </p:spTree>
+    <p:extLst>
+      <p:ext uri="{BB962C8B-B14F-4D97-AF65-F5344CB8AC3E}">
+        <p14:creationId xmlns:p14="http://schemas.microsoft.com/office/powerpoint/2010/main" val="2125819996"/>
+      </p:ext>
+    </p:extLst>
+  </p:cSld>
+  <p:clrMapOvr>
+    <a:masterClrMapping/>
+  </p:clrMapOvr>
+</p:sld>
+</file>
+
+<file path=ppt/slides/slide51.xml><?xml version="1.0" encoding="utf-8"?>
+<p:sld xmlns:a="http://schemas.openxmlformats.org/drawingml/2006/main" xmlns:r="http://schemas.openxmlformats.org/officeDocument/2006/relationships" xmlns:p="http://schemas.openxmlformats.org/presentationml/2006/main">
+  <p:cSld>
+    <p:spTree>
+      <p:nvGrpSpPr>
+        <p:cNvPr id="1" name=""/>
+        <p:cNvGrpSpPr/>
+        <p:nvPr/>
+      </p:nvGrpSpPr>
+      <p:grpSpPr>
+        <a:xfrm>
+          <a:off x="0" y="0"/>
+          <a:ext cx="0" cy="0"/>
+          <a:chOff x="0" y="0"/>
+          <a:chExt cx="0" cy="0"/>
+        </a:xfrm>
+      </p:grpSpPr>
+      <p:sp>
+        <p:nvSpPr>
+          <p:cNvPr id="2" name="제목 1">
+            <a:extLst>
+              <a:ext uri="{FF2B5EF4-FFF2-40B4-BE49-F238E27FC236}">
+                <a16:creationId xmlns:a16="http://schemas.microsoft.com/office/drawing/2014/main" id="{90807F92-7D9D-40AD-BD42-987064ADE3A3}"/>
+              </a:ext>
+            </a:extLst>
+          </p:cNvPr>
+          <p:cNvSpPr>
+            <a:spLocks noGrp="1"/>
+          </p:cNvSpPr>
+          <p:nvPr>
+            <p:ph type="title"/>
+          </p:nvPr>
+        </p:nvSpPr>
+        <p:spPr/>
+        <p:txBody>
+          <a:bodyPr/>
+          <a:lstStyle/>
+          <a:p>
+            <a:r>
+              <a:rPr lang="ko-KR" altLang="en-US" dirty="0" err="1"/>
+              <a:t>미시행</a:t>
+            </a:r>
+            <a:r>
+              <a:rPr lang="ko-KR" altLang="en-US" dirty="0"/>
+              <a:t> 시나리오 목록</a:t>
+            </a:r>
+          </a:p>
+        </p:txBody>
+      </p:sp>
+      <p:sp>
+        <p:nvSpPr>
+          <p:cNvPr id="3" name="내용 개체 틀 2">
+            <a:extLst>
+              <a:ext uri="{FF2B5EF4-FFF2-40B4-BE49-F238E27FC236}">
+                <a16:creationId xmlns:a16="http://schemas.microsoft.com/office/drawing/2014/main" id="{715E2CC5-4E5B-4624-A6DF-7FBBE383F416}"/>
+              </a:ext>
+            </a:extLst>
+          </p:cNvPr>
+          <p:cNvSpPr>
+            <a:spLocks noGrp="1"/>
+          </p:cNvSpPr>
+          <p:nvPr>
+            <p:ph idx="1"/>
+          </p:nvPr>
+        </p:nvSpPr>
+        <p:spPr/>
+        <p:txBody>
+          <a:bodyPr>
+            <a:normAutofit fontScale="92500"/>
+          </a:bodyPr>
+          <a:lstStyle/>
+          <a:p>
+            <a:r>
+              <a:rPr lang="ko-KR" altLang="en-US" dirty="0">
+                <a:solidFill>
+                  <a:srgbClr val="FF0000"/>
+                </a:solidFill>
+              </a:rPr>
+              <a:t>선거 결과 확인에 대한 시나리오는 준비하지 않음</a:t>
+            </a:r>
+            <a:r>
+              <a:rPr lang="en-US" altLang="ko-KR" dirty="0">
+                <a:solidFill>
+                  <a:srgbClr val="FF0000"/>
+                </a:solidFill>
+              </a:rPr>
+              <a:t>.</a:t>
+            </a:r>
+          </a:p>
+          <a:p>
+            <a:pPr>
+              <a:buFont typeface="Symbol" panose="05050102010706020507" pitchFamily="18" charset="2"/>
+              <a:buChar char="Þ"/>
+            </a:pPr>
+            <a:r>
+              <a:rPr lang="ko-KR" altLang="en-US" dirty="0">
+                <a:solidFill>
+                  <a:srgbClr val="FF0000"/>
+                </a:solidFill>
+              </a:rPr>
+              <a:t>혜령 팀원 담당임</a:t>
+            </a:r>
+            <a:endParaRPr lang="en-US" altLang="ko-KR" dirty="0">
+              <a:solidFill>
+                <a:srgbClr val="FF0000"/>
+              </a:solidFill>
+            </a:endParaRPr>
+          </a:p>
+          <a:p>
+            <a:r>
+              <a:rPr lang="ko-KR" altLang="en-US" dirty="0"/>
+              <a:t>선거 투표용지를 받은 학생이 있을 때 관리자가 선거를 강제종료</a:t>
+            </a:r>
+            <a:endParaRPr lang="en-US" altLang="ko-KR" dirty="0"/>
+          </a:p>
+          <a:p>
+            <a:r>
+              <a:rPr lang="ko-KR" altLang="en-US" dirty="0"/>
+              <a:t>선거에 학생이 투표한 후에 관리자가 선거를 강제종료</a:t>
+            </a:r>
+            <a:endParaRPr lang="en-US" altLang="ko-KR" dirty="0"/>
+          </a:p>
+          <a:p>
+            <a:r>
+              <a:rPr lang="ko-KR" altLang="en-US" dirty="0"/>
+              <a:t>각 단과대별 선거 진행</a:t>
+            </a:r>
+            <a:endParaRPr lang="en-US" altLang="ko-KR" dirty="0"/>
+          </a:p>
+          <a:p>
+            <a:r>
+              <a:rPr lang="ko-KR" altLang="en-US" dirty="0"/>
+              <a:t>총학생회와 </a:t>
+            </a:r>
+            <a:r>
+              <a:rPr lang="ko-KR" altLang="en-US" dirty="0" err="1"/>
+              <a:t>단과대</a:t>
+            </a:r>
+            <a:r>
+              <a:rPr lang="ko-KR" altLang="en-US" dirty="0"/>
+              <a:t> 선거 동시 진행</a:t>
+            </a:r>
+            <a:endParaRPr lang="en-US" altLang="ko-KR" dirty="0"/>
+          </a:p>
+          <a:p>
+            <a:r>
+              <a:rPr lang="ko-KR" altLang="en-US" dirty="0"/>
+              <a:t>보궐 선거 관련</a:t>
+            </a:r>
+            <a:endParaRPr lang="en-US" altLang="ko-KR" dirty="0"/>
+          </a:p>
+          <a:p>
+            <a:r>
+              <a:rPr lang="en-US" altLang="ko-KR" dirty="0"/>
+              <a:t>… </a:t>
+            </a:r>
+            <a:r>
+              <a:rPr lang="ko-KR" altLang="en-US" dirty="0"/>
+              <a:t>등등</a:t>
+            </a:r>
+            <a:endParaRPr lang="en-US" altLang="ko-KR" dirty="0"/>
+          </a:p>
+          <a:p>
+            <a:r>
+              <a:rPr lang="ko-KR" altLang="en-US" b="1" u="sng" dirty="0"/>
+              <a:t>시나리오 아이디어 구함요</a:t>
+            </a:r>
+            <a:r>
+              <a:rPr lang="en-US" altLang="ko-KR" b="1" u="sng" dirty="0"/>
+              <a:t>.</a:t>
+            </a:r>
+          </a:p>
+          <a:p>
+            <a:endParaRPr lang="ko-KR" altLang="en-US" dirty="0"/>
+          </a:p>
+        </p:txBody>
+      </p:sp>
+    </p:spTree>
+    <p:extLst>
+      <p:ext uri="{BB962C8B-B14F-4D97-AF65-F5344CB8AC3E}">
+        <p14:creationId xmlns:p14="http://schemas.microsoft.com/office/powerpoint/2010/main" val="947573483"/>
+      </p:ext>
+    </p:extLst>
+  </p:cSld>
+  <p:clrMapOvr>
+    <a:masterClrMapping/>
+  </p:clrMapOvr>
+</p:sld>
+</file>
+
+<file path=ppt/slides/slide52.xml><?xml version="1.0" encoding="utf-8"?>
+<p:sld xmlns:a="http://schemas.openxmlformats.org/drawingml/2006/main" xmlns:r="http://schemas.openxmlformats.org/officeDocument/2006/relationships" xmlns:p="http://schemas.openxmlformats.org/presentationml/2006/main">
+  <p:cSld>
+    <p:spTree>
+      <p:nvGrpSpPr>
+        <p:cNvPr id="1" name=""/>
+        <p:cNvGrpSpPr/>
+        <p:nvPr/>
+      </p:nvGrpSpPr>
+      <p:grpSpPr>
+        <a:xfrm>
+          <a:off x="0" y="0"/>
+          <a:ext cx="0" cy="0"/>
+          <a:chOff x="0" y="0"/>
+          <a:chExt cx="0" cy="0"/>
+        </a:xfrm>
+      </p:grpSpPr>
+      <p:sp>
+        <p:nvSpPr>
+          <p:cNvPr id="2" name="제목 1">
+            <a:extLst>
+              <a:ext uri="{FF2B5EF4-FFF2-40B4-BE49-F238E27FC236}">
+                <a16:creationId xmlns:a16="http://schemas.microsoft.com/office/drawing/2014/main" id="{065E134B-6B70-4C74-B101-F996ADEBB5AB}"/>
+              </a:ext>
+            </a:extLst>
+          </p:cNvPr>
+          <p:cNvSpPr>
+            <a:spLocks noGrp="1"/>
+          </p:cNvSpPr>
+          <p:nvPr>
+            <p:ph type="ctrTitle"/>
+          </p:nvPr>
+        </p:nvSpPr>
+        <p:spPr/>
+        <p:txBody>
+          <a:bodyPr/>
+          <a:lstStyle/>
+          <a:p>
+            <a:r>
+              <a:rPr lang="ko-KR" altLang="en-US" dirty="0"/>
+              <a:t>시나리오 진행 중 느낀 점</a:t>
+            </a:r>
+          </a:p>
+        </p:txBody>
+      </p:sp>
+    </p:spTree>
+    <p:extLst>
+      <p:ext uri="{BB962C8B-B14F-4D97-AF65-F5344CB8AC3E}">
+        <p14:creationId xmlns:p14="http://schemas.microsoft.com/office/powerpoint/2010/main" val="453261566"/>
+      </p:ext>
+    </p:extLst>
+  </p:cSld>
+  <p:clrMapOvr>
+    <a:masterClrMapping/>
+  </p:clrMapOvr>
+</p:sld>
+</file>
+
+<file path=ppt/slides/slide53.xml><?xml version="1.0" encoding="utf-8"?>
+<p:sld xmlns:a="http://schemas.openxmlformats.org/drawingml/2006/main" xmlns:r="http://schemas.openxmlformats.org/officeDocument/2006/relationships" xmlns:p="http://schemas.openxmlformats.org/presentationml/2006/main">
+  <p:cSld>
+    <p:spTree>
+      <p:nvGrpSpPr>
+        <p:cNvPr id="1" name=""/>
+        <p:cNvGrpSpPr/>
+        <p:nvPr/>
+      </p:nvGrpSpPr>
+      <p:grpSpPr>
+        <a:xfrm>
+          <a:off x="0" y="0"/>
+          <a:ext cx="0" cy="0"/>
+          <a:chOff x="0" y="0"/>
+          <a:chExt cx="0" cy="0"/>
+        </a:xfrm>
+      </p:grpSpPr>
+      <p:sp>
+        <p:nvSpPr>
+          <p:cNvPr id="2" name="제목 1">
+            <a:extLst>
+              <a:ext uri="{FF2B5EF4-FFF2-40B4-BE49-F238E27FC236}">
+                <a16:creationId xmlns:a16="http://schemas.microsoft.com/office/drawing/2014/main" id="{C9AF44FD-6116-42EE-B325-BC2631A9695A}"/>
+              </a:ext>
+            </a:extLst>
+          </p:cNvPr>
+          <p:cNvSpPr>
+            <a:spLocks noGrp="1"/>
+          </p:cNvSpPr>
+          <p:nvPr>
+            <p:ph type="title"/>
+          </p:nvPr>
+        </p:nvSpPr>
+        <p:spPr/>
+        <p:txBody>
+          <a:bodyPr/>
+          <a:lstStyle/>
+          <a:p>
+            <a:r>
+              <a:rPr lang="ko-KR" altLang="en-US" dirty="0"/>
+              <a:t>시나리오 진행 중 느낀 점</a:t>
+            </a:r>
+          </a:p>
+        </p:txBody>
+      </p:sp>
+      <p:sp>
+        <p:nvSpPr>
+          <p:cNvPr id="3" name="내용 개체 틀 2">
+            <a:extLst>
+              <a:ext uri="{FF2B5EF4-FFF2-40B4-BE49-F238E27FC236}">
+                <a16:creationId xmlns:a16="http://schemas.microsoft.com/office/drawing/2014/main" id="{87C1B7AF-A4C3-42A7-A72A-721302946001}"/>
+              </a:ext>
+            </a:extLst>
+          </p:cNvPr>
+          <p:cNvSpPr>
+            <a:spLocks noGrp="1"/>
+          </p:cNvSpPr>
+          <p:nvPr>
+            <p:ph idx="1"/>
+          </p:nvPr>
+        </p:nvSpPr>
+        <p:spPr/>
+        <p:txBody>
+          <a:bodyPr/>
+          <a:lstStyle/>
+          <a:p>
+            <a:r>
+              <a:rPr lang="ko-KR" altLang="en-US" dirty="0"/>
+              <a:t>관리자 투표율확인 기능이 속도가 너무 느리다</a:t>
+            </a:r>
+            <a:r>
+              <a:rPr lang="en-US" altLang="ko-KR" dirty="0"/>
+              <a:t>.</a:t>
+            </a:r>
+          </a:p>
+          <a:p>
+            <a:r>
+              <a:rPr lang="ko-KR" altLang="en-US" dirty="0"/>
+              <a:t>버튼을 여러 번 누르게 되면 관련 요청을 여러 번 하게 되는데</a:t>
+            </a:r>
+            <a:r>
+              <a:rPr lang="en-US" altLang="ko-KR" dirty="0"/>
+              <a:t>, </a:t>
+            </a:r>
+            <a:r>
+              <a:rPr lang="ko-KR" altLang="en-US" dirty="0"/>
+              <a:t>이에 대한 방비책이 필요할 것으로 보임</a:t>
+            </a:r>
+            <a:r>
+              <a:rPr lang="en-US" altLang="ko-KR" dirty="0"/>
+              <a:t>. </a:t>
+            </a:r>
+            <a:r>
+              <a:rPr lang="ko-KR" altLang="en-US" dirty="0"/>
+              <a:t>예를 들어 버튼을 한번 누르면 버튼을 비활성화 시키거나 버튼을 사리지게 하거나</a:t>
+            </a:r>
+            <a:r>
+              <a:rPr lang="en-US" altLang="ko-KR" dirty="0"/>
+              <a:t>.</a:t>
+            </a:r>
+          </a:p>
+          <a:p>
+            <a:endParaRPr lang="ko-KR" altLang="en-US" dirty="0"/>
+          </a:p>
+        </p:txBody>
+      </p:sp>
+    </p:spTree>
+    <p:extLst>
+      <p:ext uri="{BB962C8B-B14F-4D97-AF65-F5344CB8AC3E}">
+        <p14:creationId xmlns:p14="http://schemas.microsoft.com/office/powerpoint/2010/main" val="3184110633"/>
       </p:ext>
     </p:extLst>
   </p:cSld>

--- a/Document/Testcase/Testcase #1.pptx
+++ b/Document/Testcase/Testcase #1.pptx
@@ -53,11 +53,12 @@
     <p:sldId id="307" r:id="rId47"/>
     <p:sldId id="308" r:id="rId48"/>
     <p:sldId id="309" r:id="rId49"/>
-    <p:sldId id="299" r:id="rId50"/>
-    <p:sldId id="290" r:id="rId51"/>
-    <p:sldId id="280" r:id="rId52"/>
-    <p:sldId id="295" r:id="rId53"/>
-    <p:sldId id="294" r:id="rId54"/>
+    <p:sldId id="310" r:id="rId50"/>
+    <p:sldId id="299" r:id="rId51"/>
+    <p:sldId id="290" r:id="rId52"/>
+    <p:sldId id="280" r:id="rId53"/>
+    <p:sldId id="295" r:id="rId54"/>
+    <p:sldId id="294" r:id="rId55"/>
   </p:sldIdLst>
   <p:sldSz cx="12192000" cy="6858000"/>
   <p:notesSz cx="6858000" cy="9144000"/>
@@ -14555,8 +14556,8 @@
         </p:nvSpPr>
         <p:spPr>
           <a:xfrm>
-            <a:off x="7282848" y="1182847"/>
-            <a:ext cx="4513559" cy="923330"/>
+            <a:off x="6165908" y="1182847"/>
+            <a:ext cx="5630499" cy="923330"/>
           </a:xfrm>
           <a:prstGeom prst="rect">
             <a:avLst/>
@@ -14581,7 +14582,115 @@
             </a:r>
             <a:r>
               <a:rPr lang="en-US" altLang="ko-KR" dirty="0"/>
-              <a:t>.</a:t>
+              <a:t>. (Fixed at </a:t>
+            </a:r>
+            <a:r>
+              <a:rPr lang="en-US" altLang="ko-KR" sz="1600" b="0" i="0" u="none" strike="noStrike" baseline="0" dirty="0">
+                <a:solidFill>
+                  <a:srgbClr val="333333"/>
+                </a:solidFill>
+                <a:latin typeface="Verdana" panose="020B0604030504040204" pitchFamily="34" charset="0"/>
+              </a:rPr>
+              <a:t>2020</a:t>
+            </a:r>
+            <a:r>
+              <a:rPr lang="ko-KR" altLang="en-US" sz="1600" b="0" i="0" u="none" strike="noStrike" baseline="0" dirty="0">
+                <a:solidFill>
+                  <a:srgbClr val="333333"/>
+                </a:solidFill>
+                <a:latin typeface="Verdana" panose="020B0604030504040204" pitchFamily="34" charset="0"/>
+              </a:rPr>
+              <a:t>년</a:t>
+            </a:r>
+            <a:r>
+              <a:rPr lang="en-US" altLang="ko-KR" sz="1600" b="0" i="0" u="none" strike="noStrike" baseline="0" dirty="0">
+                <a:solidFill>
+                  <a:srgbClr val="333333"/>
+                </a:solidFill>
+                <a:latin typeface="Verdana" panose="020B0604030504040204" pitchFamily="34" charset="0"/>
+              </a:rPr>
+              <a:t> 8</a:t>
+            </a:r>
+            <a:r>
+              <a:rPr lang="ko-KR" altLang="en-US" sz="1600" b="0" i="0" u="none" strike="noStrike" baseline="0" dirty="0">
+                <a:solidFill>
+                  <a:srgbClr val="333333"/>
+                </a:solidFill>
+                <a:latin typeface="Verdana" panose="020B0604030504040204" pitchFamily="34" charset="0"/>
+              </a:rPr>
+              <a:t>월</a:t>
+            </a:r>
+            <a:r>
+              <a:rPr lang="en-US" altLang="ko-KR" sz="1600" b="0" i="0" u="none" strike="noStrike" baseline="0" dirty="0">
+                <a:solidFill>
+                  <a:srgbClr val="333333"/>
+                </a:solidFill>
+                <a:latin typeface="Verdana" panose="020B0604030504040204" pitchFamily="34" charset="0"/>
+              </a:rPr>
+              <a:t> 18</a:t>
+            </a:r>
+            <a:r>
+              <a:rPr lang="ko-KR" altLang="en-US" sz="1600" b="0" i="0" u="none" strike="noStrike" baseline="0" dirty="0">
+                <a:solidFill>
+                  <a:srgbClr val="333333"/>
+                </a:solidFill>
+                <a:latin typeface="Verdana" panose="020B0604030504040204" pitchFamily="34" charset="0"/>
+              </a:rPr>
+              <a:t>일</a:t>
+            </a:r>
+            <a:r>
+              <a:rPr lang="en-US" altLang="ko-KR" sz="1600" b="0" i="0" u="none" strike="noStrike" baseline="0" dirty="0">
+                <a:solidFill>
+                  <a:srgbClr val="333333"/>
+                </a:solidFill>
+                <a:latin typeface="Verdana" panose="020B0604030504040204" pitchFamily="34" charset="0"/>
+              </a:rPr>
+              <a:t> </a:t>
+            </a:r>
+            <a:r>
+              <a:rPr lang="ko-KR" altLang="en-US" sz="1600" b="0" i="0" u="none" strike="noStrike" baseline="0" dirty="0">
+                <a:solidFill>
+                  <a:srgbClr val="333333"/>
+                </a:solidFill>
+                <a:latin typeface="Verdana" panose="020B0604030504040204" pitchFamily="34" charset="0"/>
+              </a:rPr>
+              <a:t>화요일</a:t>
+            </a:r>
+            <a:r>
+              <a:rPr lang="en-US" altLang="ko-KR" sz="1600" b="0" i="0" u="none" strike="noStrike" baseline="0" dirty="0">
+                <a:solidFill>
+                  <a:srgbClr val="333333"/>
+                </a:solidFill>
+                <a:latin typeface="Verdana" panose="020B0604030504040204" pitchFamily="34" charset="0"/>
+              </a:rPr>
+              <a:t> </a:t>
+            </a:r>
+            <a:r>
+              <a:rPr lang="ko-KR" altLang="en-US" sz="1600" b="0" i="0" u="none" strike="noStrike" baseline="0" dirty="0">
+                <a:solidFill>
+                  <a:srgbClr val="333333"/>
+                </a:solidFill>
+                <a:latin typeface="Verdana" panose="020B0604030504040204" pitchFamily="34" charset="0"/>
+              </a:rPr>
+              <a:t>오전</a:t>
+            </a:r>
+            <a:r>
+              <a:rPr lang="en-US" altLang="ko-KR" sz="1600" b="0" i="0" u="none" strike="noStrike" baseline="0" dirty="0">
+                <a:solidFill>
+                  <a:srgbClr val="333333"/>
+                </a:solidFill>
+                <a:latin typeface="Verdana" panose="020B0604030504040204" pitchFamily="34" charset="0"/>
+              </a:rPr>
+              <a:t> 7:52:33</a:t>
+            </a:r>
+            <a:r>
+              <a:rPr lang="en-US" altLang="ko-KR" sz="1800" b="0" i="0" u="none" strike="noStrike" baseline="0" dirty="0">
+                <a:solidFill>
+                  <a:srgbClr val="333333"/>
+                </a:solidFill>
+                <a:latin typeface="Verdana" panose="020B0604030504040204" pitchFamily="34" charset="0"/>
+              </a:rPr>
+              <a:t>)</a:t>
             </a:r>
             <a:endParaRPr lang="ko-KR" altLang="en-US" dirty="0"/>
           </a:p>
@@ -14674,7 +14783,7 @@
           <p:cNvPr id="2" name="제목 1">
             <a:extLst>
               <a:ext uri="{FF2B5EF4-FFF2-40B4-BE49-F238E27FC236}">
-                <a16:creationId xmlns:a16="http://schemas.microsoft.com/office/drawing/2014/main" id="{493BC712-AB7D-4429-8768-D21C67A95AD8}"/>
+                <a16:creationId xmlns:a16="http://schemas.microsoft.com/office/drawing/2014/main" id="{6E55A064-66B1-4250-A230-51FB451FEF8D}"/>
               </a:ext>
             </a:extLst>
           </p:cNvPr>
@@ -14691,45 +14800,472 @@
           <a:lstStyle/>
           <a:p>
             <a:r>
-              <a:rPr lang="ko-KR" altLang="en-US" dirty="0"/>
+              <a:rPr lang="ko-KR" altLang="en-US" sz="4400" dirty="0"/>
               <a:t>시나리오</a:t>
             </a:r>
             <a:r>
-              <a:rPr lang="en-US" altLang="ko-KR" dirty="0"/>
-              <a:t>#?? : ??</a:t>
+              <a:rPr lang="en-US" altLang="ko-KR" sz="4400" dirty="0"/>
+              <a:t>#26 : </a:t>
+            </a:r>
+            <a:r>
+              <a:rPr lang="ko-KR" altLang="en-US" sz="4400" dirty="0"/>
+              <a:t>관리자가 </a:t>
+            </a:r>
+            <a:r>
+              <a:rPr lang="en-US" altLang="ko-KR" sz="4400" dirty="0"/>
+              <a:t>[</a:t>
+            </a:r>
+            <a:r>
+              <a:rPr lang="ko-KR" altLang="en-US" sz="4400" dirty="0"/>
+              <a:t>선거생성</a:t>
+            </a:r>
+            <a:r>
+              <a:rPr lang="en-US" altLang="ko-KR" sz="4400" dirty="0"/>
+              <a:t>] -&gt; [</a:t>
+            </a:r>
+            <a:r>
+              <a:rPr lang="ko-KR" altLang="en-US" sz="4400" dirty="0"/>
+              <a:t>선거수정</a:t>
+            </a:r>
+            <a:r>
+              <a:rPr lang="en-US" altLang="ko-KR" sz="4400" dirty="0"/>
+              <a:t>]</a:t>
             </a:r>
             <a:endParaRPr lang="ko-KR" altLang="en-US" dirty="0"/>
           </a:p>
         </p:txBody>
       </p:sp>
-      <p:sp>
-        <p:nvSpPr>
-          <p:cNvPr id="3" name="내용 개체 틀 2">
-            <a:extLst>
-              <a:ext uri="{FF2B5EF4-FFF2-40B4-BE49-F238E27FC236}">
-                <a16:creationId xmlns:a16="http://schemas.microsoft.com/office/drawing/2014/main" id="{E8F6A650-B3AB-46F8-A94D-3A6BD423C094}"/>
-              </a:ext>
-            </a:extLst>
-          </p:cNvPr>
-          <p:cNvSpPr>
-            <a:spLocks noGrp="1"/>
-          </p:cNvSpPr>
+      <p:pic>
+        <p:nvPicPr>
+          <p:cNvPr id="5" name="내용 개체 틀 4">
+            <a:extLst>
+              <a:ext uri="{FF2B5EF4-FFF2-40B4-BE49-F238E27FC236}">
+                <a16:creationId xmlns:a16="http://schemas.microsoft.com/office/drawing/2014/main" id="{3487AD93-4820-4EDF-BB4E-9A265947F5E4}"/>
+              </a:ext>
+            </a:extLst>
+          </p:cNvPr>
+          <p:cNvPicPr>
+            <a:picLocks noGrp="1" noChangeAspect="1"/>
+          </p:cNvPicPr>
           <p:nvPr>
             <p:ph idx="1"/>
           </p:nvPr>
-        </p:nvSpPr>
-        <p:spPr/>
-        <p:txBody>
-          <a:bodyPr/>
-          <a:lstStyle/>
-          <a:p>
-            <a:r>
-              <a:rPr lang="ko-KR" altLang="en-US" dirty="0" err="1"/>
-              <a:t>작성하여주십시오</a:t>
+        </p:nvPicPr>
+        <p:blipFill>
+          <a:blip r:embed="rId2"/>
+          <a:stretch>
+            <a:fillRect/>
+          </a:stretch>
+        </p:blipFill>
+        <p:spPr>
+          <a:xfrm>
+            <a:off x="8452766" y="2253056"/>
+            <a:ext cx="3239231" cy="4351338"/>
+          </a:xfrm>
+        </p:spPr>
+      </p:pic>
+      <p:pic>
+        <p:nvPicPr>
+          <p:cNvPr id="7" name="그림 6">
+            <a:extLst>
+              <a:ext uri="{FF2B5EF4-FFF2-40B4-BE49-F238E27FC236}">
+                <a16:creationId xmlns:a16="http://schemas.microsoft.com/office/drawing/2014/main" id="{D2C95E25-E24C-4E2E-BC31-549693433241}"/>
+              </a:ext>
+            </a:extLst>
+          </p:cNvPr>
+          <p:cNvPicPr>
+            <a:picLocks noChangeAspect="1"/>
+          </p:cNvPicPr>
+          <p:nvPr/>
+        </p:nvPicPr>
+        <p:blipFill>
+          <a:blip r:embed="rId3"/>
+          <a:stretch>
+            <a:fillRect/>
+          </a:stretch>
+        </p:blipFill>
+        <p:spPr>
+          <a:xfrm>
+            <a:off x="738231" y="2002168"/>
+            <a:ext cx="7077075" cy="1009650"/>
+          </a:xfrm>
+          <a:prstGeom prst="rect">
+            <a:avLst/>
+          </a:prstGeom>
+        </p:spPr>
+      </p:pic>
+      <p:sp>
+        <p:nvSpPr>
+          <p:cNvPr id="8" name="TextBox 7">
+            <a:extLst>
+              <a:ext uri="{FF2B5EF4-FFF2-40B4-BE49-F238E27FC236}">
+                <a16:creationId xmlns:a16="http://schemas.microsoft.com/office/drawing/2014/main" id="{987989BC-1253-48A5-BDAF-9A7146DF66B6}"/>
+              </a:ext>
+            </a:extLst>
+          </p:cNvPr>
+          <p:cNvSpPr txBox="1"/>
+          <p:nvPr/>
+        </p:nvSpPr>
+        <p:spPr>
+          <a:xfrm>
+            <a:off x="611838" y="3136063"/>
+            <a:ext cx="7580921" cy="3416320"/>
+          </a:xfrm>
+          <a:prstGeom prst="rect">
+            <a:avLst/>
+          </a:prstGeom>
+          <a:noFill/>
+        </p:spPr>
+        <p:txBody>
+          <a:bodyPr wrap="none" rtlCol="0">
+            <a:spAutoFit/>
+          </a:bodyPr>
+          <a:lstStyle/>
+          <a:p>
+            <a:r>
+              <a:rPr lang="en-US" altLang="ko-KR" dirty="0"/>
+              <a:t>Problem1 : </a:t>
+            </a:r>
+          </a:p>
+          <a:p>
+            <a:r>
+              <a:rPr lang="ko-KR" altLang="en-US" dirty="0"/>
+              <a:t>선거 수정 시 </a:t>
+            </a:r>
+            <a:r>
+              <a:rPr lang="en-US" altLang="ko-KR" dirty="0"/>
+              <a:t>Error </a:t>
+            </a:r>
+            <a:r>
+              <a:rPr lang="ko-KR" altLang="en-US" dirty="0"/>
+              <a:t>생겼는데</a:t>
+            </a:r>
+            <a:r>
+              <a:rPr lang="en-US" altLang="ko-KR" dirty="0"/>
+              <a:t>, </a:t>
+            </a:r>
+            <a:r>
+              <a:rPr lang="ko-KR" altLang="en-US" dirty="0"/>
+              <a:t>사진은 수정되는 문제가 생김</a:t>
             </a:r>
             <a:r>
               <a:rPr lang="en-US" altLang="ko-KR" dirty="0"/>
               <a:t>.</a:t>
+            </a:r>
+          </a:p>
+          <a:p>
+            <a:r>
+              <a:rPr lang="ko-KR" altLang="en-US" dirty="0"/>
+              <a:t>해당 </a:t>
+            </a:r>
+            <a:r>
+              <a:rPr lang="en-US" altLang="ko-KR" dirty="0"/>
+              <a:t>Error</a:t>
+            </a:r>
+            <a:r>
+              <a:rPr lang="ko-KR" altLang="en-US" dirty="0"/>
+              <a:t>는 체인코드에서 발생시키는 오류임</a:t>
+            </a:r>
+            <a:r>
+              <a:rPr lang="en-US" altLang="ko-KR" dirty="0"/>
+              <a:t>.</a:t>
+            </a:r>
+          </a:p>
+          <a:p>
+            <a:r>
+              <a:rPr lang="en-US" altLang="ko-KR" dirty="0"/>
+              <a:t>Problem2 :</a:t>
+            </a:r>
+          </a:p>
+          <a:p>
+            <a:r>
+              <a:rPr lang="ko-KR" altLang="en-US" dirty="0"/>
+              <a:t>선거 수정 시 몇몇 속성은 한 문자밖에 들어가지 않는 문제가 생김</a:t>
+            </a:r>
+            <a:r>
+              <a:rPr lang="en-US" altLang="ko-KR" dirty="0"/>
+              <a:t>.</a:t>
+            </a:r>
+          </a:p>
+          <a:p>
+            <a:endParaRPr lang="en-US" altLang="ko-KR" dirty="0"/>
+          </a:p>
+          <a:p>
+            <a:r>
+              <a:rPr lang="en-US" altLang="ko-KR" dirty="0"/>
+              <a:t>Solved1 :</a:t>
+            </a:r>
+          </a:p>
+          <a:p>
+            <a:r>
+              <a:rPr lang="ko-KR" altLang="en-US" dirty="0"/>
+              <a:t>해당 문제를 </a:t>
+            </a:r>
+            <a:r>
+              <a:rPr lang="en-US" altLang="ko-KR" dirty="0"/>
+              <a:t>FE</a:t>
+            </a:r>
+            <a:r>
+              <a:rPr lang="ko-KR" altLang="en-US" dirty="0"/>
+              <a:t>에서 확인하는 </a:t>
+            </a:r>
+            <a:r>
+              <a:rPr lang="en-US" altLang="ko-KR" dirty="0"/>
+              <a:t>UI</a:t>
+            </a:r>
+            <a:r>
+              <a:rPr lang="ko-KR" altLang="en-US" dirty="0"/>
+              <a:t>를 추가시킴으로써 문제 해결이 가능함</a:t>
+            </a:r>
+            <a:r>
+              <a:rPr lang="en-US" altLang="ko-KR" dirty="0"/>
+              <a:t>.</a:t>
+            </a:r>
+          </a:p>
+          <a:p>
+            <a:r>
+              <a:rPr lang="en-US" altLang="ko-KR" dirty="0"/>
+              <a:t>(Fixed at </a:t>
+            </a:r>
+            <a:r>
+              <a:rPr lang="en-US" altLang="ko-KR" sz="1800" b="0" i="0" u="none" strike="noStrike" baseline="0" dirty="0">
+                <a:solidFill>
+                  <a:srgbClr val="333333"/>
+                </a:solidFill>
+                <a:latin typeface="Verdana" panose="020B0604030504040204" pitchFamily="34" charset="0"/>
+              </a:rPr>
+              <a:t>2020</a:t>
+            </a:r>
+            <a:r>
+              <a:rPr lang="ko-KR" altLang="en-US" sz="1800" b="0" i="0" u="none" strike="noStrike" baseline="0" dirty="0">
+                <a:solidFill>
+                  <a:srgbClr val="333333"/>
+                </a:solidFill>
+                <a:latin typeface="Verdana" panose="020B0604030504040204" pitchFamily="34" charset="0"/>
+              </a:rPr>
+              <a:t>년</a:t>
+            </a:r>
+            <a:r>
+              <a:rPr lang="en-US" altLang="ko-KR" sz="1800" b="0" i="0" u="none" strike="noStrike" baseline="0" dirty="0">
+                <a:solidFill>
+                  <a:srgbClr val="333333"/>
+                </a:solidFill>
+                <a:latin typeface="Verdana" panose="020B0604030504040204" pitchFamily="34" charset="0"/>
+              </a:rPr>
+              <a:t> 8</a:t>
+            </a:r>
+            <a:r>
+              <a:rPr lang="ko-KR" altLang="en-US" sz="1800" b="0" i="0" u="none" strike="noStrike" baseline="0" dirty="0">
+                <a:solidFill>
+                  <a:srgbClr val="333333"/>
+                </a:solidFill>
+                <a:latin typeface="Verdana" panose="020B0604030504040204" pitchFamily="34" charset="0"/>
+              </a:rPr>
+              <a:t>월</a:t>
+            </a:r>
+            <a:r>
+              <a:rPr lang="en-US" altLang="ko-KR" sz="1800" b="0" i="0" u="none" strike="noStrike" baseline="0" dirty="0">
+                <a:solidFill>
+                  <a:srgbClr val="333333"/>
+                </a:solidFill>
+                <a:latin typeface="Verdana" panose="020B0604030504040204" pitchFamily="34" charset="0"/>
+              </a:rPr>
+              <a:t> 18</a:t>
+            </a:r>
+            <a:r>
+              <a:rPr lang="ko-KR" altLang="en-US" sz="1800" b="0" i="0" u="none" strike="noStrike" baseline="0" dirty="0">
+                <a:solidFill>
+                  <a:srgbClr val="333333"/>
+                </a:solidFill>
+                <a:latin typeface="Verdana" panose="020B0604030504040204" pitchFamily="34" charset="0"/>
+              </a:rPr>
+              <a:t>일</a:t>
+            </a:r>
+            <a:r>
+              <a:rPr lang="en-US" altLang="ko-KR" sz="1800" b="0" i="0" u="none" strike="noStrike" baseline="0" dirty="0">
+                <a:solidFill>
+                  <a:srgbClr val="333333"/>
+                </a:solidFill>
+                <a:latin typeface="Verdana" panose="020B0604030504040204" pitchFamily="34" charset="0"/>
+              </a:rPr>
+              <a:t> </a:t>
+            </a:r>
+            <a:r>
+              <a:rPr lang="ko-KR" altLang="en-US" sz="1800" b="0" i="0" u="none" strike="noStrike" baseline="0" dirty="0">
+                <a:solidFill>
+                  <a:srgbClr val="333333"/>
+                </a:solidFill>
+                <a:latin typeface="Verdana" panose="020B0604030504040204" pitchFamily="34" charset="0"/>
+              </a:rPr>
+              <a:t>화요일</a:t>
+            </a:r>
+            <a:r>
+              <a:rPr lang="en-US" altLang="ko-KR" sz="1800" b="0" i="0" u="none" strike="noStrike" baseline="0" dirty="0">
+                <a:solidFill>
+                  <a:srgbClr val="333333"/>
+                </a:solidFill>
+                <a:latin typeface="Verdana" panose="020B0604030504040204" pitchFamily="34" charset="0"/>
+              </a:rPr>
+              <a:t> </a:t>
+            </a:r>
+            <a:r>
+              <a:rPr lang="ko-KR" altLang="en-US" sz="1800" b="0" i="0" u="none" strike="noStrike" baseline="0" dirty="0">
+                <a:solidFill>
+                  <a:srgbClr val="333333"/>
+                </a:solidFill>
+                <a:latin typeface="Verdana" panose="020B0604030504040204" pitchFamily="34" charset="0"/>
+              </a:rPr>
+              <a:t>오전</a:t>
+            </a:r>
+            <a:r>
+              <a:rPr lang="en-US" altLang="ko-KR" sz="1800" b="0" i="0" u="none" strike="noStrike" baseline="0" dirty="0">
+                <a:solidFill>
+                  <a:srgbClr val="333333"/>
+                </a:solidFill>
+                <a:latin typeface="Verdana" panose="020B0604030504040204" pitchFamily="34" charset="0"/>
+              </a:rPr>
+              <a:t> 8:10:05)</a:t>
+            </a:r>
+          </a:p>
+          <a:p>
+            <a:r>
+              <a:rPr lang="en-US" altLang="ko-KR" dirty="0">
+                <a:solidFill>
+                  <a:srgbClr val="333333"/>
+                </a:solidFill>
+                <a:latin typeface="Verdana" panose="020B0604030504040204" pitchFamily="34" charset="0"/>
+              </a:rPr>
+              <a:t>Solved2 :</a:t>
+            </a:r>
+          </a:p>
+          <a:p>
+            <a:r>
+              <a:rPr lang="en-US" altLang="ko-KR" dirty="0">
+                <a:solidFill>
+                  <a:srgbClr val="333333"/>
+                </a:solidFill>
+                <a:latin typeface="Verdana" panose="020B0604030504040204" pitchFamily="34" charset="0"/>
+              </a:rPr>
+              <a:t>Len === 1 || Len === ‘1’ </a:t>
+            </a:r>
+            <a:r>
+              <a:rPr lang="ko-KR" altLang="en-US" dirty="0">
+                <a:solidFill>
+                  <a:srgbClr val="333333"/>
+                </a:solidFill>
+                <a:latin typeface="Verdana" panose="020B0604030504040204" pitchFamily="34" charset="0"/>
+              </a:rPr>
+              <a:t>추가함으로써 예외처리 함</a:t>
+            </a:r>
+            <a:r>
+              <a:rPr lang="en-US" altLang="ko-KR" dirty="0">
+                <a:solidFill>
+                  <a:srgbClr val="333333"/>
+                </a:solidFill>
+                <a:latin typeface="Verdana" panose="020B0604030504040204" pitchFamily="34" charset="0"/>
+              </a:rPr>
+              <a:t>.</a:t>
+            </a:r>
+          </a:p>
+          <a:p>
+            <a:r>
+              <a:rPr lang="en-US" altLang="ko-KR" sz="1800" b="0" i="0" u="none" strike="noStrike" baseline="0" dirty="0">
+                <a:solidFill>
+                  <a:srgbClr val="333333"/>
+                </a:solidFill>
+                <a:latin typeface="Verdana" panose="020B0604030504040204" pitchFamily="34" charset="0"/>
+              </a:rPr>
+              <a:t>(Fixed at 2020</a:t>
+            </a:r>
+            <a:r>
+              <a:rPr lang="ko-KR" altLang="en-US" sz="1800" b="0" i="0" u="none" strike="noStrike" baseline="0" dirty="0">
+                <a:solidFill>
+                  <a:srgbClr val="333333"/>
+                </a:solidFill>
+                <a:latin typeface="Verdana" panose="020B0604030504040204" pitchFamily="34" charset="0"/>
+              </a:rPr>
+              <a:t>년</a:t>
+            </a:r>
+            <a:r>
+              <a:rPr lang="en-US" altLang="ko-KR" sz="1800" b="0" i="0" u="none" strike="noStrike" baseline="0" dirty="0">
+                <a:solidFill>
+                  <a:srgbClr val="333333"/>
+                </a:solidFill>
+                <a:latin typeface="Verdana" panose="020B0604030504040204" pitchFamily="34" charset="0"/>
+              </a:rPr>
+              <a:t> 8</a:t>
+            </a:r>
+            <a:r>
+              <a:rPr lang="ko-KR" altLang="en-US" sz="1800" b="0" i="0" u="none" strike="noStrike" baseline="0" dirty="0">
+                <a:solidFill>
+                  <a:srgbClr val="333333"/>
+                </a:solidFill>
+                <a:latin typeface="Verdana" panose="020B0604030504040204" pitchFamily="34" charset="0"/>
+              </a:rPr>
+              <a:t>월</a:t>
+            </a:r>
+            <a:r>
+              <a:rPr lang="en-US" altLang="ko-KR" sz="1800" b="0" i="0" u="none" strike="noStrike" baseline="0" dirty="0">
+                <a:solidFill>
+                  <a:srgbClr val="333333"/>
+                </a:solidFill>
+                <a:latin typeface="Verdana" panose="020B0604030504040204" pitchFamily="34" charset="0"/>
+              </a:rPr>
+              <a:t> 18</a:t>
+            </a:r>
+            <a:r>
+              <a:rPr lang="ko-KR" altLang="en-US" sz="1800" b="0" i="0" u="none" strike="noStrike" baseline="0" dirty="0">
+                <a:solidFill>
+                  <a:srgbClr val="333333"/>
+                </a:solidFill>
+                <a:latin typeface="Verdana" panose="020B0604030504040204" pitchFamily="34" charset="0"/>
+              </a:rPr>
+              <a:t>일</a:t>
+            </a:r>
+            <a:r>
+              <a:rPr lang="en-US" altLang="ko-KR" sz="1800" b="0" i="0" u="none" strike="noStrike" baseline="0" dirty="0">
+                <a:solidFill>
+                  <a:srgbClr val="333333"/>
+                </a:solidFill>
+                <a:latin typeface="Verdana" panose="020B0604030504040204" pitchFamily="34" charset="0"/>
+              </a:rPr>
+              <a:t> </a:t>
+            </a:r>
+            <a:r>
+              <a:rPr lang="ko-KR" altLang="en-US" sz="1800" b="0" i="0" u="none" strike="noStrike" baseline="0" dirty="0">
+                <a:solidFill>
+                  <a:srgbClr val="333333"/>
+                </a:solidFill>
+                <a:latin typeface="Verdana" panose="020B0604030504040204" pitchFamily="34" charset="0"/>
+              </a:rPr>
+              <a:t>화요일</a:t>
+            </a:r>
+            <a:r>
+              <a:rPr lang="en-US" altLang="ko-KR" sz="1800" b="0" i="0" u="none" strike="noStrike" baseline="0" dirty="0">
+                <a:solidFill>
+                  <a:srgbClr val="333333"/>
+                </a:solidFill>
+                <a:latin typeface="Verdana" panose="020B0604030504040204" pitchFamily="34" charset="0"/>
+              </a:rPr>
+              <a:t> </a:t>
+            </a:r>
+            <a:r>
+              <a:rPr lang="ko-KR" altLang="en-US" sz="1800" b="0" i="0" u="none" strike="noStrike" baseline="0" dirty="0">
+                <a:solidFill>
+                  <a:srgbClr val="333333"/>
+                </a:solidFill>
+                <a:latin typeface="Verdana" panose="020B0604030504040204" pitchFamily="34" charset="0"/>
+              </a:rPr>
+              <a:t>오전</a:t>
+            </a:r>
+            <a:r>
+              <a:rPr lang="en-US" altLang="ko-KR" sz="1800" b="0" i="0" u="none" strike="noStrike" baseline="0" dirty="0">
+                <a:solidFill>
+                  <a:srgbClr val="333333"/>
+                </a:solidFill>
+                <a:latin typeface="Verdana" panose="020B0604030504040204" pitchFamily="34" charset="0"/>
+              </a:rPr>
+              <a:t> 8:17:23)</a:t>
             </a:r>
             <a:endParaRPr lang="ko-KR" altLang="en-US" dirty="0"/>
           </a:p>
@@ -14738,7 +15274,7 @@
     </p:spTree>
     <p:extLst>
       <p:ext uri="{BB962C8B-B14F-4D97-AF65-F5344CB8AC3E}">
-        <p14:creationId xmlns:p14="http://schemas.microsoft.com/office/powerpoint/2010/main" val="3822181132"/>
+        <p14:creationId xmlns:p14="http://schemas.microsoft.com/office/powerpoint/2010/main" val="2202254349"/>
       </p:ext>
     </p:extLst>
   </p:cSld>
@@ -14888,7 +15424,7 @@
           <p:cNvPr id="2" name="제목 1">
             <a:extLst>
               <a:ext uri="{FF2B5EF4-FFF2-40B4-BE49-F238E27FC236}">
-                <a16:creationId xmlns:a16="http://schemas.microsoft.com/office/drawing/2014/main" id="{065E134B-6B70-4C74-B101-F996ADEBB5AB}"/>
+                <a16:creationId xmlns:a16="http://schemas.microsoft.com/office/drawing/2014/main" id="{493BC712-AB7D-4429-8768-D21C67A95AD8}"/>
               </a:ext>
             </a:extLst>
           </p:cNvPr>
@@ -14896,7 +15432,7 @@
             <a:spLocks noGrp="1"/>
           </p:cNvSpPr>
           <p:nvPr>
-            <p:ph type="ctrTitle"/>
+            <p:ph type="title"/>
           </p:nvPr>
         </p:nvSpPr>
         <p:spPr/>
@@ -14905,20 +15441,54 @@
           <a:lstStyle/>
           <a:p>
             <a:r>
+              <a:rPr lang="ko-KR" altLang="en-US" dirty="0"/>
+              <a:t>시나리오</a:t>
+            </a:r>
+            <a:r>
+              <a:rPr lang="en-US" altLang="ko-KR" dirty="0"/>
+              <a:t>#?? : ??</a:t>
+            </a:r>
+            <a:endParaRPr lang="ko-KR" altLang="en-US" dirty="0"/>
+          </a:p>
+        </p:txBody>
+      </p:sp>
+      <p:sp>
+        <p:nvSpPr>
+          <p:cNvPr id="3" name="내용 개체 틀 2">
+            <a:extLst>
+              <a:ext uri="{FF2B5EF4-FFF2-40B4-BE49-F238E27FC236}">
+                <a16:creationId xmlns:a16="http://schemas.microsoft.com/office/drawing/2014/main" id="{E8F6A650-B3AB-46F8-A94D-3A6BD423C094}"/>
+              </a:ext>
+            </a:extLst>
+          </p:cNvPr>
+          <p:cNvSpPr>
+            <a:spLocks noGrp="1"/>
+          </p:cNvSpPr>
+          <p:nvPr>
+            <p:ph idx="1"/>
+          </p:nvPr>
+        </p:nvSpPr>
+        <p:spPr/>
+        <p:txBody>
+          <a:bodyPr/>
+          <a:lstStyle/>
+          <a:p>
+            <a:r>
               <a:rPr lang="ko-KR" altLang="en-US" dirty="0" err="1"/>
-              <a:t>미시행</a:t>
-            </a:r>
-            <a:r>
-              <a:rPr lang="ko-KR" altLang="en-US" dirty="0"/>
-              <a:t> 시나리오 목록</a:t>
-            </a:r>
+              <a:t>작성하여주십시오</a:t>
+            </a:r>
+            <a:r>
+              <a:rPr lang="en-US" altLang="ko-KR" dirty="0"/>
+              <a:t>.</a:t>
+            </a:r>
+            <a:endParaRPr lang="ko-KR" altLang="en-US" dirty="0"/>
           </a:p>
         </p:txBody>
       </p:sp>
     </p:spTree>
     <p:extLst>
       <p:ext uri="{BB962C8B-B14F-4D97-AF65-F5344CB8AC3E}">
-        <p14:creationId xmlns:p14="http://schemas.microsoft.com/office/powerpoint/2010/main" val="2125819996"/>
+        <p14:creationId xmlns:p14="http://schemas.microsoft.com/office/powerpoint/2010/main" val="3822181132"/>
       </p:ext>
     </p:extLst>
   </p:cSld>
@@ -14950,7 +15520,7 @@
           <p:cNvPr id="2" name="제목 1">
             <a:extLst>
               <a:ext uri="{FF2B5EF4-FFF2-40B4-BE49-F238E27FC236}">
-                <a16:creationId xmlns:a16="http://schemas.microsoft.com/office/drawing/2014/main" id="{90807F92-7D9D-40AD-BD42-987064ADE3A3}"/>
+                <a16:creationId xmlns:a16="http://schemas.microsoft.com/office/drawing/2014/main" id="{065E134B-6B70-4C74-B101-F996ADEBB5AB}"/>
               </a:ext>
             </a:extLst>
           </p:cNvPr>
@@ -14958,7 +15528,7 @@
             <a:spLocks noGrp="1"/>
           </p:cNvSpPr>
           <p:nvPr>
-            <p:ph type="title"/>
+            <p:ph type="ctrTitle"/>
           </p:nvPr>
         </p:nvSpPr>
         <p:spPr/>
@@ -14974,141 +15544,13 @@
               <a:rPr lang="ko-KR" altLang="en-US" dirty="0"/>
               <a:t> 시나리오 목록</a:t>
             </a:r>
-          </a:p>
-        </p:txBody>
-      </p:sp>
-      <p:sp>
-        <p:nvSpPr>
-          <p:cNvPr id="3" name="내용 개체 틀 2">
-            <a:extLst>
-              <a:ext uri="{FF2B5EF4-FFF2-40B4-BE49-F238E27FC236}">
-                <a16:creationId xmlns:a16="http://schemas.microsoft.com/office/drawing/2014/main" id="{715E2CC5-4E5B-4624-A6DF-7FBBE383F416}"/>
-              </a:ext>
-            </a:extLst>
-          </p:cNvPr>
-          <p:cNvSpPr>
-            <a:spLocks noGrp="1"/>
-          </p:cNvSpPr>
-          <p:nvPr>
-            <p:ph idx="1"/>
-          </p:nvPr>
-        </p:nvSpPr>
-        <p:spPr/>
-        <p:txBody>
-          <a:bodyPr>
-            <a:normAutofit fontScale="92500"/>
-          </a:bodyPr>
-          <a:lstStyle/>
-          <a:p>
-            <a:r>
-              <a:rPr lang="ko-KR" altLang="en-US" dirty="0">
-                <a:solidFill>
-                  <a:srgbClr val="FF0000"/>
-                </a:solidFill>
-              </a:rPr>
-              <a:t>선거 결과 확인에 대한 시나리오는 준비하지 않음</a:t>
-            </a:r>
-            <a:r>
-              <a:rPr lang="en-US" altLang="ko-KR" dirty="0">
-                <a:solidFill>
-                  <a:srgbClr val="FF0000"/>
-                </a:solidFill>
-              </a:rPr>
-              <a:t>.</a:t>
-            </a:r>
-          </a:p>
-          <a:p>
-            <a:pPr>
-              <a:buFont typeface="Symbol" panose="05050102010706020507" pitchFamily="18" charset="2"/>
-              <a:buChar char="Þ"/>
-            </a:pPr>
-            <a:r>
-              <a:rPr lang="ko-KR" altLang="en-US" dirty="0">
-                <a:solidFill>
-                  <a:srgbClr val="FF0000"/>
-                </a:solidFill>
-              </a:rPr>
-              <a:t>혜령 팀원 담당임</a:t>
-            </a:r>
-            <a:endParaRPr lang="en-US" altLang="ko-KR" dirty="0">
-              <a:solidFill>
-                <a:srgbClr val="FF0000"/>
-              </a:solidFill>
-            </a:endParaRPr>
-          </a:p>
-          <a:p>
-            <a:r>
-              <a:rPr lang="ko-KR" altLang="en-US" dirty="0"/>
-              <a:t>선거 투표용지를 받은 학생이 있을 때 관리자가 선거를 강제종료</a:t>
-            </a:r>
-            <a:endParaRPr lang="en-US" altLang="ko-KR" dirty="0"/>
-          </a:p>
-          <a:p>
-            <a:r>
-              <a:rPr lang="ko-KR" altLang="en-US" dirty="0"/>
-              <a:t>선거에 학생이 투표한 후에 관리자가 선거를 강제종료</a:t>
-            </a:r>
-            <a:endParaRPr lang="en-US" altLang="ko-KR" dirty="0"/>
-          </a:p>
-          <a:p>
-            <a:r>
-              <a:rPr lang="ko-KR" altLang="en-US" dirty="0"/>
-              <a:t>각 단과대별 선거 진행</a:t>
-            </a:r>
-            <a:endParaRPr lang="en-US" altLang="ko-KR" dirty="0"/>
-          </a:p>
-          <a:p>
-            <a:r>
-              <a:rPr lang="ko-KR" altLang="en-US" dirty="0"/>
-              <a:t>총학생회와 </a:t>
-            </a:r>
-            <a:r>
-              <a:rPr lang="ko-KR" altLang="en-US" dirty="0" err="1"/>
-              <a:t>단과대</a:t>
-            </a:r>
-            <a:r>
-              <a:rPr lang="ko-KR" altLang="en-US" dirty="0"/>
-              <a:t> 선거 동시 진행</a:t>
-            </a:r>
-            <a:endParaRPr lang="en-US" altLang="ko-KR" dirty="0"/>
-          </a:p>
-          <a:p>
-            <a:r>
-              <a:rPr lang="ko-KR" altLang="en-US" dirty="0"/>
-              <a:t>보궐 선거 관련</a:t>
-            </a:r>
-            <a:endParaRPr lang="en-US" altLang="ko-KR" dirty="0"/>
-          </a:p>
-          <a:p>
-            <a:r>
-              <a:rPr lang="en-US" altLang="ko-KR" dirty="0"/>
-              <a:t>… </a:t>
-            </a:r>
-            <a:r>
-              <a:rPr lang="ko-KR" altLang="en-US" dirty="0"/>
-              <a:t>등등</a:t>
-            </a:r>
-            <a:endParaRPr lang="en-US" altLang="ko-KR" dirty="0"/>
-          </a:p>
-          <a:p>
-            <a:r>
-              <a:rPr lang="ko-KR" altLang="en-US" b="1" u="sng" dirty="0"/>
-              <a:t>시나리오 아이디어 구함요</a:t>
-            </a:r>
-            <a:r>
-              <a:rPr lang="en-US" altLang="ko-KR" b="1" u="sng" dirty="0"/>
-              <a:t>.</a:t>
-            </a:r>
-          </a:p>
-          <a:p>
-            <a:endParaRPr lang="ko-KR" altLang="en-US" dirty="0"/>
           </a:p>
         </p:txBody>
       </p:sp>
     </p:spTree>
     <p:extLst>
       <p:ext uri="{BB962C8B-B14F-4D97-AF65-F5344CB8AC3E}">
-        <p14:creationId xmlns:p14="http://schemas.microsoft.com/office/powerpoint/2010/main" val="947573483"/>
+        <p14:creationId xmlns:p14="http://schemas.microsoft.com/office/powerpoint/2010/main" val="2125819996"/>
       </p:ext>
     </p:extLst>
   </p:cSld>
@@ -15140,6 +15582,196 @@
           <p:cNvPr id="2" name="제목 1">
             <a:extLst>
               <a:ext uri="{FF2B5EF4-FFF2-40B4-BE49-F238E27FC236}">
+                <a16:creationId xmlns:a16="http://schemas.microsoft.com/office/drawing/2014/main" id="{90807F92-7D9D-40AD-BD42-987064ADE3A3}"/>
+              </a:ext>
+            </a:extLst>
+          </p:cNvPr>
+          <p:cNvSpPr>
+            <a:spLocks noGrp="1"/>
+          </p:cNvSpPr>
+          <p:nvPr>
+            <p:ph type="title"/>
+          </p:nvPr>
+        </p:nvSpPr>
+        <p:spPr/>
+        <p:txBody>
+          <a:bodyPr/>
+          <a:lstStyle/>
+          <a:p>
+            <a:r>
+              <a:rPr lang="ko-KR" altLang="en-US" dirty="0" err="1"/>
+              <a:t>미시행</a:t>
+            </a:r>
+            <a:r>
+              <a:rPr lang="ko-KR" altLang="en-US" dirty="0"/>
+              <a:t> 시나리오 목록</a:t>
+            </a:r>
+          </a:p>
+        </p:txBody>
+      </p:sp>
+      <p:sp>
+        <p:nvSpPr>
+          <p:cNvPr id="3" name="내용 개체 틀 2">
+            <a:extLst>
+              <a:ext uri="{FF2B5EF4-FFF2-40B4-BE49-F238E27FC236}">
+                <a16:creationId xmlns:a16="http://schemas.microsoft.com/office/drawing/2014/main" id="{715E2CC5-4E5B-4624-A6DF-7FBBE383F416}"/>
+              </a:ext>
+            </a:extLst>
+          </p:cNvPr>
+          <p:cNvSpPr>
+            <a:spLocks noGrp="1"/>
+          </p:cNvSpPr>
+          <p:nvPr>
+            <p:ph idx="1"/>
+          </p:nvPr>
+        </p:nvSpPr>
+        <p:spPr/>
+        <p:txBody>
+          <a:bodyPr>
+            <a:normAutofit fontScale="92500"/>
+          </a:bodyPr>
+          <a:lstStyle/>
+          <a:p>
+            <a:r>
+              <a:rPr lang="ko-KR" altLang="en-US" dirty="0">
+                <a:solidFill>
+                  <a:srgbClr val="FF0000"/>
+                </a:solidFill>
+              </a:rPr>
+              <a:t>선거 결과 확인에 대한 시나리오는 준비하지 않음</a:t>
+            </a:r>
+            <a:r>
+              <a:rPr lang="en-US" altLang="ko-KR" dirty="0">
+                <a:solidFill>
+                  <a:srgbClr val="FF0000"/>
+                </a:solidFill>
+              </a:rPr>
+              <a:t>.</a:t>
+            </a:r>
+          </a:p>
+          <a:p>
+            <a:pPr>
+              <a:buFont typeface="Symbol" panose="05050102010706020507" pitchFamily="18" charset="2"/>
+              <a:buChar char="Þ"/>
+            </a:pPr>
+            <a:r>
+              <a:rPr lang="ko-KR" altLang="en-US" dirty="0">
+                <a:solidFill>
+                  <a:srgbClr val="FF0000"/>
+                </a:solidFill>
+              </a:rPr>
+              <a:t>혜령 팀원 담당임</a:t>
+            </a:r>
+            <a:endParaRPr lang="en-US" altLang="ko-KR" dirty="0">
+              <a:solidFill>
+                <a:srgbClr val="FF0000"/>
+              </a:solidFill>
+            </a:endParaRPr>
+          </a:p>
+          <a:p>
+            <a:r>
+              <a:rPr lang="ko-KR" altLang="en-US" dirty="0"/>
+              <a:t>선거 투표용지를 받은 학생이 있을 때 관리자가 선거를 강제종료</a:t>
+            </a:r>
+            <a:endParaRPr lang="en-US" altLang="ko-KR" dirty="0"/>
+          </a:p>
+          <a:p>
+            <a:r>
+              <a:rPr lang="ko-KR" altLang="en-US" dirty="0"/>
+              <a:t>선거에 학생이 투표한 후에 관리자가 선거를 강제종료</a:t>
+            </a:r>
+            <a:endParaRPr lang="en-US" altLang="ko-KR" dirty="0"/>
+          </a:p>
+          <a:p>
+            <a:r>
+              <a:rPr lang="ko-KR" altLang="en-US" dirty="0"/>
+              <a:t>각 단과대별 선거 진행</a:t>
+            </a:r>
+            <a:endParaRPr lang="en-US" altLang="ko-KR" dirty="0"/>
+          </a:p>
+          <a:p>
+            <a:r>
+              <a:rPr lang="ko-KR" altLang="en-US" dirty="0"/>
+              <a:t>총학생회와 </a:t>
+            </a:r>
+            <a:r>
+              <a:rPr lang="ko-KR" altLang="en-US" dirty="0" err="1"/>
+              <a:t>단과대</a:t>
+            </a:r>
+            <a:r>
+              <a:rPr lang="ko-KR" altLang="en-US" dirty="0"/>
+              <a:t> 선거 동시 진행</a:t>
+            </a:r>
+            <a:endParaRPr lang="en-US" altLang="ko-KR" dirty="0"/>
+          </a:p>
+          <a:p>
+            <a:r>
+              <a:rPr lang="ko-KR" altLang="en-US" dirty="0"/>
+              <a:t>보궐 선거 관련</a:t>
+            </a:r>
+            <a:endParaRPr lang="en-US" altLang="ko-KR" dirty="0"/>
+          </a:p>
+          <a:p>
+            <a:r>
+              <a:rPr lang="en-US" altLang="ko-KR" dirty="0"/>
+              <a:t>… </a:t>
+            </a:r>
+            <a:r>
+              <a:rPr lang="ko-KR" altLang="en-US" dirty="0"/>
+              <a:t>등등</a:t>
+            </a:r>
+            <a:endParaRPr lang="en-US" altLang="ko-KR" dirty="0"/>
+          </a:p>
+          <a:p>
+            <a:r>
+              <a:rPr lang="ko-KR" altLang="en-US" b="1" u="sng" dirty="0"/>
+              <a:t>시나리오 아이디어 구함요</a:t>
+            </a:r>
+            <a:r>
+              <a:rPr lang="en-US" altLang="ko-KR" b="1" u="sng" dirty="0"/>
+              <a:t>.</a:t>
+            </a:r>
+          </a:p>
+          <a:p>
+            <a:endParaRPr lang="ko-KR" altLang="en-US" dirty="0"/>
+          </a:p>
+        </p:txBody>
+      </p:sp>
+    </p:spTree>
+    <p:extLst>
+      <p:ext uri="{BB962C8B-B14F-4D97-AF65-F5344CB8AC3E}">
+        <p14:creationId xmlns:p14="http://schemas.microsoft.com/office/powerpoint/2010/main" val="947573483"/>
+      </p:ext>
+    </p:extLst>
+  </p:cSld>
+  <p:clrMapOvr>
+    <a:masterClrMapping/>
+  </p:clrMapOvr>
+</p:sld>
+</file>
+
+<file path=ppt/slides/slide53.xml><?xml version="1.0" encoding="utf-8"?>
+<p:sld xmlns:a="http://schemas.openxmlformats.org/drawingml/2006/main" xmlns:r="http://schemas.openxmlformats.org/officeDocument/2006/relationships" xmlns:p="http://schemas.openxmlformats.org/presentationml/2006/main">
+  <p:cSld>
+    <p:spTree>
+      <p:nvGrpSpPr>
+        <p:cNvPr id="1" name=""/>
+        <p:cNvGrpSpPr/>
+        <p:nvPr/>
+      </p:nvGrpSpPr>
+      <p:grpSpPr>
+        <a:xfrm>
+          <a:off x="0" y="0"/>
+          <a:ext cx="0" cy="0"/>
+          <a:chOff x="0" y="0"/>
+          <a:chExt cx="0" cy="0"/>
+        </a:xfrm>
+      </p:grpSpPr>
+      <p:sp>
+        <p:nvSpPr>
+          <p:cNvPr id="2" name="제목 1">
+            <a:extLst>
+              <a:ext uri="{FF2B5EF4-FFF2-40B4-BE49-F238E27FC236}">
                 <a16:creationId xmlns:a16="http://schemas.microsoft.com/office/drawing/2014/main" id="{065E134B-6B70-4C74-B101-F996ADEBB5AB}"/>
               </a:ext>
             </a:extLst>
@@ -15176,7 +15808,7 @@
 </p:sld>
 </file>
 
-<file path=ppt/slides/slide53.xml><?xml version="1.0" encoding="utf-8"?>
+<file path=ppt/slides/slide54.xml><?xml version="1.0" encoding="utf-8"?>
 <p:sld xmlns:a="http://schemas.openxmlformats.org/drawingml/2006/main" xmlns:r="http://schemas.openxmlformats.org/officeDocument/2006/relationships" xmlns:p="http://schemas.openxmlformats.org/presentationml/2006/main">
   <p:cSld>
     <p:spTree>

--- a/Document/Testcase/Testcase #1.pptx
+++ b/Document/Testcase/Testcase #1.pptx
@@ -54,11 +54,16 @@
     <p:sldId id="308" r:id="rId48"/>
     <p:sldId id="309" r:id="rId49"/>
     <p:sldId id="310" r:id="rId50"/>
-    <p:sldId id="299" r:id="rId51"/>
-    <p:sldId id="290" r:id="rId52"/>
-    <p:sldId id="280" r:id="rId53"/>
-    <p:sldId id="295" r:id="rId54"/>
-    <p:sldId id="294" r:id="rId55"/>
+    <p:sldId id="311" r:id="rId51"/>
+    <p:sldId id="312" r:id="rId52"/>
+    <p:sldId id="313" r:id="rId53"/>
+    <p:sldId id="314" r:id="rId54"/>
+    <p:sldId id="315" r:id="rId55"/>
+    <p:sldId id="299" r:id="rId56"/>
+    <p:sldId id="290" r:id="rId57"/>
+    <p:sldId id="280" r:id="rId58"/>
+    <p:sldId id="295" r:id="rId59"/>
+    <p:sldId id="294" r:id="rId60"/>
   </p:sldIdLst>
   <p:sldSz cx="12192000" cy="6858000"/>
   <p:notesSz cx="6858000" cy="9144000"/>
@@ -14909,7 +14914,7 @@
         <p:spPr>
           <a:xfrm>
             <a:off x="611838" y="3136063"/>
-            <a:ext cx="7580921" cy="3416320"/>
+            <a:ext cx="7055136" cy="2308324"/>
           </a:xfrm>
           <a:prstGeom prst="rect">
             <a:avLst/>
@@ -14965,57 +14970,6 @@
             <a:r>
               <a:rPr lang="ko-KR" altLang="en-US" dirty="0"/>
               <a:t>는 체인코드에서 발생시키는 오류임</a:t>
-            </a:r>
-            <a:r>
-              <a:rPr lang="en-US" altLang="ko-KR" dirty="0"/>
-              <a:t>.</a:t>
-            </a:r>
-          </a:p>
-          <a:p>
-            <a:r>
-              <a:rPr lang="en-US" altLang="ko-KR" dirty="0"/>
-              <a:t>Problem2 :</a:t>
-            </a:r>
-          </a:p>
-          <a:p>
-            <a:r>
-              <a:rPr lang="ko-KR" altLang="en-US" dirty="0"/>
-              <a:t>선거 수정 시 몇몇 속성은 한 문자밖에 들어가지 않는 문제가 생김</a:t>
-            </a:r>
-            <a:r>
-              <a:rPr lang="en-US" altLang="ko-KR" dirty="0"/>
-              <a:t>.</a:t>
-            </a:r>
-          </a:p>
-          <a:p>
-            <a:endParaRPr lang="en-US" altLang="ko-KR" dirty="0"/>
-          </a:p>
-          <a:p>
-            <a:r>
-              <a:rPr lang="en-US" altLang="ko-KR" dirty="0"/>
-              <a:t>Solved1 :</a:t>
-            </a:r>
-          </a:p>
-          <a:p>
-            <a:r>
-              <a:rPr lang="ko-KR" altLang="en-US" dirty="0"/>
-              <a:t>해당 문제를 </a:t>
-            </a:r>
-            <a:r>
-              <a:rPr lang="en-US" altLang="ko-KR" dirty="0"/>
-              <a:t>FE</a:t>
-            </a:r>
-            <a:r>
-              <a:rPr lang="ko-KR" altLang="en-US" dirty="0"/>
-              <a:t>에서 확인하는 </a:t>
-            </a:r>
-            <a:r>
-              <a:rPr lang="en-US" altLang="ko-KR" dirty="0"/>
-              <a:t>UI</a:t>
-            </a:r>
-            <a:r>
-              <a:rPr lang="ko-KR" altLang="en-US" dirty="0"/>
-              <a:t>를 추가시킴으로써 문제 해결이 가능함</a:t>
             </a:r>
             <a:r>
               <a:rPr lang="en-US" altLang="ko-KR" dirty="0"/>
@@ -15128,42 +15082,21 @@
             </a:r>
           </a:p>
           <a:p>
-            <a:r>
-              <a:rPr lang="en-US" altLang="ko-KR" dirty="0">
-                <a:solidFill>
-                  <a:srgbClr val="333333"/>
-                </a:solidFill>
-                <a:latin typeface="Verdana" panose="020B0604030504040204" pitchFamily="34" charset="0"/>
-              </a:rPr>
-              <a:t>Solved2 :</a:t>
-            </a:r>
-          </a:p>
-          <a:p>
-            <a:r>
-              <a:rPr lang="en-US" altLang="ko-KR" dirty="0">
-                <a:solidFill>
-                  <a:srgbClr val="333333"/>
-                </a:solidFill>
-                <a:latin typeface="Verdana" panose="020B0604030504040204" pitchFamily="34" charset="0"/>
-              </a:rPr>
-              <a:t>Len === 1 || Len === ‘1’ </a:t>
-            </a:r>
-            <a:r>
-              <a:rPr lang="ko-KR" altLang="en-US" dirty="0">
-                <a:solidFill>
-                  <a:srgbClr val="333333"/>
-                </a:solidFill>
-                <a:latin typeface="Verdana" panose="020B0604030504040204" pitchFamily="34" charset="0"/>
-              </a:rPr>
-              <a:t>추가함으로써 예외처리 함</a:t>
-            </a:r>
-            <a:r>
-              <a:rPr lang="en-US" altLang="ko-KR" dirty="0">
-                <a:solidFill>
-                  <a:srgbClr val="333333"/>
-                </a:solidFill>
-                <a:latin typeface="Verdana" panose="020B0604030504040204" pitchFamily="34" charset="0"/>
-              </a:rPr>
+            <a:endParaRPr lang="en-US" altLang="ko-KR" dirty="0"/>
+          </a:p>
+          <a:p>
+            <a:r>
+              <a:rPr lang="en-US" altLang="ko-KR" dirty="0"/>
+              <a:t>Problem2 :</a:t>
+            </a:r>
+          </a:p>
+          <a:p>
+            <a:r>
+              <a:rPr lang="ko-KR" altLang="en-US" dirty="0"/>
+              <a:t>선거 수정 시 몇몇 속성은 한 문자밖에 들어가지 않는 문제가 생김</a:t>
+            </a:r>
+            <a:r>
+              <a:rPr lang="en-US" altLang="ko-KR" dirty="0"/>
               <a:t>.</a:t>
             </a:r>
           </a:p>
@@ -15424,7 +15357,7 @@
           <p:cNvPr id="2" name="제목 1">
             <a:extLst>
               <a:ext uri="{FF2B5EF4-FFF2-40B4-BE49-F238E27FC236}">
-                <a16:creationId xmlns:a16="http://schemas.microsoft.com/office/drawing/2014/main" id="{493BC712-AB7D-4429-8768-D21C67A95AD8}"/>
+                <a16:creationId xmlns:a16="http://schemas.microsoft.com/office/drawing/2014/main" id="{BBE918DE-A262-4863-A32D-878AA7EDFF7A}"/>
               </a:ext>
             </a:extLst>
           </p:cNvPr>
@@ -15441,54 +15374,372 @@
           <a:lstStyle/>
           <a:p>
             <a:r>
-              <a:rPr lang="ko-KR" altLang="en-US" dirty="0"/>
+              <a:rPr lang="ko-KR" altLang="en-US" sz="4400" dirty="0"/>
               <a:t>시나리오</a:t>
             </a:r>
             <a:r>
-              <a:rPr lang="en-US" altLang="ko-KR" dirty="0"/>
-              <a:t>#?? : ??</a:t>
+              <a:rPr lang="en-US" altLang="ko-KR" sz="4400" dirty="0"/>
+              <a:t>#26 : </a:t>
+            </a:r>
+            <a:r>
+              <a:rPr lang="ko-KR" altLang="en-US" sz="4400" dirty="0"/>
+              <a:t>관리자가 </a:t>
+            </a:r>
+            <a:r>
+              <a:rPr lang="en-US" altLang="ko-KR" sz="4400" dirty="0"/>
+              <a:t>[</a:t>
+            </a:r>
+            <a:r>
+              <a:rPr lang="ko-KR" altLang="en-US" sz="4400" dirty="0"/>
+              <a:t>선거생성</a:t>
+            </a:r>
+            <a:r>
+              <a:rPr lang="en-US" altLang="ko-KR" sz="4400" dirty="0"/>
+              <a:t>] -&gt; [</a:t>
+            </a:r>
+            <a:r>
+              <a:rPr lang="ko-KR" altLang="en-US" sz="4400" dirty="0"/>
+              <a:t>선거수정</a:t>
+            </a:r>
+            <a:r>
+              <a:rPr lang="en-US" altLang="ko-KR" sz="4400" dirty="0"/>
+              <a:t>]</a:t>
             </a:r>
             <a:endParaRPr lang="ko-KR" altLang="en-US" dirty="0"/>
           </a:p>
         </p:txBody>
       </p:sp>
-      <p:sp>
-        <p:nvSpPr>
-          <p:cNvPr id="3" name="내용 개체 틀 2">
-            <a:extLst>
-              <a:ext uri="{FF2B5EF4-FFF2-40B4-BE49-F238E27FC236}">
-                <a16:creationId xmlns:a16="http://schemas.microsoft.com/office/drawing/2014/main" id="{E8F6A650-B3AB-46F8-A94D-3A6BD423C094}"/>
-              </a:ext>
-            </a:extLst>
-          </p:cNvPr>
-          <p:cNvSpPr>
-            <a:spLocks noGrp="1"/>
-          </p:cNvSpPr>
+      <p:pic>
+        <p:nvPicPr>
+          <p:cNvPr id="5" name="내용 개체 틀 4">
+            <a:extLst>
+              <a:ext uri="{FF2B5EF4-FFF2-40B4-BE49-F238E27FC236}">
+                <a16:creationId xmlns:a16="http://schemas.microsoft.com/office/drawing/2014/main" id="{F408C88F-7568-426C-99AC-6CB3066C2280}"/>
+              </a:ext>
+            </a:extLst>
+          </p:cNvPr>
+          <p:cNvPicPr>
+            <a:picLocks noGrp="1" noChangeAspect="1"/>
+          </p:cNvPicPr>
           <p:nvPr>
             <p:ph idx="1"/>
           </p:nvPr>
-        </p:nvSpPr>
-        <p:spPr/>
-        <p:txBody>
-          <a:bodyPr/>
-          <a:lstStyle/>
-          <a:p>
-            <a:r>
-              <a:rPr lang="ko-KR" altLang="en-US" dirty="0" err="1"/>
-              <a:t>작성하여주십시오</a:t>
-            </a:r>
-            <a:r>
-              <a:rPr lang="en-US" altLang="ko-KR" dirty="0"/>
-              <a:t>.</a:t>
-            </a:r>
-            <a:endParaRPr lang="ko-KR" altLang="en-US" dirty="0"/>
+        </p:nvPicPr>
+        <p:blipFill>
+          <a:blip r:embed="rId2"/>
+          <a:stretch>
+            <a:fillRect/>
+          </a:stretch>
+        </p:blipFill>
+        <p:spPr>
+          <a:xfrm>
+            <a:off x="553848" y="1983567"/>
+            <a:ext cx="3467100" cy="4152900"/>
+          </a:xfrm>
+        </p:spPr>
+      </p:pic>
+      <p:sp>
+        <p:nvSpPr>
+          <p:cNvPr id="6" name="TextBox 5">
+            <a:extLst>
+              <a:ext uri="{FF2B5EF4-FFF2-40B4-BE49-F238E27FC236}">
+                <a16:creationId xmlns:a16="http://schemas.microsoft.com/office/drawing/2014/main" id="{60E9DFF2-5EDA-45D6-9E46-B5518E7EE00C}"/>
+              </a:ext>
+            </a:extLst>
+          </p:cNvPr>
+          <p:cNvSpPr txBox="1"/>
+          <p:nvPr/>
+        </p:nvSpPr>
+        <p:spPr>
+          <a:xfrm>
+            <a:off x="4420998" y="1983567"/>
+            <a:ext cx="7096815" cy="2031325"/>
+          </a:xfrm>
+          <a:prstGeom prst="rect">
+            <a:avLst/>
+          </a:prstGeom>
+          <a:noFill/>
+        </p:spPr>
+        <p:txBody>
+          <a:bodyPr wrap="none" rtlCol="0">
+            <a:spAutoFit/>
+          </a:bodyPr>
+          <a:lstStyle/>
+          <a:p>
+            <a:r>
+              <a:rPr lang="en-US" altLang="ko-KR" dirty="0"/>
+              <a:t>Problem1 : </a:t>
+            </a:r>
+          </a:p>
+          <a:p>
+            <a:r>
+              <a:rPr lang="ko-KR" altLang="en-US" dirty="0"/>
+              <a:t>선거 수정 후 선거운동본부명칭 사라진 문제</a:t>
+            </a:r>
+            <a:endParaRPr lang="en-US" altLang="ko-KR" dirty="0"/>
+          </a:p>
+          <a:p>
+            <a:r>
+              <a:rPr lang="en-US" altLang="ko-KR" dirty="0"/>
+              <a:t>(Fixed at </a:t>
+            </a:r>
+            <a:r>
+              <a:rPr lang="en-US" altLang="ko-KR" sz="1800" b="0" i="0" u="none" strike="noStrike" baseline="0" dirty="0">
+                <a:solidFill>
+                  <a:srgbClr val="333333"/>
+                </a:solidFill>
+                <a:latin typeface="Verdana" panose="020B0604030504040204" pitchFamily="34" charset="0"/>
+              </a:rPr>
+              <a:t>2020</a:t>
+            </a:r>
+            <a:r>
+              <a:rPr lang="ko-KR" altLang="en-US" sz="1800" b="0" i="0" u="none" strike="noStrike" baseline="0" dirty="0">
+                <a:solidFill>
+                  <a:srgbClr val="333333"/>
+                </a:solidFill>
+                <a:latin typeface="Verdana" panose="020B0604030504040204" pitchFamily="34" charset="0"/>
+              </a:rPr>
+              <a:t>년</a:t>
+            </a:r>
+            <a:r>
+              <a:rPr lang="en-US" altLang="ko-KR" sz="1800" b="0" i="0" u="none" strike="noStrike" baseline="0" dirty="0">
+                <a:solidFill>
+                  <a:srgbClr val="333333"/>
+                </a:solidFill>
+                <a:latin typeface="Verdana" panose="020B0604030504040204" pitchFamily="34" charset="0"/>
+              </a:rPr>
+              <a:t> 8</a:t>
+            </a:r>
+            <a:r>
+              <a:rPr lang="ko-KR" altLang="en-US" sz="1800" b="0" i="0" u="none" strike="noStrike" baseline="0" dirty="0">
+                <a:solidFill>
+                  <a:srgbClr val="333333"/>
+                </a:solidFill>
+                <a:latin typeface="Verdana" panose="020B0604030504040204" pitchFamily="34" charset="0"/>
+              </a:rPr>
+              <a:t>월</a:t>
+            </a:r>
+            <a:r>
+              <a:rPr lang="en-US" altLang="ko-KR" sz="1800" b="0" i="0" u="none" strike="noStrike" baseline="0" dirty="0">
+                <a:solidFill>
+                  <a:srgbClr val="333333"/>
+                </a:solidFill>
+                <a:latin typeface="Verdana" panose="020B0604030504040204" pitchFamily="34" charset="0"/>
+              </a:rPr>
+              <a:t> 18</a:t>
+            </a:r>
+            <a:r>
+              <a:rPr lang="ko-KR" altLang="en-US" sz="1800" b="0" i="0" u="none" strike="noStrike" baseline="0" dirty="0">
+                <a:solidFill>
+                  <a:srgbClr val="333333"/>
+                </a:solidFill>
+                <a:latin typeface="Verdana" panose="020B0604030504040204" pitchFamily="34" charset="0"/>
+              </a:rPr>
+              <a:t>일</a:t>
+            </a:r>
+            <a:r>
+              <a:rPr lang="en-US" altLang="ko-KR" sz="1800" b="0" i="0" u="none" strike="noStrike" baseline="0" dirty="0">
+                <a:solidFill>
+                  <a:srgbClr val="333333"/>
+                </a:solidFill>
+                <a:latin typeface="Verdana" panose="020B0604030504040204" pitchFamily="34" charset="0"/>
+              </a:rPr>
+              <a:t> </a:t>
+            </a:r>
+            <a:r>
+              <a:rPr lang="ko-KR" altLang="en-US" sz="1800" b="0" i="0" u="none" strike="noStrike" baseline="0" dirty="0">
+                <a:solidFill>
+                  <a:srgbClr val="333333"/>
+                </a:solidFill>
+                <a:latin typeface="Verdana" panose="020B0604030504040204" pitchFamily="34" charset="0"/>
+              </a:rPr>
+              <a:t>화요일</a:t>
+            </a:r>
+            <a:r>
+              <a:rPr lang="en-US" altLang="ko-KR" sz="1800" b="0" i="0" u="none" strike="noStrike" baseline="0" dirty="0">
+                <a:solidFill>
+                  <a:srgbClr val="333333"/>
+                </a:solidFill>
+                <a:latin typeface="Verdana" panose="020B0604030504040204" pitchFamily="34" charset="0"/>
+              </a:rPr>
+              <a:t> </a:t>
+            </a:r>
+            <a:r>
+              <a:rPr lang="ko-KR" altLang="en-US" sz="1800" b="0" i="0" u="none" strike="noStrike" baseline="0" dirty="0">
+                <a:solidFill>
+                  <a:srgbClr val="333333"/>
+                </a:solidFill>
+                <a:latin typeface="Verdana" panose="020B0604030504040204" pitchFamily="34" charset="0"/>
+              </a:rPr>
+              <a:t>오전</a:t>
+            </a:r>
+            <a:r>
+              <a:rPr lang="en-US" altLang="ko-KR" sz="1800" b="0" i="0" u="none" strike="noStrike" baseline="0" dirty="0">
+                <a:solidFill>
+                  <a:srgbClr val="333333"/>
+                </a:solidFill>
+                <a:latin typeface="Verdana" panose="020B0604030504040204" pitchFamily="34" charset="0"/>
+              </a:rPr>
+              <a:t> 9:37:29)</a:t>
+            </a:r>
+          </a:p>
+          <a:p>
+            <a:endParaRPr lang="en-US" altLang="ko-KR" dirty="0">
+              <a:solidFill>
+                <a:srgbClr val="333333"/>
+              </a:solidFill>
+              <a:latin typeface="Verdana" panose="020B0604030504040204" pitchFamily="34" charset="0"/>
+            </a:endParaRPr>
+          </a:p>
+          <a:p>
+            <a:r>
+              <a:rPr lang="en-US" altLang="ko-KR" dirty="0"/>
+              <a:t>Problem2 :</a:t>
+            </a:r>
+          </a:p>
+          <a:p>
+            <a:r>
+              <a:rPr lang="ko-KR" altLang="en-US" dirty="0"/>
+              <a:t>선거</a:t>
+            </a:r>
+            <a:r>
+              <a:rPr lang="en-US" altLang="ko-KR" dirty="0"/>
+              <a:t> </a:t>
+            </a:r>
+            <a:r>
+              <a:rPr lang="ko-KR" altLang="en-US" dirty="0"/>
+              <a:t>이름</a:t>
+            </a:r>
+            <a:r>
+              <a:rPr lang="en-US" altLang="ko-KR" dirty="0"/>
+              <a:t>(Election name) </a:t>
+            </a:r>
+            <a:r>
+              <a:rPr lang="ko-KR" altLang="en-US" dirty="0"/>
+              <a:t>수정 후 사진 </a:t>
+            </a:r>
+            <a:r>
+              <a:rPr lang="en-US" altLang="ko-KR" dirty="0"/>
+              <a:t>hash</a:t>
+            </a:r>
+            <a:r>
+              <a:rPr lang="ko-KR" altLang="en-US" dirty="0"/>
+              <a:t>값 일치하지 않는 문제</a:t>
+            </a:r>
+            <a:endParaRPr lang="en-US" altLang="ko-KR" dirty="0"/>
+          </a:p>
+          <a:p>
+            <a:r>
+              <a:rPr lang="en-US" altLang="ko-KR" dirty="0"/>
+              <a:t>(Fixed at </a:t>
+            </a:r>
+            <a:r>
+              <a:rPr lang="en-US" altLang="ko-KR" sz="1800" b="0" i="0" u="none" strike="noStrike" baseline="0" dirty="0">
+                <a:solidFill>
+                  <a:srgbClr val="333333"/>
+                </a:solidFill>
+                <a:latin typeface="Verdana" panose="020B0604030504040204" pitchFamily="34" charset="0"/>
+              </a:rPr>
+              <a:t>2020</a:t>
+            </a:r>
+            <a:r>
+              <a:rPr lang="ko-KR" altLang="en-US" sz="1800" b="0" i="0" u="none" strike="noStrike" baseline="0" dirty="0">
+                <a:solidFill>
+                  <a:srgbClr val="333333"/>
+                </a:solidFill>
+                <a:latin typeface="Verdana" panose="020B0604030504040204" pitchFamily="34" charset="0"/>
+              </a:rPr>
+              <a:t>년</a:t>
+            </a:r>
+            <a:r>
+              <a:rPr lang="en-US" altLang="ko-KR" sz="1800" b="0" i="0" u="none" strike="noStrike" baseline="0" dirty="0">
+                <a:solidFill>
+                  <a:srgbClr val="333333"/>
+                </a:solidFill>
+                <a:latin typeface="Verdana" panose="020B0604030504040204" pitchFamily="34" charset="0"/>
+              </a:rPr>
+              <a:t> 8</a:t>
+            </a:r>
+            <a:r>
+              <a:rPr lang="ko-KR" altLang="en-US" sz="1800" b="0" i="0" u="none" strike="noStrike" baseline="0" dirty="0">
+                <a:solidFill>
+                  <a:srgbClr val="333333"/>
+                </a:solidFill>
+                <a:latin typeface="Verdana" panose="020B0604030504040204" pitchFamily="34" charset="0"/>
+              </a:rPr>
+              <a:t>월</a:t>
+            </a:r>
+            <a:r>
+              <a:rPr lang="en-US" altLang="ko-KR" sz="1800" b="0" i="0" u="none" strike="noStrike" baseline="0" dirty="0">
+                <a:solidFill>
+                  <a:srgbClr val="333333"/>
+                </a:solidFill>
+                <a:latin typeface="Verdana" panose="020B0604030504040204" pitchFamily="34" charset="0"/>
+              </a:rPr>
+              <a:t> 18</a:t>
+            </a:r>
+            <a:r>
+              <a:rPr lang="ko-KR" altLang="en-US" sz="1800" b="0" i="0" u="none" strike="noStrike" baseline="0" dirty="0">
+                <a:solidFill>
+                  <a:srgbClr val="333333"/>
+                </a:solidFill>
+                <a:latin typeface="Verdana" panose="020B0604030504040204" pitchFamily="34" charset="0"/>
+              </a:rPr>
+              <a:t>일</a:t>
+            </a:r>
+            <a:r>
+              <a:rPr lang="en-US" altLang="ko-KR" sz="1800" b="0" i="0" u="none" strike="noStrike" baseline="0" dirty="0">
+                <a:solidFill>
+                  <a:srgbClr val="333333"/>
+                </a:solidFill>
+                <a:latin typeface="Verdana" panose="020B0604030504040204" pitchFamily="34" charset="0"/>
+              </a:rPr>
+              <a:t> </a:t>
+            </a:r>
+            <a:r>
+              <a:rPr lang="ko-KR" altLang="en-US" sz="1800" b="0" i="0" u="none" strike="noStrike" baseline="0" dirty="0">
+                <a:solidFill>
+                  <a:srgbClr val="333333"/>
+                </a:solidFill>
+                <a:latin typeface="Verdana" panose="020B0604030504040204" pitchFamily="34" charset="0"/>
+              </a:rPr>
+              <a:t>화요일</a:t>
+            </a:r>
+            <a:r>
+              <a:rPr lang="en-US" altLang="ko-KR" sz="1800" b="0" i="0" u="none" strike="noStrike" baseline="0" dirty="0">
+                <a:solidFill>
+                  <a:srgbClr val="333333"/>
+                </a:solidFill>
+                <a:latin typeface="Verdana" panose="020B0604030504040204" pitchFamily="34" charset="0"/>
+              </a:rPr>
+              <a:t> </a:t>
+            </a:r>
+            <a:r>
+              <a:rPr lang="ko-KR" altLang="en-US" sz="1800" b="0" i="0" u="none" strike="noStrike" baseline="0" dirty="0">
+                <a:solidFill>
+                  <a:srgbClr val="333333"/>
+                </a:solidFill>
+                <a:latin typeface="Verdana" panose="020B0604030504040204" pitchFamily="34" charset="0"/>
+              </a:rPr>
+              <a:t>오전</a:t>
+            </a:r>
+            <a:r>
+              <a:rPr lang="en-US" altLang="ko-KR" sz="1800" b="0" i="0" u="none" strike="noStrike" baseline="0" dirty="0">
+                <a:solidFill>
+                  <a:srgbClr val="333333"/>
+                </a:solidFill>
+                <a:latin typeface="Verdana" panose="020B0604030504040204" pitchFamily="34" charset="0"/>
+              </a:rPr>
+              <a:t> 9:37:29)</a:t>
+            </a:r>
+            <a:endParaRPr lang="en-US" altLang="ko-KR" dirty="0"/>
           </a:p>
         </p:txBody>
       </p:sp>
     </p:spTree>
     <p:extLst>
       <p:ext uri="{BB962C8B-B14F-4D97-AF65-F5344CB8AC3E}">
-        <p14:creationId xmlns:p14="http://schemas.microsoft.com/office/powerpoint/2010/main" val="3822181132"/>
+        <p14:creationId xmlns:p14="http://schemas.microsoft.com/office/powerpoint/2010/main" val="3823034268"/>
       </p:ext>
     </p:extLst>
   </p:cSld>
@@ -15520,7 +15771,7 @@
           <p:cNvPr id="2" name="제목 1">
             <a:extLst>
               <a:ext uri="{FF2B5EF4-FFF2-40B4-BE49-F238E27FC236}">
-                <a16:creationId xmlns:a16="http://schemas.microsoft.com/office/drawing/2014/main" id="{065E134B-6B70-4C74-B101-F996ADEBB5AB}"/>
+                <a16:creationId xmlns:a16="http://schemas.microsoft.com/office/drawing/2014/main" id="{1C046319-DAA9-4ECF-98D5-C4505C530563}"/>
               </a:ext>
             </a:extLst>
           </p:cNvPr>
@@ -15528,7 +15779,7 @@
             <a:spLocks noGrp="1"/>
           </p:cNvSpPr>
           <p:nvPr>
-            <p:ph type="ctrTitle"/>
+            <p:ph type="title"/>
           </p:nvPr>
         </p:nvSpPr>
         <p:spPr/>
@@ -15537,20 +15788,176 @@
           <a:lstStyle/>
           <a:p>
             <a:r>
-              <a:rPr lang="ko-KR" altLang="en-US" dirty="0" err="1"/>
-              <a:t>미시행</a:t>
-            </a:r>
-            <a:r>
-              <a:rPr lang="ko-KR" altLang="en-US" dirty="0"/>
-              <a:t> 시나리오 목록</a:t>
-            </a:r>
-          </a:p>
-        </p:txBody>
-      </p:sp>
+              <a:rPr lang="ko-KR" altLang="en-US" sz="4400" dirty="0"/>
+              <a:t>시나리오</a:t>
+            </a:r>
+            <a:r>
+              <a:rPr lang="en-US" altLang="ko-KR" sz="4400" dirty="0"/>
+              <a:t>#27 : </a:t>
+            </a:r>
+            <a:r>
+              <a:rPr lang="ko-KR" altLang="en-US" sz="4400" dirty="0"/>
+              <a:t>관리자가 </a:t>
+            </a:r>
+            <a:r>
+              <a:rPr lang="en-US" altLang="ko-KR" sz="4400" dirty="0"/>
+              <a:t>[</a:t>
+            </a:r>
+            <a:r>
+              <a:rPr lang="ko-KR" altLang="en-US" sz="4400" dirty="0"/>
+              <a:t>선거생성</a:t>
+            </a:r>
+            <a:r>
+              <a:rPr lang="en-US" altLang="ko-KR" sz="4400" dirty="0"/>
+              <a:t>] -&gt; [</a:t>
+            </a:r>
+            <a:r>
+              <a:rPr lang="ko-KR" altLang="en-US" sz="4400" dirty="0"/>
+              <a:t>선거</a:t>
+            </a:r>
+            <a:r>
+              <a:rPr lang="ko-KR" altLang="en-US" dirty="0"/>
+              <a:t>삭제</a:t>
+            </a:r>
+            <a:r>
+              <a:rPr lang="en-US" altLang="ko-KR" sz="4400" dirty="0"/>
+              <a:t>] (</a:t>
+            </a:r>
+            <a:r>
+              <a:rPr lang="ko-KR" altLang="en-US" sz="4400" dirty="0"/>
+              <a:t>등록된 선거</a:t>
+            </a:r>
+            <a:r>
+              <a:rPr lang="en-US" altLang="ko-KR" sz="4400" dirty="0"/>
+              <a:t>)</a:t>
+            </a:r>
+            <a:endParaRPr lang="ko-KR" altLang="en-US" dirty="0"/>
+          </a:p>
+        </p:txBody>
+      </p:sp>
+      <p:pic>
+        <p:nvPicPr>
+          <p:cNvPr id="5" name="내용 개체 틀 4">
+            <a:extLst>
+              <a:ext uri="{FF2B5EF4-FFF2-40B4-BE49-F238E27FC236}">
+                <a16:creationId xmlns:a16="http://schemas.microsoft.com/office/drawing/2014/main" id="{2889D57D-3D3F-4284-BCC2-E9F0EF32269C}"/>
+              </a:ext>
+            </a:extLst>
+          </p:cNvPr>
+          <p:cNvPicPr>
+            <a:picLocks noGrp="1" noChangeAspect="1"/>
+          </p:cNvPicPr>
+          <p:nvPr>
+            <p:ph idx="1"/>
+          </p:nvPr>
+        </p:nvPicPr>
+        <p:blipFill>
+          <a:blip r:embed="rId2"/>
+          <a:stretch>
+            <a:fillRect/>
+          </a:stretch>
+        </p:blipFill>
+        <p:spPr>
+          <a:xfrm>
+            <a:off x="430561" y="2141537"/>
+            <a:ext cx="2628179" cy="4351338"/>
+          </a:xfrm>
+        </p:spPr>
+      </p:pic>
+      <p:pic>
+        <p:nvPicPr>
+          <p:cNvPr id="7" name="그림 6">
+            <a:extLst>
+              <a:ext uri="{FF2B5EF4-FFF2-40B4-BE49-F238E27FC236}">
+                <a16:creationId xmlns:a16="http://schemas.microsoft.com/office/drawing/2014/main" id="{0D3F9260-6D5E-42EF-9166-E45C7E450CD4}"/>
+              </a:ext>
+            </a:extLst>
+          </p:cNvPr>
+          <p:cNvPicPr>
+            <a:picLocks noChangeAspect="1"/>
+          </p:cNvPicPr>
+          <p:nvPr/>
+        </p:nvPicPr>
+        <p:blipFill>
+          <a:blip r:embed="rId3"/>
+          <a:stretch>
+            <a:fillRect/>
+          </a:stretch>
+        </p:blipFill>
+        <p:spPr>
+          <a:xfrm>
+            <a:off x="3209796" y="2141537"/>
+            <a:ext cx="2683935" cy="4351338"/>
+          </a:xfrm>
+          <a:prstGeom prst="rect">
+            <a:avLst/>
+          </a:prstGeom>
+        </p:spPr>
+      </p:pic>
+      <p:pic>
+        <p:nvPicPr>
+          <p:cNvPr id="9" name="그림 8">
+            <a:extLst>
+              <a:ext uri="{FF2B5EF4-FFF2-40B4-BE49-F238E27FC236}">
+                <a16:creationId xmlns:a16="http://schemas.microsoft.com/office/drawing/2014/main" id="{CA9CA255-5B0D-4E4F-934A-EFB1B58FB8C8}"/>
+              </a:ext>
+            </a:extLst>
+          </p:cNvPr>
+          <p:cNvPicPr>
+            <a:picLocks noChangeAspect="1"/>
+          </p:cNvPicPr>
+          <p:nvPr/>
+        </p:nvPicPr>
+        <p:blipFill>
+          <a:blip r:embed="rId4"/>
+          <a:stretch>
+            <a:fillRect/>
+          </a:stretch>
+        </p:blipFill>
+        <p:spPr>
+          <a:xfrm>
+            <a:off x="6044788" y="2141537"/>
+            <a:ext cx="2653956" cy="4351338"/>
+          </a:xfrm>
+          <a:prstGeom prst="rect">
+            <a:avLst/>
+          </a:prstGeom>
+        </p:spPr>
+      </p:pic>
+      <p:pic>
+        <p:nvPicPr>
+          <p:cNvPr id="11" name="그림 10">
+            <a:extLst>
+              <a:ext uri="{FF2B5EF4-FFF2-40B4-BE49-F238E27FC236}">
+                <a16:creationId xmlns:a16="http://schemas.microsoft.com/office/drawing/2014/main" id="{7AC351CF-DB29-4CEC-A6EA-16593321069F}"/>
+              </a:ext>
+            </a:extLst>
+          </p:cNvPr>
+          <p:cNvPicPr>
+            <a:picLocks noChangeAspect="1"/>
+          </p:cNvPicPr>
+          <p:nvPr/>
+        </p:nvPicPr>
+        <p:blipFill>
+          <a:blip r:embed="rId5"/>
+          <a:stretch>
+            <a:fillRect/>
+          </a:stretch>
+        </p:blipFill>
+        <p:spPr>
+          <a:xfrm>
+            <a:off x="8849801" y="2141535"/>
+            <a:ext cx="2622330" cy="4351339"/>
+          </a:xfrm>
+          <a:prstGeom prst="rect">
+            <a:avLst/>
+          </a:prstGeom>
+        </p:spPr>
+      </p:pic>
     </p:spTree>
     <p:extLst>
       <p:ext uri="{BB962C8B-B14F-4D97-AF65-F5344CB8AC3E}">
-        <p14:creationId xmlns:p14="http://schemas.microsoft.com/office/powerpoint/2010/main" val="2125819996"/>
+        <p14:creationId xmlns:p14="http://schemas.microsoft.com/office/powerpoint/2010/main" val="2616659932"/>
       </p:ext>
     </p:extLst>
   </p:cSld>
@@ -15582,7 +15989,7 @@
           <p:cNvPr id="2" name="제목 1">
             <a:extLst>
               <a:ext uri="{FF2B5EF4-FFF2-40B4-BE49-F238E27FC236}">
-                <a16:creationId xmlns:a16="http://schemas.microsoft.com/office/drawing/2014/main" id="{90807F92-7D9D-40AD-BD42-987064ADE3A3}"/>
+                <a16:creationId xmlns:a16="http://schemas.microsoft.com/office/drawing/2014/main" id="{8689CBDF-8FCC-4AB3-80F0-159714EBFEA3}"/>
               </a:ext>
             </a:extLst>
           </p:cNvPr>
@@ -15599,148 +16006,125 @@
           <a:lstStyle/>
           <a:p>
             <a:r>
-              <a:rPr lang="ko-KR" altLang="en-US" dirty="0" err="1"/>
-              <a:t>미시행</a:t>
-            </a:r>
-            <a:r>
-              <a:rPr lang="ko-KR" altLang="en-US" dirty="0"/>
-              <a:t> 시나리오 목록</a:t>
-            </a:r>
-          </a:p>
-        </p:txBody>
-      </p:sp>
-      <p:sp>
-        <p:nvSpPr>
-          <p:cNvPr id="3" name="내용 개체 틀 2">
-            <a:extLst>
-              <a:ext uri="{FF2B5EF4-FFF2-40B4-BE49-F238E27FC236}">
-                <a16:creationId xmlns:a16="http://schemas.microsoft.com/office/drawing/2014/main" id="{715E2CC5-4E5B-4624-A6DF-7FBBE383F416}"/>
-              </a:ext>
-            </a:extLst>
-          </p:cNvPr>
-          <p:cNvSpPr>
-            <a:spLocks noGrp="1"/>
-          </p:cNvSpPr>
+              <a:rPr lang="ko-KR" altLang="en-US" sz="4400" dirty="0"/>
+              <a:t>시나리오</a:t>
+            </a:r>
+            <a:r>
+              <a:rPr lang="en-US" altLang="ko-KR" sz="4400" dirty="0"/>
+              <a:t>#27 : </a:t>
+            </a:r>
+            <a:r>
+              <a:rPr lang="ko-KR" altLang="en-US" sz="4400" dirty="0"/>
+              <a:t>관리자가 </a:t>
+            </a:r>
+            <a:r>
+              <a:rPr lang="en-US" altLang="ko-KR" sz="4400" dirty="0"/>
+              <a:t>[</a:t>
+            </a:r>
+            <a:r>
+              <a:rPr lang="ko-KR" altLang="en-US" sz="4400" dirty="0"/>
+              <a:t>선거생성</a:t>
+            </a:r>
+            <a:r>
+              <a:rPr lang="en-US" altLang="ko-KR" sz="4400" dirty="0"/>
+              <a:t>] -&gt; [</a:t>
+            </a:r>
+            <a:r>
+              <a:rPr lang="ko-KR" altLang="en-US" sz="4400" dirty="0"/>
+              <a:t>선거</a:t>
+            </a:r>
+            <a:r>
+              <a:rPr lang="ko-KR" altLang="en-US" dirty="0"/>
+              <a:t>삭제</a:t>
+            </a:r>
+            <a:r>
+              <a:rPr lang="en-US" altLang="ko-KR" sz="4400" dirty="0"/>
+              <a:t>] (</a:t>
+            </a:r>
+            <a:r>
+              <a:rPr lang="ko-KR" altLang="en-US" sz="4400" dirty="0"/>
+              <a:t>등록된 선거</a:t>
+            </a:r>
+            <a:r>
+              <a:rPr lang="en-US" altLang="ko-KR" sz="4400" dirty="0"/>
+              <a:t>)</a:t>
+            </a:r>
+            <a:endParaRPr lang="ko-KR" altLang="en-US" dirty="0"/>
+          </a:p>
+        </p:txBody>
+      </p:sp>
+      <p:pic>
+        <p:nvPicPr>
+          <p:cNvPr id="5" name="내용 개체 틀 4">
+            <a:extLst>
+              <a:ext uri="{FF2B5EF4-FFF2-40B4-BE49-F238E27FC236}">
+                <a16:creationId xmlns:a16="http://schemas.microsoft.com/office/drawing/2014/main" id="{FDBCE7AA-BCB2-4E9C-A48C-F59F54D6C45C}"/>
+              </a:ext>
+            </a:extLst>
+          </p:cNvPr>
+          <p:cNvPicPr>
+            <a:picLocks noGrp="1" noChangeAspect="1"/>
+          </p:cNvPicPr>
           <p:nvPr>
             <p:ph idx="1"/>
           </p:nvPr>
-        </p:nvSpPr>
-        <p:spPr/>
-        <p:txBody>
-          <a:bodyPr>
-            <a:normAutofit fontScale="92500"/>
+        </p:nvPicPr>
+        <p:blipFill>
+          <a:blip r:embed="rId2"/>
+          <a:stretch>
+            <a:fillRect/>
+          </a:stretch>
+        </p:blipFill>
+        <p:spPr>
+          <a:xfrm>
+            <a:off x="4872037" y="2786856"/>
+            <a:ext cx="2447925" cy="2428875"/>
+          </a:xfrm>
+        </p:spPr>
+      </p:pic>
+      <p:sp>
+        <p:nvSpPr>
+          <p:cNvPr id="6" name="TextBox 5">
+            <a:extLst>
+              <a:ext uri="{FF2B5EF4-FFF2-40B4-BE49-F238E27FC236}">
+                <a16:creationId xmlns:a16="http://schemas.microsoft.com/office/drawing/2014/main" id="{BC4021EF-3F31-4D42-BF06-51AE3438C5AC}"/>
+              </a:ext>
+            </a:extLst>
+          </p:cNvPr>
+          <p:cNvSpPr txBox="1"/>
+          <p:nvPr/>
+        </p:nvSpPr>
+        <p:spPr>
+          <a:xfrm>
+            <a:off x="4985540" y="2325245"/>
+            <a:ext cx="2334422" cy="369332"/>
+          </a:xfrm>
+          <a:prstGeom prst="rect">
+            <a:avLst/>
+          </a:prstGeom>
+          <a:noFill/>
+        </p:spPr>
+        <p:txBody>
+          <a:bodyPr wrap="none" rtlCol="0">
+            <a:spAutoFit/>
           </a:bodyPr>
           <a:lstStyle/>
           <a:p>
             <a:r>
-              <a:rPr lang="ko-KR" altLang="en-US" dirty="0">
-                <a:solidFill>
-                  <a:srgbClr val="FF0000"/>
-                </a:solidFill>
-              </a:rPr>
-              <a:t>선거 결과 확인에 대한 시나리오는 준비하지 않음</a:t>
-            </a:r>
-            <a:r>
-              <a:rPr lang="en-US" altLang="ko-KR" dirty="0">
-                <a:solidFill>
-                  <a:srgbClr val="FF0000"/>
-                </a:solidFill>
-              </a:rPr>
-              <a:t>.</a:t>
-            </a:r>
-          </a:p>
-          <a:p>
-            <a:pPr>
-              <a:buFont typeface="Symbol" panose="05050102010706020507" pitchFamily="18" charset="2"/>
-              <a:buChar char="Þ"/>
-            </a:pPr>
-            <a:r>
-              <a:rPr lang="ko-KR" altLang="en-US" dirty="0">
-                <a:solidFill>
-                  <a:srgbClr val="FF0000"/>
-                </a:solidFill>
-              </a:rPr>
-              <a:t>혜령 팀원 담당임</a:t>
-            </a:r>
-            <a:endParaRPr lang="en-US" altLang="ko-KR" dirty="0">
-              <a:solidFill>
-                <a:srgbClr val="FF0000"/>
-              </a:solidFill>
-            </a:endParaRPr>
-          </a:p>
-          <a:p>
-            <a:r>
-              <a:rPr lang="ko-KR" altLang="en-US" dirty="0"/>
-              <a:t>선거 투표용지를 받은 학생이 있을 때 관리자가 선거를 강제종료</a:t>
-            </a:r>
-            <a:endParaRPr lang="en-US" altLang="ko-KR" dirty="0"/>
-          </a:p>
-          <a:p>
-            <a:r>
-              <a:rPr lang="ko-KR" altLang="en-US" dirty="0"/>
-              <a:t>선거에 학생이 투표한 후에 관리자가 선거를 강제종료</a:t>
-            </a:r>
-            <a:endParaRPr lang="en-US" altLang="ko-KR" dirty="0"/>
-          </a:p>
-          <a:p>
-            <a:r>
-              <a:rPr lang="ko-KR" altLang="en-US" dirty="0"/>
-              <a:t>각 단과대별 선거 진행</a:t>
-            </a:r>
-            <a:endParaRPr lang="en-US" altLang="ko-KR" dirty="0"/>
-          </a:p>
-          <a:p>
-            <a:r>
-              <a:rPr lang="ko-KR" altLang="en-US" dirty="0"/>
-              <a:t>총학생회와 </a:t>
-            </a:r>
-            <a:r>
-              <a:rPr lang="ko-KR" altLang="en-US" dirty="0" err="1"/>
-              <a:t>단과대</a:t>
-            </a:r>
-            <a:r>
-              <a:rPr lang="ko-KR" altLang="en-US" dirty="0"/>
-              <a:t> 선거 동시 진행</a:t>
-            </a:r>
-            <a:endParaRPr lang="en-US" altLang="ko-KR" dirty="0"/>
-          </a:p>
-          <a:p>
-            <a:r>
-              <a:rPr lang="ko-KR" altLang="en-US" dirty="0"/>
-              <a:t>보궐 선거 관련</a:t>
-            </a:r>
-            <a:endParaRPr lang="en-US" altLang="ko-KR" dirty="0"/>
-          </a:p>
-          <a:p>
-            <a:r>
-              <a:rPr lang="en-US" altLang="ko-KR" dirty="0"/>
-              <a:t>… </a:t>
-            </a:r>
-            <a:r>
-              <a:rPr lang="ko-KR" altLang="en-US" dirty="0"/>
-              <a:t>등등</a:t>
-            </a:r>
-            <a:endParaRPr lang="en-US" altLang="ko-KR" dirty="0"/>
-          </a:p>
-          <a:p>
-            <a:r>
-              <a:rPr lang="ko-KR" altLang="en-US" b="1" u="sng" dirty="0"/>
-              <a:t>시나리오 아이디어 구함요</a:t>
-            </a:r>
-            <a:r>
-              <a:rPr lang="en-US" altLang="ko-KR" b="1" u="sng" dirty="0"/>
-              <a:t>.</a:t>
-            </a:r>
-          </a:p>
-          <a:p>
-            <a:endParaRPr lang="ko-KR" altLang="en-US" dirty="0"/>
+              <a:rPr lang="en-US" altLang="ko-KR" dirty="0"/>
+              <a:t>World state</a:t>
+            </a:r>
+            <a:r>
+              <a:rPr lang="ko-KR" altLang="en-US" dirty="0"/>
+              <a:t>도 텅 빔</a:t>
+            </a:r>
           </a:p>
         </p:txBody>
       </p:sp>
     </p:spTree>
     <p:extLst>
       <p:ext uri="{BB962C8B-B14F-4D97-AF65-F5344CB8AC3E}">
-        <p14:creationId xmlns:p14="http://schemas.microsoft.com/office/powerpoint/2010/main" val="947573483"/>
+        <p14:creationId xmlns:p14="http://schemas.microsoft.com/office/powerpoint/2010/main" val="3383901774"/>
       </p:ext>
     </p:extLst>
   </p:cSld>
@@ -15772,6 +16156,920 @@
           <p:cNvPr id="2" name="제목 1">
             <a:extLst>
               <a:ext uri="{FF2B5EF4-FFF2-40B4-BE49-F238E27FC236}">
+                <a16:creationId xmlns:a16="http://schemas.microsoft.com/office/drawing/2014/main" id="{CAD2FCD4-6EB5-4AF5-941F-70A6D048BF1D}"/>
+              </a:ext>
+            </a:extLst>
+          </p:cNvPr>
+          <p:cNvSpPr>
+            <a:spLocks noGrp="1"/>
+          </p:cNvSpPr>
+          <p:nvPr>
+            <p:ph type="title"/>
+          </p:nvPr>
+        </p:nvSpPr>
+        <p:spPr/>
+        <p:txBody>
+          <a:bodyPr/>
+          <a:lstStyle/>
+          <a:p>
+            <a:r>
+              <a:rPr lang="ko-KR" altLang="en-US" dirty="0"/>
+              <a:t>시나리오</a:t>
+            </a:r>
+            <a:r>
+              <a:rPr lang="en-US" altLang="ko-KR" dirty="0"/>
+              <a:t>#28 : </a:t>
+            </a:r>
+            <a:r>
+              <a:rPr lang="ko-KR" altLang="en-US" dirty="0"/>
+              <a:t>총학생회와 </a:t>
+            </a:r>
+            <a:r>
+              <a:rPr lang="ko-KR" altLang="en-US" dirty="0" err="1"/>
+              <a:t>단과대</a:t>
+            </a:r>
+            <a:r>
+              <a:rPr lang="en-US" altLang="ko-KR" dirty="0"/>
+              <a:t>(</a:t>
+            </a:r>
+            <a:r>
+              <a:rPr lang="ko-KR" altLang="en-US" dirty="0" err="1"/>
+              <a:t>융공대</a:t>
+            </a:r>
+            <a:r>
+              <a:rPr lang="en-US" altLang="ko-KR" dirty="0"/>
+              <a:t>, </a:t>
+            </a:r>
+            <a:r>
+              <a:rPr lang="ko-KR" altLang="en-US" dirty="0" err="1"/>
+              <a:t>인사대</a:t>
+            </a:r>
+            <a:r>
+              <a:rPr lang="en-US" altLang="ko-KR" dirty="0"/>
+              <a:t>) </a:t>
+            </a:r>
+            <a:r>
+              <a:rPr lang="ko-KR" altLang="en-US" dirty="0"/>
+              <a:t>선거 </a:t>
+            </a:r>
+            <a:r>
+              <a:rPr lang="en-US" altLang="ko-KR" dirty="0"/>
+              <a:t>3</a:t>
+            </a:r>
+            <a:r>
+              <a:rPr lang="ko-KR" altLang="en-US" dirty="0"/>
+              <a:t>개 연속으로 생성</a:t>
+            </a:r>
+          </a:p>
+        </p:txBody>
+      </p:sp>
+      <p:pic>
+        <p:nvPicPr>
+          <p:cNvPr id="5" name="내용 개체 틀 4">
+            <a:extLst>
+              <a:ext uri="{FF2B5EF4-FFF2-40B4-BE49-F238E27FC236}">
+                <a16:creationId xmlns:a16="http://schemas.microsoft.com/office/drawing/2014/main" id="{F87647F6-E45F-4718-AAC5-E52245DF6AFE}"/>
+              </a:ext>
+            </a:extLst>
+          </p:cNvPr>
+          <p:cNvPicPr>
+            <a:picLocks noGrp="1" noChangeAspect="1"/>
+          </p:cNvPicPr>
+          <p:nvPr>
+            <p:ph idx="1"/>
+          </p:nvPr>
+        </p:nvPicPr>
+        <p:blipFill>
+          <a:blip r:embed="rId2"/>
+          <a:stretch>
+            <a:fillRect/>
+          </a:stretch>
+        </p:blipFill>
+        <p:spPr>
+          <a:xfrm>
+            <a:off x="343249" y="2295409"/>
+            <a:ext cx="2609369" cy="4351338"/>
+          </a:xfrm>
+        </p:spPr>
+      </p:pic>
+      <p:sp>
+        <p:nvSpPr>
+          <p:cNvPr id="6" name="TextBox 5">
+            <a:extLst>
+              <a:ext uri="{FF2B5EF4-FFF2-40B4-BE49-F238E27FC236}">
+                <a16:creationId xmlns:a16="http://schemas.microsoft.com/office/drawing/2014/main" id="{575CB972-D733-4226-867D-93EB00B4361C}"/>
+              </a:ext>
+            </a:extLst>
+          </p:cNvPr>
+          <p:cNvSpPr txBox="1"/>
+          <p:nvPr/>
+        </p:nvSpPr>
+        <p:spPr>
+          <a:xfrm>
+            <a:off x="363448" y="1926077"/>
+            <a:ext cx="2589170" cy="369332"/>
+          </a:xfrm>
+          <a:prstGeom prst="rect">
+            <a:avLst/>
+          </a:prstGeom>
+          <a:noFill/>
+        </p:spPr>
+        <p:txBody>
+          <a:bodyPr wrap="none" rtlCol="0">
+            <a:spAutoFit/>
+          </a:bodyPr>
+          <a:lstStyle/>
+          <a:p>
+            <a:r>
+              <a:rPr lang="ko-KR" altLang="en-US" dirty="0"/>
+              <a:t>관리자 선거 관리 화면</a:t>
+            </a:r>
+          </a:p>
+        </p:txBody>
+      </p:sp>
+      <p:pic>
+        <p:nvPicPr>
+          <p:cNvPr id="8" name="그림 7">
+            <a:extLst>
+              <a:ext uri="{FF2B5EF4-FFF2-40B4-BE49-F238E27FC236}">
+                <a16:creationId xmlns:a16="http://schemas.microsoft.com/office/drawing/2014/main" id="{89230490-1ABA-4BC7-8298-A807904A52D9}"/>
+              </a:ext>
+            </a:extLst>
+          </p:cNvPr>
+          <p:cNvPicPr>
+            <a:picLocks noChangeAspect="1"/>
+          </p:cNvPicPr>
+          <p:nvPr/>
+        </p:nvPicPr>
+        <p:blipFill>
+          <a:blip r:embed="rId3"/>
+          <a:stretch>
+            <a:fillRect/>
+          </a:stretch>
+        </p:blipFill>
+        <p:spPr>
+          <a:xfrm>
+            <a:off x="3153299" y="2340575"/>
+            <a:ext cx="2609369" cy="4306172"/>
+          </a:xfrm>
+          <a:prstGeom prst="rect">
+            <a:avLst/>
+          </a:prstGeom>
+        </p:spPr>
+      </p:pic>
+      <p:sp>
+        <p:nvSpPr>
+          <p:cNvPr id="10" name="TextBox 9">
+            <a:extLst>
+              <a:ext uri="{FF2B5EF4-FFF2-40B4-BE49-F238E27FC236}">
+                <a16:creationId xmlns:a16="http://schemas.microsoft.com/office/drawing/2014/main" id="{5F55E87C-6432-4F69-BB1A-4378850DAF46}"/>
+              </a:ext>
+            </a:extLst>
+          </p:cNvPr>
+          <p:cNvSpPr txBox="1"/>
+          <p:nvPr/>
+        </p:nvSpPr>
+        <p:spPr>
+          <a:xfrm>
+            <a:off x="3163398" y="1926077"/>
+            <a:ext cx="2820003" cy="369332"/>
+          </a:xfrm>
+          <a:prstGeom prst="rect">
+            <a:avLst/>
+          </a:prstGeom>
+          <a:noFill/>
+        </p:spPr>
+        <p:txBody>
+          <a:bodyPr wrap="none" rtlCol="0">
+            <a:spAutoFit/>
+          </a:bodyPr>
+          <a:lstStyle/>
+          <a:p>
+            <a:r>
+              <a:rPr lang="ko-KR" altLang="en-US" dirty="0"/>
+              <a:t>관리자 투표율 확인 화면</a:t>
+            </a:r>
+          </a:p>
+        </p:txBody>
+      </p:sp>
+      <p:pic>
+        <p:nvPicPr>
+          <p:cNvPr id="12" name="그림 11">
+            <a:extLst>
+              <a:ext uri="{FF2B5EF4-FFF2-40B4-BE49-F238E27FC236}">
+                <a16:creationId xmlns:a16="http://schemas.microsoft.com/office/drawing/2014/main" id="{30456080-81FC-4A3C-9010-8FEED28101FD}"/>
+              </a:ext>
+            </a:extLst>
+          </p:cNvPr>
+          <p:cNvPicPr>
+            <a:picLocks noChangeAspect="1"/>
+          </p:cNvPicPr>
+          <p:nvPr/>
+        </p:nvPicPr>
+        <p:blipFill>
+          <a:blip r:embed="rId4"/>
+          <a:stretch>
+            <a:fillRect/>
+          </a:stretch>
+        </p:blipFill>
+        <p:spPr>
+          <a:xfrm>
+            <a:off x="5869847" y="2416175"/>
+            <a:ext cx="4495800" cy="4076700"/>
+          </a:xfrm>
+          <a:prstGeom prst="rect">
+            <a:avLst/>
+          </a:prstGeom>
+        </p:spPr>
+      </p:pic>
+      <p:sp>
+        <p:nvSpPr>
+          <p:cNvPr id="13" name="TextBox 12">
+            <a:extLst>
+              <a:ext uri="{FF2B5EF4-FFF2-40B4-BE49-F238E27FC236}">
+                <a16:creationId xmlns:a16="http://schemas.microsoft.com/office/drawing/2014/main" id="{84C7CED8-163B-478C-A003-002C08F0E449}"/>
+              </a:ext>
+            </a:extLst>
+          </p:cNvPr>
+          <p:cNvSpPr txBox="1"/>
+          <p:nvPr/>
+        </p:nvSpPr>
+        <p:spPr>
+          <a:xfrm>
+            <a:off x="10532365" y="2986481"/>
+            <a:ext cx="1316386" cy="3139321"/>
+          </a:xfrm>
+          <a:prstGeom prst="rect">
+            <a:avLst/>
+          </a:prstGeom>
+          <a:noFill/>
+        </p:spPr>
+        <p:txBody>
+          <a:bodyPr wrap="none" rtlCol="0">
+            <a:spAutoFit/>
+          </a:bodyPr>
+          <a:lstStyle/>
+          <a:p>
+            <a:r>
+              <a:rPr lang="ko-KR" altLang="en-US" dirty="0"/>
+              <a:t>총학생회</a:t>
+            </a:r>
+            <a:endParaRPr lang="en-US" altLang="ko-KR" dirty="0"/>
+          </a:p>
+          <a:p>
+            <a:r>
+              <a:rPr lang="ko-KR" altLang="en-US" dirty="0"/>
+              <a:t>후보자 </a:t>
+            </a:r>
+            <a:r>
+              <a:rPr lang="en-US" altLang="ko-KR" dirty="0"/>
+              <a:t>2</a:t>
+            </a:r>
+            <a:r>
+              <a:rPr lang="ko-KR" altLang="en-US" dirty="0"/>
+              <a:t>명</a:t>
+            </a:r>
+            <a:endParaRPr lang="en-US" altLang="ko-KR" dirty="0"/>
+          </a:p>
+          <a:p>
+            <a:r>
+              <a:rPr lang="en-US" altLang="ko-KR" dirty="0"/>
+              <a:t>(4</a:t>
+            </a:r>
+            <a:r>
+              <a:rPr lang="ko-KR" altLang="en-US" dirty="0"/>
+              <a:t>개 </a:t>
+            </a:r>
+            <a:r>
+              <a:rPr lang="en-US" altLang="ko-KR" dirty="0"/>
+              <a:t>Data)</a:t>
+            </a:r>
+          </a:p>
+          <a:p>
+            <a:endParaRPr lang="en-US" altLang="ko-KR" dirty="0"/>
+          </a:p>
+          <a:p>
+            <a:r>
+              <a:rPr lang="ko-KR" altLang="en-US" dirty="0" err="1"/>
+              <a:t>융공대</a:t>
+            </a:r>
+            <a:endParaRPr lang="en-US" altLang="ko-KR" dirty="0"/>
+          </a:p>
+          <a:p>
+            <a:r>
+              <a:rPr lang="ko-KR" altLang="en-US" dirty="0"/>
+              <a:t>후보자 </a:t>
+            </a:r>
+            <a:r>
+              <a:rPr lang="en-US" altLang="ko-KR" dirty="0"/>
+              <a:t>1</a:t>
+            </a:r>
+            <a:r>
+              <a:rPr lang="ko-KR" altLang="en-US" dirty="0"/>
+              <a:t>명</a:t>
+            </a:r>
+            <a:endParaRPr lang="en-US" altLang="ko-KR" dirty="0"/>
+          </a:p>
+          <a:p>
+            <a:r>
+              <a:rPr lang="en-US" altLang="ko-KR" dirty="0"/>
+              <a:t>(3</a:t>
+            </a:r>
+            <a:r>
+              <a:rPr lang="ko-KR" altLang="en-US" dirty="0"/>
+              <a:t>개 </a:t>
+            </a:r>
+            <a:r>
+              <a:rPr lang="en-US" altLang="ko-KR" dirty="0"/>
+              <a:t>Data)</a:t>
+            </a:r>
+          </a:p>
+          <a:p>
+            <a:endParaRPr lang="en-US" altLang="ko-KR" dirty="0"/>
+          </a:p>
+          <a:p>
+            <a:r>
+              <a:rPr lang="ko-KR" altLang="en-US" dirty="0" err="1"/>
+              <a:t>인사대</a:t>
+            </a:r>
+            <a:r>
+              <a:rPr lang="ko-KR" altLang="en-US" dirty="0"/>
+              <a:t> </a:t>
+            </a:r>
+            <a:endParaRPr lang="en-US" altLang="ko-KR" dirty="0"/>
+          </a:p>
+          <a:p>
+            <a:r>
+              <a:rPr lang="ko-KR" altLang="en-US" dirty="0"/>
+              <a:t>후보자 </a:t>
+            </a:r>
+            <a:r>
+              <a:rPr lang="en-US" altLang="ko-KR" dirty="0"/>
+              <a:t>1</a:t>
+            </a:r>
+            <a:r>
+              <a:rPr lang="ko-KR" altLang="en-US" dirty="0"/>
+              <a:t>명</a:t>
+            </a:r>
+            <a:endParaRPr lang="en-US" altLang="ko-KR" dirty="0"/>
+          </a:p>
+          <a:p>
+            <a:r>
+              <a:rPr lang="en-US" altLang="ko-KR" dirty="0"/>
+              <a:t>(3</a:t>
+            </a:r>
+            <a:r>
+              <a:rPr lang="ko-KR" altLang="en-US" dirty="0"/>
+              <a:t>개 </a:t>
+            </a:r>
+            <a:r>
+              <a:rPr lang="en-US" altLang="ko-KR" dirty="0"/>
+              <a:t>Data)</a:t>
+            </a:r>
+          </a:p>
+        </p:txBody>
+      </p:sp>
+    </p:spTree>
+    <p:extLst>
+      <p:ext uri="{BB962C8B-B14F-4D97-AF65-F5344CB8AC3E}">
+        <p14:creationId xmlns:p14="http://schemas.microsoft.com/office/powerpoint/2010/main" val="2334750350"/>
+      </p:ext>
+    </p:extLst>
+  </p:cSld>
+  <p:clrMapOvr>
+    <a:masterClrMapping/>
+  </p:clrMapOvr>
+</p:sld>
+</file>
+
+<file path=ppt/slides/slide54.xml><?xml version="1.0" encoding="utf-8"?>
+<p:sld xmlns:a="http://schemas.openxmlformats.org/drawingml/2006/main" xmlns:r="http://schemas.openxmlformats.org/officeDocument/2006/relationships" xmlns:p="http://schemas.openxmlformats.org/presentationml/2006/main">
+  <p:cSld>
+    <p:spTree>
+      <p:nvGrpSpPr>
+        <p:cNvPr id="1" name=""/>
+        <p:cNvGrpSpPr/>
+        <p:nvPr/>
+      </p:nvGrpSpPr>
+      <p:grpSpPr>
+        <a:xfrm>
+          <a:off x="0" y="0"/>
+          <a:ext cx="0" cy="0"/>
+          <a:chOff x="0" y="0"/>
+          <a:chExt cx="0" cy="0"/>
+        </a:xfrm>
+      </p:grpSpPr>
+      <p:sp>
+        <p:nvSpPr>
+          <p:cNvPr id="2" name="제목 1">
+            <a:extLst>
+              <a:ext uri="{FF2B5EF4-FFF2-40B4-BE49-F238E27FC236}">
+                <a16:creationId xmlns:a16="http://schemas.microsoft.com/office/drawing/2014/main" id="{F59139FD-40D3-450A-8F27-05B3BA0FEB68}"/>
+              </a:ext>
+            </a:extLst>
+          </p:cNvPr>
+          <p:cNvSpPr>
+            <a:spLocks noGrp="1"/>
+          </p:cNvSpPr>
+          <p:nvPr>
+            <p:ph type="title"/>
+          </p:nvPr>
+        </p:nvSpPr>
+        <p:spPr/>
+        <p:txBody>
+          <a:bodyPr>
+            <a:noAutofit/>
+          </a:bodyPr>
+          <a:lstStyle/>
+          <a:p>
+            <a:r>
+              <a:rPr lang="ko-KR" altLang="en-US" sz="3600" dirty="0"/>
+              <a:t>시나리오</a:t>
+            </a:r>
+            <a:r>
+              <a:rPr lang="en-US" altLang="ko-KR" sz="3600" dirty="0"/>
+              <a:t>#29 : </a:t>
+            </a:r>
+            <a:r>
+              <a:rPr lang="ko-KR" altLang="en-US" sz="3600" dirty="0"/>
+              <a:t>총학생회와 </a:t>
+            </a:r>
+            <a:r>
+              <a:rPr lang="ko-KR" altLang="en-US" sz="3600" dirty="0" err="1"/>
+              <a:t>단과대</a:t>
+            </a:r>
+            <a:r>
+              <a:rPr lang="en-US" altLang="ko-KR" sz="3600" dirty="0"/>
+              <a:t>(</a:t>
+            </a:r>
+            <a:r>
+              <a:rPr lang="ko-KR" altLang="en-US" sz="3600" dirty="0" err="1"/>
+              <a:t>융공대</a:t>
+            </a:r>
+            <a:r>
+              <a:rPr lang="en-US" altLang="ko-KR" sz="3600" dirty="0"/>
+              <a:t>, </a:t>
+            </a:r>
+            <a:r>
+              <a:rPr lang="ko-KR" altLang="en-US" sz="3600" dirty="0" err="1"/>
+              <a:t>인사대</a:t>
+            </a:r>
+            <a:r>
+              <a:rPr lang="en-US" altLang="ko-KR" sz="3600" dirty="0"/>
+              <a:t>) </a:t>
+            </a:r>
+            <a:r>
+              <a:rPr lang="ko-KR" altLang="en-US" sz="3600" dirty="0"/>
+              <a:t>선거 존재 시</a:t>
+            </a:r>
+            <a:r>
+              <a:rPr lang="en-US" altLang="ko-KR" sz="3600" dirty="0"/>
+              <a:t>, </a:t>
+            </a:r>
+            <a:r>
+              <a:rPr lang="ko-KR" altLang="en-US" sz="3600" dirty="0"/>
+              <a:t>학생</a:t>
+            </a:r>
+            <a:r>
+              <a:rPr lang="en-US" altLang="ko-KR" sz="3600" dirty="0"/>
+              <a:t>2(</a:t>
+            </a:r>
+            <a:r>
+              <a:rPr lang="ko-KR" altLang="en-US" sz="3600" dirty="0" err="1"/>
+              <a:t>융공대</a:t>
+            </a:r>
+            <a:r>
+              <a:rPr lang="en-US" altLang="ko-KR" sz="3600" dirty="0"/>
+              <a:t>)</a:t>
+            </a:r>
+            <a:r>
+              <a:rPr lang="ko-KR" altLang="en-US" sz="3600" dirty="0"/>
+              <a:t>가 </a:t>
+            </a:r>
+            <a:r>
+              <a:rPr lang="en-US" altLang="ko-KR" sz="3600" dirty="0"/>
+              <a:t>[</a:t>
+            </a:r>
+            <a:r>
+              <a:rPr lang="ko-KR" altLang="en-US" sz="3600" dirty="0"/>
+              <a:t>투표하기</a:t>
+            </a:r>
+            <a:r>
+              <a:rPr lang="en-US" altLang="ko-KR" sz="3600" dirty="0"/>
+              <a:t>]</a:t>
+            </a:r>
+            <a:endParaRPr lang="ko-KR" altLang="en-US" sz="3600" dirty="0"/>
+          </a:p>
+        </p:txBody>
+      </p:sp>
+      <p:sp>
+        <p:nvSpPr>
+          <p:cNvPr id="3" name="내용 개체 틀 2">
+            <a:extLst>
+              <a:ext uri="{FF2B5EF4-FFF2-40B4-BE49-F238E27FC236}">
+                <a16:creationId xmlns:a16="http://schemas.microsoft.com/office/drawing/2014/main" id="{A8554417-6B0B-4480-B607-7D0BFE36F513}"/>
+              </a:ext>
+            </a:extLst>
+          </p:cNvPr>
+          <p:cNvSpPr>
+            <a:spLocks noGrp="1"/>
+          </p:cNvSpPr>
+          <p:nvPr>
+            <p:ph idx="1"/>
+          </p:nvPr>
+        </p:nvSpPr>
+        <p:spPr/>
+        <p:txBody>
+          <a:bodyPr/>
+          <a:lstStyle/>
+          <a:p>
+            <a:endParaRPr lang="ko-KR" altLang="en-US" dirty="0"/>
+          </a:p>
+        </p:txBody>
+      </p:sp>
+    </p:spTree>
+    <p:extLst>
+      <p:ext uri="{BB962C8B-B14F-4D97-AF65-F5344CB8AC3E}">
+        <p14:creationId xmlns:p14="http://schemas.microsoft.com/office/powerpoint/2010/main" val="2565832676"/>
+      </p:ext>
+    </p:extLst>
+  </p:cSld>
+  <p:clrMapOvr>
+    <a:masterClrMapping/>
+  </p:clrMapOvr>
+</p:sld>
+</file>
+
+<file path=ppt/slides/slide55.xml><?xml version="1.0" encoding="utf-8"?>
+<p:sld xmlns:a="http://schemas.openxmlformats.org/drawingml/2006/main" xmlns:r="http://schemas.openxmlformats.org/officeDocument/2006/relationships" xmlns:p="http://schemas.openxmlformats.org/presentationml/2006/main">
+  <p:cSld>
+    <p:spTree>
+      <p:nvGrpSpPr>
+        <p:cNvPr id="1" name=""/>
+        <p:cNvGrpSpPr/>
+        <p:nvPr/>
+      </p:nvGrpSpPr>
+      <p:grpSpPr>
+        <a:xfrm>
+          <a:off x="0" y="0"/>
+          <a:ext cx="0" cy="0"/>
+          <a:chOff x="0" y="0"/>
+          <a:chExt cx="0" cy="0"/>
+        </a:xfrm>
+      </p:grpSpPr>
+      <p:sp>
+        <p:nvSpPr>
+          <p:cNvPr id="2" name="제목 1">
+            <a:extLst>
+              <a:ext uri="{FF2B5EF4-FFF2-40B4-BE49-F238E27FC236}">
+                <a16:creationId xmlns:a16="http://schemas.microsoft.com/office/drawing/2014/main" id="{493BC712-AB7D-4429-8768-D21C67A95AD8}"/>
+              </a:ext>
+            </a:extLst>
+          </p:cNvPr>
+          <p:cNvSpPr>
+            <a:spLocks noGrp="1"/>
+          </p:cNvSpPr>
+          <p:nvPr>
+            <p:ph type="title"/>
+          </p:nvPr>
+        </p:nvSpPr>
+        <p:spPr/>
+        <p:txBody>
+          <a:bodyPr/>
+          <a:lstStyle/>
+          <a:p>
+            <a:r>
+              <a:rPr lang="ko-KR" altLang="en-US" dirty="0"/>
+              <a:t>시나리오</a:t>
+            </a:r>
+            <a:r>
+              <a:rPr lang="en-US" altLang="ko-KR" dirty="0"/>
+              <a:t>#?? : ??</a:t>
+            </a:r>
+            <a:endParaRPr lang="ko-KR" altLang="en-US" dirty="0"/>
+          </a:p>
+        </p:txBody>
+      </p:sp>
+      <p:sp>
+        <p:nvSpPr>
+          <p:cNvPr id="3" name="내용 개체 틀 2">
+            <a:extLst>
+              <a:ext uri="{FF2B5EF4-FFF2-40B4-BE49-F238E27FC236}">
+                <a16:creationId xmlns:a16="http://schemas.microsoft.com/office/drawing/2014/main" id="{E8F6A650-B3AB-46F8-A94D-3A6BD423C094}"/>
+              </a:ext>
+            </a:extLst>
+          </p:cNvPr>
+          <p:cNvSpPr>
+            <a:spLocks noGrp="1"/>
+          </p:cNvSpPr>
+          <p:nvPr>
+            <p:ph idx="1"/>
+          </p:nvPr>
+        </p:nvSpPr>
+        <p:spPr/>
+        <p:txBody>
+          <a:bodyPr/>
+          <a:lstStyle/>
+          <a:p>
+            <a:r>
+              <a:rPr lang="ko-KR" altLang="en-US" dirty="0" err="1"/>
+              <a:t>작성하여주십시오</a:t>
+            </a:r>
+            <a:r>
+              <a:rPr lang="en-US" altLang="ko-KR" dirty="0"/>
+              <a:t>.</a:t>
+            </a:r>
+            <a:endParaRPr lang="ko-KR" altLang="en-US" dirty="0"/>
+          </a:p>
+        </p:txBody>
+      </p:sp>
+    </p:spTree>
+    <p:extLst>
+      <p:ext uri="{BB962C8B-B14F-4D97-AF65-F5344CB8AC3E}">
+        <p14:creationId xmlns:p14="http://schemas.microsoft.com/office/powerpoint/2010/main" val="3822181132"/>
+      </p:ext>
+    </p:extLst>
+  </p:cSld>
+  <p:clrMapOvr>
+    <a:masterClrMapping/>
+  </p:clrMapOvr>
+</p:sld>
+</file>
+
+<file path=ppt/slides/slide56.xml><?xml version="1.0" encoding="utf-8"?>
+<p:sld xmlns:a="http://schemas.openxmlformats.org/drawingml/2006/main" xmlns:r="http://schemas.openxmlformats.org/officeDocument/2006/relationships" xmlns:p="http://schemas.openxmlformats.org/presentationml/2006/main">
+  <p:cSld>
+    <p:spTree>
+      <p:nvGrpSpPr>
+        <p:cNvPr id="1" name=""/>
+        <p:cNvGrpSpPr/>
+        <p:nvPr/>
+      </p:nvGrpSpPr>
+      <p:grpSpPr>
+        <a:xfrm>
+          <a:off x="0" y="0"/>
+          <a:ext cx="0" cy="0"/>
+          <a:chOff x="0" y="0"/>
+          <a:chExt cx="0" cy="0"/>
+        </a:xfrm>
+      </p:grpSpPr>
+      <p:sp>
+        <p:nvSpPr>
+          <p:cNvPr id="2" name="제목 1">
+            <a:extLst>
+              <a:ext uri="{FF2B5EF4-FFF2-40B4-BE49-F238E27FC236}">
+                <a16:creationId xmlns:a16="http://schemas.microsoft.com/office/drawing/2014/main" id="{065E134B-6B70-4C74-B101-F996ADEBB5AB}"/>
+              </a:ext>
+            </a:extLst>
+          </p:cNvPr>
+          <p:cNvSpPr>
+            <a:spLocks noGrp="1"/>
+          </p:cNvSpPr>
+          <p:nvPr>
+            <p:ph type="ctrTitle"/>
+          </p:nvPr>
+        </p:nvSpPr>
+        <p:spPr/>
+        <p:txBody>
+          <a:bodyPr/>
+          <a:lstStyle/>
+          <a:p>
+            <a:r>
+              <a:rPr lang="ko-KR" altLang="en-US" dirty="0" err="1"/>
+              <a:t>미시행</a:t>
+            </a:r>
+            <a:r>
+              <a:rPr lang="ko-KR" altLang="en-US" dirty="0"/>
+              <a:t> 시나리오 목록</a:t>
+            </a:r>
+          </a:p>
+        </p:txBody>
+      </p:sp>
+    </p:spTree>
+    <p:extLst>
+      <p:ext uri="{BB962C8B-B14F-4D97-AF65-F5344CB8AC3E}">
+        <p14:creationId xmlns:p14="http://schemas.microsoft.com/office/powerpoint/2010/main" val="2125819996"/>
+      </p:ext>
+    </p:extLst>
+  </p:cSld>
+  <p:clrMapOvr>
+    <a:masterClrMapping/>
+  </p:clrMapOvr>
+</p:sld>
+</file>
+
+<file path=ppt/slides/slide57.xml><?xml version="1.0" encoding="utf-8"?>
+<p:sld xmlns:a="http://schemas.openxmlformats.org/drawingml/2006/main" xmlns:r="http://schemas.openxmlformats.org/officeDocument/2006/relationships" xmlns:p="http://schemas.openxmlformats.org/presentationml/2006/main">
+  <p:cSld>
+    <p:spTree>
+      <p:nvGrpSpPr>
+        <p:cNvPr id="1" name=""/>
+        <p:cNvGrpSpPr/>
+        <p:nvPr/>
+      </p:nvGrpSpPr>
+      <p:grpSpPr>
+        <a:xfrm>
+          <a:off x="0" y="0"/>
+          <a:ext cx="0" cy="0"/>
+          <a:chOff x="0" y="0"/>
+          <a:chExt cx="0" cy="0"/>
+        </a:xfrm>
+      </p:grpSpPr>
+      <p:sp>
+        <p:nvSpPr>
+          <p:cNvPr id="2" name="제목 1">
+            <a:extLst>
+              <a:ext uri="{FF2B5EF4-FFF2-40B4-BE49-F238E27FC236}">
+                <a16:creationId xmlns:a16="http://schemas.microsoft.com/office/drawing/2014/main" id="{90807F92-7D9D-40AD-BD42-987064ADE3A3}"/>
+              </a:ext>
+            </a:extLst>
+          </p:cNvPr>
+          <p:cNvSpPr>
+            <a:spLocks noGrp="1"/>
+          </p:cNvSpPr>
+          <p:nvPr>
+            <p:ph type="title"/>
+          </p:nvPr>
+        </p:nvSpPr>
+        <p:spPr/>
+        <p:txBody>
+          <a:bodyPr/>
+          <a:lstStyle/>
+          <a:p>
+            <a:r>
+              <a:rPr lang="ko-KR" altLang="en-US" dirty="0" err="1"/>
+              <a:t>미시행</a:t>
+            </a:r>
+            <a:r>
+              <a:rPr lang="ko-KR" altLang="en-US" dirty="0"/>
+              <a:t> 시나리오 목록</a:t>
+            </a:r>
+          </a:p>
+        </p:txBody>
+      </p:sp>
+      <p:sp>
+        <p:nvSpPr>
+          <p:cNvPr id="3" name="내용 개체 틀 2">
+            <a:extLst>
+              <a:ext uri="{FF2B5EF4-FFF2-40B4-BE49-F238E27FC236}">
+                <a16:creationId xmlns:a16="http://schemas.microsoft.com/office/drawing/2014/main" id="{715E2CC5-4E5B-4624-A6DF-7FBBE383F416}"/>
+              </a:ext>
+            </a:extLst>
+          </p:cNvPr>
+          <p:cNvSpPr>
+            <a:spLocks noGrp="1"/>
+          </p:cNvSpPr>
+          <p:nvPr>
+            <p:ph idx="1"/>
+          </p:nvPr>
+        </p:nvSpPr>
+        <p:spPr/>
+        <p:txBody>
+          <a:bodyPr>
+            <a:normAutofit fontScale="92500"/>
+          </a:bodyPr>
+          <a:lstStyle/>
+          <a:p>
+            <a:r>
+              <a:rPr lang="ko-KR" altLang="en-US" dirty="0">
+                <a:solidFill>
+                  <a:srgbClr val="FF0000"/>
+                </a:solidFill>
+              </a:rPr>
+              <a:t>선거 결과 확인에 대한 시나리오는 준비하지 않음</a:t>
+            </a:r>
+            <a:r>
+              <a:rPr lang="en-US" altLang="ko-KR" dirty="0">
+                <a:solidFill>
+                  <a:srgbClr val="FF0000"/>
+                </a:solidFill>
+              </a:rPr>
+              <a:t>.</a:t>
+            </a:r>
+          </a:p>
+          <a:p>
+            <a:pPr>
+              <a:buFont typeface="Symbol" panose="05050102010706020507" pitchFamily="18" charset="2"/>
+              <a:buChar char="Þ"/>
+            </a:pPr>
+            <a:r>
+              <a:rPr lang="ko-KR" altLang="en-US" dirty="0">
+                <a:solidFill>
+                  <a:srgbClr val="FF0000"/>
+                </a:solidFill>
+              </a:rPr>
+              <a:t>혜령 팀원 담당임</a:t>
+            </a:r>
+            <a:endParaRPr lang="en-US" altLang="ko-KR" dirty="0">
+              <a:solidFill>
+                <a:srgbClr val="FF0000"/>
+              </a:solidFill>
+            </a:endParaRPr>
+          </a:p>
+          <a:p>
+            <a:r>
+              <a:rPr lang="ko-KR" altLang="en-US" dirty="0"/>
+              <a:t>선거 투표용지를 받은 학생이 있을 때 관리자가 선거를 강제종료</a:t>
+            </a:r>
+            <a:endParaRPr lang="en-US" altLang="ko-KR" dirty="0"/>
+          </a:p>
+          <a:p>
+            <a:r>
+              <a:rPr lang="ko-KR" altLang="en-US" dirty="0"/>
+              <a:t>선거에 학생이 투표한 후에 관리자가 선거를 강제종료</a:t>
+            </a:r>
+            <a:endParaRPr lang="en-US" altLang="ko-KR" dirty="0"/>
+          </a:p>
+          <a:p>
+            <a:r>
+              <a:rPr lang="ko-KR" altLang="en-US" dirty="0"/>
+              <a:t>각 단과대별 선거 진행</a:t>
+            </a:r>
+            <a:endParaRPr lang="en-US" altLang="ko-KR" dirty="0"/>
+          </a:p>
+          <a:p>
+            <a:r>
+              <a:rPr lang="ko-KR" altLang="en-US" dirty="0"/>
+              <a:t>총학생회와 </a:t>
+            </a:r>
+            <a:r>
+              <a:rPr lang="ko-KR" altLang="en-US" dirty="0" err="1"/>
+              <a:t>단과대</a:t>
+            </a:r>
+            <a:r>
+              <a:rPr lang="ko-KR" altLang="en-US" dirty="0"/>
+              <a:t> 선거 동시 진행</a:t>
+            </a:r>
+            <a:endParaRPr lang="en-US" altLang="ko-KR" dirty="0"/>
+          </a:p>
+          <a:p>
+            <a:r>
+              <a:rPr lang="ko-KR" altLang="en-US" dirty="0"/>
+              <a:t>보궐 선거 관련</a:t>
+            </a:r>
+            <a:endParaRPr lang="en-US" altLang="ko-KR" dirty="0"/>
+          </a:p>
+          <a:p>
+            <a:r>
+              <a:rPr lang="en-US" altLang="ko-KR" dirty="0"/>
+              <a:t>… </a:t>
+            </a:r>
+            <a:r>
+              <a:rPr lang="ko-KR" altLang="en-US" dirty="0"/>
+              <a:t>등등</a:t>
+            </a:r>
+            <a:endParaRPr lang="en-US" altLang="ko-KR" dirty="0"/>
+          </a:p>
+          <a:p>
+            <a:r>
+              <a:rPr lang="ko-KR" altLang="en-US" b="1" u="sng" dirty="0"/>
+              <a:t>시나리오 아이디어 구함요</a:t>
+            </a:r>
+            <a:r>
+              <a:rPr lang="en-US" altLang="ko-KR" b="1" u="sng" dirty="0"/>
+              <a:t>.</a:t>
+            </a:r>
+          </a:p>
+          <a:p>
+            <a:endParaRPr lang="ko-KR" altLang="en-US" dirty="0"/>
+          </a:p>
+        </p:txBody>
+      </p:sp>
+    </p:spTree>
+    <p:extLst>
+      <p:ext uri="{BB962C8B-B14F-4D97-AF65-F5344CB8AC3E}">
+        <p14:creationId xmlns:p14="http://schemas.microsoft.com/office/powerpoint/2010/main" val="947573483"/>
+      </p:ext>
+    </p:extLst>
+  </p:cSld>
+  <p:clrMapOvr>
+    <a:masterClrMapping/>
+  </p:clrMapOvr>
+</p:sld>
+</file>
+
+<file path=ppt/slides/slide58.xml><?xml version="1.0" encoding="utf-8"?>
+<p:sld xmlns:a="http://schemas.openxmlformats.org/drawingml/2006/main" xmlns:r="http://schemas.openxmlformats.org/officeDocument/2006/relationships" xmlns:p="http://schemas.openxmlformats.org/presentationml/2006/main">
+  <p:cSld>
+    <p:spTree>
+      <p:nvGrpSpPr>
+        <p:cNvPr id="1" name=""/>
+        <p:cNvGrpSpPr/>
+        <p:nvPr/>
+      </p:nvGrpSpPr>
+      <p:grpSpPr>
+        <a:xfrm>
+          <a:off x="0" y="0"/>
+          <a:ext cx="0" cy="0"/>
+          <a:chOff x="0" y="0"/>
+          <a:chExt cx="0" cy="0"/>
+        </a:xfrm>
+      </p:grpSpPr>
+      <p:sp>
+        <p:nvSpPr>
+          <p:cNvPr id="2" name="제목 1">
+            <a:extLst>
+              <a:ext uri="{FF2B5EF4-FFF2-40B4-BE49-F238E27FC236}">
                 <a16:creationId xmlns:a16="http://schemas.microsoft.com/office/drawing/2014/main" id="{065E134B-6B70-4C74-B101-F996ADEBB5AB}"/>
               </a:ext>
             </a:extLst>
@@ -15808,7 +17106,7 @@
 </p:sld>
 </file>
 
-<file path=ppt/slides/slide54.xml><?xml version="1.0" encoding="utf-8"?>
+<file path=ppt/slides/slide59.xml><?xml version="1.0" encoding="utf-8"?>
 <p:sld xmlns:a="http://schemas.openxmlformats.org/drawingml/2006/main" xmlns:r="http://schemas.openxmlformats.org/officeDocument/2006/relationships" xmlns:p="http://schemas.openxmlformats.org/presentationml/2006/main">
   <p:cSld>
     <p:spTree>

--- a/Document/Testcase/Testcase #1.pptx
+++ b/Document/Testcase/Testcase #1.pptx
@@ -59,11 +59,13 @@
     <p:sldId id="313" r:id="rId53"/>
     <p:sldId id="314" r:id="rId54"/>
     <p:sldId id="315" r:id="rId55"/>
-    <p:sldId id="299" r:id="rId56"/>
-    <p:sldId id="290" r:id="rId57"/>
-    <p:sldId id="280" r:id="rId58"/>
-    <p:sldId id="295" r:id="rId59"/>
-    <p:sldId id="294" r:id="rId60"/>
+    <p:sldId id="316" r:id="rId56"/>
+    <p:sldId id="317" r:id="rId57"/>
+    <p:sldId id="299" r:id="rId58"/>
+    <p:sldId id="290" r:id="rId59"/>
+    <p:sldId id="280" r:id="rId60"/>
+    <p:sldId id="295" r:id="rId61"/>
+    <p:sldId id="294" r:id="rId62"/>
   </p:sldIdLst>
   <p:sldSz cx="12192000" cy="6858000"/>
   <p:notesSz cx="6858000" cy="9144000"/>
@@ -10164,7 +10166,7 @@
             </a:r>
             <a:r>
               <a:rPr lang="en-US" altLang="ko-KR" dirty="0"/>
-              <a:t> 1.0.34</a:t>
+              <a:t> 1.0.34~1.0.36</a:t>
             </a:r>
           </a:p>
           <a:p>
@@ -16662,27 +16664,311 @@
           </a:p>
         </p:txBody>
       </p:sp>
-      <p:sp>
-        <p:nvSpPr>
-          <p:cNvPr id="3" name="내용 개체 틀 2">
-            <a:extLst>
-              <a:ext uri="{FF2B5EF4-FFF2-40B4-BE49-F238E27FC236}">
-                <a16:creationId xmlns:a16="http://schemas.microsoft.com/office/drawing/2014/main" id="{A8554417-6B0B-4480-B607-7D0BFE36F513}"/>
-              </a:ext>
-            </a:extLst>
-          </p:cNvPr>
-          <p:cNvSpPr>
-            <a:spLocks noGrp="1"/>
-          </p:cNvSpPr>
+      <p:pic>
+        <p:nvPicPr>
+          <p:cNvPr id="5" name="내용 개체 틀 4">
+            <a:extLst>
+              <a:ext uri="{FF2B5EF4-FFF2-40B4-BE49-F238E27FC236}">
+                <a16:creationId xmlns:a16="http://schemas.microsoft.com/office/drawing/2014/main" id="{BD34CE00-DA40-4466-ACC9-8679BC8A8BE7}"/>
+              </a:ext>
+            </a:extLst>
+          </p:cNvPr>
+          <p:cNvPicPr>
+            <a:picLocks noGrp="1" noChangeAspect="1"/>
+          </p:cNvPicPr>
           <p:nvPr>
             <p:ph idx="1"/>
           </p:nvPr>
-        </p:nvSpPr>
-        <p:spPr/>
-        <p:txBody>
-          <a:bodyPr/>
-          <a:lstStyle/>
-          <a:p>
+        </p:nvPicPr>
+        <p:blipFill>
+          <a:blip r:embed="rId2"/>
+          <a:stretch>
+            <a:fillRect/>
+          </a:stretch>
+        </p:blipFill>
+        <p:spPr>
+          <a:xfrm>
+            <a:off x="0" y="2506662"/>
+            <a:ext cx="5019217" cy="4351338"/>
+          </a:xfrm>
+        </p:spPr>
+      </p:pic>
+      <p:sp>
+        <p:nvSpPr>
+          <p:cNvPr id="6" name="TextBox 5">
+            <a:extLst>
+              <a:ext uri="{FF2B5EF4-FFF2-40B4-BE49-F238E27FC236}">
+                <a16:creationId xmlns:a16="http://schemas.microsoft.com/office/drawing/2014/main" id="{5EE0DEB7-B240-40DA-BB0B-2F2701909DC0}"/>
+              </a:ext>
+            </a:extLst>
+          </p:cNvPr>
+          <p:cNvSpPr txBox="1"/>
+          <p:nvPr/>
+        </p:nvSpPr>
+        <p:spPr>
+          <a:xfrm>
+            <a:off x="-67113" y="1498511"/>
+            <a:ext cx="5708614" cy="1200329"/>
+          </a:xfrm>
+          <a:prstGeom prst="rect">
+            <a:avLst/>
+          </a:prstGeom>
+          <a:noFill/>
+        </p:spPr>
+        <p:txBody>
+          <a:bodyPr wrap="none" rtlCol="0">
+            <a:spAutoFit/>
+          </a:bodyPr>
+          <a:lstStyle/>
+          <a:p>
+            <a:r>
+              <a:rPr lang="en-US" altLang="ko-KR" dirty="0"/>
+              <a:t>Problem : </a:t>
+            </a:r>
+          </a:p>
+          <a:p>
+            <a:r>
+              <a:rPr lang="ko-KR" altLang="en-US" dirty="0"/>
+              <a:t>학생</a:t>
+            </a:r>
+            <a:r>
+              <a:rPr lang="en-US" altLang="ko-KR" dirty="0"/>
+              <a:t>2</a:t>
+            </a:r>
+            <a:r>
+              <a:rPr lang="ko-KR" altLang="en-US" dirty="0"/>
+              <a:t>가 총학생회 선거 끝나고 이어서 </a:t>
+            </a:r>
+            <a:r>
+              <a:rPr lang="ko-KR" altLang="en-US" dirty="0" err="1"/>
+              <a:t>단과대</a:t>
+            </a:r>
+            <a:r>
+              <a:rPr lang="en-US" altLang="ko-KR" dirty="0"/>
+              <a:t>(</a:t>
+            </a:r>
+            <a:r>
+              <a:rPr lang="ko-KR" altLang="en-US" dirty="0" err="1"/>
+              <a:t>융공대</a:t>
+            </a:r>
+            <a:r>
+              <a:rPr lang="en-US" altLang="ko-KR" dirty="0"/>
+              <a:t>)</a:t>
+            </a:r>
+          </a:p>
+          <a:p>
+            <a:r>
+              <a:rPr lang="ko-KR" altLang="en-US" dirty="0"/>
+              <a:t>선거 진행 시 </a:t>
+            </a:r>
+            <a:r>
+              <a:rPr lang="en-US" altLang="ko-KR" dirty="0"/>
+              <a:t>Error</a:t>
+            </a:r>
+            <a:r>
+              <a:rPr lang="ko-KR" altLang="en-US" dirty="0"/>
+              <a:t>가 발생됨</a:t>
+            </a:r>
+            <a:r>
+              <a:rPr lang="en-US" altLang="ko-KR" dirty="0"/>
+              <a:t>.</a:t>
+            </a:r>
+          </a:p>
+          <a:p>
+            <a:endParaRPr lang="ko-KR" altLang="en-US" dirty="0"/>
+          </a:p>
+        </p:txBody>
+      </p:sp>
+      <p:pic>
+        <p:nvPicPr>
+          <p:cNvPr id="8" name="그림 7">
+            <a:extLst>
+              <a:ext uri="{FF2B5EF4-FFF2-40B4-BE49-F238E27FC236}">
+                <a16:creationId xmlns:a16="http://schemas.microsoft.com/office/drawing/2014/main" id="{A5C62A33-CE31-4FAE-8C11-F9A746DED531}"/>
+              </a:ext>
+            </a:extLst>
+          </p:cNvPr>
+          <p:cNvPicPr>
+            <a:picLocks noChangeAspect="1"/>
+          </p:cNvPicPr>
+          <p:nvPr/>
+        </p:nvPicPr>
+        <p:blipFill>
+          <a:blip r:embed="rId3"/>
+          <a:stretch>
+            <a:fillRect/>
+          </a:stretch>
+        </p:blipFill>
+        <p:spPr>
+          <a:xfrm>
+            <a:off x="5917036" y="3197517"/>
+            <a:ext cx="5934075" cy="3600450"/>
+          </a:xfrm>
+          <a:prstGeom prst="rect">
+            <a:avLst/>
+          </a:prstGeom>
+        </p:spPr>
+      </p:pic>
+      <p:sp>
+        <p:nvSpPr>
+          <p:cNvPr id="9" name="TextBox 8">
+            <a:extLst>
+              <a:ext uri="{FF2B5EF4-FFF2-40B4-BE49-F238E27FC236}">
+                <a16:creationId xmlns:a16="http://schemas.microsoft.com/office/drawing/2014/main" id="{7D92755A-9EF6-4159-8919-8AD8F57B44D3}"/>
+              </a:ext>
+            </a:extLst>
+          </p:cNvPr>
+          <p:cNvSpPr txBox="1"/>
+          <p:nvPr/>
+        </p:nvSpPr>
+        <p:spPr>
+          <a:xfrm>
+            <a:off x="5917036" y="2299735"/>
+            <a:ext cx="5496698" cy="646331"/>
+          </a:xfrm>
+          <a:prstGeom prst="rect">
+            <a:avLst/>
+          </a:prstGeom>
+          <a:noFill/>
+        </p:spPr>
+        <p:txBody>
+          <a:bodyPr wrap="none" rtlCol="0">
+            <a:spAutoFit/>
+          </a:bodyPr>
+          <a:lstStyle/>
+          <a:p>
+            <a:r>
+              <a:rPr lang="en-US" altLang="ko-KR" dirty="0"/>
+              <a:t>(Fixed at </a:t>
+            </a:r>
+            <a:r>
+              <a:rPr lang="en-US" altLang="ko-KR" sz="1800" b="0" i="0" u="none" strike="noStrike" baseline="0" dirty="0">
+                <a:solidFill>
+                  <a:srgbClr val="333333"/>
+                </a:solidFill>
+                <a:latin typeface="Verdana" panose="020B0604030504040204" pitchFamily="34" charset="0"/>
+              </a:rPr>
+              <a:t>2020</a:t>
+            </a:r>
+            <a:r>
+              <a:rPr lang="ko-KR" altLang="en-US" sz="1800" b="0" i="0" u="none" strike="noStrike" baseline="0" dirty="0">
+                <a:solidFill>
+                  <a:srgbClr val="333333"/>
+                </a:solidFill>
+                <a:latin typeface="Verdana" panose="020B0604030504040204" pitchFamily="34" charset="0"/>
+              </a:rPr>
+              <a:t>년</a:t>
+            </a:r>
+            <a:r>
+              <a:rPr lang="en-US" altLang="ko-KR" sz="1800" b="0" i="0" u="none" strike="noStrike" baseline="0" dirty="0">
+                <a:solidFill>
+                  <a:srgbClr val="333333"/>
+                </a:solidFill>
+                <a:latin typeface="Verdana" panose="020B0604030504040204" pitchFamily="34" charset="0"/>
+              </a:rPr>
+              <a:t> 8</a:t>
+            </a:r>
+            <a:r>
+              <a:rPr lang="ko-KR" altLang="en-US" sz="1800" b="0" i="0" u="none" strike="noStrike" baseline="0" dirty="0">
+                <a:solidFill>
+                  <a:srgbClr val="333333"/>
+                </a:solidFill>
+                <a:latin typeface="Verdana" panose="020B0604030504040204" pitchFamily="34" charset="0"/>
+              </a:rPr>
+              <a:t>월</a:t>
+            </a:r>
+            <a:r>
+              <a:rPr lang="en-US" altLang="ko-KR" sz="1800" b="0" i="0" u="none" strike="noStrike" baseline="0" dirty="0">
+                <a:solidFill>
+                  <a:srgbClr val="333333"/>
+                </a:solidFill>
+                <a:latin typeface="Verdana" panose="020B0604030504040204" pitchFamily="34" charset="0"/>
+              </a:rPr>
+              <a:t> 19</a:t>
+            </a:r>
+            <a:r>
+              <a:rPr lang="ko-KR" altLang="en-US" sz="1800" b="0" i="0" u="none" strike="noStrike" baseline="0" dirty="0">
+                <a:solidFill>
+                  <a:srgbClr val="333333"/>
+                </a:solidFill>
+                <a:latin typeface="Verdana" panose="020B0604030504040204" pitchFamily="34" charset="0"/>
+              </a:rPr>
+              <a:t>일</a:t>
+            </a:r>
+            <a:r>
+              <a:rPr lang="en-US" altLang="ko-KR" sz="1800" b="0" i="0" u="none" strike="noStrike" baseline="0" dirty="0">
+                <a:solidFill>
+                  <a:srgbClr val="333333"/>
+                </a:solidFill>
+                <a:latin typeface="Verdana" panose="020B0604030504040204" pitchFamily="34" charset="0"/>
+              </a:rPr>
+              <a:t> </a:t>
+            </a:r>
+            <a:r>
+              <a:rPr lang="ko-KR" altLang="en-US" sz="1800" b="0" i="0" u="none" strike="noStrike" baseline="0" dirty="0">
+                <a:solidFill>
+                  <a:srgbClr val="333333"/>
+                </a:solidFill>
+                <a:latin typeface="Verdana" panose="020B0604030504040204" pitchFamily="34" charset="0"/>
+              </a:rPr>
+              <a:t>수요일</a:t>
+            </a:r>
+            <a:r>
+              <a:rPr lang="en-US" altLang="ko-KR" sz="1800" b="0" i="0" u="none" strike="noStrike" baseline="0" dirty="0">
+                <a:solidFill>
+                  <a:srgbClr val="333333"/>
+                </a:solidFill>
+                <a:latin typeface="Verdana" panose="020B0604030504040204" pitchFamily="34" charset="0"/>
+              </a:rPr>
+              <a:t> </a:t>
+            </a:r>
+            <a:r>
+              <a:rPr lang="ko-KR" altLang="en-US" sz="1800" b="0" i="0" u="none" strike="noStrike" baseline="0" dirty="0">
+                <a:solidFill>
+                  <a:srgbClr val="333333"/>
+                </a:solidFill>
+                <a:latin typeface="Verdana" panose="020B0604030504040204" pitchFamily="34" charset="0"/>
+              </a:rPr>
+              <a:t>오전</a:t>
+            </a:r>
+            <a:r>
+              <a:rPr lang="en-US" altLang="ko-KR" sz="1800" b="0" i="0" u="none" strike="noStrike" baseline="0" dirty="0">
+                <a:solidFill>
+                  <a:srgbClr val="333333"/>
+                </a:solidFill>
+                <a:latin typeface="Verdana" panose="020B0604030504040204" pitchFamily="34" charset="0"/>
+              </a:rPr>
+              <a:t> 1:39:02)</a:t>
+            </a:r>
+          </a:p>
+          <a:p>
+            <a:r>
+              <a:rPr lang="ko-KR" altLang="en-US" dirty="0">
+                <a:solidFill>
+                  <a:srgbClr val="333333"/>
+                </a:solidFill>
+                <a:latin typeface="Verdana" panose="020B0604030504040204" pitchFamily="34" charset="0"/>
+              </a:rPr>
+              <a:t>아래는 투표 성공한 </a:t>
+            </a:r>
+            <a:r>
+              <a:rPr lang="en-US" altLang="ko-KR" dirty="0">
+                <a:solidFill>
+                  <a:srgbClr val="333333"/>
+                </a:solidFill>
+                <a:latin typeface="Verdana" panose="020B0604030504040204" pitchFamily="34" charset="0"/>
+              </a:rPr>
+              <a:t>world state</a:t>
+            </a:r>
+            <a:r>
+              <a:rPr lang="ko-KR" altLang="en-US" dirty="0">
+                <a:solidFill>
+                  <a:srgbClr val="333333"/>
+                </a:solidFill>
+                <a:latin typeface="Verdana" panose="020B0604030504040204" pitchFamily="34" charset="0"/>
+              </a:rPr>
+              <a:t>임</a:t>
+            </a:r>
             <a:endParaRPr lang="ko-KR" altLang="en-US" dirty="0"/>
           </a:p>
         </p:txBody>
@@ -16722,7 +17008,7 @@
           <p:cNvPr id="2" name="제목 1">
             <a:extLst>
               <a:ext uri="{FF2B5EF4-FFF2-40B4-BE49-F238E27FC236}">
-                <a16:creationId xmlns:a16="http://schemas.microsoft.com/office/drawing/2014/main" id="{493BC712-AB7D-4429-8768-D21C67A95AD8}"/>
+                <a16:creationId xmlns:a16="http://schemas.microsoft.com/office/drawing/2014/main" id="{87BD88F1-8EC9-4F27-9D56-18979D48E6C7}"/>
               </a:ext>
             </a:extLst>
           </p:cNvPr>
@@ -16735,18 +17021,88 @@
         </p:nvSpPr>
         <p:spPr/>
         <p:txBody>
-          <a:bodyPr/>
-          <a:lstStyle/>
-          <a:p>
-            <a:r>
-              <a:rPr lang="ko-KR" altLang="en-US" dirty="0"/>
+          <a:bodyPr>
+            <a:noAutofit/>
+          </a:bodyPr>
+          <a:lstStyle/>
+          <a:p>
+            <a:r>
+              <a:rPr lang="ko-KR" altLang="en-US" sz="3600" dirty="0"/>
               <a:t>시나리오</a:t>
             </a:r>
             <a:r>
-              <a:rPr lang="en-US" altLang="ko-KR" dirty="0"/>
-              <a:t>#?? : ??</a:t>
-            </a:r>
-            <a:endParaRPr lang="ko-KR" altLang="en-US" dirty="0"/>
+              <a:rPr lang="en-US" altLang="ko-KR" sz="3600" dirty="0"/>
+              <a:t>#30 : </a:t>
+            </a:r>
+            <a:r>
+              <a:rPr lang="ko-KR" altLang="en-US" sz="3600" dirty="0"/>
+              <a:t>총학생회와 </a:t>
+            </a:r>
+            <a:r>
+              <a:rPr lang="ko-KR" altLang="en-US" sz="3600" dirty="0" err="1"/>
+              <a:t>단과대</a:t>
+            </a:r>
+            <a:r>
+              <a:rPr lang="en-US" altLang="ko-KR" sz="3600" dirty="0"/>
+              <a:t>(</a:t>
+            </a:r>
+            <a:r>
+              <a:rPr lang="ko-KR" altLang="en-US" sz="3600" dirty="0" err="1"/>
+              <a:t>융공대</a:t>
+            </a:r>
+            <a:r>
+              <a:rPr lang="en-US" altLang="ko-KR" sz="3600" dirty="0"/>
+              <a:t>, </a:t>
+            </a:r>
+            <a:r>
+              <a:rPr lang="ko-KR" altLang="en-US" sz="3600" dirty="0" err="1"/>
+              <a:t>인사대</a:t>
+            </a:r>
+            <a:r>
+              <a:rPr lang="en-US" altLang="ko-KR" sz="3600" dirty="0"/>
+              <a:t>) </a:t>
+            </a:r>
+            <a:r>
+              <a:rPr lang="ko-KR" altLang="en-US" sz="3600" dirty="0"/>
+              <a:t>선거 존재 시</a:t>
+            </a:r>
+            <a:r>
+              <a:rPr lang="en-US" altLang="ko-KR" sz="3600" dirty="0"/>
+              <a:t>, </a:t>
+            </a:r>
+            <a:r>
+              <a:rPr lang="ko-KR" altLang="en-US" sz="3600" dirty="0"/>
+              <a:t>학생</a:t>
+            </a:r>
+            <a:r>
+              <a:rPr lang="en-US" altLang="ko-KR" sz="3600" dirty="0"/>
+              <a:t>2(</a:t>
+            </a:r>
+            <a:r>
+              <a:rPr lang="ko-KR" altLang="en-US" sz="3600" dirty="0" err="1"/>
+              <a:t>융공대</a:t>
+            </a:r>
+            <a:r>
+              <a:rPr lang="en-US" altLang="ko-KR" sz="3600" dirty="0"/>
+              <a:t>)</a:t>
+            </a:r>
+            <a:r>
+              <a:rPr lang="ko-KR" altLang="en-US" sz="3600" dirty="0"/>
+              <a:t>가 </a:t>
+            </a:r>
+            <a:r>
+              <a:rPr lang="en-US" altLang="ko-KR" sz="3600" dirty="0"/>
+              <a:t>[</a:t>
+            </a:r>
+            <a:r>
+              <a:rPr lang="ko-KR" altLang="en-US" sz="3600" dirty="0"/>
+              <a:t>내투표확인</a:t>
+            </a:r>
+            <a:r>
+              <a:rPr lang="en-US" altLang="ko-KR" sz="3600" dirty="0"/>
+              <a:t>]</a:t>
+            </a:r>
+            <a:endParaRPr lang="ko-KR" altLang="en-US" sz="3600" dirty="0"/>
           </a:p>
         </p:txBody>
       </p:sp>
@@ -16755,7 +17111,7 @@
           <p:cNvPr id="3" name="내용 개체 틀 2">
             <a:extLst>
               <a:ext uri="{FF2B5EF4-FFF2-40B4-BE49-F238E27FC236}">
-                <a16:creationId xmlns:a16="http://schemas.microsoft.com/office/drawing/2014/main" id="{E8F6A650-B3AB-46F8-A94D-3A6BD423C094}"/>
+                <a16:creationId xmlns:a16="http://schemas.microsoft.com/office/drawing/2014/main" id="{F9D8B88A-8497-4D32-8447-7644BC165915}"/>
               </a:ext>
             </a:extLst>
           </p:cNvPr>
@@ -16772,8 +17128,140 @@
           <a:lstStyle/>
           <a:p>
             <a:r>
+              <a:rPr lang="en-US" altLang="ko-KR" dirty="0" err="1"/>
+              <a:t>voterContract</a:t>
+            </a:r>
+            <a:r>
+              <a:rPr lang="ko-KR" altLang="en-US" dirty="0"/>
+              <a:t> </a:t>
+            </a:r>
+            <a:r>
+              <a:rPr lang="en-US" altLang="ko-KR" dirty="0"/>
+              <a:t>1.0.35 </a:t>
+            </a:r>
+            <a:r>
+              <a:rPr lang="ko-KR" altLang="en-US" dirty="0"/>
+              <a:t>버전에서는 </a:t>
+            </a:r>
+            <a:r>
+              <a:rPr lang="en-US" altLang="ko-KR" dirty="0" err="1"/>
+              <a:t>checkMyVBallot</a:t>
+            </a:r>
+            <a:r>
+              <a:rPr lang="en-US" altLang="ko-KR" dirty="0"/>
+              <a:t> </a:t>
+            </a:r>
+            <a:r>
+              <a:rPr lang="ko-KR" altLang="en-US" dirty="0"/>
+              <a:t>체인코드가 단 하나의 선거에 대한 투표 확인 기능만 구현되어 있었음</a:t>
+            </a:r>
+            <a:r>
+              <a:rPr lang="en-US" altLang="ko-KR" dirty="0"/>
+              <a:t>.</a:t>
+            </a:r>
+          </a:p>
+          <a:p>
+            <a:r>
+              <a:rPr lang="en-US" altLang="ko-KR" dirty="0" err="1"/>
+              <a:t>voterContract</a:t>
+            </a:r>
+            <a:r>
+              <a:rPr lang="en-US" altLang="ko-KR" dirty="0"/>
+              <a:t> 1.0.36 </a:t>
+            </a:r>
+            <a:r>
+              <a:rPr lang="ko-KR" altLang="en-US" dirty="0"/>
+              <a:t>버전에서는 내투표확인 동작 잘됨</a:t>
+            </a:r>
+            <a:r>
+              <a:rPr lang="en-US" altLang="ko-KR" dirty="0"/>
+              <a:t>.</a:t>
+            </a:r>
+          </a:p>
+          <a:p>
+            <a:pPr marL="0" indent="0">
+              <a:buNone/>
+            </a:pPr>
+            <a:endParaRPr lang="ko-KR" altLang="en-US" dirty="0"/>
+          </a:p>
+        </p:txBody>
+      </p:sp>
+      <p:pic>
+        <p:nvPicPr>
+          <p:cNvPr id="5" name="그림 4">
+            <a:extLst>
+              <a:ext uri="{FF2B5EF4-FFF2-40B4-BE49-F238E27FC236}">
+                <a16:creationId xmlns:a16="http://schemas.microsoft.com/office/drawing/2014/main" id="{2F3D8D0F-94B4-46A8-A2C8-35C72D4A4DA3}"/>
+              </a:ext>
+            </a:extLst>
+          </p:cNvPr>
+          <p:cNvPicPr>
+            <a:picLocks noChangeAspect="1"/>
+          </p:cNvPicPr>
+          <p:nvPr/>
+        </p:nvPicPr>
+        <p:blipFill>
+          <a:blip r:embed="rId2"/>
+          <a:stretch>
+            <a:fillRect/>
+          </a:stretch>
+        </p:blipFill>
+        <p:spPr>
+          <a:xfrm>
+            <a:off x="3808776" y="3314517"/>
+            <a:ext cx="2139018" cy="3543483"/>
+          </a:xfrm>
+          <a:prstGeom prst="rect">
+            <a:avLst/>
+          </a:prstGeom>
+        </p:spPr>
+      </p:pic>
+      <p:sp>
+        <p:nvSpPr>
+          <p:cNvPr id="6" name="TextBox 5">
+            <a:extLst>
+              <a:ext uri="{FF2B5EF4-FFF2-40B4-BE49-F238E27FC236}">
+                <a16:creationId xmlns:a16="http://schemas.microsoft.com/office/drawing/2014/main" id="{5CB1A6A4-7C20-401B-A946-0A4884D306BF}"/>
+              </a:ext>
+            </a:extLst>
+          </p:cNvPr>
+          <p:cNvSpPr txBox="1"/>
+          <p:nvPr/>
+        </p:nvSpPr>
+        <p:spPr>
+          <a:xfrm>
+            <a:off x="6313329" y="4169328"/>
+            <a:ext cx="5210081" cy="646331"/>
+          </a:xfrm>
+          <a:prstGeom prst="rect">
+            <a:avLst/>
+          </a:prstGeom>
+          <a:noFill/>
+        </p:spPr>
+        <p:txBody>
+          <a:bodyPr wrap="none" rtlCol="0">
+            <a:spAutoFit/>
+          </a:bodyPr>
+          <a:lstStyle/>
+          <a:p>
+            <a:r>
+              <a:rPr lang="ko-KR" altLang="en-US" dirty="0"/>
+              <a:t>좌측 사진을 보면 알다시피 </a:t>
+            </a:r>
+            <a:r>
               <a:rPr lang="ko-KR" altLang="en-US" dirty="0" err="1"/>
-              <a:t>작성하여주십시오</a:t>
+              <a:t>선거별</a:t>
+            </a:r>
+            <a:r>
+              <a:rPr lang="ko-KR" altLang="en-US" dirty="0"/>
+              <a:t> 내투표조회가</a:t>
+            </a:r>
+            <a:endParaRPr lang="en-US" altLang="ko-KR" dirty="0"/>
+          </a:p>
+          <a:p>
+            <a:r>
+              <a:rPr lang="ko-KR" altLang="en-US" dirty="0"/>
+              <a:t>잘됨을 확인할 수 있음</a:t>
             </a:r>
             <a:r>
               <a:rPr lang="en-US" altLang="ko-KR" dirty="0"/>
@@ -16786,7 +17274,7 @@
     </p:spTree>
     <p:extLst>
       <p:ext uri="{BB962C8B-B14F-4D97-AF65-F5344CB8AC3E}">
-        <p14:creationId xmlns:p14="http://schemas.microsoft.com/office/powerpoint/2010/main" val="3822181132"/>
+        <p14:creationId xmlns:p14="http://schemas.microsoft.com/office/powerpoint/2010/main" val="2069589147"/>
       </p:ext>
     </p:extLst>
   </p:cSld>
@@ -16818,7 +17306,7 @@
           <p:cNvPr id="2" name="제목 1">
             <a:extLst>
               <a:ext uri="{FF2B5EF4-FFF2-40B4-BE49-F238E27FC236}">
-                <a16:creationId xmlns:a16="http://schemas.microsoft.com/office/drawing/2014/main" id="{065E134B-6B70-4C74-B101-F996ADEBB5AB}"/>
+                <a16:creationId xmlns:a16="http://schemas.microsoft.com/office/drawing/2014/main" id="{1419B708-3FEA-4E47-9AB1-E80E901EAB6D}"/>
               </a:ext>
             </a:extLst>
           </p:cNvPr>
@@ -16826,29 +17314,269 @@
             <a:spLocks noGrp="1"/>
           </p:cNvSpPr>
           <p:nvPr>
-            <p:ph type="ctrTitle"/>
+            <p:ph type="title"/>
           </p:nvPr>
         </p:nvSpPr>
         <p:spPr/>
         <p:txBody>
-          <a:bodyPr/>
-          <a:lstStyle/>
-          <a:p>
+          <a:bodyPr>
+            <a:noAutofit/>
+          </a:bodyPr>
+          <a:lstStyle/>
+          <a:p>
+            <a:r>
+              <a:rPr lang="ko-KR" altLang="en-US" sz="3200" dirty="0"/>
+              <a:t>시나리오</a:t>
+            </a:r>
+            <a:r>
+              <a:rPr lang="en-US" altLang="ko-KR" sz="3200" dirty="0"/>
+              <a:t>#30 : </a:t>
+            </a:r>
+            <a:r>
+              <a:rPr lang="ko-KR" altLang="en-US" sz="3200" dirty="0"/>
+              <a:t>총학생회와 </a:t>
+            </a:r>
+            <a:r>
+              <a:rPr lang="ko-KR" altLang="en-US" sz="3200" dirty="0" err="1"/>
+              <a:t>단과대</a:t>
+            </a:r>
+            <a:r>
+              <a:rPr lang="en-US" altLang="ko-KR" sz="3200" dirty="0"/>
+              <a:t>(</a:t>
+            </a:r>
+            <a:r>
+              <a:rPr lang="ko-KR" altLang="en-US" sz="3200" dirty="0" err="1"/>
+              <a:t>융공대</a:t>
+            </a:r>
+            <a:r>
+              <a:rPr lang="en-US" altLang="ko-KR" sz="3200" dirty="0"/>
+              <a:t>, </a:t>
+            </a:r>
+            <a:r>
+              <a:rPr lang="ko-KR" altLang="en-US" sz="3200" dirty="0" err="1"/>
+              <a:t>인사대</a:t>
+            </a:r>
+            <a:r>
+              <a:rPr lang="en-US" altLang="ko-KR" sz="3200" dirty="0"/>
+              <a:t>) </a:t>
+            </a:r>
+            <a:r>
+              <a:rPr lang="ko-KR" altLang="en-US" sz="3200" dirty="0"/>
+              <a:t>선거 존재 시</a:t>
+            </a:r>
+            <a:r>
+              <a:rPr lang="en-US" altLang="ko-KR" sz="3200" dirty="0"/>
+              <a:t>, </a:t>
+            </a:r>
+            <a:r>
+              <a:rPr lang="ko-KR" altLang="en-US" sz="3200" dirty="0"/>
+              <a:t>학생</a:t>
+            </a:r>
+            <a:r>
+              <a:rPr lang="en-US" altLang="ko-KR" sz="3200" dirty="0"/>
+              <a:t>2(</a:t>
+            </a:r>
+            <a:r>
+              <a:rPr lang="ko-KR" altLang="en-US" sz="3200" dirty="0" err="1"/>
+              <a:t>융공대</a:t>
+            </a:r>
+            <a:r>
+              <a:rPr lang="en-US" altLang="ko-KR" sz="3200" dirty="0"/>
+              <a:t>)</a:t>
+            </a:r>
+            <a:r>
+              <a:rPr lang="ko-KR" altLang="en-US" sz="3200" dirty="0"/>
+              <a:t>가 </a:t>
+            </a:r>
+            <a:r>
+              <a:rPr lang="en-US" altLang="ko-KR" sz="3200" dirty="0"/>
+              <a:t>[</a:t>
+            </a:r>
+            <a:r>
+              <a:rPr lang="ko-KR" altLang="en-US" sz="3200" dirty="0"/>
+              <a:t>내투표확인</a:t>
+            </a:r>
+            <a:r>
+              <a:rPr lang="en-US" altLang="ko-KR" sz="3200" dirty="0"/>
+              <a:t>]</a:t>
+            </a:r>
+            <a:endParaRPr lang="ko-KR" altLang="en-US" sz="3200" dirty="0"/>
+          </a:p>
+        </p:txBody>
+      </p:sp>
+      <p:pic>
+        <p:nvPicPr>
+          <p:cNvPr id="5" name="내용 개체 틀 4">
+            <a:extLst>
+              <a:ext uri="{FF2B5EF4-FFF2-40B4-BE49-F238E27FC236}">
+                <a16:creationId xmlns:a16="http://schemas.microsoft.com/office/drawing/2014/main" id="{78F8514C-1303-4FAF-81B6-999B5704A622}"/>
+              </a:ext>
+            </a:extLst>
+          </p:cNvPr>
+          <p:cNvPicPr>
+            <a:picLocks noGrp="1" noChangeAspect="1"/>
+          </p:cNvPicPr>
+          <p:nvPr>
+            <p:ph idx="1"/>
+          </p:nvPr>
+        </p:nvPicPr>
+        <p:blipFill>
+          <a:blip r:embed="rId2"/>
+          <a:stretch>
+            <a:fillRect/>
+          </a:stretch>
+        </p:blipFill>
+        <p:spPr>
+          <a:xfrm>
+            <a:off x="0" y="1480354"/>
+            <a:ext cx="5306887" cy="2112533"/>
+          </a:xfrm>
+        </p:spPr>
+      </p:pic>
+      <p:pic>
+        <p:nvPicPr>
+          <p:cNvPr id="7" name="그림 6">
+            <a:extLst>
+              <a:ext uri="{FF2B5EF4-FFF2-40B4-BE49-F238E27FC236}">
+                <a16:creationId xmlns:a16="http://schemas.microsoft.com/office/drawing/2014/main" id="{955A38A6-4B65-4D33-B232-04260577C72E}"/>
+              </a:ext>
+            </a:extLst>
+          </p:cNvPr>
+          <p:cNvPicPr>
+            <a:picLocks noChangeAspect="1"/>
+          </p:cNvPicPr>
+          <p:nvPr/>
+        </p:nvPicPr>
+        <p:blipFill>
+          <a:blip r:embed="rId3"/>
+          <a:stretch>
+            <a:fillRect/>
+          </a:stretch>
+        </p:blipFill>
+        <p:spPr>
+          <a:xfrm>
+            <a:off x="635204" y="3592257"/>
+            <a:ext cx="5306887" cy="3265114"/>
+          </a:xfrm>
+          <a:prstGeom prst="rect">
+            <a:avLst/>
+          </a:prstGeom>
+        </p:spPr>
+      </p:pic>
+      <p:pic>
+        <p:nvPicPr>
+          <p:cNvPr id="9" name="그림 8">
+            <a:extLst>
+              <a:ext uri="{FF2B5EF4-FFF2-40B4-BE49-F238E27FC236}">
+                <a16:creationId xmlns:a16="http://schemas.microsoft.com/office/drawing/2014/main" id="{AB9DF674-EAC0-4CA3-83F2-E399FE6691AF}"/>
+              </a:ext>
+            </a:extLst>
+          </p:cNvPr>
+          <p:cNvPicPr>
+            <a:picLocks noChangeAspect="1"/>
+          </p:cNvPicPr>
+          <p:nvPr/>
+        </p:nvPicPr>
+        <p:blipFill>
+          <a:blip r:embed="rId4"/>
+          <a:stretch>
+            <a:fillRect/>
+          </a:stretch>
+        </p:blipFill>
+        <p:spPr>
+          <a:xfrm>
+            <a:off x="5942091" y="3592887"/>
+            <a:ext cx="5411709" cy="3264483"/>
+          </a:xfrm>
+          <a:prstGeom prst="rect">
+            <a:avLst/>
+          </a:prstGeom>
+        </p:spPr>
+      </p:pic>
+      <p:sp>
+        <p:nvSpPr>
+          <p:cNvPr id="10" name="TextBox 9">
+            <a:extLst>
+              <a:ext uri="{FF2B5EF4-FFF2-40B4-BE49-F238E27FC236}">
+                <a16:creationId xmlns:a16="http://schemas.microsoft.com/office/drawing/2014/main" id="{CBF2241A-E98E-40FA-AD97-20668AA9689A}"/>
+              </a:ext>
+            </a:extLst>
+          </p:cNvPr>
+          <p:cNvSpPr txBox="1"/>
+          <p:nvPr/>
+        </p:nvSpPr>
+        <p:spPr>
+          <a:xfrm>
+            <a:off x="5503179" y="1902494"/>
+            <a:ext cx="5984331" cy="1477328"/>
+          </a:xfrm>
+          <a:prstGeom prst="rect">
+            <a:avLst/>
+          </a:prstGeom>
+          <a:noFill/>
+        </p:spPr>
+        <p:txBody>
+          <a:bodyPr wrap="none" rtlCol="0">
+            <a:spAutoFit/>
+          </a:bodyPr>
+          <a:lstStyle/>
+          <a:p>
+            <a:r>
+              <a:rPr lang="en-US" altLang="ko-KR" dirty="0"/>
+              <a:t>Slot1</a:t>
+            </a:r>
+            <a:r>
+              <a:rPr lang="ko-KR" altLang="en-US" dirty="0"/>
+              <a:t>은 총학생회 선거</a:t>
+            </a:r>
+            <a:endParaRPr lang="en-US" altLang="ko-KR" dirty="0"/>
+          </a:p>
+          <a:p>
+            <a:r>
+              <a:rPr lang="en-US" altLang="ko-KR" dirty="0"/>
+              <a:t>Slot2</a:t>
+            </a:r>
+            <a:r>
+              <a:rPr lang="ko-KR" altLang="en-US" dirty="0"/>
+              <a:t>는 </a:t>
+            </a:r>
             <a:r>
               <a:rPr lang="ko-KR" altLang="en-US" dirty="0" err="1"/>
-              <a:t>미시행</a:t>
-            </a:r>
-            <a:r>
-              <a:rPr lang="ko-KR" altLang="en-US" dirty="0"/>
-              <a:t> 시나리오 목록</a:t>
-            </a:r>
+              <a:t>융공대</a:t>
+            </a:r>
+            <a:r>
+              <a:rPr lang="ko-KR" altLang="en-US" dirty="0"/>
+              <a:t> 선거</a:t>
+            </a:r>
+            <a:endParaRPr lang="en-US" altLang="ko-KR" dirty="0"/>
+          </a:p>
+          <a:p>
+            <a:endParaRPr lang="en-US" altLang="ko-KR" dirty="0"/>
+          </a:p>
+          <a:p>
+            <a:r>
+              <a:rPr lang="ko-KR" altLang="en-US" dirty="0"/>
+              <a:t>투표용지를 보면 어떤 선거에서 어떤 후보를 투표했는지</a:t>
+            </a:r>
+            <a:endParaRPr lang="en-US" altLang="ko-KR" dirty="0"/>
+          </a:p>
+          <a:p>
+            <a:r>
+              <a:rPr lang="ko-KR" altLang="en-US" dirty="0"/>
+              <a:t>볼 수 있다</a:t>
+            </a:r>
+            <a:r>
+              <a:rPr lang="en-US" altLang="ko-KR" dirty="0"/>
+              <a:t>.</a:t>
+            </a:r>
+            <a:endParaRPr lang="ko-KR" altLang="en-US" dirty="0"/>
           </a:p>
         </p:txBody>
       </p:sp>
     </p:spTree>
     <p:extLst>
       <p:ext uri="{BB962C8B-B14F-4D97-AF65-F5344CB8AC3E}">
-        <p14:creationId xmlns:p14="http://schemas.microsoft.com/office/powerpoint/2010/main" val="2125819996"/>
+        <p14:creationId xmlns:p14="http://schemas.microsoft.com/office/powerpoint/2010/main" val="3019838625"/>
       </p:ext>
     </p:extLst>
   </p:cSld>
@@ -16880,7 +17608,7 @@
           <p:cNvPr id="2" name="제목 1">
             <a:extLst>
               <a:ext uri="{FF2B5EF4-FFF2-40B4-BE49-F238E27FC236}">
-                <a16:creationId xmlns:a16="http://schemas.microsoft.com/office/drawing/2014/main" id="{90807F92-7D9D-40AD-BD42-987064ADE3A3}"/>
+                <a16:creationId xmlns:a16="http://schemas.microsoft.com/office/drawing/2014/main" id="{493BC712-AB7D-4429-8768-D21C67A95AD8}"/>
               </a:ext>
             </a:extLst>
           </p:cNvPr>
@@ -16897,13 +17625,14 @@
           <a:lstStyle/>
           <a:p>
             <a:r>
-              <a:rPr lang="ko-KR" altLang="en-US" dirty="0" err="1"/>
-              <a:t>미시행</a:t>
-            </a:r>
-            <a:r>
-              <a:rPr lang="ko-KR" altLang="en-US" dirty="0"/>
-              <a:t> 시나리오 목록</a:t>
-            </a:r>
+              <a:rPr lang="ko-KR" altLang="en-US" dirty="0"/>
+              <a:t>시나리오</a:t>
+            </a:r>
+            <a:r>
+              <a:rPr lang="en-US" altLang="ko-KR" dirty="0"/>
+              <a:t>#?? : ??</a:t>
+            </a:r>
+            <a:endParaRPr lang="ko-KR" altLang="en-US" dirty="0"/>
           </a:p>
         </p:txBody>
       </p:sp>
@@ -16912,7 +17641,7 @@
           <p:cNvPr id="3" name="내용 개체 틀 2">
             <a:extLst>
               <a:ext uri="{FF2B5EF4-FFF2-40B4-BE49-F238E27FC236}">
-                <a16:creationId xmlns:a16="http://schemas.microsoft.com/office/drawing/2014/main" id="{715E2CC5-4E5B-4624-A6DF-7FBBE383F416}"/>
+                <a16:creationId xmlns:a16="http://schemas.microsoft.com/office/drawing/2014/main" id="{E8F6A650-B3AB-46F8-A94D-3A6BD423C094}"/>
               </a:ext>
             </a:extLst>
           </p:cNvPr>
@@ -16925,112 +17654,17 @@
         </p:nvSpPr>
         <p:spPr/>
         <p:txBody>
-          <a:bodyPr>
-            <a:normAutofit fontScale="92500"/>
-          </a:bodyPr>
-          <a:lstStyle/>
-          <a:p>
-            <a:r>
-              <a:rPr lang="ko-KR" altLang="en-US" dirty="0">
-                <a:solidFill>
-                  <a:srgbClr val="FF0000"/>
-                </a:solidFill>
-              </a:rPr>
-              <a:t>선거 결과 확인에 대한 시나리오는 준비하지 않음</a:t>
-            </a:r>
-            <a:r>
-              <a:rPr lang="en-US" altLang="ko-KR" dirty="0">
-                <a:solidFill>
-                  <a:srgbClr val="FF0000"/>
-                </a:solidFill>
-              </a:rPr>
+          <a:bodyPr/>
+          <a:lstStyle/>
+          <a:p>
+            <a:r>
+              <a:rPr lang="ko-KR" altLang="en-US" dirty="0" err="1"/>
+              <a:t>작성하여주십시오</a:t>
+            </a:r>
+            <a:r>
+              <a:rPr lang="en-US" altLang="ko-KR" dirty="0"/>
               <a:t>.</a:t>
             </a:r>
-          </a:p>
-          <a:p>
-            <a:pPr>
-              <a:buFont typeface="Symbol" panose="05050102010706020507" pitchFamily="18" charset="2"/>
-              <a:buChar char="Þ"/>
-            </a:pPr>
-            <a:r>
-              <a:rPr lang="ko-KR" altLang="en-US" dirty="0">
-                <a:solidFill>
-                  <a:srgbClr val="FF0000"/>
-                </a:solidFill>
-              </a:rPr>
-              <a:t>혜령 팀원 담당임</a:t>
-            </a:r>
-            <a:endParaRPr lang="en-US" altLang="ko-KR" dirty="0">
-              <a:solidFill>
-                <a:srgbClr val="FF0000"/>
-              </a:solidFill>
-            </a:endParaRPr>
-          </a:p>
-          <a:p>
-            <a:r>
-              <a:rPr lang="ko-KR" altLang="en-US" dirty="0"/>
-              <a:t>선거 투표용지를 받은 학생이 있을 때 관리자가 선거를 강제종료</a:t>
-            </a:r>
-            <a:endParaRPr lang="en-US" altLang="ko-KR" dirty="0"/>
-          </a:p>
-          <a:p>
-            <a:r>
-              <a:rPr lang="ko-KR" altLang="en-US" dirty="0"/>
-              <a:t>선거에 학생이 투표한 후에 관리자가 선거를 강제종료</a:t>
-            </a:r>
-            <a:endParaRPr lang="en-US" altLang="ko-KR" dirty="0"/>
-          </a:p>
-          <a:p>
-            <a:r>
-              <a:rPr lang="ko-KR" altLang="en-US" dirty="0"/>
-              <a:t>각 단과대별 선거 진행</a:t>
-            </a:r>
-            <a:endParaRPr lang="en-US" altLang="ko-KR" dirty="0"/>
-          </a:p>
-          <a:p>
-            <a:r>
-              <a:rPr lang="ko-KR" altLang="en-US" dirty="0"/>
-              <a:t>총학생회와 </a:t>
-            </a:r>
-            <a:r>
-              <a:rPr lang="ko-KR" altLang="en-US" dirty="0" err="1"/>
-              <a:t>단과대</a:t>
-            </a:r>
-            <a:r>
-              <a:rPr lang="ko-KR" altLang="en-US" dirty="0"/>
-              <a:t> 선거 동시 진행</a:t>
-            </a:r>
-            <a:endParaRPr lang="en-US" altLang="ko-KR" dirty="0"/>
-          </a:p>
-          <a:p>
-            <a:r>
-              <a:rPr lang="ko-KR" altLang="en-US" dirty="0"/>
-              <a:t>보궐 선거 관련</a:t>
-            </a:r>
-            <a:endParaRPr lang="en-US" altLang="ko-KR" dirty="0"/>
-          </a:p>
-          <a:p>
-            <a:r>
-              <a:rPr lang="en-US" altLang="ko-KR" dirty="0"/>
-              <a:t>… </a:t>
-            </a:r>
-            <a:r>
-              <a:rPr lang="ko-KR" altLang="en-US" dirty="0"/>
-              <a:t>등등</a:t>
-            </a:r>
-            <a:endParaRPr lang="en-US" altLang="ko-KR" dirty="0"/>
-          </a:p>
-          <a:p>
-            <a:r>
-              <a:rPr lang="ko-KR" altLang="en-US" b="1" u="sng" dirty="0"/>
-              <a:t>시나리오 아이디어 구함요</a:t>
-            </a:r>
-            <a:r>
-              <a:rPr lang="en-US" altLang="ko-KR" b="1" u="sng" dirty="0"/>
-              <a:t>.</a:t>
-            </a:r>
-          </a:p>
-          <a:p>
             <a:endParaRPr lang="ko-KR" altLang="en-US" dirty="0"/>
           </a:p>
         </p:txBody>
@@ -17038,7 +17672,7 @@
     </p:spTree>
     <p:extLst>
       <p:ext uri="{BB962C8B-B14F-4D97-AF65-F5344CB8AC3E}">
-        <p14:creationId xmlns:p14="http://schemas.microsoft.com/office/powerpoint/2010/main" val="947573483"/>
+        <p14:creationId xmlns:p14="http://schemas.microsoft.com/office/powerpoint/2010/main" val="3822181132"/>
       </p:ext>
     </p:extLst>
   </p:cSld>
@@ -17087,8 +17721,12 @@
           <a:lstStyle/>
           <a:p>
             <a:r>
-              <a:rPr lang="ko-KR" altLang="en-US" dirty="0"/>
-              <a:t>시나리오 진행 중 느낀 점</a:t>
+              <a:rPr lang="ko-KR" altLang="en-US" dirty="0" err="1"/>
+              <a:t>미시행</a:t>
+            </a:r>
+            <a:r>
+              <a:rPr lang="ko-KR" altLang="en-US" dirty="0"/>
+              <a:t> 시나리오 목록</a:t>
             </a:r>
           </a:p>
         </p:txBody>
@@ -17096,7 +17734,7 @@
     </p:spTree>
     <p:extLst>
       <p:ext uri="{BB962C8B-B14F-4D97-AF65-F5344CB8AC3E}">
-        <p14:creationId xmlns:p14="http://schemas.microsoft.com/office/powerpoint/2010/main" val="453261566"/>
+        <p14:creationId xmlns:p14="http://schemas.microsoft.com/office/powerpoint/2010/main" val="2125819996"/>
       </p:ext>
     </p:extLst>
   </p:cSld>
@@ -17128,7 +17766,7 @@
           <p:cNvPr id="2" name="제목 1">
             <a:extLst>
               <a:ext uri="{FF2B5EF4-FFF2-40B4-BE49-F238E27FC236}">
-                <a16:creationId xmlns:a16="http://schemas.microsoft.com/office/drawing/2014/main" id="{C9AF44FD-6116-42EE-B325-BC2631A9695A}"/>
+                <a16:creationId xmlns:a16="http://schemas.microsoft.com/office/drawing/2014/main" id="{90807F92-7D9D-40AD-BD42-987064ADE3A3}"/>
               </a:ext>
             </a:extLst>
           </p:cNvPr>
@@ -17145,8 +17783,12 @@
           <a:lstStyle/>
           <a:p>
             <a:r>
-              <a:rPr lang="ko-KR" altLang="en-US" dirty="0"/>
-              <a:t>시나리오 진행 중 느낀 점</a:t>
+              <a:rPr lang="ko-KR" altLang="en-US" dirty="0" err="1"/>
+              <a:t>미시행</a:t>
+            </a:r>
+            <a:r>
+              <a:rPr lang="ko-KR" altLang="en-US" dirty="0"/>
+              <a:t> 시나리오 목록</a:t>
             </a:r>
           </a:p>
         </p:txBody>
@@ -17156,7 +17798,7 @@
           <p:cNvPr id="3" name="내용 개체 틀 2">
             <a:extLst>
               <a:ext uri="{FF2B5EF4-FFF2-40B4-BE49-F238E27FC236}">
-                <a16:creationId xmlns:a16="http://schemas.microsoft.com/office/drawing/2014/main" id="{87C1B7AF-A4C3-42A7-A72A-721302946001}"/>
+                <a16:creationId xmlns:a16="http://schemas.microsoft.com/office/drawing/2014/main" id="{715E2CC5-4E5B-4624-A6DF-7FBBE383F416}"/>
               </a:ext>
             </a:extLst>
           </p:cNvPr>
@@ -17169,41 +17811,108 @@
         </p:nvSpPr>
         <p:spPr/>
         <p:txBody>
-          <a:bodyPr/>
-          <a:lstStyle/>
-          <a:p>
-            <a:r>
-              <a:rPr lang="ko-KR" altLang="en-US" dirty="0"/>
-              <a:t>관리자 투표율확인 기능이 속도가 너무 느리다</a:t>
-            </a:r>
-            <a:r>
-              <a:rPr lang="en-US" altLang="ko-KR" dirty="0"/>
+          <a:bodyPr>
+            <a:normAutofit fontScale="92500"/>
+          </a:bodyPr>
+          <a:lstStyle/>
+          <a:p>
+            <a:r>
+              <a:rPr lang="ko-KR" altLang="en-US" dirty="0">
+                <a:solidFill>
+                  <a:srgbClr val="FF0000"/>
+                </a:solidFill>
+              </a:rPr>
+              <a:t>선거 결과 확인에 대한 시나리오는 준비하지 않음</a:t>
+            </a:r>
+            <a:r>
+              <a:rPr lang="en-US" altLang="ko-KR" dirty="0">
+                <a:solidFill>
+                  <a:srgbClr val="FF0000"/>
+                </a:solidFill>
+              </a:rPr>
               <a:t>.</a:t>
             </a:r>
           </a:p>
           <a:p>
-            <a:r>
-              <a:rPr lang="ko-KR" altLang="en-US" dirty="0"/>
-              <a:t>버튼을 여러 번 누르게 되면 관련 요청을 여러 번 하게 되는데</a:t>
-            </a:r>
-            <a:r>
-              <a:rPr lang="en-US" altLang="ko-KR" dirty="0"/>
-              <a:t>, </a:t>
-            </a:r>
-            <a:r>
-              <a:rPr lang="ko-KR" altLang="en-US" dirty="0"/>
-              <a:t>이에 대한 방비책이 필요할 것으로 보임</a:t>
-            </a:r>
-            <a:r>
-              <a:rPr lang="en-US" altLang="ko-KR" dirty="0"/>
-              <a:t>. </a:t>
-            </a:r>
-            <a:r>
-              <a:rPr lang="ko-KR" altLang="en-US" dirty="0"/>
-              <a:t>예를 들어 버튼을 한번 누르면 버튼을 비활성화 시키거나 버튼을 사리지게 하거나</a:t>
-            </a:r>
-            <a:r>
-              <a:rPr lang="en-US" altLang="ko-KR" dirty="0"/>
+            <a:pPr>
+              <a:buFont typeface="Symbol" panose="05050102010706020507" pitchFamily="18" charset="2"/>
+              <a:buChar char="Þ"/>
+            </a:pPr>
+            <a:r>
+              <a:rPr lang="ko-KR" altLang="en-US" dirty="0">
+                <a:solidFill>
+                  <a:srgbClr val="FF0000"/>
+                </a:solidFill>
+              </a:rPr>
+              <a:t>혜령 팀원 담당임</a:t>
+            </a:r>
+            <a:endParaRPr lang="en-US" altLang="ko-KR" dirty="0">
+              <a:solidFill>
+                <a:srgbClr val="FF0000"/>
+              </a:solidFill>
+            </a:endParaRPr>
+          </a:p>
+          <a:p>
+            <a:r>
+              <a:rPr lang="ko-KR" altLang="en-US" dirty="0"/>
+              <a:t>선거 투표용지를 받은 학생이 있을 때 관리자가 선거를 강제종료</a:t>
+            </a:r>
+            <a:endParaRPr lang="en-US" altLang="ko-KR" dirty="0"/>
+          </a:p>
+          <a:p>
+            <a:r>
+              <a:rPr lang="ko-KR" altLang="en-US" dirty="0"/>
+              <a:t>선거에 학생이 투표한 후에 관리자가 선거를 강제종료</a:t>
+            </a:r>
+            <a:endParaRPr lang="en-US" altLang="ko-KR" dirty="0"/>
+          </a:p>
+          <a:p>
+            <a:r>
+              <a:rPr lang="ko-KR" altLang="en-US" dirty="0"/>
+              <a:t>각 단과대별 선거 진행</a:t>
+            </a:r>
+            <a:endParaRPr lang="en-US" altLang="ko-KR" dirty="0"/>
+          </a:p>
+          <a:p>
+            <a:r>
+              <a:rPr lang="ko-KR" altLang="en-US" dirty="0"/>
+              <a:t>총학생회와 </a:t>
+            </a:r>
+            <a:r>
+              <a:rPr lang="ko-KR" altLang="en-US" dirty="0" err="1"/>
+              <a:t>단과대</a:t>
+            </a:r>
+            <a:r>
+              <a:rPr lang="ko-KR" altLang="en-US" dirty="0"/>
+              <a:t> 선거 동시 진행</a:t>
+            </a:r>
+            <a:endParaRPr lang="en-US" altLang="ko-KR" dirty="0"/>
+          </a:p>
+          <a:p>
+            <a:r>
+              <a:rPr lang="ko-KR" altLang="en-US" dirty="0"/>
+              <a:t>보궐 선거 관련</a:t>
+            </a:r>
+            <a:endParaRPr lang="en-US" altLang="ko-KR" dirty="0"/>
+          </a:p>
+          <a:p>
+            <a:r>
+              <a:rPr lang="en-US" altLang="ko-KR" dirty="0"/>
+              <a:t>… </a:t>
+            </a:r>
+            <a:r>
+              <a:rPr lang="ko-KR" altLang="en-US" dirty="0"/>
+              <a:t>등등</a:t>
+            </a:r>
+            <a:endParaRPr lang="en-US" altLang="ko-KR" dirty="0"/>
+          </a:p>
+          <a:p>
+            <a:r>
+              <a:rPr lang="ko-KR" altLang="en-US" b="1" u="sng" dirty="0"/>
+              <a:t>시나리오 아이디어 구함요</a:t>
+            </a:r>
+            <a:r>
+              <a:rPr lang="en-US" altLang="ko-KR" b="1" u="sng" dirty="0"/>
               <a:t>.</a:t>
             </a:r>
           </a:p>
@@ -17215,7 +17924,7 @@
     </p:spTree>
     <p:extLst>
       <p:ext uri="{BB962C8B-B14F-4D97-AF65-F5344CB8AC3E}">
-        <p14:creationId xmlns:p14="http://schemas.microsoft.com/office/powerpoint/2010/main" val="3184110633"/>
+        <p14:creationId xmlns:p14="http://schemas.microsoft.com/office/powerpoint/2010/main" val="947573483"/>
       </p:ext>
     </p:extLst>
   </p:cSld>
@@ -17334,6 +18043,183 @@
     <p:extLst>
       <p:ext uri="{BB962C8B-B14F-4D97-AF65-F5344CB8AC3E}">
         <p14:creationId xmlns:p14="http://schemas.microsoft.com/office/powerpoint/2010/main" val="332636120"/>
+      </p:ext>
+    </p:extLst>
+  </p:cSld>
+  <p:clrMapOvr>
+    <a:masterClrMapping/>
+  </p:clrMapOvr>
+</p:sld>
+</file>
+
+<file path=ppt/slides/slide60.xml><?xml version="1.0" encoding="utf-8"?>
+<p:sld xmlns:a="http://schemas.openxmlformats.org/drawingml/2006/main" xmlns:r="http://schemas.openxmlformats.org/officeDocument/2006/relationships" xmlns:p="http://schemas.openxmlformats.org/presentationml/2006/main">
+  <p:cSld>
+    <p:spTree>
+      <p:nvGrpSpPr>
+        <p:cNvPr id="1" name=""/>
+        <p:cNvGrpSpPr/>
+        <p:nvPr/>
+      </p:nvGrpSpPr>
+      <p:grpSpPr>
+        <a:xfrm>
+          <a:off x="0" y="0"/>
+          <a:ext cx="0" cy="0"/>
+          <a:chOff x="0" y="0"/>
+          <a:chExt cx="0" cy="0"/>
+        </a:xfrm>
+      </p:grpSpPr>
+      <p:sp>
+        <p:nvSpPr>
+          <p:cNvPr id="2" name="제목 1">
+            <a:extLst>
+              <a:ext uri="{FF2B5EF4-FFF2-40B4-BE49-F238E27FC236}">
+                <a16:creationId xmlns:a16="http://schemas.microsoft.com/office/drawing/2014/main" id="{065E134B-6B70-4C74-B101-F996ADEBB5AB}"/>
+              </a:ext>
+            </a:extLst>
+          </p:cNvPr>
+          <p:cNvSpPr>
+            <a:spLocks noGrp="1"/>
+          </p:cNvSpPr>
+          <p:nvPr>
+            <p:ph type="ctrTitle"/>
+          </p:nvPr>
+        </p:nvSpPr>
+        <p:spPr/>
+        <p:txBody>
+          <a:bodyPr/>
+          <a:lstStyle/>
+          <a:p>
+            <a:r>
+              <a:rPr lang="ko-KR" altLang="en-US" dirty="0"/>
+              <a:t>시나리오 진행 중 느낀 점</a:t>
+            </a:r>
+          </a:p>
+        </p:txBody>
+      </p:sp>
+    </p:spTree>
+    <p:extLst>
+      <p:ext uri="{BB962C8B-B14F-4D97-AF65-F5344CB8AC3E}">
+        <p14:creationId xmlns:p14="http://schemas.microsoft.com/office/powerpoint/2010/main" val="453261566"/>
+      </p:ext>
+    </p:extLst>
+  </p:cSld>
+  <p:clrMapOvr>
+    <a:masterClrMapping/>
+  </p:clrMapOvr>
+</p:sld>
+</file>
+
+<file path=ppt/slides/slide61.xml><?xml version="1.0" encoding="utf-8"?>
+<p:sld xmlns:a="http://schemas.openxmlformats.org/drawingml/2006/main" xmlns:r="http://schemas.openxmlformats.org/officeDocument/2006/relationships" xmlns:p="http://schemas.openxmlformats.org/presentationml/2006/main">
+  <p:cSld>
+    <p:spTree>
+      <p:nvGrpSpPr>
+        <p:cNvPr id="1" name=""/>
+        <p:cNvGrpSpPr/>
+        <p:nvPr/>
+      </p:nvGrpSpPr>
+      <p:grpSpPr>
+        <a:xfrm>
+          <a:off x="0" y="0"/>
+          <a:ext cx="0" cy="0"/>
+          <a:chOff x="0" y="0"/>
+          <a:chExt cx="0" cy="0"/>
+        </a:xfrm>
+      </p:grpSpPr>
+      <p:sp>
+        <p:nvSpPr>
+          <p:cNvPr id="2" name="제목 1">
+            <a:extLst>
+              <a:ext uri="{FF2B5EF4-FFF2-40B4-BE49-F238E27FC236}">
+                <a16:creationId xmlns:a16="http://schemas.microsoft.com/office/drawing/2014/main" id="{C9AF44FD-6116-42EE-B325-BC2631A9695A}"/>
+              </a:ext>
+            </a:extLst>
+          </p:cNvPr>
+          <p:cNvSpPr>
+            <a:spLocks noGrp="1"/>
+          </p:cNvSpPr>
+          <p:nvPr>
+            <p:ph type="title"/>
+          </p:nvPr>
+        </p:nvSpPr>
+        <p:spPr/>
+        <p:txBody>
+          <a:bodyPr/>
+          <a:lstStyle/>
+          <a:p>
+            <a:r>
+              <a:rPr lang="ko-KR" altLang="en-US" dirty="0"/>
+              <a:t>시나리오 진행 중 느낀 점</a:t>
+            </a:r>
+          </a:p>
+        </p:txBody>
+      </p:sp>
+      <p:sp>
+        <p:nvSpPr>
+          <p:cNvPr id="3" name="내용 개체 틀 2">
+            <a:extLst>
+              <a:ext uri="{FF2B5EF4-FFF2-40B4-BE49-F238E27FC236}">
+                <a16:creationId xmlns:a16="http://schemas.microsoft.com/office/drawing/2014/main" id="{87C1B7AF-A4C3-42A7-A72A-721302946001}"/>
+              </a:ext>
+            </a:extLst>
+          </p:cNvPr>
+          <p:cNvSpPr>
+            <a:spLocks noGrp="1"/>
+          </p:cNvSpPr>
+          <p:nvPr>
+            <p:ph idx="1"/>
+          </p:nvPr>
+        </p:nvSpPr>
+        <p:spPr/>
+        <p:txBody>
+          <a:bodyPr/>
+          <a:lstStyle/>
+          <a:p>
+            <a:r>
+              <a:rPr lang="ko-KR" altLang="en-US" dirty="0"/>
+              <a:t>관리자 투표율확인 기능이 속도가 너무 느리다</a:t>
+            </a:r>
+            <a:r>
+              <a:rPr lang="en-US" altLang="ko-KR" dirty="0"/>
+              <a:t>.</a:t>
+            </a:r>
+          </a:p>
+          <a:p>
+            <a:r>
+              <a:rPr lang="ko-KR" altLang="en-US" dirty="0"/>
+              <a:t>버튼을 여러 번 누르게 되면 관련 요청을 여러 번 하게 되는데</a:t>
+            </a:r>
+            <a:r>
+              <a:rPr lang="en-US" altLang="ko-KR" dirty="0"/>
+              <a:t>, </a:t>
+            </a:r>
+            <a:r>
+              <a:rPr lang="ko-KR" altLang="en-US" dirty="0"/>
+              <a:t>이에 대한 방비책이 필요할 것으로 보임</a:t>
+            </a:r>
+            <a:r>
+              <a:rPr lang="en-US" altLang="ko-KR" dirty="0"/>
+              <a:t>. </a:t>
+            </a:r>
+            <a:r>
+              <a:rPr lang="ko-KR" altLang="en-US" dirty="0"/>
+              <a:t>예를 들어 버튼을 한번 누르면 버튼을 비활성화 시키거나 버튼을 사리지게 하거나</a:t>
+            </a:r>
+            <a:r>
+              <a:rPr lang="en-US" altLang="ko-KR" dirty="0"/>
+              <a:t>.</a:t>
+            </a:r>
+          </a:p>
+          <a:p>
+            <a:endParaRPr lang="ko-KR" altLang="en-US" dirty="0"/>
+          </a:p>
+        </p:txBody>
+      </p:sp>
+    </p:spTree>
+    <p:extLst>
+      <p:ext uri="{BB962C8B-B14F-4D97-AF65-F5344CB8AC3E}">
+        <p14:creationId xmlns:p14="http://schemas.microsoft.com/office/powerpoint/2010/main" val="3184110633"/>
       </p:ext>
     </p:extLst>
   </p:cSld>

--- a/Document/Testcase/Testcase #1.pptx
+++ b/Document/Testcase/Testcase #1.pptx
@@ -62,10 +62,11 @@
     <p:sldId id="316" r:id="rId56"/>
     <p:sldId id="317" r:id="rId57"/>
     <p:sldId id="299" r:id="rId58"/>
-    <p:sldId id="290" r:id="rId59"/>
-    <p:sldId id="280" r:id="rId60"/>
-    <p:sldId id="295" r:id="rId61"/>
-    <p:sldId id="294" r:id="rId62"/>
+    <p:sldId id="318" r:id="rId59"/>
+    <p:sldId id="290" r:id="rId60"/>
+    <p:sldId id="280" r:id="rId61"/>
+    <p:sldId id="295" r:id="rId62"/>
+    <p:sldId id="294" r:id="rId63"/>
   </p:sldIdLst>
   <p:sldSz cx="12192000" cy="6858000"/>
   <p:notesSz cx="6858000" cy="9144000"/>
@@ -17630,40 +17631,331 @@
             </a:r>
             <a:r>
               <a:rPr lang="en-US" altLang="ko-KR" dirty="0"/>
-              <a:t>#?? : ??</a:t>
-            </a:r>
-            <a:endParaRPr lang="ko-KR" altLang="en-US" dirty="0"/>
-          </a:p>
-        </p:txBody>
-      </p:sp>
-      <p:sp>
-        <p:nvSpPr>
-          <p:cNvPr id="3" name="내용 개체 틀 2">
-            <a:extLst>
-              <a:ext uri="{FF2B5EF4-FFF2-40B4-BE49-F238E27FC236}">
-                <a16:creationId xmlns:a16="http://schemas.microsoft.com/office/drawing/2014/main" id="{E8F6A650-B3AB-46F8-A94D-3A6BD423C094}"/>
-              </a:ext>
-            </a:extLst>
-          </p:cNvPr>
-          <p:cNvSpPr>
-            <a:spLocks noGrp="1"/>
-          </p:cNvSpPr>
-          <p:nvPr>
-            <p:ph idx="1"/>
-          </p:nvPr>
-        </p:nvSpPr>
-        <p:spPr/>
-        <p:txBody>
-          <a:bodyPr/>
+              <a:t>#31 : </a:t>
+            </a:r>
+            <a:r>
+              <a:rPr lang="ko-KR" altLang="en-US" dirty="0"/>
+              <a:t>재학중인 학생이 모든 선거의 결과를 확인한다</a:t>
+            </a:r>
+          </a:p>
+        </p:txBody>
+      </p:sp>
+      <p:pic>
+        <p:nvPicPr>
+          <p:cNvPr id="5" name="그림 4">
+            <a:extLst>
+              <a:ext uri="{FF2B5EF4-FFF2-40B4-BE49-F238E27FC236}">
+                <a16:creationId xmlns:a16="http://schemas.microsoft.com/office/drawing/2014/main" id="{ECDD261B-DB84-4BEE-A6E6-1D5081A7E14F}"/>
+              </a:ext>
+            </a:extLst>
+          </p:cNvPr>
+          <p:cNvPicPr>
+            <a:picLocks noChangeAspect="1"/>
+          </p:cNvPicPr>
+          <p:nvPr/>
+        </p:nvPicPr>
+        <p:blipFill>
+          <a:blip r:embed="rId2"/>
+          <a:stretch>
+            <a:fillRect/>
+          </a:stretch>
+        </p:blipFill>
+        <p:spPr>
+          <a:xfrm>
+            <a:off x="4244829" y="2693082"/>
+            <a:ext cx="2333959" cy="3900677"/>
+          </a:xfrm>
+          <a:prstGeom prst="rect">
+            <a:avLst/>
+          </a:prstGeom>
+        </p:spPr>
+      </p:pic>
+      <p:sp>
+        <p:nvSpPr>
+          <p:cNvPr id="8" name="TextBox 7">
+            <a:extLst>
+              <a:ext uri="{FF2B5EF4-FFF2-40B4-BE49-F238E27FC236}">
+                <a16:creationId xmlns:a16="http://schemas.microsoft.com/office/drawing/2014/main" id="{3CE3B7CE-2CE0-4AD7-89BA-0CE898C2B5CD}"/>
+              </a:ext>
+            </a:extLst>
+          </p:cNvPr>
+          <p:cNvSpPr txBox="1"/>
+          <p:nvPr/>
+        </p:nvSpPr>
+        <p:spPr>
+          <a:xfrm>
+            <a:off x="4244829" y="2323750"/>
+            <a:ext cx="2589170" cy="369332"/>
+          </a:xfrm>
+          <a:prstGeom prst="rect">
+            <a:avLst/>
+          </a:prstGeom>
+          <a:noFill/>
+        </p:spPr>
+        <p:txBody>
+          <a:bodyPr wrap="none" rtlCol="0">
+            <a:spAutoFit/>
+          </a:bodyPr>
+          <a:lstStyle/>
+          <a:p>
+            <a:r>
+              <a:rPr lang="ko-KR" altLang="en-US" dirty="0"/>
+              <a:t>선거가 생성 안됐을 때</a:t>
+            </a:r>
+          </a:p>
+        </p:txBody>
+      </p:sp>
+      <p:pic>
+        <p:nvPicPr>
+          <p:cNvPr id="10" name="그림 9">
+            <a:extLst>
+              <a:ext uri="{FF2B5EF4-FFF2-40B4-BE49-F238E27FC236}">
+                <a16:creationId xmlns:a16="http://schemas.microsoft.com/office/drawing/2014/main" id="{9C0AF2B5-1A83-4347-9BE4-99AFD24A91D2}"/>
+              </a:ext>
+            </a:extLst>
+          </p:cNvPr>
+          <p:cNvPicPr>
+            <a:picLocks noChangeAspect="1"/>
+          </p:cNvPicPr>
+          <p:nvPr/>
+        </p:nvPicPr>
+        <p:blipFill>
+          <a:blip r:embed="rId3"/>
+          <a:stretch>
+            <a:fillRect/>
+          </a:stretch>
+        </p:blipFill>
+        <p:spPr>
+          <a:xfrm>
+            <a:off x="6897061" y="2783804"/>
+            <a:ext cx="2333959" cy="3881335"/>
+          </a:xfrm>
+          <a:prstGeom prst="rect">
+            <a:avLst/>
+          </a:prstGeom>
+        </p:spPr>
+      </p:pic>
+      <p:sp>
+        <p:nvSpPr>
+          <p:cNvPr id="11" name="TextBox 10">
+            <a:extLst>
+              <a:ext uri="{FF2B5EF4-FFF2-40B4-BE49-F238E27FC236}">
+                <a16:creationId xmlns:a16="http://schemas.microsoft.com/office/drawing/2014/main" id="{D6E6EA75-1D53-47A6-AF43-F48DD1B78D7B}"/>
+              </a:ext>
+            </a:extLst>
+          </p:cNvPr>
+          <p:cNvSpPr txBox="1"/>
+          <p:nvPr/>
+        </p:nvSpPr>
+        <p:spPr>
+          <a:xfrm>
+            <a:off x="6673910" y="2260584"/>
+            <a:ext cx="2557110" cy="523220"/>
+          </a:xfrm>
+          <a:prstGeom prst="rect">
+            <a:avLst/>
+          </a:prstGeom>
+          <a:noFill/>
+        </p:spPr>
+        <p:txBody>
+          <a:bodyPr wrap="none" rtlCol="0">
+            <a:spAutoFit/>
+          </a:bodyPr>
+          <a:lstStyle/>
+          <a:p>
+            <a:r>
+              <a:rPr lang="ko-KR" altLang="en-US" sz="1400" dirty="0"/>
+              <a:t>투표율이 </a:t>
+            </a:r>
+            <a:r>
+              <a:rPr lang="en-US" altLang="ko-KR" sz="1400" dirty="0"/>
+              <a:t>40%</a:t>
+            </a:r>
+            <a:r>
+              <a:rPr lang="ko-KR" altLang="en-US" sz="1400" dirty="0"/>
+              <a:t>넘지 않았을 때</a:t>
+            </a:r>
+            <a:r>
+              <a:rPr lang="en-US" altLang="ko-KR" sz="1400" dirty="0"/>
+              <a:t>,</a:t>
+            </a:r>
+          </a:p>
+          <a:p>
+            <a:r>
+              <a:rPr lang="ko-KR" altLang="en-US" sz="1400" dirty="0"/>
+              <a:t>투표종료일에 도달했을 때</a:t>
+            </a:r>
+          </a:p>
+        </p:txBody>
+      </p:sp>
+      <p:pic>
+        <p:nvPicPr>
+          <p:cNvPr id="13" name="그림 12">
+            <a:extLst>
+              <a:ext uri="{FF2B5EF4-FFF2-40B4-BE49-F238E27FC236}">
+                <a16:creationId xmlns:a16="http://schemas.microsoft.com/office/drawing/2014/main" id="{A94E90F0-84C8-4DFE-91ED-437534043351}"/>
+              </a:ext>
+            </a:extLst>
+          </p:cNvPr>
+          <p:cNvPicPr>
+            <a:picLocks noChangeAspect="1"/>
+          </p:cNvPicPr>
+          <p:nvPr/>
+        </p:nvPicPr>
+        <p:blipFill>
+          <a:blip r:embed="rId4"/>
+          <a:stretch>
+            <a:fillRect/>
+          </a:stretch>
+        </p:blipFill>
+        <p:spPr>
+          <a:xfrm>
+            <a:off x="9326142" y="2794496"/>
+            <a:ext cx="2333959" cy="3870643"/>
+          </a:xfrm>
+          <a:prstGeom prst="rect">
+            <a:avLst/>
+          </a:prstGeom>
+        </p:spPr>
+      </p:pic>
+      <p:sp>
+        <p:nvSpPr>
+          <p:cNvPr id="14" name="TextBox 13">
+            <a:extLst>
+              <a:ext uri="{FF2B5EF4-FFF2-40B4-BE49-F238E27FC236}">
+                <a16:creationId xmlns:a16="http://schemas.microsoft.com/office/drawing/2014/main" id="{991D6B5F-4441-488D-9FC9-D49BEF9245D5}"/>
+              </a:ext>
+            </a:extLst>
+          </p:cNvPr>
+          <p:cNvSpPr txBox="1"/>
+          <p:nvPr/>
+        </p:nvSpPr>
+        <p:spPr>
+          <a:xfrm>
+            <a:off x="9326142" y="2337528"/>
+            <a:ext cx="2513830" cy="369332"/>
+          </a:xfrm>
+          <a:prstGeom prst="rect">
+            <a:avLst/>
+          </a:prstGeom>
+          <a:noFill/>
+        </p:spPr>
+        <p:txBody>
+          <a:bodyPr wrap="none" rtlCol="0">
+            <a:spAutoFit/>
+          </a:bodyPr>
           <a:lstStyle/>
           <a:p>
             <a:r>
               <a:rPr lang="ko-KR" altLang="en-US" dirty="0" err="1"/>
-              <a:t>작성하여주십시오</a:t>
+              <a:t>브릿지</a:t>
+            </a:r>
+            <a:r>
+              <a:rPr lang="ko-KR" altLang="en-US" dirty="0"/>
+              <a:t> </a:t>
+            </a:r>
+            <a:r>
+              <a:rPr lang="en-US" altLang="ko-KR" dirty="0"/>
+              <a:t>6, </a:t>
+            </a:r>
+            <a:r>
+              <a:rPr lang="ko-KR" altLang="en-US" dirty="0"/>
+              <a:t>기권 </a:t>
+            </a:r>
+            <a:r>
+              <a:rPr lang="en-US" altLang="ko-KR" dirty="0"/>
+              <a:t>2</a:t>
+            </a:r>
+            <a:r>
+              <a:rPr lang="ko-KR" altLang="en-US" dirty="0"/>
+              <a:t>일 때</a:t>
+            </a:r>
+          </a:p>
+        </p:txBody>
+      </p:sp>
+      <p:sp>
+        <p:nvSpPr>
+          <p:cNvPr id="15" name="TextBox 14">
+            <a:extLst>
+              <a:ext uri="{FF2B5EF4-FFF2-40B4-BE49-F238E27FC236}">
+                <a16:creationId xmlns:a16="http://schemas.microsoft.com/office/drawing/2014/main" id="{246A5D98-814D-41E3-9CCF-5A20156D7F95}"/>
+              </a:ext>
+            </a:extLst>
+          </p:cNvPr>
+          <p:cNvSpPr txBox="1"/>
+          <p:nvPr/>
+        </p:nvSpPr>
+        <p:spPr>
+          <a:xfrm>
+            <a:off x="142959" y="2046751"/>
+            <a:ext cx="3783597" cy="2031325"/>
+          </a:xfrm>
+          <a:prstGeom prst="rect">
+            <a:avLst/>
+          </a:prstGeom>
+          <a:noFill/>
+        </p:spPr>
+        <p:txBody>
+          <a:bodyPr wrap="square" rtlCol="0">
+            <a:spAutoFit/>
+          </a:bodyPr>
+          <a:lstStyle/>
+          <a:p>
+            <a:r>
+              <a:rPr lang="ko-KR" altLang="en-US" dirty="0"/>
+              <a:t>사전조건</a:t>
+            </a:r>
+            <a:r>
+              <a:rPr lang="en-US" altLang="ko-KR" dirty="0"/>
+              <a:t>:</a:t>
+            </a:r>
+          </a:p>
+          <a:p>
+            <a:r>
+              <a:rPr lang="ko-KR" altLang="en-US" dirty="0"/>
+              <a:t>선거를 총학생회 선거 </a:t>
+            </a:r>
+            <a:r>
+              <a:rPr lang="en-US" altLang="ko-KR" dirty="0"/>
+              <a:t>1</a:t>
+            </a:r>
+            <a:r>
+              <a:rPr lang="ko-KR" altLang="en-US" dirty="0"/>
+              <a:t>개를 생성하고서</a:t>
+            </a:r>
+            <a:r>
+              <a:rPr lang="en-US" altLang="ko-KR" dirty="0"/>
+              <a:t>, </a:t>
+            </a:r>
+            <a:r>
+              <a:rPr lang="ko-KR" altLang="en-US" dirty="0"/>
+              <a:t>학생 </a:t>
+            </a:r>
+            <a:r>
+              <a:rPr lang="en-US" altLang="ko-KR" dirty="0"/>
+              <a:t>6</a:t>
+            </a:r>
+            <a:r>
+              <a:rPr lang="ko-KR" altLang="en-US" dirty="0"/>
+              <a:t>명이 각각 투표했을 때 다음과 같은 결과가 나온다</a:t>
             </a:r>
             <a:r>
               <a:rPr lang="en-US" altLang="ko-KR" dirty="0"/>
               <a:t>.</a:t>
+            </a:r>
+          </a:p>
+          <a:p>
+            <a:r>
+              <a:rPr lang="en-US" altLang="ko-KR" dirty="0"/>
+              <a:t>(</a:t>
+            </a:r>
+            <a:r>
+              <a:rPr lang="ko-KR" altLang="en-US" dirty="0"/>
+              <a:t>임시로 선거 결과가 보이게 하기 위해서 선거종료날짜 및 선거시작날짜를 조정하였음</a:t>
+            </a:r>
+            <a:r>
+              <a:rPr lang="en-US" altLang="ko-KR" dirty="0"/>
+              <a:t>)</a:t>
             </a:r>
             <a:endParaRPr lang="ko-KR" altLang="en-US" dirty="0"/>
           </a:p>
@@ -17704,7 +17996,7 @@
           <p:cNvPr id="2" name="제목 1">
             <a:extLst>
               <a:ext uri="{FF2B5EF4-FFF2-40B4-BE49-F238E27FC236}">
-                <a16:creationId xmlns:a16="http://schemas.microsoft.com/office/drawing/2014/main" id="{065E134B-6B70-4C74-B101-F996ADEBB5AB}"/>
+                <a16:creationId xmlns:a16="http://schemas.microsoft.com/office/drawing/2014/main" id="{56BD3F24-61E2-4B9B-BF8D-092DAFCD1A6E}"/>
               </a:ext>
             </a:extLst>
           </p:cNvPr>
@@ -17712,7 +18004,7 @@
             <a:spLocks noGrp="1"/>
           </p:cNvSpPr>
           <p:nvPr>
-            <p:ph type="ctrTitle"/>
+            <p:ph type="title"/>
           </p:nvPr>
         </p:nvSpPr>
         <p:spPr/>
@@ -17721,20 +18013,226 @@
           <a:lstStyle/>
           <a:p>
             <a:r>
-              <a:rPr lang="ko-KR" altLang="en-US" dirty="0" err="1"/>
-              <a:t>미시행</a:t>
-            </a:r>
-            <a:r>
-              <a:rPr lang="ko-KR" altLang="en-US" dirty="0"/>
-              <a:t> 시나리오 목록</a:t>
-            </a:r>
+              <a:rPr lang="ko-KR" altLang="en-US" dirty="0"/>
+              <a:t>시나리오</a:t>
+            </a:r>
+            <a:r>
+              <a:rPr lang="en-US" altLang="ko-KR" dirty="0"/>
+              <a:t>#32 : </a:t>
+            </a:r>
+            <a:r>
+              <a:rPr lang="ko-KR" altLang="en-US" dirty="0"/>
+              <a:t>재학중이 아닌 학생</a:t>
+            </a:r>
+            <a:r>
+              <a:rPr lang="en-US" altLang="ko-KR" dirty="0"/>
+              <a:t>(</a:t>
+            </a:r>
+            <a:r>
+              <a:rPr lang="ko-KR" altLang="en-US" dirty="0"/>
+              <a:t>휴학</a:t>
+            </a:r>
+            <a:r>
+              <a:rPr lang="en-US" altLang="ko-KR" dirty="0"/>
+              <a:t>)</a:t>
+            </a:r>
+            <a:r>
+              <a:rPr lang="ko-KR" altLang="en-US" dirty="0"/>
+              <a:t>이 모든 선거의 결과를 확인한다</a:t>
+            </a:r>
+            <a:r>
+              <a:rPr lang="en-US" altLang="ko-KR" dirty="0"/>
+              <a:t>.</a:t>
+            </a:r>
+            <a:endParaRPr lang="ko-KR" altLang="en-US" dirty="0"/>
+          </a:p>
+        </p:txBody>
+      </p:sp>
+      <p:pic>
+        <p:nvPicPr>
+          <p:cNvPr id="5" name="내용 개체 틀 4">
+            <a:extLst>
+              <a:ext uri="{FF2B5EF4-FFF2-40B4-BE49-F238E27FC236}">
+                <a16:creationId xmlns:a16="http://schemas.microsoft.com/office/drawing/2014/main" id="{57E87C06-0F7C-462B-89B1-0E9E87EBBC4D}"/>
+              </a:ext>
+            </a:extLst>
+          </p:cNvPr>
+          <p:cNvPicPr>
+            <a:picLocks noGrp="1" noChangeAspect="1"/>
+          </p:cNvPicPr>
+          <p:nvPr>
+            <p:ph idx="1"/>
+          </p:nvPr>
+        </p:nvPicPr>
+        <p:blipFill>
+          <a:blip r:embed="rId2"/>
+          <a:stretch>
+            <a:fillRect/>
+          </a:stretch>
+        </p:blipFill>
+        <p:spPr>
+          <a:xfrm>
+            <a:off x="4682679" y="2046751"/>
+            <a:ext cx="2625307" cy="4351338"/>
+          </a:xfrm>
+        </p:spPr>
+      </p:pic>
+      <p:sp>
+        <p:nvSpPr>
+          <p:cNvPr id="6" name="TextBox 5">
+            <a:extLst>
+              <a:ext uri="{FF2B5EF4-FFF2-40B4-BE49-F238E27FC236}">
+                <a16:creationId xmlns:a16="http://schemas.microsoft.com/office/drawing/2014/main" id="{C4615366-C1F1-428F-924A-DA0DAAC90E2C}"/>
+              </a:ext>
+            </a:extLst>
+          </p:cNvPr>
+          <p:cNvSpPr txBox="1"/>
+          <p:nvPr/>
+        </p:nvSpPr>
+        <p:spPr>
+          <a:xfrm>
+            <a:off x="7726261" y="2248249"/>
+            <a:ext cx="2797561" cy="1200329"/>
+          </a:xfrm>
+          <a:prstGeom prst="rect">
+            <a:avLst/>
+          </a:prstGeom>
+          <a:noFill/>
+        </p:spPr>
+        <p:txBody>
+          <a:bodyPr wrap="none" rtlCol="0">
+            <a:spAutoFit/>
+          </a:bodyPr>
+          <a:lstStyle/>
+          <a:p>
+            <a:r>
+              <a:rPr lang="ko-KR" altLang="en-US" dirty="0"/>
+              <a:t>휴학 중인 학생이 선거</a:t>
+            </a:r>
+            <a:endParaRPr lang="en-US" altLang="ko-KR" dirty="0"/>
+          </a:p>
+          <a:p>
+            <a:r>
+              <a:rPr lang="ko-KR" altLang="en-US" dirty="0"/>
+              <a:t>결과 확인 시 잘 나온다</a:t>
+            </a:r>
+            <a:r>
+              <a:rPr lang="en-US" altLang="ko-KR" dirty="0"/>
+              <a:t>.</a:t>
+            </a:r>
+          </a:p>
+          <a:p>
+            <a:endParaRPr lang="en-US" altLang="ko-KR" dirty="0"/>
+          </a:p>
+          <a:p>
+            <a:r>
+              <a:rPr lang="en-US" altLang="ko-KR" dirty="0"/>
+              <a:t>(</a:t>
+            </a:r>
+            <a:r>
+              <a:rPr lang="ko-KR" altLang="en-US" dirty="0"/>
+              <a:t>물론 투표하기는 안된다</a:t>
+            </a:r>
+            <a:r>
+              <a:rPr lang="en-US" altLang="ko-KR" dirty="0"/>
+              <a:t>)</a:t>
+            </a:r>
+            <a:endParaRPr lang="ko-KR" altLang="en-US" dirty="0"/>
+          </a:p>
+        </p:txBody>
+      </p:sp>
+      <p:sp>
+        <p:nvSpPr>
+          <p:cNvPr id="10" name="TextBox 9">
+            <a:extLst>
+              <a:ext uri="{FF2B5EF4-FFF2-40B4-BE49-F238E27FC236}">
+                <a16:creationId xmlns:a16="http://schemas.microsoft.com/office/drawing/2014/main" id="{EE9AFE13-517C-4294-A8C7-DC3B0CF6B594}"/>
+              </a:ext>
+            </a:extLst>
+          </p:cNvPr>
+          <p:cNvSpPr txBox="1"/>
+          <p:nvPr/>
+        </p:nvSpPr>
+        <p:spPr>
+          <a:xfrm>
+            <a:off x="142959" y="2046751"/>
+            <a:ext cx="3783597" cy="2031325"/>
+          </a:xfrm>
+          <a:prstGeom prst="rect">
+            <a:avLst/>
+          </a:prstGeom>
+          <a:noFill/>
+        </p:spPr>
+        <p:txBody>
+          <a:bodyPr wrap="square" rtlCol="0">
+            <a:spAutoFit/>
+          </a:bodyPr>
+          <a:lstStyle/>
+          <a:p>
+            <a:r>
+              <a:rPr lang="ko-KR" altLang="en-US" dirty="0"/>
+              <a:t>사전조건</a:t>
+            </a:r>
+            <a:r>
+              <a:rPr lang="en-US" altLang="ko-KR" dirty="0"/>
+              <a:t>:</a:t>
+            </a:r>
+          </a:p>
+          <a:p>
+            <a:r>
+              <a:rPr lang="ko-KR" altLang="en-US" dirty="0"/>
+              <a:t>선거를 총학생회 선거 </a:t>
+            </a:r>
+            <a:r>
+              <a:rPr lang="en-US" altLang="ko-KR" dirty="0"/>
+              <a:t>1</a:t>
+            </a:r>
+            <a:r>
+              <a:rPr lang="ko-KR" altLang="en-US" dirty="0"/>
+              <a:t>개를 생성하고서</a:t>
+            </a:r>
+            <a:r>
+              <a:rPr lang="en-US" altLang="ko-KR" dirty="0"/>
+              <a:t>, </a:t>
+            </a:r>
+            <a:r>
+              <a:rPr lang="ko-KR" altLang="en-US" dirty="0"/>
+              <a:t>학생 </a:t>
+            </a:r>
+            <a:r>
+              <a:rPr lang="en-US" altLang="ko-KR" dirty="0"/>
+              <a:t>6</a:t>
+            </a:r>
+            <a:r>
+              <a:rPr lang="ko-KR" altLang="en-US" dirty="0"/>
+              <a:t>명이 각각 투표했을 때 다음과 같은 결과가 나온다</a:t>
+            </a:r>
+            <a:r>
+              <a:rPr lang="en-US" altLang="ko-KR" dirty="0"/>
+              <a:t>.</a:t>
+            </a:r>
+          </a:p>
+          <a:p>
+            <a:r>
+              <a:rPr lang="en-US" altLang="ko-KR" dirty="0"/>
+              <a:t>(</a:t>
+            </a:r>
+            <a:r>
+              <a:rPr lang="ko-KR" altLang="en-US" dirty="0"/>
+              <a:t>임시로 선거 결과가 보이게 하기 위해서 선거종료날짜 및 선거시작날짜를 조정하였음</a:t>
+            </a:r>
+            <a:r>
+              <a:rPr lang="en-US" altLang="ko-KR" dirty="0"/>
+              <a:t>)</a:t>
+            </a:r>
+            <a:endParaRPr lang="ko-KR" altLang="en-US" dirty="0"/>
           </a:p>
         </p:txBody>
       </p:sp>
     </p:spTree>
     <p:extLst>
       <p:ext uri="{BB962C8B-B14F-4D97-AF65-F5344CB8AC3E}">
-        <p14:creationId xmlns:p14="http://schemas.microsoft.com/office/powerpoint/2010/main" val="2125819996"/>
+        <p14:creationId xmlns:p14="http://schemas.microsoft.com/office/powerpoint/2010/main" val="2455322728"/>
       </p:ext>
     </p:extLst>
   </p:cSld>
@@ -17766,7 +18264,7 @@
           <p:cNvPr id="2" name="제목 1">
             <a:extLst>
               <a:ext uri="{FF2B5EF4-FFF2-40B4-BE49-F238E27FC236}">
-                <a16:creationId xmlns:a16="http://schemas.microsoft.com/office/drawing/2014/main" id="{90807F92-7D9D-40AD-BD42-987064ADE3A3}"/>
+                <a16:creationId xmlns:a16="http://schemas.microsoft.com/office/drawing/2014/main" id="{065E134B-6B70-4C74-B101-F996ADEBB5AB}"/>
               </a:ext>
             </a:extLst>
           </p:cNvPr>
@@ -17774,7 +18272,7 @@
             <a:spLocks noGrp="1"/>
           </p:cNvSpPr>
           <p:nvPr>
-            <p:ph type="title"/>
+            <p:ph type="ctrTitle"/>
           </p:nvPr>
         </p:nvSpPr>
         <p:spPr/>
@@ -17790,141 +18288,13 @@
               <a:rPr lang="ko-KR" altLang="en-US" dirty="0"/>
               <a:t> 시나리오 목록</a:t>
             </a:r>
-          </a:p>
-        </p:txBody>
-      </p:sp>
-      <p:sp>
-        <p:nvSpPr>
-          <p:cNvPr id="3" name="내용 개체 틀 2">
-            <a:extLst>
-              <a:ext uri="{FF2B5EF4-FFF2-40B4-BE49-F238E27FC236}">
-                <a16:creationId xmlns:a16="http://schemas.microsoft.com/office/drawing/2014/main" id="{715E2CC5-4E5B-4624-A6DF-7FBBE383F416}"/>
-              </a:ext>
-            </a:extLst>
-          </p:cNvPr>
-          <p:cNvSpPr>
-            <a:spLocks noGrp="1"/>
-          </p:cNvSpPr>
-          <p:nvPr>
-            <p:ph idx="1"/>
-          </p:nvPr>
-        </p:nvSpPr>
-        <p:spPr/>
-        <p:txBody>
-          <a:bodyPr>
-            <a:normAutofit fontScale="92500"/>
-          </a:bodyPr>
-          <a:lstStyle/>
-          <a:p>
-            <a:r>
-              <a:rPr lang="ko-KR" altLang="en-US" dirty="0">
-                <a:solidFill>
-                  <a:srgbClr val="FF0000"/>
-                </a:solidFill>
-              </a:rPr>
-              <a:t>선거 결과 확인에 대한 시나리오는 준비하지 않음</a:t>
-            </a:r>
-            <a:r>
-              <a:rPr lang="en-US" altLang="ko-KR" dirty="0">
-                <a:solidFill>
-                  <a:srgbClr val="FF0000"/>
-                </a:solidFill>
-              </a:rPr>
-              <a:t>.</a:t>
-            </a:r>
-          </a:p>
-          <a:p>
-            <a:pPr>
-              <a:buFont typeface="Symbol" panose="05050102010706020507" pitchFamily="18" charset="2"/>
-              <a:buChar char="Þ"/>
-            </a:pPr>
-            <a:r>
-              <a:rPr lang="ko-KR" altLang="en-US" dirty="0">
-                <a:solidFill>
-                  <a:srgbClr val="FF0000"/>
-                </a:solidFill>
-              </a:rPr>
-              <a:t>혜령 팀원 담당임</a:t>
-            </a:r>
-            <a:endParaRPr lang="en-US" altLang="ko-KR" dirty="0">
-              <a:solidFill>
-                <a:srgbClr val="FF0000"/>
-              </a:solidFill>
-            </a:endParaRPr>
-          </a:p>
-          <a:p>
-            <a:r>
-              <a:rPr lang="ko-KR" altLang="en-US" dirty="0"/>
-              <a:t>선거 투표용지를 받은 학생이 있을 때 관리자가 선거를 강제종료</a:t>
-            </a:r>
-            <a:endParaRPr lang="en-US" altLang="ko-KR" dirty="0"/>
-          </a:p>
-          <a:p>
-            <a:r>
-              <a:rPr lang="ko-KR" altLang="en-US" dirty="0"/>
-              <a:t>선거에 학생이 투표한 후에 관리자가 선거를 강제종료</a:t>
-            </a:r>
-            <a:endParaRPr lang="en-US" altLang="ko-KR" dirty="0"/>
-          </a:p>
-          <a:p>
-            <a:r>
-              <a:rPr lang="ko-KR" altLang="en-US" dirty="0"/>
-              <a:t>각 단과대별 선거 진행</a:t>
-            </a:r>
-            <a:endParaRPr lang="en-US" altLang="ko-KR" dirty="0"/>
-          </a:p>
-          <a:p>
-            <a:r>
-              <a:rPr lang="ko-KR" altLang="en-US" dirty="0"/>
-              <a:t>총학생회와 </a:t>
-            </a:r>
-            <a:r>
-              <a:rPr lang="ko-KR" altLang="en-US" dirty="0" err="1"/>
-              <a:t>단과대</a:t>
-            </a:r>
-            <a:r>
-              <a:rPr lang="ko-KR" altLang="en-US" dirty="0"/>
-              <a:t> 선거 동시 진행</a:t>
-            </a:r>
-            <a:endParaRPr lang="en-US" altLang="ko-KR" dirty="0"/>
-          </a:p>
-          <a:p>
-            <a:r>
-              <a:rPr lang="ko-KR" altLang="en-US" dirty="0"/>
-              <a:t>보궐 선거 관련</a:t>
-            </a:r>
-            <a:endParaRPr lang="en-US" altLang="ko-KR" dirty="0"/>
-          </a:p>
-          <a:p>
-            <a:r>
-              <a:rPr lang="en-US" altLang="ko-KR" dirty="0"/>
-              <a:t>… </a:t>
-            </a:r>
-            <a:r>
-              <a:rPr lang="ko-KR" altLang="en-US" dirty="0"/>
-              <a:t>등등</a:t>
-            </a:r>
-            <a:endParaRPr lang="en-US" altLang="ko-KR" dirty="0"/>
-          </a:p>
-          <a:p>
-            <a:r>
-              <a:rPr lang="ko-KR" altLang="en-US" b="1" u="sng" dirty="0"/>
-              <a:t>시나리오 아이디어 구함요</a:t>
-            </a:r>
-            <a:r>
-              <a:rPr lang="en-US" altLang="ko-KR" b="1" u="sng" dirty="0"/>
-              <a:t>.</a:t>
-            </a:r>
-          </a:p>
-          <a:p>
-            <a:endParaRPr lang="ko-KR" altLang="en-US" dirty="0"/>
           </a:p>
         </p:txBody>
       </p:sp>
     </p:spTree>
     <p:extLst>
       <p:ext uri="{BB962C8B-B14F-4D97-AF65-F5344CB8AC3E}">
-        <p14:creationId xmlns:p14="http://schemas.microsoft.com/office/powerpoint/2010/main" val="947573483"/>
+        <p14:creationId xmlns:p14="http://schemas.microsoft.com/office/powerpoint/2010/main" val="2125819996"/>
       </p:ext>
     </p:extLst>
   </p:cSld>
@@ -18074,6 +18444,211 @@
           <p:cNvPr id="2" name="제목 1">
             <a:extLst>
               <a:ext uri="{FF2B5EF4-FFF2-40B4-BE49-F238E27FC236}">
+                <a16:creationId xmlns:a16="http://schemas.microsoft.com/office/drawing/2014/main" id="{90807F92-7D9D-40AD-BD42-987064ADE3A3}"/>
+              </a:ext>
+            </a:extLst>
+          </p:cNvPr>
+          <p:cNvSpPr>
+            <a:spLocks noGrp="1"/>
+          </p:cNvSpPr>
+          <p:nvPr>
+            <p:ph type="title"/>
+          </p:nvPr>
+        </p:nvSpPr>
+        <p:spPr/>
+        <p:txBody>
+          <a:bodyPr/>
+          <a:lstStyle/>
+          <a:p>
+            <a:r>
+              <a:rPr lang="ko-KR" altLang="en-US" dirty="0" err="1"/>
+              <a:t>미시행</a:t>
+            </a:r>
+            <a:r>
+              <a:rPr lang="ko-KR" altLang="en-US" dirty="0"/>
+              <a:t> 시나리오 목록</a:t>
+            </a:r>
+          </a:p>
+        </p:txBody>
+      </p:sp>
+      <p:sp>
+        <p:nvSpPr>
+          <p:cNvPr id="3" name="내용 개체 틀 2">
+            <a:extLst>
+              <a:ext uri="{FF2B5EF4-FFF2-40B4-BE49-F238E27FC236}">
+                <a16:creationId xmlns:a16="http://schemas.microsoft.com/office/drawing/2014/main" id="{715E2CC5-4E5B-4624-A6DF-7FBBE383F416}"/>
+              </a:ext>
+            </a:extLst>
+          </p:cNvPr>
+          <p:cNvSpPr>
+            <a:spLocks noGrp="1"/>
+          </p:cNvSpPr>
+          <p:nvPr>
+            <p:ph idx="1"/>
+          </p:nvPr>
+        </p:nvSpPr>
+        <p:spPr/>
+        <p:txBody>
+          <a:bodyPr>
+            <a:normAutofit fontScale="92500"/>
+          </a:bodyPr>
+          <a:lstStyle/>
+          <a:p>
+            <a:r>
+              <a:rPr lang="ko-KR" altLang="en-US" dirty="0">
+                <a:solidFill>
+                  <a:srgbClr val="FF0000"/>
+                </a:solidFill>
+              </a:rPr>
+              <a:t>선거 결과 확인에 대한 시나리오는 준비하지 않음</a:t>
+            </a:r>
+            <a:r>
+              <a:rPr lang="en-US" altLang="ko-KR" dirty="0">
+                <a:solidFill>
+                  <a:srgbClr val="FF0000"/>
+                </a:solidFill>
+              </a:rPr>
+              <a:t>.</a:t>
+            </a:r>
+          </a:p>
+          <a:p>
+            <a:pPr>
+              <a:buFont typeface="Symbol" panose="05050102010706020507" pitchFamily="18" charset="2"/>
+              <a:buChar char="Þ"/>
+            </a:pPr>
+            <a:r>
+              <a:rPr lang="ko-KR" altLang="en-US" dirty="0">
+                <a:solidFill>
+                  <a:srgbClr val="FF0000"/>
+                </a:solidFill>
+              </a:rPr>
+              <a:t>혜령 팀원 담당임</a:t>
+            </a:r>
+            <a:endParaRPr lang="en-US" altLang="ko-KR" dirty="0">
+              <a:solidFill>
+                <a:srgbClr val="FF0000"/>
+              </a:solidFill>
+            </a:endParaRPr>
+          </a:p>
+          <a:p>
+            <a:r>
+              <a:rPr lang="ko-KR" altLang="en-US" dirty="0"/>
+              <a:t>선거 투표용지를 받은 학생이 있을 때 관리자가 선거를 강제종료</a:t>
+            </a:r>
+            <a:endParaRPr lang="en-US" altLang="ko-KR" dirty="0"/>
+          </a:p>
+          <a:p>
+            <a:r>
+              <a:rPr lang="ko-KR" altLang="en-US" dirty="0"/>
+              <a:t>선거에 학생이 투표한 후에 관리자가 선거를 강제종료</a:t>
+            </a:r>
+            <a:endParaRPr lang="en-US" altLang="ko-KR" dirty="0"/>
+          </a:p>
+          <a:p>
+            <a:r>
+              <a:rPr lang="ko-KR" altLang="en-US" dirty="0"/>
+              <a:t>각 단과대별 선거 진행</a:t>
+            </a:r>
+            <a:endParaRPr lang="en-US" altLang="ko-KR" dirty="0"/>
+          </a:p>
+          <a:p>
+            <a:r>
+              <a:rPr lang="ko-KR" altLang="en-US" dirty="0"/>
+              <a:t>총학생회와 </a:t>
+            </a:r>
+            <a:r>
+              <a:rPr lang="ko-KR" altLang="en-US" dirty="0" err="1"/>
+              <a:t>단과대</a:t>
+            </a:r>
+            <a:r>
+              <a:rPr lang="ko-KR" altLang="en-US" dirty="0"/>
+              <a:t> 선거 동시 진행</a:t>
+            </a:r>
+            <a:r>
+              <a:rPr lang="en-US" altLang="ko-KR" dirty="0"/>
+              <a:t>(</a:t>
+            </a:r>
+            <a:r>
+              <a:rPr lang="ko-KR" altLang="en-US" dirty="0" err="1"/>
+              <a:t>단과대</a:t>
+            </a:r>
+            <a:r>
+              <a:rPr lang="ko-KR" altLang="en-US" dirty="0"/>
+              <a:t> 여러 개 만들어서 진행</a:t>
+            </a:r>
+            <a:r>
+              <a:rPr lang="en-US" altLang="ko-KR" dirty="0"/>
+              <a:t>)</a:t>
+            </a:r>
+          </a:p>
+          <a:p>
+            <a:r>
+              <a:rPr lang="ko-KR" altLang="en-US" dirty="0"/>
+              <a:t>보궐 선거 관련</a:t>
+            </a:r>
+            <a:endParaRPr lang="en-US" altLang="ko-KR" dirty="0"/>
+          </a:p>
+          <a:p>
+            <a:r>
+              <a:rPr lang="en-US" altLang="ko-KR" dirty="0"/>
+              <a:t>… </a:t>
+            </a:r>
+            <a:r>
+              <a:rPr lang="ko-KR" altLang="en-US" dirty="0"/>
+              <a:t>등등</a:t>
+            </a:r>
+            <a:endParaRPr lang="en-US" altLang="ko-KR" dirty="0"/>
+          </a:p>
+          <a:p>
+            <a:r>
+              <a:rPr lang="ko-KR" altLang="en-US" b="1" u="sng" dirty="0"/>
+              <a:t>시나리오 아이디어 구함요</a:t>
+            </a:r>
+            <a:r>
+              <a:rPr lang="en-US" altLang="ko-KR" b="1" u="sng" dirty="0"/>
+              <a:t>.</a:t>
+            </a:r>
+          </a:p>
+          <a:p>
+            <a:endParaRPr lang="ko-KR" altLang="en-US" dirty="0"/>
+          </a:p>
+        </p:txBody>
+      </p:sp>
+    </p:spTree>
+    <p:extLst>
+      <p:ext uri="{BB962C8B-B14F-4D97-AF65-F5344CB8AC3E}">
+        <p14:creationId xmlns:p14="http://schemas.microsoft.com/office/powerpoint/2010/main" val="947573483"/>
+      </p:ext>
+    </p:extLst>
+  </p:cSld>
+  <p:clrMapOvr>
+    <a:masterClrMapping/>
+  </p:clrMapOvr>
+</p:sld>
+</file>
+
+<file path=ppt/slides/slide61.xml><?xml version="1.0" encoding="utf-8"?>
+<p:sld xmlns:a="http://schemas.openxmlformats.org/drawingml/2006/main" xmlns:r="http://schemas.openxmlformats.org/officeDocument/2006/relationships" xmlns:p="http://schemas.openxmlformats.org/presentationml/2006/main">
+  <p:cSld>
+    <p:spTree>
+      <p:nvGrpSpPr>
+        <p:cNvPr id="1" name=""/>
+        <p:cNvGrpSpPr/>
+        <p:nvPr/>
+      </p:nvGrpSpPr>
+      <p:grpSpPr>
+        <a:xfrm>
+          <a:off x="0" y="0"/>
+          <a:ext cx="0" cy="0"/>
+          <a:chOff x="0" y="0"/>
+          <a:chExt cx="0" cy="0"/>
+        </a:xfrm>
+      </p:grpSpPr>
+      <p:sp>
+        <p:nvSpPr>
+          <p:cNvPr id="2" name="제목 1">
+            <a:extLst>
+              <a:ext uri="{FF2B5EF4-FFF2-40B4-BE49-F238E27FC236}">
                 <a16:creationId xmlns:a16="http://schemas.microsoft.com/office/drawing/2014/main" id="{065E134B-6B70-4C74-B101-F996ADEBB5AB}"/>
               </a:ext>
             </a:extLst>
@@ -18110,7 +18685,7 @@
 </p:sld>
 </file>
 
-<file path=ppt/slides/slide61.xml><?xml version="1.0" encoding="utf-8"?>
+<file path=ppt/slides/slide62.xml><?xml version="1.0" encoding="utf-8"?>
 <p:sld xmlns:a="http://schemas.openxmlformats.org/drawingml/2006/main" xmlns:r="http://schemas.openxmlformats.org/officeDocument/2006/relationships" xmlns:p="http://schemas.openxmlformats.org/presentationml/2006/main">
   <p:cSld>
     <p:spTree>

--- a/Document/Testcase/Testcase #1.pptx
+++ b/Document/Testcase/Testcase #1.pptx
@@ -62,11 +62,14 @@
     <p:sldId id="316" r:id="rId56"/>
     <p:sldId id="317" r:id="rId57"/>
     <p:sldId id="299" r:id="rId58"/>
-    <p:sldId id="318" r:id="rId59"/>
-    <p:sldId id="290" r:id="rId60"/>
-    <p:sldId id="280" r:id="rId61"/>
-    <p:sldId id="295" r:id="rId62"/>
-    <p:sldId id="294" r:id="rId63"/>
+    <p:sldId id="320" r:id="rId59"/>
+    <p:sldId id="318" r:id="rId60"/>
+    <p:sldId id="319" r:id="rId61"/>
+    <p:sldId id="321" r:id="rId62"/>
+    <p:sldId id="290" r:id="rId63"/>
+    <p:sldId id="280" r:id="rId64"/>
+    <p:sldId id="295" r:id="rId65"/>
+    <p:sldId id="294" r:id="rId66"/>
   </p:sldIdLst>
   <p:sldSz cx="12192000" cy="6858000"/>
   <p:notesSz cx="6858000" cy="9144000"/>
@@ -17637,6 +17640,19 @@
               <a:rPr lang="ko-KR" altLang="en-US" dirty="0"/>
               <a:t>재학중인 학생이 모든 선거의 결과를 확인한다</a:t>
             </a:r>
+            <a:r>
+              <a:rPr lang="en-US" altLang="ko-KR" dirty="0"/>
+              <a:t>(</a:t>
+            </a:r>
+            <a:r>
+              <a:rPr lang="ko-KR" altLang="en-US" dirty="0"/>
+              <a:t>총학생회</a:t>
+            </a:r>
+            <a:r>
+              <a:rPr lang="en-US" altLang="ko-KR" dirty="0"/>
+              <a:t>)</a:t>
+            </a:r>
+            <a:endParaRPr lang="ko-KR" altLang="en-US" dirty="0"/>
           </a:p>
         </p:txBody>
       </p:sp>
@@ -17996,7 +18012,7 @@
           <p:cNvPr id="2" name="제목 1">
             <a:extLst>
               <a:ext uri="{FF2B5EF4-FFF2-40B4-BE49-F238E27FC236}">
-                <a16:creationId xmlns:a16="http://schemas.microsoft.com/office/drawing/2014/main" id="{56BD3F24-61E2-4B9B-BF8D-092DAFCD1A6E}"/>
+                <a16:creationId xmlns:a16="http://schemas.microsoft.com/office/drawing/2014/main" id="{CE342ECA-32E0-407C-AB38-1DEB0162C0C2}"/>
               </a:ext>
             </a:extLst>
           </p:cNvPr>
@@ -18018,31 +18034,23 @@
             </a:r>
             <a:r>
               <a:rPr lang="en-US" altLang="ko-KR" dirty="0"/>
-              <a:t>#32 : </a:t>
-            </a:r>
-            <a:r>
-              <a:rPr lang="ko-KR" altLang="en-US" dirty="0"/>
-              <a:t>재학중이 아닌 학생</a:t>
+              <a:t>#31 : </a:t>
+            </a:r>
+            <a:r>
+              <a:rPr lang="ko-KR" altLang="en-US" dirty="0"/>
+              <a:t>재학중인 학생이 모든 선거의 결과를 확인한다</a:t>
             </a:r>
             <a:r>
               <a:rPr lang="en-US" altLang="ko-KR" dirty="0"/>
               <a:t>(</a:t>
             </a:r>
             <a:r>
-              <a:rPr lang="ko-KR" altLang="en-US" dirty="0"/>
-              <a:t>휴학</a:t>
+              <a:rPr lang="ko-KR" altLang="en-US" dirty="0" err="1"/>
+              <a:t>단과대</a:t>
             </a:r>
             <a:r>
               <a:rPr lang="en-US" altLang="ko-KR" dirty="0"/>
               <a:t>)</a:t>
-            </a:r>
-            <a:r>
-              <a:rPr lang="ko-KR" altLang="en-US" dirty="0"/>
-              <a:t>이 모든 선거의 결과를 확인한다</a:t>
-            </a:r>
-            <a:r>
-              <a:rPr lang="en-US" altLang="ko-KR" dirty="0"/>
-              <a:t>.</a:t>
             </a:r>
             <a:endParaRPr lang="ko-KR" altLang="en-US" dirty="0"/>
           </a:p>
@@ -18053,7 +18061,7 @@
           <p:cNvPr id="5" name="내용 개체 틀 4">
             <a:extLst>
               <a:ext uri="{FF2B5EF4-FFF2-40B4-BE49-F238E27FC236}">
-                <a16:creationId xmlns:a16="http://schemas.microsoft.com/office/drawing/2014/main" id="{57E87C06-0F7C-462B-89B1-0E9E87EBBC4D}"/>
+                <a16:creationId xmlns:a16="http://schemas.microsoft.com/office/drawing/2014/main" id="{5294A42D-3154-44E4-B035-8CD74693B347}"/>
               </a:ext>
             </a:extLst>
           </p:cNvPr>
@@ -18072,17 +18080,17 @@
         </p:blipFill>
         <p:spPr>
           <a:xfrm>
-            <a:off x="4682679" y="2046751"/>
-            <a:ext cx="2625307" cy="4351338"/>
+            <a:off x="838200" y="2320575"/>
+            <a:ext cx="2587672" cy="4351338"/>
           </a:xfrm>
         </p:spPr>
       </p:pic>
       <p:sp>
         <p:nvSpPr>
-          <p:cNvPr id="6" name="TextBox 5">
-            <a:extLst>
-              <a:ext uri="{FF2B5EF4-FFF2-40B4-BE49-F238E27FC236}">
-                <a16:creationId xmlns:a16="http://schemas.microsoft.com/office/drawing/2014/main" id="{C4615366-C1F1-428F-924A-DA0DAAC90E2C}"/>
+          <p:cNvPr id="7" name="TextBox 6">
+            <a:extLst>
+              <a:ext uri="{FF2B5EF4-FFF2-40B4-BE49-F238E27FC236}">
+                <a16:creationId xmlns:a16="http://schemas.microsoft.com/office/drawing/2014/main" id="{8B4C0188-C1D5-4BCC-99EF-0623B62D138B}"/>
               </a:ext>
             </a:extLst>
           </p:cNvPr>
@@ -18091,8 +18099,8 @@
         </p:nvSpPr>
         <p:spPr>
           <a:xfrm>
-            <a:off x="7726261" y="2248249"/>
-            <a:ext cx="2797561" cy="1200329"/>
+            <a:off x="838200" y="1951243"/>
+            <a:ext cx="2581156" cy="369332"/>
           </a:xfrm>
           <a:prstGeom prst="rect">
             <a:avLst/>
@@ -18106,82 +18114,16 @@
           <a:lstStyle/>
           <a:p>
             <a:r>
-              <a:rPr lang="ko-KR" altLang="en-US" dirty="0"/>
-              <a:t>휴학 중인 학생이 선거</a:t>
-            </a:r>
-            <a:endParaRPr lang="en-US" altLang="ko-KR" dirty="0"/>
-          </a:p>
-          <a:p>
-            <a:r>
-              <a:rPr lang="ko-KR" altLang="en-US" dirty="0"/>
-              <a:t>결과 확인 시 잘 나온다</a:t>
-            </a:r>
-            <a:r>
-              <a:rPr lang="en-US" altLang="ko-KR" dirty="0"/>
-              <a:t>.</a:t>
-            </a:r>
-          </a:p>
-          <a:p>
-            <a:endParaRPr lang="en-US" altLang="ko-KR" dirty="0"/>
-          </a:p>
-          <a:p>
-            <a:r>
-              <a:rPr lang="en-US" altLang="ko-KR" dirty="0"/>
-              <a:t>(</a:t>
-            </a:r>
-            <a:r>
-              <a:rPr lang="ko-KR" altLang="en-US" dirty="0"/>
-              <a:t>물론 투표하기는 안된다</a:t>
-            </a:r>
-            <a:r>
-              <a:rPr lang="en-US" altLang="ko-KR" dirty="0"/>
-              <a:t>)</a:t>
-            </a:r>
-            <a:endParaRPr lang="ko-KR" altLang="en-US" dirty="0"/>
-          </a:p>
-        </p:txBody>
-      </p:sp>
-      <p:sp>
-        <p:nvSpPr>
-          <p:cNvPr id="10" name="TextBox 9">
-            <a:extLst>
-              <a:ext uri="{FF2B5EF4-FFF2-40B4-BE49-F238E27FC236}">
-                <a16:creationId xmlns:a16="http://schemas.microsoft.com/office/drawing/2014/main" id="{EE9AFE13-517C-4294-A8C7-DC3B0CF6B594}"/>
-              </a:ext>
-            </a:extLst>
-          </p:cNvPr>
-          <p:cNvSpPr txBox="1"/>
-          <p:nvPr/>
-        </p:nvSpPr>
-        <p:spPr>
-          <a:xfrm>
-            <a:off x="142959" y="2046751"/>
-            <a:ext cx="3783597" cy="2031325"/>
-          </a:xfrm>
-          <a:prstGeom prst="rect">
-            <a:avLst/>
-          </a:prstGeom>
-          <a:noFill/>
-        </p:spPr>
-        <p:txBody>
-          <a:bodyPr wrap="square" rtlCol="0">
-            <a:spAutoFit/>
-          </a:bodyPr>
-          <a:lstStyle/>
-          <a:p>
-            <a:r>
-              <a:rPr lang="ko-KR" altLang="en-US" dirty="0"/>
-              <a:t>사전조건</a:t>
-            </a:r>
-            <a:r>
-              <a:rPr lang="en-US" altLang="ko-KR" dirty="0"/>
-              <a:t>:</a:t>
-            </a:r>
-          </a:p>
-          <a:p>
-            <a:r>
-              <a:rPr lang="ko-KR" altLang="en-US" dirty="0"/>
-              <a:t>선거를 총학생회 선거 </a:t>
+              <a:rPr lang="ko-KR" altLang="en-US" dirty="0" err="1"/>
+              <a:t>인사대짱</a:t>
+            </a:r>
+            <a:r>
+              <a:rPr lang="en-US" altLang="ko-KR" dirty="0"/>
+              <a:t>3, </a:t>
+            </a:r>
+            <a:r>
+              <a:rPr lang="ko-KR" altLang="en-US" dirty="0"/>
+              <a:t>기권 </a:t>
             </a:r>
             <a:r>
               <a:rPr lang="en-US" altLang="ko-KR" dirty="0"/>
@@ -18189,50 +18131,15 @@
             </a:r>
             <a:r>
               <a:rPr lang="ko-KR" altLang="en-US" dirty="0"/>
-              <a:t>개를 생성하고서</a:t>
-            </a:r>
-            <a:r>
-              <a:rPr lang="en-US" altLang="ko-KR" dirty="0"/>
-              <a:t>, </a:t>
-            </a:r>
-            <a:r>
-              <a:rPr lang="ko-KR" altLang="en-US" dirty="0"/>
-              <a:t>학생 </a:t>
-            </a:r>
-            <a:r>
-              <a:rPr lang="en-US" altLang="ko-KR" dirty="0"/>
-              <a:t>6</a:t>
-            </a:r>
-            <a:r>
-              <a:rPr lang="ko-KR" altLang="en-US" dirty="0"/>
-              <a:t>명이 각각 투표했을 때 다음과 같은 결과가 나온다</a:t>
-            </a:r>
-            <a:r>
-              <a:rPr lang="en-US" altLang="ko-KR" dirty="0"/>
-              <a:t>.</a:t>
-            </a:r>
-          </a:p>
-          <a:p>
-            <a:r>
-              <a:rPr lang="en-US" altLang="ko-KR" dirty="0"/>
-              <a:t>(</a:t>
-            </a:r>
-            <a:r>
-              <a:rPr lang="ko-KR" altLang="en-US" dirty="0"/>
-              <a:t>임시로 선거 결과가 보이게 하기 위해서 선거종료날짜 및 선거시작날짜를 조정하였음</a:t>
-            </a:r>
-            <a:r>
-              <a:rPr lang="en-US" altLang="ko-KR" dirty="0"/>
-              <a:t>)</a:t>
-            </a:r>
-            <a:endParaRPr lang="ko-KR" altLang="en-US" dirty="0"/>
+              <a:t>일 때</a:t>
+            </a:r>
           </a:p>
         </p:txBody>
       </p:sp>
     </p:spTree>
     <p:extLst>
       <p:ext uri="{BB962C8B-B14F-4D97-AF65-F5344CB8AC3E}">
-        <p14:creationId xmlns:p14="http://schemas.microsoft.com/office/powerpoint/2010/main" val="2455322728"/>
+        <p14:creationId xmlns:p14="http://schemas.microsoft.com/office/powerpoint/2010/main" val="2048328791"/>
       </p:ext>
     </p:extLst>
   </p:cSld>
@@ -18264,7 +18171,7 @@
           <p:cNvPr id="2" name="제목 1">
             <a:extLst>
               <a:ext uri="{FF2B5EF4-FFF2-40B4-BE49-F238E27FC236}">
-                <a16:creationId xmlns:a16="http://schemas.microsoft.com/office/drawing/2014/main" id="{065E134B-6B70-4C74-B101-F996ADEBB5AB}"/>
+                <a16:creationId xmlns:a16="http://schemas.microsoft.com/office/drawing/2014/main" id="{56BD3F24-61E2-4B9B-BF8D-092DAFCD1A6E}"/>
               </a:ext>
             </a:extLst>
           </p:cNvPr>
@@ -18272,7 +18179,7 @@
             <a:spLocks noGrp="1"/>
           </p:cNvSpPr>
           <p:nvPr>
-            <p:ph type="ctrTitle"/>
+            <p:ph type="title"/>
           </p:nvPr>
         </p:nvSpPr>
         <p:spPr/>
@@ -18281,20 +18188,226 @@
           <a:lstStyle/>
           <a:p>
             <a:r>
-              <a:rPr lang="ko-KR" altLang="en-US" dirty="0" err="1"/>
-              <a:t>미시행</a:t>
-            </a:r>
-            <a:r>
-              <a:rPr lang="ko-KR" altLang="en-US" dirty="0"/>
-              <a:t> 시나리오 목록</a:t>
-            </a:r>
+              <a:rPr lang="ko-KR" altLang="en-US" dirty="0"/>
+              <a:t>시나리오</a:t>
+            </a:r>
+            <a:r>
+              <a:rPr lang="en-US" altLang="ko-KR" dirty="0"/>
+              <a:t>#32 : </a:t>
+            </a:r>
+            <a:r>
+              <a:rPr lang="ko-KR" altLang="en-US" dirty="0"/>
+              <a:t>재학중이 아닌 학생</a:t>
+            </a:r>
+            <a:r>
+              <a:rPr lang="en-US" altLang="ko-KR" dirty="0"/>
+              <a:t>(</a:t>
+            </a:r>
+            <a:r>
+              <a:rPr lang="ko-KR" altLang="en-US" dirty="0"/>
+              <a:t>휴학</a:t>
+            </a:r>
+            <a:r>
+              <a:rPr lang="en-US" altLang="ko-KR" dirty="0"/>
+              <a:t>)</a:t>
+            </a:r>
+            <a:r>
+              <a:rPr lang="ko-KR" altLang="en-US" dirty="0"/>
+              <a:t>이 모든 선거의 결과를 확인한다</a:t>
+            </a:r>
+            <a:r>
+              <a:rPr lang="en-US" altLang="ko-KR" dirty="0"/>
+              <a:t>.</a:t>
+            </a:r>
+            <a:endParaRPr lang="ko-KR" altLang="en-US" dirty="0"/>
+          </a:p>
+        </p:txBody>
+      </p:sp>
+      <p:pic>
+        <p:nvPicPr>
+          <p:cNvPr id="5" name="내용 개체 틀 4">
+            <a:extLst>
+              <a:ext uri="{FF2B5EF4-FFF2-40B4-BE49-F238E27FC236}">
+                <a16:creationId xmlns:a16="http://schemas.microsoft.com/office/drawing/2014/main" id="{57E87C06-0F7C-462B-89B1-0E9E87EBBC4D}"/>
+              </a:ext>
+            </a:extLst>
+          </p:cNvPr>
+          <p:cNvPicPr>
+            <a:picLocks noGrp="1" noChangeAspect="1"/>
+          </p:cNvPicPr>
+          <p:nvPr>
+            <p:ph idx="1"/>
+          </p:nvPr>
+        </p:nvPicPr>
+        <p:blipFill>
+          <a:blip r:embed="rId2"/>
+          <a:stretch>
+            <a:fillRect/>
+          </a:stretch>
+        </p:blipFill>
+        <p:spPr>
+          <a:xfrm>
+            <a:off x="4682679" y="2046751"/>
+            <a:ext cx="2625307" cy="4351338"/>
+          </a:xfrm>
+        </p:spPr>
+      </p:pic>
+      <p:sp>
+        <p:nvSpPr>
+          <p:cNvPr id="6" name="TextBox 5">
+            <a:extLst>
+              <a:ext uri="{FF2B5EF4-FFF2-40B4-BE49-F238E27FC236}">
+                <a16:creationId xmlns:a16="http://schemas.microsoft.com/office/drawing/2014/main" id="{C4615366-C1F1-428F-924A-DA0DAAC90E2C}"/>
+              </a:ext>
+            </a:extLst>
+          </p:cNvPr>
+          <p:cNvSpPr txBox="1"/>
+          <p:nvPr/>
+        </p:nvSpPr>
+        <p:spPr>
+          <a:xfrm>
+            <a:off x="7726261" y="2248249"/>
+            <a:ext cx="2797561" cy="1200329"/>
+          </a:xfrm>
+          <a:prstGeom prst="rect">
+            <a:avLst/>
+          </a:prstGeom>
+          <a:noFill/>
+        </p:spPr>
+        <p:txBody>
+          <a:bodyPr wrap="none" rtlCol="0">
+            <a:spAutoFit/>
+          </a:bodyPr>
+          <a:lstStyle/>
+          <a:p>
+            <a:r>
+              <a:rPr lang="ko-KR" altLang="en-US" dirty="0"/>
+              <a:t>휴학 중인 학생이 선거</a:t>
+            </a:r>
+            <a:endParaRPr lang="en-US" altLang="ko-KR" dirty="0"/>
+          </a:p>
+          <a:p>
+            <a:r>
+              <a:rPr lang="ko-KR" altLang="en-US" dirty="0"/>
+              <a:t>결과 확인 시 잘 나온다</a:t>
+            </a:r>
+            <a:r>
+              <a:rPr lang="en-US" altLang="ko-KR" dirty="0"/>
+              <a:t>.</a:t>
+            </a:r>
+          </a:p>
+          <a:p>
+            <a:endParaRPr lang="en-US" altLang="ko-KR" dirty="0"/>
+          </a:p>
+          <a:p>
+            <a:r>
+              <a:rPr lang="en-US" altLang="ko-KR" dirty="0"/>
+              <a:t>(</a:t>
+            </a:r>
+            <a:r>
+              <a:rPr lang="ko-KR" altLang="en-US" dirty="0"/>
+              <a:t>물론 투표하기는 안된다</a:t>
+            </a:r>
+            <a:r>
+              <a:rPr lang="en-US" altLang="ko-KR" dirty="0"/>
+              <a:t>)</a:t>
+            </a:r>
+            <a:endParaRPr lang="ko-KR" altLang="en-US" dirty="0"/>
+          </a:p>
+        </p:txBody>
+      </p:sp>
+      <p:sp>
+        <p:nvSpPr>
+          <p:cNvPr id="10" name="TextBox 9">
+            <a:extLst>
+              <a:ext uri="{FF2B5EF4-FFF2-40B4-BE49-F238E27FC236}">
+                <a16:creationId xmlns:a16="http://schemas.microsoft.com/office/drawing/2014/main" id="{EE9AFE13-517C-4294-A8C7-DC3B0CF6B594}"/>
+              </a:ext>
+            </a:extLst>
+          </p:cNvPr>
+          <p:cNvSpPr txBox="1"/>
+          <p:nvPr/>
+        </p:nvSpPr>
+        <p:spPr>
+          <a:xfrm>
+            <a:off x="142959" y="2046751"/>
+            <a:ext cx="3783597" cy="2031325"/>
+          </a:xfrm>
+          <a:prstGeom prst="rect">
+            <a:avLst/>
+          </a:prstGeom>
+          <a:noFill/>
+        </p:spPr>
+        <p:txBody>
+          <a:bodyPr wrap="square" rtlCol="0">
+            <a:spAutoFit/>
+          </a:bodyPr>
+          <a:lstStyle/>
+          <a:p>
+            <a:r>
+              <a:rPr lang="ko-KR" altLang="en-US" dirty="0"/>
+              <a:t>사전조건</a:t>
+            </a:r>
+            <a:r>
+              <a:rPr lang="en-US" altLang="ko-KR" dirty="0"/>
+              <a:t>:</a:t>
+            </a:r>
+          </a:p>
+          <a:p>
+            <a:r>
+              <a:rPr lang="ko-KR" altLang="en-US" dirty="0"/>
+              <a:t>선거를 총학생회 선거 </a:t>
+            </a:r>
+            <a:r>
+              <a:rPr lang="en-US" altLang="ko-KR" dirty="0"/>
+              <a:t>1</a:t>
+            </a:r>
+            <a:r>
+              <a:rPr lang="ko-KR" altLang="en-US" dirty="0"/>
+              <a:t>개를 생성하고서</a:t>
+            </a:r>
+            <a:r>
+              <a:rPr lang="en-US" altLang="ko-KR" dirty="0"/>
+              <a:t>, </a:t>
+            </a:r>
+            <a:r>
+              <a:rPr lang="ko-KR" altLang="en-US" dirty="0"/>
+              <a:t>학생 </a:t>
+            </a:r>
+            <a:r>
+              <a:rPr lang="en-US" altLang="ko-KR" dirty="0"/>
+              <a:t>6</a:t>
+            </a:r>
+            <a:r>
+              <a:rPr lang="ko-KR" altLang="en-US" dirty="0"/>
+              <a:t>명이 각각 투표했을 때 다음과 같은 결과가 나온다</a:t>
+            </a:r>
+            <a:r>
+              <a:rPr lang="en-US" altLang="ko-KR" dirty="0"/>
+              <a:t>.</a:t>
+            </a:r>
+          </a:p>
+          <a:p>
+            <a:r>
+              <a:rPr lang="en-US" altLang="ko-KR" dirty="0"/>
+              <a:t>(</a:t>
+            </a:r>
+            <a:r>
+              <a:rPr lang="ko-KR" altLang="en-US" dirty="0"/>
+              <a:t>임시로 선거 결과가 보이게 하기 위해서 선거종료날짜 및 선거시작날짜를 조정하였음</a:t>
+            </a:r>
+            <a:r>
+              <a:rPr lang="en-US" altLang="ko-KR" dirty="0"/>
+              <a:t>)</a:t>
+            </a:r>
+            <a:endParaRPr lang="ko-KR" altLang="en-US" dirty="0"/>
           </a:p>
         </p:txBody>
       </p:sp>
     </p:spTree>
     <p:extLst>
       <p:ext uri="{BB962C8B-B14F-4D97-AF65-F5344CB8AC3E}">
-        <p14:creationId xmlns:p14="http://schemas.microsoft.com/office/powerpoint/2010/main" val="2125819996"/>
+        <p14:creationId xmlns:p14="http://schemas.microsoft.com/office/powerpoint/2010/main" val="2455322728"/>
       </p:ext>
     </p:extLst>
   </p:cSld>
@@ -18444,7 +18557,7 @@
           <p:cNvPr id="2" name="제목 1">
             <a:extLst>
               <a:ext uri="{FF2B5EF4-FFF2-40B4-BE49-F238E27FC236}">
-                <a16:creationId xmlns:a16="http://schemas.microsoft.com/office/drawing/2014/main" id="{90807F92-7D9D-40AD-BD42-987064ADE3A3}"/>
+                <a16:creationId xmlns:a16="http://schemas.microsoft.com/office/drawing/2014/main" id="{F3F6655D-0031-4416-835F-0DCE900A425C}"/>
               </a:ext>
             </a:extLst>
           </p:cNvPr>
@@ -18460,156 +18573,187 @@
           <a:bodyPr/>
           <a:lstStyle/>
           <a:p>
-            <a:r>
-              <a:rPr lang="ko-KR" altLang="en-US" dirty="0" err="1"/>
-              <a:t>미시행</a:t>
-            </a:r>
-            <a:r>
-              <a:rPr lang="ko-KR" altLang="en-US" dirty="0"/>
-              <a:t> 시나리오 목록</a:t>
-            </a:r>
-          </a:p>
-        </p:txBody>
-      </p:sp>
-      <p:sp>
-        <p:nvSpPr>
-          <p:cNvPr id="3" name="내용 개체 틀 2">
-            <a:extLst>
-              <a:ext uri="{FF2B5EF4-FFF2-40B4-BE49-F238E27FC236}">
-                <a16:creationId xmlns:a16="http://schemas.microsoft.com/office/drawing/2014/main" id="{715E2CC5-4E5B-4624-A6DF-7FBBE383F416}"/>
-              </a:ext>
-            </a:extLst>
-          </p:cNvPr>
-          <p:cNvSpPr>
-            <a:spLocks noGrp="1"/>
-          </p:cNvSpPr>
+            <a:endParaRPr lang="ko-KR" altLang="en-US" dirty="0"/>
+          </a:p>
+        </p:txBody>
+      </p:sp>
+      <p:pic>
+        <p:nvPicPr>
+          <p:cNvPr id="5" name="내용 개체 틀 4">
+            <a:extLst>
+              <a:ext uri="{FF2B5EF4-FFF2-40B4-BE49-F238E27FC236}">
+                <a16:creationId xmlns:a16="http://schemas.microsoft.com/office/drawing/2014/main" id="{EF9A643A-18D9-44CF-A36A-C3A7BDE596A6}"/>
+              </a:ext>
+            </a:extLst>
+          </p:cNvPr>
+          <p:cNvPicPr>
+            <a:picLocks noGrp="1" noChangeAspect="1"/>
+          </p:cNvPicPr>
           <p:nvPr>
             <p:ph idx="1"/>
           </p:nvPr>
-        </p:nvSpPr>
-        <p:spPr/>
-        <p:txBody>
-          <a:bodyPr>
-            <a:normAutofit fontScale="92500"/>
+        </p:nvPicPr>
+        <p:blipFill>
+          <a:blip r:embed="rId2"/>
+          <a:stretch>
+            <a:fillRect/>
+          </a:stretch>
+        </p:blipFill>
+        <p:spPr>
+          <a:xfrm>
+            <a:off x="838200" y="2043739"/>
+            <a:ext cx="2609357" cy="4351338"/>
+          </a:xfrm>
+        </p:spPr>
+      </p:pic>
+      <p:sp>
+        <p:nvSpPr>
+          <p:cNvPr id="6" name="TextBox 5">
+            <a:extLst>
+              <a:ext uri="{FF2B5EF4-FFF2-40B4-BE49-F238E27FC236}">
+                <a16:creationId xmlns:a16="http://schemas.microsoft.com/office/drawing/2014/main" id="{E966F6C4-6A28-40A7-AC6E-680A15714A9A}"/>
+              </a:ext>
+            </a:extLst>
+          </p:cNvPr>
+          <p:cNvSpPr txBox="1"/>
+          <p:nvPr/>
+        </p:nvSpPr>
+        <p:spPr>
+          <a:xfrm>
+            <a:off x="3573711" y="2043739"/>
+            <a:ext cx="5539978" cy="923330"/>
+          </a:xfrm>
+          <a:prstGeom prst="rect">
+            <a:avLst/>
+          </a:prstGeom>
+          <a:noFill/>
+        </p:spPr>
+        <p:txBody>
+          <a:bodyPr wrap="none" rtlCol="0">
+            <a:spAutoFit/>
           </a:bodyPr>
           <a:lstStyle/>
           <a:p>
             <a:r>
-              <a:rPr lang="ko-KR" altLang="en-US" dirty="0">
+              <a:rPr lang="en-US" altLang="ko-KR" dirty="0"/>
+              <a:t>Problem : </a:t>
+            </a:r>
+          </a:p>
+          <a:p>
+            <a:r>
+              <a:rPr lang="ko-KR" altLang="en-US" dirty="0" err="1"/>
+              <a:t>인사대</a:t>
+            </a:r>
+            <a:r>
+              <a:rPr lang="ko-KR" altLang="en-US" dirty="0"/>
+              <a:t> 투표 중복 투표 가능 발견</a:t>
+            </a:r>
+            <a:endParaRPr lang="en-US" altLang="ko-KR" dirty="0"/>
+          </a:p>
+          <a:p>
+            <a:r>
+              <a:rPr lang="en-US" altLang="ko-KR" dirty="0"/>
+              <a:t>(Fixed at </a:t>
+            </a:r>
+            <a:r>
+              <a:rPr lang="en-US" altLang="ko-KR" sz="1800" b="0" i="0" u="none" strike="noStrike" baseline="0" dirty="0">
                 <a:solidFill>
-                  <a:srgbClr val="FF0000"/>
+                  <a:srgbClr val="333333"/>
                 </a:solidFill>
+                <a:latin typeface="Verdana" panose="020B0604030504040204" pitchFamily="34" charset="0"/>
               </a:rPr>
-              <a:t>선거 결과 확인에 대한 시나리오는 준비하지 않음</a:t>
-            </a:r>
-            <a:r>
-              <a:rPr lang="en-US" altLang="ko-KR" dirty="0">
+              <a:t>2020</a:t>
+            </a:r>
+            <a:r>
+              <a:rPr lang="ko-KR" altLang="en-US" sz="1800" b="0" i="0" u="none" strike="noStrike" baseline="0" dirty="0">
                 <a:solidFill>
-                  <a:srgbClr val="FF0000"/>
+                  <a:srgbClr val="333333"/>
                 </a:solidFill>
+                <a:latin typeface="Verdana" panose="020B0604030504040204" pitchFamily="34" charset="0"/>
               </a:rPr>
-              <a:t>.</a:t>
-            </a:r>
-          </a:p>
-          <a:p>
-            <a:pPr>
-              <a:buFont typeface="Symbol" panose="05050102010706020507" pitchFamily="18" charset="2"/>
-              <a:buChar char="Þ"/>
-            </a:pPr>
-            <a:r>
-              <a:rPr lang="ko-KR" altLang="en-US" dirty="0">
+              <a:t>년</a:t>
+            </a:r>
+            <a:r>
+              <a:rPr lang="en-US" altLang="ko-KR" sz="1800" b="0" i="0" u="none" strike="noStrike" baseline="0" dirty="0">
                 <a:solidFill>
-                  <a:srgbClr val="FF0000"/>
+                  <a:srgbClr val="333333"/>
                 </a:solidFill>
+                <a:latin typeface="Verdana" panose="020B0604030504040204" pitchFamily="34" charset="0"/>
               </a:rPr>
-              <a:t>혜령 팀원 담당임</a:t>
-            </a:r>
-            <a:endParaRPr lang="en-US" altLang="ko-KR" dirty="0">
-              <a:solidFill>
-                <a:srgbClr val="FF0000"/>
-              </a:solidFill>
-            </a:endParaRPr>
-          </a:p>
-          <a:p>
-            <a:r>
-              <a:rPr lang="ko-KR" altLang="en-US" dirty="0"/>
-              <a:t>선거 투표용지를 받은 학생이 있을 때 관리자가 선거를 강제종료</a:t>
-            </a:r>
-            <a:endParaRPr lang="en-US" altLang="ko-KR" dirty="0"/>
-          </a:p>
-          <a:p>
-            <a:r>
-              <a:rPr lang="ko-KR" altLang="en-US" dirty="0"/>
-              <a:t>선거에 학생이 투표한 후에 관리자가 선거를 강제종료</a:t>
-            </a:r>
-            <a:endParaRPr lang="en-US" altLang="ko-KR" dirty="0"/>
-          </a:p>
-          <a:p>
-            <a:r>
-              <a:rPr lang="ko-KR" altLang="en-US" dirty="0"/>
-              <a:t>각 단과대별 선거 진행</a:t>
-            </a:r>
-            <a:endParaRPr lang="en-US" altLang="ko-KR" dirty="0"/>
-          </a:p>
-          <a:p>
-            <a:r>
-              <a:rPr lang="ko-KR" altLang="en-US" dirty="0"/>
-              <a:t>총학생회와 </a:t>
-            </a:r>
-            <a:r>
-              <a:rPr lang="ko-KR" altLang="en-US" dirty="0" err="1"/>
-              <a:t>단과대</a:t>
-            </a:r>
-            <a:r>
-              <a:rPr lang="ko-KR" altLang="en-US" dirty="0"/>
-              <a:t> 선거 동시 진행</a:t>
-            </a:r>
-            <a:r>
-              <a:rPr lang="en-US" altLang="ko-KR" dirty="0"/>
-              <a:t>(</a:t>
-            </a:r>
-            <a:r>
-              <a:rPr lang="ko-KR" altLang="en-US" dirty="0" err="1"/>
-              <a:t>단과대</a:t>
-            </a:r>
-            <a:r>
-              <a:rPr lang="ko-KR" altLang="en-US" dirty="0"/>
-              <a:t> 여러 개 만들어서 진행</a:t>
-            </a:r>
-            <a:r>
-              <a:rPr lang="en-US" altLang="ko-KR" dirty="0"/>
-              <a:t>)</a:t>
-            </a:r>
-          </a:p>
-          <a:p>
-            <a:r>
-              <a:rPr lang="ko-KR" altLang="en-US" dirty="0"/>
-              <a:t>보궐 선거 관련</a:t>
-            </a:r>
-            <a:endParaRPr lang="en-US" altLang="ko-KR" dirty="0"/>
-          </a:p>
-          <a:p>
-            <a:r>
-              <a:rPr lang="en-US" altLang="ko-KR" dirty="0"/>
-              <a:t>… </a:t>
-            </a:r>
-            <a:r>
-              <a:rPr lang="ko-KR" altLang="en-US" dirty="0"/>
-              <a:t>등등</a:t>
-            </a:r>
-            <a:endParaRPr lang="en-US" altLang="ko-KR" dirty="0"/>
-          </a:p>
-          <a:p>
-            <a:r>
-              <a:rPr lang="ko-KR" altLang="en-US" b="1" u="sng" dirty="0"/>
-              <a:t>시나리오 아이디어 구함요</a:t>
-            </a:r>
-            <a:r>
-              <a:rPr lang="en-US" altLang="ko-KR" b="1" u="sng" dirty="0"/>
-              <a:t>.</a:t>
-            </a:r>
-          </a:p>
-          <a:p>
+              <a:t> 8</a:t>
+            </a:r>
+            <a:r>
+              <a:rPr lang="ko-KR" altLang="en-US" sz="1800" b="0" i="0" u="none" strike="noStrike" baseline="0" dirty="0">
+                <a:solidFill>
+                  <a:srgbClr val="333333"/>
+                </a:solidFill>
+                <a:latin typeface="Verdana" panose="020B0604030504040204" pitchFamily="34" charset="0"/>
+              </a:rPr>
+              <a:t>월</a:t>
+            </a:r>
+            <a:r>
+              <a:rPr lang="en-US" altLang="ko-KR" sz="1800" b="0" i="0" u="none" strike="noStrike" baseline="0" dirty="0">
+                <a:solidFill>
+                  <a:srgbClr val="333333"/>
+                </a:solidFill>
+                <a:latin typeface="Verdana" panose="020B0604030504040204" pitchFamily="34" charset="0"/>
+              </a:rPr>
+              <a:t> 20</a:t>
+            </a:r>
+            <a:r>
+              <a:rPr lang="ko-KR" altLang="en-US" sz="1800" b="0" i="0" u="none" strike="noStrike" baseline="0" dirty="0">
+                <a:solidFill>
+                  <a:srgbClr val="333333"/>
+                </a:solidFill>
+                <a:latin typeface="Verdana" panose="020B0604030504040204" pitchFamily="34" charset="0"/>
+              </a:rPr>
+              <a:t>일</a:t>
+            </a:r>
+            <a:r>
+              <a:rPr lang="en-US" altLang="ko-KR" sz="1800" b="0" i="0" u="none" strike="noStrike" baseline="0" dirty="0">
+                <a:solidFill>
+                  <a:srgbClr val="333333"/>
+                </a:solidFill>
+                <a:latin typeface="Verdana" panose="020B0604030504040204" pitchFamily="34" charset="0"/>
+              </a:rPr>
+              <a:t> </a:t>
+            </a:r>
+            <a:r>
+              <a:rPr lang="ko-KR" altLang="en-US" sz="1800" b="0" i="0" u="none" strike="noStrike" baseline="0" dirty="0">
+                <a:solidFill>
+                  <a:srgbClr val="333333"/>
+                </a:solidFill>
+                <a:latin typeface="Verdana" panose="020B0604030504040204" pitchFamily="34" charset="0"/>
+              </a:rPr>
+              <a:t>목요일</a:t>
+            </a:r>
+            <a:r>
+              <a:rPr lang="en-US" altLang="ko-KR" sz="1800" b="0" i="0" u="none" strike="noStrike" baseline="0" dirty="0">
+                <a:solidFill>
+                  <a:srgbClr val="333333"/>
+                </a:solidFill>
+                <a:latin typeface="Verdana" panose="020B0604030504040204" pitchFamily="34" charset="0"/>
+              </a:rPr>
+              <a:t> </a:t>
+            </a:r>
+            <a:r>
+              <a:rPr lang="ko-KR" altLang="en-US" sz="1800" b="0" i="0" u="none" strike="noStrike" baseline="0" dirty="0">
+                <a:solidFill>
+                  <a:srgbClr val="333333"/>
+                </a:solidFill>
+                <a:latin typeface="Verdana" panose="020B0604030504040204" pitchFamily="34" charset="0"/>
+              </a:rPr>
+              <a:t>오전</a:t>
+            </a:r>
+            <a:r>
+              <a:rPr lang="en-US" altLang="ko-KR" sz="1800" b="0" i="0" u="none" strike="noStrike" baseline="0" dirty="0">
+                <a:solidFill>
+                  <a:srgbClr val="333333"/>
+                </a:solidFill>
+                <a:latin typeface="Verdana" panose="020B0604030504040204" pitchFamily="34" charset="0"/>
+              </a:rPr>
+              <a:t> 2:34:49)</a:t>
+            </a:r>
             <a:endParaRPr lang="ko-KR" altLang="en-US" dirty="0"/>
           </a:p>
         </p:txBody>
@@ -18617,7 +18761,7 @@
     </p:spTree>
     <p:extLst>
       <p:ext uri="{BB962C8B-B14F-4D97-AF65-F5344CB8AC3E}">
-        <p14:creationId xmlns:p14="http://schemas.microsoft.com/office/powerpoint/2010/main" val="947573483"/>
+        <p14:creationId xmlns:p14="http://schemas.microsoft.com/office/powerpoint/2010/main" val="3014177211"/>
       </p:ext>
     </p:extLst>
   </p:cSld>
@@ -18649,7 +18793,7 @@
           <p:cNvPr id="2" name="제목 1">
             <a:extLst>
               <a:ext uri="{FF2B5EF4-FFF2-40B4-BE49-F238E27FC236}">
-                <a16:creationId xmlns:a16="http://schemas.microsoft.com/office/drawing/2014/main" id="{065E134B-6B70-4C74-B101-F996ADEBB5AB}"/>
+                <a16:creationId xmlns:a16="http://schemas.microsoft.com/office/drawing/2014/main" id="{B741B702-5B12-45A6-B799-8AE7150B6383}"/>
               </a:ext>
             </a:extLst>
           </p:cNvPr>
@@ -18657,7 +18801,7 @@
             <a:spLocks noGrp="1"/>
           </p:cNvSpPr>
           <p:nvPr>
-            <p:ph type="ctrTitle"/>
+            <p:ph type="title"/>
           </p:nvPr>
         </p:nvSpPr>
         <p:spPr/>
@@ -18667,15 +18811,131 @@
           <a:p>
             <a:r>
               <a:rPr lang="ko-KR" altLang="en-US" dirty="0"/>
-              <a:t>시나리오 진행 중 느낀 점</a:t>
-            </a:r>
+              <a:t>시나리오</a:t>
+            </a:r>
+            <a:r>
+              <a:rPr lang="en-US" altLang="ko-KR" dirty="0"/>
+              <a:t>#?? : </a:t>
+            </a:r>
+            <a:r>
+              <a:rPr lang="ko-KR" altLang="en-US" dirty="0"/>
+              <a:t>보궐 선거</a:t>
+            </a:r>
+          </a:p>
+        </p:txBody>
+      </p:sp>
+      <p:sp>
+        <p:nvSpPr>
+          <p:cNvPr id="3" name="내용 개체 틀 2">
+            <a:extLst>
+              <a:ext uri="{FF2B5EF4-FFF2-40B4-BE49-F238E27FC236}">
+                <a16:creationId xmlns:a16="http://schemas.microsoft.com/office/drawing/2014/main" id="{096B0E4F-0A9A-4A03-88B8-0184046FC300}"/>
+              </a:ext>
+            </a:extLst>
+          </p:cNvPr>
+          <p:cNvSpPr>
+            <a:spLocks noGrp="1"/>
+          </p:cNvSpPr>
+          <p:nvPr>
+            <p:ph idx="1"/>
+          </p:nvPr>
+        </p:nvSpPr>
+        <p:spPr/>
+        <p:txBody>
+          <a:bodyPr>
+            <a:normAutofit lnSpcReduction="10000"/>
+          </a:bodyPr>
+          <a:lstStyle/>
+          <a:p>
+            <a:endParaRPr lang="en-US" altLang="ko-KR" dirty="0"/>
+          </a:p>
+          <a:p>
+            <a:r>
+              <a:rPr lang="ko-KR" altLang="en-US" dirty="0"/>
+              <a:t>기존의 총학생회 선거가 등록</a:t>
+            </a:r>
+          </a:p>
+          <a:p>
+            <a:r>
+              <a:rPr lang="ko-KR" altLang="en-US" dirty="0" err="1"/>
+              <a:t>단과대</a:t>
+            </a:r>
+            <a:r>
+              <a:rPr lang="ko-KR" altLang="en-US" dirty="0"/>
+              <a:t> 선거도 등록</a:t>
+            </a:r>
+          </a:p>
+          <a:p>
+            <a:endParaRPr lang="ko-KR" altLang="en-US" dirty="0"/>
+          </a:p>
+          <a:p>
+            <a:r>
+              <a:rPr lang="ko-KR" altLang="en-US" dirty="0" err="1"/>
+              <a:t>단과대</a:t>
+            </a:r>
+            <a:r>
+              <a:rPr lang="ko-KR" altLang="en-US" dirty="0"/>
+              <a:t> 선거는 투표율이 </a:t>
+            </a:r>
+            <a:r>
+              <a:rPr lang="en-US" altLang="ko-KR" dirty="0"/>
+              <a:t>40% &lt;=</a:t>
+            </a:r>
+          </a:p>
+          <a:p>
+            <a:r>
+              <a:rPr lang="ko-KR" altLang="en-US" dirty="0"/>
+              <a:t>총학생회 선거는 투표율이 </a:t>
+            </a:r>
+            <a:r>
+              <a:rPr lang="en-US" altLang="ko-KR" dirty="0"/>
+              <a:t>40% &gt; =&gt; </a:t>
+            </a:r>
+            <a:r>
+              <a:rPr lang="ko-KR" altLang="en-US" dirty="0"/>
+              <a:t>미달</a:t>
+            </a:r>
+          </a:p>
+          <a:p>
+            <a:endParaRPr lang="ko-KR" altLang="en-US" dirty="0"/>
+          </a:p>
+          <a:p>
+            <a:r>
+              <a:rPr lang="ko-KR" altLang="en-US" dirty="0"/>
+              <a:t>총학생회 선거를 단과대선거 종료일 이후에 재 선거 생성</a:t>
+            </a:r>
+            <a:r>
+              <a:rPr lang="en-US" altLang="ko-KR" dirty="0"/>
+              <a:t>(</a:t>
+            </a:r>
+            <a:r>
+              <a:rPr lang="ko-KR" altLang="en-US" dirty="0"/>
+              <a:t>시작</a:t>
+            </a:r>
+            <a:r>
+              <a:rPr lang="en-US" altLang="ko-KR" dirty="0"/>
+              <a:t>)</a:t>
+            </a:r>
+          </a:p>
+          <a:p>
+            <a:r>
+              <a:rPr lang="ko-KR" altLang="en-US" dirty="0"/>
+              <a:t>학생이 총학생회 선거를 다시 참여한다</a:t>
+            </a:r>
+            <a:r>
+              <a:rPr lang="en-US" altLang="ko-KR" dirty="0"/>
+              <a:t>.</a:t>
+            </a:r>
+          </a:p>
+          <a:p>
+            <a:endParaRPr lang="ko-KR" altLang="en-US" dirty="0"/>
           </a:p>
         </p:txBody>
       </p:sp>
     </p:spTree>
     <p:extLst>
       <p:ext uri="{BB962C8B-B14F-4D97-AF65-F5344CB8AC3E}">
-        <p14:creationId xmlns:p14="http://schemas.microsoft.com/office/powerpoint/2010/main" val="453261566"/>
+        <p14:creationId xmlns:p14="http://schemas.microsoft.com/office/powerpoint/2010/main" val="3758833577"/>
       </p:ext>
     </p:extLst>
   </p:cSld>
@@ -18707,7 +18967,69 @@
           <p:cNvPr id="2" name="제목 1">
             <a:extLst>
               <a:ext uri="{FF2B5EF4-FFF2-40B4-BE49-F238E27FC236}">
-                <a16:creationId xmlns:a16="http://schemas.microsoft.com/office/drawing/2014/main" id="{C9AF44FD-6116-42EE-B325-BC2631A9695A}"/>
+                <a16:creationId xmlns:a16="http://schemas.microsoft.com/office/drawing/2014/main" id="{065E134B-6B70-4C74-B101-F996ADEBB5AB}"/>
+              </a:ext>
+            </a:extLst>
+          </p:cNvPr>
+          <p:cNvSpPr>
+            <a:spLocks noGrp="1"/>
+          </p:cNvSpPr>
+          <p:nvPr>
+            <p:ph type="ctrTitle"/>
+          </p:nvPr>
+        </p:nvSpPr>
+        <p:spPr/>
+        <p:txBody>
+          <a:bodyPr/>
+          <a:lstStyle/>
+          <a:p>
+            <a:r>
+              <a:rPr lang="ko-KR" altLang="en-US" dirty="0" err="1"/>
+              <a:t>미시행</a:t>
+            </a:r>
+            <a:r>
+              <a:rPr lang="ko-KR" altLang="en-US" dirty="0"/>
+              <a:t> 시나리오 목록</a:t>
+            </a:r>
+          </a:p>
+        </p:txBody>
+      </p:sp>
+    </p:spTree>
+    <p:extLst>
+      <p:ext uri="{BB962C8B-B14F-4D97-AF65-F5344CB8AC3E}">
+        <p14:creationId xmlns:p14="http://schemas.microsoft.com/office/powerpoint/2010/main" val="2125819996"/>
+      </p:ext>
+    </p:extLst>
+  </p:cSld>
+  <p:clrMapOvr>
+    <a:masterClrMapping/>
+  </p:clrMapOvr>
+</p:sld>
+</file>
+
+<file path=ppt/slides/slide63.xml><?xml version="1.0" encoding="utf-8"?>
+<p:sld xmlns:a="http://schemas.openxmlformats.org/drawingml/2006/main" xmlns:r="http://schemas.openxmlformats.org/officeDocument/2006/relationships" xmlns:p="http://schemas.openxmlformats.org/presentationml/2006/main">
+  <p:cSld>
+    <p:spTree>
+      <p:nvGrpSpPr>
+        <p:cNvPr id="1" name=""/>
+        <p:cNvGrpSpPr/>
+        <p:nvPr/>
+      </p:nvGrpSpPr>
+      <p:grpSpPr>
+        <a:xfrm>
+          <a:off x="0" y="0"/>
+          <a:ext cx="0" cy="0"/>
+          <a:chOff x="0" y="0"/>
+          <a:chExt cx="0" cy="0"/>
+        </a:xfrm>
+      </p:grpSpPr>
+      <p:sp>
+        <p:nvSpPr>
+          <p:cNvPr id="2" name="제목 1">
+            <a:extLst>
+              <a:ext uri="{FF2B5EF4-FFF2-40B4-BE49-F238E27FC236}">
+                <a16:creationId xmlns:a16="http://schemas.microsoft.com/office/drawing/2014/main" id="{90807F92-7D9D-40AD-BD42-987064ADE3A3}"/>
               </a:ext>
             </a:extLst>
           </p:cNvPr>
@@ -18724,8 +19046,12 @@
           <a:lstStyle/>
           <a:p>
             <a:r>
-              <a:rPr lang="ko-KR" altLang="en-US" dirty="0"/>
-              <a:t>시나리오 진행 중 느낀 점</a:t>
+              <a:rPr lang="ko-KR" altLang="en-US" dirty="0" err="1"/>
+              <a:t>미시행</a:t>
+            </a:r>
+            <a:r>
+              <a:rPr lang="ko-KR" altLang="en-US" dirty="0"/>
+              <a:t> 시나리오 목록</a:t>
             </a:r>
           </a:p>
         </p:txBody>
@@ -18735,7 +19061,7 @@
           <p:cNvPr id="3" name="내용 개체 틀 2">
             <a:extLst>
               <a:ext uri="{FF2B5EF4-FFF2-40B4-BE49-F238E27FC236}">
-                <a16:creationId xmlns:a16="http://schemas.microsoft.com/office/drawing/2014/main" id="{87C1B7AF-A4C3-42A7-A72A-721302946001}"/>
+                <a16:creationId xmlns:a16="http://schemas.microsoft.com/office/drawing/2014/main" id="{715E2CC5-4E5B-4624-A6DF-7FBBE383F416}"/>
               </a:ext>
             </a:extLst>
           </p:cNvPr>
@@ -18748,11 +19074,256 @@
         </p:nvSpPr>
         <p:spPr/>
         <p:txBody>
+          <a:bodyPr>
+            <a:normAutofit/>
+          </a:bodyPr>
+          <a:lstStyle/>
+          <a:p>
+            <a:r>
+              <a:rPr lang="ko-KR" altLang="en-US" dirty="0">
+                <a:solidFill>
+                  <a:srgbClr val="FF0000"/>
+                </a:solidFill>
+              </a:rPr>
+              <a:t>선거 결과 확인에 대한 시나리오는 준비하지 않음</a:t>
+            </a:r>
+            <a:r>
+              <a:rPr lang="en-US" altLang="ko-KR" dirty="0">
+                <a:solidFill>
+                  <a:srgbClr val="FF0000"/>
+                </a:solidFill>
+              </a:rPr>
+              <a:t>.</a:t>
+            </a:r>
+          </a:p>
+          <a:p>
+            <a:pPr>
+              <a:buFont typeface="Symbol" panose="05050102010706020507" pitchFamily="18" charset="2"/>
+              <a:buChar char="Þ"/>
+            </a:pPr>
+            <a:r>
+              <a:rPr lang="ko-KR" altLang="en-US" dirty="0">
+                <a:solidFill>
+                  <a:srgbClr val="FF0000"/>
+                </a:solidFill>
+              </a:rPr>
+              <a:t>혜령 팀원 담당임</a:t>
+            </a:r>
+            <a:endParaRPr lang="en-US" altLang="ko-KR" dirty="0">
+              <a:solidFill>
+                <a:srgbClr val="FF0000"/>
+              </a:solidFill>
+            </a:endParaRPr>
+          </a:p>
+          <a:p>
+            <a:r>
+              <a:rPr lang="ko-KR" altLang="en-US" dirty="0"/>
+              <a:t>각 단과대별 선거 진행</a:t>
+            </a:r>
+            <a:endParaRPr lang="en-US" altLang="ko-KR" dirty="0"/>
+          </a:p>
+          <a:p>
+            <a:r>
+              <a:rPr lang="ko-KR" altLang="en-US" dirty="0"/>
+              <a:t>총학생회와 </a:t>
+            </a:r>
+            <a:r>
+              <a:rPr lang="ko-KR" altLang="en-US" dirty="0" err="1"/>
+              <a:t>단과대</a:t>
+            </a:r>
+            <a:r>
+              <a:rPr lang="ko-KR" altLang="en-US" dirty="0"/>
+              <a:t> 선거 동시 진행</a:t>
+            </a:r>
+            <a:r>
+              <a:rPr lang="en-US" altLang="ko-KR" dirty="0"/>
+              <a:t>(</a:t>
+            </a:r>
+            <a:r>
+              <a:rPr lang="ko-KR" altLang="en-US" dirty="0" err="1"/>
+              <a:t>단과대</a:t>
+            </a:r>
+            <a:r>
+              <a:rPr lang="ko-KR" altLang="en-US" dirty="0"/>
+              <a:t> 여러 개 만들어서 진행</a:t>
+            </a:r>
+            <a:r>
+              <a:rPr lang="en-US" altLang="ko-KR" dirty="0"/>
+              <a:t>)</a:t>
+            </a:r>
+          </a:p>
+          <a:p>
+            <a:r>
+              <a:rPr lang="ko-KR" altLang="en-US" dirty="0"/>
+              <a:t>보궐 선거 관련</a:t>
+            </a:r>
+            <a:endParaRPr lang="en-US" altLang="ko-KR" dirty="0"/>
+          </a:p>
+          <a:p>
+            <a:r>
+              <a:rPr lang="en-US" altLang="ko-KR" dirty="0"/>
+              <a:t>… </a:t>
+            </a:r>
+            <a:r>
+              <a:rPr lang="ko-KR" altLang="en-US" dirty="0"/>
+              <a:t>등등</a:t>
+            </a:r>
+            <a:endParaRPr lang="en-US" altLang="ko-KR" dirty="0"/>
+          </a:p>
+          <a:p>
+            <a:r>
+              <a:rPr lang="ko-KR" altLang="en-US" b="1" u="sng" dirty="0"/>
+              <a:t>시나리오 아이디어 구함요</a:t>
+            </a:r>
+            <a:r>
+              <a:rPr lang="en-US" altLang="ko-KR" b="1" u="sng" dirty="0"/>
+              <a:t>.</a:t>
+            </a:r>
+          </a:p>
+          <a:p>
+            <a:endParaRPr lang="ko-KR" altLang="en-US" dirty="0"/>
+          </a:p>
+        </p:txBody>
+      </p:sp>
+    </p:spTree>
+    <p:extLst>
+      <p:ext uri="{BB962C8B-B14F-4D97-AF65-F5344CB8AC3E}">
+        <p14:creationId xmlns:p14="http://schemas.microsoft.com/office/powerpoint/2010/main" val="947573483"/>
+      </p:ext>
+    </p:extLst>
+  </p:cSld>
+  <p:clrMapOvr>
+    <a:masterClrMapping/>
+  </p:clrMapOvr>
+</p:sld>
+</file>
+
+<file path=ppt/slides/slide64.xml><?xml version="1.0" encoding="utf-8"?>
+<p:sld xmlns:a="http://schemas.openxmlformats.org/drawingml/2006/main" xmlns:r="http://schemas.openxmlformats.org/officeDocument/2006/relationships" xmlns:p="http://schemas.openxmlformats.org/presentationml/2006/main">
+  <p:cSld>
+    <p:spTree>
+      <p:nvGrpSpPr>
+        <p:cNvPr id="1" name=""/>
+        <p:cNvGrpSpPr/>
+        <p:nvPr/>
+      </p:nvGrpSpPr>
+      <p:grpSpPr>
+        <a:xfrm>
+          <a:off x="0" y="0"/>
+          <a:ext cx="0" cy="0"/>
+          <a:chOff x="0" y="0"/>
+          <a:chExt cx="0" cy="0"/>
+        </a:xfrm>
+      </p:grpSpPr>
+      <p:sp>
+        <p:nvSpPr>
+          <p:cNvPr id="2" name="제목 1">
+            <a:extLst>
+              <a:ext uri="{FF2B5EF4-FFF2-40B4-BE49-F238E27FC236}">
+                <a16:creationId xmlns:a16="http://schemas.microsoft.com/office/drawing/2014/main" id="{065E134B-6B70-4C74-B101-F996ADEBB5AB}"/>
+              </a:ext>
+            </a:extLst>
+          </p:cNvPr>
+          <p:cNvSpPr>
+            <a:spLocks noGrp="1"/>
+          </p:cNvSpPr>
+          <p:nvPr>
+            <p:ph type="ctrTitle"/>
+          </p:nvPr>
+        </p:nvSpPr>
+        <p:spPr/>
+        <p:txBody>
           <a:bodyPr/>
           <a:lstStyle/>
           <a:p>
             <a:r>
               <a:rPr lang="ko-KR" altLang="en-US" dirty="0"/>
+              <a:t>시나리오 진행 중 느낀 점</a:t>
+            </a:r>
+          </a:p>
+        </p:txBody>
+      </p:sp>
+    </p:spTree>
+    <p:extLst>
+      <p:ext uri="{BB962C8B-B14F-4D97-AF65-F5344CB8AC3E}">
+        <p14:creationId xmlns:p14="http://schemas.microsoft.com/office/powerpoint/2010/main" val="453261566"/>
+      </p:ext>
+    </p:extLst>
+  </p:cSld>
+  <p:clrMapOvr>
+    <a:masterClrMapping/>
+  </p:clrMapOvr>
+</p:sld>
+</file>
+
+<file path=ppt/slides/slide65.xml><?xml version="1.0" encoding="utf-8"?>
+<p:sld xmlns:a="http://schemas.openxmlformats.org/drawingml/2006/main" xmlns:r="http://schemas.openxmlformats.org/officeDocument/2006/relationships" xmlns:p="http://schemas.openxmlformats.org/presentationml/2006/main">
+  <p:cSld>
+    <p:spTree>
+      <p:nvGrpSpPr>
+        <p:cNvPr id="1" name=""/>
+        <p:cNvGrpSpPr/>
+        <p:nvPr/>
+      </p:nvGrpSpPr>
+      <p:grpSpPr>
+        <a:xfrm>
+          <a:off x="0" y="0"/>
+          <a:ext cx="0" cy="0"/>
+          <a:chOff x="0" y="0"/>
+          <a:chExt cx="0" cy="0"/>
+        </a:xfrm>
+      </p:grpSpPr>
+      <p:sp>
+        <p:nvSpPr>
+          <p:cNvPr id="2" name="제목 1">
+            <a:extLst>
+              <a:ext uri="{FF2B5EF4-FFF2-40B4-BE49-F238E27FC236}">
+                <a16:creationId xmlns:a16="http://schemas.microsoft.com/office/drawing/2014/main" id="{C9AF44FD-6116-42EE-B325-BC2631A9695A}"/>
+              </a:ext>
+            </a:extLst>
+          </p:cNvPr>
+          <p:cNvSpPr>
+            <a:spLocks noGrp="1"/>
+          </p:cNvSpPr>
+          <p:nvPr>
+            <p:ph type="title"/>
+          </p:nvPr>
+        </p:nvSpPr>
+        <p:spPr/>
+        <p:txBody>
+          <a:bodyPr/>
+          <a:lstStyle/>
+          <a:p>
+            <a:r>
+              <a:rPr lang="ko-KR" altLang="en-US" dirty="0"/>
+              <a:t>시나리오 진행 중 느낀 점</a:t>
+            </a:r>
+          </a:p>
+        </p:txBody>
+      </p:sp>
+      <p:sp>
+        <p:nvSpPr>
+          <p:cNvPr id="3" name="내용 개체 틀 2">
+            <a:extLst>
+              <a:ext uri="{FF2B5EF4-FFF2-40B4-BE49-F238E27FC236}">
+                <a16:creationId xmlns:a16="http://schemas.microsoft.com/office/drawing/2014/main" id="{87C1B7AF-A4C3-42A7-A72A-721302946001}"/>
+              </a:ext>
+            </a:extLst>
+          </p:cNvPr>
+          <p:cNvSpPr>
+            <a:spLocks noGrp="1"/>
+          </p:cNvSpPr>
+          <p:nvPr>
+            <p:ph idx="1"/>
+          </p:nvPr>
+        </p:nvSpPr>
+        <p:spPr/>
+        <p:txBody>
+          <a:bodyPr/>
+          <a:lstStyle/>
+          <a:p>
+            <a:r>
+              <a:rPr lang="ko-KR" altLang="en-US" dirty="0"/>
               <a:t>관리자 투표율확인 기능이 속도가 너무 느리다</a:t>
             </a:r>
             <a:r>
@@ -18787,7 +19358,18 @@
             </a:r>
           </a:p>
           <a:p>
-            <a:endParaRPr lang="ko-KR" altLang="en-US" dirty="0"/>
+            <a:r>
+              <a:rPr lang="ko-KR" altLang="en-US" dirty="0"/>
+              <a:t>로딩 시 로딩 </a:t>
+            </a:r>
+            <a:r>
+              <a:rPr lang="en-US" altLang="ko-KR" dirty="0"/>
+              <a:t>UI </a:t>
+            </a:r>
+            <a:r>
+              <a:rPr lang="ko-KR" altLang="en-US" dirty="0"/>
+              <a:t>추가 필요</a:t>
+            </a:r>
           </a:p>
         </p:txBody>
       </p:sp>
